--- a/images.pptx
+++ b/images.pptx
@@ -5,7 +5,7 @@
     <p:sldMasterId id="2147483648" r:id="rId1"/>
   </p:sldMasterIdLst>
   <p:notesMasterIdLst>
-    <p:notesMasterId r:id="rId16"/>
+    <p:notesMasterId r:id="rId18"/>
   </p:notesMasterIdLst>
   <p:sldIdLst>
     <p:sldId id="257" r:id="rId2"/>
@@ -22,6 +22,8 @@
     <p:sldId id="267" r:id="rId13"/>
     <p:sldId id="268" r:id="rId14"/>
     <p:sldId id="269" r:id="rId15"/>
+    <p:sldId id="270" r:id="rId16"/>
+    <p:sldId id="271" r:id="rId17"/>
   </p:sldIdLst>
   <p:sldSz cx="12192000" cy="6858000"/>
   <p:notesSz cx="6858000" cy="9144000"/>
@@ -210,7 +212,7 @@
           <a:p>
             <a:fld id="{7CEEDDC0-DF20-AC46-B752-4D05A37D4059}" type="datetimeFigureOut">
               <a:rPr lang="en-US" smtClean="0"/>
-              <a:t>8/20/19</a:t>
+              <a:t>8/23/19</a:t>
             </a:fld>
             <a:endParaRPr lang="en-US"/>
           </a:p>
@@ -792,7 +794,7 @@
           <a:p>
             <a:fld id="{ABB50B84-C221-BA49-B172-B6D4747B1BA4}" type="datetimeFigureOut">
               <a:rPr lang="en-US" smtClean="0"/>
-              <a:t>8/20/19</a:t>
+              <a:t>8/23/19</a:t>
             </a:fld>
             <a:endParaRPr lang="en-US"/>
           </a:p>
@@ -990,7 +992,7 @@
           <a:p>
             <a:fld id="{ABB50B84-C221-BA49-B172-B6D4747B1BA4}" type="datetimeFigureOut">
               <a:rPr lang="en-US" smtClean="0"/>
-              <a:t>8/20/19</a:t>
+              <a:t>8/23/19</a:t>
             </a:fld>
             <a:endParaRPr lang="en-US"/>
           </a:p>
@@ -1198,7 +1200,7 @@
           <a:p>
             <a:fld id="{ABB50B84-C221-BA49-B172-B6D4747B1BA4}" type="datetimeFigureOut">
               <a:rPr lang="en-US" smtClean="0"/>
-              <a:t>8/20/19</a:t>
+              <a:t>8/23/19</a:t>
             </a:fld>
             <a:endParaRPr lang="en-US"/>
           </a:p>
@@ -1396,7 +1398,7 @@
           <a:p>
             <a:fld id="{ABB50B84-C221-BA49-B172-B6D4747B1BA4}" type="datetimeFigureOut">
               <a:rPr lang="en-US" smtClean="0"/>
-              <a:t>8/20/19</a:t>
+              <a:t>8/23/19</a:t>
             </a:fld>
             <a:endParaRPr lang="en-US"/>
           </a:p>
@@ -1671,7 +1673,7 @@
           <a:p>
             <a:fld id="{ABB50B84-C221-BA49-B172-B6D4747B1BA4}" type="datetimeFigureOut">
               <a:rPr lang="en-US" smtClean="0"/>
-              <a:t>8/20/19</a:t>
+              <a:t>8/23/19</a:t>
             </a:fld>
             <a:endParaRPr lang="en-US"/>
           </a:p>
@@ -1936,7 +1938,7 @@
           <a:p>
             <a:fld id="{ABB50B84-C221-BA49-B172-B6D4747B1BA4}" type="datetimeFigureOut">
               <a:rPr lang="en-US" smtClean="0"/>
-              <a:t>8/20/19</a:t>
+              <a:t>8/23/19</a:t>
             </a:fld>
             <a:endParaRPr lang="en-US"/>
           </a:p>
@@ -2348,7 +2350,7 @@
           <a:p>
             <a:fld id="{ABB50B84-C221-BA49-B172-B6D4747B1BA4}" type="datetimeFigureOut">
               <a:rPr lang="en-US" smtClean="0"/>
-              <a:t>8/20/19</a:t>
+              <a:t>8/23/19</a:t>
             </a:fld>
             <a:endParaRPr lang="en-US"/>
           </a:p>
@@ -2489,7 +2491,7 @@
           <a:p>
             <a:fld id="{ABB50B84-C221-BA49-B172-B6D4747B1BA4}" type="datetimeFigureOut">
               <a:rPr lang="en-US" smtClean="0"/>
-              <a:t>8/20/19</a:t>
+              <a:t>8/23/19</a:t>
             </a:fld>
             <a:endParaRPr lang="en-US"/>
           </a:p>
@@ -2602,7 +2604,7 @@
           <a:p>
             <a:fld id="{ABB50B84-C221-BA49-B172-B6D4747B1BA4}" type="datetimeFigureOut">
               <a:rPr lang="en-US" smtClean="0"/>
-              <a:t>8/20/19</a:t>
+              <a:t>8/23/19</a:t>
             </a:fld>
             <a:endParaRPr lang="en-US"/>
           </a:p>
@@ -2913,7 +2915,7 @@
           <a:p>
             <a:fld id="{ABB50B84-C221-BA49-B172-B6D4747B1BA4}" type="datetimeFigureOut">
               <a:rPr lang="en-US" smtClean="0"/>
-              <a:t>8/20/19</a:t>
+              <a:t>8/23/19</a:t>
             </a:fld>
             <a:endParaRPr lang="en-US"/>
           </a:p>
@@ -3201,7 +3203,7 @@
           <a:p>
             <a:fld id="{ABB50B84-C221-BA49-B172-B6D4747B1BA4}" type="datetimeFigureOut">
               <a:rPr lang="en-US" smtClean="0"/>
-              <a:t>8/20/19</a:t>
+              <a:t>8/23/19</a:t>
             </a:fld>
             <a:endParaRPr lang="en-US"/>
           </a:p>
@@ -3442,7 +3444,7 @@
           <a:p>
             <a:fld id="{ABB50B84-C221-BA49-B172-B6D4747B1BA4}" type="datetimeFigureOut">
               <a:rPr lang="en-US" smtClean="0"/>
-              <a:t>8/20/19</a:t>
+              <a:t>8/23/19</a:t>
             </a:fld>
             <a:endParaRPr lang="en-US"/>
           </a:p>
@@ -9238,6 +9240,2051 @@
     <p:extLst>
       <p:ext uri="{BB962C8B-B14F-4D97-AF65-F5344CB8AC3E}">
         <p14:creationId xmlns:p14="http://schemas.microsoft.com/office/powerpoint/2010/main" val="3461181988"/>
+      </p:ext>
+    </p:extLst>
+  </p:cSld>
+  <p:clrMapOvr>
+    <a:masterClrMapping/>
+  </p:clrMapOvr>
+</p:sld>
+</file>
+
+<file path=ppt/slides/slide15.xml><?xml version="1.0" encoding="utf-8"?>
+<p:sld xmlns:a="http://schemas.openxmlformats.org/drawingml/2006/main" xmlns:r="http://schemas.openxmlformats.org/officeDocument/2006/relationships" xmlns:p="http://schemas.openxmlformats.org/presentationml/2006/main">
+  <p:cSld>
+    <p:spTree>
+      <p:nvGrpSpPr>
+        <p:cNvPr id="1" name=""/>
+        <p:cNvGrpSpPr/>
+        <p:nvPr/>
+      </p:nvGrpSpPr>
+      <p:grpSpPr>
+        <a:xfrm>
+          <a:off x="0" y="0"/>
+          <a:ext cx="0" cy="0"/>
+          <a:chOff x="0" y="0"/>
+          <a:chExt cx="0" cy="0"/>
+        </a:xfrm>
+      </p:grpSpPr>
+      <p:pic>
+        <p:nvPicPr>
+          <p:cNvPr id="5" name="Picture 4">
+            <a:extLst>
+              <a:ext uri="{FF2B5EF4-FFF2-40B4-BE49-F238E27FC236}">
+                <a16:creationId xmlns:a16="http://schemas.microsoft.com/office/drawing/2014/main" id="{1AE0FB73-E909-3940-AE05-7E6B7CBCD7DC}"/>
+              </a:ext>
+            </a:extLst>
+          </p:cNvPr>
+          <p:cNvPicPr>
+            <a:picLocks noChangeAspect="1"/>
+          </p:cNvPicPr>
+          <p:nvPr/>
+        </p:nvPicPr>
+        <p:blipFill>
+          <a:blip r:embed="rId2"/>
+          <a:stretch>
+            <a:fillRect/>
+          </a:stretch>
+        </p:blipFill>
+        <p:spPr>
+          <a:xfrm>
+            <a:off x="2966709" y="1344444"/>
+            <a:ext cx="529602" cy="534825"/>
+          </a:xfrm>
+          <a:prstGeom prst="rect">
+            <a:avLst/>
+          </a:prstGeom>
+        </p:spPr>
+      </p:pic>
+      <p:pic>
+        <p:nvPicPr>
+          <p:cNvPr id="9" name="Picture 8">
+            <a:extLst>
+              <a:ext uri="{FF2B5EF4-FFF2-40B4-BE49-F238E27FC236}">
+                <a16:creationId xmlns:a16="http://schemas.microsoft.com/office/drawing/2014/main" id="{5F0AF048-77DA-804A-923B-A9ABCA4C249F}"/>
+              </a:ext>
+            </a:extLst>
+          </p:cNvPr>
+          <p:cNvPicPr>
+            <a:picLocks noChangeAspect="1"/>
+          </p:cNvPicPr>
+          <p:nvPr/>
+        </p:nvPicPr>
+        <p:blipFill>
+          <a:blip r:embed="rId3"/>
+          <a:stretch>
+            <a:fillRect/>
+          </a:stretch>
+        </p:blipFill>
+        <p:spPr>
+          <a:xfrm>
+            <a:off x="2631094" y="2486689"/>
+            <a:ext cx="1200833" cy="1276597"/>
+          </a:xfrm>
+          <a:prstGeom prst="rect">
+            <a:avLst/>
+          </a:prstGeom>
+        </p:spPr>
+      </p:pic>
+      <p:pic>
+        <p:nvPicPr>
+          <p:cNvPr id="10" name="Picture 9">
+            <a:extLst>
+              <a:ext uri="{FF2B5EF4-FFF2-40B4-BE49-F238E27FC236}">
+                <a16:creationId xmlns:a16="http://schemas.microsoft.com/office/drawing/2014/main" id="{59DCABA8-1421-934B-9934-95B94C32A962}"/>
+              </a:ext>
+            </a:extLst>
+          </p:cNvPr>
+          <p:cNvPicPr>
+            <a:picLocks noChangeAspect="1"/>
+          </p:cNvPicPr>
+          <p:nvPr/>
+        </p:nvPicPr>
+        <p:blipFill>
+          <a:blip r:embed="rId3"/>
+          <a:stretch>
+            <a:fillRect/>
+          </a:stretch>
+        </p:blipFill>
+        <p:spPr>
+          <a:xfrm>
+            <a:off x="7397058" y="2486690"/>
+            <a:ext cx="1200833" cy="1276597"/>
+          </a:xfrm>
+          <a:prstGeom prst="rect">
+            <a:avLst/>
+          </a:prstGeom>
+        </p:spPr>
+      </p:pic>
+      <p:pic>
+        <p:nvPicPr>
+          <p:cNvPr id="11" name="Picture 10">
+            <a:extLst>
+              <a:ext uri="{FF2B5EF4-FFF2-40B4-BE49-F238E27FC236}">
+                <a16:creationId xmlns:a16="http://schemas.microsoft.com/office/drawing/2014/main" id="{645291AB-D848-9A41-97BB-21B9E157CE62}"/>
+              </a:ext>
+            </a:extLst>
+          </p:cNvPr>
+          <p:cNvPicPr>
+            <a:picLocks noChangeAspect="1"/>
+          </p:cNvPicPr>
+          <p:nvPr/>
+        </p:nvPicPr>
+        <p:blipFill>
+          <a:blip r:embed="rId3"/>
+          <a:stretch>
+            <a:fillRect/>
+          </a:stretch>
+        </p:blipFill>
+        <p:spPr>
+          <a:xfrm>
+            <a:off x="9877022" y="2486690"/>
+            <a:ext cx="1200833" cy="1276597"/>
+          </a:xfrm>
+          <a:prstGeom prst="rect">
+            <a:avLst/>
+          </a:prstGeom>
+        </p:spPr>
+      </p:pic>
+      <p:cxnSp>
+        <p:nvCxnSpPr>
+          <p:cNvPr id="14" name="Straight Arrow Connector 13">
+            <a:extLst>
+              <a:ext uri="{FF2B5EF4-FFF2-40B4-BE49-F238E27FC236}">
+                <a16:creationId xmlns:a16="http://schemas.microsoft.com/office/drawing/2014/main" id="{E6EAE258-AE7C-6741-B8E3-8CC8670B3B44}"/>
+              </a:ext>
+            </a:extLst>
+          </p:cNvPr>
+          <p:cNvCxnSpPr>
+            <a:cxnSpLocks/>
+            <a:stCxn id="5" idx="2"/>
+            <a:endCxn id="9" idx="0"/>
+          </p:cNvCxnSpPr>
+          <p:nvPr/>
+        </p:nvCxnSpPr>
+        <p:spPr>
+          <a:xfrm>
+            <a:off x="3231510" y="1879269"/>
+            <a:ext cx="1" cy="607420"/>
+          </a:xfrm>
+          <a:prstGeom prst="straightConnector1">
+            <a:avLst/>
+          </a:prstGeom>
+          <a:ln w="38100">
+            <a:headEnd type="none" w="med" len="med"/>
+            <a:tailEnd type="triangle" w="med" len="med"/>
+          </a:ln>
+        </p:spPr>
+        <p:style>
+          <a:lnRef idx="1">
+            <a:schemeClr val="accent1"/>
+          </a:lnRef>
+          <a:fillRef idx="0">
+            <a:schemeClr val="accent1"/>
+          </a:fillRef>
+          <a:effectRef idx="0">
+            <a:schemeClr val="accent1"/>
+          </a:effectRef>
+          <a:fontRef idx="minor">
+            <a:schemeClr val="tx1"/>
+          </a:fontRef>
+        </p:style>
+      </p:cxnSp>
+      <p:cxnSp>
+        <p:nvCxnSpPr>
+          <p:cNvPr id="18" name="Elbow Connector 17">
+            <a:extLst>
+              <a:ext uri="{FF2B5EF4-FFF2-40B4-BE49-F238E27FC236}">
+                <a16:creationId xmlns:a16="http://schemas.microsoft.com/office/drawing/2014/main" id="{F2F800D3-56F0-F642-B525-443C3F739743}"/>
+              </a:ext>
+            </a:extLst>
+          </p:cNvPr>
+          <p:cNvCxnSpPr>
+            <a:cxnSpLocks/>
+            <a:stCxn id="10" idx="0"/>
+            <a:endCxn id="5" idx="3"/>
+          </p:cNvCxnSpPr>
+          <p:nvPr/>
+        </p:nvCxnSpPr>
+        <p:spPr>
+          <a:xfrm rot="16200000" flipV="1">
+            <a:off x="5309477" y="-201308"/>
+            <a:ext cx="874833" cy="4501164"/>
+          </a:xfrm>
+          <a:prstGeom prst="bentConnector2">
+            <a:avLst/>
+          </a:prstGeom>
+          <a:ln w="38100">
+            <a:solidFill>
+              <a:schemeClr val="accent1"/>
+            </a:solidFill>
+            <a:headEnd type="triangle" w="med" len="med"/>
+            <a:tailEnd type="none" w="med" len="med"/>
+          </a:ln>
+        </p:spPr>
+        <p:style>
+          <a:lnRef idx="1">
+            <a:schemeClr val="accent1"/>
+          </a:lnRef>
+          <a:fillRef idx="0">
+            <a:schemeClr val="accent1"/>
+          </a:fillRef>
+          <a:effectRef idx="0">
+            <a:schemeClr val="accent1"/>
+          </a:effectRef>
+          <a:fontRef idx="minor">
+            <a:schemeClr val="tx1"/>
+          </a:fontRef>
+        </p:style>
+      </p:cxnSp>
+      <p:cxnSp>
+        <p:nvCxnSpPr>
+          <p:cNvPr id="21" name="Elbow Connector 20">
+            <a:extLst>
+              <a:ext uri="{FF2B5EF4-FFF2-40B4-BE49-F238E27FC236}">
+                <a16:creationId xmlns:a16="http://schemas.microsoft.com/office/drawing/2014/main" id="{AB678D0E-15B2-0A48-A39C-4B2C003E0E2F}"/>
+              </a:ext>
+            </a:extLst>
+          </p:cNvPr>
+          <p:cNvCxnSpPr>
+            <a:cxnSpLocks/>
+            <a:stCxn id="5" idx="3"/>
+            <a:endCxn id="11" idx="0"/>
+          </p:cNvCxnSpPr>
+          <p:nvPr/>
+        </p:nvCxnSpPr>
+        <p:spPr>
+          <a:xfrm>
+            <a:off x="3496311" y="1611857"/>
+            <a:ext cx="6981128" cy="874833"/>
+          </a:xfrm>
+          <a:prstGeom prst="bentConnector2">
+            <a:avLst/>
+          </a:prstGeom>
+          <a:ln w="38100">
+            <a:headEnd type="none" w="med" len="med"/>
+            <a:tailEnd type="triangle" w="med" len="med"/>
+          </a:ln>
+        </p:spPr>
+        <p:style>
+          <a:lnRef idx="1">
+            <a:schemeClr val="accent1"/>
+          </a:lnRef>
+          <a:fillRef idx="0">
+            <a:schemeClr val="accent1"/>
+          </a:fillRef>
+          <a:effectRef idx="0">
+            <a:schemeClr val="accent1"/>
+          </a:effectRef>
+          <a:fontRef idx="minor">
+            <a:schemeClr val="tx1"/>
+          </a:fontRef>
+        </p:style>
+      </p:cxnSp>
+      <p:sp>
+        <p:nvSpPr>
+          <p:cNvPr id="32" name="TextBox 31">
+            <a:extLst>
+              <a:ext uri="{FF2B5EF4-FFF2-40B4-BE49-F238E27FC236}">
+                <a16:creationId xmlns:a16="http://schemas.microsoft.com/office/drawing/2014/main" id="{88949D60-38C4-8940-90BC-09EF3278619E}"/>
+              </a:ext>
+            </a:extLst>
+          </p:cNvPr>
+          <p:cNvSpPr txBox="1"/>
+          <p:nvPr/>
+        </p:nvSpPr>
+        <p:spPr>
+          <a:xfrm>
+            <a:off x="6451946" y="980991"/>
+            <a:ext cx="4121962" cy="646331"/>
+          </a:xfrm>
+          <a:prstGeom prst="rect">
+            <a:avLst/>
+          </a:prstGeom>
+          <a:noFill/>
+        </p:spPr>
+        <p:txBody>
+          <a:bodyPr wrap="none" rtlCol="0">
+            <a:spAutoFit/>
+          </a:bodyPr>
+          <a:lstStyle/>
+          <a:p>
+            <a:pPr algn="ctr"/>
+            <a:r>
+              <a:rPr lang="en-US" dirty="0"/>
+              <a:t>Encrypt with the same key</a:t>
+            </a:r>
+            <a:br>
+              <a:rPr lang="en-US" dirty="0"/>
+            </a:br>
+            <a:r>
+              <a:rPr lang="en-US" dirty="0"/>
+              <a:t> (or easily-derivable key from the first key)</a:t>
+            </a:r>
+          </a:p>
+        </p:txBody>
+      </p:sp>
+      <p:pic>
+        <p:nvPicPr>
+          <p:cNvPr id="33" name="Picture 32">
+            <a:extLst>
+              <a:ext uri="{FF2B5EF4-FFF2-40B4-BE49-F238E27FC236}">
+                <a16:creationId xmlns:a16="http://schemas.microsoft.com/office/drawing/2014/main" id="{3E5215D1-2F8B-AB4F-B2D3-9447EE6C9388}"/>
+              </a:ext>
+            </a:extLst>
+          </p:cNvPr>
+          <p:cNvPicPr>
+            <a:picLocks noChangeAspect="1"/>
+          </p:cNvPicPr>
+          <p:nvPr/>
+        </p:nvPicPr>
+        <p:blipFill>
+          <a:blip r:embed="rId2"/>
+          <a:stretch>
+            <a:fillRect/>
+          </a:stretch>
+        </p:blipFill>
+        <p:spPr>
+          <a:xfrm>
+            <a:off x="4400865" y="3292715"/>
+            <a:ext cx="361715" cy="365282"/>
+          </a:xfrm>
+          <a:prstGeom prst="rect">
+            <a:avLst/>
+          </a:prstGeom>
+        </p:spPr>
+      </p:pic>
+      <p:sp>
+        <p:nvSpPr>
+          <p:cNvPr id="34" name="Rounded Rectangular Callout 33">
+            <a:extLst>
+              <a:ext uri="{FF2B5EF4-FFF2-40B4-BE49-F238E27FC236}">
+                <a16:creationId xmlns:a16="http://schemas.microsoft.com/office/drawing/2014/main" id="{DDBEC2EE-B882-1540-8C36-BF08E1173790}"/>
+              </a:ext>
+            </a:extLst>
+          </p:cNvPr>
+          <p:cNvSpPr/>
+          <p:nvPr/>
+        </p:nvSpPr>
+        <p:spPr>
+          <a:xfrm>
+            <a:off x="3109098" y="4252438"/>
+            <a:ext cx="5806301" cy="612648"/>
+          </a:xfrm>
+          <a:prstGeom prst="wedgeRoundRectCallout">
+            <a:avLst>
+              <a:gd name="adj1" fmla="val -57277"/>
+              <a:gd name="adj2" fmla="val -49441"/>
+              <a:gd name="adj3" fmla="val 16667"/>
+            </a:avLst>
+          </a:prstGeom>
+          <a:noFill/>
+          <a:ln w="38100"/>
+        </p:spPr>
+        <p:style>
+          <a:lnRef idx="2">
+            <a:schemeClr val="accent1">
+              <a:shade val="50000"/>
+            </a:schemeClr>
+          </a:lnRef>
+          <a:fillRef idx="1">
+            <a:schemeClr val="accent1"/>
+          </a:fillRef>
+          <a:effectRef idx="0">
+            <a:schemeClr val="accent1"/>
+          </a:effectRef>
+          <a:fontRef idx="minor">
+            <a:schemeClr val="lt1"/>
+          </a:fontRef>
+        </p:style>
+        <p:txBody>
+          <a:bodyPr rtlCol="0" anchor="ctr"/>
+          <a:lstStyle/>
+          <a:p>
+            <a:r>
+              <a:rPr lang="en-US" b="1" dirty="0">
+                <a:solidFill>
+                  <a:schemeClr val="tx1"/>
+                </a:solidFill>
+              </a:rPr>
+              <a:t>If only a key for a data got leaked, not only this encrypted data  but also other encrypted data can be cracked!!!</a:t>
+            </a:r>
+          </a:p>
+        </p:txBody>
+      </p:sp>
+      <p:pic>
+        <p:nvPicPr>
+          <p:cNvPr id="7" name="Graphic 6">
+            <a:extLst>
+              <a:ext uri="{FF2B5EF4-FFF2-40B4-BE49-F238E27FC236}">
+                <a16:creationId xmlns:a16="http://schemas.microsoft.com/office/drawing/2014/main" id="{636ABCBE-D3C6-3E4F-952F-78A568B76A88}"/>
+              </a:ext>
+            </a:extLst>
+          </p:cNvPr>
+          <p:cNvPicPr>
+            <a:picLocks noChangeAspect="1"/>
+          </p:cNvPicPr>
+          <p:nvPr/>
+        </p:nvPicPr>
+        <p:blipFill>
+          <a:blip r:embed="rId4">
+            <a:extLst>
+              <a:ext uri="{96DAC541-7B7A-43D3-8B79-37D633B846F1}">
+                <asvg:svgBlip xmlns:asvg="http://schemas.microsoft.com/office/drawing/2016/SVG/main" r:embed="rId5"/>
+              </a:ext>
+            </a:extLst>
+          </a:blip>
+          <a:stretch>
+            <a:fillRect/>
+          </a:stretch>
+        </p:blipFill>
+        <p:spPr>
+          <a:xfrm>
+            <a:off x="1728880" y="3429000"/>
+            <a:ext cx="918358" cy="1276597"/>
+          </a:xfrm>
+          <a:prstGeom prst="rect">
+            <a:avLst/>
+          </a:prstGeom>
+        </p:spPr>
+      </p:pic>
+      <p:sp>
+        <p:nvSpPr>
+          <p:cNvPr id="35" name="TextBox 34">
+            <a:extLst>
+              <a:ext uri="{FF2B5EF4-FFF2-40B4-BE49-F238E27FC236}">
+                <a16:creationId xmlns:a16="http://schemas.microsoft.com/office/drawing/2014/main" id="{25498DD1-C105-1946-AFE4-A77610F9EA19}"/>
+              </a:ext>
+            </a:extLst>
+          </p:cNvPr>
+          <p:cNvSpPr txBox="1"/>
+          <p:nvPr/>
+        </p:nvSpPr>
+        <p:spPr>
+          <a:xfrm>
+            <a:off x="3976722" y="3657997"/>
+            <a:ext cx="1457130" cy="369332"/>
+          </a:xfrm>
+          <a:prstGeom prst="rect">
+            <a:avLst/>
+          </a:prstGeom>
+          <a:noFill/>
+        </p:spPr>
+        <p:txBody>
+          <a:bodyPr wrap="none" rtlCol="0">
+            <a:spAutoFit/>
+          </a:bodyPr>
+          <a:lstStyle/>
+          <a:p>
+            <a:r>
+              <a:rPr lang="en-US" dirty="0">
+                <a:solidFill>
+                  <a:srgbClr val="FF0000"/>
+                </a:solidFill>
+              </a:rPr>
+              <a:t>Key leakage…</a:t>
+            </a:r>
+          </a:p>
+        </p:txBody>
+      </p:sp>
+      <p:sp>
+        <p:nvSpPr>
+          <p:cNvPr id="39" name="Oval Callout 38">
+            <a:extLst>
+              <a:ext uri="{FF2B5EF4-FFF2-40B4-BE49-F238E27FC236}">
+                <a16:creationId xmlns:a16="http://schemas.microsoft.com/office/drawing/2014/main" id="{49C05689-EEA5-BF42-9975-C99D71974D30}"/>
+              </a:ext>
+            </a:extLst>
+          </p:cNvPr>
+          <p:cNvSpPr/>
+          <p:nvPr/>
+        </p:nvSpPr>
+        <p:spPr>
+          <a:xfrm>
+            <a:off x="3831926" y="3199370"/>
+            <a:ext cx="1723054" cy="961150"/>
+          </a:xfrm>
+          <a:prstGeom prst="wedgeEllipseCallout">
+            <a:avLst>
+              <a:gd name="adj1" fmla="val -55959"/>
+              <a:gd name="adj2" fmla="val -38246"/>
+            </a:avLst>
+          </a:prstGeom>
+          <a:noFill/>
+          <a:ln w="38100"/>
+        </p:spPr>
+        <p:style>
+          <a:lnRef idx="2">
+            <a:schemeClr val="accent1">
+              <a:shade val="50000"/>
+            </a:schemeClr>
+          </a:lnRef>
+          <a:fillRef idx="1">
+            <a:schemeClr val="accent1"/>
+          </a:fillRef>
+          <a:effectRef idx="0">
+            <a:schemeClr val="accent1"/>
+          </a:effectRef>
+          <a:fontRef idx="minor">
+            <a:schemeClr val="lt1"/>
+          </a:fontRef>
+        </p:style>
+        <p:txBody>
+          <a:bodyPr rtlCol="0" anchor="ctr"/>
+          <a:lstStyle/>
+          <a:p>
+            <a:pPr algn="ctr"/>
+            <a:endParaRPr lang="en-US"/>
+          </a:p>
+        </p:txBody>
+      </p:sp>
+      <p:sp>
+        <p:nvSpPr>
+          <p:cNvPr id="40" name="TextBox 39">
+            <a:extLst>
+              <a:ext uri="{FF2B5EF4-FFF2-40B4-BE49-F238E27FC236}">
+                <a16:creationId xmlns:a16="http://schemas.microsoft.com/office/drawing/2014/main" id="{191DB872-C1BC-7042-9EB4-99F810B3383A}"/>
+              </a:ext>
+            </a:extLst>
+          </p:cNvPr>
+          <p:cNvSpPr txBox="1"/>
+          <p:nvPr/>
+        </p:nvSpPr>
+        <p:spPr>
+          <a:xfrm>
+            <a:off x="2449468" y="776703"/>
+            <a:ext cx="1564083" cy="646331"/>
+          </a:xfrm>
+          <a:prstGeom prst="rect">
+            <a:avLst/>
+          </a:prstGeom>
+          <a:noFill/>
+        </p:spPr>
+        <p:txBody>
+          <a:bodyPr wrap="none" rtlCol="0">
+            <a:spAutoFit/>
+          </a:bodyPr>
+          <a:lstStyle/>
+          <a:p>
+            <a:pPr algn="ctr"/>
+            <a:r>
+              <a:rPr lang="en-US" dirty="0"/>
+              <a:t>Encryption key</a:t>
+            </a:r>
+            <a:br>
+              <a:rPr lang="en-US" dirty="0"/>
+            </a:br>
+            <a:r>
+              <a:rPr lang="en-US" dirty="0"/>
+              <a:t>(the first key)</a:t>
+            </a:r>
+          </a:p>
+        </p:txBody>
+      </p:sp>
+      <p:sp>
+        <p:nvSpPr>
+          <p:cNvPr id="41" name="Cross 40">
+            <a:extLst>
+              <a:ext uri="{FF2B5EF4-FFF2-40B4-BE49-F238E27FC236}">
+                <a16:creationId xmlns:a16="http://schemas.microsoft.com/office/drawing/2014/main" id="{0F8F0390-F7E9-6745-95E4-0C9623C059E9}"/>
+              </a:ext>
+            </a:extLst>
+          </p:cNvPr>
+          <p:cNvSpPr/>
+          <p:nvPr/>
+        </p:nvSpPr>
+        <p:spPr>
+          <a:xfrm rot="18778543">
+            <a:off x="3278257" y="2123883"/>
+            <a:ext cx="914400" cy="914400"/>
+          </a:xfrm>
+          <a:prstGeom prst="plus">
+            <a:avLst>
+              <a:gd name="adj" fmla="val 43827"/>
+            </a:avLst>
+          </a:prstGeom>
+          <a:solidFill>
+            <a:srgbClr val="FF0000"/>
+          </a:solidFill>
+          <a:ln>
+            <a:solidFill>
+              <a:srgbClr val="FF0000"/>
+            </a:solidFill>
+          </a:ln>
+        </p:spPr>
+        <p:style>
+          <a:lnRef idx="2">
+            <a:schemeClr val="accent1">
+              <a:shade val="50000"/>
+            </a:schemeClr>
+          </a:lnRef>
+          <a:fillRef idx="1">
+            <a:schemeClr val="accent1"/>
+          </a:fillRef>
+          <a:effectRef idx="0">
+            <a:schemeClr val="accent1"/>
+          </a:effectRef>
+          <a:fontRef idx="minor">
+            <a:schemeClr val="lt1"/>
+          </a:fontRef>
+        </p:style>
+        <p:txBody>
+          <a:bodyPr rtlCol="0" anchor="ctr"/>
+          <a:lstStyle/>
+          <a:p>
+            <a:pPr algn="ctr"/>
+            <a:endParaRPr lang="en-US"/>
+          </a:p>
+        </p:txBody>
+      </p:sp>
+      <p:sp>
+        <p:nvSpPr>
+          <p:cNvPr id="42" name="Cross 41">
+            <a:extLst>
+              <a:ext uri="{FF2B5EF4-FFF2-40B4-BE49-F238E27FC236}">
+                <a16:creationId xmlns:a16="http://schemas.microsoft.com/office/drawing/2014/main" id="{AB7D9E1B-1837-9147-B755-44410B1D9D2A}"/>
+              </a:ext>
+            </a:extLst>
+          </p:cNvPr>
+          <p:cNvSpPr/>
+          <p:nvPr/>
+        </p:nvSpPr>
+        <p:spPr>
+          <a:xfrm rot="18778543">
+            <a:off x="8055727" y="2107114"/>
+            <a:ext cx="914400" cy="914400"/>
+          </a:xfrm>
+          <a:prstGeom prst="plus">
+            <a:avLst>
+              <a:gd name="adj" fmla="val 43827"/>
+            </a:avLst>
+          </a:prstGeom>
+          <a:solidFill>
+            <a:srgbClr val="FF0000"/>
+          </a:solidFill>
+          <a:ln>
+            <a:solidFill>
+              <a:srgbClr val="FF0000"/>
+            </a:solidFill>
+          </a:ln>
+        </p:spPr>
+        <p:style>
+          <a:lnRef idx="2">
+            <a:schemeClr val="accent1">
+              <a:shade val="50000"/>
+            </a:schemeClr>
+          </a:lnRef>
+          <a:fillRef idx="1">
+            <a:schemeClr val="accent1"/>
+          </a:fillRef>
+          <a:effectRef idx="0">
+            <a:schemeClr val="accent1"/>
+          </a:effectRef>
+          <a:fontRef idx="minor">
+            <a:schemeClr val="lt1"/>
+          </a:fontRef>
+        </p:style>
+        <p:txBody>
+          <a:bodyPr rtlCol="0" anchor="ctr"/>
+          <a:lstStyle/>
+          <a:p>
+            <a:pPr algn="ctr"/>
+            <a:endParaRPr lang="en-US"/>
+          </a:p>
+        </p:txBody>
+      </p:sp>
+      <p:sp>
+        <p:nvSpPr>
+          <p:cNvPr id="43" name="Cross 42">
+            <a:extLst>
+              <a:ext uri="{FF2B5EF4-FFF2-40B4-BE49-F238E27FC236}">
+                <a16:creationId xmlns:a16="http://schemas.microsoft.com/office/drawing/2014/main" id="{2AF6BCEE-C287-9A44-A39D-406E8AE4EF64}"/>
+              </a:ext>
+            </a:extLst>
+          </p:cNvPr>
+          <p:cNvSpPr/>
+          <p:nvPr/>
+        </p:nvSpPr>
+        <p:spPr>
+          <a:xfrm rot="18778543">
+            <a:off x="10509942" y="2107114"/>
+            <a:ext cx="914400" cy="914400"/>
+          </a:xfrm>
+          <a:prstGeom prst="plus">
+            <a:avLst>
+              <a:gd name="adj" fmla="val 43827"/>
+            </a:avLst>
+          </a:prstGeom>
+          <a:solidFill>
+            <a:srgbClr val="FF0000"/>
+          </a:solidFill>
+          <a:ln>
+            <a:solidFill>
+              <a:srgbClr val="FF0000"/>
+            </a:solidFill>
+          </a:ln>
+        </p:spPr>
+        <p:style>
+          <a:lnRef idx="2">
+            <a:schemeClr val="accent1">
+              <a:shade val="50000"/>
+            </a:schemeClr>
+          </a:lnRef>
+          <a:fillRef idx="1">
+            <a:schemeClr val="accent1"/>
+          </a:fillRef>
+          <a:effectRef idx="0">
+            <a:schemeClr val="accent1"/>
+          </a:effectRef>
+          <a:fontRef idx="minor">
+            <a:schemeClr val="lt1"/>
+          </a:fontRef>
+        </p:style>
+        <p:txBody>
+          <a:bodyPr rtlCol="0" anchor="ctr"/>
+          <a:lstStyle/>
+          <a:p>
+            <a:pPr algn="ctr"/>
+            <a:endParaRPr lang="en-US"/>
+          </a:p>
+        </p:txBody>
+      </p:sp>
+    </p:spTree>
+    <p:extLst>
+      <p:ext uri="{BB962C8B-B14F-4D97-AF65-F5344CB8AC3E}">
+        <p14:creationId xmlns:p14="http://schemas.microsoft.com/office/powerpoint/2010/main" val="3179615495"/>
+      </p:ext>
+    </p:extLst>
+  </p:cSld>
+  <p:clrMapOvr>
+    <a:masterClrMapping/>
+  </p:clrMapOvr>
+</p:sld>
+</file>
+
+<file path=ppt/slides/slide16.xml><?xml version="1.0" encoding="utf-8"?>
+<p:sld xmlns:a="http://schemas.openxmlformats.org/drawingml/2006/main" xmlns:r="http://schemas.openxmlformats.org/officeDocument/2006/relationships" xmlns:p="http://schemas.openxmlformats.org/presentationml/2006/main">
+  <p:cSld>
+    <p:spTree>
+      <p:nvGrpSpPr>
+        <p:cNvPr id="1" name=""/>
+        <p:cNvGrpSpPr/>
+        <p:nvPr/>
+      </p:nvGrpSpPr>
+      <p:grpSpPr>
+        <a:xfrm>
+          <a:off x="0" y="0"/>
+          <a:ext cx="0" cy="0"/>
+          <a:chOff x="0" y="0"/>
+          <a:chExt cx="0" cy="0"/>
+        </a:xfrm>
+      </p:grpSpPr>
+      <p:pic>
+        <p:nvPicPr>
+          <p:cNvPr id="48" name="Picture 47">
+            <a:extLst>
+              <a:ext uri="{FF2B5EF4-FFF2-40B4-BE49-F238E27FC236}">
+                <a16:creationId xmlns:a16="http://schemas.microsoft.com/office/drawing/2014/main" id="{C75B87B1-6AC1-CA41-9AF0-37150DD362D6}"/>
+              </a:ext>
+            </a:extLst>
+          </p:cNvPr>
+          <p:cNvPicPr>
+            <a:picLocks noChangeAspect="1"/>
+          </p:cNvPicPr>
+          <p:nvPr/>
+        </p:nvPicPr>
+        <p:blipFill>
+          <a:blip r:embed="rId2"/>
+          <a:stretch>
+            <a:fillRect/>
+          </a:stretch>
+        </p:blipFill>
+        <p:spPr>
+          <a:xfrm>
+            <a:off x="10016734" y="2930528"/>
+            <a:ext cx="605409" cy="605409"/>
+          </a:xfrm>
+          <a:prstGeom prst="rect">
+            <a:avLst/>
+          </a:prstGeom>
+        </p:spPr>
+      </p:pic>
+      <p:pic>
+        <p:nvPicPr>
+          <p:cNvPr id="5" name="Picture 4">
+            <a:extLst>
+              <a:ext uri="{FF2B5EF4-FFF2-40B4-BE49-F238E27FC236}">
+                <a16:creationId xmlns:a16="http://schemas.microsoft.com/office/drawing/2014/main" id="{1AE0FB73-E909-3940-AE05-7E6B7CBCD7DC}"/>
+              </a:ext>
+            </a:extLst>
+          </p:cNvPr>
+          <p:cNvPicPr>
+            <a:picLocks noChangeAspect="1"/>
+          </p:cNvPicPr>
+          <p:nvPr/>
+        </p:nvPicPr>
+        <p:blipFill>
+          <a:blip r:embed="rId3"/>
+          <a:stretch>
+            <a:fillRect/>
+          </a:stretch>
+        </p:blipFill>
+        <p:spPr>
+          <a:xfrm>
+            <a:off x="2897815" y="3072238"/>
+            <a:ext cx="393067" cy="396943"/>
+          </a:xfrm>
+          <a:prstGeom prst="rect">
+            <a:avLst/>
+          </a:prstGeom>
+        </p:spPr>
+      </p:pic>
+      <p:pic>
+        <p:nvPicPr>
+          <p:cNvPr id="9" name="Picture 8">
+            <a:extLst>
+              <a:ext uri="{FF2B5EF4-FFF2-40B4-BE49-F238E27FC236}">
+                <a16:creationId xmlns:a16="http://schemas.microsoft.com/office/drawing/2014/main" id="{5F0AF048-77DA-804A-923B-A9ABCA4C249F}"/>
+              </a:ext>
+            </a:extLst>
+          </p:cNvPr>
+          <p:cNvPicPr>
+            <a:picLocks noChangeAspect="1"/>
+          </p:cNvPicPr>
+          <p:nvPr/>
+        </p:nvPicPr>
+        <p:blipFill>
+          <a:blip r:embed="rId4"/>
+          <a:stretch>
+            <a:fillRect/>
+          </a:stretch>
+        </p:blipFill>
+        <p:spPr>
+          <a:xfrm>
+            <a:off x="2493934" y="3866415"/>
+            <a:ext cx="1200833" cy="1276597"/>
+          </a:xfrm>
+          <a:prstGeom prst="rect">
+            <a:avLst/>
+          </a:prstGeom>
+        </p:spPr>
+      </p:pic>
+      <p:pic>
+        <p:nvPicPr>
+          <p:cNvPr id="10" name="Picture 9">
+            <a:extLst>
+              <a:ext uri="{FF2B5EF4-FFF2-40B4-BE49-F238E27FC236}">
+                <a16:creationId xmlns:a16="http://schemas.microsoft.com/office/drawing/2014/main" id="{59DCABA8-1421-934B-9934-95B94C32A962}"/>
+              </a:ext>
+            </a:extLst>
+          </p:cNvPr>
+          <p:cNvPicPr>
+            <a:picLocks noChangeAspect="1"/>
+          </p:cNvPicPr>
+          <p:nvPr/>
+        </p:nvPicPr>
+        <p:blipFill>
+          <a:blip r:embed="rId4"/>
+          <a:stretch>
+            <a:fillRect/>
+          </a:stretch>
+        </p:blipFill>
+        <p:spPr>
+          <a:xfrm>
+            <a:off x="7134442" y="3866415"/>
+            <a:ext cx="1200833" cy="1276597"/>
+          </a:xfrm>
+          <a:prstGeom prst="rect">
+            <a:avLst/>
+          </a:prstGeom>
+        </p:spPr>
+      </p:pic>
+      <p:pic>
+        <p:nvPicPr>
+          <p:cNvPr id="11" name="Picture 10">
+            <a:extLst>
+              <a:ext uri="{FF2B5EF4-FFF2-40B4-BE49-F238E27FC236}">
+                <a16:creationId xmlns:a16="http://schemas.microsoft.com/office/drawing/2014/main" id="{645291AB-D848-9A41-97BB-21B9E157CE62}"/>
+              </a:ext>
+            </a:extLst>
+          </p:cNvPr>
+          <p:cNvPicPr>
+            <a:picLocks noChangeAspect="1"/>
+          </p:cNvPicPr>
+          <p:nvPr/>
+        </p:nvPicPr>
+        <p:blipFill>
+          <a:blip r:embed="rId4"/>
+          <a:stretch>
+            <a:fillRect/>
+          </a:stretch>
+        </p:blipFill>
+        <p:spPr>
+          <a:xfrm>
+            <a:off x="9719021" y="3866416"/>
+            <a:ext cx="1200833" cy="1276597"/>
+          </a:xfrm>
+          <a:prstGeom prst="rect">
+            <a:avLst/>
+          </a:prstGeom>
+        </p:spPr>
+      </p:pic>
+      <p:cxnSp>
+        <p:nvCxnSpPr>
+          <p:cNvPr id="14" name="Straight Arrow Connector 13">
+            <a:extLst>
+              <a:ext uri="{FF2B5EF4-FFF2-40B4-BE49-F238E27FC236}">
+                <a16:creationId xmlns:a16="http://schemas.microsoft.com/office/drawing/2014/main" id="{E6EAE258-AE7C-6741-B8E3-8CC8670B3B44}"/>
+              </a:ext>
+            </a:extLst>
+          </p:cNvPr>
+          <p:cNvCxnSpPr>
+            <a:cxnSpLocks/>
+            <a:endCxn id="9" idx="0"/>
+          </p:cNvCxnSpPr>
+          <p:nvPr/>
+        </p:nvCxnSpPr>
+        <p:spPr>
+          <a:xfrm>
+            <a:off x="3094349" y="3429000"/>
+            <a:ext cx="2" cy="437415"/>
+          </a:xfrm>
+          <a:prstGeom prst="straightConnector1">
+            <a:avLst/>
+          </a:prstGeom>
+          <a:ln w="38100">
+            <a:headEnd type="none" w="med" len="med"/>
+            <a:tailEnd type="triangle" w="med" len="med"/>
+          </a:ln>
+        </p:spPr>
+        <p:style>
+          <a:lnRef idx="1">
+            <a:schemeClr val="accent1"/>
+          </a:lnRef>
+          <a:fillRef idx="0">
+            <a:schemeClr val="accent1"/>
+          </a:fillRef>
+          <a:effectRef idx="0">
+            <a:schemeClr val="accent1"/>
+          </a:effectRef>
+          <a:fontRef idx="minor">
+            <a:schemeClr val="tx1"/>
+          </a:fontRef>
+        </p:style>
+      </p:cxnSp>
+      <p:cxnSp>
+        <p:nvCxnSpPr>
+          <p:cNvPr id="18" name="Elbow Connector 17">
+            <a:extLst>
+              <a:ext uri="{FF2B5EF4-FFF2-40B4-BE49-F238E27FC236}">
+                <a16:creationId xmlns:a16="http://schemas.microsoft.com/office/drawing/2014/main" id="{F2F800D3-56F0-F642-B525-443C3F739743}"/>
+              </a:ext>
+            </a:extLst>
+          </p:cNvPr>
+          <p:cNvCxnSpPr>
+            <a:cxnSpLocks/>
+            <a:stCxn id="8" idx="0"/>
+          </p:cNvCxnSpPr>
+          <p:nvPr/>
+        </p:nvCxnSpPr>
+        <p:spPr>
+          <a:xfrm rot="16200000" flipV="1">
+            <a:off x="2177400" y="1219402"/>
+            <a:ext cx="331269" cy="1502628"/>
+          </a:xfrm>
+          <a:prstGeom prst="bentConnector2">
+            <a:avLst/>
+          </a:prstGeom>
+          <a:ln w="38100">
+            <a:solidFill>
+              <a:schemeClr val="accent1"/>
+            </a:solidFill>
+            <a:headEnd type="triangle" w="med" len="med"/>
+            <a:tailEnd type="none" w="med" len="med"/>
+          </a:ln>
+        </p:spPr>
+        <p:style>
+          <a:lnRef idx="1">
+            <a:schemeClr val="accent1"/>
+          </a:lnRef>
+          <a:fillRef idx="0">
+            <a:schemeClr val="accent1"/>
+          </a:fillRef>
+          <a:effectRef idx="0">
+            <a:schemeClr val="accent1"/>
+          </a:effectRef>
+          <a:fontRef idx="minor">
+            <a:schemeClr val="tx1"/>
+          </a:fontRef>
+        </p:style>
+      </p:cxnSp>
+      <p:sp>
+        <p:nvSpPr>
+          <p:cNvPr id="32" name="TextBox 31">
+            <a:extLst>
+              <a:ext uri="{FF2B5EF4-FFF2-40B4-BE49-F238E27FC236}">
+                <a16:creationId xmlns:a16="http://schemas.microsoft.com/office/drawing/2014/main" id="{88949D60-38C4-8940-90BC-09EF3278619E}"/>
+              </a:ext>
+            </a:extLst>
+          </p:cNvPr>
+          <p:cNvSpPr txBox="1"/>
+          <p:nvPr/>
+        </p:nvSpPr>
+        <p:spPr>
+          <a:xfrm>
+            <a:off x="7600612" y="5120573"/>
+            <a:ext cx="3854976" cy="923330"/>
+          </a:xfrm>
+          <a:prstGeom prst="rect">
+            <a:avLst/>
+          </a:prstGeom>
+          <a:noFill/>
+        </p:spPr>
+        <p:txBody>
+          <a:bodyPr wrap="square" rtlCol="0">
+            <a:spAutoFit/>
+          </a:bodyPr>
+          <a:lstStyle/>
+          <a:p>
+            <a:pPr algn="ctr"/>
+            <a:r>
+              <a:rPr lang="en-US" dirty="0"/>
+              <a:t>Encrypt with </a:t>
+            </a:r>
+            <a:r>
+              <a:rPr lang="en-US" b="1" dirty="0">
+                <a:solidFill>
+                  <a:srgbClr val="FF0000"/>
+                </a:solidFill>
+              </a:rPr>
+              <a:t>random keys </a:t>
+            </a:r>
+            <a:r>
+              <a:rPr lang="en-US" dirty="0"/>
+              <a:t>probabilistically derived from the origin</a:t>
+            </a:r>
+            <a:br>
+              <a:rPr lang="en-US" dirty="0"/>
+            </a:br>
+            <a:r>
+              <a:rPr lang="en-US" dirty="0"/>
+              <a:t> (or underivable key from other keys)</a:t>
+            </a:r>
+          </a:p>
+        </p:txBody>
+      </p:sp>
+      <p:pic>
+        <p:nvPicPr>
+          <p:cNvPr id="33" name="Picture 32">
+            <a:extLst>
+              <a:ext uri="{FF2B5EF4-FFF2-40B4-BE49-F238E27FC236}">
+                <a16:creationId xmlns:a16="http://schemas.microsoft.com/office/drawing/2014/main" id="{3E5215D1-2F8B-AB4F-B2D3-9447EE6C9388}"/>
+              </a:ext>
+            </a:extLst>
+          </p:cNvPr>
+          <p:cNvPicPr>
+            <a:picLocks noChangeAspect="1"/>
+          </p:cNvPicPr>
+          <p:nvPr/>
+        </p:nvPicPr>
+        <p:blipFill>
+          <a:blip r:embed="rId3"/>
+          <a:stretch>
+            <a:fillRect/>
+          </a:stretch>
+        </p:blipFill>
+        <p:spPr>
+          <a:xfrm>
+            <a:off x="4263705" y="4672441"/>
+            <a:ext cx="361715" cy="365282"/>
+          </a:xfrm>
+          <a:prstGeom prst="rect">
+            <a:avLst/>
+          </a:prstGeom>
+        </p:spPr>
+      </p:pic>
+      <p:sp>
+        <p:nvSpPr>
+          <p:cNvPr id="34" name="Rounded Rectangular Callout 33">
+            <a:extLst>
+              <a:ext uri="{FF2B5EF4-FFF2-40B4-BE49-F238E27FC236}">
+                <a16:creationId xmlns:a16="http://schemas.microsoft.com/office/drawing/2014/main" id="{DDBEC2EE-B882-1540-8C36-BF08E1173790}"/>
+              </a:ext>
+            </a:extLst>
+          </p:cNvPr>
+          <p:cNvSpPr/>
+          <p:nvPr/>
+        </p:nvSpPr>
+        <p:spPr>
+          <a:xfrm>
+            <a:off x="2772948" y="5664661"/>
+            <a:ext cx="4564794" cy="612648"/>
+          </a:xfrm>
+          <a:prstGeom prst="wedgeRoundRectCallout">
+            <a:avLst>
+              <a:gd name="adj1" fmla="val -57277"/>
+              <a:gd name="adj2" fmla="val -49441"/>
+              <a:gd name="adj3" fmla="val 16667"/>
+            </a:avLst>
+          </a:prstGeom>
+          <a:noFill/>
+          <a:ln w="38100"/>
+        </p:spPr>
+        <p:style>
+          <a:lnRef idx="2">
+            <a:schemeClr val="accent1">
+              <a:shade val="50000"/>
+            </a:schemeClr>
+          </a:lnRef>
+          <a:fillRef idx="1">
+            <a:schemeClr val="accent1"/>
+          </a:fillRef>
+          <a:effectRef idx="0">
+            <a:schemeClr val="accent1"/>
+          </a:effectRef>
+          <a:fontRef idx="minor">
+            <a:schemeClr val="lt1"/>
+          </a:fontRef>
+        </p:style>
+        <p:txBody>
+          <a:bodyPr rtlCol="0" anchor="ctr"/>
+          <a:lstStyle/>
+          <a:p>
+            <a:r>
+              <a:rPr lang="en-US" b="1" dirty="0">
+                <a:solidFill>
+                  <a:schemeClr val="tx1"/>
+                </a:solidFill>
+              </a:rPr>
+              <a:t>Even if only a key for a data got leaked, other encrypted data is unable to be cracked…</a:t>
+            </a:r>
+          </a:p>
+        </p:txBody>
+      </p:sp>
+      <p:pic>
+        <p:nvPicPr>
+          <p:cNvPr id="7" name="Graphic 6">
+            <a:extLst>
+              <a:ext uri="{FF2B5EF4-FFF2-40B4-BE49-F238E27FC236}">
+                <a16:creationId xmlns:a16="http://schemas.microsoft.com/office/drawing/2014/main" id="{636ABCBE-D3C6-3E4F-952F-78A568B76A88}"/>
+              </a:ext>
+            </a:extLst>
+          </p:cNvPr>
+          <p:cNvPicPr>
+            <a:picLocks noChangeAspect="1"/>
+          </p:cNvPicPr>
+          <p:nvPr/>
+        </p:nvPicPr>
+        <p:blipFill>
+          <a:blip r:embed="rId5">
+            <a:extLst>
+              <a:ext uri="{96DAC541-7B7A-43D3-8B79-37D633B846F1}">
+                <asvg:svgBlip xmlns:asvg="http://schemas.microsoft.com/office/drawing/2016/SVG/main" r:embed="rId6"/>
+              </a:ext>
+            </a:extLst>
+          </a:blip>
+          <a:stretch>
+            <a:fillRect/>
+          </a:stretch>
+        </p:blipFill>
+        <p:spPr>
+          <a:xfrm>
+            <a:off x="1591720" y="4808726"/>
+            <a:ext cx="918358" cy="1276597"/>
+          </a:xfrm>
+          <a:prstGeom prst="rect">
+            <a:avLst/>
+          </a:prstGeom>
+        </p:spPr>
+      </p:pic>
+      <p:sp>
+        <p:nvSpPr>
+          <p:cNvPr id="35" name="TextBox 34">
+            <a:extLst>
+              <a:ext uri="{FF2B5EF4-FFF2-40B4-BE49-F238E27FC236}">
+                <a16:creationId xmlns:a16="http://schemas.microsoft.com/office/drawing/2014/main" id="{25498DD1-C105-1946-AFE4-A77610F9EA19}"/>
+              </a:ext>
+            </a:extLst>
+          </p:cNvPr>
+          <p:cNvSpPr txBox="1"/>
+          <p:nvPr/>
+        </p:nvSpPr>
+        <p:spPr>
+          <a:xfrm>
+            <a:off x="3839562" y="5037723"/>
+            <a:ext cx="1457130" cy="369332"/>
+          </a:xfrm>
+          <a:prstGeom prst="rect">
+            <a:avLst/>
+          </a:prstGeom>
+          <a:noFill/>
+        </p:spPr>
+        <p:txBody>
+          <a:bodyPr wrap="none" rtlCol="0">
+            <a:spAutoFit/>
+          </a:bodyPr>
+          <a:lstStyle/>
+          <a:p>
+            <a:r>
+              <a:rPr lang="en-US" dirty="0">
+                <a:solidFill>
+                  <a:srgbClr val="FF0000"/>
+                </a:solidFill>
+              </a:rPr>
+              <a:t>Key leakage…</a:t>
+            </a:r>
+          </a:p>
+        </p:txBody>
+      </p:sp>
+      <p:sp>
+        <p:nvSpPr>
+          <p:cNvPr id="39" name="Oval Callout 38">
+            <a:extLst>
+              <a:ext uri="{FF2B5EF4-FFF2-40B4-BE49-F238E27FC236}">
+                <a16:creationId xmlns:a16="http://schemas.microsoft.com/office/drawing/2014/main" id="{49C05689-EEA5-BF42-9975-C99D71974D30}"/>
+              </a:ext>
+            </a:extLst>
+          </p:cNvPr>
+          <p:cNvSpPr/>
+          <p:nvPr/>
+        </p:nvSpPr>
+        <p:spPr>
+          <a:xfrm>
+            <a:off x="3694766" y="4579096"/>
+            <a:ext cx="1723054" cy="961150"/>
+          </a:xfrm>
+          <a:prstGeom prst="wedgeEllipseCallout">
+            <a:avLst>
+              <a:gd name="adj1" fmla="val -55959"/>
+              <a:gd name="adj2" fmla="val -38246"/>
+            </a:avLst>
+          </a:prstGeom>
+          <a:noFill/>
+          <a:ln w="38100"/>
+        </p:spPr>
+        <p:style>
+          <a:lnRef idx="2">
+            <a:schemeClr val="accent1">
+              <a:shade val="50000"/>
+            </a:schemeClr>
+          </a:lnRef>
+          <a:fillRef idx="1">
+            <a:schemeClr val="accent1"/>
+          </a:fillRef>
+          <a:effectRef idx="0">
+            <a:schemeClr val="accent1"/>
+          </a:effectRef>
+          <a:fontRef idx="minor">
+            <a:schemeClr val="lt1"/>
+          </a:fontRef>
+        </p:style>
+        <p:txBody>
+          <a:bodyPr rtlCol="0" anchor="ctr"/>
+          <a:lstStyle/>
+          <a:p>
+            <a:pPr algn="ctr"/>
+            <a:endParaRPr lang="en-US"/>
+          </a:p>
+        </p:txBody>
+      </p:sp>
+      <p:sp>
+        <p:nvSpPr>
+          <p:cNvPr id="40" name="TextBox 39">
+            <a:extLst>
+              <a:ext uri="{FF2B5EF4-FFF2-40B4-BE49-F238E27FC236}">
+                <a16:creationId xmlns:a16="http://schemas.microsoft.com/office/drawing/2014/main" id="{191DB872-C1BC-7042-9EB4-99F810B3383A}"/>
+              </a:ext>
+            </a:extLst>
+          </p:cNvPr>
+          <p:cNvSpPr txBox="1"/>
+          <p:nvPr/>
+        </p:nvSpPr>
+        <p:spPr>
+          <a:xfrm>
+            <a:off x="272592" y="1969574"/>
+            <a:ext cx="1599968" cy="646331"/>
+          </a:xfrm>
+          <a:prstGeom prst="rect">
+            <a:avLst/>
+          </a:prstGeom>
+          <a:noFill/>
+        </p:spPr>
+        <p:txBody>
+          <a:bodyPr wrap="square" rtlCol="0">
+            <a:spAutoFit/>
+          </a:bodyPr>
+          <a:lstStyle/>
+          <a:p>
+            <a:pPr algn="ctr"/>
+            <a:r>
+              <a:rPr lang="en-US" dirty="0"/>
+              <a:t>The origin</a:t>
+            </a:r>
+          </a:p>
+          <a:p>
+            <a:pPr algn="ctr"/>
+            <a:r>
+              <a:rPr lang="en-US" dirty="0"/>
+              <a:t>(like password)</a:t>
+            </a:r>
+          </a:p>
+        </p:txBody>
+      </p:sp>
+      <p:sp>
+        <p:nvSpPr>
+          <p:cNvPr id="41" name="Cross 40">
+            <a:extLst>
+              <a:ext uri="{FF2B5EF4-FFF2-40B4-BE49-F238E27FC236}">
+                <a16:creationId xmlns:a16="http://schemas.microsoft.com/office/drawing/2014/main" id="{0F8F0390-F7E9-6745-95E4-0C9623C059E9}"/>
+              </a:ext>
+            </a:extLst>
+          </p:cNvPr>
+          <p:cNvSpPr/>
+          <p:nvPr/>
+        </p:nvSpPr>
+        <p:spPr>
+          <a:xfrm rot="18778543">
+            <a:off x="3141097" y="3503609"/>
+            <a:ext cx="914400" cy="914400"/>
+          </a:xfrm>
+          <a:prstGeom prst="plus">
+            <a:avLst>
+              <a:gd name="adj" fmla="val 43827"/>
+            </a:avLst>
+          </a:prstGeom>
+          <a:solidFill>
+            <a:srgbClr val="FF0000"/>
+          </a:solidFill>
+          <a:ln>
+            <a:solidFill>
+              <a:srgbClr val="FF0000"/>
+            </a:solidFill>
+          </a:ln>
+        </p:spPr>
+        <p:style>
+          <a:lnRef idx="2">
+            <a:schemeClr val="accent1">
+              <a:shade val="50000"/>
+            </a:schemeClr>
+          </a:lnRef>
+          <a:fillRef idx="1">
+            <a:schemeClr val="accent1"/>
+          </a:fillRef>
+          <a:effectRef idx="0">
+            <a:schemeClr val="accent1"/>
+          </a:effectRef>
+          <a:fontRef idx="minor">
+            <a:schemeClr val="lt1"/>
+          </a:fontRef>
+        </p:style>
+        <p:txBody>
+          <a:bodyPr rtlCol="0" anchor="ctr"/>
+          <a:lstStyle/>
+          <a:p>
+            <a:pPr algn="ctr"/>
+            <a:endParaRPr lang="en-US"/>
+          </a:p>
+        </p:txBody>
+      </p:sp>
+      <p:pic>
+        <p:nvPicPr>
+          <p:cNvPr id="3" name="Picture 2">
+            <a:extLst>
+              <a:ext uri="{FF2B5EF4-FFF2-40B4-BE49-F238E27FC236}">
+                <a16:creationId xmlns:a16="http://schemas.microsoft.com/office/drawing/2014/main" id="{EADE8512-5B53-3E4D-8CE3-FDACEE730CDE}"/>
+              </a:ext>
+            </a:extLst>
+          </p:cNvPr>
+          <p:cNvPicPr>
+            <a:picLocks noChangeAspect="1"/>
+          </p:cNvPicPr>
+          <p:nvPr/>
+        </p:nvPicPr>
+        <p:blipFill>
+          <a:blip r:embed="rId7"/>
+          <a:stretch>
+            <a:fillRect/>
+          </a:stretch>
+        </p:blipFill>
+        <p:spPr>
+          <a:xfrm>
+            <a:off x="671182" y="1653883"/>
+            <a:ext cx="802788" cy="312781"/>
+          </a:xfrm>
+          <a:prstGeom prst="rect">
+            <a:avLst/>
+          </a:prstGeom>
+        </p:spPr>
+      </p:pic>
+      <p:sp>
+        <p:nvSpPr>
+          <p:cNvPr id="8" name="Rounded Rectangle 7">
+            <a:extLst>
+              <a:ext uri="{FF2B5EF4-FFF2-40B4-BE49-F238E27FC236}">
+                <a16:creationId xmlns:a16="http://schemas.microsoft.com/office/drawing/2014/main" id="{A1F08BC1-90C4-2544-8B5C-C4575FA8CA08}"/>
+              </a:ext>
+            </a:extLst>
+          </p:cNvPr>
+          <p:cNvSpPr/>
+          <p:nvPr/>
+        </p:nvSpPr>
+        <p:spPr>
+          <a:xfrm>
+            <a:off x="2232821" y="2136350"/>
+            <a:ext cx="1723053" cy="534825"/>
+          </a:xfrm>
+          <a:prstGeom prst="roundRect">
+            <a:avLst/>
+          </a:prstGeom>
+          <a:noFill/>
+          <a:ln w="38100"/>
+        </p:spPr>
+        <p:style>
+          <a:lnRef idx="2">
+            <a:schemeClr val="accent1">
+              <a:shade val="50000"/>
+            </a:schemeClr>
+          </a:lnRef>
+          <a:fillRef idx="1">
+            <a:schemeClr val="accent1"/>
+          </a:fillRef>
+          <a:effectRef idx="0">
+            <a:schemeClr val="accent1"/>
+          </a:effectRef>
+          <a:fontRef idx="minor">
+            <a:schemeClr val="lt1"/>
+          </a:fontRef>
+        </p:style>
+        <p:txBody>
+          <a:bodyPr rtlCol="0" anchor="ctr"/>
+          <a:lstStyle/>
+          <a:p>
+            <a:pPr algn="ctr"/>
+            <a:r>
+              <a:rPr lang="en-US" b="1" dirty="0">
+                <a:solidFill>
+                  <a:srgbClr val="FF0000"/>
+                </a:solidFill>
+              </a:rPr>
+              <a:t>Key Derivation Function</a:t>
+            </a:r>
+          </a:p>
+        </p:txBody>
+      </p:sp>
+      <p:cxnSp>
+        <p:nvCxnSpPr>
+          <p:cNvPr id="26" name="Straight Arrow Connector 25">
+            <a:extLst>
+              <a:ext uri="{FF2B5EF4-FFF2-40B4-BE49-F238E27FC236}">
+                <a16:creationId xmlns:a16="http://schemas.microsoft.com/office/drawing/2014/main" id="{0438C4F2-6C86-8F42-8A24-C5F7ED254077}"/>
+              </a:ext>
+            </a:extLst>
+          </p:cNvPr>
+          <p:cNvCxnSpPr>
+            <a:cxnSpLocks/>
+            <a:stCxn id="8" idx="2"/>
+            <a:endCxn id="5" idx="0"/>
+          </p:cNvCxnSpPr>
+          <p:nvPr/>
+        </p:nvCxnSpPr>
+        <p:spPr>
+          <a:xfrm>
+            <a:off x="3094348" y="2671175"/>
+            <a:ext cx="1" cy="401063"/>
+          </a:xfrm>
+          <a:prstGeom prst="straightConnector1">
+            <a:avLst/>
+          </a:prstGeom>
+          <a:ln w="38100">
+            <a:headEnd type="none" w="med" len="med"/>
+            <a:tailEnd type="triangle" w="med" len="med"/>
+          </a:ln>
+        </p:spPr>
+        <p:style>
+          <a:lnRef idx="1">
+            <a:schemeClr val="accent1"/>
+          </a:lnRef>
+          <a:fillRef idx="0">
+            <a:schemeClr val="accent1"/>
+          </a:fillRef>
+          <a:effectRef idx="0">
+            <a:schemeClr val="accent1"/>
+          </a:effectRef>
+          <a:fontRef idx="minor">
+            <a:schemeClr val="tx1"/>
+          </a:fontRef>
+        </p:style>
+      </p:cxnSp>
+      <p:sp>
+        <p:nvSpPr>
+          <p:cNvPr id="36" name="Rounded Rectangle 35">
+            <a:extLst>
+              <a:ext uri="{FF2B5EF4-FFF2-40B4-BE49-F238E27FC236}">
+                <a16:creationId xmlns:a16="http://schemas.microsoft.com/office/drawing/2014/main" id="{B1CE2C67-3FEA-D747-A97B-FB7D53A0392B}"/>
+              </a:ext>
+            </a:extLst>
+          </p:cNvPr>
+          <p:cNvSpPr/>
+          <p:nvPr/>
+        </p:nvSpPr>
+        <p:spPr>
+          <a:xfrm>
+            <a:off x="6873333" y="2136350"/>
+            <a:ext cx="1723053" cy="534825"/>
+          </a:xfrm>
+          <a:prstGeom prst="roundRect">
+            <a:avLst/>
+          </a:prstGeom>
+          <a:noFill/>
+          <a:ln w="38100"/>
+        </p:spPr>
+        <p:style>
+          <a:lnRef idx="2">
+            <a:schemeClr val="accent1">
+              <a:shade val="50000"/>
+            </a:schemeClr>
+          </a:lnRef>
+          <a:fillRef idx="1">
+            <a:schemeClr val="accent1"/>
+          </a:fillRef>
+          <a:effectRef idx="0">
+            <a:schemeClr val="accent1"/>
+          </a:effectRef>
+          <a:fontRef idx="minor">
+            <a:schemeClr val="lt1"/>
+          </a:fontRef>
+        </p:style>
+        <p:txBody>
+          <a:bodyPr rtlCol="0" anchor="ctr"/>
+          <a:lstStyle/>
+          <a:p>
+            <a:pPr algn="ctr"/>
+            <a:r>
+              <a:rPr lang="en-US" b="1" dirty="0">
+                <a:solidFill>
+                  <a:srgbClr val="FF0000"/>
+                </a:solidFill>
+              </a:rPr>
+              <a:t>Key Derivation Function</a:t>
+            </a:r>
+          </a:p>
+        </p:txBody>
+      </p:sp>
+      <p:cxnSp>
+        <p:nvCxnSpPr>
+          <p:cNvPr id="37" name="Straight Arrow Connector 36">
+            <a:extLst>
+              <a:ext uri="{FF2B5EF4-FFF2-40B4-BE49-F238E27FC236}">
+                <a16:creationId xmlns:a16="http://schemas.microsoft.com/office/drawing/2014/main" id="{31A0572B-15B1-814E-9423-21754A46FE7B}"/>
+              </a:ext>
+            </a:extLst>
+          </p:cNvPr>
+          <p:cNvCxnSpPr>
+            <a:cxnSpLocks/>
+            <a:stCxn id="36" idx="2"/>
+          </p:cNvCxnSpPr>
+          <p:nvPr/>
+        </p:nvCxnSpPr>
+        <p:spPr>
+          <a:xfrm>
+            <a:off x="7734860" y="2671175"/>
+            <a:ext cx="1" cy="401063"/>
+          </a:xfrm>
+          <a:prstGeom prst="straightConnector1">
+            <a:avLst/>
+          </a:prstGeom>
+          <a:ln w="38100">
+            <a:headEnd type="none" w="med" len="med"/>
+            <a:tailEnd type="triangle" w="med" len="med"/>
+          </a:ln>
+        </p:spPr>
+        <p:style>
+          <a:lnRef idx="1">
+            <a:schemeClr val="accent1"/>
+          </a:lnRef>
+          <a:fillRef idx="0">
+            <a:schemeClr val="accent1"/>
+          </a:fillRef>
+          <a:effectRef idx="0">
+            <a:schemeClr val="accent1"/>
+          </a:effectRef>
+          <a:fontRef idx="minor">
+            <a:schemeClr val="tx1"/>
+          </a:fontRef>
+        </p:style>
+      </p:cxnSp>
+      <p:cxnSp>
+        <p:nvCxnSpPr>
+          <p:cNvPr id="38" name="Elbow Connector 37">
+            <a:extLst>
+              <a:ext uri="{FF2B5EF4-FFF2-40B4-BE49-F238E27FC236}">
+                <a16:creationId xmlns:a16="http://schemas.microsoft.com/office/drawing/2014/main" id="{EFF1FF17-F7A5-EB47-9134-AA8164A8900E}"/>
+              </a:ext>
+            </a:extLst>
+          </p:cNvPr>
+          <p:cNvCxnSpPr>
+            <a:cxnSpLocks/>
+            <a:stCxn id="36" idx="0"/>
+          </p:cNvCxnSpPr>
+          <p:nvPr/>
+        </p:nvCxnSpPr>
+        <p:spPr>
+          <a:xfrm rot="16200000" flipV="1">
+            <a:off x="4497656" y="-1100854"/>
+            <a:ext cx="331269" cy="6143140"/>
+          </a:xfrm>
+          <a:prstGeom prst="bentConnector2">
+            <a:avLst/>
+          </a:prstGeom>
+          <a:ln w="38100">
+            <a:solidFill>
+              <a:schemeClr val="accent1"/>
+            </a:solidFill>
+            <a:headEnd type="triangle" w="med" len="med"/>
+            <a:tailEnd type="none" w="med" len="med"/>
+          </a:ln>
+        </p:spPr>
+        <p:style>
+          <a:lnRef idx="1">
+            <a:schemeClr val="accent1"/>
+          </a:lnRef>
+          <a:fillRef idx="0">
+            <a:schemeClr val="accent1"/>
+          </a:fillRef>
+          <a:effectRef idx="0">
+            <a:schemeClr val="accent1"/>
+          </a:effectRef>
+          <a:fontRef idx="minor">
+            <a:schemeClr val="tx1"/>
+          </a:fontRef>
+        </p:style>
+      </p:cxnSp>
+      <p:cxnSp>
+        <p:nvCxnSpPr>
+          <p:cNvPr id="44" name="Elbow Connector 43">
+            <a:extLst>
+              <a:ext uri="{FF2B5EF4-FFF2-40B4-BE49-F238E27FC236}">
+                <a16:creationId xmlns:a16="http://schemas.microsoft.com/office/drawing/2014/main" id="{B0DDDB7D-D585-1E40-8495-5F644BE202D6}"/>
+              </a:ext>
+            </a:extLst>
+          </p:cNvPr>
+          <p:cNvCxnSpPr>
+            <a:cxnSpLocks/>
+            <a:stCxn id="45" idx="0"/>
+          </p:cNvCxnSpPr>
+          <p:nvPr/>
+        </p:nvCxnSpPr>
+        <p:spPr>
+          <a:xfrm rot="16200000" flipV="1">
+            <a:off x="5789946" y="-2393144"/>
+            <a:ext cx="331269" cy="8727720"/>
+          </a:xfrm>
+          <a:prstGeom prst="bentConnector2">
+            <a:avLst/>
+          </a:prstGeom>
+          <a:ln w="38100">
+            <a:solidFill>
+              <a:schemeClr val="accent1"/>
+            </a:solidFill>
+            <a:headEnd type="triangle" w="med" len="med"/>
+            <a:tailEnd type="none" w="med" len="med"/>
+          </a:ln>
+        </p:spPr>
+        <p:style>
+          <a:lnRef idx="1">
+            <a:schemeClr val="accent1"/>
+          </a:lnRef>
+          <a:fillRef idx="0">
+            <a:schemeClr val="accent1"/>
+          </a:fillRef>
+          <a:effectRef idx="0">
+            <a:schemeClr val="accent1"/>
+          </a:effectRef>
+          <a:fontRef idx="minor">
+            <a:schemeClr val="tx1"/>
+          </a:fontRef>
+        </p:style>
+      </p:cxnSp>
+      <p:sp>
+        <p:nvSpPr>
+          <p:cNvPr id="45" name="Rounded Rectangle 44">
+            <a:extLst>
+              <a:ext uri="{FF2B5EF4-FFF2-40B4-BE49-F238E27FC236}">
+                <a16:creationId xmlns:a16="http://schemas.microsoft.com/office/drawing/2014/main" id="{2A47D594-5555-5440-8FA4-440FDE56DEA6}"/>
+              </a:ext>
+            </a:extLst>
+          </p:cNvPr>
+          <p:cNvSpPr/>
+          <p:nvPr/>
+        </p:nvSpPr>
+        <p:spPr>
+          <a:xfrm>
+            <a:off x="9457913" y="2136350"/>
+            <a:ext cx="1723053" cy="534825"/>
+          </a:xfrm>
+          <a:prstGeom prst="roundRect">
+            <a:avLst/>
+          </a:prstGeom>
+          <a:noFill/>
+          <a:ln w="38100"/>
+        </p:spPr>
+        <p:style>
+          <a:lnRef idx="2">
+            <a:schemeClr val="accent1">
+              <a:shade val="50000"/>
+            </a:schemeClr>
+          </a:lnRef>
+          <a:fillRef idx="1">
+            <a:schemeClr val="accent1"/>
+          </a:fillRef>
+          <a:effectRef idx="0">
+            <a:schemeClr val="accent1"/>
+          </a:effectRef>
+          <a:fontRef idx="minor">
+            <a:schemeClr val="lt1"/>
+          </a:fontRef>
+        </p:style>
+        <p:txBody>
+          <a:bodyPr rtlCol="0" anchor="ctr"/>
+          <a:lstStyle/>
+          <a:p>
+            <a:pPr algn="ctr"/>
+            <a:r>
+              <a:rPr lang="en-US" b="1" dirty="0">
+                <a:solidFill>
+                  <a:srgbClr val="FF0000"/>
+                </a:solidFill>
+              </a:rPr>
+              <a:t>Key Derivation Function</a:t>
+            </a:r>
+          </a:p>
+        </p:txBody>
+      </p:sp>
+      <p:cxnSp>
+        <p:nvCxnSpPr>
+          <p:cNvPr id="46" name="Straight Arrow Connector 45">
+            <a:extLst>
+              <a:ext uri="{FF2B5EF4-FFF2-40B4-BE49-F238E27FC236}">
+                <a16:creationId xmlns:a16="http://schemas.microsoft.com/office/drawing/2014/main" id="{80D34079-5F16-2A4E-9E05-860D2763F547}"/>
+              </a:ext>
+            </a:extLst>
+          </p:cNvPr>
+          <p:cNvCxnSpPr>
+            <a:cxnSpLocks/>
+            <a:stCxn id="45" idx="2"/>
+          </p:cNvCxnSpPr>
+          <p:nvPr/>
+        </p:nvCxnSpPr>
+        <p:spPr>
+          <a:xfrm>
+            <a:off x="10319440" y="2671175"/>
+            <a:ext cx="1" cy="401063"/>
+          </a:xfrm>
+          <a:prstGeom prst="straightConnector1">
+            <a:avLst/>
+          </a:prstGeom>
+          <a:ln w="38100">
+            <a:headEnd type="none" w="med" len="med"/>
+            <a:tailEnd type="triangle" w="med" len="med"/>
+          </a:ln>
+        </p:spPr>
+        <p:style>
+          <a:lnRef idx="1">
+            <a:schemeClr val="accent1"/>
+          </a:lnRef>
+          <a:fillRef idx="0">
+            <a:schemeClr val="accent1"/>
+          </a:fillRef>
+          <a:effectRef idx="0">
+            <a:schemeClr val="accent1"/>
+          </a:effectRef>
+          <a:fontRef idx="minor">
+            <a:schemeClr val="tx1"/>
+          </a:fontRef>
+        </p:style>
+      </p:cxnSp>
+      <p:pic>
+        <p:nvPicPr>
+          <p:cNvPr id="31" name="Picture 30">
+            <a:extLst>
+              <a:ext uri="{FF2B5EF4-FFF2-40B4-BE49-F238E27FC236}">
+                <a16:creationId xmlns:a16="http://schemas.microsoft.com/office/drawing/2014/main" id="{B83B904F-CD2C-3141-9E35-390863E3DB8F}"/>
+              </a:ext>
+            </a:extLst>
+          </p:cNvPr>
+          <p:cNvPicPr>
+            <a:picLocks noChangeAspect="1"/>
+          </p:cNvPicPr>
+          <p:nvPr/>
+        </p:nvPicPr>
+        <p:blipFill>
+          <a:blip r:embed="rId8"/>
+          <a:stretch>
+            <a:fillRect/>
+          </a:stretch>
+        </p:blipFill>
+        <p:spPr>
+          <a:xfrm>
+            <a:off x="7267040" y="2999322"/>
+            <a:ext cx="935638" cy="467819"/>
+          </a:xfrm>
+          <a:prstGeom prst="rect">
+            <a:avLst/>
+          </a:prstGeom>
+        </p:spPr>
+      </p:pic>
+      <p:cxnSp>
+        <p:nvCxnSpPr>
+          <p:cNvPr id="49" name="Straight Arrow Connector 48">
+            <a:extLst>
+              <a:ext uri="{FF2B5EF4-FFF2-40B4-BE49-F238E27FC236}">
+                <a16:creationId xmlns:a16="http://schemas.microsoft.com/office/drawing/2014/main" id="{24E68273-2258-3C48-A85D-E7ABD0CAA4AF}"/>
+              </a:ext>
+            </a:extLst>
+          </p:cNvPr>
+          <p:cNvCxnSpPr>
+            <a:cxnSpLocks/>
+            <a:stCxn id="31" idx="2"/>
+            <a:endCxn id="10" idx="0"/>
+          </p:cNvCxnSpPr>
+          <p:nvPr/>
+        </p:nvCxnSpPr>
+        <p:spPr>
+          <a:xfrm>
+            <a:off x="7734859" y="3467141"/>
+            <a:ext cx="0" cy="399274"/>
+          </a:xfrm>
+          <a:prstGeom prst="straightConnector1">
+            <a:avLst/>
+          </a:prstGeom>
+          <a:ln w="38100">
+            <a:headEnd type="none" w="med" len="med"/>
+            <a:tailEnd type="triangle" w="med" len="med"/>
+          </a:ln>
+        </p:spPr>
+        <p:style>
+          <a:lnRef idx="1">
+            <a:schemeClr val="accent1"/>
+          </a:lnRef>
+          <a:fillRef idx="0">
+            <a:schemeClr val="accent1"/>
+          </a:fillRef>
+          <a:effectRef idx="0">
+            <a:schemeClr val="accent1"/>
+          </a:effectRef>
+          <a:fontRef idx="minor">
+            <a:schemeClr val="tx1"/>
+          </a:fontRef>
+        </p:style>
+      </p:cxnSp>
+      <p:cxnSp>
+        <p:nvCxnSpPr>
+          <p:cNvPr id="52" name="Straight Arrow Connector 51">
+            <a:extLst>
+              <a:ext uri="{FF2B5EF4-FFF2-40B4-BE49-F238E27FC236}">
+                <a16:creationId xmlns:a16="http://schemas.microsoft.com/office/drawing/2014/main" id="{907972C7-F750-3E46-8730-9A90DB2DAFA8}"/>
+              </a:ext>
+            </a:extLst>
+          </p:cNvPr>
+          <p:cNvCxnSpPr>
+            <a:cxnSpLocks/>
+            <a:stCxn id="48" idx="2"/>
+            <a:endCxn id="11" idx="0"/>
+          </p:cNvCxnSpPr>
+          <p:nvPr/>
+        </p:nvCxnSpPr>
+        <p:spPr>
+          <a:xfrm flipH="1">
+            <a:off x="10319438" y="3535937"/>
+            <a:ext cx="1" cy="330479"/>
+          </a:xfrm>
+          <a:prstGeom prst="straightConnector1">
+            <a:avLst/>
+          </a:prstGeom>
+          <a:ln w="38100">
+            <a:headEnd type="none" w="med" len="med"/>
+            <a:tailEnd type="triangle" w="med" len="med"/>
+          </a:ln>
+        </p:spPr>
+        <p:style>
+          <a:lnRef idx="1">
+            <a:schemeClr val="accent1"/>
+          </a:lnRef>
+          <a:fillRef idx="0">
+            <a:schemeClr val="accent1"/>
+          </a:fillRef>
+          <a:effectRef idx="0">
+            <a:schemeClr val="accent1"/>
+          </a:effectRef>
+          <a:fontRef idx="minor">
+            <a:schemeClr val="tx1"/>
+          </a:fontRef>
+        </p:style>
+      </p:cxnSp>
+      <p:sp>
+        <p:nvSpPr>
+          <p:cNvPr id="73" name="Donut 72">
+            <a:extLst>
+              <a:ext uri="{FF2B5EF4-FFF2-40B4-BE49-F238E27FC236}">
+                <a16:creationId xmlns:a16="http://schemas.microsoft.com/office/drawing/2014/main" id="{EE3F6506-C82A-8E4D-A159-DC784E87DDBA}"/>
+              </a:ext>
+            </a:extLst>
+          </p:cNvPr>
+          <p:cNvSpPr/>
+          <p:nvPr/>
+        </p:nvSpPr>
+        <p:spPr>
+          <a:xfrm>
+            <a:off x="7812689" y="3429000"/>
+            <a:ext cx="914400" cy="914400"/>
+          </a:xfrm>
+          <a:prstGeom prst="donut">
+            <a:avLst>
+              <a:gd name="adj" fmla="val 7482"/>
+            </a:avLst>
+          </a:prstGeom>
+          <a:solidFill>
+            <a:srgbClr val="FF0000"/>
+          </a:solidFill>
+          <a:ln>
+            <a:solidFill>
+              <a:srgbClr val="FF0000"/>
+            </a:solidFill>
+          </a:ln>
+        </p:spPr>
+        <p:style>
+          <a:lnRef idx="2">
+            <a:schemeClr val="accent1">
+              <a:shade val="50000"/>
+            </a:schemeClr>
+          </a:lnRef>
+          <a:fillRef idx="1">
+            <a:schemeClr val="accent1"/>
+          </a:fillRef>
+          <a:effectRef idx="0">
+            <a:schemeClr val="accent1"/>
+          </a:effectRef>
+          <a:fontRef idx="minor">
+            <a:schemeClr val="lt1"/>
+          </a:fontRef>
+        </p:style>
+        <p:txBody>
+          <a:bodyPr rtlCol="0" anchor="ctr"/>
+          <a:lstStyle/>
+          <a:p>
+            <a:pPr algn="ctr"/>
+            <a:endParaRPr lang="en-US">
+              <a:solidFill>
+                <a:schemeClr val="tx1"/>
+              </a:solidFill>
+            </a:endParaRPr>
+          </a:p>
+        </p:txBody>
+      </p:sp>
+      <p:sp>
+        <p:nvSpPr>
+          <p:cNvPr id="74" name="Donut 73">
+            <a:extLst>
+              <a:ext uri="{FF2B5EF4-FFF2-40B4-BE49-F238E27FC236}">
+                <a16:creationId xmlns:a16="http://schemas.microsoft.com/office/drawing/2014/main" id="{ABC94C01-599B-874C-8B53-B9B885EA332A}"/>
+              </a:ext>
+            </a:extLst>
+          </p:cNvPr>
+          <p:cNvSpPr/>
+          <p:nvPr/>
+        </p:nvSpPr>
+        <p:spPr>
+          <a:xfrm>
+            <a:off x="10484551" y="3467141"/>
+            <a:ext cx="914400" cy="914400"/>
+          </a:xfrm>
+          <a:prstGeom prst="donut">
+            <a:avLst>
+              <a:gd name="adj" fmla="val 7482"/>
+            </a:avLst>
+          </a:prstGeom>
+          <a:solidFill>
+            <a:srgbClr val="FF0000"/>
+          </a:solidFill>
+          <a:ln>
+            <a:solidFill>
+              <a:srgbClr val="FF0000"/>
+            </a:solidFill>
+          </a:ln>
+        </p:spPr>
+        <p:style>
+          <a:lnRef idx="2">
+            <a:schemeClr val="accent1">
+              <a:shade val="50000"/>
+            </a:schemeClr>
+          </a:lnRef>
+          <a:fillRef idx="1">
+            <a:schemeClr val="accent1"/>
+          </a:fillRef>
+          <a:effectRef idx="0">
+            <a:schemeClr val="accent1"/>
+          </a:effectRef>
+          <a:fontRef idx="minor">
+            <a:schemeClr val="lt1"/>
+          </a:fontRef>
+        </p:style>
+        <p:txBody>
+          <a:bodyPr rtlCol="0" anchor="ctr"/>
+          <a:lstStyle/>
+          <a:p>
+            <a:pPr algn="ctr"/>
+            <a:endParaRPr lang="en-US">
+              <a:solidFill>
+                <a:schemeClr val="tx1"/>
+              </a:solidFill>
+            </a:endParaRPr>
+          </a:p>
+        </p:txBody>
+      </p:sp>
+    </p:spTree>
+    <p:extLst>
+      <p:ext uri="{BB962C8B-B14F-4D97-AF65-F5344CB8AC3E}">
+        <p14:creationId xmlns:p14="http://schemas.microsoft.com/office/powerpoint/2010/main" val="2205368317"/>
       </p:ext>
     </p:extLst>
   </p:cSld>

--- a/images.pptx
+++ b/images.pptx
@@ -5,7 +5,7 @@
     <p:sldMasterId id="2147483648" r:id="rId1"/>
   </p:sldMasterIdLst>
   <p:notesMasterIdLst>
-    <p:notesMasterId r:id="rId18"/>
+    <p:notesMasterId r:id="rId21"/>
   </p:notesMasterIdLst>
   <p:sldIdLst>
     <p:sldId id="257" r:id="rId2"/>
@@ -24,6 +24,9 @@
     <p:sldId id="269" r:id="rId15"/>
     <p:sldId id="270" r:id="rId16"/>
     <p:sldId id="271" r:id="rId17"/>
+    <p:sldId id="272" r:id="rId18"/>
+    <p:sldId id="273" r:id="rId19"/>
+    <p:sldId id="274" r:id="rId20"/>
   </p:sldIdLst>
   <p:sldSz cx="12192000" cy="6858000"/>
   <p:notesSz cx="6858000" cy="9144000"/>
@@ -638,6 +641,90 @@
     <p:extLst>
       <p:ext uri="{BB962C8B-B14F-4D97-AF65-F5344CB8AC3E}">
         <p14:creationId xmlns:p14="http://schemas.microsoft.com/office/powerpoint/2010/main" val="641864233"/>
+      </p:ext>
+    </p:extLst>
+  </p:cSld>
+  <p:clrMapOvr>
+    <a:masterClrMapping/>
+  </p:clrMapOvr>
+</p:notes>
+</file>
+
+<file path=ppt/notesSlides/notesSlide3.xml><?xml version="1.0" encoding="utf-8"?>
+<p:notes xmlns:a="http://schemas.openxmlformats.org/drawingml/2006/main" xmlns:r="http://schemas.openxmlformats.org/officeDocument/2006/relationships" xmlns:p="http://schemas.openxmlformats.org/presentationml/2006/main">
+  <p:cSld>
+    <p:spTree>
+      <p:nvGrpSpPr>
+        <p:cNvPr id="1" name=""/>
+        <p:cNvGrpSpPr/>
+        <p:nvPr/>
+      </p:nvGrpSpPr>
+      <p:grpSpPr>
+        <a:xfrm>
+          <a:off x="0" y="0"/>
+          <a:ext cx="0" cy="0"/>
+          <a:chOff x="0" y="0"/>
+          <a:chExt cx="0" cy="0"/>
+        </a:xfrm>
+      </p:grpSpPr>
+      <p:sp>
+        <p:nvSpPr>
+          <p:cNvPr id="2" name="Slide Image Placeholder 1"/>
+          <p:cNvSpPr>
+            <a:spLocks noGrp="1" noRot="1" noChangeAspect="1"/>
+          </p:cNvSpPr>
+          <p:nvPr>
+            <p:ph type="sldImg"/>
+          </p:nvPr>
+        </p:nvSpPr>
+        <p:spPr/>
+      </p:sp>
+      <p:sp>
+        <p:nvSpPr>
+          <p:cNvPr id="3" name="Notes Placeholder 2"/>
+          <p:cNvSpPr>
+            <a:spLocks noGrp="1"/>
+          </p:cNvSpPr>
+          <p:nvPr>
+            <p:ph type="body" idx="1"/>
+          </p:nvPr>
+        </p:nvSpPr>
+        <p:spPr/>
+        <p:txBody>
+          <a:bodyPr/>
+          <a:lstStyle/>
+          <a:p>
+            <a:endParaRPr lang="en-US" dirty="0"/>
+          </a:p>
+        </p:txBody>
+      </p:sp>
+      <p:sp>
+        <p:nvSpPr>
+          <p:cNvPr id="4" name="Slide Number Placeholder 3"/>
+          <p:cNvSpPr>
+            <a:spLocks noGrp="1"/>
+          </p:cNvSpPr>
+          <p:nvPr>
+            <p:ph type="sldNum" sz="quarter" idx="5"/>
+          </p:nvPr>
+        </p:nvSpPr>
+        <p:spPr/>
+        <p:txBody>
+          <a:bodyPr/>
+          <a:lstStyle/>
+          <a:p>
+            <a:fld id="{65EEC5EA-871C-8443-843A-02E75F9C7A0B}" type="slidenum">
+              <a:rPr lang="en-US" smtClean="0"/>
+              <a:t>18</a:t>
+            </a:fld>
+            <a:endParaRPr lang="en-US"/>
+          </a:p>
+        </p:txBody>
+      </p:sp>
+    </p:spTree>
+    <p:extLst>
+      <p:ext uri="{BB962C8B-B14F-4D97-AF65-F5344CB8AC3E}">
+        <p14:creationId xmlns:p14="http://schemas.microsoft.com/office/powerpoint/2010/main" val="493833697"/>
       </p:ext>
     </p:extLst>
   </p:cSld>
@@ -11285,6 +11372,1535 @@
     <p:extLst>
       <p:ext uri="{BB962C8B-B14F-4D97-AF65-F5344CB8AC3E}">
         <p14:creationId xmlns:p14="http://schemas.microsoft.com/office/powerpoint/2010/main" val="2205368317"/>
+      </p:ext>
+    </p:extLst>
+  </p:cSld>
+  <p:clrMapOvr>
+    <a:masterClrMapping/>
+  </p:clrMapOvr>
+</p:sld>
+</file>
+
+<file path=ppt/slides/slide17.xml><?xml version="1.0" encoding="utf-8"?>
+<p:sld xmlns:a="http://schemas.openxmlformats.org/drawingml/2006/main" xmlns:r="http://schemas.openxmlformats.org/officeDocument/2006/relationships" xmlns:p="http://schemas.openxmlformats.org/presentationml/2006/main">
+  <p:cSld>
+    <p:spTree>
+      <p:nvGrpSpPr>
+        <p:cNvPr id="1" name=""/>
+        <p:cNvGrpSpPr/>
+        <p:nvPr/>
+      </p:nvGrpSpPr>
+      <p:grpSpPr>
+        <a:xfrm>
+          <a:off x="0" y="0"/>
+          <a:ext cx="0" cy="0"/>
+          <a:chOff x="0" y="0"/>
+          <a:chExt cx="0" cy="0"/>
+        </a:xfrm>
+      </p:grpSpPr>
+      <p:sp>
+        <p:nvSpPr>
+          <p:cNvPr id="4" name="Rounded Rectangle 3">
+            <a:extLst>
+              <a:ext uri="{FF2B5EF4-FFF2-40B4-BE49-F238E27FC236}">
+                <a16:creationId xmlns:a16="http://schemas.microsoft.com/office/drawing/2014/main" id="{83C90F78-A66C-B242-A933-635361816CE0}"/>
+              </a:ext>
+            </a:extLst>
+          </p:cNvPr>
+          <p:cNvSpPr/>
+          <p:nvPr/>
+        </p:nvSpPr>
+        <p:spPr>
+          <a:xfrm>
+            <a:off x="5280659" y="628650"/>
+            <a:ext cx="2125053" cy="880110"/>
+          </a:xfrm>
+          <a:prstGeom prst="roundRect">
+            <a:avLst/>
+          </a:prstGeom>
+          <a:noFill/>
+          <a:ln w="38100">
+            <a:solidFill>
+              <a:schemeClr val="tx1"/>
+            </a:solidFill>
+          </a:ln>
+        </p:spPr>
+        <p:style>
+          <a:lnRef idx="2">
+            <a:schemeClr val="accent1">
+              <a:shade val="50000"/>
+            </a:schemeClr>
+          </a:lnRef>
+          <a:fillRef idx="1">
+            <a:schemeClr val="accent1"/>
+          </a:fillRef>
+          <a:effectRef idx="0">
+            <a:schemeClr val="accent1"/>
+          </a:effectRef>
+          <a:fontRef idx="minor">
+            <a:schemeClr val="lt1"/>
+          </a:fontRef>
+        </p:style>
+        <p:txBody>
+          <a:bodyPr rtlCol="0" anchor="ctr"/>
+          <a:lstStyle/>
+          <a:p>
+            <a:pPr algn="ctr"/>
+            <a:r>
+              <a:rPr lang="en-US" dirty="0">
+                <a:solidFill>
+                  <a:schemeClr val="tx1"/>
+                </a:solidFill>
+              </a:rPr>
+              <a:t>Candidate List of AES Encryption Key</a:t>
+            </a:r>
+          </a:p>
+        </p:txBody>
+      </p:sp>
+      <p:sp>
+        <p:nvSpPr>
+          <p:cNvPr id="5" name="Rectangle 4">
+            <a:extLst>
+              <a:ext uri="{FF2B5EF4-FFF2-40B4-BE49-F238E27FC236}">
+                <a16:creationId xmlns:a16="http://schemas.microsoft.com/office/drawing/2014/main" id="{ECEF9136-5C27-654D-BB68-2BF122A51274}"/>
+              </a:ext>
+            </a:extLst>
+          </p:cNvPr>
+          <p:cNvSpPr/>
+          <p:nvPr/>
+        </p:nvSpPr>
+        <p:spPr>
+          <a:xfrm>
+            <a:off x="7620012" y="884038"/>
+            <a:ext cx="2018694" cy="369332"/>
+          </a:xfrm>
+          <a:prstGeom prst="rect">
+            <a:avLst/>
+          </a:prstGeom>
+        </p:spPr>
+        <p:txBody>
+          <a:bodyPr wrap="none">
+            <a:spAutoFit/>
+          </a:bodyPr>
+          <a:lstStyle/>
+          <a:p>
+            <a:pPr algn="ctr"/>
+            <a:r>
+              <a:rPr lang="en-US" dirty="0">
+                <a:solidFill>
+                  <a:srgbClr val="FF0000"/>
+                </a:solidFill>
+              </a:rPr>
+              <a:t>Only 2</a:t>
+            </a:r>
+            <a:r>
+              <a:rPr lang="en-US" baseline="30000" dirty="0">
+                <a:solidFill>
+                  <a:srgbClr val="FF0000"/>
+                </a:solidFill>
+              </a:rPr>
+              <a:t>48 </a:t>
+            </a:r>
+            <a:r>
+              <a:rPr lang="en-US" dirty="0">
+                <a:solidFill>
+                  <a:srgbClr val="FF0000"/>
+                </a:solidFill>
+              </a:rPr>
+              <a:t>Candidates</a:t>
+            </a:r>
+          </a:p>
+        </p:txBody>
+      </p:sp>
+      <p:cxnSp>
+        <p:nvCxnSpPr>
+          <p:cNvPr id="7" name="Straight Arrow Connector 6">
+            <a:extLst>
+              <a:ext uri="{FF2B5EF4-FFF2-40B4-BE49-F238E27FC236}">
+                <a16:creationId xmlns:a16="http://schemas.microsoft.com/office/drawing/2014/main" id="{31243389-F742-7545-93F8-CE5FB7188C84}"/>
+              </a:ext>
+            </a:extLst>
+          </p:cNvPr>
+          <p:cNvCxnSpPr>
+            <a:cxnSpLocks/>
+          </p:cNvCxnSpPr>
+          <p:nvPr/>
+        </p:nvCxnSpPr>
+        <p:spPr>
+          <a:xfrm>
+            <a:off x="7577163" y="628650"/>
+            <a:ext cx="0" cy="880110"/>
+          </a:xfrm>
+          <a:prstGeom prst="straightConnector1">
+            <a:avLst/>
+          </a:prstGeom>
+          <a:ln w="38100">
+            <a:solidFill>
+              <a:schemeClr val="tx1"/>
+            </a:solidFill>
+            <a:headEnd type="triangle"/>
+            <a:tailEnd type="triangle"/>
+          </a:ln>
+        </p:spPr>
+        <p:style>
+          <a:lnRef idx="1">
+            <a:schemeClr val="accent1"/>
+          </a:lnRef>
+          <a:fillRef idx="0">
+            <a:schemeClr val="accent1"/>
+          </a:fillRef>
+          <a:effectRef idx="0">
+            <a:schemeClr val="accent1"/>
+          </a:effectRef>
+          <a:fontRef idx="minor">
+            <a:schemeClr val="tx1"/>
+          </a:fontRef>
+        </p:style>
+      </p:cxnSp>
+      <p:sp>
+        <p:nvSpPr>
+          <p:cNvPr id="10" name="Rectangle 9">
+            <a:extLst>
+              <a:ext uri="{FF2B5EF4-FFF2-40B4-BE49-F238E27FC236}">
+                <a16:creationId xmlns:a16="http://schemas.microsoft.com/office/drawing/2014/main" id="{BD8B415C-DA17-8143-B7B1-148A758D8A68}"/>
+              </a:ext>
+            </a:extLst>
+          </p:cNvPr>
+          <p:cNvSpPr/>
+          <p:nvPr/>
+        </p:nvSpPr>
+        <p:spPr>
+          <a:xfrm>
+            <a:off x="2988954" y="758309"/>
+            <a:ext cx="1645913" cy="620792"/>
+          </a:xfrm>
+          <a:prstGeom prst="rect">
+            <a:avLst/>
+          </a:prstGeom>
+          <a:noFill/>
+          <a:ln w="38100">
+            <a:solidFill>
+              <a:schemeClr val="tx1"/>
+            </a:solidFill>
+          </a:ln>
+        </p:spPr>
+        <p:style>
+          <a:lnRef idx="2">
+            <a:schemeClr val="accent1">
+              <a:shade val="50000"/>
+            </a:schemeClr>
+          </a:lnRef>
+          <a:fillRef idx="1">
+            <a:schemeClr val="accent1"/>
+          </a:fillRef>
+          <a:effectRef idx="0">
+            <a:schemeClr val="accent1"/>
+          </a:effectRef>
+          <a:fontRef idx="minor">
+            <a:schemeClr val="lt1"/>
+          </a:fontRef>
+        </p:style>
+        <p:txBody>
+          <a:bodyPr rtlCol="0" anchor="ctr"/>
+          <a:lstStyle/>
+          <a:p>
+            <a:pPr algn="ctr"/>
+            <a:r>
+              <a:rPr lang="en-US" dirty="0">
+                <a:solidFill>
+                  <a:schemeClr val="tx1"/>
+                </a:solidFill>
+              </a:rPr>
+              <a:t>Binary Representation</a:t>
+            </a:r>
+          </a:p>
+        </p:txBody>
+      </p:sp>
+      <p:cxnSp>
+        <p:nvCxnSpPr>
+          <p:cNvPr id="12" name="Straight Arrow Connector 11">
+            <a:extLst>
+              <a:ext uri="{FF2B5EF4-FFF2-40B4-BE49-F238E27FC236}">
+                <a16:creationId xmlns:a16="http://schemas.microsoft.com/office/drawing/2014/main" id="{7E5D0338-2F72-174B-9083-83430C0DE7AA}"/>
+              </a:ext>
+            </a:extLst>
+          </p:cNvPr>
+          <p:cNvCxnSpPr>
+            <a:stCxn id="10" idx="3"/>
+            <a:endCxn id="4" idx="1"/>
+          </p:cNvCxnSpPr>
+          <p:nvPr/>
+        </p:nvCxnSpPr>
+        <p:spPr>
+          <a:xfrm>
+            <a:off x="4634867" y="1068705"/>
+            <a:ext cx="645792" cy="0"/>
+          </a:xfrm>
+          <a:prstGeom prst="straightConnector1">
+            <a:avLst/>
+          </a:prstGeom>
+          <a:ln w="38100">
+            <a:solidFill>
+              <a:schemeClr val="tx1"/>
+            </a:solidFill>
+            <a:tailEnd type="triangle"/>
+          </a:ln>
+        </p:spPr>
+        <p:style>
+          <a:lnRef idx="1">
+            <a:schemeClr val="accent1"/>
+          </a:lnRef>
+          <a:fillRef idx="0">
+            <a:schemeClr val="accent1"/>
+          </a:fillRef>
+          <a:effectRef idx="0">
+            <a:schemeClr val="accent1"/>
+          </a:effectRef>
+          <a:fontRef idx="minor">
+            <a:schemeClr val="tx1"/>
+          </a:fontRef>
+        </p:style>
+      </p:cxnSp>
+      <p:sp>
+        <p:nvSpPr>
+          <p:cNvPr id="14" name="TextBox 13">
+            <a:extLst>
+              <a:ext uri="{FF2B5EF4-FFF2-40B4-BE49-F238E27FC236}">
+                <a16:creationId xmlns:a16="http://schemas.microsoft.com/office/drawing/2014/main" id="{1314F978-7D0A-C440-909A-C97FE6E839AC}"/>
+              </a:ext>
+            </a:extLst>
+          </p:cNvPr>
+          <p:cNvSpPr txBox="1"/>
+          <p:nvPr/>
+        </p:nvSpPr>
+        <p:spPr>
+          <a:xfrm>
+            <a:off x="545041" y="745539"/>
+            <a:ext cx="1798121" cy="646331"/>
+          </a:xfrm>
+          <a:prstGeom prst="rect">
+            <a:avLst/>
+          </a:prstGeom>
+          <a:noFill/>
+        </p:spPr>
+        <p:txBody>
+          <a:bodyPr wrap="none" rtlCol="0">
+            <a:spAutoFit/>
+          </a:bodyPr>
+          <a:lstStyle/>
+          <a:p>
+            <a:pPr algn="ctr"/>
+            <a:r>
+              <a:rPr lang="en-US" dirty="0"/>
+              <a:t>8 chars password</a:t>
+            </a:r>
+            <a:br>
+              <a:rPr lang="en-US" dirty="0"/>
+            </a:br>
+            <a:r>
+              <a:rPr lang="en-US" dirty="0"/>
+              <a:t>(A-Za-z0-9)</a:t>
+            </a:r>
+          </a:p>
+        </p:txBody>
+      </p:sp>
+      <p:cxnSp>
+        <p:nvCxnSpPr>
+          <p:cNvPr id="15" name="Straight Arrow Connector 14">
+            <a:extLst>
+              <a:ext uri="{FF2B5EF4-FFF2-40B4-BE49-F238E27FC236}">
+                <a16:creationId xmlns:a16="http://schemas.microsoft.com/office/drawing/2014/main" id="{9F85800A-BAFC-B740-9066-ACB9D36F2352}"/>
+              </a:ext>
+            </a:extLst>
+          </p:cNvPr>
+          <p:cNvCxnSpPr>
+            <a:cxnSpLocks/>
+            <a:stCxn id="14" idx="3"/>
+            <a:endCxn id="10" idx="1"/>
+          </p:cNvCxnSpPr>
+          <p:nvPr/>
+        </p:nvCxnSpPr>
+        <p:spPr>
+          <a:xfrm>
+            <a:off x="2343162" y="1068705"/>
+            <a:ext cx="645792" cy="0"/>
+          </a:xfrm>
+          <a:prstGeom prst="straightConnector1">
+            <a:avLst/>
+          </a:prstGeom>
+          <a:ln w="38100">
+            <a:solidFill>
+              <a:schemeClr val="tx1"/>
+            </a:solidFill>
+            <a:tailEnd type="triangle"/>
+          </a:ln>
+        </p:spPr>
+        <p:style>
+          <a:lnRef idx="1">
+            <a:schemeClr val="accent1"/>
+          </a:lnRef>
+          <a:fillRef idx="0">
+            <a:schemeClr val="accent1"/>
+          </a:fillRef>
+          <a:effectRef idx="0">
+            <a:schemeClr val="accent1"/>
+          </a:effectRef>
+          <a:fontRef idx="minor">
+            <a:schemeClr val="tx1"/>
+          </a:fontRef>
+        </p:style>
+      </p:cxnSp>
+      <p:sp>
+        <p:nvSpPr>
+          <p:cNvPr id="20" name="Line Callout 2 (Accent Bar) 19">
+            <a:extLst>
+              <a:ext uri="{FF2B5EF4-FFF2-40B4-BE49-F238E27FC236}">
+                <a16:creationId xmlns:a16="http://schemas.microsoft.com/office/drawing/2014/main" id="{E2C66CF0-C6EF-A749-A846-B214FA013871}"/>
+              </a:ext>
+            </a:extLst>
+          </p:cNvPr>
+          <p:cNvSpPr/>
+          <p:nvPr/>
+        </p:nvSpPr>
+        <p:spPr>
+          <a:xfrm>
+            <a:off x="4177667" y="116446"/>
+            <a:ext cx="914400" cy="331468"/>
+          </a:xfrm>
+          <a:prstGeom prst="accentCallout2">
+            <a:avLst>
+              <a:gd name="adj1" fmla="val 18750"/>
+              <a:gd name="adj2" fmla="val -8333"/>
+              <a:gd name="adj3" fmla="val 18750"/>
+              <a:gd name="adj4" fmla="val -16667"/>
+              <a:gd name="adj5" fmla="val 215949"/>
+              <a:gd name="adj6" fmla="val -95417"/>
+            </a:avLst>
+          </a:prstGeom>
+          <a:noFill/>
+          <a:ln>
+            <a:solidFill>
+              <a:schemeClr val="tx1"/>
+            </a:solidFill>
+          </a:ln>
+        </p:spPr>
+        <p:style>
+          <a:lnRef idx="2">
+            <a:schemeClr val="accent1">
+              <a:shade val="50000"/>
+            </a:schemeClr>
+          </a:lnRef>
+          <a:fillRef idx="1">
+            <a:schemeClr val="accent1"/>
+          </a:fillRef>
+          <a:effectRef idx="0">
+            <a:schemeClr val="accent1"/>
+          </a:effectRef>
+          <a:fontRef idx="minor">
+            <a:schemeClr val="lt1"/>
+          </a:fontRef>
+        </p:style>
+        <p:txBody>
+          <a:bodyPr rtlCol="0" anchor="ctr"/>
+          <a:lstStyle/>
+          <a:p>
+            <a:pPr algn="ctr"/>
+            <a:r>
+              <a:rPr lang="en-US" dirty="0">
+                <a:solidFill>
+                  <a:srgbClr val="FF0000"/>
+                </a:solidFill>
+              </a:rPr>
+              <a:t>No cost</a:t>
+            </a:r>
+          </a:p>
+        </p:txBody>
+      </p:sp>
+      <p:sp>
+        <p:nvSpPr>
+          <p:cNvPr id="21" name="Rounded Rectangle 20">
+            <a:extLst>
+              <a:ext uri="{FF2B5EF4-FFF2-40B4-BE49-F238E27FC236}">
+                <a16:creationId xmlns:a16="http://schemas.microsoft.com/office/drawing/2014/main" id="{C67CEF15-5609-E546-A278-3E7D5CCF4BBA}"/>
+              </a:ext>
+            </a:extLst>
+          </p:cNvPr>
+          <p:cNvSpPr/>
+          <p:nvPr/>
+        </p:nvSpPr>
+        <p:spPr>
+          <a:xfrm>
+            <a:off x="5933577" y="2988946"/>
+            <a:ext cx="2125053" cy="880110"/>
+          </a:xfrm>
+          <a:prstGeom prst="roundRect">
+            <a:avLst/>
+          </a:prstGeom>
+          <a:noFill/>
+          <a:ln w="38100">
+            <a:solidFill>
+              <a:schemeClr val="tx1"/>
+            </a:solidFill>
+          </a:ln>
+        </p:spPr>
+        <p:style>
+          <a:lnRef idx="2">
+            <a:schemeClr val="accent1">
+              <a:shade val="50000"/>
+            </a:schemeClr>
+          </a:lnRef>
+          <a:fillRef idx="1">
+            <a:schemeClr val="accent1"/>
+          </a:fillRef>
+          <a:effectRef idx="0">
+            <a:schemeClr val="accent1"/>
+          </a:effectRef>
+          <a:fontRef idx="minor">
+            <a:schemeClr val="lt1"/>
+          </a:fontRef>
+        </p:style>
+        <p:txBody>
+          <a:bodyPr rtlCol="0" anchor="ctr"/>
+          <a:lstStyle/>
+          <a:p>
+            <a:pPr algn="ctr"/>
+            <a:r>
+              <a:rPr lang="en-US" dirty="0">
+                <a:solidFill>
+                  <a:schemeClr val="tx1"/>
+                </a:solidFill>
+              </a:rPr>
+              <a:t>Candidate List of AES Encryption Key</a:t>
+            </a:r>
+          </a:p>
+        </p:txBody>
+      </p:sp>
+      <p:sp>
+        <p:nvSpPr>
+          <p:cNvPr id="22" name="Rectangle 21">
+            <a:extLst>
+              <a:ext uri="{FF2B5EF4-FFF2-40B4-BE49-F238E27FC236}">
+                <a16:creationId xmlns:a16="http://schemas.microsoft.com/office/drawing/2014/main" id="{D815964E-0980-D246-B7D3-0C76780A6770}"/>
+              </a:ext>
+            </a:extLst>
+          </p:cNvPr>
+          <p:cNvSpPr/>
+          <p:nvPr/>
+        </p:nvSpPr>
+        <p:spPr>
+          <a:xfrm>
+            <a:off x="8241860" y="3244333"/>
+            <a:ext cx="2578847" cy="369332"/>
+          </a:xfrm>
+          <a:prstGeom prst="rect">
+            <a:avLst/>
+          </a:prstGeom>
+        </p:spPr>
+        <p:txBody>
+          <a:bodyPr wrap="none">
+            <a:spAutoFit/>
+          </a:bodyPr>
+          <a:lstStyle/>
+          <a:p>
+            <a:pPr algn="ctr"/>
+            <a:r>
+              <a:rPr lang="en-US" dirty="0">
+                <a:solidFill>
+                  <a:srgbClr val="FF0000"/>
+                </a:solidFill>
+              </a:rPr>
+              <a:t>Total 2</a:t>
+            </a:r>
+            <a:r>
+              <a:rPr lang="en-US" baseline="30000" dirty="0">
+                <a:solidFill>
+                  <a:srgbClr val="FF0000"/>
+                </a:solidFill>
+              </a:rPr>
+              <a:t>128 </a:t>
+            </a:r>
+            <a:r>
+              <a:rPr lang="en-US" dirty="0">
+                <a:solidFill>
+                  <a:srgbClr val="FF0000"/>
+                </a:solidFill>
+              </a:rPr>
+              <a:t>x 2</a:t>
+            </a:r>
+            <a:r>
+              <a:rPr lang="en-US" baseline="30000" dirty="0">
+                <a:solidFill>
+                  <a:srgbClr val="FF0000"/>
+                </a:solidFill>
+              </a:rPr>
+              <a:t>48 </a:t>
+            </a:r>
+            <a:r>
+              <a:rPr lang="en-US" dirty="0">
+                <a:solidFill>
+                  <a:srgbClr val="FF0000"/>
+                </a:solidFill>
+              </a:rPr>
+              <a:t>Candidates</a:t>
+            </a:r>
+          </a:p>
+        </p:txBody>
+      </p:sp>
+      <p:cxnSp>
+        <p:nvCxnSpPr>
+          <p:cNvPr id="23" name="Straight Arrow Connector 22">
+            <a:extLst>
+              <a:ext uri="{FF2B5EF4-FFF2-40B4-BE49-F238E27FC236}">
+                <a16:creationId xmlns:a16="http://schemas.microsoft.com/office/drawing/2014/main" id="{D490F551-ABE2-E042-9848-06467EB51368}"/>
+              </a:ext>
+            </a:extLst>
+          </p:cNvPr>
+          <p:cNvCxnSpPr>
+            <a:cxnSpLocks/>
+          </p:cNvCxnSpPr>
+          <p:nvPr/>
+        </p:nvCxnSpPr>
+        <p:spPr>
+          <a:xfrm>
+            <a:off x="8230081" y="2988946"/>
+            <a:ext cx="0" cy="880110"/>
+          </a:xfrm>
+          <a:prstGeom prst="straightConnector1">
+            <a:avLst/>
+          </a:prstGeom>
+          <a:ln w="38100">
+            <a:solidFill>
+              <a:schemeClr val="tx1"/>
+            </a:solidFill>
+            <a:headEnd type="triangle"/>
+            <a:tailEnd type="triangle"/>
+          </a:ln>
+        </p:spPr>
+        <p:style>
+          <a:lnRef idx="1">
+            <a:schemeClr val="accent1"/>
+          </a:lnRef>
+          <a:fillRef idx="0">
+            <a:schemeClr val="accent1"/>
+          </a:fillRef>
+          <a:effectRef idx="0">
+            <a:schemeClr val="accent1"/>
+          </a:effectRef>
+          <a:fontRef idx="minor">
+            <a:schemeClr val="tx1"/>
+          </a:fontRef>
+        </p:style>
+      </p:cxnSp>
+      <p:sp>
+        <p:nvSpPr>
+          <p:cNvPr id="24" name="Rectangle 23">
+            <a:extLst>
+              <a:ext uri="{FF2B5EF4-FFF2-40B4-BE49-F238E27FC236}">
+                <a16:creationId xmlns:a16="http://schemas.microsoft.com/office/drawing/2014/main" id="{5DB802C9-AA2A-C549-ADD5-D452E06AF1B8}"/>
+              </a:ext>
+            </a:extLst>
+          </p:cNvPr>
+          <p:cNvSpPr/>
+          <p:nvPr/>
+        </p:nvSpPr>
+        <p:spPr>
+          <a:xfrm>
+            <a:off x="3634746" y="3007160"/>
+            <a:ext cx="1645913" cy="843679"/>
+          </a:xfrm>
+          <a:prstGeom prst="rect">
+            <a:avLst/>
+          </a:prstGeom>
+          <a:noFill/>
+          <a:ln w="38100">
+            <a:solidFill>
+              <a:schemeClr val="tx1"/>
+            </a:solidFill>
+          </a:ln>
+        </p:spPr>
+        <p:style>
+          <a:lnRef idx="2">
+            <a:schemeClr val="accent1">
+              <a:shade val="50000"/>
+            </a:schemeClr>
+          </a:lnRef>
+          <a:fillRef idx="1">
+            <a:schemeClr val="accent1"/>
+          </a:fillRef>
+          <a:effectRef idx="0">
+            <a:schemeClr val="accent1"/>
+          </a:effectRef>
+          <a:fontRef idx="minor">
+            <a:schemeClr val="lt1"/>
+          </a:fontRef>
+        </p:style>
+        <p:txBody>
+          <a:bodyPr rtlCol="0" anchor="ctr"/>
+          <a:lstStyle/>
+          <a:p>
+            <a:pPr algn="ctr"/>
+            <a:r>
+              <a:rPr lang="en-US" b="1" dirty="0">
+                <a:solidFill>
+                  <a:srgbClr val="0070C0"/>
+                </a:solidFill>
+              </a:rPr>
+              <a:t>Key Derivation Function</a:t>
+            </a:r>
+          </a:p>
+        </p:txBody>
+      </p:sp>
+      <p:cxnSp>
+        <p:nvCxnSpPr>
+          <p:cNvPr id="25" name="Straight Arrow Connector 24">
+            <a:extLst>
+              <a:ext uri="{FF2B5EF4-FFF2-40B4-BE49-F238E27FC236}">
+                <a16:creationId xmlns:a16="http://schemas.microsoft.com/office/drawing/2014/main" id="{01F7E05C-527E-AE44-8ED0-D74D9516201B}"/>
+              </a:ext>
+            </a:extLst>
+          </p:cNvPr>
+          <p:cNvCxnSpPr>
+            <a:cxnSpLocks/>
+            <a:stCxn id="24" idx="3"/>
+            <a:endCxn id="21" idx="1"/>
+          </p:cNvCxnSpPr>
+          <p:nvPr/>
+        </p:nvCxnSpPr>
+        <p:spPr>
+          <a:xfrm>
+            <a:off x="5280659" y="3429000"/>
+            <a:ext cx="652918" cy="1"/>
+          </a:xfrm>
+          <a:prstGeom prst="straightConnector1">
+            <a:avLst/>
+          </a:prstGeom>
+          <a:ln w="38100">
+            <a:solidFill>
+              <a:schemeClr val="tx1"/>
+            </a:solidFill>
+            <a:tailEnd type="triangle"/>
+          </a:ln>
+        </p:spPr>
+        <p:style>
+          <a:lnRef idx="1">
+            <a:schemeClr val="accent1"/>
+          </a:lnRef>
+          <a:fillRef idx="0">
+            <a:schemeClr val="accent1"/>
+          </a:fillRef>
+          <a:effectRef idx="0">
+            <a:schemeClr val="accent1"/>
+          </a:effectRef>
+          <a:fontRef idx="minor">
+            <a:schemeClr val="tx1"/>
+          </a:fontRef>
+        </p:style>
+      </p:cxnSp>
+      <p:sp>
+        <p:nvSpPr>
+          <p:cNvPr id="26" name="TextBox 25">
+            <a:extLst>
+              <a:ext uri="{FF2B5EF4-FFF2-40B4-BE49-F238E27FC236}">
+                <a16:creationId xmlns:a16="http://schemas.microsoft.com/office/drawing/2014/main" id="{E979E578-6882-0846-A8B7-44C8BB618FD4}"/>
+              </a:ext>
+            </a:extLst>
+          </p:cNvPr>
+          <p:cNvSpPr txBox="1"/>
+          <p:nvPr/>
+        </p:nvSpPr>
+        <p:spPr>
+          <a:xfrm>
+            <a:off x="51564" y="2964301"/>
+            <a:ext cx="3119936" cy="369332"/>
+          </a:xfrm>
+          <a:prstGeom prst="rect">
+            <a:avLst/>
+          </a:prstGeom>
+          <a:noFill/>
+        </p:spPr>
+        <p:txBody>
+          <a:bodyPr wrap="square" rtlCol="0">
+            <a:spAutoFit/>
+          </a:bodyPr>
+          <a:lstStyle/>
+          <a:p>
+            <a:pPr algn="ctr"/>
+            <a:r>
+              <a:rPr lang="en-US" dirty="0"/>
+              <a:t>8 chars password (A-Za-z0-9)</a:t>
+            </a:r>
+          </a:p>
+        </p:txBody>
+      </p:sp>
+      <p:cxnSp>
+        <p:nvCxnSpPr>
+          <p:cNvPr id="27" name="Straight Arrow Connector 26">
+            <a:extLst>
+              <a:ext uri="{FF2B5EF4-FFF2-40B4-BE49-F238E27FC236}">
+                <a16:creationId xmlns:a16="http://schemas.microsoft.com/office/drawing/2014/main" id="{AB70CD93-55B6-FA4C-9A3D-370B406327CB}"/>
+              </a:ext>
+            </a:extLst>
+          </p:cNvPr>
+          <p:cNvCxnSpPr>
+            <a:cxnSpLocks/>
+          </p:cNvCxnSpPr>
+          <p:nvPr/>
+        </p:nvCxnSpPr>
+        <p:spPr>
+          <a:xfrm>
+            <a:off x="2980802" y="3179410"/>
+            <a:ext cx="638666" cy="0"/>
+          </a:xfrm>
+          <a:prstGeom prst="straightConnector1">
+            <a:avLst/>
+          </a:prstGeom>
+          <a:ln w="38100">
+            <a:solidFill>
+              <a:schemeClr val="tx1"/>
+            </a:solidFill>
+            <a:tailEnd type="triangle"/>
+          </a:ln>
+        </p:spPr>
+        <p:style>
+          <a:lnRef idx="1">
+            <a:schemeClr val="accent1"/>
+          </a:lnRef>
+          <a:fillRef idx="0">
+            <a:schemeClr val="accent1"/>
+          </a:fillRef>
+          <a:effectRef idx="0">
+            <a:schemeClr val="accent1"/>
+          </a:effectRef>
+          <a:fontRef idx="minor">
+            <a:schemeClr val="tx1"/>
+          </a:fontRef>
+        </p:style>
+      </p:cxnSp>
+      <p:sp>
+        <p:nvSpPr>
+          <p:cNvPr id="28" name="Line Callout 2 (Accent Bar) 27">
+            <a:extLst>
+              <a:ext uri="{FF2B5EF4-FFF2-40B4-BE49-F238E27FC236}">
+                <a16:creationId xmlns:a16="http://schemas.microsoft.com/office/drawing/2014/main" id="{71243D84-FF37-F44E-9879-D1B7DB6FC954}"/>
+              </a:ext>
+            </a:extLst>
+          </p:cNvPr>
+          <p:cNvSpPr/>
+          <p:nvPr/>
+        </p:nvSpPr>
+        <p:spPr>
+          <a:xfrm>
+            <a:off x="4922028" y="2267074"/>
+            <a:ext cx="2577463" cy="331468"/>
+          </a:xfrm>
+          <a:prstGeom prst="accentCallout2">
+            <a:avLst>
+              <a:gd name="adj1" fmla="val 18751"/>
+              <a:gd name="adj2" fmla="val 537"/>
+              <a:gd name="adj3" fmla="val 22198"/>
+              <a:gd name="adj4" fmla="val -7354"/>
+              <a:gd name="adj5" fmla="val 246984"/>
+              <a:gd name="adj6" fmla="val -27124"/>
+            </a:avLst>
+          </a:prstGeom>
+          <a:noFill/>
+          <a:ln>
+            <a:solidFill>
+              <a:schemeClr val="tx1"/>
+            </a:solidFill>
+          </a:ln>
+        </p:spPr>
+        <p:style>
+          <a:lnRef idx="2">
+            <a:schemeClr val="accent1">
+              <a:shade val="50000"/>
+            </a:schemeClr>
+          </a:lnRef>
+          <a:fillRef idx="1">
+            <a:schemeClr val="accent1"/>
+          </a:fillRef>
+          <a:effectRef idx="0">
+            <a:schemeClr val="accent1"/>
+          </a:effectRef>
+          <a:fontRef idx="minor">
+            <a:schemeClr val="lt1"/>
+          </a:fontRef>
+        </p:style>
+        <p:txBody>
+          <a:bodyPr rtlCol="0" anchor="ctr"/>
+          <a:lstStyle/>
+          <a:p>
+            <a:pPr algn="ctr"/>
+            <a:r>
+              <a:rPr lang="en-US" dirty="0">
+                <a:solidFill>
+                  <a:srgbClr val="FF0000"/>
+                </a:solidFill>
+              </a:rPr>
+              <a:t>High computational cost</a:t>
+            </a:r>
+          </a:p>
+        </p:txBody>
+      </p:sp>
+      <p:cxnSp>
+        <p:nvCxnSpPr>
+          <p:cNvPr id="37" name="Straight Arrow Connector 36">
+            <a:extLst>
+              <a:ext uri="{FF2B5EF4-FFF2-40B4-BE49-F238E27FC236}">
+                <a16:creationId xmlns:a16="http://schemas.microsoft.com/office/drawing/2014/main" id="{E19F5AAD-2739-434A-BA0E-43B26A9A4230}"/>
+              </a:ext>
+            </a:extLst>
+          </p:cNvPr>
+          <p:cNvCxnSpPr>
+            <a:cxnSpLocks/>
+          </p:cNvCxnSpPr>
+          <p:nvPr/>
+        </p:nvCxnSpPr>
+        <p:spPr>
+          <a:xfrm>
+            <a:off x="2988954" y="3709035"/>
+            <a:ext cx="645792" cy="0"/>
+          </a:xfrm>
+          <a:prstGeom prst="straightConnector1">
+            <a:avLst/>
+          </a:prstGeom>
+          <a:ln w="38100">
+            <a:solidFill>
+              <a:schemeClr val="tx1"/>
+            </a:solidFill>
+            <a:tailEnd type="triangle"/>
+          </a:ln>
+        </p:spPr>
+        <p:style>
+          <a:lnRef idx="1">
+            <a:schemeClr val="accent1"/>
+          </a:lnRef>
+          <a:fillRef idx="0">
+            <a:schemeClr val="accent1"/>
+          </a:fillRef>
+          <a:effectRef idx="0">
+            <a:schemeClr val="accent1"/>
+          </a:effectRef>
+          <a:fontRef idx="minor">
+            <a:schemeClr val="tx1"/>
+          </a:fontRef>
+        </p:style>
+      </p:cxnSp>
+      <p:sp>
+        <p:nvSpPr>
+          <p:cNvPr id="46" name="TextBox 45">
+            <a:extLst>
+              <a:ext uri="{FF2B5EF4-FFF2-40B4-BE49-F238E27FC236}">
+                <a16:creationId xmlns:a16="http://schemas.microsoft.com/office/drawing/2014/main" id="{96981844-7925-0F46-B973-D0CFE2E0D513}"/>
+              </a:ext>
+            </a:extLst>
+          </p:cNvPr>
+          <p:cNvSpPr txBox="1"/>
+          <p:nvPr/>
+        </p:nvSpPr>
+        <p:spPr>
+          <a:xfrm>
+            <a:off x="863042" y="3507487"/>
+            <a:ext cx="2149114" cy="369332"/>
+          </a:xfrm>
+          <a:prstGeom prst="rect">
+            <a:avLst/>
+          </a:prstGeom>
+          <a:noFill/>
+        </p:spPr>
+        <p:txBody>
+          <a:bodyPr wrap="none" rtlCol="0">
+            <a:spAutoFit/>
+          </a:bodyPr>
+          <a:lstStyle/>
+          <a:p>
+            <a:pPr algn="ctr"/>
+            <a:r>
+              <a:rPr lang="en-US" dirty="0">
+                <a:solidFill>
+                  <a:srgbClr val="FF0000"/>
+                </a:solidFill>
+              </a:rPr>
+              <a:t>16 bytes random salt</a:t>
+            </a:r>
+          </a:p>
+        </p:txBody>
+      </p:sp>
+    </p:spTree>
+    <p:extLst>
+      <p:ext uri="{BB962C8B-B14F-4D97-AF65-F5344CB8AC3E}">
+        <p14:creationId xmlns:p14="http://schemas.microsoft.com/office/powerpoint/2010/main" val="2201030352"/>
+      </p:ext>
+    </p:extLst>
+  </p:cSld>
+  <p:clrMapOvr>
+    <a:masterClrMapping/>
+  </p:clrMapOvr>
+</p:sld>
+</file>
+
+<file path=ppt/slides/slide18.xml><?xml version="1.0" encoding="utf-8"?>
+<p:sld xmlns:a="http://schemas.openxmlformats.org/drawingml/2006/main" xmlns:r="http://schemas.openxmlformats.org/officeDocument/2006/relationships" xmlns:p="http://schemas.openxmlformats.org/presentationml/2006/main">
+  <p:cSld>
+    <p:spTree>
+      <p:nvGrpSpPr>
+        <p:cNvPr id="1" name=""/>
+        <p:cNvGrpSpPr/>
+        <p:nvPr/>
+      </p:nvGrpSpPr>
+      <p:grpSpPr>
+        <a:xfrm>
+          <a:off x="0" y="0"/>
+          <a:ext cx="0" cy="0"/>
+          <a:chOff x="0" y="0"/>
+          <a:chExt cx="0" cy="0"/>
+        </a:xfrm>
+      </p:grpSpPr>
+      <p:sp>
+        <p:nvSpPr>
+          <p:cNvPr id="5" name="Rectangle 4">
+            <a:extLst>
+              <a:ext uri="{FF2B5EF4-FFF2-40B4-BE49-F238E27FC236}">
+                <a16:creationId xmlns:a16="http://schemas.microsoft.com/office/drawing/2014/main" id="{09D48FFF-7F0D-8442-9E76-B5E58576910E}"/>
+              </a:ext>
+            </a:extLst>
+          </p:cNvPr>
+          <p:cNvSpPr/>
+          <p:nvPr/>
+        </p:nvSpPr>
+        <p:spPr>
+          <a:xfrm>
+            <a:off x="3634746" y="3007160"/>
+            <a:ext cx="1645913" cy="843679"/>
+          </a:xfrm>
+          <a:prstGeom prst="rect">
+            <a:avLst/>
+          </a:prstGeom>
+          <a:noFill/>
+          <a:ln w="38100">
+            <a:solidFill>
+              <a:schemeClr val="tx1"/>
+            </a:solidFill>
+          </a:ln>
+        </p:spPr>
+        <p:style>
+          <a:lnRef idx="2">
+            <a:schemeClr val="accent1">
+              <a:shade val="50000"/>
+            </a:schemeClr>
+          </a:lnRef>
+          <a:fillRef idx="1">
+            <a:schemeClr val="accent1"/>
+          </a:fillRef>
+          <a:effectRef idx="0">
+            <a:schemeClr val="accent1"/>
+          </a:effectRef>
+          <a:fontRef idx="minor">
+            <a:schemeClr val="lt1"/>
+          </a:fontRef>
+        </p:style>
+        <p:txBody>
+          <a:bodyPr rtlCol="0" anchor="ctr"/>
+          <a:lstStyle/>
+          <a:p>
+            <a:pPr algn="ctr"/>
+            <a:r>
+              <a:rPr lang="en-US" b="1" dirty="0">
+                <a:solidFill>
+                  <a:srgbClr val="FF0000"/>
+                </a:solidFill>
+              </a:rPr>
+              <a:t>Key Derivation Function</a:t>
+            </a:r>
+          </a:p>
+        </p:txBody>
+      </p:sp>
+      <p:sp>
+        <p:nvSpPr>
+          <p:cNvPr id="6" name="TextBox 5">
+            <a:extLst>
+              <a:ext uri="{FF2B5EF4-FFF2-40B4-BE49-F238E27FC236}">
+                <a16:creationId xmlns:a16="http://schemas.microsoft.com/office/drawing/2014/main" id="{C3A048F2-68BD-1640-B8A6-A312C4F55BA7}"/>
+              </a:ext>
+            </a:extLst>
+          </p:cNvPr>
+          <p:cNvSpPr txBox="1"/>
+          <p:nvPr/>
+        </p:nvSpPr>
+        <p:spPr>
+          <a:xfrm>
+            <a:off x="1131570" y="3105833"/>
+            <a:ext cx="1298176" cy="646331"/>
+          </a:xfrm>
+          <a:prstGeom prst="rect">
+            <a:avLst/>
+          </a:prstGeom>
+          <a:noFill/>
+        </p:spPr>
+        <p:txBody>
+          <a:bodyPr wrap="none" rtlCol="0">
+            <a:spAutoFit/>
+          </a:bodyPr>
+          <a:lstStyle/>
+          <a:p>
+            <a:r>
+              <a:rPr lang="en-US" b="1" dirty="0"/>
+              <a:t>Password/</a:t>
+            </a:r>
+          </a:p>
+          <a:p>
+            <a:r>
+              <a:rPr lang="en-US" b="1" dirty="0"/>
+              <a:t>Binary seed</a:t>
+            </a:r>
+          </a:p>
+        </p:txBody>
+      </p:sp>
+      <p:cxnSp>
+        <p:nvCxnSpPr>
+          <p:cNvPr id="7" name="Straight Arrow Connector 6">
+            <a:extLst>
+              <a:ext uri="{FF2B5EF4-FFF2-40B4-BE49-F238E27FC236}">
+                <a16:creationId xmlns:a16="http://schemas.microsoft.com/office/drawing/2014/main" id="{18A4E476-D878-9E44-9309-5FBEF367B7B2}"/>
+              </a:ext>
+            </a:extLst>
+          </p:cNvPr>
+          <p:cNvCxnSpPr>
+            <a:cxnSpLocks/>
+            <a:stCxn id="6" idx="3"/>
+            <a:endCxn id="5" idx="1"/>
+          </p:cNvCxnSpPr>
+          <p:nvPr/>
+        </p:nvCxnSpPr>
+        <p:spPr>
+          <a:xfrm>
+            <a:off x="2429746" y="3428999"/>
+            <a:ext cx="1205000" cy="1"/>
+          </a:xfrm>
+          <a:prstGeom prst="straightConnector1">
+            <a:avLst/>
+          </a:prstGeom>
+          <a:ln w="38100">
+            <a:solidFill>
+              <a:schemeClr val="tx1"/>
+            </a:solidFill>
+            <a:tailEnd type="triangle"/>
+          </a:ln>
+        </p:spPr>
+        <p:style>
+          <a:lnRef idx="1">
+            <a:schemeClr val="accent1"/>
+          </a:lnRef>
+          <a:fillRef idx="0">
+            <a:schemeClr val="accent1"/>
+          </a:fillRef>
+          <a:effectRef idx="0">
+            <a:schemeClr val="accent1"/>
+          </a:effectRef>
+          <a:fontRef idx="minor">
+            <a:schemeClr val="tx1"/>
+          </a:fontRef>
+        </p:style>
+      </p:cxnSp>
+      <p:cxnSp>
+        <p:nvCxnSpPr>
+          <p:cNvPr id="10" name="Straight Arrow Connector 9">
+            <a:extLst>
+              <a:ext uri="{FF2B5EF4-FFF2-40B4-BE49-F238E27FC236}">
+                <a16:creationId xmlns:a16="http://schemas.microsoft.com/office/drawing/2014/main" id="{7AD36F70-A071-624E-B3B5-D5045FF01B47}"/>
+              </a:ext>
+            </a:extLst>
+          </p:cNvPr>
+          <p:cNvCxnSpPr>
+            <a:cxnSpLocks/>
+            <a:stCxn id="5" idx="3"/>
+            <a:endCxn id="13" idx="1"/>
+          </p:cNvCxnSpPr>
+          <p:nvPr/>
+        </p:nvCxnSpPr>
+        <p:spPr>
+          <a:xfrm>
+            <a:off x="5280659" y="3429000"/>
+            <a:ext cx="957298" cy="14553"/>
+          </a:xfrm>
+          <a:prstGeom prst="straightConnector1">
+            <a:avLst/>
+          </a:prstGeom>
+          <a:ln w="38100">
+            <a:solidFill>
+              <a:schemeClr val="tx1"/>
+            </a:solidFill>
+            <a:tailEnd type="triangle"/>
+          </a:ln>
+        </p:spPr>
+        <p:style>
+          <a:lnRef idx="1">
+            <a:schemeClr val="accent1"/>
+          </a:lnRef>
+          <a:fillRef idx="0">
+            <a:schemeClr val="accent1"/>
+          </a:fillRef>
+          <a:effectRef idx="0">
+            <a:schemeClr val="accent1"/>
+          </a:effectRef>
+          <a:fontRef idx="minor">
+            <a:schemeClr val="tx1"/>
+          </a:fontRef>
+        </p:style>
+      </p:cxnSp>
+      <p:sp>
+        <p:nvSpPr>
+          <p:cNvPr id="13" name="TextBox 12">
+            <a:extLst>
+              <a:ext uri="{FF2B5EF4-FFF2-40B4-BE49-F238E27FC236}">
+                <a16:creationId xmlns:a16="http://schemas.microsoft.com/office/drawing/2014/main" id="{AE39DB47-A374-CB46-AC08-21853B61EA5D}"/>
+              </a:ext>
+            </a:extLst>
+          </p:cNvPr>
+          <p:cNvSpPr txBox="1"/>
+          <p:nvPr/>
+        </p:nvSpPr>
+        <p:spPr>
+          <a:xfrm>
+            <a:off x="6237957" y="3120387"/>
+            <a:ext cx="2022926" cy="646331"/>
+          </a:xfrm>
+          <a:prstGeom prst="rect">
+            <a:avLst/>
+          </a:prstGeom>
+          <a:noFill/>
+        </p:spPr>
+        <p:txBody>
+          <a:bodyPr wrap="none" rtlCol="0">
+            <a:spAutoFit/>
+          </a:bodyPr>
+          <a:lstStyle/>
+          <a:p>
+            <a:r>
+              <a:rPr lang="en-US" b="1" dirty="0">
+                <a:solidFill>
+                  <a:srgbClr val="FF0000"/>
+                </a:solidFill>
+              </a:rPr>
+              <a:t>128/192/256bits</a:t>
+            </a:r>
+            <a:br>
+              <a:rPr lang="en-US" b="1" dirty="0">
+                <a:solidFill>
+                  <a:srgbClr val="FF0000"/>
+                </a:solidFill>
+              </a:rPr>
+            </a:br>
+            <a:r>
+              <a:rPr lang="en-US" b="1" dirty="0">
+                <a:solidFill>
+                  <a:srgbClr val="FF0000"/>
+                </a:solidFill>
+              </a:rPr>
+              <a:t>AES Encryption Key</a:t>
+            </a:r>
+          </a:p>
+        </p:txBody>
+      </p:sp>
+      <p:sp>
+        <p:nvSpPr>
+          <p:cNvPr id="16" name="Line Callout 2 (Accent Bar) 15">
+            <a:extLst>
+              <a:ext uri="{FF2B5EF4-FFF2-40B4-BE49-F238E27FC236}">
+                <a16:creationId xmlns:a16="http://schemas.microsoft.com/office/drawing/2014/main" id="{0C97B7D6-D327-104E-BBE4-AD2DA3589102}"/>
+              </a:ext>
+            </a:extLst>
+          </p:cNvPr>
+          <p:cNvSpPr/>
+          <p:nvPr/>
+        </p:nvSpPr>
+        <p:spPr>
+          <a:xfrm>
+            <a:off x="4922028" y="2267073"/>
+            <a:ext cx="3924792" cy="446027"/>
+          </a:xfrm>
+          <a:prstGeom prst="accentCallout2">
+            <a:avLst>
+              <a:gd name="adj1" fmla="val 18751"/>
+              <a:gd name="adj2" fmla="val 537"/>
+              <a:gd name="adj3" fmla="val 22198"/>
+              <a:gd name="adj4" fmla="val -7354"/>
+              <a:gd name="adj5" fmla="val 205982"/>
+              <a:gd name="adj6" fmla="val -25274"/>
+            </a:avLst>
+          </a:prstGeom>
+          <a:noFill/>
+          <a:ln>
+            <a:solidFill>
+              <a:schemeClr val="tx1"/>
+            </a:solidFill>
+          </a:ln>
+        </p:spPr>
+        <p:style>
+          <a:lnRef idx="2">
+            <a:schemeClr val="accent1">
+              <a:shade val="50000"/>
+            </a:schemeClr>
+          </a:lnRef>
+          <a:fillRef idx="1">
+            <a:schemeClr val="accent1"/>
+          </a:fillRef>
+          <a:effectRef idx="0">
+            <a:schemeClr val="accent1"/>
+          </a:effectRef>
+          <a:fontRef idx="minor">
+            <a:schemeClr val="lt1"/>
+          </a:fontRef>
+        </p:style>
+        <p:txBody>
+          <a:bodyPr rtlCol="0" anchor="ctr"/>
+          <a:lstStyle/>
+          <a:p>
+            <a:r>
+              <a:rPr lang="en-US" b="1" dirty="0">
+                <a:solidFill>
+                  <a:schemeClr val="tx1"/>
+                </a:solidFill>
+              </a:rPr>
+              <a:t>Simple binary representation, complex cryptographic operation, etc.</a:t>
+            </a:r>
+          </a:p>
+        </p:txBody>
+      </p:sp>
+    </p:spTree>
+    <p:extLst>
+      <p:ext uri="{BB962C8B-B14F-4D97-AF65-F5344CB8AC3E}">
+        <p14:creationId xmlns:p14="http://schemas.microsoft.com/office/powerpoint/2010/main" val="1795658472"/>
+      </p:ext>
+    </p:extLst>
+  </p:cSld>
+  <p:clrMapOvr>
+    <a:masterClrMapping/>
+  </p:clrMapOvr>
+</p:sld>
+</file>
+
+<file path=ppt/slides/slide19.xml><?xml version="1.0" encoding="utf-8"?>
+<p:sld xmlns:a="http://schemas.openxmlformats.org/drawingml/2006/main" xmlns:r="http://schemas.openxmlformats.org/officeDocument/2006/relationships" xmlns:p="http://schemas.openxmlformats.org/presentationml/2006/main">
+  <p:cSld>
+    <p:spTree>
+      <p:nvGrpSpPr>
+        <p:cNvPr id="1" name=""/>
+        <p:cNvGrpSpPr/>
+        <p:nvPr/>
+      </p:nvGrpSpPr>
+      <p:grpSpPr>
+        <a:xfrm>
+          <a:off x="0" y="0"/>
+          <a:ext cx="0" cy="0"/>
+          <a:chOff x="0" y="0"/>
+          <a:chExt cx="0" cy="0"/>
+        </a:xfrm>
+      </p:grpSpPr>
+      <p:pic>
+        <p:nvPicPr>
+          <p:cNvPr id="4" name="Picture 3">
+            <a:extLst>
+              <a:ext uri="{FF2B5EF4-FFF2-40B4-BE49-F238E27FC236}">
+                <a16:creationId xmlns:a16="http://schemas.microsoft.com/office/drawing/2014/main" id="{03746A60-8574-E843-9BE7-301ECBAFEC7E}"/>
+              </a:ext>
+            </a:extLst>
+          </p:cNvPr>
+          <p:cNvPicPr>
+            <a:picLocks noChangeAspect="1"/>
+          </p:cNvPicPr>
+          <p:nvPr/>
+        </p:nvPicPr>
+        <p:blipFill>
+          <a:blip r:embed="rId2"/>
+          <a:stretch>
+            <a:fillRect/>
+          </a:stretch>
+        </p:blipFill>
+        <p:spPr>
+          <a:xfrm>
+            <a:off x="1788160" y="1524000"/>
+            <a:ext cx="2489200" cy="2743200"/>
+          </a:xfrm>
+          <a:prstGeom prst="rect">
+            <a:avLst/>
+          </a:prstGeom>
+        </p:spPr>
+      </p:pic>
+      <p:sp>
+        <p:nvSpPr>
+          <p:cNvPr id="5" name="Rectangle 4">
+            <a:extLst>
+              <a:ext uri="{FF2B5EF4-FFF2-40B4-BE49-F238E27FC236}">
+                <a16:creationId xmlns:a16="http://schemas.microsoft.com/office/drawing/2014/main" id="{131C78FD-D4C3-DC41-9626-67F05D632A61}"/>
+              </a:ext>
+            </a:extLst>
+          </p:cNvPr>
+          <p:cNvSpPr/>
+          <p:nvPr/>
+        </p:nvSpPr>
+        <p:spPr>
+          <a:xfrm>
+            <a:off x="6585902" y="4613255"/>
+            <a:ext cx="3416935" cy="523220"/>
+          </a:xfrm>
+          <a:prstGeom prst="rect">
+            <a:avLst/>
+          </a:prstGeom>
+        </p:spPr>
+        <p:txBody>
+          <a:bodyPr wrap="square">
+            <a:spAutoFit/>
+          </a:bodyPr>
+          <a:lstStyle/>
+          <a:p>
+            <a:r>
+              <a:rPr lang="en-US" sz="1400" dirty="0">
+                <a:solidFill>
+                  <a:srgbClr val="222222"/>
+                </a:solidFill>
+                <a:latin typeface="Arial" panose="020B0604020202020204" pitchFamily="34" charset="0"/>
+              </a:rPr>
+              <a:t>Original images are given by Larry Ewing (</a:t>
+            </a:r>
+            <a:r>
+              <a:rPr lang="en-US" sz="1400" dirty="0">
+                <a:solidFill>
+                  <a:srgbClr val="663366"/>
+                </a:solidFill>
+                <a:latin typeface="Arial" panose="020B0604020202020204" pitchFamily="34" charset="0"/>
+                <a:hlinkClick r:id="rId3"/>
+              </a:rPr>
+              <a:t>lewing@isc.tamu.edu</a:t>
+            </a:r>
+            <a:r>
+              <a:rPr lang="en-US" sz="1400" dirty="0">
+                <a:solidFill>
+                  <a:srgbClr val="663366"/>
+                </a:solidFill>
+                <a:latin typeface="Arial" panose="020B0604020202020204" pitchFamily="34" charset="0"/>
+              </a:rPr>
+              <a:t>)</a:t>
+            </a:r>
+            <a:endParaRPr lang="en-US" sz="1400" dirty="0"/>
+          </a:p>
+        </p:txBody>
+      </p:sp>
+      <p:pic>
+        <p:nvPicPr>
+          <p:cNvPr id="6" name="Picture 5">
+            <a:extLst>
+              <a:ext uri="{FF2B5EF4-FFF2-40B4-BE49-F238E27FC236}">
+                <a16:creationId xmlns:a16="http://schemas.microsoft.com/office/drawing/2014/main" id="{8C70F256-D18E-1A42-8CA9-E035033F7B6A}"/>
+              </a:ext>
+            </a:extLst>
+          </p:cNvPr>
+          <p:cNvPicPr>
+            <a:picLocks noChangeAspect="1"/>
+          </p:cNvPicPr>
+          <p:nvPr/>
+        </p:nvPicPr>
+        <p:blipFill>
+          <a:blip r:embed="rId4"/>
+          <a:stretch>
+            <a:fillRect/>
+          </a:stretch>
+        </p:blipFill>
+        <p:spPr>
+          <a:xfrm>
+            <a:off x="7049770" y="1569720"/>
+            <a:ext cx="2489200" cy="2743200"/>
+          </a:xfrm>
+          <a:prstGeom prst="rect">
+            <a:avLst/>
+          </a:prstGeom>
+        </p:spPr>
+      </p:pic>
+      <p:sp>
+        <p:nvSpPr>
+          <p:cNvPr id="7" name="Right Arrow 6">
+            <a:extLst>
+              <a:ext uri="{FF2B5EF4-FFF2-40B4-BE49-F238E27FC236}">
+                <a16:creationId xmlns:a16="http://schemas.microsoft.com/office/drawing/2014/main" id="{EF05655C-9BD5-C94B-96C7-E65CD24FD3FF}"/>
+              </a:ext>
+            </a:extLst>
+          </p:cNvPr>
+          <p:cNvSpPr/>
+          <p:nvPr/>
+        </p:nvSpPr>
+        <p:spPr>
+          <a:xfrm>
+            <a:off x="4514850" y="2653284"/>
+            <a:ext cx="1965960" cy="775716"/>
+          </a:xfrm>
+          <a:prstGeom prst="rightArrow">
+            <a:avLst/>
+          </a:prstGeom>
+        </p:spPr>
+        <p:style>
+          <a:lnRef idx="2">
+            <a:schemeClr val="accent1">
+              <a:shade val="50000"/>
+            </a:schemeClr>
+          </a:lnRef>
+          <a:fillRef idx="1">
+            <a:schemeClr val="accent1"/>
+          </a:fillRef>
+          <a:effectRef idx="0">
+            <a:schemeClr val="accent1"/>
+          </a:effectRef>
+          <a:fontRef idx="minor">
+            <a:schemeClr val="lt1"/>
+          </a:fontRef>
+        </p:style>
+        <p:txBody>
+          <a:bodyPr rtlCol="0" anchor="ctr"/>
+          <a:lstStyle/>
+          <a:p>
+            <a:pPr algn="ctr"/>
+            <a:endParaRPr lang="en-US" dirty="0"/>
+          </a:p>
+        </p:txBody>
+      </p:sp>
+      <p:sp>
+        <p:nvSpPr>
+          <p:cNvPr id="8" name="TextBox 7">
+            <a:extLst>
+              <a:ext uri="{FF2B5EF4-FFF2-40B4-BE49-F238E27FC236}">
+                <a16:creationId xmlns:a16="http://schemas.microsoft.com/office/drawing/2014/main" id="{2ACD63B3-48DE-884B-8A89-A6BFE88F436A}"/>
+              </a:ext>
+            </a:extLst>
+          </p:cNvPr>
+          <p:cNvSpPr txBox="1"/>
+          <p:nvPr/>
+        </p:nvSpPr>
+        <p:spPr>
+          <a:xfrm>
+            <a:off x="4051149" y="2133785"/>
+            <a:ext cx="2714141" cy="369332"/>
+          </a:xfrm>
+          <a:prstGeom prst="rect">
+            <a:avLst/>
+          </a:prstGeom>
+          <a:noFill/>
+        </p:spPr>
+        <p:txBody>
+          <a:bodyPr wrap="none" rtlCol="0">
+            <a:spAutoFit/>
+          </a:bodyPr>
+          <a:lstStyle/>
+          <a:p>
+            <a:r>
+              <a:rPr lang="en-US" b="1" dirty="0"/>
+              <a:t>Encryption with ECB mode</a:t>
+            </a:r>
+          </a:p>
+        </p:txBody>
+      </p:sp>
+    </p:spTree>
+    <p:extLst>
+      <p:ext uri="{BB962C8B-B14F-4D97-AF65-F5344CB8AC3E}">
+        <p14:creationId xmlns:p14="http://schemas.microsoft.com/office/powerpoint/2010/main" val="3075901331"/>
       </p:ext>
     </p:extLst>
   </p:cSld>

--- a/images.pptx
+++ b/images.pptx
@@ -5,7 +5,7 @@
     <p:sldMasterId id="2147483648" r:id="rId1"/>
   </p:sldMasterIdLst>
   <p:notesMasterIdLst>
-    <p:notesMasterId r:id="rId21"/>
+    <p:notesMasterId r:id="rId23"/>
   </p:notesMasterIdLst>
   <p:sldIdLst>
     <p:sldId id="257" r:id="rId2"/>
@@ -27,6 +27,8 @@
     <p:sldId id="272" r:id="rId18"/>
     <p:sldId id="273" r:id="rId19"/>
     <p:sldId id="274" r:id="rId20"/>
+    <p:sldId id="276" r:id="rId21"/>
+    <p:sldId id="275" r:id="rId22"/>
   </p:sldIdLst>
   <p:sldSz cx="12192000" cy="6858000"/>
   <p:notesSz cx="6858000" cy="9144000"/>
@@ -215,7 +217,7 @@
           <a:p>
             <a:fld id="{7CEEDDC0-DF20-AC46-B752-4D05A37D4059}" type="datetimeFigureOut">
               <a:rPr lang="en-US" smtClean="0"/>
-              <a:t>8/23/19</a:t>
+              <a:t>8/26/19</a:t>
             </a:fld>
             <a:endParaRPr lang="en-US"/>
           </a:p>
@@ -734,6 +736,90 @@
 </p:notes>
 </file>
 
+<file path=ppt/notesSlides/notesSlide4.xml><?xml version="1.0" encoding="utf-8"?>
+<p:notes xmlns:a="http://schemas.openxmlformats.org/drawingml/2006/main" xmlns:r="http://schemas.openxmlformats.org/officeDocument/2006/relationships" xmlns:p="http://schemas.openxmlformats.org/presentationml/2006/main">
+  <p:cSld>
+    <p:spTree>
+      <p:nvGrpSpPr>
+        <p:cNvPr id="1" name=""/>
+        <p:cNvGrpSpPr/>
+        <p:nvPr/>
+      </p:nvGrpSpPr>
+      <p:grpSpPr>
+        <a:xfrm>
+          <a:off x="0" y="0"/>
+          <a:ext cx="0" cy="0"/>
+          <a:chOff x="0" y="0"/>
+          <a:chExt cx="0" cy="0"/>
+        </a:xfrm>
+      </p:grpSpPr>
+      <p:sp>
+        <p:nvSpPr>
+          <p:cNvPr id="2" name="Slide Image Placeholder 1"/>
+          <p:cNvSpPr>
+            <a:spLocks noGrp="1" noRot="1" noChangeAspect="1"/>
+          </p:cNvSpPr>
+          <p:nvPr>
+            <p:ph type="sldImg"/>
+          </p:nvPr>
+        </p:nvSpPr>
+        <p:spPr/>
+      </p:sp>
+      <p:sp>
+        <p:nvSpPr>
+          <p:cNvPr id="3" name="Notes Placeholder 2"/>
+          <p:cNvSpPr>
+            <a:spLocks noGrp="1"/>
+          </p:cNvSpPr>
+          <p:nvPr>
+            <p:ph type="body" idx="1"/>
+          </p:nvPr>
+        </p:nvSpPr>
+        <p:spPr/>
+        <p:txBody>
+          <a:bodyPr/>
+          <a:lstStyle/>
+          <a:p>
+            <a:endParaRPr lang="en-US" dirty="0"/>
+          </a:p>
+        </p:txBody>
+      </p:sp>
+      <p:sp>
+        <p:nvSpPr>
+          <p:cNvPr id="4" name="Slide Number Placeholder 3"/>
+          <p:cNvSpPr>
+            <a:spLocks noGrp="1"/>
+          </p:cNvSpPr>
+          <p:nvPr>
+            <p:ph type="sldNum" sz="quarter" idx="5"/>
+          </p:nvPr>
+        </p:nvSpPr>
+        <p:spPr/>
+        <p:txBody>
+          <a:bodyPr/>
+          <a:lstStyle/>
+          <a:p>
+            <a:fld id="{65EEC5EA-871C-8443-843A-02E75F9C7A0B}" type="slidenum">
+              <a:rPr lang="en-US" smtClean="0"/>
+              <a:t>20</a:t>
+            </a:fld>
+            <a:endParaRPr lang="en-US"/>
+          </a:p>
+        </p:txBody>
+      </p:sp>
+    </p:spTree>
+    <p:extLst>
+      <p:ext uri="{BB962C8B-B14F-4D97-AF65-F5344CB8AC3E}">
+        <p14:creationId xmlns:p14="http://schemas.microsoft.com/office/powerpoint/2010/main" val="1488114332"/>
+      </p:ext>
+    </p:extLst>
+  </p:cSld>
+  <p:clrMapOvr>
+    <a:masterClrMapping/>
+  </p:clrMapOvr>
+</p:notes>
+</file>
+
 <file path=ppt/slideLayouts/slideLayout1.xml><?xml version="1.0" encoding="utf-8"?>
 <p:sldLayout xmlns:a="http://schemas.openxmlformats.org/drawingml/2006/main" xmlns:r="http://schemas.openxmlformats.org/officeDocument/2006/relationships" xmlns:p="http://schemas.openxmlformats.org/presentationml/2006/main" type="title" preserve="1">
   <p:cSld name="Title Slide">
@@ -881,7 +967,7 @@
           <a:p>
             <a:fld id="{ABB50B84-C221-BA49-B172-B6D4747B1BA4}" type="datetimeFigureOut">
               <a:rPr lang="en-US" smtClean="0"/>
-              <a:t>8/23/19</a:t>
+              <a:t>8/26/19</a:t>
             </a:fld>
             <a:endParaRPr lang="en-US"/>
           </a:p>
@@ -1079,7 +1165,7 @@
           <a:p>
             <a:fld id="{ABB50B84-C221-BA49-B172-B6D4747B1BA4}" type="datetimeFigureOut">
               <a:rPr lang="en-US" smtClean="0"/>
-              <a:t>8/23/19</a:t>
+              <a:t>8/26/19</a:t>
             </a:fld>
             <a:endParaRPr lang="en-US"/>
           </a:p>
@@ -1287,7 +1373,7 @@
           <a:p>
             <a:fld id="{ABB50B84-C221-BA49-B172-B6D4747B1BA4}" type="datetimeFigureOut">
               <a:rPr lang="en-US" smtClean="0"/>
-              <a:t>8/23/19</a:t>
+              <a:t>8/26/19</a:t>
             </a:fld>
             <a:endParaRPr lang="en-US"/>
           </a:p>
@@ -1485,7 +1571,7 @@
           <a:p>
             <a:fld id="{ABB50B84-C221-BA49-B172-B6D4747B1BA4}" type="datetimeFigureOut">
               <a:rPr lang="en-US" smtClean="0"/>
-              <a:t>8/23/19</a:t>
+              <a:t>8/26/19</a:t>
             </a:fld>
             <a:endParaRPr lang="en-US"/>
           </a:p>
@@ -1760,7 +1846,7 @@
           <a:p>
             <a:fld id="{ABB50B84-C221-BA49-B172-B6D4747B1BA4}" type="datetimeFigureOut">
               <a:rPr lang="en-US" smtClean="0"/>
-              <a:t>8/23/19</a:t>
+              <a:t>8/26/19</a:t>
             </a:fld>
             <a:endParaRPr lang="en-US"/>
           </a:p>
@@ -2025,7 +2111,7 @@
           <a:p>
             <a:fld id="{ABB50B84-C221-BA49-B172-B6D4747B1BA4}" type="datetimeFigureOut">
               <a:rPr lang="en-US" smtClean="0"/>
-              <a:t>8/23/19</a:t>
+              <a:t>8/26/19</a:t>
             </a:fld>
             <a:endParaRPr lang="en-US"/>
           </a:p>
@@ -2437,7 +2523,7 @@
           <a:p>
             <a:fld id="{ABB50B84-C221-BA49-B172-B6D4747B1BA4}" type="datetimeFigureOut">
               <a:rPr lang="en-US" smtClean="0"/>
-              <a:t>8/23/19</a:t>
+              <a:t>8/26/19</a:t>
             </a:fld>
             <a:endParaRPr lang="en-US"/>
           </a:p>
@@ -2578,7 +2664,7 @@
           <a:p>
             <a:fld id="{ABB50B84-C221-BA49-B172-B6D4747B1BA4}" type="datetimeFigureOut">
               <a:rPr lang="en-US" smtClean="0"/>
-              <a:t>8/23/19</a:t>
+              <a:t>8/26/19</a:t>
             </a:fld>
             <a:endParaRPr lang="en-US"/>
           </a:p>
@@ -2691,7 +2777,7 @@
           <a:p>
             <a:fld id="{ABB50B84-C221-BA49-B172-B6D4747B1BA4}" type="datetimeFigureOut">
               <a:rPr lang="en-US" smtClean="0"/>
-              <a:t>8/23/19</a:t>
+              <a:t>8/26/19</a:t>
             </a:fld>
             <a:endParaRPr lang="en-US"/>
           </a:p>
@@ -3002,7 +3088,7 @@
           <a:p>
             <a:fld id="{ABB50B84-C221-BA49-B172-B6D4747B1BA4}" type="datetimeFigureOut">
               <a:rPr lang="en-US" smtClean="0"/>
-              <a:t>8/23/19</a:t>
+              <a:t>8/26/19</a:t>
             </a:fld>
             <a:endParaRPr lang="en-US"/>
           </a:p>
@@ -3290,7 +3376,7 @@
           <a:p>
             <a:fld id="{ABB50B84-C221-BA49-B172-B6D4747B1BA4}" type="datetimeFigureOut">
               <a:rPr lang="en-US" smtClean="0"/>
-              <a:t>8/23/19</a:t>
+              <a:t>8/26/19</a:t>
             </a:fld>
             <a:endParaRPr lang="en-US"/>
           </a:p>
@@ -3531,7 +3617,7 @@
           <a:p>
             <a:fld id="{ABB50B84-C221-BA49-B172-B6D4747B1BA4}" type="datetimeFigureOut">
               <a:rPr lang="en-US" smtClean="0"/>
-              <a:t>8/23/19</a:t>
+              <a:t>8/26/19</a:t>
             </a:fld>
             <a:endParaRPr lang="en-US"/>
           </a:p>
@@ -14862,6 +14948,994 @@
     <p:extLst>
       <p:ext uri="{BB962C8B-B14F-4D97-AF65-F5344CB8AC3E}">
         <p14:creationId xmlns:p14="http://schemas.microsoft.com/office/powerpoint/2010/main" val="1424230873"/>
+      </p:ext>
+    </p:extLst>
+  </p:cSld>
+  <p:clrMapOvr>
+    <a:masterClrMapping/>
+  </p:clrMapOvr>
+</p:sld>
+</file>
+
+<file path=ppt/slides/slide20.xml><?xml version="1.0" encoding="utf-8"?>
+<p:sld xmlns:a="http://schemas.openxmlformats.org/drawingml/2006/main" xmlns:r="http://schemas.openxmlformats.org/officeDocument/2006/relationships" xmlns:p="http://schemas.openxmlformats.org/presentationml/2006/main">
+  <p:cSld>
+    <p:spTree>
+      <p:nvGrpSpPr>
+        <p:cNvPr id="1" name=""/>
+        <p:cNvGrpSpPr/>
+        <p:nvPr/>
+      </p:nvGrpSpPr>
+      <p:grpSpPr>
+        <a:xfrm>
+          <a:off x="0" y="0"/>
+          <a:ext cx="0" cy="0"/>
+          <a:chOff x="0" y="0"/>
+          <a:chExt cx="0" cy="0"/>
+        </a:xfrm>
+      </p:grpSpPr>
+      <p:pic>
+        <p:nvPicPr>
+          <p:cNvPr id="34" name="Picture 33">
+            <a:extLst>
+              <a:ext uri="{FF2B5EF4-FFF2-40B4-BE49-F238E27FC236}">
+                <a16:creationId xmlns:a16="http://schemas.microsoft.com/office/drawing/2014/main" id="{7722DAF6-61E6-4D43-9F23-8D69679DC4E5}"/>
+              </a:ext>
+            </a:extLst>
+          </p:cNvPr>
+          <p:cNvPicPr>
+            <a:picLocks noChangeAspect="1"/>
+          </p:cNvPicPr>
+          <p:nvPr/>
+        </p:nvPicPr>
+        <p:blipFill>
+          <a:blip r:embed="rId3"/>
+          <a:stretch>
+            <a:fillRect/>
+          </a:stretch>
+        </p:blipFill>
+        <p:spPr>
+          <a:xfrm>
+            <a:off x="1631562" y="4455577"/>
+            <a:ext cx="811960" cy="811960"/>
+          </a:xfrm>
+          <a:prstGeom prst="rect">
+            <a:avLst/>
+          </a:prstGeom>
+        </p:spPr>
+      </p:pic>
+      <p:sp>
+        <p:nvSpPr>
+          <p:cNvPr id="36" name="Rounded Rectangle 35">
+            <a:extLst>
+              <a:ext uri="{FF2B5EF4-FFF2-40B4-BE49-F238E27FC236}">
+                <a16:creationId xmlns:a16="http://schemas.microsoft.com/office/drawing/2014/main" id="{637E0E65-14BA-2E49-BCB1-6DE75E352044}"/>
+              </a:ext>
+            </a:extLst>
+          </p:cNvPr>
+          <p:cNvSpPr/>
+          <p:nvPr/>
+        </p:nvSpPr>
+        <p:spPr>
+          <a:xfrm>
+            <a:off x="7350588" y="4388225"/>
+            <a:ext cx="1446964" cy="988046"/>
+          </a:xfrm>
+          <a:prstGeom prst="roundRect">
+            <a:avLst/>
+          </a:prstGeom>
+        </p:spPr>
+        <p:style>
+          <a:lnRef idx="1">
+            <a:schemeClr val="accent5"/>
+          </a:lnRef>
+          <a:fillRef idx="2">
+            <a:schemeClr val="accent5"/>
+          </a:fillRef>
+          <a:effectRef idx="1">
+            <a:schemeClr val="accent5"/>
+          </a:effectRef>
+          <a:fontRef idx="minor">
+            <a:schemeClr val="dk1"/>
+          </a:fontRef>
+        </p:style>
+        <p:txBody>
+          <a:bodyPr rtlCol="0" anchor="ctr"/>
+          <a:lstStyle/>
+          <a:p>
+            <a:pPr algn="ctr"/>
+            <a:r>
+              <a:rPr lang="en-US" dirty="0"/>
+              <a:t>REST API</a:t>
+            </a:r>
+            <a:br>
+              <a:rPr lang="en-US" dirty="0"/>
+            </a:br>
+            <a:r>
+              <a:rPr lang="en-US" dirty="0"/>
+              <a:t>Mock Server</a:t>
+            </a:r>
+          </a:p>
+        </p:txBody>
+      </p:sp>
+      <p:sp>
+        <p:nvSpPr>
+          <p:cNvPr id="37" name="Rounded Rectangle 36">
+            <a:extLst>
+              <a:ext uri="{FF2B5EF4-FFF2-40B4-BE49-F238E27FC236}">
+                <a16:creationId xmlns:a16="http://schemas.microsoft.com/office/drawing/2014/main" id="{758C28E5-547A-894C-A9C0-BEE6B042BFB7}"/>
+              </a:ext>
+            </a:extLst>
+          </p:cNvPr>
+          <p:cNvSpPr/>
+          <p:nvPr/>
+        </p:nvSpPr>
+        <p:spPr>
+          <a:xfrm>
+            <a:off x="858571" y="2054430"/>
+            <a:ext cx="5976028" cy="3647097"/>
+          </a:xfrm>
+          <a:prstGeom prst="roundRect">
+            <a:avLst/>
+          </a:prstGeom>
+          <a:noFill/>
+          <a:ln w="38100">
+            <a:solidFill>
+              <a:schemeClr val="accent1"/>
+            </a:solidFill>
+          </a:ln>
+        </p:spPr>
+        <p:style>
+          <a:lnRef idx="2">
+            <a:schemeClr val="accent1">
+              <a:shade val="50000"/>
+            </a:schemeClr>
+          </a:lnRef>
+          <a:fillRef idx="1">
+            <a:schemeClr val="accent1"/>
+          </a:fillRef>
+          <a:effectRef idx="0">
+            <a:schemeClr val="accent1"/>
+          </a:effectRef>
+          <a:fontRef idx="minor">
+            <a:schemeClr val="lt1"/>
+          </a:fontRef>
+        </p:style>
+        <p:txBody>
+          <a:bodyPr rtlCol="0" anchor="ctr"/>
+          <a:lstStyle/>
+          <a:p>
+            <a:pPr algn="ctr"/>
+            <a:endParaRPr lang="en-US"/>
+          </a:p>
+        </p:txBody>
+      </p:sp>
+      <p:sp>
+        <p:nvSpPr>
+          <p:cNvPr id="38" name="TextBox 37">
+            <a:extLst>
+              <a:ext uri="{FF2B5EF4-FFF2-40B4-BE49-F238E27FC236}">
+                <a16:creationId xmlns:a16="http://schemas.microsoft.com/office/drawing/2014/main" id="{C36FE139-8322-2440-BE41-95F4E5551C6B}"/>
+              </a:ext>
+            </a:extLst>
+          </p:cNvPr>
+          <p:cNvSpPr txBox="1"/>
+          <p:nvPr/>
+        </p:nvSpPr>
+        <p:spPr>
+          <a:xfrm>
+            <a:off x="984838" y="1869765"/>
+            <a:ext cx="1755352" cy="369332"/>
+          </a:xfrm>
+          <a:prstGeom prst="rect">
+            <a:avLst/>
+          </a:prstGeom>
+          <a:solidFill>
+            <a:schemeClr val="bg1"/>
+          </a:solidFill>
+        </p:spPr>
+        <p:txBody>
+          <a:bodyPr wrap="none" rtlCol="0">
+            <a:spAutoFit/>
+          </a:bodyPr>
+          <a:lstStyle/>
+          <a:p>
+            <a:r>
+              <a:rPr lang="en-US" dirty="0"/>
+              <a:t>Browser/Node.js</a:t>
+            </a:r>
+          </a:p>
+        </p:txBody>
+      </p:sp>
+      <p:sp>
+        <p:nvSpPr>
+          <p:cNvPr id="39" name="Rounded Rectangle 38">
+            <a:extLst>
+              <a:ext uri="{FF2B5EF4-FFF2-40B4-BE49-F238E27FC236}">
+                <a16:creationId xmlns:a16="http://schemas.microsoft.com/office/drawing/2014/main" id="{030CF7EB-9613-8B47-8D90-720CDD6AEB3A}"/>
+              </a:ext>
+            </a:extLst>
+          </p:cNvPr>
+          <p:cNvSpPr/>
+          <p:nvPr/>
+        </p:nvSpPr>
+        <p:spPr>
+          <a:xfrm>
+            <a:off x="2941856" y="4357883"/>
+            <a:ext cx="1597688" cy="1007347"/>
+          </a:xfrm>
+          <a:prstGeom prst="roundRect">
+            <a:avLst/>
+          </a:prstGeom>
+        </p:spPr>
+        <p:style>
+          <a:lnRef idx="1">
+            <a:schemeClr val="accent6"/>
+          </a:lnRef>
+          <a:fillRef idx="2">
+            <a:schemeClr val="accent6"/>
+          </a:fillRef>
+          <a:effectRef idx="1">
+            <a:schemeClr val="accent6"/>
+          </a:effectRef>
+          <a:fontRef idx="minor">
+            <a:schemeClr val="dk1"/>
+          </a:fontRef>
+        </p:style>
+        <p:txBody>
+          <a:bodyPr rtlCol="0" anchor="ctr"/>
+          <a:lstStyle/>
+          <a:p>
+            <a:pPr algn="ctr"/>
+            <a:r>
+              <a:rPr lang="en-US" dirty="0">
+                <a:solidFill>
+                  <a:srgbClr val="FF0000"/>
+                </a:solidFill>
+              </a:rPr>
+              <a:t>AES-CBC Encryption</a:t>
+            </a:r>
+            <a:br>
+              <a:rPr lang="en-US" dirty="0">
+                <a:solidFill>
+                  <a:srgbClr val="FF0000"/>
+                </a:solidFill>
+              </a:rPr>
+            </a:br>
+            <a:r>
+              <a:rPr lang="en-US" dirty="0">
+                <a:solidFill>
+                  <a:srgbClr val="FF0000"/>
+                </a:solidFill>
+              </a:rPr>
+              <a:t>/Decryption</a:t>
+            </a:r>
+          </a:p>
+        </p:txBody>
+      </p:sp>
+      <p:cxnSp>
+        <p:nvCxnSpPr>
+          <p:cNvPr id="41" name="Straight Arrow Connector 40">
+            <a:extLst>
+              <a:ext uri="{FF2B5EF4-FFF2-40B4-BE49-F238E27FC236}">
+                <a16:creationId xmlns:a16="http://schemas.microsoft.com/office/drawing/2014/main" id="{A9E79B95-0190-C248-AE49-ADD35E940BD3}"/>
+              </a:ext>
+            </a:extLst>
+          </p:cNvPr>
+          <p:cNvCxnSpPr>
+            <a:stCxn id="34" idx="3"/>
+            <a:endCxn id="39" idx="1"/>
+          </p:cNvCxnSpPr>
+          <p:nvPr/>
+        </p:nvCxnSpPr>
+        <p:spPr>
+          <a:xfrm>
+            <a:off x="2443522" y="4861557"/>
+            <a:ext cx="498334" cy="0"/>
+          </a:xfrm>
+          <a:prstGeom prst="straightConnector1">
+            <a:avLst/>
+          </a:prstGeom>
+          <a:ln w="38100">
+            <a:headEnd type="triangle" w="med" len="med"/>
+            <a:tailEnd type="triangle" w="med" len="med"/>
+          </a:ln>
+        </p:spPr>
+        <p:style>
+          <a:lnRef idx="1">
+            <a:schemeClr val="accent1"/>
+          </a:lnRef>
+          <a:fillRef idx="0">
+            <a:schemeClr val="accent1"/>
+          </a:fillRef>
+          <a:effectRef idx="0">
+            <a:schemeClr val="accent1"/>
+          </a:effectRef>
+          <a:fontRef idx="minor">
+            <a:schemeClr val="tx1"/>
+          </a:fontRef>
+        </p:style>
+      </p:cxnSp>
+      <p:cxnSp>
+        <p:nvCxnSpPr>
+          <p:cNvPr id="42" name="Straight Arrow Connector 41">
+            <a:extLst>
+              <a:ext uri="{FF2B5EF4-FFF2-40B4-BE49-F238E27FC236}">
+                <a16:creationId xmlns:a16="http://schemas.microsoft.com/office/drawing/2014/main" id="{F32FB1F1-5064-0A40-AD7F-591AA57659B6}"/>
+              </a:ext>
+            </a:extLst>
+          </p:cNvPr>
+          <p:cNvCxnSpPr>
+            <a:cxnSpLocks/>
+            <a:endCxn id="43" idx="1"/>
+          </p:cNvCxnSpPr>
+          <p:nvPr/>
+        </p:nvCxnSpPr>
+        <p:spPr>
+          <a:xfrm>
+            <a:off x="4539544" y="4861556"/>
+            <a:ext cx="568672" cy="0"/>
+          </a:xfrm>
+          <a:prstGeom prst="straightConnector1">
+            <a:avLst/>
+          </a:prstGeom>
+          <a:ln w="38100">
+            <a:headEnd type="triangle" w="med" len="med"/>
+            <a:tailEnd type="triangle" w="med" len="med"/>
+          </a:ln>
+        </p:spPr>
+        <p:style>
+          <a:lnRef idx="1">
+            <a:schemeClr val="accent1"/>
+          </a:lnRef>
+          <a:fillRef idx="0">
+            <a:schemeClr val="accent1"/>
+          </a:fillRef>
+          <a:effectRef idx="0">
+            <a:schemeClr val="accent1"/>
+          </a:effectRef>
+          <a:fontRef idx="minor">
+            <a:schemeClr val="tx1"/>
+          </a:fontRef>
+        </p:style>
+      </p:cxnSp>
+      <p:sp>
+        <p:nvSpPr>
+          <p:cNvPr id="43" name="Rounded Rectangle 42">
+            <a:extLst>
+              <a:ext uri="{FF2B5EF4-FFF2-40B4-BE49-F238E27FC236}">
+                <a16:creationId xmlns:a16="http://schemas.microsoft.com/office/drawing/2014/main" id="{04756220-7284-C441-A221-180D4C32D604}"/>
+              </a:ext>
+            </a:extLst>
+          </p:cNvPr>
+          <p:cNvSpPr/>
+          <p:nvPr/>
+        </p:nvSpPr>
+        <p:spPr>
+          <a:xfrm>
+            <a:off x="5108216" y="4404356"/>
+            <a:ext cx="1245996" cy="914400"/>
+          </a:xfrm>
+          <a:prstGeom prst="roundRect">
+            <a:avLst/>
+          </a:prstGeom>
+        </p:spPr>
+        <p:style>
+          <a:lnRef idx="2">
+            <a:schemeClr val="accent1">
+              <a:shade val="50000"/>
+            </a:schemeClr>
+          </a:lnRef>
+          <a:fillRef idx="1">
+            <a:schemeClr val="accent1"/>
+          </a:fillRef>
+          <a:effectRef idx="0">
+            <a:schemeClr val="accent1"/>
+          </a:effectRef>
+          <a:fontRef idx="minor">
+            <a:schemeClr val="lt1"/>
+          </a:fontRef>
+        </p:style>
+        <p:txBody>
+          <a:bodyPr rtlCol="0" anchor="ctr"/>
+          <a:lstStyle/>
+          <a:p>
+            <a:pPr algn="ctr"/>
+            <a:r>
+              <a:rPr lang="en-US" dirty="0"/>
+              <a:t>HTTP PUT/GET</a:t>
+            </a:r>
+          </a:p>
+        </p:txBody>
+      </p:sp>
+      <p:cxnSp>
+        <p:nvCxnSpPr>
+          <p:cNvPr id="45" name="Straight Arrow Connector 44">
+            <a:extLst>
+              <a:ext uri="{FF2B5EF4-FFF2-40B4-BE49-F238E27FC236}">
+                <a16:creationId xmlns:a16="http://schemas.microsoft.com/office/drawing/2014/main" id="{A66EADBC-BA26-B646-9648-5674CD7447B2}"/>
+              </a:ext>
+            </a:extLst>
+          </p:cNvPr>
+          <p:cNvCxnSpPr>
+            <a:cxnSpLocks/>
+            <a:stCxn id="43" idx="3"/>
+            <a:endCxn id="36" idx="1"/>
+          </p:cNvCxnSpPr>
+          <p:nvPr/>
+        </p:nvCxnSpPr>
+        <p:spPr>
+          <a:xfrm>
+            <a:off x="6354212" y="4861556"/>
+            <a:ext cx="996376" cy="20692"/>
+          </a:xfrm>
+          <a:prstGeom prst="straightConnector1">
+            <a:avLst/>
+          </a:prstGeom>
+          <a:ln w="38100">
+            <a:headEnd type="triangle" w="med" len="med"/>
+            <a:tailEnd type="triangle" w="med" len="med"/>
+          </a:ln>
+        </p:spPr>
+        <p:style>
+          <a:lnRef idx="1">
+            <a:schemeClr val="accent1"/>
+          </a:lnRef>
+          <a:fillRef idx="0">
+            <a:schemeClr val="accent1"/>
+          </a:fillRef>
+          <a:effectRef idx="0">
+            <a:schemeClr val="accent1"/>
+          </a:effectRef>
+          <a:fontRef idx="minor">
+            <a:schemeClr val="tx1"/>
+          </a:fontRef>
+        </p:style>
+      </p:cxnSp>
+      <p:pic>
+        <p:nvPicPr>
+          <p:cNvPr id="61" name="Picture 60">
+            <a:extLst>
+              <a:ext uri="{FF2B5EF4-FFF2-40B4-BE49-F238E27FC236}">
+                <a16:creationId xmlns:a16="http://schemas.microsoft.com/office/drawing/2014/main" id="{2E57251A-E750-AD47-A23F-A94EA7189784}"/>
+              </a:ext>
+            </a:extLst>
+          </p:cNvPr>
+          <p:cNvPicPr>
+            <a:picLocks noChangeAspect="1"/>
+          </p:cNvPicPr>
+          <p:nvPr/>
+        </p:nvPicPr>
+        <p:blipFill>
+          <a:blip r:embed="rId4"/>
+          <a:stretch>
+            <a:fillRect/>
+          </a:stretch>
+        </p:blipFill>
+        <p:spPr>
+          <a:xfrm>
+            <a:off x="9165256" y="4457067"/>
+            <a:ext cx="814759" cy="866165"/>
+          </a:xfrm>
+          <a:prstGeom prst="rect">
+            <a:avLst/>
+          </a:prstGeom>
+        </p:spPr>
+      </p:pic>
+      <p:sp>
+        <p:nvSpPr>
+          <p:cNvPr id="62" name="Left Brace 61">
+            <a:extLst>
+              <a:ext uri="{FF2B5EF4-FFF2-40B4-BE49-F238E27FC236}">
+                <a16:creationId xmlns:a16="http://schemas.microsoft.com/office/drawing/2014/main" id="{7916F562-C63D-B547-8F16-D1C6A47CC798}"/>
+              </a:ext>
+            </a:extLst>
+          </p:cNvPr>
+          <p:cNvSpPr/>
+          <p:nvPr/>
+        </p:nvSpPr>
+        <p:spPr>
+          <a:xfrm>
+            <a:off x="8803354" y="3360429"/>
+            <a:ext cx="323442" cy="2352613"/>
+          </a:xfrm>
+          <a:prstGeom prst="leftBrace">
+            <a:avLst>
+              <a:gd name="adj1" fmla="val 54933"/>
+              <a:gd name="adj2" fmla="val 66658"/>
+            </a:avLst>
+          </a:prstGeom>
+        </p:spPr>
+        <p:style>
+          <a:lnRef idx="1">
+            <a:schemeClr val="accent1"/>
+          </a:lnRef>
+          <a:fillRef idx="0">
+            <a:schemeClr val="accent1"/>
+          </a:fillRef>
+          <a:effectRef idx="0">
+            <a:schemeClr val="accent1"/>
+          </a:effectRef>
+          <a:fontRef idx="minor">
+            <a:schemeClr val="tx1"/>
+          </a:fontRef>
+        </p:style>
+        <p:txBody>
+          <a:bodyPr rtlCol="0" anchor="ctr"/>
+          <a:lstStyle/>
+          <a:p>
+            <a:pPr algn="ctr"/>
+            <a:endParaRPr lang="en-US"/>
+          </a:p>
+        </p:txBody>
+      </p:sp>
+      <p:sp>
+        <p:nvSpPr>
+          <p:cNvPr id="63" name="TextBox 62">
+            <a:extLst>
+              <a:ext uri="{FF2B5EF4-FFF2-40B4-BE49-F238E27FC236}">
+                <a16:creationId xmlns:a16="http://schemas.microsoft.com/office/drawing/2014/main" id="{7756A6A9-669C-7741-B072-931DC173CC94}"/>
+              </a:ext>
+            </a:extLst>
+          </p:cNvPr>
+          <p:cNvSpPr txBox="1"/>
+          <p:nvPr/>
+        </p:nvSpPr>
+        <p:spPr>
+          <a:xfrm>
+            <a:off x="10018475" y="4687236"/>
+            <a:ext cx="1602426" cy="369332"/>
+          </a:xfrm>
+          <a:prstGeom prst="rect">
+            <a:avLst/>
+          </a:prstGeom>
+          <a:noFill/>
+        </p:spPr>
+        <p:txBody>
+          <a:bodyPr wrap="none" rtlCol="0">
+            <a:spAutoFit/>
+          </a:bodyPr>
+          <a:lstStyle/>
+          <a:p>
+            <a:r>
+              <a:rPr lang="en-US" dirty="0"/>
+              <a:t>Encrypted data</a:t>
+            </a:r>
+          </a:p>
+        </p:txBody>
+      </p:sp>
+      <p:pic>
+        <p:nvPicPr>
+          <p:cNvPr id="4" name="Picture 3">
+            <a:extLst>
+              <a:ext uri="{FF2B5EF4-FFF2-40B4-BE49-F238E27FC236}">
+                <a16:creationId xmlns:a16="http://schemas.microsoft.com/office/drawing/2014/main" id="{761E66D9-DD2D-E24C-A183-DF8058D78EBA}"/>
+              </a:ext>
+            </a:extLst>
+          </p:cNvPr>
+          <p:cNvPicPr>
+            <a:picLocks noChangeAspect="1"/>
+          </p:cNvPicPr>
+          <p:nvPr/>
+        </p:nvPicPr>
+        <p:blipFill>
+          <a:blip r:embed="rId5"/>
+          <a:stretch>
+            <a:fillRect/>
+          </a:stretch>
+        </p:blipFill>
+        <p:spPr>
+          <a:xfrm>
+            <a:off x="1683970" y="2522134"/>
+            <a:ext cx="646216" cy="646216"/>
+          </a:xfrm>
+          <a:prstGeom prst="rect">
+            <a:avLst/>
+          </a:prstGeom>
+        </p:spPr>
+      </p:pic>
+      <p:sp>
+        <p:nvSpPr>
+          <p:cNvPr id="5" name="TextBox 4">
+            <a:extLst>
+              <a:ext uri="{FF2B5EF4-FFF2-40B4-BE49-F238E27FC236}">
+                <a16:creationId xmlns:a16="http://schemas.microsoft.com/office/drawing/2014/main" id="{88546D1A-B9DE-6D44-B338-309D3C6A576B}"/>
+              </a:ext>
+            </a:extLst>
+          </p:cNvPr>
+          <p:cNvSpPr txBox="1"/>
+          <p:nvPr/>
+        </p:nvSpPr>
+        <p:spPr>
+          <a:xfrm>
+            <a:off x="1707220" y="5189020"/>
+            <a:ext cx="599716" cy="369332"/>
+          </a:xfrm>
+          <a:prstGeom prst="rect">
+            <a:avLst/>
+          </a:prstGeom>
+          <a:noFill/>
+        </p:spPr>
+        <p:txBody>
+          <a:bodyPr wrap="none" rtlCol="0">
+            <a:spAutoFit/>
+          </a:bodyPr>
+          <a:lstStyle/>
+          <a:p>
+            <a:r>
+              <a:rPr lang="en-US" dirty="0"/>
+              <a:t>data</a:t>
+            </a:r>
+          </a:p>
+        </p:txBody>
+      </p:sp>
+      <p:sp>
+        <p:nvSpPr>
+          <p:cNvPr id="27" name="TextBox 26">
+            <a:extLst>
+              <a:ext uri="{FF2B5EF4-FFF2-40B4-BE49-F238E27FC236}">
+                <a16:creationId xmlns:a16="http://schemas.microsoft.com/office/drawing/2014/main" id="{91A8F755-A65F-424D-AC19-24BF31DE6ADE}"/>
+              </a:ext>
+            </a:extLst>
+          </p:cNvPr>
+          <p:cNvSpPr txBox="1"/>
+          <p:nvPr/>
+        </p:nvSpPr>
+        <p:spPr>
+          <a:xfrm>
+            <a:off x="1374560" y="3124002"/>
+            <a:ext cx="1365630" cy="646331"/>
+          </a:xfrm>
+          <a:prstGeom prst="rect">
+            <a:avLst/>
+          </a:prstGeom>
+          <a:noFill/>
+        </p:spPr>
+        <p:txBody>
+          <a:bodyPr wrap="none" rtlCol="0">
+            <a:spAutoFit/>
+          </a:bodyPr>
+          <a:lstStyle/>
+          <a:p>
+            <a:r>
+              <a:rPr lang="en-US" dirty="0"/>
+              <a:t>Password</a:t>
+            </a:r>
+          </a:p>
+          <a:p>
+            <a:r>
+              <a:rPr lang="en-US" dirty="0"/>
+              <a:t>/Binary seed</a:t>
+            </a:r>
+          </a:p>
+        </p:txBody>
+      </p:sp>
+      <p:sp>
+        <p:nvSpPr>
+          <p:cNvPr id="30" name="Rounded Rectangle 29">
+            <a:extLst>
+              <a:ext uri="{FF2B5EF4-FFF2-40B4-BE49-F238E27FC236}">
+                <a16:creationId xmlns:a16="http://schemas.microsoft.com/office/drawing/2014/main" id="{400965EC-8608-B84F-AF07-251D298AC32F}"/>
+              </a:ext>
+            </a:extLst>
+          </p:cNvPr>
+          <p:cNvSpPr/>
+          <p:nvPr/>
+        </p:nvSpPr>
+        <p:spPr>
+          <a:xfrm>
+            <a:off x="2941856" y="2341568"/>
+            <a:ext cx="1597688" cy="1007347"/>
+          </a:xfrm>
+          <a:prstGeom prst="roundRect">
+            <a:avLst/>
+          </a:prstGeom>
+        </p:spPr>
+        <p:style>
+          <a:lnRef idx="1">
+            <a:schemeClr val="accent6"/>
+          </a:lnRef>
+          <a:fillRef idx="2">
+            <a:schemeClr val="accent6"/>
+          </a:fillRef>
+          <a:effectRef idx="1">
+            <a:schemeClr val="accent6"/>
+          </a:effectRef>
+          <a:fontRef idx="minor">
+            <a:schemeClr val="dk1"/>
+          </a:fontRef>
+        </p:style>
+        <p:txBody>
+          <a:bodyPr rtlCol="0" anchor="ctr"/>
+          <a:lstStyle/>
+          <a:p>
+            <a:pPr algn="ctr"/>
+            <a:r>
+              <a:rPr lang="en-US">
+                <a:solidFill>
+                  <a:srgbClr val="FF0000"/>
+                </a:solidFill>
+              </a:rPr>
+              <a:t>256bits </a:t>
+            </a:r>
+            <a:r>
+              <a:rPr lang="en-US" dirty="0">
+                <a:solidFill>
+                  <a:srgbClr val="FF0000"/>
+                </a:solidFill>
+              </a:rPr>
+              <a:t>Key Derivation Function</a:t>
+            </a:r>
+          </a:p>
+        </p:txBody>
+      </p:sp>
+      <p:cxnSp>
+        <p:nvCxnSpPr>
+          <p:cNvPr id="31" name="Straight Arrow Connector 30">
+            <a:extLst>
+              <a:ext uri="{FF2B5EF4-FFF2-40B4-BE49-F238E27FC236}">
+                <a16:creationId xmlns:a16="http://schemas.microsoft.com/office/drawing/2014/main" id="{97849B6A-9625-2942-9895-66CE87F45DD8}"/>
+              </a:ext>
+            </a:extLst>
+          </p:cNvPr>
+          <p:cNvCxnSpPr>
+            <a:cxnSpLocks/>
+            <a:stCxn id="4" idx="3"/>
+            <a:endCxn id="30" idx="1"/>
+          </p:cNvCxnSpPr>
+          <p:nvPr/>
+        </p:nvCxnSpPr>
+        <p:spPr>
+          <a:xfrm>
+            <a:off x="2330186" y="2845242"/>
+            <a:ext cx="611670" cy="0"/>
+          </a:xfrm>
+          <a:prstGeom prst="straightConnector1">
+            <a:avLst/>
+          </a:prstGeom>
+          <a:ln w="38100">
+            <a:headEnd type="none" w="med" len="med"/>
+            <a:tailEnd type="triangle" w="med" len="med"/>
+          </a:ln>
+        </p:spPr>
+        <p:style>
+          <a:lnRef idx="1">
+            <a:schemeClr val="accent1"/>
+          </a:lnRef>
+          <a:fillRef idx="0">
+            <a:schemeClr val="accent1"/>
+          </a:fillRef>
+          <a:effectRef idx="0">
+            <a:schemeClr val="accent1"/>
+          </a:effectRef>
+          <a:fontRef idx="minor">
+            <a:schemeClr val="tx1"/>
+          </a:fontRef>
+        </p:style>
+      </p:cxnSp>
+      <p:cxnSp>
+        <p:nvCxnSpPr>
+          <p:cNvPr id="32" name="Straight Arrow Connector 31">
+            <a:extLst>
+              <a:ext uri="{FF2B5EF4-FFF2-40B4-BE49-F238E27FC236}">
+                <a16:creationId xmlns:a16="http://schemas.microsoft.com/office/drawing/2014/main" id="{7C9351A6-B3AB-A741-99D6-42516D5C92DF}"/>
+              </a:ext>
+            </a:extLst>
+          </p:cNvPr>
+          <p:cNvCxnSpPr>
+            <a:cxnSpLocks/>
+            <a:stCxn id="30" idx="2"/>
+            <a:endCxn id="39" idx="0"/>
+          </p:cNvCxnSpPr>
+          <p:nvPr/>
+        </p:nvCxnSpPr>
+        <p:spPr>
+          <a:xfrm>
+            <a:off x="3740700" y="3348915"/>
+            <a:ext cx="0" cy="1008968"/>
+          </a:xfrm>
+          <a:prstGeom prst="straightConnector1">
+            <a:avLst/>
+          </a:prstGeom>
+          <a:ln w="38100">
+            <a:headEnd type="none" w="med" len="med"/>
+            <a:tailEnd type="triangle" w="med" len="med"/>
+          </a:ln>
+        </p:spPr>
+        <p:style>
+          <a:lnRef idx="1">
+            <a:schemeClr val="accent1"/>
+          </a:lnRef>
+          <a:fillRef idx="0">
+            <a:schemeClr val="accent1"/>
+          </a:fillRef>
+          <a:effectRef idx="0">
+            <a:schemeClr val="accent1"/>
+          </a:effectRef>
+          <a:fontRef idx="minor">
+            <a:schemeClr val="tx1"/>
+          </a:fontRef>
+        </p:style>
+      </p:cxnSp>
+      <p:pic>
+        <p:nvPicPr>
+          <p:cNvPr id="15" name="Picture 14">
+            <a:extLst>
+              <a:ext uri="{FF2B5EF4-FFF2-40B4-BE49-F238E27FC236}">
+                <a16:creationId xmlns:a16="http://schemas.microsoft.com/office/drawing/2014/main" id="{4560BD1E-BE59-0743-AAFD-3AEB67B25CFD}"/>
+              </a:ext>
+            </a:extLst>
+          </p:cNvPr>
+          <p:cNvPicPr>
+            <a:picLocks noChangeAspect="1"/>
+          </p:cNvPicPr>
+          <p:nvPr/>
+        </p:nvPicPr>
+        <p:blipFill>
+          <a:blip r:embed="rId6"/>
+          <a:stretch>
+            <a:fillRect/>
+          </a:stretch>
+        </p:blipFill>
+        <p:spPr>
+          <a:xfrm>
+            <a:off x="3902894" y="3533580"/>
+            <a:ext cx="470226" cy="474863"/>
+          </a:xfrm>
+          <a:prstGeom prst="rect">
+            <a:avLst/>
+          </a:prstGeom>
+        </p:spPr>
+      </p:pic>
+      <p:pic>
+        <p:nvPicPr>
+          <p:cNvPr id="17" name="Picture 16">
+            <a:extLst>
+              <a:ext uri="{FF2B5EF4-FFF2-40B4-BE49-F238E27FC236}">
+                <a16:creationId xmlns:a16="http://schemas.microsoft.com/office/drawing/2014/main" id="{EB5E1238-7B74-7F45-B115-0AE4A7176813}"/>
+              </a:ext>
+            </a:extLst>
+          </p:cNvPr>
+          <p:cNvPicPr>
+            <a:picLocks noChangeAspect="1"/>
+          </p:cNvPicPr>
+          <p:nvPr/>
+        </p:nvPicPr>
+        <p:blipFill>
+          <a:blip r:embed="rId7"/>
+          <a:stretch>
+            <a:fillRect/>
+          </a:stretch>
+        </p:blipFill>
+        <p:spPr>
+          <a:xfrm>
+            <a:off x="9374368" y="3524779"/>
+            <a:ext cx="396533" cy="729425"/>
+          </a:xfrm>
+          <a:prstGeom prst="rect">
+            <a:avLst/>
+          </a:prstGeom>
+        </p:spPr>
+      </p:pic>
+      <p:sp>
+        <p:nvSpPr>
+          <p:cNvPr id="44" name="TextBox 43">
+            <a:extLst>
+              <a:ext uri="{FF2B5EF4-FFF2-40B4-BE49-F238E27FC236}">
+                <a16:creationId xmlns:a16="http://schemas.microsoft.com/office/drawing/2014/main" id="{2C054586-5F8F-EA45-9028-B27BEE61118C}"/>
+              </a:ext>
+            </a:extLst>
+          </p:cNvPr>
+          <p:cNvSpPr txBox="1"/>
+          <p:nvPr/>
+        </p:nvSpPr>
+        <p:spPr>
+          <a:xfrm>
+            <a:off x="9980015" y="3748720"/>
+            <a:ext cx="1670907" cy="369332"/>
+          </a:xfrm>
+          <a:prstGeom prst="rect">
+            <a:avLst/>
+          </a:prstGeom>
+          <a:noFill/>
+        </p:spPr>
+        <p:txBody>
+          <a:bodyPr wrap="none" rtlCol="0">
+            <a:spAutoFit/>
+          </a:bodyPr>
+          <a:lstStyle/>
+          <a:p>
+            <a:r>
+              <a:rPr lang="en-US" dirty="0"/>
+              <a:t>KDF Parameters</a:t>
+            </a:r>
+          </a:p>
+        </p:txBody>
+      </p:sp>
+    </p:spTree>
+    <p:extLst>
+      <p:ext uri="{BB962C8B-B14F-4D97-AF65-F5344CB8AC3E}">
+        <p14:creationId xmlns:p14="http://schemas.microsoft.com/office/powerpoint/2010/main" val="479490410"/>
+      </p:ext>
+    </p:extLst>
+  </p:cSld>
+  <p:clrMapOvr>
+    <a:masterClrMapping/>
+  </p:clrMapOvr>
+</p:sld>
+</file>
+
+<file path=ppt/slides/slide21.xml><?xml version="1.0" encoding="utf-8"?>
+<p:sld xmlns:a="http://schemas.openxmlformats.org/drawingml/2006/main" xmlns:r="http://schemas.openxmlformats.org/officeDocument/2006/relationships" xmlns:p="http://schemas.openxmlformats.org/presentationml/2006/main">
+  <p:cSld>
+    <p:spTree>
+      <p:nvGrpSpPr>
+        <p:cNvPr id="1" name=""/>
+        <p:cNvGrpSpPr/>
+        <p:nvPr/>
+      </p:nvGrpSpPr>
+      <p:grpSpPr>
+        <a:xfrm>
+          <a:off x="0" y="0"/>
+          <a:ext cx="0" cy="0"/>
+          <a:chOff x="0" y="0"/>
+          <a:chExt cx="0" cy="0"/>
+        </a:xfrm>
+      </p:grpSpPr>
+      <p:sp>
+        <p:nvSpPr>
+          <p:cNvPr id="2" name="Title 1">
+            <a:extLst>
+              <a:ext uri="{FF2B5EF4-FFF2-40B4-BE49-F238E27FC236}">
+                <a16:creationId xmlns:a16="http://schemas.microsoft.com/office/drawing/2014/main" id="{2FB1BBB2-11AF-F04F-A80E-CA34B0067B6F}"/>
+              </a:ext>
+            </a:extLst>
+          </p:cNvPr>
+          <p:cNvSpPr>
+            <a:spLocks noGrp="1"/>
+          </p:cNvSpPr>
+          <p:nvPr>
+            <p:ph type="title"/>
+          </p:nvPr>
+        </p:nvSpPr>
+        <p:spPr/>
+        <p:txBody>
+          <a:bodyPr/>
+          <a:lstStyle/>
+          <a:p>
+            <a:endParaRPr lang="en-US"/>
+          </a:p>
+        </p:txBody>
+      </p:sp>
+      <p:sp>
+        <p:nvSpPr>
+          <p:cNvPr id="3" name="Content Placeholder 2">
+            <a:extLst>
+              <a:ext uri="{FF2B5EF4-FFF2-40B4-BE49-F238E27FC236}">
+                <a16:creationId xmlns:a16="http://schemas.microsoft.com/office/drawing/2014/main" id="{CA318378-D506-E34A-BD73-F04089955F4C}"/>
+              </a:ext>
+            </a:extLst>
+          </p:cNvPr>
+          <p:cNvSpPr>
+            <a:spLocks noGrp="1"/>
+          </p:cNvSpPr>
+          <p:nvPr>
+            <p:ph idx="1"/>
+          </p:nvPr>
+        </p:nvSpPr>
+        <p:spPr/>
+        <p:txBody>
+          <a:bodyPr/>
+          <a:lstStyle/>
+          <a:p>
+            <a:endParaRPr lang="en-US"/>
+          </a:p>
+        </p:txBody>
+      </p:sp>
+    </p:spTree>
+    <p:extLst>
+      <p:ext uri="{BB962C8B-B14F-4D97-AF65-F5344CB8AC3E}">
+        <p14:creationId xmlns:p14="http://schemas.microsoft.com/office/powerpoint/2010/main" val="3378828618"/>
       </p:ext>
     </p:extLst>
   </p:cSld>

--- a/images.pptx
+++ b/images.pptx
@@ -12496,7 +12496,7 @@
                   <a:srgbClr val="FF0000"/>
                 </a:solidFill>
               </a:rPr>
-              <a:t>Key Derivation Function</a:t>
+              <a:t>Key Derivation Function (KDF)</a:t>
             </a:r>
           </a:p>
         </p:txBody>
@@ -12515,8 +12515,8 @@
         </p:nvSpPr>
         <p:spPr>
           <a:xfrm>
-            <a:off x="1131570" y="3105833"/>
-            <a:ext cx="1298176" cy="646331"/>
+            <a:off x="538705" y="3105833"/>
+            <a:ext cx="2146229" cy="646331"/>
           </a:xfrm>
           <a:prstGeom prst="rect">
             <a:avLst/>
@@ -12537,7 +12537,7 @@
           <a:p>
             <a:r>
               <a:rPr lang="en-US" b="1" dirty="0"/>
-              <a:t>Binary seed</a:t>
+              <a:t>Binary master secret</a:t>
             </a:r>
           </a:p>
         </p:txBody>
@@ -12560,8 +12560,8 @@
         </p:nvCxnSpPr>
         <p:spPr>
           <a:xfrm>
-            <a:off x="2429746" y="3428999"/>
-            <a:ext cx="1205000" cy="1"/>
+            <a:off x="2684934" y="3428999"/>
+            <a:ext cx="949812" cy="1"/>
           </a:xfrm>
           <a:prstGeom prst="straightConnector1">
             <a:avLst/>
@@ -12753,6 +12753,66 @@
           </a:p>
         </p:txBody>
       </p:sp>
+      <p:pic>
+        <p:nvPicPr>
+          <p:cNvPr id="4" name="Picture 3">
+            <a:extLst>
+              <a:ext uri="{FF2B5EF4-FFF2-40B4-BE49-F238E27FC236}">
+                <a16:creationId xmlns:a16="http://schemas.microsoft.com/office/drawing/2014/main" id="{F331907F-D621-5C47-9689-8D543707A5C5}"/>
+              </a:ext>
+            </a:extLst>
+          </p:cNvPr>
+          <p:cNvPicPr>
+            <a:picLocks noChangeAspect="1"/>
+          </p:cNvPicPr>
+          <p:nvPr/>
+        </p:nvPicPr>
+        <p:blipFill>
+          <a:blip r:embed="rId3"/>
+          <a:stretch>
+            <a:fillRect/>
+          </a:stretch>
+        </p:blipFill>
+        <p:spPr>
+          <a:xfrm>
+            <a:off x="8260883" y="3064101"/>
+            <a:ext cx="746716" cy="754080"/>
+          </a:xfrm>
+          <a:prstGeom prst="rect">
+            <a:avLst/>
+          </a:prstGeom>
+        </p:spPr>
+      </p:pic>
+      <p:pic>
+        <p:nvPicPr>
+          <p:cNvPr id="9" name="Picture 8">
+            <a:extLst>
+              <a:ext uri="{FF2B5EF4-FFF2-40B4-BE49-F238E27FC236}">
+                <a16:creationId xmlns:a16="http://schemas.microsoft.com/office/drawing/2014/main" id="{83132B70-6D52-2C46-B204-11B4F9014EE2}"/>
+              </a:ext>
+            </a:extLst>
+          </p:cNvPr>
+          <p:cNvPicPr>
+            <a:picLocks noChangeAspect="1"/>
+          </p:cNvPicPr>
+          <p:nvPr/>
+        </p:nvPicPr>
+        <p:blipFill>
+          <a:blip r:embed="rId4"/>
+          <a:stretch>
+            <a:fillRect/>
+          </a:stretch>
+        </p:blipFill>
+        <p:spPr>
+          <a:xfrm>
+            <a:off x="2280074" y="2776935"/>
+            <a:ext cx="354477" cy="652063"/>
+          </a:xfrm>
+          <a:prstGeom prst="rect">
+            <a:avLst/>
+          </a:prstGeom>
+        </p:spPr>
+      </p:pic>
     </p:spTree>
     <p:extLst>
       <p:ext uri="{BB962C8B-B14F-4D97-AF65-F5344CB8AC3E}">
@@ -15584,7 +15644,7 @@
         <p:spPr>
           <a:xfrm>
             <a:off x="1374560" y="3124002"/>
-            <a:ext cx="1365630" cy="646331"/>
+            <a:ext cx="1579600" cy="646331"/>
           </a:xfrm>
           <a:prstGeom prst="rect">
             <a:avLst/>
@@ -15605,8 +15665,13 @@
           <a:p>
             <a:r>
               <a:rPr lang="en-US" dirty="0"/>
-              <a:t>/Binary seed</a:t>
-            </a:r>
+              <a:t>/</a:t>
+            </a:r>
+            <a:r>
+              <a:rPr lang="en-US"/>
+              <a:t>Master Secret</a:t>
+            </a:r>
+            <a:endParaRPr lang="en-US" dirty="0"/>
           </a:p>
         </p:txBody>
       </p:sp>
@@ -15651,20 +15716,12 @@
           <a:p>
             <a:pPr algn="ctr"/>
             <a:r>
-              <a:rPr lang="en-US">
-                <a:solidFill>
-                  <a:srgbClr val="FF0000"/>
-                </a:solidFill>
-              </a:rPr>
-              <a:t>256bits </a:t>
-            </a:r>
-            <a:r>
               <a:rPr lang="en-US" dirty="0">
                 <a:solidFill>
                   <a:srgbClr val="FF0000"/>
                 </a:solidFill>
               </a:rPr>
-              <a:t>Key Derivation Function</a:t>
+              <a:t>256bits Key Derivation Function</a:t>
             </a:r>
           </a:p>
         </p:txBody>
@@ -15884,51 +15941,948 @@
       </p:grpSpPr>
       <p:sp>
         <p:nvSpPr>
-          <p:cNvPr id="2" name="Title 1">
-            <a:extLst>
-              <a:ext uri="{FF2B5EF4-FFF2-40B4-BE49-F238E27FC236}">
-                <a16:creationId xmlns:a16="http://schemas.microsoft.com/office/drawing/2014/main" id="{2FB1BBB2-11AF-F04F-A80E-CA34B0067B6F}"/>
-              </a:ext>
-            </a:extLst>
-          </p:cNvPr>
-          <p:cNvSpPr>
-            <a:spLocks noGrp="1"/>
-          </p:cNvSpPr>
-          <p:nvPr>
-            <p:ph type="title"/>
-          </p:nvPr>
-        </p:nvSpPr>
-        <p:spPr/>
-        <p:txBody>
-          <a:bodyPr/>
-          <a:lstStyle/>
-          <a:p>
-            <a:endParaRPr lang="en-US"/>
-          </a:p>
-        </p:txBody>
-      </p:sp>
-      <p:sp>
-        <p:nvSpPr>
-          <p:cNvPr id="3" name="Content Placeholder 2">
-            <a:extLst>
-              <a:ext uri="{FF2B5EF4-FFF2-40B4-BE49-F238E27FC236}">
-                <a16:creationId xmlns:a16="http://schemas.microsoft.com/office/drawing/2014/main" id="{CA318378-D506-E34A-BD73-F04089955F4C}"/>
-              </a:ext>
-            </a:extLst>
-          </p:cNvPr>
-          <p:cNvSpPr>
-            <a:spLocks noGrp="1"/>
-          </p:cNvSpPr>
-          <p:nvPr>
-            <p:ph idx="1"/>
-          </p:nvPr>
-        </p:nvSpPr>
-        <p:spPr/>
-        <p:txBody>
-          <a:bodyPr/>
-          <a:lstStyle/>
-          <a:p>
-            <a:endParaRPr lang="en-US"/>
+          <p:cNvPr id="5" name="Rectangle 4">
+            <a:extLst>
+              <a:ext uri="{FF2B5EF4-FFF2-40B4-BE49-F238E27FC236}">
+                <a16:creationId xmlns:a16="http://schemas.microsoft.com/office/drawing/2014/main" id="{363799BB-89AA-B646-B8E1-C6F0C10DA2D5}"/>
+              </a:ext>
+            </a:extLst>
+          </p:cNvPr>
+          <p:cNvSpPr/>
+          <p:nvPr/>
+        </p:nvSpPr>
+        <p:spPr>
+          <a:xfrm>
+            <a:off x="4073236" y="1781298"/>
+            <a:ext cx="2291938" cy="1096718"/>
+          </a:xfrm>
+          <a:prstGeom prst="rect">
+            <a:avLst/>
+          </a:prstGeom>
+          <a:noFill/>
+          <a:ln w="38100">
+            <a:solidFill>
+              <a:schemeClr val="tx1"/>
+            </a:solidFill>
+          </a:ln>
+        </p:spPr>
+        <p:style>
+          <a:lnRef idx="2">
+            <a:schemeClr val="accent1">
+              <a:shade val="50000"/>
+            </a:schemeClr>
+          </a:lnRef>
+          <a:fillRef idx="1">
+            <a:schemeClr val="accent1"/>
+          </a:fillRef>
+          <a:effectRef idx="0">
+            <a:schemeClr val="accent1"/>
+          </a:effectRef>
+          <a:fontRef idx="minor">
+            <a:schemeClr val="lt1"/>
+          </a:fontRef>
+        </p:style>
+        <p:txBody>
+          <a:bodyPr rtlCol="0" anchor="ctr"/>
+          <a:lstStyle/>
+          <a:p>
+            <a:r>
+              <a:rPr lang="en-US" b="1" dirty="0">
+                <a:solidFill>
+                  <a:srgbClr val="FF0000"/>
+                </a:solidFill>
+              </a:rPr>
+              <a:t>Password-based Key Derivation Function 2 (PBKDF2, RFC8018)</a:t>
+            </a:r>
+          </a:p>
+        </p:txBody>
+      </p:sp>
+      <p:cxnSp>
+        <p:nvCxnSpPr>
+          <p:cNvPr id="8" name="Straight Arrow Connector 7">
+            <a:extLst>
+              <a:ext uri="{FF2B5EF4-FFF2-40B4-BE49-F238E27FC236}">
+                <a16:creationId xmlns:a16="http://schemas.microsoft.com/office/drawing/2014/main" id="{7AF13B87-5584-884F-B62A-60505ADC4CF0}"/>
+              </a:ext>
+            </a:extLst>
+          </p:cNvPr>
+          <p:cNvCxnSpPr>
+            <a:cxnSpLocks/>
+          </p:cNvCxnSpPr>
+          <p:nvPr/>
+        </p:nvCxnSpPr>
+        <p:spPr>
+          <a:xfrm>
+            <a:off x="3348842" y="1977241"/>
+            <a:ext cx="724394" cy="0"/>
+          </a:xfrm>
+          <a:prstGeom prst="straightConnector1">
+            <a:avLst/>
+          </a:prstGeom>
+          <a:ln w="38100">
+            <a:solidFill>
+              <a:schemeClr val="tx1"/>
+            </a:solidFill>
+            <a:tailEnd type="triangle"/>
+          </a:ln>
+        </p:spPr>
+        <p:style>
+          <a:lnRef idx="1">
+            <a:schemeClr val="accent1"/>
+          </a:lnRef>
+          <a:fillRef idx="0">
+            <a:schemeClr val="accent1"/>
+          </a:fillRef>
+          <a:effectRef idx="0">
+            <a:schemeClr val="accent1"/>
+          </a:effectRef>
+          <a:fontRef idx="minor">
+            <a:schemeClr val="tx1"/>
+          </a:fontRef>
+        </p:style>
+      </p:cxnSp>
+      <p:sp>
+        <p:nvSpPr>
+          <p:cNvPr id="10" name="TextBox 9">
+            <a:extLst>
+              <a:ext uri="{FF2B5EF4-FFF2-40B4-BE49-F238E27FC236}">
+                <a16:creationId xmlns:a16="http://schemas.microsoft.com/office/drawing/2014/main" id="{B0F7B401-03FD-D041-986B-7C49A760F620}"/>
+              </a:ext>
+            </a:extLst>
+          </p:cNvPr>
+          <p:cNvSpPr txBox="1"/>
+          <p:nvPr/>
+        </p:nvSpPr>
+        <p:spPr>
+          <a:xfrm>
+            <a:off x="2277843" y="1781298"/>
+            <a:ext cx="1094402" cy="369332"/>
+          </a:xfrm>
+          <a:prstGeom prst="rect">
+            <a:avLst/>
+          </a:prstGeom>
+          <a:noFill/>
+        </p:spPr>
+        <p:txBody>
+          <a:bodyPr wrap="none" rtlCol="0">
+            <a:spAutoFit/>
+          </a:bodyPr>
+          <a:lstStyle/>
+          <a:p>
+            <a:r>
+              <a:rPr lang="en-US" b="1" dirty="0"/>
+              <a:t>Password</a:t>
+            </a:r>
+          </a:p>
+        </p:txBody>
+      </p:sp>
+      <p:sp>
+        <p:nvSpPr>
+          <p:cNvPr id="11" name="TextBox 10">
+            <a:extLst>
+              <a:ext uri="{FF2B5EF4-FFF2-40B4-BE49-F238E27FC236}">
+                <a16:creationId xmlns:a16="http://schemas.microsoft.com/office/drawing/2014/main" id="{B290549A-A7AE-974C-A308-E48DFB804542}"/>
+              </a:ext>
+            </a:extLst>
+          </p:cNvPr>
+          <p:cNvSpPr txBox="1"/>
+          <p:nvPr/>
+        </p:nvSpPr>
+        <p:spPr>
+          <a:xfrm>
+            <a:off x="2001386" y="2158730"/>
+            <a:ext cx="1542410" cy="369332"/>
+          </a:xfrm>
+          <a:prstGeom prst="rect">
+            <a:avLst/>
+          </a:prstGeom>
+          <a:noFill/>
+        </p:spPr>
+        <p:txBody>
+          <a:bodyPr wrap="square" rtlCol="0">
+            <a:spAutoFit/>
+          </a:bodyPr>
+          <a:lstStyle/>
+          <a:p>
+            <a:r>
+              <a:rPr lang="en-US" b="1" dirty="0">
+                <a:solidFill>
+                  <a:srgbClr val="0070C0"/>
+                </a:solidFill>
+              </a:rPr>
+              <a:t>Random Salt</a:t>
+            </a:r>
+          </a:p>
+        </p:txBody>
+      </p:sp>
+      <p:cxnSp>
+        <p:nvCxnSpPr>
+          <p:cNvPr id="12" name="Straight Arrow Connector 11">
+            <a:extLst>
+              <a:ext uri="{FF2B5EF4-FFF2-40B4-BE49-F238E27FC236}">
+                <a16:creationId xmlns:a16="http://schemas.microsoft.com/office/drawing/2014/main" id="{512F1952-CF4E-C64C-B202-58A365FDE485}"/>
+              </a:ext>
+            </a:extLst>
+          </p:cNvPr>
+          <p:cNvCxnSpPr>
+            <a:cxnSpLocks/>
+          </p:cNvCxnSpPr>
+          <p:nvPr/>
+        </p:nvCxnSpPr>
+        <p:spPr>
+          <a:xfrm>
+            <a:off x="3348842" y="2335296"/>
+            <a:ext cx="724394" cy="0"/>
+          </a:xfrm>
+          <a:prstGeom prst="straightConnector1">
+            <a:avLst/>
+          </a:prstGeom>
+          <a:ln w="38100">
+            <a:solidFill>
+              <a:schemeClr val="tx1"/>
+            </a:solidFill>
+            <a:tailEnd type="triangle"/>
+          </a:ln>
+        </p:spPr>
+        <p:style>
+          <a:lnRef idx="1">
+            <a:schemeClr val="accent1"/>
+          </a:lnRef>
+          <a:fillRef idx="0">
+            <a:schemeClr val="accent1"/>
+          </a:fillRef>
+          <a:effectRef idx="0">
+            <a:schemeClr val="accent1"/>
+          </a:effectRef>
+          <a:fontRef idx="minor">
+            <a:schemeClr val="tx1"/>
+          </a:fontRef>
+        </p:style>
+      </p:cxnSp>
+      <p:cxnSp>
+        <p:nvCxnSpPr>
+          <p:cNvPr id="15" name="Straight Arrow Connector 14">
+            <a:extLst>
+              <a:ext uri="{FF2B5EF4-FFF2-40B4-BE49-F238E27FC236}">
+                <a16:creationId xmlns:a16="http://schemas.microsoft.com/office/drawing/2014/main" id="{8DC0311C-0A1B-C940-95BC-493EF4EA356A}"/>
+              </a:ext>
+            </a:extLst>
+          </p:cNvPr>
+          <p:cNvCxnSpPr>
+            <a:cxnSpLocks/>
+          </p:cNvCxnSpPr>
+          <p:nvPr/>
+        </p:nvCxnSpPr>
+        <p:spPr>
+          <a:xfrm>
+            <a:off x="3348842" y="2693350"/>
+            <a:ext cx="724394" cy="0"/>
+          </a:xfrm>
+          <a:prstGeom prst="straightConnector1">
+            <a:avLst/>
+          </a:prstGeom>
+          <a:ln w="38100">
+            <a:solidFill>
+              <a:schemeClr val="tx1"/>
+            </a:solidFill>
+            <a:tailEnd type="triangle"/>
+          </a:ln>
+        </p:spPr>
+        <p:style>
+          <a:lnRef idx="1">
+            <a:schemeClr val="accent1"/>
+          </a:lnRef>
+          <a:fillRef idx="0">
+            <a:schemeClr val="accent1"/>
+          </a:fillRef>
+          <a:effectRef idx="0">
+            <a:schemeClr val="accent1"/>
+          </a:effectRef>
+          <a:fontRef idx="minor">
+            <a:schemeClr val="tx1"/>
+          </a:fontRef>
+        </p:style>
+      </p:cxnSp>
+      <p:sp>
+        <p:nvSpPr>
+          <p:cNvPr id="16" name="TextBox 15">
+            <a:extLst>
+              <a:ext uri="{FF2B5EF4-FFF2-40B4-BE49-F238E27FC236}">
+                <a16:creationId xmlns:a16="http://schemas.microsoft.com/office/drawing/2014/main" id="{3ABE71A3-9938-3F41-AAF0-973F1188A204}"/>
+              </a:ext>
+            </a:extLst>
+          </p:cNvPr>
+          <p:cNvSpPr txBox="1"/>
+          <p:nvPr/>
+        </p:nvSpPr>
+        <p:spPr>
+          <a:xfrm>
+            <a:off x="1795468" y="2508684"/>
+            <a:ext cx="1632883" cy="369332"/>
+          </a:xfrm>
+          <a:prstGeom prst="rect">
+            <a:avLst/>
+          </a:prstGeom>
+          <a:noFill/>
+        </p:spPr>
+        <p:txBody>
+          <a:bodyPr wrap="none" rtlCol="0">
+            <a:spAutoFit/>
+          </a:bodyPr>
+          <a:lstStyle/>
+          <a:p>
+            <a:r>
+              <a:rPr lang="en-US" b="1" dirty="0">
+                <a:solidFill>
+                  <a:srgbClr val="0070C0"/>
+                </a:solidFill>
+              </a:rPr>
+              <a:t>Iteration Count</a:t>
+            </a:r>
+          </a:p>
+        </p:txBody>
+      </p:sp>
+      <p:sp>
+        <p:nvSpPr>
+          <p:cNvPr id="17" name="TextBox 16">
+            <a:extLst>
+              <a:ext uri="{FF2B5EF4-FFF2-40B4-BE49-F238E27FC236}">
+                <a16:creationId xmlns:a16="http://schemas.microsoft.com/office/drawing/2014/main" id="{CF0F6550-1E9C-AE45-9B04-28298C866978}"/>
+              </a:ext>
+            </a:extLst>
+          </p:cNvPr>
+          <p:cNvSpPr txBox="1"/>
+          <p:nvPr/>
+        </p:nvSpPr>
+        <p:spPr>
+          <a:xfrm>
+            <a:off x="7204417" y="2132402"/>
+            <a:ext cx="529440" cy="369332"/>
+          </a:xfrm>
+          <a:prstGeom prst="rect">
+            <a:avLst/>
+          </a:prstGeom>
+          <a:noFill/>
+        </p:spPr>
+        <p:txBody>
+          <a:bodyPr wrap="none" rtlCol="0">
+            <a:spAutoFit/>
+          </a:bodyPr>
+          <a:lstStyle/>
+          <a:p>
+            <a:r>
+              <a:rPr lang="en-US" b="1" dirty="0"/>
+              <a:t>Key</a:t>
+            </a:r>
+          </a:p>
+        </p:txBody>
+      </p:sp>
+      <p:cxnSp>
+        <p:nvCxnSpPr>
+          <p:cNvPr id="18" name="Straight Arrow Connector 17">
+            <a:extLst>
+              <a:ext uri="{FF2B5EF4-FFF2-40B4-BE49-F238E27FC236}">
+                <a16:creationId xmlns:a16="http://schemas.microsoft.com/office/drawing/2014/main" id="{1ED23594-1652-CC4E-9C82-0A4784E1BCF0}"/>
+              </a:ext>
+            </a:extLst>
+          </p:cNvPr>
+          <p:cNvCxnSpPr>
+            <a:cxnSpLocks/>
+            <a:stCxn id="5" idx="3"/>
+          </p:cNvCxnSpPr>
+          <p:nvPr/>
+        </p:nvCxnSpPr>
+        <p:spPr>
+          <a:xfrm>
+            <a:off x="6365174" y="2329657"/>
+            <a:ext cx="839243" cy="0"/>
+          </a:xfrm>
+          <a:prstGeom prst="straightConnector1">
+            <a:avLst/>
+          </a:prstGeom>
+          <a:ln w="38100">
+            <a:solidFill>
+              <a:schemeClr val="tx1"/>
+            </a:solidFill>
+            <a:tailEnd type="triangle"/>
+          </a:ln>
+        </p:spPr>
+        <p:style>
+          <a:lnRef idx="1">
+            <a:schemeClr val="accent1"/>
+          </a:lnRef>
+          <a:fillRef idx="0">
+            <a:schemeClr val="accent1"/>
+          </a:fillRef>
+          <a:effectRef idx="0">
+            <a:schemeClr val="accent1"/>
+          </a:effectRef>
+          <a:fontRef idx="minor">
+            <a:schemeClr val="tx1"/>
+          </a:fontRef>
+        </p:style>
+      </p:cxnSp>
+      <p:sp>
+        <p:nvSpPr>
+          <p:cNvPr id="20" name="Rectangle 19">
+            <a:extLst>
+              <a:ext uri="{FF2B5EF4-FFF2-40B4-BE49-F238E27FC236}">
+                <a16:creationId xmlns:a16="http://schemas.microsoft.com/office/drawing/2014/main" id="{302D6F6D-20CF-3E4A-AFA2-99969E817C5D}"/>
+              </a:ext>
+            </a:extLst>
+          </p:cNvPr>
+          <p:cNvSpPr/>
+          <p:nvPr/>
+        </p:nvSpPr>
+        <p:spPr>
+          <a:xfrm>
+            <a:off x="4073236" y="4164650"/>
+            <a:ext cx="2291938" cy="1096718"/>
+          </a:xfrm>
+          <a:prstGeom prst="rect">
+            <a:avLst/>
+          </a:prstGeom>
+          <a:noFill/>
+          <a:ln w="38100">
+            <a:solidFill>
+              <a:schemeClr val="tx1"/>
+            </a:solidFill>
+          </a:ln>
+        </p:spPr>
+        <p:style>
+          <a:lnRef idx="2">
+            <a:schemeClr val="accent1">
+              <a:shade val="50000"/>
+            </a:schemeClr>
+          </a:lnRef>
+          <a:fillRef idx="1">
+            <a:schemeClr val="accent1"/>
+          </a:fillRef>
+          <a:effectRef idx="0">
+            <a:schemeClr val="accent1"/>
+          </a:effectRef>
+          <a:fontRef idx="minor">
+            <a:schemeClr val="lt1"/>
+          </a:fontRef>
+        </p:style>
+        <p:txBody>
+          <a:bodyPr rtlCol="0" anchor="ctr"/>
+          <a:lstStyle/>
+          <a:p>
+            <a:r>
+              <a:rPr lang="en-US" b="1" dirty="0">
+                <a:solidFill>
+                  <a:srgbClr val="FF0000"/>
+                </a:solidFill>
+              </a:rPr>
+              <a:t>Hash-based Key Derivation Function 2 (HKDF, RFC5869)</a:t>
+            </a:r>
+          </a:p>
+        </p:txBody>
+      </p:sp>
+      <p:cxnSp>
+        <p:nvCxnSpPr>
+          <p:cNvPr id="21" name="Straight Arrow Connector 20">
+            <a:extLst>
+              <a:ext uri="{FF2B5EF4-FFF2-40B4-BE49-F238E27FC236}">
+                <a16:creationId xmlns:a16="http://schemas.microsoft.com/office/drawing/2014/main" id="{F8B48A83-01D1-234F-A8A2-79F31A90E6AE}"/>
+              </a:ext>
+            </a:extLst>
+          </p:cNvPr>
+          <p:cNvCxnSpPr>
+            <a:cxnSpLocks/>
+          </p:cNvCxnSpPr>
+          <p:nvPr/>
+        </p:nvCxnSpPr>
+        <p:spPr>
+          <a:xfrm>
+            <a:off x="3348842" y="4527031"/>
+            <a:ext cx="724394" cy="0"/>
+          </a:xfrm>
+          <a:prstGeom prst="straightConnector1">
+            <a:avLst/>
+          </a:prstGeom>
+          <a:ln w="38100">
+            <a:solidFill>
+              <a:schemeClr val="tx1"/>
+            </a:solidFill>
+            <a:tailEnd type="triangle"/>
+          </a:ln>
+        </p:spPr>
+        <p:style>
+          <a:lnRef idx="1">
+            <a:schemeClr val="accent1"/>
+          </a:lnRef>
+          <a:fillRef idx="0">
+            <a:schemeClr val="accent1"/>
+          </a:fillRef>
+          <a:effectRef idx="0">
+            <a:schemeClr val="accent1"/>
+          </a:effectRef>
+          <a:fontRef idx="minor">
+            <a:schemeClr val="tx1"/>
+          </a:fontRef>
+        </p:style>
+      </p:cxnSp>
+      <p:sp>
+        <p:nvSpPr>
+          <p:cNvPr id="22" name="TextBox 21">
+            <a:extLst>
+              <a:ext uri="{FF2B5EF4-FFF2-40B4-BE49-F238E27FC236}">
+                <a16:creationId xmlns:a16="http://schemas.microsoft.com/office/drawing/2014/main" id="{10BDFA6E-3FA0-5A42-832A-3A6B0012B716}"/>
+              </a:ext>
+            </a:extLst>
+          </p:cNvPr>
+          <p:cNvSpPr txBox="1"/>
+          <p:nvPr/>
+        </p:nvSpPr>
+        <p:spPr>
+          <a:xfrm>
+            <a:off x="1911911" y="4325450"/>
+            <a:ext cx="1510413" cy="369332"/>
+          </a:xfrm>
+          <a:prstGeom prst="rect">
+            <a:avLst/>
+          </a:prstGeom>
+          <a:noFill/>
+        </p:spPr>
+        <p:txBody>
+          <a:bodyPr wrap="none" rtlCol="0">
+            <a:spAutoFit/>
+          </a:bodyPr>
+          <a:lstStyle/>
+          <a:p>
+            <a:r>
+              <a:rPr lang="en-US" b="1" dirty="0"/>
+              <a:t>Master Secret</a:t>
+            </a:r>
+          </a:p>
+        </p:txBody>
+      </p:sp>
+      <p:sp>
+        <p:nvSpPr>
+          <p:cNvPr id="23" name="TextBox 22">
+            <a:extLst>
+              <a:ext uri="{FF2B5EF4-FFF2-40B4-BE49-F238E27FC236}">
+                <a16:creationId xmlns:a16="http://schemas.microsoft.com/office/drawing/2014/main" id="{7C0F0558-8AA9-EC45-87BF-7FC11A64D420}"/>
+              </a:ext>
+            </a:extLst>
+          </p:cNvPr>
+          <p:cNvSpPr txBox="1"/>
+          <p:nvPr/>
+        </p:nvSpPr>
+        <p:spPr>
+          <a:xfrm>
+            <a:off x="2009060" y="4722445"/>
+            <a:ext cx="1398140" cy="369332"/>
+          </a:xfrm>
+          <a:prstGeom prst="rect">
+            <a:avLst/>
+          </a:prstGeom>
+          <a:noFill/>
+        </p:spPr>
+        <p:txBody>
+          <a:bodyPr wrap="none" rtlCol="0">
+            <a:spAutoFit/>
+          </a:bodyPr>
+          <a:lstStyle/>
+          <a:p>
+            <a:r>
+              <a:rPr lang="en-US" b="1" dirty="0">
+                <a:solidFill>
+                  <a:srgbClr val="0070C0"/>
+                </a:solidFill>
+              </a:rPr>
+              <a:t>Random Salt</a:t>
+            </a:r>
+          </a:p>
+        </p:txBody>
+      </p:sp>
+      <p:cxnSp>
+        <p:nvCxnSpPr>
+          <p:cNvPr id="24" name="Straight Arrow Connector 23">
+            <a:extLst>
+              <a:ext uri="{FF2B5EF4-FFF2-40B4-BE49-F238E27FC236}">
+                <a16:creationId xmlns:a16="http://schemas.microsoft.com/office/drawing/2014/main" id="{7BCCB7C0-8D61-854E-906D-0B176FF2941A}"/>
+              </a:ext>
+            </a:extLst>
+          </p:cNvPr>
+          <p:cNvCxnSpPr>
+            <a:cxnSpLocks/>
+          </p:cNvCxnSpPr>
+          <p:nvPr/>
+        </p:nvCxnSpPr>
+        <p:spPr>
+          <a:xfrm>
+            <a:off x="3348842" y="4885086"/>
+            <a:ext cx="724394" cy="0"/>
+          </a:xfrm>
+          <a:prstGeom prst="straightConnector1">
+            <a:avLst/>
+          </a:prstGeom>
+          <a:ln w="38100">
+            <a:solidFill>
+              <a:schemeClr val="tx1"/>
+            </a:solidFill>
+            <a:tailEnd type="triangle"/>
+          </a:ln>
+        </p:spPr>
+        <p:style>
+          <a:lnRef idx="1">
+            <a:schemeClr val="accent1"/>
+          </a:lnRef>
+          <a:fillRef idx="0">
+            <a:schemeClr val="accent1"/>
+          </a:fillRef>
+          <a:effectRef idx="0">
+            <a:schemeClr val="accent1"/>
+          </a:effectRef>
+          <a:fontRef idx="minor">
+            <a:schemeClr val="tx1"/>
+          </a:fontRef>
+        </p:style>
+      </p:cxnSp>
+      <p:sp>
+        <p:nvSpPr>
+          <p:cNvPr id="27" name="TextBox 26">
+            <a:extLst>
+              <a:ext uri="{FF2B5EF4-FFF2-40B4-BE49-F238E27FC236}">
+                <a16:creationId xmlns:a16="http://schemas.microsoft.com/office/drawing/2014/main" id="{8A642610-5428-6B4C-96C4-214EDB282111}"/>
+              </a:ext>
+            </a:extLst>
+          </p:cNvPr>
+          <p:cNvSpPr txBox="1"/>
+          <p:nvPr/>
+        </p:nvSpPr>
+        <p:spPr>
+          <a:xfrm>
+            <a:off x="7204417" y="4515754"/>
+            <a:ext cx="529440" cy="369332"/>
+          </a:xfrm>
+          <a:prstGeom prst="rect">
+            <a:avLst/>
+          </a:prstGeom>
+          <a:noFill/>
+        </p:spPr>
+        <p:txBody>
+          <a:bodyPr wrap="none" rtlCol="0">
+            <a:spAutoFit/>
+          </a:bodyPr>
+          <a:lstStyle/>
+          <a:p>
+            <a:r>
+              <a:rPr lang="en-US" b="1" dirty="0"/>
+              <a:t>Key</a:t>
+            </a:r>
+          </a:p>
+        </p:txBody>
+      </p:sp>
+      <p:cxnSp>
+        <p:nvCxnSpPr>
+          <p:cNvPr id="28" name="Straight Arrow Connector 27">
+            <a:extLst>
+              <a:ext uri="{FF2B5EF4-FFF2-40B4-BE49-F238E27FC236}">
+                <a16:creationId xmlns:a16="http://schemas.microsoft.com/office/drawing/2014/main" id="{2442E93A-0ADA-EA43-A7F5-99ED4851C109}"/>
+              </a:ext>
+            </a:extLst>
+          </p:cNvPr>
+          <p:cNvCxnSpPr>
+            <a:cxnSpLocks/>
+            <a:stCxn id="20" idx="3"/>
+          </p:cNvCxnSpPr>
+          <p:nvPr/>
+        </p:nvCxnSpPr>
+        <p:spPr>
+          <a:xfrm>
+            <a:off x="6365174" y="4713009"/>
+            <a:ext cx="839243" cy="0"/>
+          </a:xfrm>
+          <a:prstGeom prst="straightConnector1">
+            <a:avLst/>
+          </a:prstGeom>
+          <a:ln w="38100">
+            <a:solidFill>
+              <a:schemeClr val="tx1"/>
+            </a:solidFill>
+            <a:tailEnd type="triangle"/>
+          </a:ln>
+        </p:spPr>
+        <p:style>
+          <a:lnRef idx="1">
+            <a:schemeClr val="accent1"/>
+          </a:lnRef>
+          <a:fillRef idx="0">
+            <a:schemeClr val="accent1"/>
+          </a:fillRef>
+          <a:effectRef idx="0">
+            <a:schemeClr val="accent1"/>
+          </a:effectRef>
+          <a:fontRef idx="minor">
+            <a:schemeClr val="tx1"/>
+          </a:fontRef>
+        </p:style>
+      </p:cxnSp>
+      <p:sp>
+        <p:nvSpPr>
+          <p:cNvPr id="29" name="Line Callout 2 (No Border) 28">
+            <a:extLst>
+              <a:ext uri="{FF2B5EF4-FFF2-40B4-BE49-F238E27FC236}">
+                <a16:creationId xmlns:a16="http://schemas.microsoft.com/office/drawing/2014/main" id="{FBEDE9C2-8CEB-DA40-A6B9-68A89BC66351}"/>
+              </a:ext>
+            </a:extLst>
+          </p:cNvPr>
+          <p:cNvSpPr/>
+          <p:nvPr/>
+        </p:nvSpPr>
+        <p:spPr>
+          <a:xfrm>
+            <a:off x="6784795" y="1039218"/>
+            <a:ext cx="3914873" cy="753951"/>
+          </a:xfrm>
+          <a:prstGeom prst="callout2">
+            <a:avLst/>
+          </a:prstGeom>
+          <a:noFill/>
+        </p:spPr>
+        <p:style>
+          <a:lnRef idx="2">
+            <a:schemeClr val="accent1">
+              <a:shade val="50000"/>
+            </a:schemeClr>
+          </a:lnRef>
+          <a:fillRef idx="1">
+            <a:schemeClr val="accent1"/>
+          </a:fillRef>
+          <a:effectRef idx="0">
+            <a:schemeClr val="accent1"/>
+          </a:effectRef>
+          <a:fontRef idx="minor">
+            <a:schemeClr val="lt1"/>
+          </a:fontRef>
+        </p:style>
+        <p:txBody>
+          <a:bodyPr rtlCol="0" anchor="ctr"/>
+          <a:lstStyle/>
+          <a:p>
+            <a:r>
+              <a:rPr lang="en-US" dirty="0">
+                <a:solidFill>
+                  <a:schemeClr val="tx1"/>
+                </a:solidFill>
+              </a:rPr>
+              <a:t>NOTE: This involves large computational cost to increase the attack cost. This also guarantees the forward secrecy.</a:t>
+            </a:r>
+          </a:p>
+        </p:txBody>
+      </p:sp>
+      <p:sp>
+        <p:nvSpPr>
+          <p:cNvPr id="30" name="Line Callout 2 (No Border) 29">
+            <a:extLst>
+              <a:ext uri="{FF2B5EF4-FFF2-40B4-BE49-F238E27FC236}">
+                <a16:creationId xmlns:a16="http://schemas.microsoft.com/office/drawing/2014/main" id="{0E3EC175-75FB-1046-99A8-AF7C6D701915}"/>
+              </a:ext>
+            </a:extLst>
+          </p:cNvPr>
+          <p:cNvSpPr/>
+          <p:nvPr/>
+        </p:nvSpPr>
+        <p:spPr>
+          <a:xfrm>
+            <a:off x="6936574" y="3422569"/>
+            <a:ext cx="4428111" cy="753951"/>
+          </a:xfrm>
+          <a:prstGeom prst="callout2">
+            <a:avLst/>
+          </a:prstGeom>
+          <a:noFill/>
+        </p:spPr>
+        <p:style>
+          <a:lnRef idx="2">
+            <a:schemeClr val="accent1">
+              <a:shade val="50000"/>
+            </a:schemeClr>
+          </a:lnRef>
+          <a:fillRef idx="1">
+            <a:schemeClr val="accent1"/>
+          </a:fillRef>
+          <a:effectRef idx="0">
+            <a:schemeClr val="accent1"/>
+          </a:effectRef>
+          <a:fontRef idx="minor">
+            <a:schemeClr val="lt1"/>
+          </a:fontRef>
+        </p:style>
+        <p:txBody>
+          <a:bodyPr rtlCol="0" anchor="ctr"/>
+          <a:lstStyle/>
+          <a:p>
+            <a:r>
+              <a:rPr lang="en-US" dirty="0">
+                <a:solidFill>
+                  <a:schemeClr val="tx1"/>
+                </a:solidFill>
+              </a:rPr>
+              <a:t>NOTE: This assumes a relatively long-enough master secret like &gt; 80 bits. This is employed mainly to guarantee the forward secrecy.</a:t>
+            </a:r>
+          </a:p>
+        </p:txBody>
+      </p:sp>
+      <p:sp>
+        <p:nvSpPr>
+          <p:cNvPr id="31" name="Right Brace 30">
+            <a:extLst>
+              <a:ext uri="{FF2B5EF4-FFF2-40B4-BE49-F238E27FC236}">
+                <a16:creationId xmlns:a16="http://schemas.microsoft.com/office/drawing/2014/main" id="{D0C256D1-1B95-7B45-8FC8-8F5D07C355AA}"/>
+              </a:ext>
+            </a:extLst>
+          </p:cNvPr>
+          <p:cNvSpPr/>
+          <p:nvPr/>
+        </p:nvSpPr>
+        <p:spPr>
+          <a:xfrm flipH="1">
+            <a:off x="1614408" y="2158730"/>
+            <a:ext cx="181059" cy="703871"/>
+          </a:xfrm>
+          <a:prstGeom prst="rightBrace">
+            <a:avLst/>
+          </a:prstGeom>
+        </p:spPr>
+        <p:style>
+          <a:lnRef idx="1">
+            <a:schemeClr val="accent1"/>
+          </a:lnRef>
+          <a:fillRef idx="0">
+            <a:schemeClr val="accent1"/>
+          </a:fillRef>
+          <a:effectRef idx="0">
+            <a:schemeClr val="accent1"/>
+          </a:effectRef>
+          <a:fontRef idx="minor">
+            <a:schemeClr val="tx1"/>
+          </a:fontRef>
+        </p:style>
+        <p:txBody>
+          <a:bodyPr rtlCol="0" anchor="ctr"/>
+          <a:lstStyle/>
+          <a:p>
+            <a:pPr algn="ctr"/>
+            <a:endParaRPr lang="en-US" b="1"/>
+          </a:p>
+        </p:txBody>
+      </p:sp>
+      <p:sp>
+        <p:nvSpPr>
+          <p:cNvPr id="33" name="TextBox 32">
+            <a:extLst>
+              <a:ext uri="{FF2B5EF4-FFF2-40B4-BE49-F238E27FC236}">
+                <a16:creationId xmlns:a16="http://schemas.microsoft.com/office/drawing/2014/main" id="{6F74EB7A-5009-B14D-868A-89C38020DC25}"/>
+              </a:ext>
+            </a:extLst>
+          </p:cNvPr>
+          <p:cNvSpPr txBox="1"/>
+          <p:nvPr/>
+        </p:nvSpPr>
+        <p:spPr>
+          <a:xfrm>
+            <a:off x="884352" y="2329657"/>
+            <a:ext cx="763351" cy="369332"/>
+          </a:xfrm>
+          <a:prstGeom prst="rect">
+            <a:avLst/>
+          </a:prstGeom>
+          <a:noFill/>
+        </p:spPr>
+        <p:txBody>
+          <a:bodyPr wrap="none" rtlCol="0">
+            <a:spAutoFit/>
+          </a:bodyPr>
+          <a:lstStyle/>
+          <a:p>
+            <a:r>
+              <a:rPr lang="en-US" b="1" dirty="0"/>
+              <a:t>Public</a:t>
+            </a:r>
+          </a:p>
+        </p:txBody>
+      </p:sp>
+      <p:sp>
+        <p:nvSpPr>
+          <p:cNvPr id="34" name="Right Brace 33">
+            <a:extLst>
+              <a:ext uri="{FF2B5EF4-FFF2-40B4-BE49-F238E27FC236}">
+                <a16:creationId xmlns:a16="http://schemas.microsoft.com/office/drawing/2014/main" id="{1F8659BB-F495-9E4C-BA2C-1D261354C048}"/>
+              </a:ext>
+            </a:extLst>
+          </p:cNvPr>
+          <p:cNvSpPr/>
+          <p:nvPr/>
+        </p:nvSpPr>
+        <p:spPr>
+          <a:xfrm flipH="1">
+            <a:off x="1762172" y="4677508"/>
+            <a:ext cx="246888" cy="456533"/>
+          </a:xfrm>
+          <a:prstGeom prst="rightBrace">
+            <a:avLst/>
+          </a:prstGeom>
+        </p:spPr>
+        <p:style>
+          <a:lnRef idx="1">
+            <a:schemeClr val="accent1"/>
+          </a:lnRef>
+          <a:fillRef idx="0">
+            <a:schemeClr val="accent1"/>
+          </a:fillRef>
+          <a:effectRef idx="0">
+            <a:schemeClr val="accent1"/>
+          </a:effectRef>
+          <a:fontRef idx="minor">
+            <a:schemeClr val="tx1"/>
+          </a:fontRef>
+        </p:style>
+        <p:txBody>
+          <a:bodyPr rtlCol="0" anchor="ctr"/>
+          <a:lstStyle/>
+          <a:p>
+            <a:pPr algn="ctr"/>
+            <a:endParaRPr lang="en-US" b="1"/>
+          </a:p>
+        </p:txBody>
+      </p:sp>
+      <p:sp>
+        <p:nvSpPr>
+          <p:cNvPr id="35" name="TextBox 34">
+            <a:extLst>
+              <a:ext uri="{FF2B5EF4-FFF2-40B4-BE49-F238E27FC236}">
+                <a16:creationId xmlns:a16="http://schemas.microsoft.com/office/drawing/2014/main" id="{8989CB6E-97DE-6345-9543-0E726BE023DF}"/>
+              </a:ext>
+            </a:extLst>
+          </p:cNvPr>
+          <p:cNvSpPr txBox="1"/>
+          <p:nvPr/>
+        </p:nvSpPr>
+        <p:spPr>
+          <a:xfrm>
+            <a:off x="998821" y="4721108"/>
+            <a:ext cx="763351" cy="369332"/>
+          </a:xfrm>
+          <a:prstGeom prst="rect">
+            <a:avLst/>
+          </a:prstGeom>
+          <a:noFill/>
+        </p:spPr>
+        <p:txBody>
+          <a:bodyPr wrap="none" rtlCol="0">
+            <a:spAutoFit/>
+          </a:bodyPr>
+          <a:lstStyle/>
+          <a:p>
+            <a:r>
+              <a:rPr lang="en-US" b="1" dirty="0"/>
+              <a:t>Public</a:t>
+            </a:r>
           </a:p>
         </p:txBody>
       </p:sp>

--- a/images.pptx
+++ b/images.pptx
@@ -217,7 +217,7 @@
           <a:p>
             <a:fld id="{7CEEDDC0-DF20-AC46-B752-4D05A37D4059}" type="datetimeFigureOut">
               <a:rPr lang="en-US" smtClean="0"/>
-              <a:t>8/26/19</a:t>
+              <a:t>8/27/19</a:t>
             </a:fld>
             <a:endParaRPr lang="en-US"/>
           </a:p>
@@ -967,7 +967,7 @@
           <a:p>
             <a:fld id="{ABB50B84-C221-BA49-B172-B6D4747B1BA4}" type="datetimeFigureOut">
               <a:rPr lang="en-US" smtClean="0"/>
-              <a:t>8/26/19</a:t>
+              <a:t>8/27/19</a:t>
             </a:fld>
             <a:endParaRPr lang="en-US"/>
           </a:p>
@@ -1165,7 +1165,7 @@
           <a:p>
             <a:fld id="{ABB50B84-C221-BA49-B172-B6D4747B1BA4}" type="datetimeFigureOut">
               <a:rPr lang="en-US" smtClean="0"/>
-              <a:t>8/26/19</a:t>
+              <a:t>8/27/19</a:t>
             </a:fld>
             <a:endParaRPr lang="en-US"/>
           </a:p>
@@ -1373,7 +1373,7 @@
           <a:p>
             <a:fld id="{ABB50B84-C221-BA49-B172-B6D4747B1BA4}" type="datetimeFigureOut">
               <a:rPr lang="en-US" smtClean="0"/>
-              <a:t>8/26/19</a:t>
+              <a:t>8/27/19</a:t>
             </a:fld>
             <a:endParaRPr lang="en-US"/>
           </a:p>
@@ -1571,7 +1571,7 @@
           <a:p>
             <a:fld id="{ABB50B84-C221-BA49-B172-B6D4747B1BA4}" type="datetimeFigureOut">
               <a:rPr lang="en-US" smtClean="0"/>
-              <a:t>8/26/19</a:t>
+              <a:t>8/27/19</a:t>
             </a:fld>
             <a:endParaRPr lang="en-US"/>
           </a:p>
@@ -1846,7 +1846,7 @@
           <a:p>
             <a:fld id="{ABB50B84-C221-BA49-B172-B6D4747B1BA4}" type="datetimeFigureOut">
               <a:rPr lang="en-US" smtClean="0"/>
-              <a:t>8/26/19</a:t>
+              <a:t>8/27/19</a:t>
             </a:fld>
             <a:endParaRPr lang="en-US"/>
           </a:p>
@@ -2111,7 +2111,7 @@
           <a:p>
             <a:fld id="{ABB50B84-C221-BA49-B172-B6D4747B1BA4}" type="datetimeFigureOut">
               <a:rPr lang="en-US" smtClean="0"/>
-              <a:t>8/26/19</a:t>
+              <a:t>8/27/19</a:t>
             </a:fld>
             <a:endParaRPr lang="en-US"/>
           </a:p>
@@ -2523,7 +2523,7 @@
           <a:p>
             <a:fld id="{ABB50B84-C221-BA49-B172-B6D4747B1BA4}" type="datetimeFigureOut">
               <a:rPr lang="en-US" smtClean="0"/>
-              <a:t>8/26/19</a:t>
+              <a:t>8/27/19</a:t>
             </a:fld>
             <a:endParaRPr lang="en-US"/>
           </a:p>
@@ -2664,7 +2664,7 @@
           <a:p>
             <a:fld id="{ABB50B84-C221-BA49-B172-B6D4747B1BA4}" type="datetimeFigureOut">
               <a:rPr lang="en-US" smtClean="0"/>
-              <a:t>8/26/19</a:t>
+              <a:t>8/27/19</a:t>
             </a:fld>
             <a:endParaRPr lang="en-US"/>
           </a:p>
@@ -2777,7 +2777,7 @@
           <a:p>
             <a:fld id="{ABB50B84-C221-BA49-B172-B6D4747B1BA4}" type="datetimeFigureOut">
               <a:rPr lang="en-US" smtClean="0"/>
-              <a:t>8/26/19</a:t>
+              <a:t>8/27/19</a:t>
             </a:fld>
             <a:endParaRPr lang="en-US"/>
           </a:p>
@@ -3088,7 +3088,7 @@
           <a:p>
             <a:fld id="{ABB50B84-C221-BA49-B172-B6D4747B1BA4}" type="datetimeFigureOut">
               <a:rPr lang="en-US" smtClean="0"/>
-              <a:t>8/26/19</a:t>
+              <a:t>8/27/19</a:t>
             </a:fld>
             <a:endParaRPr lang="en-US"/>
           </a:p>
@@ -3376,7 +3376,7 @@
           <a:p>
             <a:fld id="{ABB50B84-C221-BA49-B172-B6D4747B1BA4}" type="datetimeFigureOut">
               <a:rPr lang="en-US" smtClean="0"/>
-              <a:t>8/26/19</a:t>
+              <a:t>8/27/19</a:t>
             </a:fld>
             <a:endParaRPr lang="en-US"/>
           </a:p>
@@ -3617,7 +3617,7 @@
           <a:p>
             <a:fld id="{ABB50B84-C221-BA49-B172-B6D4747B1BA4}" type="datetimeFigureOut">
               <a:rPr lang="en-US" smtClean="0"/>
-              <a:t>8/26/19</a:t>
+              <a:t>8/27/19</a:t>
             </a:fld>
             <a:endParaRPr lang="en-US"/>
           </a:p>
@@ -15953,8 +15953,8 @@
         </p:nvSpPr>
         <p:spPr>
           <a:xfrm>
-            <a:off x="4073236" y="1781298"/>
-            <a:ext cx="2291938" cy="1096718"/>
+            <a:off x="4073236" y="1781297"/>
+            <a:ext cx="2291938" cy="1311181"/>
           </a:xfrm>
           <a:prstGeom prst="rect">
             <a:avLst/>
@@ -16013,7 +16013,7 @@
         </p:nvCxnSpPr>
         <p:spPr>
           <a:xfrm>
-            <a:off x="3348842" y="1977241"/>
+            <a:off x="3348842" y="1941616"/>
             <a:ext cx="724394" cy="0"/>
           </a:xfrm>
           <a:prstGeom prst="straightConnector1">
@@ -16055,7 +16055,7 @@
         </p:nvSpPr>
         <p:spPr>
           <a:xfrm>
-            <a:off x="2277843" y="1781298"/>
+            <a:off x="2277843" y="1745673"/>
             <a:ext cx="1094402" cy="369332"/>
           </a:xfrm>
           <a:prstGeom prst="rect">
@@ -16090,7 +16090,7 @@
         </p:nvSpPr>
         <p:spPr>
           <a:xfrm>
-            <a:off x="2001386" y="2158730"/>
+            <a:off x="1982710" y="2381437"/>
             <a:ext cx="1542410" cy="369332"/>
           </a:xfrm>
           <a:prstGeom prst="rect">
@@ -16131,7 +16131,7 @@
         </p:nvCxnSpPr>
         <p:spPr>
           <a:xfrm>
-            <a:off x="3348842" y="2335296"/>
+            <a:off x="3348842" y="2565177"/>
             <a:ext cx="724394" cy="0"/>
           </a:xfrm>
           <a:prstGeom prst="straightConnector1">
@@ -16175,7 +16175,7 @@
         </p:nvCxnSpPr>
         <p:spPr>
           <a:xfrm>
-            <a:off x="3348842" y="2693350"/>
+            <a:off x="3348842" y="2923231"/>
             <a:ext cx="724394" cy="0"/>
           </a:xfrm>
           <a:prstGeom prst="straightConnector1">
@@ -16217,7 +16217,7 @@
         </p:nvSpPr>
         <p:spPr>
           <a:xfrm>
-            <a:off x="1795468" y="2508684"/>
+            <a:off x="1795468" y="2738565"/>
             <a:ext cx="1632883" cy="369332"/>
           </a:xfrm>
           <a:prstGeom prst="rect">
@@ -16256,7 +16256,7 @@
         </p:nvSpPr>
         <p:spPr>
           <a:xfrm>
-            <a:off x="7204417" y="2132402"/>
+            <a:off x="7204417" y="2252221"/>
             <a:ext cx="529440" cy="369332"/>
           </a:xfrm>
           <a:prstGeom prst="rect">
@@ -16289,13 +16289,14 @@
           <p:cNvCxnSpPr>
             <a:cxnSpLocks/>
             <a:stCxn id="5" idx="3"/>
+            <a:endCxn id="17" idx="1"/>
           </p:cNvCxnSpPr>
           <p:nvPr/>
         </p:nvCxnSpPr>
         <p:spPr>
-          <a:xfrm>
-            <a:off x="6365174" y="2329657"/>
-            <a:ext cx="839243" cy="0"/>
+          <a:xfrm flipV="1">
+            <a:off x="6365174" y="2436887"/>
+            <a:ext cx="839243" cy="1"/>
           </a:xfrm>
           <a:prstGeom prst="straightConnector1">
             <a:avLst/>
@@ -16375,7 +16376,7 @@
                   <a:srgbClr val="FF0000"/>
                 </a:solidFill>
               </a:rPr>
-              <a:t>Hash-based Key Derivation Function 2 (HKDF, RFC5869)</a:t>
+              <a:t>HMAC-based Key Derivation Function 2 (HKDF, RFC5869)</a:t>
             </a:r>
           </a:p>
         </p:txBody>
@@ -16396,7 +16397,7 @@
         </p:nvCxnSpPr>
         <p:spPr>
           <a:xfrm>
-            <a:off x="3348842" y="4527031"/>
+            <a:off x="3348842" y="4369086"/>
             <a:ext cx="724394" cy="0"/>
           </a:xfrm>
           <a:prstGeom prst="straightConnector1">
@@ -16438,7 +16439,7 @@
         </p:nvSpPr>
         <p:spPr>
           <a:xfrm>
-            <a:off x="1911911" y="4325450"/>
+            <a:off x="1911911" y="4167505"/>
             <a:ext cx="1510413" cy="369332"/>
           </a:xfrm>
           <a:prstGeom prst="rect">
@@ -16473,7 +16474,7 @@
         </p:nvSpPr>
         <p:spPr>
           <a:xfrm>
-            <a:off x="2009060" y="4722445"/>
+            <a:off x="2009060" y="4941327"/>
             <a:ext cx="1398140" cy="369332"/>
           </a:xfrm>
           <a:prstGeom prst="rect">
@@ -16514,7 +16515,7 @@
         </p:nvCxnSpPr>
         <p:spPr>
           <a:xfrm>
-            <a:off x="3348842" y="4885086"/>
+            <a:off x="3348842" y="5103968"/>
             <a:ext cx="724394" cy="0"/>
           </a:xfrm>
           <a:prstGeom prst="straightConnector1">
@@ -16742,8 +16743,8 @@
         </p:nvSpPr>
         <p:spPr>
           <a:xfrm flipH="1">
-            <a:off x="1614408" y="2158730"/>
-            <a:ext cx="181059" cy="703871"/>
+            <a:off x="1614408" y="2115005"/>
+            <a:ext cx="157184" cy="977477"/>
           </a:xfrm>
           <a:prstGeom prst="rightBrace">
             <a:avLst/>
@@ -16786,7 +16787,7 @@
         </p:nvSpPr>
         <p:spPr>
           <a:xfrm>
-            <a:off x="884352" y="2329657"/>
+            <a:off x="884352" y="2399327"/>
             <a:ext cx="763351" cy="369332"/>
           </a:xfrm>
           <a:prstGeom prst="rect">
@@ -16821,8 +16822,8 @@
         </p:nvSpPr>
         <p:spPr>
           <a:xfrm flipH="1">
-            <a:off x="1762172" y="4677508"/>
-            <a:ext cx="246888" cy="456533"/>
+            <a:off x="1762172" y="4549314"/>
+            <a:ext cx="220538" cy="803609"/>
           </a:xfrm>
           <a:prstGeom prst="rightBrace">
             <a:avLst/>
@@ -16865,7 +16866,7 @@
         </p:nvSpPr>
         <p:spPr>
           <a:xfrm>
-            <a:off x="998821" y="4721108"/>
+            <a:off x="998821" y="4766452"/>
             <a:ext cx="763351" cy="369332"/>
           </a:xfrm>
           <a:prstGeom prst="rect">
@@ -16886,6 +16887,172 @@
           </a:p>
         </p:txBody>
       </p:sp>
+      <p:sp>
+        <p:nvSpPr>
+          <p:cNvPr id="25" name="TextBox 24">
+            <a:extLst>
+              <a:ext uri="{FF2B5EF4-FFF2-40B4-BE49-F238E27FC236}">
+                <a16:creationId xmlns:a16="http://schemas.microsoft.com/office/drawing/2014/main" id="{28DB1526-1794-EC45-B022-8227AF8C04DC}"/>
+              </a:ext>
+            </a:extLst>
+          </p:cNvPr>
+          <p:cNvSpPr txBox="1"/>
+          <p:nvPr/>
+        </p:nvSpPr>
+        <p:spPr>
+          <a:xfrm>
+            <a:off x="2106599" y="2055198"/>
+            <a:ext cx="1231421" cy="369332"/>
+          </a:xfrm>
+          <a:prstGeom prst="rect">
+            <a:avLst/>
+          </a:prstGeom>
+          <a:noFill/>
+        </p:spPr>
+        <p:txBody>
+          <a:bodyPr wrap="square" rtlCol="0">
+            <a:spAutoFit/>
+          </a:bodyPr>
+          <a:lstStyle/>
+          <a:p>
+            <a:r>
+              <a:rPr lang="en-US" b="1" dirty="0">
+                <a:solidFill>
+                  <a:srgbClr val="0070C0"/>
+                </a:solidFill>
+              </a:rPr>
+              <a:t>Key Length</a:t>
+            </a:r>
+          </a:p>
+        </p:txBody>
+      </p:sp>
+      <p:cxnSp>
+        <p:nvCxnSpPr>
+          <p:cNvPr id="26" name="Straight Arrow Connector 25">
+            <a:extLst>
+              <a:ext uri="{FF2B5EF4-FFF2-40B4-BE49-F238E27FC236}">
+                <a16:creationId xmlns:a16="http://schemas.microsoft.com/office/drawing/2014/main" id="{8C9D8091-F2FE-DD41-A459-2B4253841971}"/>
+              </a:ext>
+            </a:extLst>
+          </p:cNvPr>
+          <p:cNvCxnSpPr>
+            <a:cxnSpLocks/>
+          </p:cNvCxnSpPr>
+          <p:nvPr/>
+        </p:nvCxnSpPr>
+        <p:spPr>
+          <a:xfrm>
+            <a:off x="3338020" y="2227267"/>
+            <a:ext cx="724394" cy="0"/>
+          </a:xfrm>
+          <a:prstGeom prst="straightConnector1">
+            <a:avLst/>
+          </a:prstGeom>
+          <a:ln w="38100">
+            <a:solidFill>
+              <a:schemeClr val="tx1"/>
+            </a:solidFill>
+            <a:tailEnd type="triangle"/>
+          </a:ln>
+        </p:spPr>
+        <p:style>
+          <a:lnRef idx="1">
+            <a:schemeClr val="accent1"/>
+          </a:lnRef>
+          <a:fillRef idx="0">
+            <a:schemeClr val="accent1"/>
+          </a:fillRef>
+          <a:effectRef idx="0">
+            <a:schemeClr val="accent1"/>
+          </a:effectRef>
+          <a:fontRef idx="minor">
+            <a:schemeClr val="tx1"/>
+          </a:fontRef>
+        </p:style>
+      </p:cxnSp>
+      <p:sp>
+        <p:nvSpPr>
+          <p:cNvPr id="32" name="TextBox 31">
+            <a:extLst>
+              <a:ext uri="{FF2B5EF4-FFF2-40B4-BE49-F238E27FC236}">
+                <a16:creationId xmlns:a16="http://schemas.microsoft.com/office/drawing/2014/main" id="{616C0FBA-F946-FC46-AFBB-99583AFFBC08}"/>
+              </a:ext>
+            </a:extLst>
+          </p:cNvPr>
+          <p:cNvSpPr txBox="1"/>
+          <p:nvPr/>
+        </p:nvSpPr>
+        <p:spPr>
+          <a:xfrm>
+            <a:off x="2092419" y="4549314"/>
+            <a:ext cx="1231421" cy="369332"/>
+          </a:xfrm>
+          <a:prstGeom prst="rect">
+            <a:avLst/>
+          </a:prstGeom>
+          <a:noFill/>
+        </p:spPr>
+        <p:txBody>
+          <a:bodyPr wrap="square" rtlCol="0">
+            <a:spAutoFit/>
+          </a:bodyPr>
+          <a:lstStyle/>
+          <a:p>
+            <a:r>
+              <a:rPr lang="en-US" b="1" dirty="0">
+                <a:solidFill>
+                  <a:srgbClr val="0070C0"/>
+                </a:solidFill>
+              </a:rPr>
+              <a:t>Key Length</a:t>
+            </a:r>
+          </a:p>
+        </p:txBody>
+      </p:sp>
+      <p:cxnSp>
+        <p:nvCxnSpPr>
+          <p:cNvPr id="36" name="Straight Arrow Connector 35">
+            <a:extLst>
+              <a:ext uri="{FF2B5EF4-FFF2-40B4-BE49-F238E27FC236}">
+                <a16:creationId xmlns:a16="http://schemas.microsoft.com/office/drawing/2014/main" id="{6DCC4D1C-7C9B-B240-AAF7-857B574752F0}"/>
+              </a:ext>
+            </a:extLst>
+          </p:cNvPr>
+          <p:cNvCxnSpPr>
+            <a:cxnSpLocks/>
+          </p:cNvCxnSpPr>
+          <p:nvPr/>
+        </p:nvCxnSpPr>
+        <p:spPr>
+          <a:xfrm>
+            <a:off x="3323840" y="4721383"/>
+            <a:ext cx="724394" cy="0"/>
+          </a:xfrm>
+          <a:prstGeom prst="straightConnector1">
+            <a:avLst/>
+          </a:prstGeom>
+          <a:ln w="38100">
+            <a:solidFill>
+              <a:schemeClr val="tx1"/>
+            </a:solidFill>
+            <a:tailEnd type="triangle"/>
+          </a:ln>
+        </p:spPr>
+        <p:style>
+          <a:lnRef idx="1">
+            <a:schemeClr val="accent1"/>
+          </a:lnRef>
+          <a:fillRef idx="0">
+            <a:schemeClr val="accent1"/>
+          </a:fillRef>
+          <a:effectRef idx="0">
+            <a:schemeClr val="accent1"/>
+          </a:effectRef>
+          <a:fontRef idx="minor">
+            <a:schemeClr val="tx1"/>
+          </a:fontRef>
+        </p:style>
+      </p:cxnSp>
     </p:spTree>
     <p:extLst>
       <p:ext uri="{BB962C8B-B14F-4D97-AF65-F5344CB8AC3E}">

--- a/images.pptx
+++ b/images.pptx
@@ -5,7 +5,7 @@
     <p:sldMasterId id="2147483648" r:id="rId1"/>
   </p:sldMasterIdLst>
   <p:notesMasterIdLst>
-    <p:notesMasterId r:id="rId23"/>
+    <p:notesMasterId r:id="rId25"/>
   </p:notesMasterIdLst>
   <p:sldIdLst>
     <p:sldId id="257" r:id="rId2"/>
@@ -29,6 +29,8 @@
     <p:sldId id="274" r:id="rId20"/>
     <p:sldId id="276" r:id="rId21"/>
     <p:sldId id="275" r:id="rId22"/>
+    <p:sldId id="277" r:id="rId23"/>
+    <p:sldId id="278" r:id="rId24"/>
   </p:sldIdLst>
   <p:sldSz cx="12192000" cy="6858000"/>
   <p:notesSz cx="6858000" cy="9144000"/>
@@ -217,7 +219,7 @@
           <a:p>
             <a:fld id="{7CEEDDC0-DF20-AC46-B752-4D05A37D4059}" type="datetimeFigureOut">
               <a:rPr lang="en-US" smtClean="0"/>
-              <a:t>8/27/19</a:t>
+              <a:t>8/30/19</a:t>
             </a:fld>
             <a:endParaRPr lang="en-US"/>
           </a:p>
@@ -967,7 +969,7 @@
           <a:p>
             <a:fld id="{ABB50B84-C221-BA49-B172-B6D4747B1BA4}" type="datetimeFigureOut">
               <a:rPr lang="en-US" smtClean="0"/>
-              <a:t>8/27/19</a:t>
+              <a:t>8/30/19</a:t>
             </a:fld>
             <a:endParaRPr lang="en-US"/>
           </a:p>
@@ -1165,7 +1167,7 @@
           <a:p>
             <a:fld id="{ABB50B84-C221-BA49-B172-B6D4747B1BA4}" type="datetimeFigureOut">
               <a:rPr lang="en-US" smtClean="0"/>
-              <a:t>8/27/19</a:t>
+              <a:t>8/30/19</a:t>
             </a:fld>
             <a:endParaRPr lang="en-US"/>
           </a:p>
@@ -1373,7 +1375,7 @@
           <a:p>
             <a:fld id="{ABB50B84-C221-BA49-B172-B6D4747B1BA4}" type="datetimeFigureOut">
               <a:rPr lang="en-US" smtClean="0"/>
-              <a:t>8/27/19</a:t>
+              <a:t>8/30/19</a:t>
             </a:fld>
             <a:endParaRPr lang="en-US"/>
           </a:p>
@@ -1571,7 +1573,7 @@
           <a:p>
             <a:fld id="{ABB50B84-C221-BA49-B172-B6D4747B1BA4}" type="datetimeFigureOut">
               <a:rPr lang="en-US" smtClean="0"/>
-              <a:t>8/27/19</a:t>
+              <a:t>8/30/19</a:t>
             </a:fld>
             <a:endParaRPr lang="en-US"/>
           </a:p>
@@ -1846,7 +1848,7 @@
           <a:p>
             <a:fld id="{ABB50B84-C221-BA49-B172-B6D4747B1BA4}" type="datetimeFigureOut">
               <a:rPr lang="en-US" smtClean="0"/>
-              <a:t>8/27/19</a:t>
+              <a:t>8/30/19</a:t>
             </a:fld>
             <a:endParaRPr lang="en-US"/>
           </a:p>
@@ -2111,7 +2113,7 @@
           <a:p>
             <a:fld id="{ABB50B84-C221-BA49-B172-B6D4747B1BA4}" type="datetimeFigureOut">
               <a:rPr lang="en-US" smtClean="0"/>
-              <a:t>8/27/19</a:t>
+              <a:t>8/30/19</a:t>
             </a:fld>
             <a:endParaRPr lang="en-US"/>
           </a:p>
@@ -2523,7 +2525,7 @@
           <a:p>
             <a:fld id="{ABB50B84-C221-BA49-B172-B6D4747B1BA4}" type="datetimeFigureOut">
               <a:rPr lang="en-US" smtClean="0"/>
-              <a:t>8/27/19</a:t>
+              <a:t>8/30/19</a:t>
             </a:fld>
             <a:endParaRPr lang="en-US"/>
           </a:p>
@@ -2664,7 +2666,7 @@
           <a:p>
             <a:fld id="{ABB50B84-C221-BA49-B172-B6D4747B1BA4}" type="datetimeFigureOut">
               <a:rPr lang="en-US" smtClean="0"/>
-              <a:t>8/27/19</a:t>
+              <a:t>8/30/19</a:t>
             </a:fld>
             <a:endParaRPr lang="en-US"/>
           </a:p>
@@ -2777,7 +2779,7 @@
           <a:p>
             <a:fld id="{ABB50B84-C221-BA49-B172-B6D4747B1BA4}" type="datetimeFigureOut">
               <a:rPr lang="en-US" smtClean="0"/>
-              <a:t>8/27/19</a:t>
+              <a:t>8/30/19</a:t>
             </a:fld>
             <a:endParaRPr lang="en-US"/>
           </a:p>
@@ -3088,7 +3090,7 @@
           <a:p>
             <a:fld id="{ABB50B84-C221-BA49-B172-B6D4747B1BA4}" type="datetimeFigureOut">
               <a:rPr lang="en-US" smtClean="0"/>
-              <a:t>8/27/19</a:t>
+              <a:t>8/30/19</a:t>
             </a:fld>
             <a:endParaRPr lang="en-US"/>
           </a:p>
@@ -3376,7 +3378,7 @@
           <a:p>
             <a:fld id="{ABB50B84-C221-BA49-B172-B6D4747B1BA4}" type="datetimeFigureOut">
               <a:rPr lang="en-US" smtClean="0"/>
-              <a:t>8/27/19</a:t>
+              <a:t>8/30/19</a:t>
             </a:fld>
             <a:endParaRPr lang="en-US"/>
           </a:p>
@@ -3617,7 +3619,7 @@
           <a:p>
             <a:fld id="{ABB50B84-C221-BA49-B172-B6D4747B1BA4}" type="datetimeFigureOut">
               <a:rPr lang="en-US" smtClean="0"/>
-              <a:t>8/27/19</a:t>
+              <a:t>8/30/19</a:t>
             </a:fld>
             <a:endParaRPr lang="en-US"/>
           </a:p>
@@ -17057,6 +17059,822 @@
     <p:extLst>
       <p:ext uri="{BB962C8B-B14F-4D97-AF65-F5344CB8AC3E}">
         <p14:creationId xmlns:p14="http://schemas.microsoft.com/office/powerpoint/2010/main" val="3378828618"/>
+      </p:ext>
+    </p:extLst>
+  </p:cSld>
+  <p:clrMapOvr>
+    <a:masterClrMapping/>
+  </p:clrMapOvr>
+</p:sld>
+</file>
+
+<file path=ppt/slides/slide22.xml><?xml version="1.0" encoding="utf-8"?>
+<p:sld xmlns:a="http://schemas.openxmlformats.org/drawingml/2006/main" xmlns:r="http://schemas.openxmlformats.org/officeDocument/2006/relationships" xmlns:p="http://schemas.openxmlformats.org/presentationml/2006/main">
+  <p:cSld>
+    <p:spTree>
+      <p:nvGrpSpPr>
+        <p:cNvPr id="1" name=""/>
+        <p:cNvGrpSpPr/>
+        <p:nvPr/>
+      </p:nvGrpSpPr>
+      <p:grpSpPr>
+        <a:xfrm>
+          <a:off x="0" y="0"/>
+          <a:ext cx="0" cy="0"/>
+          <a:chOff x="0" y="0"/>
+          <a:chExt cx="0" cy="0"/>
+        </a:xfrm>
+      </p:grpSpPr>
+      <p:pic>
+        <p:nvPicPr>
+          <p:cNvPr id="5" name="Picture 4">
+            <a:extLst>
+              <a:ext uri="{FF2B5EF4-FFF2-40B4-BE49-F238E27FC236}">
+                <a16:creationId xmlns:a16="http://schemas.microsoft.com/office/drawing/2014/main" id="{F3C15438-2A56-6547-B056-FFA902486BEE}"/>
+              </a:ext>
+            </a:extLst>
+          </p:cNvPr>
+          <p:cNvPicPr>
+            <a:picLocks noChangeAspect="1"/>
+          </p:cNvPicPr>
+          <p:nvPr/>
+        </p:nvPicPr>
+        <p:blipFill>
+          <a:blip r:embed="rId2"/>
+          <a:stretch>
+            <a:fillRect/>
+          </a:stretch>
+        </p:blipFill>
+        <p:spPr>
+          <a:xfrm>
+            <a:off x="808594" y="593767"/>
+            <a:ext cx="8318500" cy="3200400"/>
+          </a:xfrm>
+          <a:prstGeom prst="rect">
+            <a:avLst/>
+          </a:prstGeom>
+        </p:spPr>
+      </p:pic>
+      <p:sp>
+        <p:nvSpPr>
+          <p:cNvPr id="7" name="TextBox 6">
+            <a:extLst>
+              <a:ext uri="{FF2B5EF4-FFF2-40B4-BE49-F238E27FC236}">
+                <a16:creationId xmlns:a16="http://schemas.microsoft.com/office/drawing/2014/main" id="{1B01DC56-EB70-024E-BA8A-161A2FB5A679}"/>
+              </a:ext>
+            </a:extLst>
+          </p:cNvPr>
+          <p:cNvSpPr txBox="1"/>
+          <p:nvPr/>
+        </p:nvSpPr>
+        <p:spPr>
+          <a:xfrm>
+            <a:off x="2788342" y="2678494"/>
+            <a:ext cx="4801314" cy="369332"/>
+          </a:xfrm>
+          <a:prstGeom prst="rect">
+            <a:avLst/>
+          </a:prstGeom>
+          <a:noFill/>
+        </p:spPr>
+        <p:txBody>
+          <a:bodyPr wrap="none" rtlCol="0">
+            <a:spAutoFit/>
+          </a:bodyPr>
+          <a:lstStyle/>
+          <a:p>
+            <a:r>
+              <a:rPr lang="ja-JP" altLang="en-US" b="1">
+                <a:solidFill>
+                  <a:srgbClr val="FF0000"/>
+                </a:solidFill>
+              </a:rPr>
+              <a:t>パスワードから鍵を導出するためのパラメタ</a:t>
+            </a:r>
+            <a:endParaRPr lang="en-US" b="1" dirty="0">
+              <a:solidFill>
+                <a:srgbClr val="FF0000"/>
+              </a:solidFill>
+            </a:endParaRPr>
+          </a:p>
+        </p:txBody>
+      </p:sp>
+      <p:cxnSp>
+        <p:nvCxnSpPr>
+          <p:cNvPr id="8" name="Straight Connector 7">
+            <a:extLst>
+              <a:ext uri="{FF2B5EF4-FFF2-40B4-BE49-F238E27FC236}">
+                <a16:creationId xmlns:a16="http://schemas.microsoft.com/office/drawing/2014/main" id="{F9B6A80D-E0AD-6B4D-BF10-EBB2263E6F6C}"/>
+              </a:ext>
+            </a:extLst>
+          </p:cNvPr>
+          <p:cNvCxnSpPr>
+            <a:cxnSpLocks/>
+          </p:cNvCxnSpPr>
+          <p:nvPr/>
+        </p:nvCxnSpPr>
+        <p:spPr>
+          <a:xfrm>
+            <a:off x="1723733" y="1667396"/>
+            <a:ext cx="3343217" cy="0"/>
+          </a:xfrm>
+          <a:prstGeom prst="line">
+            <a:avLst/>
+          </a:prstGeom>
+          <a:ln w="38100">
+            <a:solidFill>
+              <a:schemeClr val="accent1"/>
+            </a:solidFill>
+          </a:ln>
+        </p:spPr>
+        <p:style>
+          <a:lnRef idx="1">
+            <a:schemeClr val="accent1"/>
+          </a:lnRef>
+          <a:fillRef idx="0">
+            <a:schemeClr val="accent1"/>
+          </a:fillRef>
+          <a:effectRef idx="0">
+            <a:schemeClr val="accent1"/>
+          </a:effectRef>
+          <a:fontRef idx="minor">
+            <a:schemeClr val="tx1"/>
+          </a:fontRef>
+        </p:style>
+      </p:cxnSp>
+      <p:sp>
+        <p:nvSpPr>
+          <p:cNvPr id="10" name="Rectangle 9">
+            <a:extLst>
+              <a:ext uri="{FF2B5EF4-FFF2-40B4-BE49-F238E27FC236}">
+                <a16:creationId xmlns:a16="http://schemas.microsoft.com/office/drawing/2014/main" id="{1AA68734-1E16-1842-B08D-F6328630A035}"/>
+              </a:ext>
+            </a:extLst>
+          </p:cNvPr>
+          <p:cNvSpPr/>
+          <p:nvPr/>
+        </p:nvSpPr>
+        <p:spPr>
+          <a:xfrm>
+            <a:off x="1628336" y="2038524"/>
+            <a:ext cx="5772321" cy="638175"/>
+          </a:xfrm>
+          <a:prstGeom prst="rect">
+            <a:avLst/>
+          </a:prstGeom>
+          <a:noFill/>
+          <a:ln w="38100">
+            <a:solidFill>
+              <a:srgbClr val="FF0000"/>
+            </a:solidFill>
+          </a:ln>
+        </p:spPr>
+        <p:style>
+          <a:lnRef idx="2">
+            <a:schemeClr val="accent1">
+              <a:shade val="50000"/>
+            </a:schemeClr>
+          </a:lnRef>
+          <a:fillRef idx="1">
+            <a:schemeClr val="accent1"/>
+          </a:fillRef>
+          <a:effectRef idx="0">
+            <a:schemeClr val="accent1"/>
+          </a:effectRef>
+          <a:fontRef idx="minor">
+            <a:schemeClr val="lt1"/>
+          </a:fontRef>
+        </p:style>
+        <p:txBody>
+          <a:bodyPr rtlCol="0" anchor="ctr"/>
+          <a:lstStyle/>
+          <a:p>
+            <a:pPr algn="ctr"/>
+            <a:endParaRPr lang="en-US"/>
+          </a:p>
+        </p:txBody>
+      </p:sp>
+      <p:cxnSp>
+        <p:nvCxnSpPr>
+          <p:cNvPr id="12" name="Straight Connector 11">
+            <a:extLst>
+              <a:ext uri="{FF2B5EF4-FFF2-40B4-BE49-F238E27FC236}">
+                <a16:creationId xmlns:a16="http://schemas.microsoft.com/office/drawing/2014/main" id="{B741CF19-BD5F-DD41-8057-AA2D204A176D}"/>
+              </a:ext>
+            </a:extLst>
+          </p:cNvPr>
+          <p:cNvCxnSpPr>
+            <a:cxnSpLocks/>
+          </p:cNvCxnSpPr>
+          <p:nvPr/>
+        </p:nvCxnSpPr>
+        <p:spPr>
+          <a:xfrm>
+            <a:off x="1723733" y="1870130"/>
+            <a:ext cx="3343217" cy="0"/>
+          </a:xfrm>
+          <a:prstGeom prst="line">
+            <a:avLst/>
+          </a:prstGeom>
+          <a:ln w="38100">
+            <a:solidFill>
+              <a:srgbClr val="00B050"/>
+            </a:solidFill>
+          </a:ln>
+        </p:spPr>
+        <p:style>
+          <a:lnRef idx="1">
+            <a:schemeClr val="accent1"/>
+          </a:lnRef>
+          <a:fillRef idx="0">
+            <a:schemeClr val="accent1"/>
+          </a:fillRef>
+          <a:effectRef idx="0">
+            <a:schemeClr val="accent1"/>
+          </a:effectRef>
+          <a:fontRef idx="minor">
+            <a:schemeClr val="tx1"/>
+          </a:fontRef>
+        </p:style>
+      </p:cxnSp>
+      <p:sp>
+        <p:nvSpPr>
+          <p:cNvPr id="13" name="Line Callout 2 (Accent Bar) 12">
+            <a:extLst>
+              <a:ext uri="{FF2B5EF4-FFF2-40B4-BE49-F238E27FC236}">
+                <a16:creationId xmlns:a16="http://schemas.microsoft.com/office/drawing/2014/main" id="{022B49C5-37D0-C045-A462-C00C0EC7E0D3}"/>
+              </a:ext>
+            </a:extLst>
+          </p:cNvPr>
+          <p:cNvSpPr/>
+          <p:nvPr/>
+        </p:nvSpPr>
+        <p:spPr>
+          <a:xfrm>
+            <a:off x="5659112" y="1562820"/>
+            <a:ext cx="2587265" cy="369333"/>
+          </a:xfrm>
+          <a:prstGeom prst="accentCallout2">
+            <a:avLst>
+              <a:gd name="adj1" fmla="val 18751"/>
+              <a:gd name="adj2" fmla="val -875"/>
+              <a:gd name="adj3" fmla="val 18751"/>
+              <a:gd name="adj4" fmla="val -8561"/>
+              <a:gd name="adj5" fmla="val 91090"/>
+              <a:gd name="adj6" fmla="val -24295"/>
+            </a:avLst>
+          </a:prstGeom>
+          <a:noFill/>
+          <a:ln>
+            <a:solidFill>
+              <a:srgbClr val="00B050"/>
+            </a:solidFill>
+          </a:ln>
+        </p:spPr>
+        <p:style>
+          <a:lnRef idx="2">
+            <a:schemeClr val="accent1">
+              <a:shade val="50000"/>
+            </a:schemeClr>
+          </a:lnRef>
+          <a:fillRef idx="1">
+            <a:schemeClr val="accent1"/>
+          </a:fillRef>
+          <a:effectRef idx="0">
+            <a:schemeClr val="accent1"/>
+          </a:effectRef>
+          <a:fontRef idx="minor">
+            <a:schemeClr val="lt1"/>
+          </a:fontRef>
+        </p:style>
+        <p:txBody>
+          <a:bodyPr rtlCol="0" anchor="ctr"/>
+          <a:lstStyle/>
+          <a:p>
+            <a:pPr algn="ctr"/>
+            <a:r>
+              <a:rPr lang="en-US" b="1" dirty="0">
+                <a:solidFill>
+                  <a:srgbClr val="00B050"/>
+                </a:solidFill>
+              </a:rPr>
+              <a:t>AES</a:t>
+            </a:r>
+            <a:r>
+              <a:rPr lang="ja-JP" altLang="en-US" b="1">
+                <a:solidFill>
+                  <a:srgbClr val="00B050"/>
+                </a:solidFill>
+              </a:rPr>
+              <a:t>暗号化に使われる</a:t>
+            </a:r>
+            <a:r>
+              <a:rPr lang="en-US" altLang="ja-JP" b="1" dirty="0">
+                <a:solidFill>
+                  <a:srgbClr val="00B050"/>
+                </a:solidFill>
+              </a:rPr>
+              <a:t>IV</a:t>
+            </a:r>
+            <a:endParaRPr lang="en-US" b="1" dirty="0">
+              <a:solidFill>
+                <a:srgbClr val="00B050"/>
+              </a:solidFill>
+            </a:endParaRPr>
+          </a:p>
+        </p:txBody>
+      </p:sp>
+      <p:sp>
+        <p:nvSpPr>
+          <p:cNvPr id="14" name="Line Callout 2 (Accent Bar) 13">
+            <a:extLst>
+              <a:ext uri="{FF2B5EF4-FFF2-40B4-BE49-F238E27FC236}">
+                <a16:creationId xmlns:a16="http://schemas.microsoft.com/office/drawing/2014/main" id="{064525B6-6841-594D-AAD0-690760370AAF}"/>
+              </a:ext>
+            </a:extLst>
+          </p:cNvPr>
+          <p:cNvSpPr/>
+          <p:nvPr/>
+        </p:nvSpPr>
+        <p:spPr>
+          <a:xfrm>
+            <a:off x="5659111" y="1111354"/>
+            <a:ext cx="2738269" cy="369333"/>
+          </a:xfrm>
+          <a:prstGeom prst="accentCallout2">
+            <a:avLst>
+              <a:gd name="adj1" fmla="val 18751"/>
+              <a:gd name="adj2" fmla="val -875"/>
+              <a:gd name="adj3" fmla="val 18751"/>
+              <a:gd name="adj4" fmla="val -8561"/>
+              <a:gd name="adj5" fmla="val 143332"/>
+              <a:gd name="adj6" fmla="val -24943"/>
+            </a:avLst>
+          </a:prstGeom>
+          <a:noFill/>
+          <a:ln>
+            <a:solidFill>
+              <a:srgbClr val="002060"/>
+            </a:solidFill>
+          </a:ln>
+        </p:spPr>
+        <p:style>
+          <a:lnRef idx="2">
+            <a:schemeClr val="accent1">
+              <a:shade val="50000"/>
+            </a:schemeClr>
+          </a:lnRef>
+          <a:fillRef idx="1">
+            <a:schemeClr val="accent1"/>
+          </a:fillRef>
+          <a:effectRef idx="0">
+            <a:schemeClr val="accent1"/>
+          </a:effectRef>
+          <a:fontRef idx="minor">
+            <a:schemeClr val="lt1"/>
+          </a:fontRef>
+        </p:style>
+        <p:txBody>
+          <a:bodyPr rtlCol="0" anchor="ctr"/>
+          <a:lstStyle/>
+          <a:p>
+            <a:pPr algn="ctr"/>
+            <a:r>
+              <a:rPr lang="en-US" b="1" dirty="0">
+                <a:solidFill>
+                  <a:srgbClr val="002060"/>
+                </a:solidFill>
+              </a:rPr>
+              <a:t>AES</a:t>
+            </a:r>
+            <a:r>
+              <a:rPr lang="ja-JP" altLang="en-US" b="1">
+                <a:solidFill>
+                  <a:srgbClr val="002060"/>
+                </a:solidFill>
+              </a:rPr>
+              <a:t>暗号化されたデータ</a:t>
+            </a:r>
+            <a:endParaRPr lang="en-US" b="1" dirty="0">
+              <a:solidFill>
+                <a:srgbClr val="002060"/>
+              </a:solidFill>
+            </a:endParaRPr>
+          </a:p>
+        </p:txBody>
+      </p:sp>
+    </p:spTree>
+    <p:extLst>
+      <p:ext uri="{BB962C8B-B14F-4D97-AF65-F5344CB8AC3E}">
+        <p14:creationId xmlns:p14="http://schemas.microsoft.com/office/powerpoint/2010/main" val="743751146"/>
+      </p:ext>
+    </p:extLst>
+  </p:cSld>
+  <p:clrMapOvr>
+    <a:masterClrMapping/>
+  </p:clrMapOvr>
+</p:sld>
+</file>
+
+<file path=ppt/slides/slide23.xml><?xml version="1.0" encoding="utf-8"?>
+<p:sld xmlns:a="http://schemas.openxmlformats.org/drawingml/2006/main" xmlns:r="http://schemas.openxmlformats.org/officeDocument/2006/relationships" xmlns:p="http://schemas.openxmlformats.org/presentationml/2006/main">
+  <p:cSld>
+    <p:spTree>
+      <p:nvGrpSpPr>
+        <p:cNvPr id="1" name=""/>
+        <p:cNvGrpSpPr/>
+        <p:nvPr/>
+      </p:nvGrpSpPr>
+      <p:grpSpPr>
+        <a:xfrm>
+          <a:off x="0" y="0"/>
+          <a:ext cx="0" cy="0"/>
+          <a:chOff x="0" y="0"/>
+          <a:chExt cx="0" cy="0"/>
+        </a:xfrm>
+      </p:grpSpPr>
+      <p:pic>
+        <p:nvPicPr>
+          <p:cNvPr id="5" name="Picture 4">
+            <a:extLst>
+              <a:ext uri="{FF2B5EF4-FFF2-40B4-BE49-F238E27FC236}">
+                <a16:creationId xmlns:a16="http://schemas.microsoft.com/office/drawing/2014/main" id="{99FF84CE-CB29-4E4F-8A48-1B682C27D6E4}"/>
+              </a:ext>
+            </a:extLst>
+          </p:cNvPr>
+          <p:cNvPicPr>
+            <a:picLocks noChangeAspect="1"/>
+          </p:cNvPicPr>
+          <p:nvPr/>
+        </p:nvPicPr>
+        <p:blipFill>
+          <a:blip r:embed="rId2"/>
+          <a:stretch>
+            <a:fillRect/>
+          </a:stretch>
+        </p:blipFill>
+        <p:spPr>
+          <a:xfrm>
+            <a:off x="2768600" y="2393950"/>
+            <a:ext cx="6654800" cy="2070100"/>
+          </a:xfrm>
+          <a:prstGeom prst="rect">
+            <a:avLst/>
+          </a:prstGeom>
+        </p:spPr>
+      </p:pic>
+      <p:sp>
+        <p:nvSpPr>
+          <p:cNvPr id="6" name="TextBox 5">
+            <a:extLst>
+              <a:ext uri="{FF2B5EF4-FFF2-40B4-BE49-F238E27FC236}">
+                <a16:creationId xmlns:a16="http://schemas.microsoft.com/office/drawing/2014/main" id="{3B0EE5E9-29BB-A04A-80F2-5B26D7BF565E}"/>
+              </a:ext>
+            </a:extLst>
+          </p:cNvPr>
+          <p:cNvSpPr txBox="1"/>
+          <p:nvPr/>
+        </p:nvSpPr>
+        <p:spPr>
+          <a:xfrm>
+            <a:off x="4383086" y="3725386"/>
+            <a:ext cx="4801314" cy="369332"/>
+          </a:xfrm>
+          <a:prstGeom prst="rect">
+            <a:avLst/>
+          </a:prstGeom>
+          <a:noFill/>
+        </p:spPr>
+        <p:txBody>
+          <a:bodyPr wrap="none" rtlCol="0">
+            <a:spAutoFit/>
+          </a:bodyPr>
+          <a:lstStyle/>
+          <a:p>
+            <a:r>
+              <a:rPr lang="ja-JP" altLang="en-US" b="1">
+                <a:solidFill>
+                  <a:srgbClr val="FF0000"/>
+                </a:solidFill>
+              </a:rPr>
+              <a:t>パスワードから鍵を導出するためのパラメタ</a:t>
+            </a:r>
+            <a:endParaRPr lang="en-US" b="1" dirty="0">
+              <a:solidFill>
+                <a:srgbClr val="FF0000"/>
+              </a:solidFill>
+            </a:endParaRPr>
+          </a:p>
+        </p:txBody>
+      </p:sp>
+      <p:sp>
+        <p:nvSpPr>
+          <p:cNvPr id="7" name="Rectangle 6">
+            <a:extLst>
+              <a:ext uri="{FF2B5EF4-FFF2-40B4-BE49-F238E27FC236}">
+                <a16:creationId xmlns:a16="http://schemas.microsoft.com/office/drawing/2014/main" id="{7D6CD89A-7E72-2D4F-85A4-0E27B4BC8B7F}"/>
+              </a:ext>
+            </a:extLst>
+          </p:cNvPr>
+          <p:cNvSpPr/>
+          <p:nvPr/>
+        </p:nvSpPr>
+        <p:spPr>
+          <a:xfrm>
+            <a:off x="3209839" y="3368982"/>
+            <a:ext cx="5772321" cy="369333"/>
+          </a:xfrm>
+          <a:prstGeom prst="rect">
+            <a:avLst/>
+          </a:prstGeom>
+          <a:noFill/>
+          <a:ln w="38100">
+            <a:solidFill>
+              <a:srgbClr val="FF0000"/>
+            </a:solidFill>
+          </a:ln>
+        </p:spPr>
+        <p:style>
+          <a:lnRef idx="2">
+            <a:schemeClr val="accent1">
+              <a:shade val="50000"/>
+            </a:schemeClr>
+          </a:lnRef>
+          <a:fillRef idx="1">
+            <a:schemeClr val="accent1"/>
+          </a:fillRef>
+          <a:effectRef idx="0">
+            <a:schemeClr val="accent1"/>
+          </a:effectRef>
+          <a:fontRef idx="minor">
+            <a:schemeClr val="lt1"/>
+          </a:fontRef>
+        </p:style>
+        <p:txBody>
+          <a:bodyPr rtlCol="0" anchor="ctr"/>
+          <a:lstStyle/>
+          <a:p>
+            <a:pPr algn="ctr"/>
+            <a:endParaRPr lang="en-US"/>
+          </a:p>
+        </p:txBody>
+      </p:sp>
+      <p:sp>
+        <p:nvSpPr>
+          <p:cNvPr id="8" name="Line Callout 2 (Accent Bar) 7">
+            <a:extLst>
+              <a:ext uri="{FF2B5EF4-FFF2-40B4-BE49-F238E27FC236}">
+                <a16:creationId xmlns:a16="http://schemas.microsoft.com/office/drawing/2014/main" id="{3EF52C71-9AC0-2F46-88BC-BEE39E3FC01C}"/>
+              </a:ext>
+            </a:extLst>
+          </p:cNvPr>
+          <p:cNvSpPr/>
+          <p:nvPr/>
+        </p:nvSpPr>
+        <p:spPr>
+          <a:xfrm>
+            <a:off x="7240615" y="2750353"/>
+            <a:ext cx="2587265" cy="369333"/>
+          </a:xfrm>
+          <a:prstGeom prst="accentCallout2">
+            <a:avLst>
+              <a:gd name="adj1" fmla="val 18751"/>
+              <a:gd name="adj2" fmla="val -875"/>
+              <a:gd name="adj3" fmla="val 18751"/>
+              <a:gd name="adj4" fmla="val -8561"/>
+              <a:gd name="adj5" fmla="val 91090"/>
+              <a:gd name="adj6" fmla="val -24295"/>
+            </a:avLst>
+          </a:prstGeom>
+          <a:noFill/>
+          <a:ln>
+            <a:solidFill>
+              <a:srgbClr val="00B050"/>
+            </a:solidFill>
+          </a:ln>
+        </p:spPr>
+        <p:style>
+          <a:lnRef idx="2">
+            <a:schemeClr val="accent1">
+              <a:shade val="50000"/>
+            </a:schemeClr>
+          </a:lnRef>
+          <a:fillRef idx="1">
+            <a:schemeClr val="accent1"/>
+          </a:fillRef>
+          <a:effectRef idx="0">
+            <a:schemeClr val="accent1"/>
+          </a:effectRef>
+          <a:fontRef idx="minor">
+            <a:schemeClr val="lt1"/>
+          </a:fontRef>
+        </p:style>
+        <p:txBody>
+          <a:bodyPr rtlCol="0" anchor="ctr"/>
+          <a:lstStyle/>
+          <a:p>
+            <a:pPr algn="ctr"/>
+            <a:r>
+              <a:rPr lang="en-US" b="1" dirty="0">
+                <a:solidFill>
+                  <a:srgbClr val="00B050"/>
+                </a:solidFill>
+              </a:rPr>
+              <a:t>AES</a:t>
+            </a:r>
+            <a:r>
+              <a:rPr lang="ja-JP" altLang="en-US" b="1">
+                <a:solidFill>
+                  <a:srgbClr val="00B050"/>
+                </a:solidFill>
+              </a:rPr>
+              <a:t>暗号化に使われる</a:t>
+            </a:r>
+            <a:r>
+              <a:rPr lang="en-US" altLang="ja-JP" b="1" dirty="0">
+                <a:solidFill>
+                  <a:srgbClr val="00B050"/>
+                </a:solidFill>
+              </a:rPr>
+              <a:t>IV</a:t>
+            </a:r>
+            <a:endParaRPr lang="en-US" b="1" dirty="0">
+              <a:solidFill>
+                <a:srgbClr val="00B050"/>
+              </a:solidFill>
+            </a:endParaRPr>
+          </a:p>
+        </p:txBody>
+      </p:sp>
+      <p:sp>
+        <p:nvSpPr>
+          <p:cNvPr id="9" name="Line Callout 2 (Accent Bar) 8">
+            <a:extLst>
+              <a:ext uri="{FF2B5EF4-FFF2-40B4-BE49-F238E27FC236}">
+                <a16:creationId xmlns:a16="http://schemas.microsoft.com/office/drawing/2014/main" id="{41374BC5-9276-9843-B4A4-61E4BD52E2F3}"/>
+              </a:ext>
+            </a:extLst>
+          </p:cNvPr>
+          <p:cNvSpPr/>
+          <p:nvPr/>
+        </p:nvSpPr>
+        <p:spPr>
+          <a:xfrm>
+            <a:off x="7240614" y="2298887"/>
+            <a:ext cx="2738269" cy="369333"/>
+          </a:xfrm>
+          <a:prstGeom prst="accentCallout2">
+            <a:avLst>
+              <a:gd name="adj1" fmla="val 18751"/>
+              <a:gd name="adj2" fmla="val -875"/>
+              <a:gd name="adj3" fmla="val 18751"/>
+              <a:gd name="adj4" fmla="val -8561"/>
+              <a:gd name="adj5" fmla="val 143332"/>
+              <a:gd name="adj6" fmla="val -24943"/>
+            </a:avLst>
+          </a:prstGeom>
+          <a:noFill/>
+          <a:ln>
+            <a:solidFill>
+              <a:srgbClr val="002060"/>
+            </a:solidFill>
+          </a:ln>
+        </p:spPr>
+        <p:style>
+          <a:lnRef idx="2">
+            <a:schemeClr val="accent1">
+              <a:shade val="50000"/>
+            </a:schemeClr>
+          </a:lnRef>
+          <a:fillRef idx="1">
+            <a:schemeClr val="accent1"/>
+          </a:fillRef>
+          <a:effectRef idx="0">
+            <a:schemeClr val="accent1"/>
+          </a:effectRef>
+          <a:fontRef idx="minor">
+            <a:schemeClr val="lt1"/>
+          </a:fontRef>
+        </p:style>
+        <p:txBody>
+          <a:bodyPr rtlCol="0" anchor="ctr"/>
+          <a:lstStyle/>
+          <a:p>
+            <a:pPr algn="ctr"/>
+            <a:r>
+              <a:rPr lang="en-US" b="1" dirty="0">
+                <a:solidFill>
+                  <a:srgbClr val="002060"/>
+                </a:solidFill>
+              </a:rPr>
+              <a:t>AES</a:t>
+            </a:r>
+            <a:r>
+              <a:rPr lang="ja-JP" altLang="en-US" b="1">
+                <a:solidFill>
+                  <a:srgbClr val="002060"/>
+                </a:solidFill>
+              </a:rPr>
+              <a:t>暗号化されたデータ</a:t>
+            </a:r>
+            <a:endParaRPr lang="en-US" b="1" dirty="0">
+              <a:solidFill>
+                <a:srgbClr val="002060"/>
+              </a:solidFill>
+            </a:endParaRPr>
+          </a:p>
+        </p:txBody>
+      </p:sp>
+      <p:cxnSp>
+        <p:nvCxnSpPr>
+          <p:cNvPr id="10" name="Straight Connector 9">
+            <a:extLst>
+              <a:ext uri="{FF2B5EF4-FFF2-40B4-BE49-F238E27FC236}">
+                <a16:creationId xmlns:a16="http://schemas.microsoft.com/office/drawing/2014/main" id="{AB053DA5-CFA5-604C-B215-85171C97361E}"/>
+              </a:ext>
+            </a:extLst>
+          </p:cNvPr>
+          <p:cNvCxnSpPr>
+            <a:cxnSpLocks/>
+          </p:cNvCxnSpPr>
+          <p:nvPr/>
+        </p:nvCxnSpPr>
+        <p:spPr>
+          <a:xfrm>
+            <a:off x="3245464" y="2964452"/>
+            <a:ext cx="3343217" cy="0"/>
+          </a:xfrm>
+          <a:prstGeom prst="line">
+            <a:avLst/>
+          </a:prstGeom>
+          <a:ln w="38100">
+            <a:solidFill>
+              <a:schemeClr val="accent1"/>
+            </a:solidFill>
+          </a:ln>
+        </p:spPr>
+        <p:style>
+          <a:lnRef idx="1">
+            <a:schemeClr val="accent1"/>
+          </a:lnRef>
+          <a:fillRef idx="0">
+            <a:schemeClr val="accent1"/>
+          </a:fillRef>
+          <a:effectRef idx="0">
+            <a:schemeClr val="accent1"/>
+          </a:effectRef>
+          <a:fontRef idx="minor">
+            <a:schemeClr val="tx1"/>
+          </a:fontRef>
+        </p:style>
+      </p:cxnSp>
+      <p:cxnSp>
+        <p:nvCxnSpPr>
+          <p:cNvPr id="11" name="Straight Connector 10">
+            <a:extLst>
+              <a:ext uri="{FF2B5EF4-FFF2-40B4-BE49-F238E27FC236}">
+                <a16:creationId xmlns:a16="http://schemas.microsoft.com/office/drawing/2014/main" id="{D50A6696-9026-0D49-8E16-89787360CDD6}"/>
+              </a:ext>
+            </a:extLst>
+          </p:cNvPr>
+          <p:cNvCxnSpPr>
+            <a:cxnSpLocks/>
+          </p:cNvCxnSpPr>
+          <p:nvPr/>
+        </p:nvCxnSpPr>
+        <p:spPr>
+          <a:xfrm>
+            <a:off x="3245464" y="3167186"/>
+            <a:ext cx="3343217" cy="0"/>
+          </a:xfrm>
+          <a:prstGeom prst="line">
+            <a:avLst/>
+          </a:prstGeom>
+          <a:ln w="38100">
+            <a:solidFill>
+              <a:srgbClr val="00B050"/>
+            </a:solidFill>
+          </a:ln>
+        </p:spPr>
+        <p:style>
+          <a:lnRef idx="1">
+            <a:schemeClr val="accent1"/>
+          </a:lnRef>
+          <a:fillRef idx="0">
+            <a:schemeClr val="accent1"/>
+          </a:fillRef>
+          <a:effectRef idx="0">
+            <a:schemeClr val="accent1"/>
+          </a:effectRef>
+          <a:fontRef idx="minor">
+            <a:schemeClr val="tx1"/>
+          </a:fontRef>
+        </p:style>
+      </p:cxnSp>
+    </p:spTree>
+    <p:extLst>
+      <p:ext uri="{BB962C8B-B14F-4D97-AF65-F5344CB8AC3E}">
+        <p14:creationId xmlns:p14="http://schemas.microsoft.com/office/powerpoint/2010/main" val="1891512330"/>
       </p:ext>
     </p:extLst>
   </p:cSld>

--- a/images.pptx
+++ b/images.pptx
@@ -5,7 +5,7 @@
     <p:sldMasterId id="2147483648" r:id="rId1"/>
   </p:sldMasterIdLst>
   <p:notesMasterIdLst>
-    <p:notesMasterId r:id="rId25"/>
+    <p:notesMasterId r:id="rId28"/>
   </p:notesMasterIdLst>
   <p:sldIdLst>
     <p:sldId id="257" r:id="rId2"/>
@@ -31,6 +31,9 @@
     <p:sldId id="275" r:id="rId22"/>
     <p:sldId id="277" r:id="rId23"/>
     <p:sldId id="278" r:id="rId24"/>
+    <p:sldId id="279" r:id="rId25"/>
+    <p:sldId id="280" r:id="rId26"/>
+    <p:sldId id="281" r:id="rId27"/>
   </p:sldIdLst>
   <p:sldSz cx="12192000" cy="6858000"/>
   <p:notesSz cx="6858000" cy="9144000"/>
@@ -219,7 +222,7 @@
           <a:p>
             <a:fld id="{7CEEDDC0-DF20-AC46-B752-4D05A37D4059}" type="datetimeFigureOut">
               <a:rPr lang="en-US" smtClean="0"/>
-              <a:t>8/30/19</a:t>
+              <a:t>9/5/19</a:t>
             </a:fld>
             <a:endParaRPr lang="en-US"/>
           </a:p>
@@ -969,7 +972,7 @@
           <a:p>
             <a:fld id="{ABB50B84-C221-BA49-B172-B6D4747B1BA4}" type="datetimeFigureOut">
               <a:rPr lang="en-US" smtClean="0"/>
-              <a:t>8/30/19</a:t>
+              <a:t>9/5/19</a:t>
             </a:fld>
             <a:endParaRPr lang="en-US"/>
           </a:p>
@@ -1167,7 +1170,7 @@
           <a:p>
             <a:fld id="{ABB50B84-C221-BA49-B172-B6D4747B1BA4}" type="datetimeFigureOut">
               <a:rPr lang="en-US" smtClean="0"/>
-              <a:t>8/30/19</a:t>
+              <a:t>9/5/19</a:t>
             </a:fld>
             <a:endParaRPr lang="en-US"/>
           </a:p>
@@ -1375,7 +1378,7 @@
           <a:p>
             <a:fld id="{ABB50B84-C221-BA49-B172-B6D4747B1BA4}" type="datetimeFigureOut">
               <a:rPr lang="en-US" smtClean="0"/>
-              <a:t>8/30/19</a:t>
+              <a:t>9/5/19</a:t>
             </a:fld>
             <a:endParaRPr lang="en-US"/>
           </a:p>
@@ -1573,7 +1576,7 @@
           <a:p>
             <a:fld id="{ABB50B84-C221-BA49-B172-B6D4747B1BA4}" type="datetimeFigureOut">
               <a:rPr lang="en-US" smtClean="0"/>
-              <a:t>8/30/19</a:t>
+              <a:t>9/5/19</a:t>
             </a:fld>
             <a:endParaRPr lang="en-US"/>
           </a:p>
@@ -1848,7 +1851,7 @@
           <a:p>
             <a:fld id="{ABB50B84-C221-BA49-B172-B6D4747B1BA4}" type="datetimeFigureOut">
               <a:rPr lang="en-US" smtClean="0"/>
-              <a:t>8/30/19</a:t>
+              <a:t>9/5/19</a:t>
             </a:fld>
             <a:endParaRPr lang="en-US"/>
           </a:p>
@@ -2113,7 +2116,7 @@
           <a:p>
             <a:fld id="{ABB50B84-C221-BA49-B172-B6D4747B1BA4}" type="datetimeFigureOut">
               <a:rPr lang="en-US" smtClean="0"/>
-              <a:t>8/30/19</a:t>
+              <a:t>9/5/19</a:t>
             </a:fld>
             <a:endParaRPr lang="en-US"/>
           </a:p>
@@ -2525,7 +2528,7 @@
           <a:p>
             <a:fld id="{ABB50B84-C221-BA49-B172-B6D4747B1BA4}" type="datetimeFigureOut">
               <a:rPr lang="en-US" smtClean="0"/>
-              <a:t>8/30/19</a:t>
+              <a:t>9/5/19</a:t>
             </a:fld>
             <a:endParaRPr lang="en-US"/>
           </a:p>
@@ -2666,7 +2669,7 @@
           <a:p>
             <a:fld id="{ABB50B84-C221-BA49-B172-B6D4747B1BA4}" type="datetimeFigureOut">
               <a:rPr lang="en-US" smtClean="0"/>
-              <a:t>8/30/19</a:t>
+              <a:t>9/5/19</a:t>
             </a:fld>
             <a:endParaRPr lang="en-US"/>
           </a:p>
@@ -2779,7 +2782,7 @@
           <a:p>
             <a:fld id="{ABB50B84-C221-BA49-B172-B6D4747B1BA4}" type="datetimeFigureOut">
               <a:rPr lang="en-US" smtClean="0"/>
-              <a:t>8/30/19</a:t>
+              <a:t>9/5/19</a:t>
             </a:fld>
             <a:endParaRPr lang="en-US"/>
           </a:p>
@@ -3090,7 +3093,7 @@
           <a:p>
             <a:fld id="{ABB50B84-C221-BA49-B172-B6D4747B1BA4}" type="datetimeFigureOut">
               <a:rPr lang="en-US" smtClean="0"/>
-              <a:t>8/30/19</a:t>
+              <a:t>9/5/19</a:t>
             </a:fld>
             <a:endParaRPr lang="en-US"/>
           </a:p>
@@ -3378,7 +3381,7 @@
           <a:p>
             <a:fld id="{ABB50B84-C221-BA49-B172-B6D4747B1BA4}" type="datetimeFigureOut">
               <a:rPr lang="en-US" smtClean="0"/>
-              <a:t>8/30/19</a:t>
+              <a:t>9/5/19</a:t>
             </a:fld>
             <a:endParaRPr lang="en-US"/>
           </a:p>
@@ -3619,7 +3622,7 @@
           <a:p>
             <a:fld id="{ABB50B84-C221-BA49-B172-B6D4747B1BA4}" type="datetimeFigureOut">
               <a:rPr lang="en-US" smtClean="0"/>
-              <a:t>8/30/19</a:t>
+              <a:t>9/5/19</a:t>
             </a:fld>
             <a:endParaRPr lang="en-US"/>
           </a:p>
@@ -17875,6 +17878,4063 @@
     <p:extLst>
       <p:ext uri="{BB962C8B-B14F-4D97-AF65-F5344CB8AC3E}">
         <p14:creationId xmlns:p14="http://schemas.microsoft.com/office/powerpoint/2010/main" val="1891512330"/>
+      </p:ext>
+    </p:extLst>
+  </p:cSld>
+  <p:clrMapOvr>
+    <a:masterClrMapping/>
+  </p:clrMapOvr>
+</p:sld>
+</file>
+
+<file path=ppt/slides/slide24.xml><?xml version="1.0" encoding="utf-8"?>
+<p:sld xmlns:a="http://schemas.openxmlformats.org/drawingml/2006/main" xmlns:r="http://schemas.openxmlformats.org/officeDocument/2006/relationships" xmlns:p="http://schemas.openxmlformats.org/presentationml/2006/main">
+  <p:cSld>
+    <p:spTree>
+      <p:nvGrpSpPr>
+        <p:cNvPr id="1" name=""/>
+        <p:cNvGrpSpPr/>
+        <p:nvPr/>
+      </p:nvGrpSpPr>
+      <p:grpSpPr>
+        <a:xfrm>
+          <a:off x="0" y="0"/>
+          <a:ext cx="0" cy="0"/>
+          <a:chOff x="0" y="0"/>
+          <a:chExt cx="0" cy="0"/>
+        </a:xfrm>
+      </p:grpSpPr>
+      <p:pic>
+        <p:nvPicPr>
+          <p:cNvPr id="5" name="Picture 4">
+            <a:extLst>
+              <a:ext uri="{FF2B5EF4-FFF2-40B4-BE49-F238E27FC236}">
+                <a16:creationId xmlns:a16="http://schemas.microsoft.com/office/drawing/2014/main" id="{91C48840-1E86-084F-9006-34C53B37101F}"/>
+              </a:ext>
+            </a:extLst>
+          </p:cNvPr>
+          <p:cNvPicPr>
+            <a:picLocks noChangeAspect="1"/>
+          </p:cNvPicPr>
+          <p:nvPr/>
+        </p:nvPicPr>
+        <p:blipFill>
+          <a:blip r:embed="rId2"/>
+          <a:stretch>
+            <a:fillRect/>
+          </a:stretch>
+        </p:blipFill>
+        <p:spPr>
+          <a:xfrm rot="5400000">
+            <a:off x="4591956" y="4318210"/>
+            <a:ext cx="695926" cy="347963"/>
+          </a:xfrm>
+          <a:prstGeom prst="rect">
+            <a:avLst/>
+          </a:prstGeom>
+        </p:spPr>
+      </p:pic>
+      <p:pic>
+        <p:nvPicPr>
+          <p:cNvPr id="7" name="Picture 6">
+            <a:extLst>
+              <a:ext uri="{FF2B5EF4-FFF2-40B4-BE49-F238E27FC236}">
+                <a16:creationId xmlns:a16="http://schemas.microsoft.com/office/drawing/2014/main" id="{D70D74C0-8CE0-B64C-BE3A-EFEB1C10B54C}"/>
+              </a:ext>
+            </a:extLst>
+          </p:cNvPr>
+          <p:cNvPicPr>
+            <a:picLocks noChangeAspect="1"/>
+          </p:cNvPicPr>
+          <p:nvPr/>
+        </p:nvPicPr>
+        <p:blipFill>
+          <a:blip r:embed="rId3"/>
+          <a:stretch>
+            <a:fillRect/>
+          </a:stretch>
+        </p:blipFill>
+        <p:spPr>
+          <a:xfrm>
+            <a:off x="8088902" y="4144228"/>
+            <a:ext cx="219766" cy="695926"/>
+          </a:xfrm>
+          <a:prstGeom prst="rect">
+            <a:avLst/>
+          </a:prstGeom>
+        </p:spPr>
+      </p:pic>
+      <p:sp>
+        <p:nvSpPr>
+          <p:cNvPr id="8" name="TextBox 7">
+            <a:extLst>
+              <a:ext uri="{FF2B5EF4-FFF2-40B4-BE49-F238E27FC236}">
+                <a16:creationId xmlns:a16="http://schemas.microsoft.com/office/drawing/2014/main" id="{608464D5-2192-1B49-A33A-69346E43A9F9}"/>
+              </a:ext>
+            </a:extLst>
+          </p:cNvPr>
+          <p:cNvSpPr txBox="1"/>
+          <p:nvPr/>
+        </p:nvSpPr>
+        <p:spPr>
+          <a:xfrm>
+            <a:off x="6797680" y="4354293"/>
+            <a:ext cx="1137619" cy="369332"/>
+          </a:xfrm>
+          <a:prstGeom prst="rect">
+            <a:avLst/>
+          </a:prstGeom>
+          <a:noFill/>
+        </p:spPr>
+        <p:txBody>
+          <a:bodyPr wrap="square" rtlCol="0">
+            <a:spAutoFit/>
+          </a:bodyPr>
+          <a:lstStyle/>
+          <a:p>
+            <a:r>
+              <a:rPr lang="en-US" dirty="0"/>
+              <a:t>Public Key</a:t>
+            </a:r>
+          </a:p>
+        </p:txBody>
+      </p:sp>
+      <p:sp>
+        <p:nvSpPr>
+          <p:cNvPr id="9" name="TextBox 8">
+            <a:extLst>
+              <a:ext uri="{FF2B5EF4-FFF2-40B4-BE49-F238E27FC236}">
+                <a16:creationId xmlns:a16="http://schemas.microsoft.com/office/drawing/2014/main" id="{80F8C0DD-E420-9849-921F-403DABB752F3}"/>
+              </a:ext>
+            </a:extLst>
+          </p:cNvPr>
+          <p:cNvSpPr txBox="1"/>
+          <p:nvPr/>
+        </p:nvSpPr>
+        <p:spPr>
+          <a:xfrm>
+            <a:off x="3496334" y="4307525"/>
+            <a:ext cx="1222579" cy="369332"/>
+          </a:xfrm>
+          <a:prstGeom prst="rect">
+            <a:avLst/>
+          </a:prstGeom>
+          <a:noFill/>
+        </p:spPr>
+        <p:txBody>
+          <a:bodyPr wrap="square" rtlCol="0">
+            <a:spAutoFit/>
+          </a:bodyPr>
+          <a:lstStyle/>
+          <a:p>
+            <a:r>
+              <a:rPr lang="en-US" dirty="0"/>
+              <a:t>Private Key</a:t>
+            </a:r>
+          </a:p>
+        </p:txBody>
+      </p:sp>
+      <p:sp>
+        <p:nvSpPr>
+          <p:cNvPr id="10" name="Up-Down Arrow 9">
+            <a:extLst>
+              <a:ext uri="{FF2B5EF4-FFF2-40B4-BE49-F238E27FC236}">
+                <a16:creationId xmlns:a16="http://schemas.microsoft.com/office/drawing/2014/main" id="{012C5661-F307-CD49-8EF7-29DC44C4A60E}"/>
+              </a:ext>
+            </a:extLst>
+          </p:cNvPr>
+          <p:cNvSpPr/>
+          <p:nvPr/>
+        </p:nvSpPr>
+        <p:spPr>
+          <a:xfrm rot="5400000">
+            <a:off x="5781328" y="3921226"/>
+            <a:ext cx="484632" cy="1216152"/>
+          </a:xfrm>
+          <a:prstGeom prst="upDownArrow">
+            <a:avLst/>
+          </a:prstGeom>
+        </p:spPr>
+        <p:style>
+          <a:lnRef idx="2">
+            <a:schemeClr val="accent1">
+              <a:shade val="50000"/>
+            </a:schemeClr>
+          </a:lnRef>
+          <a:fillRef idx="1">
+            <a:schemeClr val="accent1"/>
+          </a:fillRef>
+          <a:effectRef idx="0">
+            <a:schemeClr val="accent1"/>
+          </a:effectRef>
+          <a:fontRef idx="minor">
+            <a:schemeClr val="lt1"/>
+          </a:fontRef>
+        </p:style>
+        <p:txBody>
+          <a:bodyPr rtlCol="0" anchor="ctr"/>
+          <a:lstStyle/>
+          <a:p>
+            <a:pPr algn="ctr"/>
+            <a:endParaRPr lang="en-US"/>
+          </a:p>
+        </p:txBody>
+      </p:sp>
+      <p:sp>
+        <p:nvSpPr>
+          <p:cNvPr id="11" name="TextBox 10">
+            <a:extLst>
+              <a:ext uri="{FF2B5EF4-FFF2-40B4-BE49-F238E27FC236}">
+                <a16:creationId xmlns:a16="http://schemas.microsoft.com/office/drawing/2014/main" id="{90E35B52-51B8-AA4F-9071-9B97585A5773}"/>
+              </a:ext>
+            </a:extLst>
+          </p:cNvPr>
+          <p:cNvSpPr txBox="1"/>
+          <p:nvPr/>
+        </p:nvSpPr>
+        <p:spPr>
+          <a:xfrm>
+            <a:off x="5733875" y="4344636"/>
+            <a:ext cx="542008" cy="369332"/>
+          </a:xfrm>
+          <a:prstGeom prst="rect">
+            <a:avLst/>
+          </a:prstGeom>
+          <a:solidFill>
+            <a:schemeClr val="bg1"/>
+          </a:solidFill>
+        </p:spPr>
+        <p:txBody>
+          <a:bodyPr wrap="square" rtlCol="0">
+            <a:spAutoFit/>
+          </a:bodyPr>
+          <a:lstStyle/>
+          <a:p>
+            <a:r>
+              <a:rPr lang="en-US" dirty="0"/>
+              <a:t>Pair</a:t>
+            </a:r>
+          </a:p>
+        </p:txBody>
+      </p:sp>
+      <p:pic>
+        <p:nvPicPr>
+          <p:cNvPr id="15" name="Picture 14">
+            <a:extLst>
+              <a:ext uri="{FF2B5EF4-FFF2-40B4-BE49-F238E27FC236}">
+                <a16:creationId xmlns:a16="http://schemas.microsoft.com/office/drawing/2014/main" id="{37F73D2B-50E5-B541-BAE1-7567EF3371D1}"/>
+              </a:ext>
+            </a:extLst>
+          </p:cNvPr>
+          <p:cNvPicPr>
+            <a:picLocks noChangeAspect="1"/>
+          </p:cNvPicPr>
+          <p:nvPr/>
+        </p:nvPicPr>
+        <p:blipFill>
+          <a:blip r:embed="rId3"/>
+          <a:stretch>
+            <a:fillRect/>
+          </a:stretch>
+        </p:blipFill>
+        <p:spPr>
+          <a:xfrm>
+            <a:off x="2693579" y="206717"/>
+            <a:ext cx="219766" cy="695926"/>
+          </a:xfrm>
+          <a:prstGeom prst="rect">
+            <a:avLst/>
+          </a:prstGeom>
+        </p:spPr>
+      </p:pic>
+      <p:sp>
+        <p:nvSpPr>
+          <p:cNvPr id="16" name="TextBox 15">
+            <a:extLst>
+              <a:ext uri="{FF2B5EF4-FFF2-40B4-BE49-F238E27FC236}">
+                <a16:creationId xmlns:a16="http://schemas.microsoft.com/office/drawing/2014/main" id="{75D1F97A-44F5-0745-9770-437F17B30E2F}"/>
+              </a:ext>
+            </a:extLst>
+          </p:cNvPr>
+          <p:cNvSpPr txBox="1"/>
+          <p:nvPr/>
+        </p:nvSpPr>
+        <p:spPr>
+          <a:xfrm>
+            <a:off x="1542976" y="416782"/>
+            <a:ext cx="1137619" cy="369332"/>
+          </a:xfrm>
+          <a:prstGeom prst="rect">
+            <a:avLst/>
+          </a:prstGeom>
+          <a:noFill/>
+        </p:spPr>
+        <p:txBody>
+          <a:bodyPr wrap="none" rtlCol="0">
+            <a:spAutoFit/>
+          </a:bodyPr>
+          <a:lstStyle/>
+          <a:p>
+            <a:r>
+              <a:rPr lang="en-US" dirty="0"/>
+              <a:t>Public Key</a:t>
+            </a:r>
+          </a:p>
+        </p:txBody>
+      </p:sp>
+      <p:pic>
+        <p:nvPicPr>
+          <p:cNvPr id="20" name="Picture 19">
+            <a:extLst>
+              <a:ext uri="{FF2B5EF4-FFF2-40B4-BE49-F238E27FC236}">
+                <a16:creationId xmlns:a16="http://schemas.microsoft.com/office/drawing/2014/main" id="{6FF2D335-F574-224A-A172-90CA3E86ABBD}"/>
+              </a:ext>
+            </a:extLst>
+          </p:cNvPr>
+          <p:cNvPicPr>
+            <a:picLocks noChangeAspect="1"/>
+          </p:cNvPicPr>
+          <p:nvPr/>
+        </p:nvPicPr>
+        <p:blipFill>
+          <a:blip r:embed="rId4"/>
+          <a:stretch>
+            <a:fillRect/>
+          </a:stretch>
+        </p:blipFill>
+        <p:spPr>
+          <a:xfrm>
+            <a:off x="4107624" y="1559447"/>
+            <a:ext cx="897261" cy="953873"/>
+          </a:xfrm>
+          <a:prstGeom prst="rect">
+            <a:avLst/>
+          </a:prstGeom>
+        </p:spPr>
+      </p:pic>
+      <p:pic>
+        <p:nvPicPr>
+          <p:cNvPr id="25" name="Picture 24">
+            <a:extLst>
+              <a:ext uri="{FF2B5EF4-FFF2-40B4-BE49-F238E27FC236}">
+                <a16:creationId xmlns:a16="http://schemas.microsoft.com/office/drawing/2014/main" id="{EB4DA211-6F4E-3945-8355-1E81AD545EAD}"/>
+              </a:ext>
+            </a:extLst>
+          </p:cNvPr>
+          <p:cNvPicPr>
+            <a:picLocks noChangeAspect="1"/>
+          </p:cNvPicPr>
+          <p:nvPr/>
+        </p:nvPicPr>
+        <p:blipFill>
+          <a:blip r:embed="rId5"/>
+          <a:stretch>
+            <a:fillRect/>
+          </a:stretch>
+        </p:blipFill>
+        <p:spPr>
+          <a:xfrm>
+            <a:off x="504223" y="1559448"/>
+            <a:ext cx="953873" cy="953873"/>
+          </a:xfrm>
+          <a:prstGeom prst="rect">
+            <a:avLst/>
+          </a:prstGeom>
+        </p:spPr>
+      </p:pic>
+      <p:sp>
+        <p:nvSpPr>
+          <p:cNvPr id="26" name="Rounded Rectangle 25">
+            <a:extLst>
+              <a:ext uri="{FF2B5EF4-FFF2-40B4-BE49-F238E27FC236}">
+                <a16:creationId xmlns:a16="http://schemas.microsoft.com/office/drawing/2014/main" id="{3A6D574A-6309-C84C-ABF8-57B267667C76}"/>
+              </a:ext>
+            </a:extLst>
+          </p:cNvPr>
+          <p:cNvSpPr/>
+          <p:nvPr/>
+        </p:nvSpPr>
+        <p:spPr>
+          <a:xfrm>
+            <a:off x="2234652" y="1665680"/>
+            <a:ext cx="1137619" cy="741405"/>
+          </a:xfrm>
+          <a:prstGeom prst="roundRect">
+            <a:avLst/>
+          </a:prstGeom>
+          <a:ln w="38100">
+            <a:solidFill>
+              <a:schemeClr val="tx1"/>
+            </a:solidFill>
+          </a:ln>
+        </p:spPr>
+        <p:style>
+          <a:lnRef idx="2">
+            <a:schemeClr val="accent2"/>
+          </a:lnRef>
+          <a:fillRef idx="1">
+            <a:schemeClr val="lt1"/>
+          </a:fillRef>
+          <a:effectRef idx="0">
+            <a:schemeClr val="accent2"/>
+          </a:effectRef>
+          <a:fontRef idx="minor">
+            <a:schemeClr val="dk1"/>
+          </a:fontRef>
+        </p:style>
+        <p:txBody>
+          <a:bodyPr rtlCol="0" anchor="ctr"/>
+          <a:lstStyle/>
+          <a:p>
+            <a:pPr algn="ctr"/>
+            <a:r>
+              <a:rPr lang="en-US" b="1" dirty="0">
+                <a:solidFill>
+                  <a:srgbClr val="FF0000"/>
+                </a:solidFill>
+              </a:rPr>
+              <a:t>Encrypt</a:t>
+            </a:r>
+          </a:p>
+        </p:txBody>
+      </p:sp>
+      <p:cxnSp>
+        <p:nvCxnSpPr>
+          <p:cNvPr id="28" name="Straight Arrow Connector 27">
+            <a:extLst>
+              <a:ext uri="{FF2B5EF4-FFF2-40B4-BE49-F238E27FC236}">
+                <a16:creationId xmlns:a16="http://schemas.microsoft.com/office/drawing/2014/main" id="{EDCFB9AE-D985-A64F-B77F-56ADD2F066E2}"/>
+              </a:ext>
+            </a:extLst>
+          </p:cNvPr>
+          <p:cNvCxnSpPr>
+            <a:stCxn id="25" idx="3"/>
+            <a:endCxn id="26" idx="1"/>
+          </p:cNvCxnSpPr>
+          <p:nvPr/>
+        </p:nvCxnSpPr>
+        <p:spPr>
+          <a:xfrm flipV="1">
+            <a:off x="1458096" y="2036383"/>
+            <a:ext cx="776556" cy="2"/>
+          </a:xfrm>
+          <a:prstGeom prst="straightConnector1">
+            <a:avLst/>
+          </a:prstGeom>
+          <a:ln w="38100">
+            <a:solidFill>
+              <a:schemeClr val="tx1"/>
+            </a:solidFill>
+            <a:tailEnd type="triangle"/>
+          </a:ln>
+        </p:spPr>
+        <p:style>
+          <a:lnRef idx="1">
+            <a:schemeClr val="accent1"/>
+          </a:lnRef>
+          <a:fillRef idx="0">
+            <a:schemeClr val="accent1"/>
+          </a:fillRef>
+          <a:effectRef idx="0">
+            <a:schemeClr val="accent1"/>
+          </a:effectRef>
+          <a:fontRef idx="minor">
+            <a:schemeClr val="tx1"/>
+          </a:fontRef>
+        </p:style>
+      </p:cxnSp>
+      <p:cxnSp>
+        <p:nvCxnSpPr>
+          <p:cNvPr id="29" name="Straight Arrow Connector 28">
+            <a:extLst>
+              <a:ext uri="{FF2B5EF4-FFF2-40B4-BE49-F238E27FC236}">
+                <a16:creationId xmlns:a16="http://schemas.microsoft.com/office/drawing/2014/main" id="{28102ABA-7841-4449-968B-EE52F770EB91}"/>
+              </a:ext>
+            </a:extLst>
+          </p:cNvPr>
+          <p:cNvCxnSpPr>
+            <a:cxnSpLocks/>
+            <a:stCxn id="26" idx="3"/>
+            <a:endCxn id="20" idx="1"/>
+          </p:cNvCxnSpPr>
+          <p:nvPr/>
+        </p:nvCxnSpPr>
+        <p:spPr>
+          <a:xfrm>
+            <a:off x="3372271" y="2036383"/>
+            <a:ext cx="735353" cy="1"/>
+          </a:xfrm>
+          <a:prstGeom prst="straightConnector1">
+            <a:avLst/>
+          </a:prstGeom>
+          <a:ln w="38100">
+            <a:solidFill>
+              <a:schemeClr val="tx1"/>
+            </a:solidFill>
+            <a:tailEnd type="triangle"/>
+          </a:ln>
+        </p:spPr>
+        <p:style>
+          <a:lnRef idx="1">
+            <a:schemeClr val="accent1"/>
+          </a:lnRef>
+          <a:fillRef idx="0">
+            <a:schemeClr val="accent1"/>
+          </a:fillRef>
+          <a:effectRef idx="0">
+            <a:schemeClr val="accent1"/>
+          </a:effectRef>
+          <a:fontRef idx="minor">
+            <a:schemeClr val="tx1"/>
+          </a:fontRef>
+        </p:style>
+      </p:cxnSp>
+      <p:cxnSp>
+        <p:nvCxnSpPr>
+          <p:cNvPr id="32" name="Straight Arrow Connector 31">
+            <a:extLst>
+              <a:ext uri="{FF2B5EF4-FFF2-40B4-BE49-F238E27FC236}">
+                <a16:creationId xmlns:a16="http://schemas.microsoft.com/office/drawing/2014/main" id="{988830D6-D625-8043-BF28-C69BD2EE89F8}"/>
+              </a:ext>
+            </a:extLst>
+          </p:cNvPr>
+          <p:cNvCxnSpPr>
+            <a:cxnSpLocks/>
+            <a:endCxn id="26" idx="0"/>
+          </p:cNvCxnSpPr>
+          <p:nvPr/>
+        </p:nvCxnSpPr>
+        <p:spPr>
+          <a:xfrm>
+            <a:off x="2803462" y="1025611"/>
+            <a:ext cx="0" cy="640069"/>
+          </a:xfrm>
+          <a:prstGeom prst="straightConnector1">
+            <a:avLst/>
+          </a:prstGeom>
+          <a:ln w="38100">
+            <a:solidFill>
+              <a:schemeClr val="tx1"/>
+            </a:solidFill>
+            <a:tailEnd type="triangle"/>
+          </a:ln>
+        </p:spPr>
+        <p:style>
+          <a:lnRef idx="1">
+            <a:schemeClr val="accent1"/>
+          </a:lnRef>
+          <a:fillRef idx="0">
+            <a:schemeClr val="accent1"/>
+          </a:fillRef>
+          <a:effectRef idx="0">
+            <a:schemeClr val="accent1"/>
+          </a:effectRef>
+          <a:fontRef idx="minor">
+            <a:schemeClr val="tx1"/>
+          </a:fontRef>
+        </p:style>
+      </p:cxnSp>
+      <p:sp>
+        <p:nvSpPr>
+          <p:cNvPr id="40" name="Right Arrow 39">
+            <a:extLst>
+              <a:ext uri="{FF2B5EF4-FFF2-40B4-BE49-F238E27FC236}">
+                <a16:creationId xmlns:a16="http://schemas.microsoft.com/office/drawing/2014/main" id="{A8EEA087-05E6-8A49-B5E2-6934BE417BAB}"/>
+              </a:ext>
+            </a:extLst>
+          </p:cNvPr>
+          <p:cNvSpPr/>
+          <p:nvPr/>
+        </p:nvSpPr>
+        <p:spPr>
+          <a:xfrm>
+            <a:off x="5532595" y="1794066"/>
+            <a:ext cx="978408" cy="484632"/>
+          </a:xfrm>
+          <a:prstGeom prst="rightArrow">
+            <a:avLst/>
+          </a:prstGeom>
+        </p:spPr>
+        <p:style>
+          <a:lnRef idx="2">
+            <a:schemeClr val="accent1">
+              <a:shade val="50000"/>
+            </a:schemeClr>
+          </a:lnRef>
+          <a:fillRef idx="1">
+            <a:schemeClr val="accent1"/>
+          </a:fillRef>
+          <a:effectRef idx="0">
+            <a:schemeClr val="accent1"/>
+          </a:effectRef>
+          <a:fontRef idx="minor">
+            <a:schemeClr val="lt1"/>
+          </a:fontRef>
+        </p:style>
+        <p:txBody>
+          <a:bodyPr rtlCol="0" anchor="ctr"/>
+          <a:lstStyle/>
+          <a:p>
+            <a:pPr algn="ctr"/>
+            <a:endParaRPr lang="en-US"/>
+          </a:p>
+        </p:txBody>
+      </p:sp>
+      <p:pic>
+        <p:nvPicPr>
+          <p:cNvPr id="44" name="Picture 43">
+            <a:extLst>
+              <a:ext uri="{FF2B5EF4-FFF2-40B4-BE49-F238E27FC236}">
+                <a16:creationId xmlns:a16="http://schemas.microsoft.com/office/drawing/2014/main" id="{985D8AA9-A230-C249-B3F2-C31DD811D810}"/>
+              </a:ext>
+            </a:extLst>
+          </p:cNvPr>
+          <p:cNvPicPr>
+            <a:picLocks noChangeAspect="1"/>
+          </p:cNvPicPr>
+          <p:nvPr/>
+        </p:nvPicPr>
+        <p:blipFill>
+          <a:blip r:embed="rId4"/>
+          <a:stretch>
+            <a:fillRect/>
+          </a:stretch>
+        </p:blipFill>
+        <p:spPr>
+          <a:xfrm>
+            <a:off x="6854967" y="1559445"/>
+            <a:ext cx="897261" cy="953873"/>
+          </a:xfrm>
+          <a:prstGeom prst="rect">
+            <a:avLst/>
+          </a:prstGeom>
+        </p:spPr>
+      </p:pic>
+      <p:pic>
+        <p:nvPicPr>
+          <p:cNvPr id="45" name="Picture 44">
+            <a:extLst>
+              <a:ext uri="{FF2B5EF4-FFF2-40B4-BE49-F238E27FC236}">
+                <a16:creationId xmlns:a16="http://schemas.microsoft.com/office/drawing/2014/main" id="{A61B1FD8-A3C4-5244-832E-AFC3E9AF3F34}"/>
+              </a:ext>
+            </a:extLst>
+          </p:cNvPr>
+          <p:cNvPicPr>
+            <a:picLocks noChangeAspect="1"/>
+          </p:cNvPicPr>
+          <p:nvPr/>
+        </p:nvPicPr>
+        <p:blipFill>
+          <a:blip r:embed="rId5"/>
+          <a:stretch>
+            <a:fillRect/>
+          </a:stretch>
+        </p:blipFill>
+        <p:spPr>
+          <a:xfrm>
+            <a:off x="10360552" y="1559444"/>
+            <a:ext cx="953873" cy="953873"/>
+          </a:xfrm>
+          <a:prstGeom prst="rect">
+            <a:avLst/>
+          </a:prstGeom>
+        </p:spPr>
+      </p:pic>
+      <p:sp>
+        <p:nvSpPr>
+          <p:cNvPr id="46" name="Rounded Rectangle 45">
+            <a:extLst>
+              <a:ext uri="{FF2B5EF4-FFF2-40B4-BE49-F238E27FC236}">
+                <a16:creationId xmlns:a16="http://schemas.microsoft.com/office/drawing/2014/main" id="{14F4944C-D38D-6545-B581-9861A3E89AFE}"/>
+              </a:ext>
+            </a:extLst>
+          </p:cNvPr>
+          <p:cNvSpPr/>
+          <p:nvPr/>
+        </p:nvSpPr>
+        <p:spPr>
+          <a:xfrm>
+            <a:off x="8487581" y="1665680"/>
+            <a:ext cx="1137619" cy="741405"/>
+          </a:xfrm>
+          <a:prstGeom prst="roundRect">
+            <a:avLst/>
+          </a:prstGeom>
+          <a:ln w="38100">
+            <a:solidFill>
+              <a:schemeClr val="tx1"/>
+            </a:solidFill>
+          </a:ln>
+        </p:spPr>
+        <p:style>
+          <a:lnRef idx="2">
+            <a:schemeClr val="accent6"/>
+          </a:lnRef>
+          <a:fillRef idx="1">
+            <a:schemeClr val="lt1"/>
+          </a:fillRef>
+          <a:effectRef idx="0">
+            <a:schemeClr val="accent6"/>
+          </a:effectRef>
+          <a:fontRef idx="minor">
+            <a:schemeClr val="dk1"/>
+          </a:fontRef>
+        </p:style>
+        <p:txBody>
+          <a:bodyPr rtlCol="0" anchor="ctr"/>
+          <a:lstStyle/>
+          <a:p>
+            <a:pPr algn="ctr"/>
+            <a:r>
+              <a:rPr lang="en-US" b="1" dirty="0">
+                <a:solidFill>
+                  <a:srgbClr val="0070C0"/>
+                </a:solidFill>
+              </a:rPr>
+              <a:t>Decrypt</a:t>
+            </a:r>
+          </a:p>
+        </p:txBody>
+      </p:sp>
+      <p:cxnSp>
+        <p:nvCxnSpPr>
+          <p:cNvPr id="47" name="Straight Arrow Connector 46">
+            <a:extLst>
+              <a:ext uri="{FF2B5EF4-FFF2-40B4-BE49-F238E27FC236}">
+                <a16:creationId xmlns:a16="http://schemas.microsoft.com/office/drawing/2014/main" id="{E4C80579-B623-B547-BF67-3416AC0330C3}"/>
+              </a:ext>
+            </a:extLst>
+          </p:cNvPr>
+          <p:cNvCxnSpPr>
+            <a:cxnSpLocks/>
+            <a:stCxn id="44" idx="3"/>
+            <a:endCxn id="46" idx="1"/>
+          </p:cNvCxnSpPr>
+          <p:nvPr/>
+        </p:nvCxnSpPr>
+        <p:spPr>
+          <a:xfrm>
+            <a:off x="7752228" y="2036382"/>
+            <a:ext cx="735353" cy="1"/>
+          </a:xfrm>
+          <a:prstGeom prst="straightConnector1">
+            <a:avLst/>
+          </a:prstGeom>
+          <a:ln w="38100">
+            <a:solidFill>
+              <a:schemeClr val="tx1"/>
+            </a:solidFill>
+            <a:tailEnd type="triangle"/>
+          </a:ln>
+        </p:spPr>
+        <p:style>
+          <a:lnRef idx="1">
+            <a:schemeClr val="accent1"/>
+          </a:lnRef>
+          <a:fillRef idx="0">
+            <a:schemeClr val="accent1"/>
+          </a:fillRef>
+          <a:effectRef idx="0">
+            <a:schemeClr val="accent1"/>
+          </a:effectRef>
+          <a:fontRef idx="minor">
+            <a:schemeClr val="tx1"/>
+          </a:fontRef>
+        </p:style>
+      </p:cxnSp>
+      <p:cxnSp>
+        <p:nvCxnSpPr>
+          <p:cNvPr id="48" name="Straight Arrow Connector 47">
+            <a:extLst>
+              <a:ext uri="{FF2B5EF4-FFF2-40B4-BE49-F238E27FC236}">
+                <a16:creationId xmlns:a16="http://schemas.microsoft.com/office/drawing/2014/main" id="{1579FFAB-B6CE-4F4C-A3E4-6BEA101EC2DF}"/>
+              </a:ext>
+            </a:extLst>
+          </p:cNvPr>
+          <p:cNvCxnSpPr>
+            <a:cxnSpLocks/>
+            <a:stCxn id="46" idx="3"/>
+            <a:endCxn id="45" idx="1"/>
+          </p:cNvCxnSpPr>
+          <p:nvPr/>
+        </p:nvCxnSpPr>
+        <p:spPr>
+          <a:xfrm flipV="1">
+            <a:off x="9625200" y="2036381"/>
+            <a:ext cx="735352" cy="2"/>
+          </a:xfrm>
+          <a:prstGeom prst="straightConnector1">
+            <a:avLst/>
+          </a:prstGeom>
+          <a:ln w="38100">
+            <a:solidFill>
+              <a:schemeClr val="tx1"/>
+            </a:solidFill>
+            <a:tailEnd type="triangle"/>
+          </a:ln>
+        </p:spPr>
+        <p:style>
+          <a:lnRef idx="1">
+            <a:schemeClr val="accent1"/>
+          </a:lnRef>
+          <a:fillRef idx="0">
+            <a:schemeClr val="accent1"/>
+          </a:fillRef>
+          <a:effectRef idx="0">
+            <a:schemeClr val="accent1"/>
+          </a:effectRef>
+          <a:fontRef idx="minor">
+            <a:schemeClr val="tx1"/>
+          </a:fontRef>
+        </p:style>
+      </p:cxnSp>
+      <p:cxnSp>
+        <p:nvCxnSpPr>
+          <p:cNvPr id="49" name="Straight Arrow Connector 48">
+            <a:extLst>
+              <a:ext uri="{FF2B5EF4-FFF2-40B4-BE49-F238E27FC236}">
+                <a16:creationId xmlns:a16="http://schemas.microsoft.com/office/drawing/2014/main" id="{6837B4EE-A5E3-E941-8C2F-8E2C6BE84DC8}"/>
+              </a:ext>
+            </a:extLst>
+          </p:cNvPr>
+          <p:cNvCxnSpPr>
+            <a:cxnSpLocks/>
+            <a:endCxn id="46" idx="0"/>
+          </p:cNvCxnSpPr>
+          <p:nvPr/>
+        </p:nvCxnSpPr>
+        <p:spPr>
+          <a:xfrm>
+            <a:off x="9056391" y="1025611"/>
+            <a:ext cx="0" cy="640069"/>
+          </a:xfrm>
+          <a:prstGeom prst="straightConnector1">
+            <a:avLst/>
+          </a:prstGeom>
+          <a:ln w="38100">
+            <a:solidFill>
+              <a:schemeClr val="tx1"/>
+            </a:solidFill>
+            <a:tailEnd type="triangle"/>
+          </a:ln>
+        </p:spPr>
+        <p:style>
+          <a:lnRef idx="1">
+            <a:schemeClr val="accent1"/>
+          </a:lnRef>
+          <a:fillRef idx="0">
+            <a:schemeClr val="accent1"/>
+          </a:fillRef>
+          <a:effectRef idx="0">
+            <a:schemeClr val="accent1"/>
+          </a:effectRef>
+          <a:fontRef idx="minor">
+            <a:schemeClr val="tx1"/>
+          </a:fontRef>
+        </p:style>
+      </p:cxnSp>
+      <p:pic>
+        <p:nvPicPr>
+          <p:cNvPr id="56" name="Picture 55">
+            <a:extLst>
+              <a:ext uri="{FF2B5EF4-FFF2-40B4-BE49-F238E27FC236}">
+                <a16:creationId xmlns:a16="http://schemas.microsoft.com/office/drawing/2014/main" id="{55E79D6B-B874-2B40-8402-DEDF87536C89}"/>
+              </a:ext>
+            </a:extLst>
+          </p:cNvPr>
+          <p:cNvPicPr>
+            <a:picLocks noChangeAspect="1"/>
+          </p:cNvPicPr>
+          <p:nvPr/>
+        </p:nvPicPr>
+        <p:blipFill>
+          <a:blip r:embed="rId2"/>
+          <a:stretch>
+            <a:fillRect/>
+          </a:stretch>
+        </p:blipFill>
+        <p:spPr>
+          <a:xfrm rot="5400000">
+            <a:off x="8708429" y="450510"/>
+            <a:ext cx="695926" cy="347963"/>
+          </a:xfrm>
+          <a:prstGeom prst="rect">
+            <a:avLst/>
+          </a:prstGeom>
+        </p:spPr>
+      </p:pic>
+      <p:sp>
+        <p:nvSpPr>
+          <p:cNvPr id="57" name="TextBox 56">
+            <a:extLst>
+              <a:ext uri="{FF2B5EF4-FFF2-40B4-BE49-F238E27FC236}">
+                <a16:creationId xmlns:a16="http://schemas.microsoft.com/office/drawing/2014/main" id="{87B92294-2B8B-3044-8255-F4C56361E5DA}"/>
+              </a:ext>
+            </a:extLst>
+          </p:cNvPr>
+          <p:cNvSpPr txBox="1"/>
+          <p:nvPr/>
+        </p:nvSpPr>
+        <p:spPr>
+          <a:xfrm>
+            <a:off x="7721545" y="445035"/>
+            <a:ext cx="1222579" cy="369332"/>
+          </a:xfrm>
+          <a:prstGeom prst="rect">
+            <a:avLst/>
+          </a:prstGeom>
+          <a:noFill/>
+        </p:spPr>
+        <p:txBody>
+          <a:bodyPr wrap="none" rtlCol="0">
+            <a:spAutoFit/>
+          </a:bodyPr>
+          <a:lstStyle/>
+          <a:p>
+            <a:r>
+              <a:rPr lang="en-US" dirty="0"/>
+              <a:t>Private Key</a:t>
+            </a:r>
+          </a:p>
+        </p:txBody>
+      </p:sp>
+      <p:pic>
+        <p:nvPicPr>
+          <p:cNvPr id="23" name="Picture 22">
+            <a:extLst>
+              <a:ext uri="{FF2B5EF4-FFF2-40B4-BE49-F238E27FC236}">
+                <a16:creationId xmlns:a16="http://schemas.microsoft.com/office/drawing/2014/main" id="{6CEBCD1A-F122-8E4C-9BF3-C9A18DD3A326}"/>
+              </a:ext>
+            </a:extLst>
+          </p:cNvPr>
+          <p:cNvPicPr>
+            <a:picLocks noChangeAspect="1"/>
+          </p:cNvPicPr>
+          <p:nvPr/>
+        </p:nvPicPr>
+        <p:blipFill>
+          <a:blip r:embed="rId6"/>
+          <a:stretch>
+            <a:fillRect/>
+          </a:stretch>
+        </p:blipFill>
+        <p:spPr>
+          <a:xfrm>
+            <a:off x="9056388" y="2232808"/>
+            <a:ext cx="815111" cy="544978"/>
+          </a:xfrm>
+          <a:prstGeom prst="rect">
+            <a:avLst/>
+          </a:prstGeom>
+        </p:spPr>
+      </p:pic>
+      <p:pic>
+        <p:nvPicPr>
+          <p:cNvPr id="59" name="Picture 58">
+            <a:extLst>
+              <a:ext uri="{FF2B5EF4-FFF2-40B4-BE49-F238E27FC236}">
+                <a16:creationId xmlns:a16="http://schemas.microsoft.com/office/drawing/2014/main" id="{6CAB6B10-3173-DF46-AAFA-1C3521066EBB}"/>
+              </a:ext>
+            </a:extLst>
+          </p:cNvPr>
+          <p:cNvPicPr>
+            <a:picLocks noChangeAspect="1"/>
+          </p:cNvPicPr>
+          <p:nvPr/>
+        </p:nvPicPr>
+        <p:blipFill>
+          <a:blip r:embed="rId7"/>
+          <a:stretch>
+            <a:fillRect/>
+          </a:stretch>
+        </p:blipFill>
+        <p:spPr>
+          <a:xfrm>
+            <a:off x="2847919" y="2173615"/>
+            <a:ext cx="731995" cy="731995"/>
+          </a:xfrm>
+          <a:prstGeom prst="rect">
+            <a:avLst/>
+          </a:prstGeom>
+        </p:spPr>
+      </p:pic>
+      <p:sp>
+        <p:nvSpPr>
+          <p:cNvPr id="60" name="TextBox 59">
+            <a:extLst>
+              <a:ext uri="{FF2B5EF4-FFF2-40B4-BE49-F238E27FC236}">
+                <a16:creationId xmlns:a16="http://schemas.microsoft.com/office/drawing/2014/main" id="{AE813D6A-3E90-3A4B-BCFE-F4AA49F4F996}"/>
+              </a:ext>
+            </a:extLst>
+          </p:cNvPr>
+          <p:cNvSpPr txBox="1"/>
+          <p:nvPr/>
+        </p:nvSpPr>
+        <p:spPr>
+          <a:xfrm>
+            <a:off x="379979" y="3012593"/>
+            <a:ext cx="4846963" cy="646331"/>
+          </a:xfrm>
+          <a:prstGeom prst="rect">
+            <a:avLst/>
+          </a:prstGeom>
+          <a:noFill/>
+        </p:spPr>
+        <p:txBody>
+          <a:bodyPr wrap="square" rtlCol="0">
+            <a:spAutoFit/>
+          </a:bodyPr>
+          <a:lstStyle/>
+          <a:p>
+            <a:r>
+              <a:rPr lang="en-US" dirty="0"/>
+              <a:t>Anyone can encrypt information only with public key without knowing private key!</a:t>
+            </a:r>
+          </a:p>
+        </p:txBody>
+      </p:sp>
+      <p:sp>
+        <p:nvSpPr>
+          <p:cNvPr id="61" name="TextBox 60">
+            <a:extLst>
+              <a:ext uri="{FF2B5EF4-FFF2-40B4-BE49-F238E27FC236}">
+                <a16:creationId xmlns:a16="http://schemas.microsoft.com/office/drawing/2014/main" id="{A615D119-EFB6-EF4A-9FE6-710056C44BB2}"/>
+              </a:ext>
+            </a:extLst>
+          </p:cNvPr>
+          <p:cNvSpPr txBox="1"/>
+          <p:nvPr/>
+        </p:nvSpPr>
+        <p:spPr>
+          <a:xfrm>
+            <a:off x="6632906" y="3012592"/>
+            <a:ext cx="4846963" cy="646331"/>
+          </a:xfrm>
+          <a:prstGeom prst="rect">
+            <a:avLst/>
+          </a:prstGeom>
+          <a:noFill/>
+        </p:spPr>
+        <p:txBody>
+          <a:bodyPr wrap="square" rtlCol="0">
+            <a:spAutoFit/>
+          </a:bodyPr>
+          <a:lstStyle/>
+          <a:p>
+            <a:r>
+              <a:rPr lang="en-US" dirty="0"/>
+              <a:t>Only the private key owner can decrypt the information encrypted under its paired public key.</a:t>
+            </a:r>
+          </a:p>
+        </p:txBody>
+      </p:sp>
+    </p:spTree>
+    <p:extLst>
+      <p:ext uri="{BB962C8B-B14F-4D97-AF65-F5344CB8AC3E}">
+        <p14:creationId xmlns:p14="http://schemas.microsoft.com/office/powerpoint/2010/main" val="2645326183"/>
+      </p:ext>
+    </p:extLst>
+  </p:cSld>
+  <p:clrMapOvr>
+    <a:masterClrMapping/>
+  </p:clrMapOvr>
+</p:sld>
+</file>
+
+<file path=ppt/slides/slide25.xml><?xml version="1.0" encoding="utf-8"?>
+<p:sld xmlns:a="http://schemas.openxmlformats.org/drawingml/2006/main" xmlns:r="http://schemas.openxmlformats.org/officeDocument/2006/relationships" xmlns:p="http://schemas.openxmlformats.org/presentationml/2006/main">
+  <p:cSld>
+    <p:spTree>
+      <p:nvGrpSpPr>
+        <p:cNvPr id="1" name=""/>
+        <p:cNvGrpSpPr/>
+        <p:nvPr/>
+      </p:nvGrpSpPr>
+      <p:grpSpPr>
+        <a:xfrm>
+          <a:off x="0" y="0"/>
+          <a:ext cx="0" cy="0"/>
+          <a:chOff x="0" y="0"/>
+          <a:chExt cx="0" cy="0"/>
+        </a:xfrm>
+      </p:grpSpPr>
+      <p:pic>
+        <p:nvPicPr>
+          <p:cNvPr id="4" name="Picture 3">
+            <a:extLst>
+              <a:ext uri="{FF2B5EF4-FFF2-40B4-BE49-F238E27FC236}">
+                <a16:creationId xmlns:a16="http://schemas.microsoft.com/office/drawing/2014/main" id="{94DB395E-90A2-804F-8735-2EE9672C0654}"/>
+              </a:ext>
+            </a:extLst>
+          </p:cNvPr>
+          <p:cNvPicPr>
+            <a:picLocks noChangeAspect="1"/>
+          </p:cNvPicPr>
+          <p:nvPr/>
+        </p:nvPicPr>
+        <p:blipFill>
+          <a:blip r:embed="rId2"/>
+          <a:stretch>
+            <a:fillRect/>
+          </a:stretch>
+        </p:blipFill>
+        <p:spPr>
+          <a:xfrm rot="5400000">
+            <a:off x="7980150" y="6207514"/>
+            <a:ext cx="695926" cy="347963"/>
+          </a:xfrm>
+          <a:prstGeom prst="rect">
+            <a:avLst/>
+          </a:prstGeom>
+        </p:spPr>
+      </p:pic>
+      <p:pic>
+        <p:nvPicPr>
+          <p:cNvPr id="5" name="Picture 4">
+            <a:extLst>
+              <a:ext uri="{FF2B5EF4-FFF2-40B4-BE49-F238E27FC236}">
+                <a16:creationId xmlns:a16="http://schemas.microsoft.com/office/drawing/2014/main" id="{0309AEC0-4D77-BF46-A3CE-DA98C1A25DE0}"/>
+              </a:ext>
+            </a:extLst>
+          </p:cNvPr>
+          <p:cNvPicPr>
+            <a:picLocks noChangeAspect="1"/>
+          </p:cNvPicPr>
+          <p:nvPr/>
+        </p:nvPicPr>
+        <p:blipFill>
+          <a:blip r:embed="rId3"/>
+          <a:stretch>
+            <a:fillRect/>
+          </a:stretch>
+        </p:blipFill>
+        <p:spPr>
+          <a:xfrm>
+            <a:off x="11477096" y="6033532"/>
+            <a:ext cx="219766" cy="695926"/>
+          </a:xfrm>
+          <a:prstGeom prst="rect">
+            <a:avLst/>
+          </a:prstGeom>
+        </p:spPr>
+      </p:pic>
+      <p:sp>
+        <p:nvSpPr>
+          <p:cNvPr id="6" name="TextBox 5">
+            <a:extLst>
+              <a:ext uri="{FF2B5EF4-FFF2-40B4-BE49-F238E27FC236}">
+                <a16:creationId xmlns:a16="http://schemas.microsoft.com/office/drawing/2014/main" id="{7126ED22-6B06-8949-AC52-74399E6A0A69}"/>
+              </a:ext>
+            </a:extLst>
+          </p:cNvPr>
+          <p:cNvSpPr txBox="1"/>
+          <p:nvPr/>
+        </p:nvSpPr>
+        <p:spPr>
+          <a:xfrm>
+            <a:off x="10185874" y="6243597"/>
+            <a:ext cx="1137619" cy="369332"/>
+          </a:xfrm>
+          <a:prstGeom prst="rect">
+            <a:avLst/>
+          </a:prstGeom>
+          <a:noFill/>
+        </p:spPr>
+        <p:txBody>
+          <a:bodyPr wrap="square" rtlCol="0">
+            <a:spAutoFit/>
+          </a:bodyPr>
+          <a:lstStyle/>
+          <a:p>
+            <a:r>
+              <a:rPr lang="en-US" dirty="0">
+                <a:solidFill>
+                  <a:srgbClr val="0070C0"/>
+                </a:solidFill>
+              </a:rPr>
+              <a:t>Public Key</a:t>
+            </a:r>
+          </a:p>
+        </p:txBody>
+      </p:sp>
+      <p:sp>
+        <p:nvSpPr>
+          <p:cNvPr id="7" name="TextBox 6">
+            <a:extLst>
+              <a:ext uri="{FF2B5EF4-FFF2-40B4-BE49-F238E27FC236}">
+                <a16:creationId xmlns:a16="http://schemas.microsoft.com/office/drawing/2014/main" id="{67535A06-1986-774C-8FC7-C4C93AC8758A}"/>
+              </a:ext>
+            </a:extLst>
+          </p:cNvPr>
+          <p:cNvSpPr txBox="1"/>
+          <p:nvPr/>
+        </p:nvSpPr>
+        <p:spPr>
+          <a:xfrm>
+            <a:off x="6884528" y="6196829"/>
+            <a:ext cx="1222579" cy="369332"/>
+          </a:xfrm>
+          <a:prstGeom prst="rect">
+            <a:avLst/>
+          </a:prstGeom>
+          <a:noFill/>
+        </p:spPr>
+        <p:txBody>
+          <a:bodyPr wrap="square" rtlCol="0">
+            <a:spAutoFit/>
+          </a:bodyPr>
+          <a:lstStyle/>
+          <a:p>
+            <a:r>
+              <a:rPr lang="en-US" dirty="0">
+                <a:solidFill>
+                  <a:srgbClr val="0070C0"/>
+                </a:solidFill>
+              </a:rPr>
+              <a:t>Private Key</a:t>
+            </a:r>
+          </a:p>
+        </p:txBody>
+      </p:sp>
+      <p:sp>
+        <p:nvSpPr>
+          <p:cNvPr id="8" name="Up-Down Arrow 7">
+            <a:extLst>
+              <a:ext uri="{FF2B5EF4-FFF2-40B4-BE49-F238E27FC236}">
+                <a16:creationId xmlns:a16="http://schemas.microsoft.com/office/drawing/2014/main" id="{AEACC31C-114E-A342-9CF6-BA8603CA6968}"/>
+              </a:ext>
+            </a:extLst>
+          </p:cNvPr>
+          <p:cNvSpPr/>
+          <p:nvPr/>
+        </p:nvSpPr>
+        <p:spPr>
+          <a:xfrm rot="5400000">
+            <a:off x="9169522" y="5810530"/>
+            <a:ext cx="484632" cy="1216152"/>
+          </a:xfrm>
+          <a:prstGeom prst="upDownArrow">
+            <a:avLst/>
+          </a:prstGeom>
+        </p:spPr>
+        <p:style>
+          <a:lnRef idx="2">
+            <a:schemeClr val="accent1">
+              <a:shade val="50000"/>
+            </a:schemeClr>
+          </a:lnRef>
+          <a:fillRef idx="1">
+            <a:schemeClr val="accent1"/>
+          </a:fillRef>
+          <a:effectRef idx="0">
+            <a:schemeClr val="accent1"/>
+          </a:effectRef>
+          <a:fontRef idx="minor">
+            <a:schemeClr val="lt1"/>
+          </a:fontRef>
+        </p:style>
+        <p:txBody>
+          <a:bodyPr rtlCol="0" anchor="ctr"/>
+          <a:lstStyle/>
+          <a:p>
+            <a:pPr algn="ctr"/>
+            <a:endParaRPr lang="en-US"/>
+          </a:p>
+        </p:txBody>
+      </p:sp>
+      <p:sp>
+        <p:nvSpPr>
+          <p:cNvPr id="9" name="TextBox 8">
+            <a:extLst>
+              <a:ext uri="{FF2B5EF4-FFF2-40B4-BE49-F238E27FC236}">
+                <a16:creationId xmlns:a16="http://schemas.microsoft.com/office/drawing/2014/main" id="{9F40932D-137F-094E-BD9F-3CC41D5BF4A3}"/>
+              </a:ext>
+            </a:extLst>
+          </p:cNvPr>
+          <p:cNvSpPr txBox="1"/>
+          <p:nvPr/>
+        </p:nvSpPr>
+        <p:spPr>
+          <a:xfrm>
+            <a:off x="9122069" y="6233940"/>
+            <a:ext cx="542008" cy="369332"/>
+          </a:xfrm>
+          <a:prstGeom prst="rect">
+            <a:avLst/>
+          </a:prstGeom>
+          <a:solidFill>
+            <a:schemeClr val="bg1"/>
+          </a:solidFill>
+        </p:spPr>
+        <p:txBody>
+          <a:bodyPr wrap="square" rtlCol="0">
+            <a:spAutoFit/>
+          </a:bodyPr>
+          <a:lstStyle/>
+          <a:p>
+            <a:r>
+              <a:rPr lang="en-US" dirty="0"/>
+              <a:t>Pair</a:t>
+            </a:r>
+          </a:p>
+        </p:txBody>
+      </p:sp>
+      <p:sp>
+        <p:nvSpPr>
+          <p:cNvPr id="10" name="Rounded Rectangle 9">
+            <a:extLst>
+              <a:ext uri="{FF2B5EF4-FFF2-40B4-BE49-F238E27FC236}">
+                <a16:creationId xmlns:a16="http://schemas.microsoft.com/office/drawing/2014/main" id="{6D1C3B2B-D7F5-D649-BC1A-BBD83E7765A7}"/>
+              </a:ext>
+            </a:extLst>
+          </p:cNvPr>
+          <p:cNvSpPr/>
+          <p:nvPr/>
+        </p:nvSpPr>
+        <p:spPr>
+          <a:xfrm>
+            <a:off x="7696682" y="736625"/>
+            <a:ext cx="1137619" cy="1338598"/>
+          </a:xfrm>
+          <a:prstGeom prst="roundRect">
+            <a:avLst/>
+          </a:prstGeom>
+          <a:ln w="38100">
+            <a:solidFill>
+              <a:schemeClr val="tx1"/>
+            </a:solidFill>
+          </a:ln>
+        </p:spPr>
+        <p:style>
+          <a:lnRef idx="2">
+            <a:schemeClr val="accent2"/>
+          </a:lnRef>
+          <a:fillRef idx="1">
+            <a:schemeClr val="lt1"/>
+          </a:fillRef>
+          <a:effectRef idx="0">
+            <a:schemeClr val="accent2"/>
+          </a:effectRef>
+          <a:fontRef idx="minor">
+            <a:schemeClr val="dk1"/>
+          </a:fontRef>
+        </p:style>
+        <p:txBody>
+          <a:bodyPr rtlCol="0" anchor="ctr"/>
+          <a:lstStyle/>
+          <a:p>
+            <a:pPr algn="ctr"/>
+            <a:r>
+              <a:rPr lang="en-US" b="1" dirty="0">
+                <a:solidFill>
+                  <a:srgbClr val="FF0000"/>
+                </a:solidFill>
+              </a:rPr>
+              <a:t>ECDH</a:t>
+            </a:r>
+          </a:p>
+        </p:txBody>
+      </p:sp>
+      <p:sp>
+        <p:nvSpPr>
+          <p:cNvPr id="11" name="Rounded Rectangle 10">
+            <a:extLst>
+              <a:ext uri="{FF2B5EF4-FFF2-40B4-BE49-F238E27FC236}">
+                <a16:creationId xmlns:a16="http://schemas.microsoft.com/office/drawing/2014/main" id="{A7110DDE-2D16-9443-93B0-DC30E2699CD4}"/>
+              </a:ext>
+            </a:extLst>
+          </p:cNvPr>
+          <p:cNvSpPr/>
+          <p:nvPr/>
+        </p:nvSpPr>
+        <p:spPr>
+          <a:xfrm>
+            <a:off x="196849" y="1797215"/>
+            <a:ext cx="1544594" cy="1322169"/>
+          </a:xfrm>
+          <a:prstGeom prst="roundRect">
+            <a:avLst/>
+          </a:prstGeom>
+          <a:solidFill>
+            <a:schemeClr val="bg1"/>
+          </a:solidFill>
+          <a:ln w="38100">
+            <a:solidFill>
+              <a:schemeClr val="tx1"/>
+            </a:solidFill>
+          </a:ln>
+        </p:spPr>
+        <p:style>
+          <a:lnRef idx="2">
+            <a:schemeClr val="accent1">
+              <a:shade val="50000"/>
+            </a:schemeClr>
+          </a:lnRef>
+          <a:fillRef idx="1">
+            <a:schemeClr val="accent1"/>
+          </a:fillRef>
+          <a:effectRef idx="0">
+            <a:schemeClr val="accent1"/>
+          </a:effectRef>
+          <a:fontRef idx="minor">
+            <a:schemeClr val="lt1"/>
+          </a:fontRef>
+        </p:style>
+        <p:txBody>
+          <a:bodyPr rtlCol="0" anchor="ctr"/>
+          <a:lstStyle/>
+          <a:p>
+            <a:pPr algn="ctr"/>
+            <a:r>
+              <a:rPr lang="en-US" b="1" dirty="0">
+                <a:solidFill>
+                  <a:srgbClr val="FF0000"/>
+                </a:solidFill>
+              </a:rPr>
+              <a:t>ECC Key Pair Generation</a:t>
+            </a:r>
+          </a:p>
+        </p:txBody>
+      </p:sp>
+      <p:cxnSp>
+        <p:nvCxnSpPr>
+          <p:cNvPr id="13" name="Straight Arrow Connector 12">
+            <a:extLst>
+              <a:ext uri="{FF2B5EF4-FFF2-40B4-BE49-F238E27FC236}">
+                <a16:creationId xmlns:a16="http://schemas.microsoft.com/office/drawing/2014/main" id="{6851EEF5-8FA9-544A-A5D1-24A50D1F61C0}"/>
+              </a:ext>
+            </a:extLst>
+          </p:cNvPr>
+          <p:cNvCxnSpPr/>
+          <p:nvPr/>
+        </p:nvCxnSpPr>
+        <p:spPr>
+          <a:xfrm>
+            <a:off x="1741443" y="2106130"/>
+            <a:ext cx="1335389" cy="0"/>
+          </a:xfrm>
+          <a:prstGeom prst="straightConnector1">
+            <a:avLst/>
+          </a:prstGeom>
+          <a:ln w="38100">
+            <a:solidFill>
+              <a:schemeClr val="tx1"/>
+            </a:solidFill>
+            <a:tailEnd type="triangle"/>
+          </a:ln>
+        </p:spPr>
+        <p:style>
+          <a:lnRef idx="1">
+            <a:schemeClr val="accent1"/>
+          </a:lnRef>
+          <a:fillRef idx="0">
+            <a:schemeClr val="accent1"/>
+          </a:fillRef>
+          <a:effectRef idx="0">
+            <a:schemeClr val="accent1"/>
+          </a:effectRef>
+          <a:fontRef idx="minor">
+            <a:schemeClr val="tx1"/>
+          </a:fontRef>
+        </p:style>
+      </p:cxnSp>
+      <p:cxnSp>
+        <p:nvCxnSpPr>
+          <p:cNvPr id="14" name="Straight Arrow Connector 13">
+            <a:extLst>
+              <a:ext uri="{FF2B5EF4-FFF2-40B4-BE49-F238E27FC236}">
+                <a16:creationId xmlns:a16="http://schemas.microsoft.com/office/drawing/2014/main" id="{8D6D2832-0C4F-CD43-AFA6-1F4C3AB8F0C1}"/>
+              </a:ext>
+            </a:extLst>
+          </p:cNvPr>
+          <p:cNvCxnSpPr/>
+          <p:nvPr/>
+        </p:nvCxnSpPr>
+        <p:spPr>
+          <a:xfrm>
+            <a:off x="1741443" y="2888725"/>
+            <a:ext cx="1335389" cy="0"/>
+          </a:xfrm>
+          <a:prstGeom prst="straightConnector1">
+            <a:avLst/>
+          </a:prstGeom>
+          <a:ln w="38100">
+            <a:solidFill>
+              <a:schemeClr val="tx1"/>
+            </a:solidFill>
+            <a:tailEnd type="triangle"/>
+          </a:ln>
+        </p:spPr>
+        <p:style>
+          <a:lnRef idx="1">
+            <a:schemeClr val="accent1"/>
+          </a:lnRef>
+          <a:fillRef idx="0">
+            <a:schemeClr val="accent1"/>
+          </a:fillRef>
+          <a:effectRef idx="0">
+            <a:schemeClr val="accent1"/>
+          </a:effectRef>
+          <a:fontRef idx="minor">
+            <a:schemeClr val="tx1"/>
+          </a:fontRef>
+        </p:style>
+      </p:cxnSp>
+      <p:pic>
+        <p:nvPicPr>
+          <p:cNvPr id="15" name="Picture 14">
+            <a:extLst>
+              <a:ext uri="{FF2B5EF4-FFF2-40B4-BE49-F238E27FC236}">
+                <a16:creationId xmlns:a16="http://schemas.microsoft.com/office/drawing/2014/main" id="{5F632189-2B99-2F45-B2A5-AF275680F6EF}"/>
+              </a:ext>
+            </a:extLst>
+          </p:cNvPr>
+          <p:cNvPicPr>
+            <a:picLocks noChangeAspect="1"/>
+          </p:cNvPicPr>
+          <p:nvPr/>
+        </p:nvPicPr>
+        <p:blipFill>
+          <a:blip r:embed="rId3"/>
+          <a:stretch>
+            <a:fillRect/>
+          </a:stretch>
+        </p:blipFill>
+        <p:spPr>
+          <a:xfrm>
+            <a:off x="6629440" y="747234"/>
+            <a:ext cx="219766" cy="695926"/>
+          </a:xfrm>
+          <a:prstGeom prst="rect">
+            <a:avLst/>
+          </a:prstGeom>
+        </p:spPr>
+      </p:pic>
+      <p:sp>
+        <p:nvSpPr>
+          <p:cNvPr id="16" name="TextBox 15">
+            <a:extLst>
+              <a:ext uri="{FF2B5EF4-FFF2-40B4-BE49-F238E27FC236}">
+                <a16:creationId xmlns:a16="http://schemas.microsoft.com/office/drawing/2014/main" id="{5091ED66-25AA-8348-81E6-AF5E380FF0C9}"/>
+              </a:ext>
+            </a:extLst>
+          </p:cNvPr>
+          <p:cNvSpPr txBox="1"/>
+          <p:nvPr/>
+        </p:nvSpPr>
+        <p:spPr>
+          <a:xfrm>
+            <a:off x="5601704" y="905801"/>
+            <a:ext cx="1137619" cy="369332"/>
+          </a:xfrm>
+          <a:prstGeom prst="rect">
+            <a:avLst/>
+          </a:prstGeom>
+          <a:noFill/>
+        </p:spPr>
+        <p:txBody>
+          <a:bodyPr wrap="square" rtlCol="0">
+            <a:spAutoFit/>
+          </a:bodyPr>
+          <a:lstStyle/>
+          <a:p>
+            <a:r>
+              <a:rPr lang="en-US" dirty="0">
+                <a:solidFill>
+                  <a:srgbClr val="0070C0"/>
+                </a:solidFill>
+              </a:rPr>
+              <a:t>Public Key</a:t>
+            </a:r>
+          </a:p>
+        </p:txBody>
+      </p:sp>
+      <p:cxnSp>
+        <p:nvCxnSpPr>
+          <p:cNvPr id="17" name="Straight Arrow Connector 16">
+            <a:extLst>
+              <a:ext uri="{FF2B5EF4-FFF2-40B4-BE49-F238E27FC236}">
+                <a16:creationId xmlns:a16="http://schemas.microsoft.com/office/drawing/2014/main" id="{2A720EA4-D1DA-6C44-AA5B-D3014E1E0E3F}"/>
+              </a:ext>
+            </a:extLst>
+          </p:cNvPr>
+          <p:cNvCxnSpPr>
+            <a:cxnSpLocks/>
+          </p:cNvCxnSpPr>
+          <p:nvPr/>
+        </p:nvCxnSpPr>
+        <p:spPr>
+          <a:xfrm>
+            <a:off x="6851682" y="1071219"/>
+            <a:ext cx="827622" cy="0"/>
+          </a:xfrm>
+          <a:prstGeom prst="straightConnector1">
+            <a:avLst/>
+          </a:prstGeom>
+          <a:ln w="38100">
+            <a:solidFill>
+              <a:schemeClr val="tx1"/>
+            </a:solidFill>
+            <a:tailEnd type="triangle"/>
+          </a:ln>
+        </p:spPr>
+        <p:style>
+          <a:lnRef idx="1">
+            <a:schemeClr val="accent1"/>
+          </a:lnRef>
+          <a:fillRef idx="0">
+            <a:schemeClr val="accent1"/>
+          </a:fillRef>
+          <a:effectRef idx="0">
+            <a:schemeClr val="accent1"/>
+          </a:effectRef>
+          <a:fontRef idx="minor">
+            <a:schemeClr val="tx1"/>
+          </a:fontRef>
+        </p:style>
+      </p:cxnSp>
+      <p:cxnSp>
+        <p:nvCxnSpPr>
+          <p:cNvPr id="20" name="Straight Arrow Connector 19">
+            <a:extLst>
+              <a:ext uri="{FF2B5EF4-FFF2-40B4-BE49-F238E27FC236}">
+                <a16:creationId xmlns:a16="http://schemas.microsoft.com/office/drawing/2014/main" id="{A9186C6D-8F24-0B49-9DC8-F71E15EAD57A}"/>
+              </a:ext>
+            </a:extLst>
+          </p:cNvPr>
+          <p:cNvCxnSpPr>
+            <a:cxnSpLocks/>
+            <a:stCxn id="10" idx="3"/>
+            <a:endCxn id="23" idx="1"/>
+          </p:cNvCxnSpPr>
+          <p:nvPr/>
+        </p:nvCxnSpPr>
+        <p:spPr>
+          <a:xfrm>
+            <a:off x="8834301" y="1405924"/>
+            <a:ext cx="447450" cy="0"/>
+          </a:xfrm>
+          <a:prstGeom prst="straightConnector1">
+            <a:avLst/>
+          </a:prstGeom>
+          <a:ln w="38100">
+            <a:solidFill>
+              <a:schemeClr val="tx1"/>
+            </a:solidFill>
+            <a:tailEnd type="triangle"/>
+          </a:ln>
+        </p:spPr>
+        <p:style>
+          <a:lnRef idx="1">
+            <a:schemeClr val="accent1"/>
+          </a:lnRef>
+          <a:fillRef idx="0">
+            <a:schemeClr val="accent1"/>
+          </a:fillRef>
+          <a:effectRef idx="0">
+            <a:schemeClr val="accent1"/>
+          </a:effectRef>
+          <a:fontRef idx="minor">
+            <a:schemeClr val="tx1"/>
+          </a:fontRef>
+        </p:style>
+      </p:cxnSp>
+      <p:sp>
+        <p:nvSpPr>
+          <p:cNvPr id="23" name="TextBox 22">
+            <a:extLst>
+              <a:ext uri="{FF2B5EF4-FFF2-40B4-BE49-F238E27FC236}">
+                <a16:creationId xmlns:a16="http://schemas.microsoft.com/office/drawing/2014/main" id="{E9C972A9-69B8-D14C-87C6-737314377E67}"/>
+              </a:ext>
+            </a:extLst>
+          </p:cNvPr>
+          <p:cNvSpPr txBox="1"/>
+          <p:nvPr/>
+        </p:nvSpPr>
+        <p:spPr>
+          <a:xfrm>
+            <a:off x="9281751" y="1221258"/>
+            <a:ext cx="2195345" cy="369332"/>
+          </a:xfrm>
+          <a:prstGeom prst="rect">
+            <a:avLst/>
+          </a:prstGeom>
+          <a:noFill/>
+        </p:spPr>
+        <p:txBody>
+          <a:bodyPr wrap="none" rtlCol="0">
+            <a:spAutoFit/>
+          </a:bodyPr>
+          <a:lstStyle/>
+          <a:p>
+            <a:r>
+              <a:rPr lang="en-US" dirty="0">
+                <a:solidFill>
+                  <a:srgbClr val="FF0000"/>
+                </a:solidFill>
+              </a:rPr>
+              <a:t>Shared Master Secret</a:t>
+            </a:r>
+          </a:p>
+        </p:txBody>
+      </p:sp>
+      <p:pic>
+        <p:nvPicPr>
+          <p:cNvPr id="27" name="Picture 26">
+            <a:extLst>
+              <a:ext uri="{FF2B5EF4-FFF2-40B4-BE49-F238E27FC236}">
+                <a16:creationId xmlns:a16="http://schemas.microsoft.com/office/drawing/2014/main" id="{077191BD-9E1F-DD45-B07B-7D00D4A76A33}"/>
+              </a:ext>
+            </a:extLst>
+          </p:cNvPr>
+          <p:cNvPicPr>
+            <a:picLocks noChangeAspect="1"/>
+          </p:cNvPicPr>
+          <p:nvPr/>
+        </p:nvPicPr>
+        <p:blipFill>
+          <a:blip r:embed="rId4"/>
+          <a:stretch>
+            <a:fillRect/>
+          </a:stretch>
+        </p:blipFill>
+        <p:spPr>
+          <a:xfrm>
+            <a:off x="3160016" y="2654298"/>
+            <a:ext cx="567708" cy="567708"/>
+          </a:xfrm>
+          <a:prstGeom prst="rect">
+            <a:avLst/>
+          </a:prstGeom>
+        </p:spPr>
+      </p:pic>
+      <p:pic>
+        <p:nvPicPr>
+          <p:cNvPr id="29" name="Picture 28">
+            <a:extLst>
+              <a:ext uri="{FF2B5EF4-FFF2-40B4-BE49-F238E27FC236}">
+                <a16:creationId xmlns:a16="http://schemas.microsoft.com/office/drawing/2014/main" id="{408A1A20-9D10-0942-A521-F23A846DD227}"/>
+              </a:ext>
+            </a:extLst>
+          </p:cNvPr>
+          <p:cNvPicPr>
+            <a:picLocks noChangeAspect="1"/>
+          </p:cNvPicPr>
+          <p:nvPr/>
+        </p:nvPicPr>
+        <p:blipFill>
+          <a:blip r:embed="rId5"/>
+          <a:stretch>
+            <a:fillRect/>
+          </a:stretch>
+        </p:blipFill>
+        <p:spPr>
+          <a:xfrm>
+            <a:off x="3199697" y="1850561"/>
+            <a:ext cx="457200" cy="461709"/>
+          </a:xfrm>
+          <a:prstGeom prst="rect">
+            <a:avLst/>
+          </a:prstGeom>
+        </p:spPr>
+      </p:pic>
+      <p:sp>
+        <p:nvSpPr>
+          <p:cNvPr id="30" name="TextBox 29">
+            <a:extLst>
+              <a:ext uri="{FF2B5EF4-FFF2-40B4-BE49-F238E27FC236}">
+                <a16:creationId xmlns:a16="http://schemas.microsoft.com/office/drawing/2014/main" id="{E4B6EA16-B714-0C4F-9C52-B90C14E0D041}"/>
+              </a:ext>
+            </a:extLst>
+          </p:cNvPr>
+          <p:cNvSpPr txBox="1"/>
+          <p:nvPr/>
+        </p:nvSpPr>
+        <p:spPr>
+          <a:xfrm>
+            <a:off x="1741443" y="1758249"/>
+            <a:ext cx="1212522" cy="646331"/>
+          </a:xfrm>
+          <a:prstGeom prst="rect">
+            <a:avLst/>
+          </a:prstGeom>
+          <a:noFill/>
+        </p:spPr>
+        <p:txBody>
+          <a:bodyPr wrap="square" rtlCol="0">
+            <a:spAutoFit/>
+          </a:bodyPr>
+          <a:lstStyle/>
+          <a:p>
+            <a:pPr algn="ctr"/>
+            <a:r>
+              <a:rPr lang="en-US" dirty="0">
+                <a:solidFill>
+                  <a:srgbClr val="FF0000"/>
+                </a:solidFill>
+              </a:rPr>
+              <a:t>Ephemeral Private Key</a:t>
+            </a:r>
+          </a:p>
+        </p:txBody>
+      </p:sp>
+      <p:sp>
+        <p:nvSpPr>
+          <p:cNvPr id="31" name="TextBox 30">
+            <a:extLst>
+              <a:ext uri="{FF2B5EF4-FFF2-40B4-BE49-F238E27FC236}">
+                <a16:creationId xmlns:a16="http://schemas.microsoft.com/office/drawing/2014/main" id="{ABDDBC02-3A86-154B-9343-D518BDD2B2CE}"/>
+              </a:ext>
+            </a:extLst>
+          </p:cNvPr>
+          <p:cNvSpPr txBox="1"/>
+          <p:nvPr/>
+        </p:nvSpPr>
+        <p:spPr>
+          <a:xfrm>
+            <a:off x="1797847" y="2568820"/>
+            <a:ext cx="1212522" cy="646331"/>
+          </a:xfrm>
+          <a:prstGeom prst="rect">
+            <a:avLst/>
+          </a:prstGeom>
+          <a:noFill/>
+        </p:spPr>
+        <p:txBody>
+          <a:bodyPr wrap="square" rtlCol="0">
+            <a:spAutoFit/>
+          </a:bodyPr>
+          <a:lstStyle/>
+          <a:p>
+            <a:r>
+              <a:rPr lang="en-US" dirty="0">
+                <a:solidFill>
+                  <a:srgbClr val="FF0000"/>
+                </a:solidFill>
+              </a:rPr>
+              <a:t>Ephemeral Public Key</a:t>
+            </a:r>
+          </a:p>
+        </p:txBody>
+      </p:sp>
+      <p:sp>
+        <p:nvSpPr>
+          <p:cNvPr id="32" name="Line Callout 2 (Accent Bar) 31">
+            <a:extLst>
+              <a:ext uri="{FF2B5EF4-FFF2-40B4-BE49-F238E27FC236}">
+                <a16:creationId xmlns:a16="http://schemas.microsoft.com/office/drawing/2014/main" id="{635BB0AF-F6DF-F944-8E68-603B90F31EB5}"/>
+              </a:ext>
+            </a:extLst>
+          </p:cNvPr>
+          <p:cNvSpPr/>
+          <p:nvPr/>
+        </p:nvSpPr>
+        <p:spPr>
+          <a:xfrm>
+            <a:off x="2298905" y="983707"/>
+            <a:ext cx="2886035" cy="612648"/>
+          </a:xfrm>
+          <a:prstGeom prst="accentCallout2">
+            <a:avLst>
+              <a:gd name="adj1" fmla="val 18751"/>
+              <a:gd name="adj2" fmla="val -1918"/>
+              <a:gd name="adj3" fmla="val 18750"/>
+              <a:gd name="adj4" fmla="val -6637"/>
+              <a:gd name="adj5" fmla="val 137647"/>
+              <a:gd name="adj6" fmla="val -13471"/>
+            </a:avLst>
+          </a:prstGeom>
+          <a:noFill/>
+          <a:ln>
+            <a:solidFill>
+              <a:schemeClr val="tx1"/>
+            </a:solidFill>
+          </a:ln>
+        </p:spPr>
+        <p:style>
+          <a:lnRef idx="2">
+            <a:schemeClr val="accent1">
+              <a:shade val="50000"/>
+            </a:schemeClr>
+          </a:lnRef>
+          <a:fillRef idx="1">
+            <a:schemeClr val="accent1"/>
+          </a:fillRef>
+          <a:effectRef idx="0">
+            <a:schemeClr val="accent1"/>
+          </a:effectRef>
+          <a:fontRef idx="minor">
+            <a:schemeClr val="lt1"/>
+          </a:fontRef>
+        </p:style>
+        <p:txBody>
+          <a:bodyPr rtlCol="0" anchor="ctr"/>
+          <a:lstStyle/>
+          <a:p>
+            <a:r>
+              <a:rPr lang="en-US" dirty="0">
+                <a:solidFill>
+                  <a:schemeClr val="tx1"/>
+                </a:solidFill>
+              </a:rPr>
+              <a:t>Used at encryption side with destination’s public key</a:t>
+            </a:r>
+          </a:p>
+        </p:txBody>
+      </p:sp>
+      <p:cxnSp>
+        <p:nvCxnSpPr>
+          <p:cNvPr id="39" name="Elbow Connector 38">
+            <a:extLst>
+              <a:ext uri="{FF2B5EF4-FFF2-40B4-BE49-F238E27FC236}">
+                <a16:creationId xmlns:a16="http://schemas.microsoft.com/office/drawing/2014/main" id="{D11DCBC5-5656-B643-8731-CBA030076D59}"/>
+              </a:ext>
+            </a:extLst>
+          </p:cNvPr>
+          <p:cNvCxnSpPr>
+            <a:cxnSpLocks/>
+            <a:stCxn id="29" idx="3"/>
+          </p:cNvCxnSpPr>
+          <p:nvPr/>
+        </p:nvCxnSpPr>
+        <p:spPr>
+          <a:xfrm flipV="1">
+            <a:off x="3656897" y="1712084"/>
+            <a:ext cx="4041082" cy="369332"/>
+          </a:xfrm>
+          <a:prstGeom prst="bentConnector3">
+            <a:avLst/>
+          </a:prstGeom>
+          <a:ln w="38100">
+            <a:solidFill>
+              <a:schemeClr val="tx1"/>
+            </a:solidFill>
+            <a:tailEnd type="triangle"/>
+          </a:ln>
+        </p:spPr>
+        <p:style>
+          <a:lnRef idx="1">
+            <a:schemeClr val="accent1"/>
+          </a:lnRef>
+          <a:fillRef idx="0">
+            <a:schemeClr val="accent1"/>
+          </a:fillRef>
+          <a:effectRef idx="0">
+            <a:schemeClr val="accent1"/>
+          </a:effectRef>
+          <a:fontRef idx="minor">
+            <a:schemeClr val="tx1"/>
+          </a:fontRef>
+        </p:style>
+      </p:cxnSp>
+      <p:sp>
+        <p:nvSpPr>
+          <p:cNvPr id="43" name="Line Callout 2 (Accent Bar) 42">
+            <a:extLst>
+              <a:ext uri="{FF2B5EF4-FFF2-40B4-BE49-F238E27FC236}">
+                <a16:creationId xmlns:a16="http://schemas.microsoft.com/office/drawing/2014/main" id="{C740AE7E-8035-0D42-BC6B-617D9A3C828D}"/>
+              </a:ext>
+            </a:extLst>
+          </p:cNvPr>
+          <p:cNvSpPr/>
+          <p:nvPr/>
+        </p:nvSpPr>
+        <p:spPr>
+          <a:xfrm>
+            <a:off x="2152463" y="3772757"/>
+            <a:ext cx="2912529" cy="737443"/>
+          </a:xfrm>
+          <a:prstGeom prst="accentCallout2">
+            <a:avLst>
+              <a:gd name="adj1" fmla="val 19889"/>
+              <a:gd name="adj2" fmla="val 962"/>
+              <a:gd name="adj3" fmla="val 19888"/>
+              <a:gd name="adj4" fmla="val -2605"/>
+              <a:gd name="adj5" fmla="val -88720"/>
+              <a:gd name="adj6" fmla="val -7567"/>
+            </a:avLst>
+          </a:prstGeom>
+          <a:noFill/>
+          <a:ln>
+            <a:solidFill>
+              <a:schemeClr val="tx1"/>
+            </a:solidFill>
+          </a:ln>
+        </p:spPr>
+        <p:style>
+          <a:lnRef idx="2">
+            <a:schemeClr val="accent1">
+              <a:shade val="50000"/>
+            </a:schemeClr>
+          </a:lnRef>
+          <a:fillRef idx="1">
+            <a:schemeClr val="accent1"/>
+          </a:fillRef>
+          <a:effectRef idx="0">
+            <a:schemeClr val="accent1"/>
+          </a:effectRef>
+          <a:fontRef idx="minor">
+            <a:schemeClr val="lt1"/>
+          </a:fontRef>
+        </p:style>
+        <p:txBody>
+          <a:bodyPr rtlCol="0" anchor="ctr"/>
+          <a:lstStyle/>
+          <a:p>
+            <a:r>
+              <a:rPr lang="en-US" dirty="0">
+                <a:solidFill>
+                  <a:srgbClr val="FF0000"/>
+                </a:solidFill>
+              </a:rPr>
+              <a:t>Sent with encrypted data </a:t>
+            </a:r>
+            <a:r>
+              <a:rPr lang="en-US" dirty="0">
+                <a:solidFill>
+                  <a:schemeClr val="tx1"/>
+                </a:solidFill>
+              </a:rPr>
+              <a:t>and used at decryption side with destination’s private key</a:t>
+            </a:r>
+          </a:p>
+        </p:txBody>
+      </p:sp>
+      <p:pic>
+        <p:nvPicPr>
+          <p:cNvPr id="45" name="Picture 44">
+            <a:extLst>
+              <a:ext uri="{FF2B5EF4-FFF2-40B4-BE49-F238E27FC236}">
+                <a16:creationId xmlns:a16="http://schemas.microsoft.com/office/drawing/2014/main" id="{7BF0EB6A-D989-FD46-9B73-A2DF57EA8E3C}"/>
+              </a:ext>
+            </a:extLst>
+          </p:cNvPr>
+          <p:cNvPicPr>
+            <a:picLocks noChangeAspect="1"/>
+          </p:cNvPicPr>
+          <p:nvPr/>
+        </p:nvPicPr>
+        <p:blipFill>
+          <a:blip r:embed="rId2"/>
+          <a:stretch>
+            <a:fillRect/>
+          </a:stretch>
+        </p:blipFill>
+        <p:spPr>
+          <a:xfrm rot="5400000">
+            <a:off x="6578039" y="5042621"/>
+            <a:ext cx="695926" cy="347963"/>
+          </a:xfrm>
+          <a:prstGeom prst="rect">
+            <a:avLst/>
+          </a:prstGeom>
+        </p:spPr>
+      </p:pic>
+      <p:sp>
+        <p:nvSpPr>
+          <p:cNvPr id="46" name="TextBox 45">
+            <a:extLst>
+              <a:ext uri="{FF2B5EF4-FFF2-40B4-BE49-F238E27FC236}">
+                <a16:creationId xmlns:a16="http://schemas.microsoft.com/office/drawing/2014/main" id="{C3AA553E-32D7-FD49-8605-CF939E4FC7C9}"/>
+              </a:ext>
+            </a:extLst>
+          </p:cNvPr>
+          <p:cNvSpPr txBox="1"/>
+          <p:nvPr/>
+        </p:nvSpPr>
+        <p:spPr>
+          <a:xfrm>
+            <a:off x="5634294" y="5031936"/>
+            <a:ext cx="1222579" cy="369332"/>
+          </a:xfrm>
+          <a:prstGeom prst="rect">
+            <a:avLst/>
+          </a:prstGeom>
+          <a:noFill/>
+        </p:spPr>
+        <p:txBody>
+          <a:bodyPr wrap="square" rtlCol="0">
+            <a:spAutoFit/>
+          </a:bodyPr>
+          <a:lstStyle/>
+          <a:p>
+            <a:r>
+              <a:rPr lang="en-US" dirty="0">
+                <a:solidFill>
+                  <a:srgbClr val="0070C0"/>
+                </a:solidFill>
+              </a:rPr>
+              <a:t>Private Key</a:t>
+            </a:r>
+          </a:p>
+        </p:txBody>
+      </p:sp>
+      <p:cxnSp>
+        <p:nvCxnSpPr>
+          <p:cNvPr id="47" name="Elbow Connector 46">
+            <a:extLst>
+              <a:ext uri="{FF2B5EF4-FFF2-40B4-BE49-F238E27FC236}">
+                <a16:creationId xmlns:a16="http://schemas.microsoft.com/office/drawing/2014/main" id="{023D3A5D-9CAC-1544-9438-001162CA0CC8}"/>
+              </a:ext>
+            </a:extLst>
+          </p:cNvPr>
+          <p:cNvCxnSpPr>
+            <a:cxnSpLocks/>
+            <a:stCxn id="27" idx="3"/>
+          </p:cNvCxnSpPr>
+          <p:nvPr/>
+        </p:nvCxnSpPr>
+        <p:spPr>
+          <a:xfrm>
+            <a:off x="3727724" y="2938152"/>
+            <a:ext cx="3940462" cy="1589665"/>
+          </a:xfrm>
+          <a:prstGeom prst="bentConnector3">
+            <a:avLst/>
+          </a:prstGeom>
+          <a:ln w="38100">
+            <a:solidFill>
+              <a:schemeClr val="tx1"/>
+            </a:solidFill>
+            <a:tailEnd type="triangle"/>
+          </a:ln>
+        </p:spPr>
+        <p:style>
+          <a:lnRef idx="1">
+            <a:schemeClr val="accent1"/>
+          </a:lnRef>
+          <a:fillRef idx="0">
+            <a:schemeClr val="accent1"/>
+          </a:fillRef>
+          <a:effectRef idx="0">
+            <a:schemeClr val="accent1"/>
+          </a:effectRef>
+          <a:fontRef idx="minor">
+            <a:schemeClr val="tx1"/>
+          </a:fontRef>
+        </p:style>
+      </p:cxnSp>
+      <p:cxnSp>
+        <p:nvCxnSpPr>
+          <p:cNvPr id="51" name="Straight Arrow Connector 50">
+            <a:extLst>
+              <a:ext uri="{FF2B5EF4-FFF2-40B4-BE49-F238E27FC236}">
+                <a16:creationId xmlns:a16="http://schemas.microsoft.com/office/drawing/2014/main" id="{2D4E613A-79BB-3C4E-BB13-B5E819D2839F}"/>
+              </a:ext>
+            </a:extLst>
+          </p:cNvPr>
+          <p:cNvCxnSpPr>
+            <a:cxnSpLocks/>
+          </p:cNvCxnSpPr>
+          <p:nvPr/>
+        </p:nvCxnSpPr>
+        <p:spPr>
+          <a:xfrm>
+            <a:off x="7014417" y="5207966"/>
+            <a:ext cx="635094" cy="0"/>
+          </a:xfrm>
+          <a:prstGeom prst="straightConnector1">
+            <a:avLst/>
+          </a:prstGeom>
+          <a:ln w="38100">
+            <a:solidFill>
+              <a:schemeClr val="tx1"/>
+            </a:solidFill>
+            <a:tailEnd type="triangle"/>
+          </a:ln>
+        </p:spPr>
+        <p:style>
+          <a:lnRef idx="1">
+            <a:schemeClr val="accent1"/>
+          </a:lnRef>
+          <a:fillRef idx="0">
+            <a:schemeClr val="accent1"/>
+          </a:fillRef>
+          <a:effectRef idx="0">
+            <a:schemeClr val="accent1"/>
+          </a:effectRef>
+          <a:fontRef idx="minor">
+            <a:schemeClr val="tx1"/>
+          </a:fontRef>
+        </p:style>
+      </p:cxnSp>
+      <p:sp>
+        <p:nvSpPr>
+          <p:cNvPr id="56" name="Rounded Rectangle 55">
+            <a:extLst>
+              <a:ext uri="{FF2B5EF4-FFF2-40B4-BE49-F238E27FC236}">
+                <a16:creationId xmlns:a16="http://schemas.microsoft.com/office/drawing/2014/main" id="{FF87EE3D-3EFD-1D46-9236-42F3D380FE15}"/>
+              </a:ext>
+            </a:extLst>
+          </p:cNvPr>
+          <p:cNvSpPr/>
+          <p:nvPr/>
+        </p:nvSpPr>
+        <p:spPr>
+          <a:xfrm>
+            <a:off x="7668186" y="4185875"/>
+            <a:ext cx="1137619" cy="1338598"/>
+          </a:xfrm>
+          <a:prstGeom prst="roundRect">
+            <a:avLst/>
+          </a:prstGeom>
+          <a:ln w="38100">
+            <a:solidFill>
+              <a:schemeClr val="tx1"/>
+            </a:solidFill>
+          </a:ln>
+        </p:spPr>
+        <p:style>
+          <a:lnRef idx="2">
+            <a:schemeClr val="accent2"/>
+          </a:lnRef>
+          <a:fillRef idx="1">
+            <a:schemeClr val="lt1"/>
+          </a:fillRef>
+          <a:effectRef idx="0">
+            <a:schemeClr val="accent2"/>
+          </a:effectRef>
+          <a:fontRef idx="minor">
+            <a:schemeClr val="dk1"/>
+          </a:fontRef>
+        </p:style>
+        <p:txBody>
+          <a:bodyPr rtlCol="0" anchor="ctr"/>
+          <a:lstStyle/>
+          <a:p>
+            <a:pPr algn="ctr"/>
+            <a:r>
+              <a:rPr lang="en-US" b="1" dirty="0">
+                <a:solidFill>
+                  <a:srgbClr val="FF0000"/>
+                </a:solidFill>
+              </a:rPr>
+              <a:t>ECDH</a:t>
+            </a:r>
+          </a:p>
+        </p:txBody>
+      </p:sp>
+      <p:cxnSp>
+        <p:nvCxnSpPr>
+          <p:cNvPr id="60" name="Straight Arrow Connector 59">
+            <a:extLst>
+              <a:ext uri="{FF2B5EF4-FFF2-40B4-BE49-F238E27FC236}">
+                <a16:creationId xmlns:a16="http://schemas.microsoft.com/office/drawing/2014/main" id="{E1E983F4-16C4-0040-AA76-79C2C7794DFD}"/>
+              </a:ext>
+            </a:extLst>
+          </p:cNvPr>
+          <p:cNvCxnSpPr>
+            <a:cxnSpLocks/>
+            <a:stCxn id="56" idx="3"/>
+            <a:endCxn id="61" idx="1"/>
+          </p:cNvCxnSpPr>
+          <p:nvPr/>
+        </p:nvCxnSpPr>
+        <p:spPr>
+          <a:xfrm>
+            <a:off x="8805805" y="4855174"/>
+            <a:ext cx="446153" cy="0"/>
+          </a:xfrm>
+          <a:prstGeom prst="straightConnector1">
+            <a:avLst/>
+          </a:prstGeom>
+          <a:ln w="38100">
+            <a:solidFill>
+              <a:schemeClr val="tx1"/>
+            </a:solidFill>
+            <a:tailEnd type="triangle"/>
+          </a:ln>
+        </p:spPr>
+        <p:style>
+          <a:lnRef idx="1">
+            <a:schemeClr val="accent1"/>
+          </a:lnRef>
+          <a:fillRef idx="0">
+            <a:schemeClr val="accent1"/>
+          </a:fillRef>
+          <a:effectRef idx="0">
+            <a:schemeClr val="accent1"/>
+          </a:effectRef>
+          <a:fontRef idx="minor">
+            <a:schemeClr val="tx1"/>
+          </a:fontRef>
+        </p:style>
+      </p:cxnSp>
+      <p:sp>
+        <p:nvSpPr>
+          <p:cNvPr id="61" name="TextBox 60">
+            <a:extLst>
+              <a:ext uri="{FF2B5EF4-FFF2-40B4-BE49-F238E27FC236}">
+                <a16:creationId xmlns:a16="http://schemas.microsoft.com/office/drawing/2014/main" id="{ABEE7E8B-D557-054C-80CF-98FA587BC4A5}"/>
+              </a:ext>
+            </a:extLst>
+          </p:cNvPr>
+          <p:cNvSpPr txBox="1"/>
+          <p:nvPr/>
+        </p:nvSpPr>
+        <p:spPr>
+          <a:xfrm>
+            <a:off x="9251958" y="4670508"/>
+            <a:ext cx="2195345" cy="369332"/>
+          </a:xfrm>
+          <a:prstGeom prst="rect">
+            <a:avLst/>
+          </a:prstGeom>
+          <a:noFill/>
+        </p:spPr>
+        <p:txBody>
+          <a:bodyPr wrap="square" rtlCol="0">
+            <a:spAutoFit/>
+          </a:bodyPr>
+          <a:lstStyle/>
+          <a:p>
+            <a:r>
+              <a:rPr lang="en-US" dirty="0">
+                <a:solidFill>
+                  <a:srgbClr val="FF0000"/>
+                </a:solidFill>
+              </a:rPr>
+              <a:t>Shared Master Secret</a:t>
+            </a:r>
+          </a:p>
+        </p:txBody>
+      </p:sp>
+      <p:cxnSp>
+        <p:nvCxnSpPr>
+          <p:cNvPr id="69" name="Straight Arrow Connector 68">
+            <a:extLst>
+              <a:ext uri="{FF2B5EF4-FFF2-40B4-BE49-F238E27FC236}">
+                <a16:creationId xmlns:a16="http://schemas.microsoft.com/office/drawing/2014/main" id="{59A45EFD-F912-8C4B-8624-F3B7BFEE5C54}"/>
+              </a:ext>
+            </a:extLst>
+          </p:cNvPr>
+          <p:cNvCxnSpPr>
+            <a:cxnSpLocks/>
+          </p:cNvCxnSpPr>
+          <p:nvPr/>
+        </p:nvCxnSpPr>
+        <p:spPr>
+          <a:xfrm>
+            <a:off x="7524411" y="3194357"/>
+            <a:ext cx="0" cy="338620"/>
+          </a:xfrm>
+          <a:prstGeom prst="straightConnector1">
+            <a:avLst/>
+          </a:prstGeom>
+          <a:ln w="12700">
+            <a:solidFill>
+              <a:schemeClr val="tx1"/>
+            </a:solidFill>
+            <a:headEnd type="triangle"/>
+            <a:tailEnd type="triangle"/>
+          </a:ln>
+        </p:spPr>
+        <p:style>
+          <a:lnRef idx="1">
+            <a:schemeClr val="accent1"/>
+          </a:lnRef>
+          <a:fillRef idx="0">
+            <a:schemeClr val="accent1"/>
+          </a:fillRef>
+          <a:effectRef idx="0">
+            <a:schemeClr val="accent1"/>
+          </a:effectRef>
+          <a:fontRef idx="minor">
+            <a:schemeClr val="tx1"/>
+          </a:fontRef>
+        </p:style>
+      </p:cxnSp>
+      <p:sp>
+        <p:nvSpPr>
+          <p:cNvPr id="72" name="TextBox 71">
+            <a:extLst>
+              <a:ext uri="{FF2B5EF4-FFF2-40B4-BE49-F238E27FC236}">
+                <a16:creationId xmlns:a16="http://schemas.microsoft.com/office/drawing/2014/main" id="{F6EC34FC-B359-0543-8D3C-547BDE2821EE}"/>
+              </a:ext>
+            </a:extLst>
+          </p:cNvPr>
+          <p:cNvSpPr txBox="1"/>
+          <p:nvPr/>
+        </p:nvSpPr>
+        <p:spPr>
+          <a:xfrm>
+            <a:off x="6709860" y="2859604"/>
+            <a:ext cx="1629100" cy="369332"/>
+          </a:xfrm>
+          <a:prstGeom prst="rect">
+            <a:avLst/>
+          </a:prstGeom>
+          <a:noFill/>
+        </p:spPr>
+        <p:txBody>
+          <a:bodyPr wrap="none" rtlCol="0">
+            <a:spAutoFit/>
+          </a:bodyPr>
+          <a:lstStyle/>
+          <a:p>
+            <a:r>
+              <a:rPr lang="en-US" u="sng" dirty="0"/>
+              <a:t>Encryption side</a:t>
+            </a:r>
+          </a:p>
+        </p:txBody>
+      </p:sp>
+      <p:sp>
+        <p:nvSpPr>
+          <p:cNvPr id="73" name="TextBox 72">
+            <a:extLst>
+              <a:ext uri="{FF2B5EF4-FFF2-40B4-BE49-F238E27FC236}">
+                <a16:creationId xmlns:a16="http://schemas.microsoft.com/office/drawing/2014/main" id="{E8FB2BA3-5FA2-E645-A16B-D277EA175258}"/>
+              </a:ext>
+            </a:extLst>
+          </p:cNvPr>
+          <p:cNvSpPr txBox="1"/>
+          <p:nvPr/>
+        </p:nvSpPr>
+        <p:spPr>
+          <a:xfrm>
+            <a:off x="6697838" y="3437768"/>
+            <a:ext cx="1653145" cy="369332"/>
+          </a:xfrm>
+          <a:prstGeom prst="rect">
+            <a:avLst/>
+          </a:prstGeom>
+          <a:noFill/>
+        </p:spPr>
+        <p:txBody>
+          <a:bodyPr wrap="none" rtlCol="0">
+            <a:spAutoFit/>
+          </a:bodyPr>
+          <a:lstStyle/>
+          <a:p>
+            <a:r>
+              <a:rPr lang="en-US" u="sng" dirty="0"/>
+              <a:t>Decryption side</a:t>
+            </a:r>
+          </a:p>
+        </p:txBody>
+      </p:sp>
+      <p:cxnSp>
+        <p:nvCxnSpPr>
+          <p:cNvPr id="82" name="Elbow Connector 81">
+            <a:extLst>
+              <a:ext uri="{FF2B5EF4-FFF2-40B4-BE49-F238E27FC236}">
+                <a16:creationId xmlns:a16="http://schemas.microsoft.com/office/drawing/2014/main" id="{236D47DE-7B3F-D04F-91A2-F8171D8E0B90}"/>
+              </a:ext>
+            </a:extLst>
+          </p:cNvPr>
+          <p:cNvCxnSpPr>
+            <a:cxnSpLocks/>
+          </p:cNvCxnSpPr>
+          <p:nvPr/>
+        </p:nvCxnSpPr>
+        <p:spPr>
+          <a:xfrm rot="10800000" flipV="1">
+            <a:off x="293616" y="3376366"/>
+            <a:ext cx="9613363" cy="1530225"/>
+          </a:xfrm>
+          <a:prstGeom prst="bentConnector3">
+            <a:avLst>
+              <a:gd name="adj1" fmla="val 50000"/>
+            </a:avLst>
+          </a:prstGeom>
+          <a:ln w="12700">
+            <a:solidFill>
+              <a:schemeClr val="tx1"/>
+            </a:solidFill>
+            <a:prstDash val="dash"/>
+          </a:ln>
+        </p:spPr>
+        <p:style>
+          <a:lnRef idx="1">
+            <a:schemeClr val="accent1"/>
+          </a:lnRef>
+          <a:fillRef idx="0">
+            <a:schemeClr val="accent1"/>
+          </a:fillRef>
+          <a:effectRef idx="0">
+            <a:schemeClr val="accent1"/>
+          </a:effectRef>
+          <a:fontRef idx="minor">
+            <a:schemeClr val="tx1"/>
+          </a:fontRef>
+        </p:style>
+      </p:cxnSp>
+      <p:sp>
+        <p:nvSpPr>
+          <p:cNvPr id="86" name="Up-Down Arrow 85">
+            <a:extLst>
+              <a:ext uri="{FF2B5EF4-FFF2-40B4-BE49-F238E27FC236}">
+                <a16:creationId xmlns:a16="http://schemas.microsoft.com/office/drawing/2014/main" id="{25D1116F-659C-EC4E-BC76-C00D88FAD5F6}"/>
+              </a:ext>
+            </a:extLst>
+          </p:cNvPr>
+          <p:cNvSpPr/>
+          <p:nvPr/>
+        </p:nvSpPr>
+        <p:spPr>
+          <a:xfrm>
+            <a:off x="9937612" y="1578978"/>
+            <a:ext cx="484632" cy="3091530"/>
+          </a:xfrm>
+          <a:prstGeom prst="upDownArrow">
+            <a:avLst/>
+          </a:prstGeom>
+        </p:spPr>
+        <p:style>
+          <a:lnRef idx="1">
+            <a:schemeClr val="accent6"/>
+          </a:lnRef>
+          <a:fillRef idx="2">
+            <a:schemeClr val="accent6"/>
+          </a:fillRef>
+          <a:effectRef idx="1">
+            <a:schemeClr val="accent6"/>
+          </a:effectRef>
+          <a:fontRef idx="minor">
+            <a:schemeClr val="dk1"/>
+          </a:fontRef>
+        </p:style>
+        <p:txBody>
+          <a:bodyPr rtlCol="0" anchor="ctr"/>
+          <a:lstStyle/>
+          <a:p>
+            <a:pPr algn="ctr"/>
+            <a:endParaRPr lang="en-US" dirty="0"/>
+          </a:p>
+        </p:txBody>
+      </p:sp>
+      <p:sp>
+        <p:nvSpPr>
+          <p:cNvPr id="87" name="TextBox 86">
+            <a:extLst>
+              <a:ext uri="{FF2B5EF4-FFF2-40B4-BE49-F238E27FC236}">
+                <a16:creationId xmlns:a16="http://schemas.microsoft.com/office/drawing/2014/main" id="{6FBF9918-E89D-454B-B4A4-068F1EE94A1E}"/>
+              </a:ext>
+            </a:extLst>
+          </p:cNvPr>
+          <p:cNvSpPr txBox="1"/>
+          <p:nvPr/>
+        </p:nvSpPr>
+        <p:spPr>
+          <a:xfrm>
+            <a:off x="9829607" y="2938152"/>
+            <a:ext cx="700641" cy="369332"/>
+          </a:xfrm>
+          <a:prstGeom prst="rect">
+            <a:avLst/>
+          </a:prstGeom>
+          <a:solidFill>
+            <a:schemeClr val="bg1"/>
+          </a:solidFill>
+        </p:spPr>
+        <p:txBody>
+          <a:bodyPr wrap="none" rtlCol="0">
+            <a:spAutoFit/>
+          </a:bodyPr>
+          <a:lstStyle/>
+          <a:p>
+            <a:r>
+              <a:rPr lang="en-US" dirty="0">
+                <a:solidFill>
+                  <a:srgbClr val="FF0000"/>
+                </a:solidFill>
+              </a:rPr>
+              <a:t>Equal</a:t>
+            </a:r>
+          </a:p>
+        </p:txBody>
+      </p:sp>
+    </p:spTree>
+    <p:extLst>
+      <p:ext uri="{BB962C8B-B14F-4D97-AF65-F5344CB8AC3E}">
+        <p14:creationId xmlns:p14="http://schemas.microsoft.com/office/powerpoint/2010/main" val="194432170"/>
+      </p:ext>
+    </p:extLst>
+  </p:cSld>
+  <p:clrMapOvr>
+    <a:masterClrMapping/>
+  </p:clrMapOvr>
+</p:sld>
+</file>
+
+<file path=ppt/slides/slide26.xml><?xml version="1.0" encoding="utf-8"?>
+<p:sld xmlns:a="http://schemas.openxmlformats.org/drawingml/2006/main" xmlns:r="http://schemas.openxmlformats.org/officeDocument/2006/relationships" xmlns:p="http://schemas.openxmlformats.org/presentationml/2006/main">
+  <p:cSld>
+    <p:spTree>
+      <p:nvGrpSpPr>
+        <p:cNvPr id="1" name=""/>
+        <p:cNvGrpSpPr/>
+        <p:nvPr/>
+      </p:nvGrpSpPr>
+      <p:grpSpPr>
+        <a:xfrm>
+          <a:off x="0" y="0"/>
+          <a:ext cx="0" cy="0"/>
+          <a:chOff x="0" y="0"/>
+          <a:chExt cx="0" cy="0"/>
+        </a:xfrm>
+      </p:grpSpPr>
+      <p:sp>
+        <p:nvSpPr>
+          <p:cNvPr id="33" name="TextBox 32">
+            <a:extLst>
+              <a:ext uri="{FF2B5EF4-FFF2-40B4-BE49-F238E27FC236}">
+                <a16:creationId xmlns:a16="http://schemas.microsoft.com/office/drawing/2014/main" id="{13C8295C-1C9C-0B48-B59F-AFB9AF182170}"/>
+              </a:ext>
+            </a:extLst>
+          </p:cNvPr>
+          <p:cNvSpPr txBox="1"/>
+          <p:nvPr/>
+        </p:nvSpPr>
+        <p:spPr>
+          <a:xfrm flipH="1">
+            <a:off x="636221" y="561953"/>
+            <a:ext cx="1523024" cy="646331"/>
+          </a:xfrm>
+          <a:prstGeom prst="rect">
+            <a:avLst/>
+          </a:prstGeom>
+          <a:noFill/>
+        </p:spPr>
+        <p:txBody>
+          <a:bodyPr wrap="square" rtlCol="0">
+            <a:spAutoFit/>
+          </a:bodyPr>
+          <a:lstStyle/>
+          <a:p>
+            <a:pPr algn="ctr"/>
+            <a:r>
+              <a:rPr lang="en-US" dirty="0"/>
+              <a:t>Shared Master Secret</a:t>
+            </a:r>
+          </a:p>
+        </p:txBody>
+      </p:sp>
+      <p:sp>
+        <p:nvSpPr>
+          <p:cNvPr id="35" name="Rounded Rectangle 34">
+            <a:extLst>
+              <a:ext uri="{FF2B5EF4-FFF2-40B4-BE49-F238E27FC236}">
+                <a16:creationId xmlns:a16="http://schemas.microsoft.com/office/drawing/2014/main" id="{E004A182-F843-DE45-BCF3-2072BFFC0982}"/>
+              </a:ext>
+            </a:extLst>
+          </p:cNvPr>
+          <p:cNvSpPr/>
+          <p:nvPr/>
+        </p:nvSpPr>
+        <p:spPr>
+          <a:xfrm>
+            <a:off x="2673563" y="388886"/>
+            <a:ext cx="1523024" cy="992464"/>
+          </a:xfrm>
+          <a:prstGeom prst="roundRect">
+            <a:avLst/>
+          </a:prstGeom>
+          <a:ln w="38100">
+            <a:solidFill>
+              <a:schemeClr val="tx1"/>
+            </a:solidFill>
+          </a:ln>
+        </p:spPr>
+        <p:style>
+          <a:lnRef idx="2">
+            <a:schemeClr val="accent2"/>
+          </a:lnRef>
+          <a:fillRef idx="1">
+            <a:schemeClr val="lt1"/>
+          </a:fillRef>
+          <a:effectRef idx="0">
+            <a:schemeClr val="accent2"/>
+          </a:effectRef>
+          <a:fontRef idx="minor">
+            <a:schemeClr val="dk1"/>
+          </a:fontRef>
+        </p:style>
+        <p:txBody>
+          <a:bodyPr rtlCol="0" anchor="ctr"/>
+          <a:lstStyle/>
+          <a:p>
+            <a:pPr algn="ctr"/>
+            <a:r>
+              <a:rPr lang="en-US" b="1" dirty="0">
+                <a:solidFill>
+                  <a:schemeClr val="tx1"/>
+                </a:solidFill>
+              </a:rPr>
+              <a:t>Key Derivation Function</a:t>
+            </a:r>
+          </a:p>
+        </p:txBody>
+      </p:sp>
+      <p:sp>
+        <p:nvSpPr>
+          <p:cNvPr id="40" name="Rounded Rectangle 39">
+            <a:extLst>
+              <a:ext uri="{FF2B5EF4-FFF2-40B4-BE49-F238E27FC236}">
+                <a16:creationId xmlns:a16="http://schemas.microsoft.com/office/drawing/2014/main" id="{EFD451E7-84C5-FF4A-AB61-9BA0356C58F5}"/>
+              </a:ext>
+            </a:extLst>
+          </p:cNvPr>
+          <p:cNvSpPr/>
+          <p:nvPr/>
+        </p:nvSpPr>
+        <p:spPr>
+          <a:xfrm>
+            <a:off x="5966872" y="388885"/>
+            <a:ext cx="1523024" cy="992465"/>
+          </a:xfrm>
+          <a:prstGeom prst="roundRect">
+            <a:avLst/>
+          </a:prstGeom>
+          <a:ln w="38100">
+            <a:solidFill>
+              <a:schemeClr val="tx1"/>
+            </a:solidFill>
+          </a:ln>
+        </p:spPr>
+        <p:style>
+          <a:lnRef idx="2">
+            <a:schemeClr val="accent2"/>
+          </a:lnRef>
+          <a:fillRef idx="1">
+            <a:schemeClr val="lt1"/>
+          </a:fillRef>
+          <a:effectRef idx="0">
+            <a:schemeClr val="accent2"/>
+          </a:effectRef>
+          <a:fontRef idx="minor">
+            <a:schemeClr val="dk1"/>
+          </a:fontRef>
+        </p:style>
+        <p:txBody>
+          <a:bodyPr rtlCol="0" anchor="ctr"/>
+          <a:lstStyle/>
+          <a:p>
+            <a:pPr algn="ctr"/>
+            <a:r>
+              <a:rPr lang="en-US" b="1" dirty="0">
+                <a:solidFill>
+                  <a:schemeClr val="tx1"/>
+                </a:solidFill>
+              </a:rPr>
+              <a:t>AES</a:t>
+            </a:r>
+          </a:p>
+          <a:p>
+            <a:pPr algn="ctr"/>
+            <a:r>
+              <a:rPr lang="en-US" b="1" dirty="0">
+                <a:solidFill>
+                  <a:schemeClr val="tx1"/>
+                </a:solidFill>
+              </a:rPr>
+              <a:t>Encryption</a:t>
+            </a:r>
+          </a:p>
+        </p:txBody>
+      </p:sp>
+      <p:cxnSp>
+        <p:nvCxnSpPr>
+          <p:cNvPr id="43" name="Straight Arrow Connector 42">
+            <a:extLst>
+              <a:ext uri="{FF2B5EF4-FFF2-40B4-BE49-F238E27FC236}">
+                <a16:creationId xmlns:a16="http://schemas.microsoft.com/office/drawing/2014/main" id="{BEB10CFE-6158-2A43-A118-0D7D8B3CAB25}"/>
+              </a:ext>
+            </a:extLst>
+          </p:cNvPr>
+          <p:cNvCxnSpPr>
+            <a:cxnSpLocks/>
+            <a:stCxn id="33" idx="1"/>
+            <a:endCxn id="35" idx="1"/>
+          </p:cNvCxnSpPr>
+          <p:nvPr/>
+        </p:nvCxnSpPr>
+        <p:spPr>
+          <a:xfrm flipV="1">
+            <a:off x="2159245" y="885118"/>
+            <a:ext cx="514318" cy="1"/>
+          </a:xfrm>
+          <a:prstGeom prst="straightConnector1">
+            <a:avLst/>
+          </a:prstGeom>
+          <a:ln w="38100">
+            <a:solidFill>
+              <a:schemeClr val="tx1"/>
+            </a:solidFill>
+            <a:tailEnd type="triangle"/>
+          </a:ln>
+        </p:spPr>
+        <p:style>
+          <a:lnRef idx="1">
+            <a:schemeClr val="accent1"/>
+          </a:lnRef>
+          <a:fillRef idx="0">
+            <a:schemeClr val="accent1"/>
+          </a:fillRef>
+          <a:effectRef idx="0">
+            <a:schemeClr val="accent1"/>
+          </a:effectRef>
+          <a:fontRef idx="minor">
+            <a:schemeClr val="tx1"/>
+          </a:fontRef>
+        </p:style>
+      </p:cxnSp>
+      <p:cxnSp>
+        <p:nvCxnSpPr>
+          <p:cNvPr id="46" name="Straight Arrow Connector 45">
+            <a:extLst>
+              <a:ext uri="{FF2B5EF4-FFF2-40B4-BE49-F238E27FC236}">
+                <a16:creationId xmlns:a16="http://schemas.microsoft.com/office/drawing/2014/main" id="{1BDEA29D-9855-0846-BF34-423DA2C2437E}"/>
+              </a:ext>
+            </a:extLst>
+          </p:cNvPr>
+          <p:cNvCxnSpPr>
+            <a:cxnSpLocks/>
+            <a:stCxn id="35" idx="3"/>
+            <a:endCxn id="62" idx="3"/>
+          </p:cNvCxnSpPr>
+          <p:nvPr/>
+        </p:nvCxnSpPr>
+        <p:spPr>
+          <a:xfrm>
+            <a:off x="4196587" y="885118"/>
+            <a:ext cx="565141" cy="0"/>
+          </a:xfrm>
+          <a:prstGeom prst="straightConnector1">
+            <a:avLst/>
+          </a:prstGeom>
+          <a:ln w="38100">
+            <a:solidFill>
+              <a:schemeClr val="tx1"/>
+            </a:solidFill>
+            <a:tailEnd type="triangle"/>
+          </a:ln>
+        </p:spPr>
+        <p:style>
+          <a:lnRef idx="1">
+            <a:schemeClr val="accent1"/>
+          </a:lnRef>
+          <a:fillRef idx="0">
+            <a:schemeClr val="accent1"/>
+          </a:fillRef>
+          <a:effectRef idx="0">
+            <a:schemeClr val="accent1"/>
+          </a:effectRef>
+          <a:fontRef idx="minor">
+            <a:schemeClr val="tx1"/>
+          </a:fontRef>
+        </p:style>
+      </p:cxnSp>
+      <p:cxnSp>
+        <p:nvCxnSpPr>
+          <p:cNvPr id="51" name="Elbow Connector 50">
+            <a:extLst>
+              <a:ext uri="{FF2B5EF4-FFF2-40B4-BE49-F238E27FC236}">
+                <a16:creationId xmlns:a16="http://schemas.microsoft.com/office/drawing/2014/main" id="{4A615002-64CA-CD42-89A6-21F390536854}"/>
+              </a:ext>
+            </a:extLst>
+          </p:cNvPr>
+          <p:cNvCxnSpPr>
+            <a:cxnSpLocks/>
+            <a:stCxn id="53" idx="3"/>
+            <a:endCxn id="35" idx="2"/>
+          </p:cNvCxnSpPr>
+          <p:nvPr/>
+        </p:nvCxnSpPr>
+        <p:spPr>
+          <a:xfrm flipV="1">
+            <a:off x="2564867" y="1381350"/>
+            <a:ext cx="870208" cy="481546"/>
+          </a:xfrm>
+          <a:prstGeom prst="bentConnector2">
+            <a:avLst/>
+          </a:prstGeom>
+          <a:ln w="38100">
+            <a:solidFill>
+              <a:schemeClr val="tx1"/>
+            </a:solidFill>
+            <a:tailEnd type="triangle"/>
+          </a:ln>
+        </p:spPr>
+        <p:style>
+          <a:lnRef idx="1">
+            <a:schemeClr val="accent1"/>
+          </a:lnRef>
+          <a:fillRef idx="0">
+            <a:schemeClr val="accent1"/>
+          </a:fillRef>
+          <a:effectRef idx="0">
+            <a:schemeClr val="accent1"/>
+          </a:effectRef>
+          <a:fontRef idx="minor">
+            <a:schemeClr val="tx1"/>
+          </a:fontRef>
+        </p:style>
+      </p:cxnSp>
+      <p:sp>
+        <p:nvSpPr>
+          <p:cNvPr id="53" name="TextBox 52">
+            <a:extLst>
+              <a:ext uri="{FF2B5EF4-FFF2-40B4-BE49-F238E27FC236}">
+                <a16:creationId xmlns:a16="http://schemas.microsoft.com/office/drawing/2014/main" id="{282BCE03-7679-3641-B682-E4FFECE6A257}"/>
+              </a:ext>
+            </a:extLst>
+          </p:cNvPr>
+          <p:cNvSpPr txBox="1"/>
+          <p:nvPr/>
+        </p:nvSpPr>
+        <p:spPr>
+          <a:xfrm>
+            <a:off x="1213150" y="1539730"/>
+            <a:ext cx="1351717" cy="646331"/>
+          </a:xfrm>
+          <a:prstGeom prst="rect">
+            <a:avLst/>
+          </a:prstGeom>
+          <a:noFill/>
+        </p:spPr>
+        <p:txBody>
+          <a:bodyPr wrap="none" rtlCol="0">
+            <a:spAutoFit/>
+          </a:bodyPr>
+          <a:lstStyle/>
+          <a:p>
+            <a:pPr algn="ctr"/>
+            <a:r>
+              <a:rPr lang="en-US" dirty="0"/>
+              <a:t>KDF params </a:t>
+            </a:r>
+          </a:p>
+          <a:p>
+            <a:pPr algn="ctr"/>
+            <a:r>
+              <a:rPr lang="en-US" dirty="0"/>
+              <a:t>(Salt, etc.)</a:t>
+            </a:r>
+          </a:p>
+        </p:txBody>
+      </p:sp>
+      <p:cxnSp>
+        <p:nvCxnSpPr>
+          <p:cNvPr id="56" name="Straight Arrow Connector 55">
+            <a:extLst>
+              <a:ext uri="{FF2B5EF4-FFF2-40B4-BE49-F238E27FC236}">
+                <a16:creationId xmlns:a16="http://schemas.microsoft.com/office/drawing/2014/main" id="{3883DD14-DB8E-0647-86CB-FEC75C885B07}"/>
+              </a:ext>
+            </a:extLst>
+          </p:cNvPr>
+          <p:cNvCxnSpPr>
+            <a:cxnSpLocks/>
+            <a:stCxn id="40" idx="3"/>
+            <a:endCxn id="102" idx="1"/>
+          </p:cNvCxnSpPr>
+          <p:nvPr/>
+        </p:nvCxnSpPr>
+        <p:spPr>
+          <a:xfrm>
+            <a:off x="7489896" y="885118"/>
+            <a:ext cx="652907" cy="0"/>
+          </a:xfrm>
+          <a:prstGeom prst="straightConnector1">
+            <a:avLst/>
+          </a:prstGeom>
+          <a:ln w="38100">
+            <a:solidFill>
+              <a:schemeClr val="tx1"/>
+            </a:solidFill>
+            <a:tailEnd type="triangle"/>
+          </a:ln>
+        </p:spPr>
+        <p:style>
+          <a:lnRef idx="1">
+            <a:schemeClr val="accent1"/>
+          </a:lnRef>
+          <a:fillRef idx="0">
+            <a:schemeClr val="accent1"/>
+          </a:fillRef>
+          <a:effectRef idx="0">
+            <a:schemeClr val="accent1"/>
+          </a:effectRef>
+          <a:fontRef idx="minor">
+            <a:schemeClr val="tx1"/>
+          </a:fontRef>
+        </p:style>
+      </p:cxnSp>
+      <p:sp>
+        <p:nvSpPr>
+          <p:cNvPr id="62" name="TextBox 61">
+            <a:extLst>
+              <a:ext uri="{FF2B5EF4-FFF2-40B4-BE49-F238E27FC236}">
+                <a16:creationId xmlns:a16="http://schemas.microsoft.com/office/drawing/2014/main" id="{9A1692DB-0E1F-5248-A473-E10C80DE041F}"/>
+              </a:ext>
+            </a:extLst>
+          </p:cNvPr>
+          <p:cNvSpPr txBox="1"/>
+          <p:nvPr/>
+        </p:nvSpPr>
+        <p:spPr>
+          <a:xfrm flipH="1">
+            <a:off x="4761728" y="700452"/>
+            <a:ext cx="640003" cy="369332"/>
+          </a:xfrm>
+          <a:prstGeom prst="rect">
+            <a:avLst/>
+          </a:prstGeom>
+          <a:noFill/>
+        </p:spPr>
+        <p:txBody>
+          <a:bodyPr wrap="square" rtlCol="0">
+            <a:spAutoFit/>
+          </a:bodyPr>
+          <a:lstStyle/>
+          <a:p>
+            <a:pPr algn="ctr"/>
+            <a:r>
+              <a:rPr lang="en-US" dirty="0"/>
+              <a:t>Key</a:t>
+            </a:r>
+          </a:p>
+        </p:txBody>
+      </p:sp>
+      <p:cxnSp>
+        <p:nvCxnSpPr>
+          <p:cNvPr id="67" name="Straight Arrow Connector 66">
+            <a:extLst>
+              <a:ext uri="{FF2B5EF4-FFF2-40B4-BE49-F238E27FC236}">
+                <a16:creationId xmlns:a16="http://schemas.microsoft.com/office/drawing/2014/main" id="{67CF192A-0B94-A740-8EE5-88DA49063F89}"/>
+              </a:ext>
+            </a:extLst>
+          </p:cNvPr>
+          <p:cNvCxnSpPr>
+            <a:cxnSpLocks/>
+            <a:stCxn id="62" idx="1"/>
+            <a:endCxn id="40" idx="1"/>
+          </p:cNvCxnSpPr>
+          <p:nvPr/>
+        </p:nvCxnSpPr>
+        <p:spPr>
+          <a:xfrm>
+            <a:off x="5401731" y="885118"/>
+            <a:ext cx="565141" cy="0"/>
+          </a:xfrm>
+          <a:prstGeom prst="straightConnector1">
+            <a:avLst/>
+          </a:prstGeom>
+          <a:ln w="38100">
+            <a:solidFill>
+              <a:schemeClr val="tx1"/>
+            </a:solidFill>
+            <a:tailEnd type="triangle"/>
+          </a:ln>
+        </p:spPr>
+        <p:style>
+          <a:lnRef idx="1">
+            <a:schemeClr val="accent1"/>
+          </a:lnRef>
+          <a:fillRef idx="0">
+            <a:schemeClr val="accent1"/>
+          </a:fillRef>
+          <a:effectRef idx="0">
+            <a:schemeClr val="accent1"/>
+          </a:effectRef>
+          <a:fontRef idx="minor">
+            <a:schemeClr val="tx1"/>
+          </a:fontRef>
+        </p:style>
+      </p:cxnSp>
+      <p:cxnSp>
+        <p:nvCxnSpPr>
+          <p:cNvPr id="73" name="Elbow Connector 72">
+            <a:extLst>
+              <a:ext uri="{FF2B5EF4-FFF2-40B4-BE49-F238E27FC236}">
+                <a16:creationId xmlns:a16="http://schemas.microsoft.com/office/drawing/2014/main" id="{9BDD2FE9-716E-EA4B-B824-8852DD23CF80}"/>
+              </a:ext>
+            </a:extLst>
+          </p:cNvPr>
+          <p:cNvCxnSpPr>
+            <a:cxnSpLocks/>
+            <a:stCxn id="74" idx="3"/>
+            <a:endCxn id="40" idx="2"/>
+          </p:cNvCxnSpPr>
+          <p:nvPr/>
+        </p:nvCxnSpPr>
+        <p:spPr>
+          <a:xfrm flipV="1">
+            <a:off x="6109343" y="1381350"/>
+            <a:ext cx="619041" cy="481545"/>
+          </a:xfrm>
+          <a:prstGeom prst="bentConnector2">
+            <a:avLst/>
+          </a:prstGeom>
+          <a:ln w="38100">
+            <a:solidFill>
+              <a:schemeClr val="tx1"/>
+            </a:solidFill>
+            <a:tailEnd type="triangle"/>
+          </a:ln>
+        </p:spPr>
+        <p:style>
+          <a:lnRef idx="1">
+            <a:schemeClr val="accent1"/>
+          </a:lnRef>
+          <a:fillRef idx="0">
+            <a:schemeClr val="accent1"/>
+          </a:fillRef>
+          <a:effectRef idx="0">
+            <a:schemeClr val="accent1"/>
+          </a:effectRef>
+          <a:fontRef idx="minor">
+            <a:schemeClr val="tx1"/>
+          </a:fontRef>
+        </p:style>
+      </p:cxnSp>
+      <p:sp>
+        <p:nvSpPr>
+          <p:cNvPr id="74" name="TextBox 73">
+            <a:extLst>
+              <a:ext uri="{FF2B5EF4-FFF2-40B4-BE49-F238E27FC236}">
+                <a16:creationId xmlns:a16="http://schemas.microsoft.com/office/drawing/2014/main" id="{2A416881-79E3-DF49-829C-C34E645142E0}"/>
+              </a:ext>
+            </a:extLst>
+          </p:cNvPr>
+          <p:cNvSpPr txBox="1"/>
+          <p:nvPr/>
+        </p:nvSpPr>
+        <p:spPr>
+          <a:xfrm>
+            <a:off x="4755854" y="1678229"/>
+            <a:ext cx="1353489" cy="369332"/>
+          </a:xfrm>
+          <a:prstGeom prst="rect">
+            <a:avLst/>
+          </a:prstGeom>
+          <a:noFill/>
+        </p:spPr>
+        <p:txBody>
+          <a:bodyPr wrap="square" rtlCol="0">
+            <a:spAutoFit/>
+          </a:bodyPr>
+          <a:lstStyle/>
+          <a:p>
+            <a:pPr algn="ctr"/>
+            <a:r>
+              <a:rPr lang="en-US" dirty="0"/>
+              <a:t>Plaintext</a:t>
+            </a:r>
+          </a:p>
+        </p:txBody>
+      </p:sp>
+      <p:sp>
+        <p:nvSpPr>
+          <p:cNvPr id="102" name="TextBox 101">
+            <a:extLst>
+              <a:ext uri="{FF2B5EF4-FFF2-40B4-BE49-F238E27FC236}">
+                <a16:creationId xmlns:a16="http://schemas.microsoft.com/office/drawing/2014/main" id="{9DAA9BAD-E51C-4347-8298-EAF98486F485}"/>
+              </a:ext>
+            </a:extLst>
+          </p:cNvPr>
+          <p:cNvSpPr txBox="1"/>
+          <p:nvPr/>
+        </p:nvSpPr>
+        <p:spPr>
+          <a:xfrm>
+            <a:off x="8142803" y="700452"/>
+            <a:ext cx="1252867" cy="369332"/>
+          </a:xfrm>
+          <a:prstGeom prst="rect">
+            <a:avLst/>
+          </a:prstGeom>
+          <a:noFill/>
+        </p:spPr>
+        <p:txBody>
+          <a:bodyPr wrap="square" rtlCol="0">
+            <a:spAutoFit/>
+          </a:bodyPr>
+          <a:lstStyle/>
+          <a:p>
+            <a:pPr algn="ctr"/>
+            <a:r>
+              <a:rPr lang="en-US" dirty="0"/>
+              <a:t>Ciphertext</a:t>
+            </a:r>
+          </a:p>
+        </p:txBody>
+      </p:sp>
+      <p:sp>
+        <p:nvSpPr>
+          <p:cNvPr id="113" name="TextBox 112">
+            <a:extLst>
+              <a:ext uri="{FF2B5EF4-FFF2-40B4-BE49-F238E27FC236}">
+                <a16:creationId xmlns:a16="http://schemas.microsoft.com/office/drawing/2014/main" id="{333AAEDC-32A4-1542-9D05-3040A9387F21}"/>
+              </a:ext>
+            </a:extLst>
+          </p:cNvPr>
+          <p:cNvSpPr txBox="1"/>
+          <p:nvPr/>
+        </p:nvSpPr>
+        <p:spPr>
+          <a:xfrm flipH="1">
+            <a:off x="636221" y="3298889"/>
+            <a:ext cx="1523024" cy="646331"/>
+          </a:xfrm>
+          <a:prstGeom prst="rect">
+            <a:avLst/>
+          </a:prstGeom>
+          <a:noFill/>
+        </p:spPr>
+        <p:txBody>
+          <a:bodyPr wrap="square" rtlCol="0">
+            <a:spAutoFit/>
+          </a:bodyPr>
+          <a:lstStyle/>
+          <a:p>
+            <a:pPr algn="ctr"/>
+            <a:r>
+              <a:rPr lang="en-US" dirty="0"/>
+              <a:t>Shared Master Secret</a:t>
+            </a:r>
+          </a:p>
+        </p:txBody>
+      </p:sp>
+      <p:sp>
+        <p:nvSpPr>
+          <p:cNvPr id="115" name="Rounded Rectangle 114">
+            <a:extLst>
+              <a:ext uri="{FF2B5EF4-FFF2-40B4-BE49-F238E27FC236}">
+                <a16:creationId xmlns:a16="http://schemas.microsoft.com/office/drawing/2014/main" id="{B10A482D-6026-A54C-B302-92E6A150448A}"/>
+              </a:ext>
+            </a:extLst>
+          </p:cNvPr>
+          <p:cNvSpPr/>
+          <p:nvPr/>
+        </p:nvSpPr>
+        <p:spPr>
+          <a:xfrm>
+            <a:off x="2673563" y="3125822"/>
+            <a:ext cx="1523024" cy="992464"/>
+          </a:xfrm>
+          <a:prstGeom prst="roundRect">
+            <a:avLst/>
+          </a:prstGeom>
+          <a:ln w="38100">
+            <a:solidFill>
+              <a:schemeClr val="tx1"/>
+            </a:solidFill>
+          </a:ln>
+        </p:spPr>
+        <p:style>
+          <a:lnRef idx="2">
+            <a:schemeClr val="accent2"/>
+          </a:lnRef>
+          <a:fillRef idx="1">
+            <a:schemeClr val="lt1"/>
+          </a:fillRef>
+          <a:effectRef idx="0">
+            <a:schemeClr val="accent2"/>
+          </a:effectRef>
+          <a:fontRef idx="minor">
+            <a:schemeClr val="dk1"/>
+          </a:fontRef>
+        </p:style>
+        <p:txBody>
+          <a:bodyPr rtlCol="0" anchor="ctr"/>
+          <a:lstStyle/>
+          <a:p>
+            <a:pPr algn="ctr"/>
+            <a:r>
+              <a:rPr lang="en-US" b="1" dirty="0">
+                <a:solidFill>
+                  <a:schemeClr val="tx1"/>
+                </a:solidFill>
+              </a:rPr>
+              <a:t>Key Derivation Function</a:t>
+            </a:r>
+          </a:p>
+        </p:txBody>
+      </p:sp>
+      <p:sp>
+        <p:nvSpPr>
+          <p:cNvPr id="116" name="Rounded Rectangle 115">
+            <a:extLst>
+              <a:ext uri="{FF2B5EF4-FFF2-40B4-BE49-F238E27FC236}">
+                <a16:creationId xmlns:a16="http://schemas.microsoft.com/office/drawing/2014/main" id="{DAE16DC2-90F4-5249-8C57-3C2F32189B5C}"/>
+              </a:ext>
+            </a:extLst>
+          </p:cNvPr>
+          <p:cNvSpPr/>
+          <p:nvPr/>
+        </p:nvSpPr>
+        <p:spPr>
+          <a:xfrm>
+            <a:off x="6120508" y="5143532"/>
+            <a:ext cx="1768603" cy="804713"/>
+          </a:xfrm>
+          <a:prstGeom prst="roundRect">
+            <a:avLst/>
+          </a:prstGeom>
+          <a:ln w="38100">
+            <a:solidFill>
+              <a:schemeClr val="tx1"/>
+            </a:solidFill>
+          </a:ln>
+        </p:spPr>
+        <p:style>
+          <a:lnRef idx="2">
+            <a:schemeClr val="accent2"/>
+          </a:lnRef>
+          <a:fillRef idx="1">
+            <a:schemeClr val="lt1"/>
+          </a:fillRef>
+          <a:effectRef idx="0">
+            <a:schemeClr val="accent2"/>
+          </a:effectRef>
+          <a:fontRef idx="minor">
+            <a:schemeClr val="dk1"/>
+          </a:fontRef>
+        </p:style>
+        <p:txBody>
+          <a:bodyPr rtlCol="0" anchor="ctr"/>
+          <a:lstStyle/>
+          <a:p>
+            <a:pPr algn="ctr"/>
+            <a:r>
+              <a:rPr lang="en-US" b="1" dirty="0">
+                <a:solidFill>
+                  <a:srgbClr val="FF0000"/>
+                </a:solidFill>
+              </a:rPr>
+              <a:t>AES Encryption</a:t>
+            </a:r>
+          </a:p>
+        </p:txBody>
+      </p:sp>
+      <p:cxnSp>
+        <p:nvCxnSpPr>
+          <p:cNvPr id="118" name="Straight Arrow Connector 117">
+            <a:extLst>
+              <a:ext uri="{FF2B5EF4-FFF2-40B4-BE49-F238E27FC236}">
+                <a16:creationId xmlns:a16="http://schemas.microsoft.com/office/drawing/2014/main" id="{5A2824B7-3C7A-C748-9CBA-8F1A7BC1C36A}"/>
+              </a:ext>
+            </a:extLst>
+          </p:cNvPr>
+          <p:cNvCxnSpPr>
+            <a:cxnSpLocks/>
+            <a:stCxn id="113" idx="1"/>
+            <a:endCxn id="115" idx="1"/>
+          </p:cNvCxnSpPr>
+          <p:nvPr/>
+        </p:nvCxnSpPr>
+        <p:spPr>
+          <a:xfrm flipV="1">
+            <a:off x="2159245" y="3622054"/>
+            <a:ext cx="514318" cy="1"/>
+          </a:xfrm>
+          <a:prstGeom prst="straightConnector1">
+            <a:avLst/>
+          </a:prstGeom>
+          <a:ln w="38100">
+            <a:solidFill>
+              <a:schemeClr val="tx1"/>
+            </a:solidFill>
+            <a:tailEnd type="triangle"/>
+          </a:ln>
+        </p:spPr>
+        <p:style>
+          <a:lnRef idx="1">
+            <a:schemeClr val="accent1"/>
+          </a:lnRef>
+          <a:fillRef idx="0">
+            <a:schemeClr val="accent1"/>
+          </a:fillRef>
+          <a:effectRef idx="0">
+            <a:schemeClr val="accent1"/>
+          </a:effectRef>
+          <a:fontRef idx="minor">
+            <a:schemeClr val="tx1"/>
+          </a:fontRef>
+        </p:style>
+      </p:cxnSp>
+      <p:cxnSp>
+        <p:nvCxnSpPr>
+          <p:cNvPr id="119" name="Straight Arrow Connector 118">
+            <a:extLst>
+              <a:ext uri="{FF2B5EF4-FFF2-40B4-BE49-F238E27FC236}">
+                <a16:creationId xmlns:a16="http://schemas.microsoft.com/office/drawing/2014/main" id="{9652C420-EFFF-E14D-B034-1D5F58669B38}"/>
+              </a:ext>
+            </a:extLst>
+          </p:cNvPr>
+          <p:cNvCxnSpPr>
+            <a:cxnSpLocks/>
+            <a:stCxn id="115" idx="3"/>
+            <a:endCxn id="123" idx="3"/>
+          </p:cNvCxnSpPr>
+          <p:nvPr/>
+        </p:nvCxnSpPr>
+        <p:spPr>
+          <a:xfrm flipV="1">
+            <a:off x="4196587" y="3621346"/>
+            <a:ext cx="375396" cy="708"/>
+          </a:xfrm>
+          <a:prstGeom prst="straightConnector1">
+            <a:avLst/>
+          </a:prstGeom>
+          <a:ln w="38100">
+            <a:solidFill>
+              <a:schemeClr val="tx1"/>
+            </a:solidFill>
+            <a:tailEnd type="triangle"/>
+          </a:ln>
+        </p:spPr>
+        <p:style>
+          <a:lnRef idx="1">
+            <a:schemeClr val="accent1"/>
+          </a:lnRef>
+          <a:fillRef idx="0">
+            <a:schemeClr val="accent1"/>
+          </a:fillRef>
+          <a:effectRef idx="0">
+            <a:schemeClr val="accent1"/>
+          </a:effectRef>
+          <a:fontRef idx="minor">
+            <a:schemeClr val="tx1"/>
+          </a:fontRef>
+        </p:style>
+      </p:cxnSp>
+      <p:cxnSp>
+        <p:nvCxnSpPr>
+          <p:cNvPr id="120" name="Elbow Connector 119">
+            <a:extLst>
+              <a:ext uri="{FF2B5EF4-FFF2-40B4-BE49-F238E27FC236}">
+                <a16:creationId xmlns:a16="http://schemas.microsoft.com/office/drawing/2014/main" id="{B593C813-49F8-6841-9E28-5953122A3FEF}"/>
+              </a:ext>
+            </a:extLst>
+          </p:cNvPr>
+          <p:cNvCxnSpPr>
+            <a:cxnSpLocks/>
+            <a:stCxn id="121" idx="3"/>
+            <a:endCxn id="115" idx="2"/>
+          </p:cNvCxnSpPr>
+          <p:nvPr/>
+        </p:nvCxnSpPr>
+        <p:spPr>
+          <a:xfrm flipV="1">
+            <a:off x="2564867" y="4118286"/>
+            <a:ext cx="870208" cy="481546"/>
+          </a:xfrm>
+          <a:prstGeom prst="bentConnector2">
+            <a:avLst/>
+          </a:prstGeom>
+          <a:ln w="38100">
+            <a:solidFill>
+              <a:schemeClr val="tx1"/>
+            </a:solidFill>
+            <a:tailEnd type="triangle"/>
+          </a:ln>
+        </p:spPr>
+        <p:style>
+          <a:lnRef idx="1">
+            <a:schemeClr val="accent1"/>
+          </a:lnRef>
+          <a:fillRef idx="0">
+            <a:schemeClr val="accent1"/>
+          </a:fillRef>
+          <a:effectRef idx="0">
+            <a:schemeClr val="accent1"/>
+          </a:effectRef>
+          <a:fontRef idx="minor">
+            <a:schemeClr val="tx1"/>
+          </a:fontRef>
+        </p:style>
+      </p:cxnSp>
+      <p:sp>
+        <p:nvSpPr>
+          <p:cNvPr id="121" name="TextBox 120">
+            <a:extLst>
+              <a:ext uri="{FF2B5EF4-FFF2-40B4-BE49-F238E27FC236}">
+                <a16:creationId xmlns:a16="http://schemas.microsoft.com/office/drawing/2014/main" id="{5E388964-FF88-FA45-9D9C-874D5D20C714}"/>
+              </a:ext>
+            </a:extLst>
+          </p:cNvPr>
+          <p:cNvSpPr txBox="1"/>
+          <p:nvPr/>
+        </p:nvSpPr>
+        <p:spPr>
+          <a:xfrm>
+            <a:off x="1213150" y="4276666"/>
+            <a:ext cx="1351717" cy="646331"/>
+          </a:xfrm>
+          <a:prstGeom prst="rect">
+            <a:avLst/>
+          </a:prstGeom>
+          <a:noFill/>
+        </p:spPr>
+        <p:txBody>
+          <a:bodyPr wrap="none" rtlCol="0">
+            <a:spAutoFit/>
+          </a:bodyPr>
+          <a:lstStyle/>
+          <a:p>
+            <a:pPr algn="ctr"/>
+            <a:r>
+              <a:rPr lang="en-US" dirty="0"/>
+              <a:t>KDF params </a:t>
+            </a:r>
+          </a:p>
+          <a:p>
+            <a:pPr algn="ctr"/>
+            <a:r>
+              <a:rPr lang="en-US" dirty="0"/>
+              <a:t>(Salt, etc.)</a:t>
+            </a:r>
+          </a:p>
+        </p:txBody>
+      </p:sp>
+      <p:cxnSp>
+        <p:nvCxnSpPr>
+          <p:cNvPr id="122" name="Straight Arrow Connector 121">
+            <a:extLst>
+              <a:ext uri="{FF2B5EF4-FFF2-40B4-BE49-F238E27FC236}">
+                <a16:creationId xmlns:a16="http://schemas.microsoft.com/office/drawing/2014/main" id="{1613ACB5-86CB-9647-9F96-1CE950DD4BA3}"/>
+              </a:ext>
+            </a:extLst>
+          </p:cNvPr>
+          <p:cNvCxnSpPr>
+            <a:cxnSpLocks/>
+            <a:stCxn id="116" idx="3"/>
+            <a:endCxn id="127" idx="1"/>
+          </p:cNvCxnSpPr>
+          <p:nvPr/>
+        </p:nvCxnSpPr>
+        <p:spPr>
+          <a:xfrm flipV="1">
+            <a:off x="7889111" y="5545888"/>
+            <a:ext cx="555290" cy="1"/>
+          </a:xfrm>
+          <a:prstGeom prst="straightConnector1">
+            <a:avLst/>
+          </a:prstGeom>
+          <a:ln w="38100">
+            <a:solidFill>
+              <a:schemeClr val="tx1"/>
+            </a:solidFill>
+            <a:tailEnd type="triangle"/>
+          </a:ln>
+        </p:spPr>
+        <p:style>
+          <a:lnRef idx="1">
+            <a:schemeClr val="accent1"/>
+          </a:lnRef>
+          <a:fillRef idx="0">
+            <a:schemeClr val="accent1"/>
+          </a:fillRef>
+          <a:effectRef idx="0">
+            <a:schemeClr val="accent1"/>
+          </a:effectRef>
+          <a:fontRef idx="minor">
+            <a:schemeClr val="tx1"/>
+          </a:fontRef>
+        </p:style>
+      </p:cxnSp>
+      <p:sp>
+        <p:nvSpPr>
+          <p:cNvPr id="123" name="TextBox 122">
+            <a:extLst>
+              <a:ext uri="{FF2B5EF4-FFF2-40B4-BE49-F238E27FC236}">
+                <a16:creationId xmlns:a16="http://schemas.microsoft.com/office/drawing/2014/main" id="{954113B2-902D-7F43-A30D-41FF059B2587}"/>
+              </a:ext>
+            </a:extLst>
+          </p:cNvPr>
+          <p:cNvSpPr txBox="1"/>
+          <p:nvPr/>
+        </p:nvSpPr>
+        <p:spPr>
+          <a:xfrm flipH="1">
+            <a:off x="4571983" y="3159681"/>
+            <a:ext cx="1213788" cy="923330"/>
+          </a:xfrm>
+          <a:prstGeom prst="rect">
+            <a:avLst/>
+          </a:prstGeom>
+          <a:noFill/>
+        </p:spPr>
+        <p:txBody>
+          <a:bodyPr wrap="square" rtlCol="0">
+            <a:spAutoFit/>
+          </a:bodyPr>
+          <a:lstStyle/>
+          <a:p>
+            <a:pPr algn="ctr"/>
+            <a:r>
+              <a:rPr lang="en-US" b="1" dirty="0">
+                <a:solidFill>
+                  <a:srgbClr val="FF0000"/>
+                </a:solidFill>
+              </a:rPr>
+              <a:t>Key Encryption</a:t>
+            </a:r>
+            <a:br>
+              <a:rPr lang="en-US" b="1" dirty="0">
+                <a:solidFill>
+                  <a:srgbClr val="FF0000"/>
+                </a:solidFill>
+              </a:rPr>
+            </a:br>
+            <a:r>
+              <a:rPr lang="en-US" b="1" dirty="0">
+                <a:solidFill>
+                  <a:srgbClr val="FF0000"/>
+                </a:solidFill>
+              </a:rPr>
+              <a:t>Key</a:t>
+            </a:r>
+          </a:p>
+        </p:txBody>
+      </p:sp>
+      <p:cxnSp>
+        <p:nvCxnSpPr>
+          <p:cNvPr id="124" name="Straight Arrow Connector 123">
+            <a:extLst>
+              <a:ext uri="{FF2B5EF4-FFF2-40B4-BE49-F238E27FC236}">
+                <a16:creationId xmlns:a16="http://schemas.microsoft.com/office/drawing/2014/main" id="{B33998F9-A0CC-9444-B548-E9EE3759DBA6}"/>
+              </a:ext>
+            </a:extLst>
+          </p:cNvPr>
+          <p:cNvCxnSpPr>
+            <a:cxnSpLocks/>
+            <a:stCxn id="167" idx="3"/>
+            <a:endCxn id="116" idx="1"/>
+          </p:cNvCxnSpPr>
+          <p:nvPr/>
+        </p:nvCxnSpPr>
+        <p:spPr>
+          <a:xfrm>
+            <a:off x="5580427" y="5545889"/>
+            <a:ext cx="540081" cy="0"/>
+          </a:xfrm>
+          <a:prstGeom prst="straightConnector1">
+            <a:avLst/>
+          </a:prstGeom>
+          <a:ln w="38100">
+            <a:solidFill>
+              <a:schemeClr val="tx1"/>
+            </a:solidFill>
+            <a:tailEnd type="triangle"/>
+          </a:ln>
+        </p:spPr>
+        <p:style>
+          <a:lnRef idx="1">
+            <a:schemeClr val="accent1"/>
+          </a:lnRef>
+          <a:fillRef idx="0">
+            <a:schemeClr val="accent1"/>
+          </a:fillRef>
+          <a:effectRef idx="0">
+            <a:schemeClr val="accent1"/>
+          </a:effectRef>
+          <a:fontRef idx="minor">
+            <a:schemeClr val="tx1"/>
+          </a:fontRef>
+        </p:style>
+      </p:cxnSp>
+      <p:cxnSp>
+        <p:nvCxnSpPr>
+          <p:cNvPr id="125" name="Elbow Connector 124">
+            <a:extLst>
+              <a:ext uri="{FF2B5EF4-FFF2-40B4-BE49-F238E27FC236}">
+                <a16:creationId xmlns:a16="http://schemas.microsoft.com/office/drawing/2014/main" id="{309CD14D-B58A-E740-BFEF-C23C148D1E8E}"/>
+              </a:ext>
+            </a:extLst>
+          </p:cNvPr>
+          <p:cNvCxnSpPr>
+            <a:cxnSpLocks/>
+            <a:stCxn id="126" idx="3"/>
+            <a:endCxn id="116" idx="2"/>
+          </p:cNvCxnSpPr>
+          <p:nvPr/>
+        </p:nvCxnSpPr>
+        <p:spPr>
+          <a:xfrm flipV="1">
+            <a:off x="6462516" y="5948245"/>
+            <a:ext cx="542294" cy="526045"/>
+          </a:xfrm>
+          <a:prstGeom prst="bentConnector2">
+            <a:avLst/>
+          </a:prstGeom>
+          <a:ln w="38100">
+            <a:solidFill>
+              <a:schemeClr val="tx1"/>
+            </a:solidFill>
+            <a:tailEnd type="triangle"/>
+          </a:ln>
+        </p:spPr>
+        <p:style>
+          <a:lnRef idx="1">
+            <a:schemeClr val="accent1"/>
+          </a:lnRef>
+          <a:fillRef idx="0">
+            <a:schemeClr val="accent1"/>
+          </a:fillRef>
+          <a:effectRef idx="0">
+            <a:schemeClr val="accent1"/>
+          </a:effectRef>
+          <a:fontRef idx="minor">
+            <a:schemeClr val="tx1"/>
+          </a:fontRef>
+        </p:style>
+      </p:cxnSp>
+      <p:sp>
+        <p:nvSpPr>
+          <p:cNvPr id="126" name="TextBox 125">
+            <a:extLst>
+              <a:ext uri="{FF2B5EF4-FFF2-40B4-BE49-F238E27FC236}">
+                <a16:creationId xmlns:a16="http://schemas.microsoft.com/office/drawing/2014/main" id="{3D44375A-48D9-8D49-BA62-225E3B5E4A44}"/>
+              </a:ext>
+            </a:extLst>
+          </p:cNvPr>
+          <p:cNvSpPr txBox="1"/>
+          <p:nvPr/>
+        </p:nvSpPr>
+        <p:spPr>
+          <a:xfrm>
+            <a:off x="5109027" y="6289624"/>
+            <a:ext cx="1353489" cy="369332"/>
+          </a:xfrm>
+          <a:prstGeom prst="rect">
+            <a:avLst/>
+          </a:prstGeom>
+          <a:noFill/>
+        </p:spPr>
+        <p:txBody>
+          <a:bodyPr wrap="square" rtlCol="0">
+            <a:spAutoFit/>
+          </a:bodyPr>
+          <a:lstStyle/>
+          <a:p>
+            <a:pPr algn="ctr"/>
+            <a:r>
+              <a:rPr lang="en-US" dirty="0"/>
+              <a:t>Plaintext</a:t>
+            </a:r>
+          </a:p>
+        </p:txBody>
+      </p:sp>
+      <p:sp>
+        <p:nvSpPr>
+          <p:cNvPr id="127" name="TextBox 126">
+            <a:extLst>
+              <a:ext uri="{FF2B5EF4-FFF2-40B4-BE49-F238E27FC236}">
+                <a16:creationId xmlns:a16="http://schemas.microsoft.com/office/drawing/2014/main" id="{8BCE17AC-C535-4543-8F6D-211742D75CC8}"/>
+              </a:ext>
+            </a:extLst>
+          </p:cNvPr>
+          <p:cNvSpPr txBox="1"/>
+          <p:nvPr/>
+        </p:nvSpPr>
+        <p:spPr>
+          <a:xfrm>
+            <a:off x="8444401" y="5361222"/>
+            <a:ext cx="1252867" cy="369332"/>
+          </a:xfrm>
+          <a:prstGeom prst="rect">
+            <a:avLst/>
+          </a:prstGeom>
+          <a:noFill/>
+          <a:ln>
+            <a:noFill/>
+          </a:ln>
+        </p:spPr>
+        <p:txBody>
+          <a:bodyPr wrap="square" rtlCol="0">
+            <a:spAutoFit/>
+          </a:bodyPr>
+          <a:lstStyle/>
+          <a:p>
+            <a:pPr algn="ctr"/>
+            <a:r>
+              <a:rPr lang="en-US" dirty="0"/>
+              <a:t>Ciphertext</a:t>
+            </a:r>
+          </a:p>
+        </p:txBody>
+      </p:sp>
+      <p:sp>
+        <p:nvSpPr>
+          <p:cNvPr id="131" name="Rounded Rectangle 130">
+            <a:extLst>
+              <a:ext uri="{FF2B5EF4-FFF2-40B4-BE49-F238E27FC236}">
+                <a16:creationId xmlns:a16="http://schemas.microsoft.com/office/drawing/2014/main" id="{560D66A2-B03E-9F4A-918D-10C098ABEB58}"/>
+              </a:ext>
+            </a:extLst>
+          </p:cNvPr>
+          <p:cNvSpPr/>
+          <p:nvPr/>
+        </p:nvSpPr>
+        <p:spPr>
+          <a:xfrm>
+            <a:off x="6120509" y="3125821"/>
+            <a:ext cx="1768603" cy="992466"/>
+          </a:xfrm>
+          <a:prstGeom prst="roundRect">
+            <a:avLst/>
+          </a:prstGeom>
+          <a:ln w="38100">
+            <a:solidFill>
+              <a:schemeClr val="tx1"/>
+            </a:solidFill>
+          </a:ln>
+        </p:spPr>
+        <p:style>
+          <a:lnRef idx="2">
+            <a:schemeClr val="accent2"/>
+          </a:lnRef>
+          <a:fillRef idx="1">
+            <a:schemeClr val="lt1"/>
+          </a:fillRef>
+          <a:effectRef idx="0">
+            <a:schemeClr val="accent2"/>
+          </a:effectRef>
+          <a:fontRef idx="minor">
+            <a:schemeClr val="dk1"/>
+          </a:fontRef>
+        </p:style>
+        <p:txBody>
+          <a:bodyPr rtlCol="0" anchor="ctr"/>
+          <a:lstStyle/>
+          <a:p>
+            <a:pPr algn="ctr"/>
+            <a:r>
+              <a:rPr lang="en-US" b="1" dirty="0">
+                <a:solidFill>
+                  <a:srgbClr val="FF0000"/>
+                </a:solidFill>
+              </a:rPr>
+              <a:t>AES Encryption (Key Wrapping)</a:t>
+            </a:r>
+          </a:p>
+        </p:txBody>
+      </p:sp>
+      <p:cxnSp>
+        <p:nvCxnSpPr>
+          <p:cNvPr id="132" name="Straight Arrow Connector 131">
+            <a:extLst>
+              <a:ext uri="{FF2B5EF4-FFF2-40B4-BE49-F238E27FC236}">
+                <a16:creationId xmlns:a16="http://schemas.microsoft.com/office/drawing/2014/main" id="{816CD1F3-CECD-6249-B32A-2B98B76862CE}"/>
+              </a:ext>
+            </a:extLst>
+          </p:cNvPr>
+          <p:cNvCxnSpPr>
+            <a:cxnSpLocks/>
+            <a:stCxn id="123" idx="1"/>
+            <a:endCxn id="131" idx="1"/>
+          </p:cNvCxnSpPr>
+          <p:nvPr/>
+        </p:nvCxnSpPr>
+        <p:spPr>
+          <a:xfrm>
+            <a:off x="5785771" y="3621346"/>
+            <a:ext cx="334738" cy="708"/>
+          </a:xfrm>
+          <a:prstGeom prst="straightConnector1">
+            <a:avLst/>
+          </a:prstGeom>
+          <a:ln w="38100">
+            <a:solidFill>
+              <a:schemeClr val="tx1"/>
+            </a:solidFill>
+            <a:tailEnd type="triangle"/>
+          </a:ln>
+        </p:spPr>
+        <p:style>
+          <a:lnRef idx="1">
+            <a:schemeClr val="accent1"/>
+          </a:lnRef>
+          <a:fillRef idx="0">
+            <a:schemeClr val="accent1"/>
+          </a:fillRef>
+          <a:effectRef idx="0">
+            <a:schemeClr val="accent1"/>
+          </a:effectRef>
+          <a:fontRef idx="minor">
+            <a:schemeClr val="tx1"/>
+          </a:fontRef>
+        </p:style>
+      </p:cxnSp>
+      <p:sp>
+        <p:nvSpPr>
+          <p:cNvPr id="167" name="TextBox 166">
+            <a:extLst>
+              <a:ext uri="{FF2B5EF4-FFF2-40B4-BE49-F238E27FC236}">
+                <a16:creationId xmlns:a16="http://schemas.microsoft.com/office/drawing/2014/main" id="{0D2764F5-D7DF-2B48-9E9F-77B1E5E6F9C7}"/>
+              </a:ext>
+            </a:extLst>
+          </p:cNvPr>
+          <p:cNvSpPr txBox="1"/>
+          <p:nvPr/>
+        </p:nvSpPr>
+        <p:spPr>
+          <a:xfrm>
+            <a:off x="4196587" y="5361223"/>
+            <a:ext cx="1383840" cy="369332"/>
+          </a:xfrm>
+          <a:prstGeom prst="rect">
+            <a:avLst/>
+          </a:prstGeom>
+          <a:noFill/>
+        </p:spPr>
+        <p:txBody>
+          <a:bodyPr wrap="none" rtlCol="0">
+            <a:spAutoFit/>
+          </a:bodyPr>
+          <a:lstStyle/>
+          <a:p>
+            <a:r>
+              <a:rPr lang="en-US" b="1" dirty="0">
+                <a:solidFill>
+                  <a:srgbClr val="FF0000"/>
+                </a:solidFill>
+              </a:rPr>
+              <a:t>Random Key</a:t>
+            </a:r>
+          </a:p>
+        </p:txBody>
+      </p:sp>
+      <p:cxnSp>
+        <p:nvCxnSpPr>
+          <p:cNvPr id="170" name="Straight Arrow Connector 169">
+            <a:extLst>
+              <a:ext uri="{FF2B5EF4-FFF2-40B4-BE49-F238E27FC236}">
+                <a16:creationId xmlns:a16="http://schemas.microsoft.com/office/drawing/2014/main" id="{ADDA084E-3D05-2D40-BFD2-F05BB66342D3}"/>
+              </a:ext>
+            </a:extLst>
+          </p:cNvPr>
+          <p:cNvCxnSpPr>
+            <a:cxnSpLocks/>
+            <a:stCxn id="131" idx="3"/>
+          </p:cNvCxnSpPr>
+          <p:nvPr/>
+        </p:nvCxnSpPr>
+        <p:spPr>
+          <a:xfrm>
+            <a:off x="7889112" y="3622054"/>
+            <a:ext cx="555289" cy="0"/>
+          </a:xfrm>
+          <a:prstGeom prst="straightConnector1">
+            <a:avLst/>
+          </a:prstGeom>
+          <a:ln w="38100">
+            <a:solidFill>
+              <a:schemeClr val="tx1"/>
+            </a:solidFill>
+            <a:tailEnd type="triangle"/>
+          </a:ln>
+        </p:spPr>
+        <p:style>
+          <a:lnRef idx="1">
+            <a:schemeClr val="accent1"/>
+          </a:lnRef>
+          <a:fillRef idx="0">
+            <a:schemeClr val="accent1"/>
+          </a:fillRef>
+          <a:effectRef idx="0">
+            <a:schemeClr val="accent1"/>
+          </a:effectRef>
+          <a:fontRef idx="minor">
+            <a:schemeClr val="tx1"/>
+          </a:fontRef>
+        </p:style>
+      </p:cxnSp>
+      <p:sp>
+        <p:nvSpPr>
+          <p:cNvPr id="173" name="TextBox 172">
+            <a:extLst>
+              <a:ext uri="{FF2B5EF4-FFF2-40B4-BE49-F238E27FC236}">
+                <a16:creationId xmlns:a16="http://schemas.microsoft.com/office/drawing/2014/main" id="{759C76DD-E2D0-8B42-AF9A-731EB8B4A6B9}"/>
+              </a:ext>
+            </a:extLst>
+          </p:cNvPr>
+          <p:cNvSpPr txBox="1"/>
+          <p:nvPr/>
+        </p:nvSpPr>
+        <p:spPr>
+          <a:xfrm>
+            <a:off x="8434700" y="3443896"/>
+            <a:ext cx="2340529" cy="369332"/>
+          </a:xfrm>
+          <a:prstGeom prst="rect">
+            <a:avLst/>
+          </a:prstGeom>
+          <a:noFill/>
+          <a:ln>
+            <a:noFill/>
+          </a:ln>
+        </p:spPr>
+        <p:txBody>
+          <a:bodyPr wrap="square" rtlCol="0">
+            <a:spAutoFit/>
+          </a:bodyPr>
+          <a:lstStyle/>
+          <a:p>
+            <a:pPr algn="ctr"/>
+            <a:r>
+              <a:rPr lang="en-US" dirty="0"/>
+              <a:t>Encrypted Random Key</a:t>
+            </a:r>
+          </a:p>
+        </p:txBody>
+      </p:sp>
+      <p:cxnSp>
+        <p:nvCxnSpPr>
+          <p:cNvPr id="190" name="Elbow Connector 189">
+            <a:extLst>
+              <a:ext uri="{FF2B5EF4-FFF2-40B4-BE49-F238E27FC236}">
+                <a16:creationId xmlns:a16="http://schemas.microsoft.com/office/drawing/2014/main" id="{EF1B4E16-5770-D24B-829C-B4C61612B4B4}"/>
+              </a:ext>
+            </a:extLst>
+          </p:cNvPr>
+          <p:cNvCxnSpPr>
+            <a:cxnSpLocks/>
+            <a:stCxn id="167" idx="0"/>
+            <a:endCxn id="131" idx="2"/>
+          </p:cNvCxnSpPr>
+          <p:nvPr/>
+        </p:nvCxnSpPr>
+        <p:spPr>
+          <a:xfrm rot="5400000" flipH="1" flipV="1">
+            <a:off x="5325191" y="3681603"/>
+            <a:ext cx="1242936" cy="2116304"/>
+          </a:xfrm>
+          <a:prstGeom prst="bentConnector3">
+            <a:avLst>
+              <a:gd name="adj1" fmla="val 50000"/>
+            </a:avLst>
+          </a:prstGeom>
+          <a:ln w="38100">
+            <a:solidFill>
+              <a:schemeClr val="tx1"/>
+            </a:solidFill>
+            <a:tailEnd type="triangle"/>
+          </a:ln>
+        </p:spPr>
+        <p:style>
+          <a:lnRef idx="1">
+            <a:schemeClr val="accent1"/>
+          </a:lnRef>
+          <a:fillRef idx="0">
+            <a:schemeClr val="accent1"/>
+          </a:fillRef>
+          <a:effectRef idx="0">
+            <a:schemeClr val="accent1"/>
+          </a:effectRef>
+          <a:fontRef idx="minor">
+            <a:schemeClr val="tx1"/>
+          </a:fontRef>
+        </p:style>
+      </p:cxnSp>
+    </p:spTree>
+    <p:extLst>
+      <p:ext uri="{BB962C8B-B14F-4D97-AF65-F5344CB8AC3E}">
+        <p14:creationId xmlns:p14="http://schemas.microsoft.com/office/powerpoint/2010/main" val="963138920"/>
       </p:ext>
     </p:extLst>
   </p:cSld>

--- a/images.pptx
+++ b/images.pptx
@@ -5,7 +5,7 @@
     <p:sldMasterId id="2147483648" r:id="rId1"/>
   </p:sldMasterIdLst>
   <p:notesMasterIdLst>
-    <p:notesMasterId r:id="rId28"/>
+    <p:notesMasterId r:id="rId29"/>
   </p:notesMasterIdLst>
   <p:sldIdLst>
     <p:sldId id="257" r:id="rId2"/>
@@ -34,6 +34,7 @@
     <p:sldId id="279" r:id="rId25"/>
     <p:sldId id="280" r:id="rId26"/>
     <p:sldId id="281" r:id="rId27"/>
+    <p:sldId id="282" r:id="rId28"/>
   </p:sldIdLst>
   <p:sldSz cx="12192000" cy="6858000"/>
   <p:notesSz cx="6858000" cy="9144000"/>
@@ -222,7 +223,7 @@
           <a:p>
             <a:fld id="{7CEEDDC0-DF20-AC46-B752-4D05A37D4059}" type="datetimeFigureOut">
               <a:rPr lang="en-US" smtClean="0"/>
-              <a:t>9/5/19</a:t>
+              <a:t>9/17/19</a:t>
             </a:fld>
             <a:endParaRPr lang="en-US"/>
           </a:p>
@@ -972,7 +973,7 @@
           <a:p>
             <a:fld id="{ABB50B84-C221-BA49-B172-B6D4747B1BA4}" type="datetimeFigureOut">
               <a:rPr lang="en-US" smtClean="0"/>
-              <a:t>9/5/19</a:t>
+              <a:t>9/17/19</a:t>
             </a:fld>
             <a:endParaRPr lang="en-US"/>
           </a:p>
@@ -1170,7 +1171,7 @@
           <a:p>
             <a:fld id="{ABB50B84-C221-BA49-B172-B6D4747B1BA4}" type="datetimeFigureOut">
               <a:rPr lang="en-US" smtClean="0"/>
-              <a:t>9/5/19</a:t>
+              <a:t>9/17/19</a:t>
             </a:fld>
             <a:endParaRPr lang="en-US"/>
           </a:p>
@@ -1378,7 +1379,7 @@
           <a:p>
             <a:fld id="{ABB50B84-C221-BA49-B172-B6D4747B1BA4}" type="datetimeFigureOut">
               <a:rPr lang="en-US" smtClean="0"/>
-              <a:t>9/5/19</a:t>
+              <a:t>9/17/19</a:t>
             </a:fld>
             <a:endParaRPr lang="en-US"/>
           </a:p>
@@ -1576,7 +1577,7 @@
           <a:p>
             <a:fld id="{ABB50B84-C221-BA49-B172-B6D4747B1BA4}" type="datetimeFigureOut">
               <a:rPr lang="en-US" smtClean="0"/>
-              <a:t>9/5/19</a:t>
+              <a:t>9/17/19</a:t>
             </a:fld>
             <a:endParaRPr lang="en-US"/>
           </a:p>
@@ -1851,7 +1852,7 @@
           <a:p>
             <a:fld id="{ABB50B84-C221-BA49-B172-B6D4747B1BA4}" type="datetimeFigureOut">
               <a:rPr lang="en-US" smtClean="0"/>
-              <a:t>9/5/19</a:t>
+              <a:t>9/17/19</a:t>
             </a:fld>
             <a:endParaRPr lang="en-US"/>
           </a:p>
@@ -2116,7 +2117,7 @@
           <a:p>
             <a:fld id="{ABB50B84-C221-BA49-B172-B6D4747B1BA4}" type="datetimeFigureOut">
               <a:rPr lang="en-US" smtClean="0"/>
-              <a:t>9/5/19</a:t>
+              <a:t>9/17/19</a:t>
             </a:fld>
             <a:endParaRPr lang="en-US"/>
           </a:p>
@@ -2528,7 +2529,7 @@
           <a:p>
             <a:fld id="{ABB50B84-C221-BA49-B172-B6D4747B1BA4}" type="datetimeFigureOut">
               <a:rPr lang="en-US" smtClean="0"/>
-              <a:t>9/5/19</a:t>
+              <a:t>9/17/19</a:t>
             </a:fld>
             <a:endParaRPr lang="en-US"/>
           </a:p>
@@ -2669,7 +2670,7 @@
           <a:p>
             <a:fld id="{ABB50B84-C221-BA49-B172-B6D4747B1BA4}" type="datetimeFigureOut">
               <a:rPr lang="en-US" smtClean="0"/>
-              <a:t>9/5/19</a:t>
+              <a:t>9/17/19</a:t>
             </a:fld>
             <a:endParaRPr lang="en-US"/>
           </a:p>
@@ -2782,7 +2783,7 @@
           <a:p>
             <a:fld id="{ABB50B84-C221-BA49-B172-B6D4747B1BA4}" type="datetimeFigureOut">
               <a:rPr lang="en-US" smtClean="0"/>
-              <a:t>9/5/19</a:t>
+              <a:t>9/17/19</a:t>
             </a:fld>
             <a:endParaRPr lang="en-US"/>
           </a:p>
@@ -3093,7 +3094,7 @@
           <a:p>
             <a:fld id="{ABB50B84-C221-BA49-B172-B6D4747B1BA4}" type="datetimeFigureOut">
               <a:rPr lang="en-US" smtClean="0"/>
-              <a:t>9/5/19</a:t>
+              <a:t>9/17/19</a:t>
             </a:fld>
             <a:endParaRPr lang="en-US"/>
           </a:p>
@@ -3381,7 +3382,7 @@
           <a:p>
             <a:fld id="{ABB50B84-C221-BA49-B172-B6D4747B1BA4}" type="datetimeFigureOut">
               <a:rPr lang="en-US" smtClean="0"/>
-              <a:t>9/5/19</a:t>
+              <a:t>9/17/19</a:t>
             </a:fld>
             <a:endParaRPr lang="en-US"/>
           </a:p>
@@ -3622,7 +3623,7 @@
           <a:p>
             <a:fld id="{ABB50B84-C221-BA49-B172-B6D4747B1BA4}" type="datetimeFigureOut">
               <a:rPr lang="en-US" smtClean="0"/>
-              <a:t>9/5/19</a:t>
+              <a:t>9/17/19</a:t>
             </a:fld>
             <a:endParaRPr lang="en-US"/>
           </a:p>
@@ -21935,6 +21936,1977 @@
     <p:extLst>
       <p:ext uri="{BB962C8B-B14F-4D97-AF65-F5344CB8AC3E}">
         <p14:creationId xmlns:p14="http://schemas.microsoft.com/office/powerpoint/2010/main" val="963138920"/>
+      </p:ext>
+    </p:extLst>
+  </p:cSld>
+  <p:clrMapOvr>
+    <a:masterClrMapping/>
+  </p:clrMapOvr>
+</p:sld>
+</file>
+
+<file path=ppt/slides/slide27.xml><?xml version="1.0" encoding="utf-8"?>
+<p:sld xmlns:a="http://schemas.openxmlformats.org/drawingml/2006/main" xmlns:r="http://schemas.openxmlformats.org/officeDocument/2006/relationships" xmlns:p="http://schemas.openxmlformats.org/presentationml/2006/main">
+  <p:cSld>
+    <p:spTree>
+      <p:nvGrpSpPr>
+        <p:cNvPr id="1" name=""/>
+        <p:cNvGrpSpPr/>
+        <p:nvPr/>
+      </p:nvGrpSpPr>
+      <p:grpSpPr>
+        <a:xfrm>
+          <a:off x="0" y="0"/>
+          <a:ext cx="0" cy="0"/>
+          <a:chOff x="0" y="0"/>
+          <a:chExt cx="0" cy="0"/>
+        </a:xfrm>
+      </p:grpSpPr>
+      <p:cxnSp>
+        <p:nvCxnSpPr>
+          <p:cNvPr id="5" name="Straight Arrow Connector 4">
+            <a:extLst>
+              <a:ext uri="{FF2B5EF4-FFF2-40B4-BE49-F238E27FC236}">
+                <a16:creationId xmlns:a16="http://schemas.microsoft.com/office/drawing/2014/main" id="{82641C92-0216-1442-84FA-518529305328}"/>
+              </a:ext>
+            </a:extLst>
+          </p:cNvPr>
+          <p:cNvCxnSpPr>
+            <a:cxnSpLocks/>
+          </p:cNvCxnSpPr>
+          <p:nvPr/>
+        </p:nvCxnSpPr>
+        <p:spPr>
+          <a:xfrm>
+            <a:off x="5332779" y="2380386"/>
+            <a:ext cx="1746607" cy="0"/>
+          </a:xfrm>
+          <a:prstGeom prst="straightConnector1">
+            <a:avLst/>
+          </a:prstGeom>
+          <a:ln w="38100">
+            <a:solidFill>
+              <a:schemeClr val="tx1"/>
+            </a:solidFill>
+            <a:tailEnd type="triangle"/>
+          </a:ln>
+        </p:spPr>
+        <p:style>
+          <a:lnRef idx="1">
+            <a:schemeClr val="accent1"/>
+          </a:lnRef>
+          <a:fillRef idx="0">
+            <a:schemeClr val="accent1"/>
+          </a:fillRef>
+          <a:effectRef idx="0">
+            <a:schemeClr val="accent1"/>
+          </a:effectRef>
+          <a:fontRef idx="minor">
+            <a:schemeClr val="tx1"/>
+          </a:fontRef>
+        </p:style>
+      </p:cxnSp>
+      <p:cxnSp>
+        <p:nvCxnSpPr>
+          <p:cNvPr id="6" name="Straight Arrow Connector 5">
+            <a:extLst>
+              <a:ext uri="{FF2B5EF4-FFF2-40B4-BE49-F238E27FC236}">
+                <a16:creationId xmlns:a16="http://schemas.microsoft.com/office/drawing/2014/main" id="{11E8DAEF-31EE-E740-B1D0-B57F1E21AA93}"/>
+              </a:ext>
+            </a:extLst>
+          </p:cNvPr>
+          <p:cNvCxnSpPr>
+            <a:cxnSpLocks/>
+          </p:cNvCxnSpPr>
+          <p:nvPr/>
+        </p:nvCxnSpPr>
+        <p:spPr>
+          <a:xfrm>
+            <a:off x="1828800" y="4190143"/>
+            <a:ext cx="9205645" cy="0"/>
+          </a:xfrm>
+          <a:prstGeom prst="straightConnector1">
+            <a:avLst/>
+          </a:prstGeom>
+          <a:ln w="38100">
+            <a:solidFill>
+              <a:schemeClr val="tx1"/>
+            </a:solidFill>
+            <a:tailEnd type="triangle"/>
+          </a:ln>
+        </p:spPr>
+        <p:style>
+          <a:lnRef idx="1">
+            <a:schemeClr val="accent1"/>
+          </a:lnRef>
+          <a:fillRef idx="0">
+            <a:schemeClr val="accent1"/>
+          </a:fillRef>
+          <a:effectRef idx="0">
+            <a:schemeClr val="accent1"/>
+          </a:effectRef>
+          <a:fontRef idx="minor">
+            <a:schemeClr val="tx1"/>
+          </a:fontRef>
+        </p:style>
+      </p:cxnSp>
+      <p:sp>
+        <p:nvSpPr>
+          <p:cNvPr id="11" name="TextBox 10">
+            <a:extLst>
+              <a:ext uri="{FF2B5EF4-FFF2-40B4-BE49-F238E27FC236}">
+                <a16:creationId xmlns:a16="http://schemas.microsoft.com/office/drawing/2014/main" id="{6F6D08CF-ED6D-6C44-B6CA-84B0368EF71B}"/>
+              </a:ext>
+            </a:extLst>
+          </p:cNvPr>
+          <p:cNvSpPr txBox="1"/>
+          <p:nvPr/>
+        </p:nvSpPr>
+        <p:spPr>
+          <a:xfrm>
+            <a:off x="5181936" y="2011054"/>
+            <a:ext cx="301686" cy="369332"/>
+          </a:xfrm>
+          <a:prstGeom prst="rect">
+            <a:avLst/>
+          </a:prstGeom>
+          <a:noFill/>
+        </p:spPr>
+        <p:txBody>
+          <a:bodyPr wrap="none" rtlCol="0">
+            <a:spAutoFit/>
+          </a:bodyPr>
+          <a:lstStyle/>
+          <a:p>
+            <a:r>
+              <a:rPr lang="en-US" dirty="0"/>
+              <a:t>0</a:t>
+            </a:r>
+          </a:p>
+        </p:txBody>
+      </p:sp>
+      <p:sp>
+        <p:nvSpPr>
+          <p:cNvPr id="12" name="TextBox 11">
+            <a:extLst>
+              <a:ext uri="{FF2B5EF4-FFF2-40B4-BE49-F238E27FC236}">
+                <a16:creationId xmlns:a16="http://schemas.microsoft.com/office/drawing/2014/main" id="{36B39109-5699-EF4B-946D-25B85234DA3C}"/>
+              </a:ext>
+            </a:extLst>
+          </p:cNvPr>
+          <p:cNvSpPr txBox="1"/>
+          <p:nvPr/>
+        </p:nvSpPr>
+        <p:spPr>
+          <a:xfrm>
+            <a:off x="6777700" y="2011054"/>
+            <a:ext cx="537327" cy="369332"/>
+          </a:xfrm>
+          <a:prstGeom prst="rect">
+            <a:avLst/>
+          </a:prstGeom>
+          <a:noFill/>
+        </p:spPr>
+        <p:txBody>
+          <a:bodyPr wrap="none" rtlCol="0">
+            <a:spAutoFit/>
+          </a:bodyPr>
+          <a:lstStyle/>
+          <a:p>
+            <a:r>
+              <a:rPr lang="en-US" dirty="0"/>
+              <a:t>2</a:t>
+            </a:r>
+            <a:r>
+              <a:rPr lang="en-US" baseline="30000" dirty="0"/>
+              <a:t>128</a:t>
+            </a:r>
+          </a:p>
+        </p:txBody>
+      </p:sp>
+      <p:sp>
+        <p:nvSpPr>
+          <p:cNvPr id="15" name="TextBox 14">
+            <a:extLst>
+              <a:ext uri="{FF2B5EF4-FFF2-40B4-BE49-F238E27FC236}">
+                <a16:creationId xmlns:a16="http://schemas.microsoft.com/office/drawing/2014/main" id="{35C64B71-5FEA-5947-88E3-3AB2FEE00F6A}"/>
+              </a:ext>
+            </a:extLst>
+          </p:cNvPr>
+          <p:cNvSpPr txBox="1"/>
+          <p:nvPr/>
+        </p:nvSpPr>
+        <p:spPr>
+          <a:xfrm>
+            <a:off x="1677957" y="3820810"/>
+            <a:ext cx="301686" cy="369332"/>
+          </a:xfrm>
+          <a:prstGeom prst="rect">
+            <a:avLst/>
+          </a:prstGeom>
+          <a:noFill/>
+        </p:spPr>
+        <p:txBody>
+          <a:bodyPr wrap="none" rtlCol="0">
+            <a:spAutoFit/>
+          </a:bodyPr>
+          <a:lstStyle/>
+          <a:p>
+            <a:r>
+              <a:rPr lang="en-US" dirty="0"/>
+              <a:t>0</a:t>
+            </a:r>
+          </a:p>
+        </p:txBody>
+      </p:sp>
+      <p:sp>
+        <p:nvSpPr>
+          <p:cNvPr id="16" name="TextBox 15">
+            <a:extLst>
+              <a:ext uri="{FF2B5EF4-FFF2-40B4-BE49-F238E27FC236}">
+                <a16:creationId xmlns:a16="http://schemas.microsoft.com/office/drawing/2014/main" id="{2AF51240-1562-5445-8F73-F9B6C26E28B5}"/>
+              </a:ext>
+            </a:extLst>
+          </p:cNvPr>
+          <p:cNvSpPr txBox="1"/>
+          <p:nvPr/>
+        </p:nvSpPr>
+        <p:spPr>
+          <a:xfrm>
+            <a:off x="10497118" y="3820810"/>
+            <a:ext cx="615874" cy="369332"/>
+          </a:xfrm>
+          <a:prstGeom prst="rect">
+            <a:avLst/>
+          </a:prstGeom>
+          <a:noFill/>
+        </p:spPr>
+        <p:txBody>
+          <a:bodyPr wrap="none" rtlCol="0">
+            <a:spAutoFit/>
+          </a:bodyPr>
+          <a:lstStyle/>
+          <a:p>
+            <a:r>
+              <a:rPr lang="en-US" dirty="0"/>
+              <a:t>2</a:t>
+            </a:r>
+            <a:r>
+              <a:rPr lang="en-US" baseline="30000" dirty="0"/>
+              <a:t>3072</a:t>
+            </a:r>
+          </a:p>
+        </p:txBody>
+      </p:sp>
+      <p:sp>
+        <p:nvSpPr>
+          <p:cNvPr id="23" name="Freeform 22">
+            <a:extLst>
+              <a:ext uri="{FF2B5EF4-FFF2-40B4-BE49-F238E27FC236}">
+                <a16:creationId xmlns:a16="http://schemas.microsoft.com/office/drawing/2014/main" id="{4FAE5781-B014-E041-B669-9CCFC850DCAE}"/>
+              </a:ext>
+            </a:extLst>
+          </p:cNvPr>
+          <p:cNvSpPr/>
+          <p:nvPr/>
+        </p:nvSpPr>
+        <p:spPr>
+          <a:xfrm>
+            <a:off x="9637136" y="4025755"/>
+            <a:ext cx="113040" cy="328774"/>
+          </a:xfrm>
+          <a:custGeom>
+            <a:avLst/>
+            <a:gdLst>
+              <a:gd name="connsiteX0" fmla="*/ 24 w 113040"/>
+              <a:gd name="connsiteY0" fmla="*/ 0 h 328774"/>
+              <a:gd name="connsiteX1" fmla="*/ 113040 w 113040"/>
+              <a:gd name="connsiteY1" fmla="*/ 113016 h 328774"/>
+              <a:gd name="connsiteX2" fmla="*/ 24 w 113040"/>
+              <a:gd name="connsiteY2" fmla="*/ 226032 h 328774"/>
+              <a:gd name="connsiteX3" fmla="*/ 102766 w 113040"/>
+              <a:gd name="connsiteY3" fmla="*/ 328774 h 328774"/>
+            </a:gdLst>
+            <a:ahLst/>
+            <a:cxnLst>
+              <a:cxn ang="0">
+                <a:pos x="connsiteX0" y="connsiteY0"/>
+              </a:cxn>
+              <a:cxn ang="0">
+                <a:pos x="connsiteX1" y="connsiteY1"/>
+              </a:cxn>
+              <a:cxn ang="0">
+                <a:pos x="connsiteX2" y="connsiteY2"/>
+              </a:cxn>
+              <a:cxn ang="0">
+                <a:pos x="connsiteX3" y="connsiteY3"/>
+              </a:cxn>
+            </a:cxnLst>
+            <a:rect l="l" t="t" r="r" b="b"/>
+            <a:pathLst>
+              <a:path w="113040" h="328774">
+                <a:moveTo>
+                  <a:pt x="24" y="0"/>
+                </a:moveTo>
+                <a:cubicBezTo>
+                  <a:pt x="56532" y="37672"/>
+                  <a:pt x="113040" y="75344"/>
+                  <a:pt x="113040" y="113016"/>
+                </a:cubicBezTo>
+                <a:cubicBezTo>
+                  <a:pt x="113040" y="150688"/>
+                  <a:pt x="1736" y="190072"/>
+                  <a:pt x="24" y="226032"/>
+                </a:cubicBezTo>
+                <a:cubicBezTo>
+                  <a:pt x="-1688" y="261992"/>
+                  <a:pt x="85642" y="303089"/>
+                  <a:pt x="102766" y="328774"/>
+                </a:cubicBezTo>
+              </a:path>
+            </a:pathLst>
+          </a:custGeom>
+          <a:noFill/>
+          <a:ln w="38100">
+            <a:solidFill>
+              <a:schemeClr val="tx1"/>
+            </a:solidFill>
+          </a:ln>
+        </p:spPr>
+        <p:style>
+          <a:lnRef idx="2">
+            <a:schemeClr val="accent1">
+              <a:shade val="50000"/>
+            </a:schemeClr>
+          </a:lnRef>
+          <a:fillRef idx="1">
+            <a:schemeClr val="accent1"/>
+          </a:fillRef>
+          <a:effectRef idx="0">
+            <a:schemeClr val="accent1"/>
+          </a:effectRef>
+          <a:fontRef idx="minor">
+            <a:schemeClr val="lt1"/>
+          </a:fontRef>
+        </p:style>
+        <p:txBody>
+          <a:bodyPr rtlCol="0" anchor="ctr"/>
+          <a:lstStyle/>
+          <a:p>
+            <a:pPr algn="ctr"/>
+            <a:endParaRPr lang="en-US"/>
+          </a:p>
+        </p:txBody>
+      </p:sp>
+      <p:sp>
+        <p:nvSpPr>
+          <p:cNvPr id="24" name="Freeform 23">
+            <a:extLst>
+              <a:ext uri="{FF2B5EF4-FFF2-40B4-BE49-F238E27FC236}">
+                <a16:creationId xmlns:a16="http://schemas.microsoft.com/office/drawing/2014/main" id="{884F6E3C-0525-3848-8448-37E15009DCDE}"/>
+              </a:ext>
+            </a:extLst>
+          </p:cNvPr>
+          <p:cNvSpPr/>
+          <p:nvPr/>
+        </p:nvSpPr>
+        <p:spPr>
+          <a:xfrm>
+            <a:off x="9729628" y="4025755"/>
+            <a:ext cx="113040" cy="328774"/>
+          </a:xfrm>
+          <a:custGeom>
+            <a:avLst/>
+            <a:gdLst>
+              <a:gd name="connsiteX0" fmla="*/ 24 w 113040"/>
+              <a:gd name="connsiteY0" fmla="*/ 0 h 328774"/>
+              <a:gd name="connsiteX1" fmla="*/ 113040 w 113040"/>
+              <a:gd name="connsiteY1" fmla="*/ 113016 h 328774"/>
+              <a:gd name="connsiteX2" fmla="*/ 24 w 113040"/>
+              <a:gd name="connsiteY2" fmla="*/ 226032 h 328774"/>
+              <a:gd name="connsiteX3" fmla="*/ 102766 w 113040"/>
+              <a:gd name="connsiteY3" fmla="*/ 328774 h 328774"/>
+            </a:gdLst>
+            <a:ahLst/>
+            <a:cxnLst>
+              <a:cxn ang="0">
+                <a:pos x="connsiteX0" y="connsiteY0"/>
+              </a:cxn>
+              <a:cxn ang="0">
+                <a:pos x="connsiteX1" y="connsiteY1"/>
+              </a:cxn>
+              <a:cxn ang="0">
+                <a:pos x="connsiteX2" y="connsiteY2"/>
+              </a:cxn>
+              <a:cxn ang="0">
+                <a:pos x="connsiteX3" y="connsiteY3"/>
+              </a:cxn>
+            </a:cxnLst>
+            <a:rect l="l" t="t" r="r" b="b"/>
+            <a:pathLst>
+              <a:path w="113040" h="328774">
+                <a:moveTo>
+                  <a:pt x="24" y="0"/>
+                </a:moveTo>
+                <a:cubicBezTo>
+                  <a:pt x="56532" y="37672"/>
+                  <a:pt x="113040" y="75344"/>
+                  <a:pt x="113040" y="113016"/>
+                </a:cubicBezTo>
+                <a:cubicBezTo>
+                  <a:pt x="113040" y="150688"/>
+                  <a:pt x="1736" y="190072"/>
+                  <a:pt x="24" y="226032"/>
+                </a:cubicBezTo>
+                <a:cubicBezTo>
+                  <a:pt x="-1688" y="261992"/>
+                  <a:pt x="85642" y="303089"/>
+                  <a:pt x="102766" y="328774"/>
+                </a:cubicBezTo>
+              </a:path>
+            </a:pathLst>
+          </a:custGeom>
+          <a:noFill/>
+          <a:ln w="38100">
+            <a:solidFill>
+              <a:schemeClr val="tx1"/>
+            </a:solidFill>
+          </a:ln>
+        </p:spPr>
+        <p:style>
+          <a:lnRef idx="2">
+            <a:schemeClr val="accent1">
+              <a:shade val="50000"/>
+            </a:schemeClr>
+          </a:lnRef>
+          <a:fillRef idx="1">
+            <a:schemeClr val="accent1"/>
+          </a:fillRef>
+          <a:effectRef idx="0">
+            <a:schemeClr val="accent1"/>
+          </a:effectRef>
+          <a:fontRef idx="minor">
+            <a:schemeClr val="lt1"/>
+          </a:fontRef>
+        </p:style>
+        <p:txBody>
+          <a:bodyPr rtlCol="0" anchor="ctr"/>
+          <a:lstStyle/>
+          <a:p>
+            <a:pPr algn="ctr"/>
+            <a:endParaRPr lang="en-US"/>
+          </a:p>
+        </p:txBody>
+      </p:sp>
+      <p:sp>
+        <p:nvSpPr>
+          <p:cNvPr id="27" name="Oval 26">
+            <a:extLst>
+              <a:ext uri="{FF2B5EF4-FFF2-40B4-BE49-F238E27FC236}">
+                <a16:creationId xmlns:a16="http://schemas.microsoft.com/office/drawing/2014/main" id="{4DDD3EC9-7E2B-6949-86E9-12CEB7A89310}"/>
+              </a:ext>
+            </a:extLst>
+          </p:cNvPr>
+          <p:cNvSpPr/>
+          <p:nvPr/>
+        </p:nvSpPr>
+        <p:spPr>
+          <a:xfrm>
+            <a:off x="5494642" y="2318748"/>
+            <a:ext cx="123290" cy="123278"/>
+          </a:xfrm>
+          <a:prstGeom prst="ellipse">
+            <a:avLst/>
+          </a:prstGeom>
+          <a:solidFill>
+            <a:srgbClr val="FF0000"/>
+          </a:solidFill>
+          <a:ln>
+            <a:solidFill>
+              <a:schemeClr val="tx1"/>
+            </a:solidFill>
+          </a:ln>
+        </p:spPr>
+        <p:style>
+          <a:lnRef idx="2">
+            <a:schemeClr val="accent1">
+              <a:shade val="50000"/>
+            </a:schemeClr>
+          </a:lnRef>
+          <a:fillRef idx="1">
+            <a:schemeClr val="accent1"/>
+          </a:fillRef>
+          <a:effectRef idx="0">
+            <a:schemeClr val="accent1"/>
+          </a:effectRef>
+          <a:fontRef idx="minor">
+            <a:schemeClr val="lt1"/>
+          </a:fontRef>
+        </p:style>
+        <p:txBody>
+          <a:bodyPr rtlCol="0" anchor="ctr"/>
+          <a:lstStyle/>
+          <a:p>
+            <a:pPr algn="ctr"/>
+            <a:endParaRPr lang="en-US"/>
+          </a:p>
+        </p:txBody>
+      </p:sp>
+      <p:sp>
+        <p:nvSpPr>
+          <p:cNvPr id="28" name="Oval 27">
+            <a:extLst>
+              <a:ext uri="{FF2B5EF4-FFF2-40B4-BE49-F238E27FC236}">
+                <a16:creationId xmlns:a16="http://schemas.microsoft.com/office/drawing/2014/main" id="{5174B2F8-2040-1447-AFC9-0C0037D1A791}"/>
+              </a:ext>
+            </a:extLst>
+          </p:cNvPr>
+          <p:cNvSpPr/>
+          <p:nvPr/>
+        </p:nvSpPr>
+        <p:spPr>
+          <a:xfrm>
+            <a:off x="5371352" y="2318748"/>
+            <a:ext cx="123290" cy="123278"/>
+          </a:xfrm>
+          <a:prstGeom prst="ellipse">
+            <a:avLst/>
+          </a:prstGeom>
+          <a:solidFill>
+            <a:srgbClr val="FF0000"/>
+          </a:solidFill>
+          <a:ln>
+            <a:solidFill>
+              <a:schemeClr val="tx1"/>
+            </a:solidFill>
+          </a:ln>
+        </p:spPr>
+        <p:style>
+          <a:lnRef idx="2">
+            <a:schemeClr val="accent1">
+              <a:shade val="50000"/>
+            </a:schemeClr>
+          </a:lnRef>
+          <a:fillRef idx="1">
+            <a:schemeClr val="accent1"/>
+          </a:fillRef>
+          <a:effectRef idx="0">
+            <a:schemeClr val="accent1"/>
+          </a:effectRef>
+          <a:fontRef idx="minor">
+            <a:schemeClr val="lt1"/>
+          </a:fontRef>
+        </p:style>
+        <p:txBody>
+          <a:bodyPr rtlCol="0" anchor="ctr"/>
+          <a:lstStyle/>
+          <a:p>
+            <a:pPr algn="ctr"/>
+            <a:endParaRPr lang="en-US"/>
+          </a:p>
+        </p:txBody>
+      </p:sp>
+      <p:sp>
+        <p:nvSpPr>
+          <p:cNvPr id="29" name="Oval 28">
+            <a:extLst>
+              <a:ext uri="{FF2B5EF4-FFF2-40B4-BE49-F238E27FC236}">
+                <a16:creationId xmlns:a16="http://schemas.microsoft.com/office/drawing/2014/main" id="{1EA13A57-7991-1F45-B065-66D1AA2D4C96}"/>
+              </a:ext>
+            </a:extLst>
+          </p:cNvPr>
+          <p:cNvSpPr/>
+          <p:nvPr/>
+        </p:nvSpPr>
+        <p:spPr>
+          <a:xfrm>
+            <a:off x="5739974" y="2318748"/>
+            <a:ext cx="123290" cy="123278"/>
+          </a:xfrm>
+          <a:prstGeom prst="ellipse">
+            <a:avLst/>
+          </a:prstGeom>
+          <a:solidFill>
+            <a:srgbClr val="FF0000"/>
+          </a:solidFill>
+          <a:ln>
+            <a:solidFill>
+              <a:schemeClr val="tx1"/>
+            </a:solidFill>
+          </a:ln>
+        </p:spPr>
+        <p:style>
+          <a:lnRef idx="2">
+            <a:schemeClr val="accent1">
+              <a:shade val="50000"/>
+            </a:schemeClr>
+          </a:lnRef>
+          <a:fillRef idx="1">
+            <a:schemeClr val="accent1"/>
+          </a:fillRef>
+          <a:effectRef idx="0">
+            <a:schemeClr val="accent1"/>
+          </a:effectRef>
+          <a:fontRef idx="minor">
+            <a:schemeClr val="lt1"/>
+          </a:fontRef>
+        </p:style>
+        <p:txBody>
+          <a:bodyPr rtlCol="0" anchor="ctr"/>
+          <a:lstStyle/>
+          <a:p>
+            <a:pPr algn="ctr"/>
+            <a:endParaRPr lang="en-US"/>
+          </a:p>
+        </p:txBody>
+      </p:sp>
+      <p:sp>
+        <p:nvSpPr>
+          <p:cNvPr id="30" name="Oval 29">
+            <a:extLst>
+              <a:ext uri="{FF2B5EF4-FFF2-40B4-BE49-F238E27FC236}">
+                <a16:creationId xmlns:a16="http://schemas.microsoft.com/office/drawing/2014/main" id="{A3E9E5EA-FDEA-8C41-8102-555C41E49CF1}"/>
+              </a:ext>
+            </a:extLst>
+          </p:cNvPr>
+          <p:cNvSpPr/>
+          <p:nvPr/>
+        </p:nvSpPr>
+        <p:spPr>
+          <a:xfrm>
+            <a:off x="5609525" y="2318748"/>
+            <a:ext cx="123290" cy="123278"/>
+          </a:xfrm>
+          <a:prstGeom prst="ellipse">
+            <a:avLst/>
+          </a:prstGeom>
+          <a:solidFill>
+            <a:srgbClr val="FF0000"/>
+          </a:solidFill>
+          <a:ln>
+            <a:solidFill>
+              <a:schemeClr val="tx1"/>
+            </a:solidFill>
+          </a:ln>
+        </p:spPr>
+        <p:style>
+          <a:lnRef idx="2">
+            <a:schemeClr val="accent1">
+              <a:shade val="50000"/>
+            </a:schemeClr>
+          </a:lnRef>
+          <a:fillRef idx="1">
+            <a:schemeClr val="accent1"/>
+          </a:fillRef>
+          <a:effectRef idx="0">
+            <a:schemeClr val="accent1"/>
+          </a:effectRef>
+          <a:fontRef idx="minor">
+            <a:schemeClr val="lt1"/>
+          </a:fontRef>
+        </p:style>
+        <p:txBody>
+          <a:bodyPr rtlCol="0" anchor="ctr"/>
+          <a:lstStyle/>
+          <a:p>
+            <a:pPr algn="ctr"/>
+            <a:endParaRPr lang="en-US"/>
+          </a:p>
+        </p:txBody>
+      </p:sp>
+      <p:sp>
+        <p:nvSpPr>
+          <p:cNvPr id="31" name="Oval 30">
+            <a:extLst>
+              <a:ext uri="{FF2B5EF4-FFF2-40B4-BE49-F238E27FC236}">
+                <a16:creationId xmlns:a16="http://schemas.microsoft.com/office/drawing/2014/main" id="{342956B3-8B5A-A544-AC8F-F5E266EDA9E0}"/>
+              </a:ext>
+            </a:extLst>
+          </p:cNvPr>
+          <p:cNvSpPr/>
+          <p:nvPr/>
+        </p:nvSpPr>
+        <p:spPr>
+          <a:xfrm>
+            <a:off x="5970988" y="2318748"/>
+            <a:ext cx="123290" cy="123278"/>
+          </a:xfrm>
+          <a:prstGeom prst="ellipse">
+            <a:avLst/>
+          </a:prstGeom>
+          <a:solidFill>
+            <a:srgbClr val="FF0000"/>
+          </a:solidFill>
+          <a:ln>
+            <a:solidFill>
+              <a:schemeClr val="tx1"/>
+            </a:solidFill>
+          </a:ln>
+        </p:spPr>
+        <p:style>
+          <a:lnRef idx="2">
+            <a:schemeClr val="accent1">
+              <a:shade val="50000"/>
+            </a:schemeClr>
+          </a:lnRef>
+          <a:fillRef idx="1">
+            <a:schemeClr val="accent1"/>
+          </a:fillRef>
+          <a:effectRef idx="0">
+            <a:schemeClr val="accent1"/>
+          </a:effectRef>
+          <a:fontRef idx="minor">
+            <a:schemeClr val="lt1"/>
+          </a:fontRef>
+        </p:style>
+        <p:txBody>
+          <a:bodyPr rtlCol="0" anchor="ctr"/>
+          <a:lstStyle/>
+          <a:p>
+            <a:pPr algn="ctr"/>
+            <a:endParaRPr lang="en-US"/>
+          </a:p>
+        </p:txBody>
+      </p:sp>
+      <p:sp>
+        <p:nvSpPr>
+          <p:cNvPr id="32" name="Oval 31">
+            <a:extLst>
+              <a:ext uri="{FF2B5EF4-FFF2-40B4-BE49-F238E27FC236}">
+                <a16:creationId xmlns:a16="http://schemas.microsoft.com/office/drawing/2014/main" id="{6400570F-8223-FB42-BDA8-8DDE2BF04E6F}"/>
+              </a:ext>
+            </a:extLst>
+          </p:cNvPr>
+          <p:cNvSpPr/>
+          <p:nvPr/>
+        </p:nvSpPr>
+        <p:spPr>
+          <a:xfrm>
+            <a:off x="5847698" y="2318748"/>
+            <a:ext cx="123290" cy="123278"/>
+          </a:xfrm>
+          <a:prstGeom prst="ellipse">
+            <a:avLst/>
+          </a:prstGeom>
+          <a:solidFill>
+            <a:srgbClr val="FF0000"/>
+          </a:solidFill>
+          <a:ln>
+            <a:solidFill>
+              <a:schemeClr val="tx1"/>
+            </a:solidFill>
+          </a:ln>
+        </p:spPr>
+        <p:style>
+          <a:lnRef idx="2">
+            <a:schemeClr val="accent1">
+              <a:shade val="50000"/>
+            </a:schemeClr>
+          </a:lnRef>
+          <a:fillRef idx="1">
+            <a:schemeClr val="accent1"/>
+          </a:fillRef>
+          <a:effectRef idx="0">
+            <a:schemeClr val="accent1"/>
+          </a:effectRef>
+          <a:fontRef idx="minor">
+            <a:schemeClr val="lt1"/>
+          </a:fontRef>
+        </p:style>
+        <p:txBody>
+          <a:bodyPr rtlCol="0" anchor="ctr"/>
+          <a:lstStyle/>
+          <a:p>
+            <a:pPr algn="ctr"/>
+            <a:endParaRPr lang="en-US"/>
+          </a:p>
+        </p:txBody>
+      </p:sp>
+      <p:sp>
+        <p:nvSpPr>
+          <p:cNvPr id="33" name="Oval 32">
+            <a:extLst>
+              <a:ext uri="{FF2B5EF4-FFF2-40B4-BE49-F238E27FC236}">
+                <a16:creationId xmlns:a16="http://schemas.microsoft.com/office/drawing/2014/main" id="{FA4F8306-4E9F-6147-BF3E-3B8B38FA9C06}"/>
+              </a:ext>
+            </a:extLst>
+          </p:cNvPr>
+          <p:cNvSpPr/>
+          <p:nvPr/>
+        </p:nvSpPr>
+        <p:spPr>
+          <a:xfrm>
+            <a:off x="6216320" y="2318748"/>
+            <a:ext cx="123290" cy="123278"/>
+          </a:xfrm>
+          <a:prstGeom prst="ellipse">
+            <a:avLst/>
+          </a:prstGeom>
+          <a:solidFill>
+            <a:srgbClr val="FF0000"/>
+          </a:solidFill>
+          <a:ln>
+            <a:solidFill>
+              <a:schemeClr val="tx1"/>
+            </a:solidFill>
+          </a:ln>
+        </p:spPr>
+        <p:style>
+          <a:lnRef idx="2">
+            <a:schemeClr val="accent1">
+              <a:shade val="50000"/>
+            </a:schemeClr>
+          </a:lnRef>
+          <a:fillRef idx="1">
+            <a:schemeClr val="accent1"/>
+          </a:fillRef>
+          <a:effectRef idx="0">
+            <a:schemeClr val="accent1"/>
+          </a:effectRef>
+          <a:fontRef idx="minor">
+            <a:schemeClr val="lt1"/>
+          </a:fontRef>
+        </p:style>
+        <p:txBody>
+          <a:bodyPr rtlCol="0" anchor="ctr"/>
+          <a:lstStyle/>
+          <a:p>
+            <a:pPr algn="ctr"/>
+            <a:endParaRPr lang="en-US"/>
+          </a:p>
+        </p:txBody>
+      </p:sp>
+      <p:sp>
+        <p:nvSpPr>
+          <p:cNvPr id="34" name="Oval 33">
+            <a:extLst>
+              <a:ext uri="{FF2B5EF4-FFF2-40B4-BE49-F238E27FC236}">
+                <a16:creationId xmlns:a16="http://schemas.microsoft.com/office/drawing/2014/main" id="{139392FE-A0CE-7140-83EC-7E2280756C1C}"/>
+              </a:ext>
+            </a:extLst>
+          </p:cNvPr>
+          <p:cNvSpPr/>
+          <p:nvPr/>
+        </p:nvSpPr>
+        <p:spPr>
+          <a:xfrm>
+            <a:off x="6085871" y="2318748"/>
+            <a:ext cx="123290" cy="123278"/>
+          </a:xfrm>
+          <a:prstGeom prst="ellipse">
+            <a:avLst/>
+          </a:prstGeom>
+          <a:solidFill>
+            <a:srgbClr val="FF0000"/>
+          </a:solidFill>
+          <a:ln>
+            <a:solidFill>
+              <a:schemeClr val="tx1"/>
+            </a:solidFill>
+          </a:ln>
+        </p:spPr>
+        <p:style>
+          <a:lnRef idx="2">
+            <a:schemeClr val="accent1">
+              <a:shade val="50000"/>
+            </a:schemeClr>
+          </a:lnRef>
+          <a:fillRef idx="1">
+            <a:schemeClr val="accent1"/>
+          </a:fillRef>
+          <a:effectRef idx="0">
+            <a:schemeClr val="accent1"/>
+          </a:effectRef>
+          <a:fontRef idx="minor">
+            <a:schemeClr val="lt1"/>
+          </a:fontRef>
+        </p:style>
+        <p:txBody>
+          <a:bodyPr rtlCol="0" anchor="ctr"/>
+          <a:lstStyle/>
+          <a:p>
+            <a:pPr algn="ctr"/>
+            <a:endParaRPr lang="en-US"/>
+          </a:p>
+        </p:txBody>
+      </p:sp>
+      <p:sp>
+        <p:nvSpPr>
+          <p:cNvPr id="35" name="Oval 34">
+            <a:extLst>
+              <a:ext uri="{FF2B5EF4-FFF2-40B4-BE49-F238E27FC236}">
+                <a16:creationId xmlns:a16="http://schemas.microsoft.com/office/drawing/2014/main" id="{5E036134-4829-6D46-B385-C0E05DA75468}"/>
+              </a:ext>
+            </a:extLst>
+          </p:cNvPr>
+          <p:cNvSpPr/>
+          <p:nvPr/>
+        </p:nvSpPr>
+        <p:spPr>
+          <a:xfrm>
+            <a:off x="6470059" y="2318748"/>
+            <a:ext cx="123290" cy="123278"/>
+          </a:xfrm>
+          <a:prstGeom prst="ellipse">
+            <a:avLst/>
+          </a:prstGeom>
+          <a:solidFill>
+            <a:srgbClr val="FF0000"/>
+          </a:solidFill>
+          <a:ln>
+            <a:solidFill>
+              <a:schemeClr val="tx1"/>
+            </a:solidFill>
+          </a:ln>
+        </p:spPr>
+        <p:style>
+          <a:lnRef idx="2">
+            <a:schemeClr val="accent1">
+              <a:shade val="50000"/>
+            </a:schemeClr>
+          </a:lnRef>
+          <a:fillRef idx="1">
+            <a:schemeClr val="accent1"/>
+          </a:fillRef>
+          <a:effectRef idx="0">
+            <a:schemeClr val="accent1"/>
+          </a:effectRef>
+          <a:fontRef idx="minor">
+            <a:schemeClr val="lt1"/>
+          </a:fontRef>
+        </p:style>
+        <p:txBody>
+          <a:bodyPr rtlCol="0" anchor="ctr"/>
+          <a:lstStyle/>
+          <a:p>
+            <a:pPr algn="ctr"/>
+            <a:endParaRPr lang="en-US"/>
+          </a:p>
+        </p:txBody>
+      </p:sp>
+      <p:sp>
+        <p:nvSpPr>
+          <p:cNvPr id="36" name="Oval 35">
+            <a:extLst>
+              <a:ext uri="{FF2B5EF4-FFF2-40B4-BE49-F238E27FC236}">
+                <a16:creationId xmlns:a16="http://schemas.microsoft.com/office/drawing/2014/main" id="{E228715A-F301-8742-9579-0C0DCE93B769}"/>
+              </a:ext>
+            </a:extLst>
+          </p:cNvPr>
+          <p:cNvSpPr/>
+          <p:nvPr/>
+        </p:nvSpPr>
+        <p:spPr>
+          <a:xfrm>
+            <a:off x="6346769" y="2318748"/>
+            <a:ext cx="123290" cy="123278"/>
+          </a:xfrm>
+          <a:prstGeom prst="ellipse">
+            <a:avLst/>
+          </a:prstGeom>
+          <a:solidFill>
+            <a:srgbClr val="FF0000"/>
+          </a:solidFill>
+          <a:ln>
+            <a:solidFill>
+              <a:schemeClr val="tx1"/>
+            </a:solidFill>
+          </a:ln>
+        </p:spPr>
+        <p:style>
+          <a:lnRef idx="2">
+            <a:schemeClr val="accent1">
+              <a:shade val="50000"/>
+            </a:schemeClr>
+          </a:lnRef>
+          <a:fillRef idx="1">
+            <a:schemeClr val="accent1"/>
+          </a:fillRef>
+          <a:effectRef idx="0">
+            <a:schemeClr val="accent1"/>
+          </a:effectRef>
+          <a:fontRef idx="minor">
+            <a:schemeClr val="lt1"/>
+          </a:fontRef>
+        </p:style>
+        <p:txBody>
+          <a:bodyPr rtlCol="0" anchor="ctr"/>
+          <a:lstStyle/>
+          <a:p>
+            <a:pPr algn="ctr"/>
+            <a:endParaRPr lang="en-US"/>
+          </a:p>
+        </p:txBody>
+      </p:sp>
+      <p:sp>
+        <p:nvSpPr>
+          <p:cNvPr id="37" name="Oval 36">
+            <a:extLst>
+              <a:ext uri="{FF2B5EF4-FFF2-40B4-BE49-F238E27FC236}">
+                <a16:creationId xmlns:a16="http://schemas.microsoft.com/office/drawing/2014/main" id="{5458D039-9DF2-7743-A798-CF7514A03870}"/>
+              </a:ext>
+            </a:extLst>
+          </p:cNvPr>
+          <p:cNvSpPr/>
+          <p:nvPr/>
+        </p:nvSpPr>
+        <p:spPr>
+          <a:xfrm>
+            <a:off x="6715391" y="2318748"/>
+            <a:ext cx="123290" cy="123278"/>
+          </a:xfrm>
+          <a:prstGeom prst="ellipse">
+            <a:avLst/>
+          </a:prstGeom>
+          <a:solidFill>
+            <a:srgbClr val="FF0000"/>
+          </a:solidFill>
+          <a:ln>
+            <a:solidFill>
+              <a:schemeClr val="tx1"/>
+            </a:solidFill>
+          </a:ln>
+        </p:spPr>
+        <p:style>
+          <a:lnRef idx="2">
+            <a:schemeClr val="accent1">
+              <a:shade val="50000"/>
+            </a:schemeClr>
+          </a:lnRef>
+          <a:fillRef idx="1">
+            <a:schemeClr val="accent1"/>
+          </a:fillRef>
+          <a:effectRef idx="0">
+            <a:schemeClr val="accent1"/>
+          </a:effectRef>
+          <a:fontRef idx="minor">
+            <a:schemeClr val="lt1"/>
+          </a:fontRef>
+        </p:style>
+        <p:txBody>
+          <a:bodyPr rtlCol="0" anchor="ctr"/>
+          <a:lstStyle/>
+          <a:p>
+            <a:pPr algn="ctr"/>
+            <a:endParaRPr lang="en-US"/>
+          </a:p>
+        </p:txBody>
+      </p:sp>
+      <p:sp>
+        <p:nvSpPr>
+          <p:cNvPr id="38" name="Oval 37">
+            <a:extLst>
+              <a:ext uri="{FF2B5EF4-FFF2-40B4-BE49-F238E27FC236}">
+                <a16:creationId xmlns:a16="http://schemas.microsoft.com/office/drawing/2014/main" id="{CA3B4AF2-0109-5343-8471-4512345A6461}"/>
+              </a:ext>
+            </a:extLst>
+          </p:cNvPr>
+          <p:cNvSpPr/>
+          <p:nvPr/>
+        </p:nvSpPr>
+        <p:spPr>
+          <a:xfrm>
+            <a:off x="6584942" y="2318748"/>
+            <a:ext cx="123290" cy="123278"/>
+          </a:xfrm>
+          <a:prstGeom prst="ellipse">
+            <a:avLst/>
+          </a:prstGeom>
+          <a:solidFill>
+            <a:srgbClr val="FF0000"/>
+          </a:solidFill>
+          <a:ln>
+            <a:solidFill>
+              <a:schemeClr val="tx1"/>
+            </a:solidFill>
+          </a:ln>
+        </p:spPr>
+        <p:style>
+          <a:lnRef idx="2">
+            <a:schemeClr val="accent1">
+              <a:shade val="50000"/>
+            </a:schemeClr>
+          </a:lnRef>
+          <a:fillRef idx="1">
+            <a:schemeClr val="accent1"/>
+          </a:fillRef>
+          <a:effectRef idx="0">
+            <a:schemeClr val="accent1"/>
+          </a:effectRef>
+          <a:fontRef idx="minor">
+            <a:schemeClr val="lt1"/>
+          </a:fontRef>
+        </p:style>
+        <p:txBody>
+          <a:bodyPr rtlCol="0" anchor="ctr"/>
+          <a:lstStyle/>
+          <a:p>
+            <a:pPr algn="ctr"/>
+            <a:endParaRPr lang="en-US"/>
+          </a:p>
+        </p:txBody>
+      </p:sp>
+      <p:sp>
+        <p:nvSpPr>
+          <p:cNvPr id="40" name="Oval 39">
+            <a:extLst>
+              <a:ext uri="{FF2B5EF4-FFF2-40B4-BE49-F238E27FC236}">
+                <a16:creationId xmlns:a16="http://schemas.microsoft.com/office/drawing/2014/main" id="{A449FC24-8A0B-AE47-B505-0D6C70BCE4B5}"/>
+              </a:ext>
+            </a:extLst>
+          </p:cNvPr>
+          <p:cNvSpPr/>
+          <p:nvPr/>
+        </p:nvSpPr>
+        <p:spPr>
+          <a:xfrm>
+            <a:off x="6823115" y="2318748"/>
+            <a:ext cx="123290" cy="123278"/>
+          </a:xfrm>
+          <a:prstGeom prst="ellipse">
+            <a:avLst/>
+          </a:prstGeom>
+          <a:solidFill>
+            <a:srgbClr val="FF0000"/>
+          </a:solidFill>
+          <a:ln>
+            <a:solidFill>
+              <a:schemeClr val="tx1"/>
+            </a:solidFill>
+          </a:ln>
+        </p:spPr>
+        <p:style>
+          <a:lnRef idx="2">
+            <a:schemeClr val="accent1">
+              <a:shade val="50000"/>
+            </a:schemeClr>
+          </a:lnRef>
+          <a:fillRef idx="1">
+            <a:schemeClr val="accent1"/>
+          </a:fillRef>
+          <a:effectRef idx="0">
+            <a:schemeClr val="accent1"/>
+          </a:effectRef>
+          <a:fontRef idx="minor">
+            <a:schemeClr val="lt1"/>
+          </a:fontRef>
+        </p:style>
+        <p:txBody>
+          <a:bodyPr rtlCol="0" anchor="ctr"/>
+          <a:lstStyle/>
+          <a:p>
+            <a:pPr algn="ctr"/>
+            <a:endParaRPr lang="en-US"/>
+          </a:p>
+        </p:txBody>
+      </p:sp>
+      <p:sp>
+        <p:nvSpPr>
+          <p:cNvPr id="43" name="Right Brace 42">
+            <a:extLst>
+              <a:ext uri="{FF2B5EF4-FFF2-40B4-BE49-F238E27FC236}">
+                <a16:creationId xmlns:a16="http://schemas.microsoft.com/office/drawing/2014/main" id="{52EF36C8-2796-7840-80C2-E936BF03A41E}"/>
+              </a:ext>
+            </a:extLst>
+          </p:cNvPr>
+          <p:cNvSpPr/>
+          <p:nvPr/>
+        </p:nvSpPr>
+        <p:spPr>
+          <a:xfrm rot="5400000">
+            <a:off x="6054695" y="1858007"/>
+            <a:ext cx="208364" cy="1575055"/>
+          </a:xfrm>
+          <a:prstGeom prst="rightBrace">
+            <a:avLst>
+              <a:gd name="adj1" fmla="val 74820"/>
+              <a:gd name="adj2" fmla="val 50000"/>
+            </a:avLst>
+          </a:prstGeom>
+          <a:ln w="38100">
+            <a:solidFill>
+              <a:srgbClr val="7030A0"/>
+            </a:solidFill>
+          </a:ln>
+        </p:spPr>
+        <p:style>
+          <a:lnRef idx="1">
+            <a:schemeClr val="accent1"/>
+          </a:lnRef>
+          <a:fillRef idx="0">
+            <a:schemeClr val="accent1"/>
+          </a:fillRef>
+          <a:effectRef idx="0">
+            <a:schemeClr val="accent1"/>
+          </a:effectRef>
+          <a:fontRef idx="minor">
+            <a:schemeClr val="tx1"/>
+          </a:fontRef>
+        </p:style>
+        <p:txBody>
+          <a:bodyPr rtlCol="0" anchor="ctr"/>
+          <a:lstStyle/>
+          <a:p>
+            <a:pPr algn="ctr"/>
+            <a:endParaRPr lang="en-US"/>
+          </a:p>
+        </p:txBody>
+      </p:sp>
+      <p:sp>
+        <p:nvSpPr>
+          <p:cNvPr id="44" name="Oval 43">
+            <a:extLst>
+              <a:ext uri="{FF2B5EF4-FFF2-40B4-BE49-F238E27FC236}">
+                <a16:creationId xmlns:a16="http://schemas.microsoft.com/office/drawing/2014/main" id="{474EA8AB-332F-364D-BD42-EC3773D2EBCA}"/>
+              </a:ext>
+            </a:extLst>
+          </p:cNvPr>
+          <p:cNvSpPr/>
+          <p:nvPr/>
+        </p:nvSpPr>
+        <p:spPr>
+          <a:xfrm>
+            <a:off x="2420930" y="4128501"/>
+            <a:ext cx="123290" cy="123278"/>
+          </a:xfrm>
+          <a:prstGeom prst="ellipse">
+            <a:avLst/>
+          </a:prstGeom>
+          <a:solidFill>
+            <a:srgbClr val="FF0000"/>
+          </a:solidFill>
+          <a:ln>
+            <a:solidFill>
+              <a:schemeClr val="tx1"/>
+            </a:solidFill>
+          </a:ln>
+        </p:spPr>
+        <p:style>
+          <a:lnRef idx="2">
+            <a:schemeClr val="accent1">
+              <a:shade val="50000"/>
+            </a:schemeClr>
+          </a:lnRef>
+          <a:fillRef idx="1">
+            <a:schemeClr val="accent1"/>
+          </a:fillRef>
+          <a:effectRef idx="0">
+            <a:schemeClr val="accent1"/>
+          </a:effectRef>
+          <a:fontRef idx="minor">
+            <a:schemeClr val="lt1"/>
+          </a:fontRef>
+        </p:style>
+        <p:txBody>
+          <a:bodyPr rtlCol="0" anchor="ctr"/>
+          <a:lstStyle/>
+          <a:p>
+            <a:pPr algn="ctr"/>
+            <a:endParaRPr lang="en-US"/>
+          </a:p>
+        </p:txBody>
+      </p:sp>
+      <p:sp>
+        <p:nvSpPr>
+          <p:cNvPr id="45" name="Oval 44">
+            <a:extLst>
+              <a:ext uri="{FF2B5EF4-FFF2-40B4-BE49-F238E27FC236}">
+                <a16:creationId xmlns:a16="http://schemas.microsoft.com/office/drawing/2014/main" id="{681343BD-FF47-044C-B877-94CCA15E921B}"/>
+              </a:ext>
+            </a:extLst>
+          </p:cNvPr>
+          <p:cNvSpPr/>
+          <p:nvPr/>
+        </p:nvSpPr>
+        <p:spPr>
+          <a:xfrm>
+            <a:off x="1880754" y="4128501"/>
+            <a:ext cx="123290" cy="123278"/>
+          </a:xfrm>
+          <a:prstGeom prst="ellipse">
+            <a:avLst/>
+          </a:prstGeom>
+          <a:solidFill>
+            <a:srgbClr val="FF0000"/>
+          </a:solidFill>
+          <a:ln>
+            <a:solidFill>
+              <a:schemeClr val="tx1"/>
+            </a:solidFill>
+          </a:ln>
+        </p:spPr>
+        <p:style>
+          <a:lnRef idx="2">
+            <a:schemeClr val="accent1">
+              <a:shade val="50000"/>
+            </a:schemeClr>
+          </a:lnRef>
+          <a:fillRef idx="1">
+            <a:schemeClr val="accent1"/>
+          </a:fillRef>
+          <a:effectRef idx="0">
+            <a:schemeClr val="accent1"/>
+          </a:effectRef>
+          <a:fontRef idx="minor">
+            <a:schemeClr val="lt1"/>
+          </a:fontRef>
+        </p:style>
+        <p:txBody>
+          <a:bodyPr rtlCol="0" anchor="ctr"/>
+          <a:lstStyle/>
+          <a:p>
+            <a:pPr algn="ctr"/>
+            <a:endParaRPr lang="en-US"/>
+          </a:p>
+        </p:txBody>
+      </p:sp>
+      <p:sp>
+        <p:nvSpPr>
+          <p:cNvPr id="46" name="Oval 45">
+            <a:extLst>
+              <a:ext uri="{FF2B5EF4-FFF2-40B4-BE49-F238E27FC236}">
+                <a16:creationId xmlns:a16="http://schemas.microsoft.com/office/drawing/2014/main" id="{85A5662B-2D96-1849-AFC2-8595F14C4A36}"/>
+              </a:ext>
+            </a:extLst>
+          </p:cNvPr>
+          <p:cNvSpPr/>
+          <p:nvPr/>
+        </p:nvSpPr>
+        <p:spPr>
+          <a:xfrm>
+            <a:off x="4168279" y="4116513"/>
+            <a:ext cx="123290" cy="123278"/>
+          </a:xfrm>
+          <a:prstGeom prst="ellipse">
+            <a:avLst/>
+          </a:prstGeom>
+          <a:solidFill>
+            <a:srgbClr val="FF0000"/>
+          </a:solidFill>
+          <a:ln>
+            <a:solidFill>
+              <a:schemeClr val="tx1"/>
+            </a:solidFill>
+          </a:ln>
+        </p:spPr>
+        <p:style>
+          <a:lnRef idx="2">
+            <a:schemeClr val="accent1">
+              <a:shade val="50000"/>
+            </a:schemeClr>
+          </a:lnRef>
+          <a:fillRef idx="1">
+            <a:schemeClr val="accent1"/>
+          </a:fillRef>
+          <a:effectRef idx="0">
+            <a:schemeClr val="accent1"/>
+          </a:effectRef>
+          <a:fontRef idx="minor">
+            <a:schemeClr val="lt1"/>
+          </a:fontRef>
+        </p:style>
+        <p:txBody>
+          <a:bodyPr rtlCol="0" anchor="ctr"/>
+          <a:lstStyle/>
+          <a:p>
+            <a:pPr algn="ctr"/>
+            <a:endParaRPr lang="en-US"/>
+          </a:p>
+        </p:txBody>
+      </p:sp>
+      <p:sp>
+        <p:nvSpPr>
+          <p:cNvPr id="47" name="Oval 46">
+            <a:extLst>
+              <a:ext uri="{FF2B5EF4-FFF2-40B4-BE49-F238E27FC236}">
+                <a16:creationId xmlns:a16="http://schemas.microsoft.com/office/drawing/2014/main" id="{1C5C7583-2850-4A4A-A46E-5EE88A6430B1}"/>
+              </a:ext>
+            </a:extLst>
+          </p:cNvPr>
+          <p:cNvSpPr/>
+          <p:nvPr/>
+        </p:nvSpPr>
+        <p:spPr>
+          <a:xfrm>
+            <a:off x="3190199" y="4128503"/>
+            <a:ext cx="123290" cy="123278"/>
+          </a:xfrm>
+          <a:prstGeom prst="ellipse">
+            <a:avLst/>
+          </a:prstGeom>
+          <a:solidFill>
+            <a:srgbClr val="FF0000"/>
+          </a:solidFill>
+          <a:ln>
+            <a:solidFill>
+              <a:schemeClr val="tx1"/>
+            </a:solidFill>
+          </a:ln>
+        </p:spPr>
+        <p:style>
+          <a:lnRef idx="2">
+            <a:schemeClr val="accent1">
+              <a:shade val="50000"/>
+            </a:schemeClr>
+          </a:lnRef>
+          <a:fillRef idx="1">
+            <a:schemeClr val="accent1"/>
+          </a:fillRef>
+          <a:effectRef idx="0">
+            <a:schemeClr val="accent1"/>
+          </a:effectRef>
+          <a:fontRef idx="minor">
+            <a:schemeClr val="lt1"/>
+          </a:fontRef>
+        </p:style>
+        <p:txBody>
+          <a:bodyPr rtlCol="0" anchor="ctr"/>
+          <a:lstStyle/>
+          <a:p>
+            <a:pPr algn="ctr"/>
+            <a:endParaRPr lang="en-US"/>
+          </a:p>
+        </p:txBody>
+      </p:sp>
+      <p:sp>
+        <p:nvSpPr>
+          <p:cNvPr id="48" name="Oval 47">
+            <a:extLst>
+              <a:ext uri="{FF2B5EF4-FFF2-40B4-BE49-F238E27FC236}">
+                <a16:creationId xmlns:a16="http://schemas.microsoft.com/office/drawing/2014/main" id="{93880FF8-0D9A-DE40-9E68-8B22A0C9A005}"/>
+              </a:ext>
+            </a:extLst>
+          </p:cNvPr>
+          <p:cNvSpPr/>
+          <p:nvPr/>
+        </p:nvSpPr>
+        <p:spPr>
+          <a:xfrm>
+            <a:off x="6035587" y="4125073"/>
+            <a:ext cx="123290" cy="123278"/>
+          </a:xfrm>
+          <a:prstGeom prst="ellipse">
+            <a:avLst/>
+          </a:prstGeom>
+          <a:solidFill>
+            <a:srgbClr val="FF0000"/>
+          </a:solidFill>
+          <a:ln>
+            <a:solidFill>
+              <a:schemeClr val="tx1"/>
+            </a:solidFill>
+          </a:ln>
+        </p:spPr>
+        <p:style>
+          <a:lnRef idx="2">
+            <a:schemeClr val="accent1">
+              <a:shade val="50000"/>
+            </a:schemeClr>
+          </a:lnRef>
+          <a:fillRef idx="1">
+            <a:schemeClr val="accent1"/>
+          </a:fillRef>
+          <a:effectRef idx="0">
+            <a:schemeClr val="accent1"/>
+          </a:effectRef>
+          <a:fontRef idx="minor">
+            <a:schemeClr val="lt1"/>
+          </a:fontRef>
+        </p:style>
+        <p:txBody>
+          <a:bodyPr rtlCol="0" anchor="ctr"/>
+          <a:lstStyle/>
+          <a:p>
+            <a:pPr algn="ctr"/>
+            <a:endParaRPr lang="en-US"/>
+          </a:p>
+        </p:txBody>
+      </p:sp>
+      <p:sp>
+        <p:nvSpPr>
+          <p:cNvPr id="49" name="Oval 48">
+            <a:extLst>
+              <a:ext uri="{FF2B5EF4-FFF2-40B4-BE49-F238E27FC236}">
+                <a16:creationId xmlns:a16="http://schemas.microsoft.com/office/drawing/2014/main" id="{81C759DD-A9CC-874E-ABE4-B13CC601ED24}"/>
+              </a:ext>
+            </a:extLst>
+          </p:cNvPr>
+          <p:cNvSpPr/>
+          <p:nvPr/>
+        </p:nvSpPr>
+        <p:spPr>
+          <a:xfrm>
+            <a:off x="5119353" y="4126787"/>
+            <a:ext cx="123290" cy="123278"/>
+          </a:xfrm>
+          <a:prstGeom prst="ellipse">
+            <a:avLst/>
+          </a:prstGeom>
+          <a:solidFill>
+            <a:srgbClr val="FF0000"/>
+          </a:solidFill>
+          <a:ln>
+            <a:solidFill>
+              <a:schemeClr val="tx1"/>
+            </a:solidFill>
+          </a:ln>
+        </p:spPr>
+        <p:style>
+          <a:lnRef idx="2">
+            <a:schemeClr val="accent1">
+              <a:shade val="50000"/>
+            </a:schemeClr>
+          </a:lnRef>
+          <a:fillRef idx="1">
+            <a:schemeClr val="accent1"/>
+          </a:fillRef>
+          <a:effectRef idx="0">
+            <a:schemeClr val="accent1"/>
+          </a:effectRef>
+          <a:fontRef idx="minor">
+            <a:schemeClr val="lt1"/>
+          </a:fontRef>
+        </p:style>
+        <p:txBody>
+          <a:bodyPr rtlCol="0" anchor="ctr"/>
+          <a:lstStyle/>
+          <a:p>
+            <a:pPr algn="ctr"/>
+            <a:endParaRPr lang="en-US"/>
+          </a:p>
+        </p:txBody>
+      </p:sp>
+      <p:sp>
+        <p:nvSpPr>
+          <p:cNvPr id="50" name="Oval 49">
+            <a:extLst>
+              <a:ext uri="{FF2B5EF4-FFF2-40B4-BE49-F238E27FC236}">
+                <a16:creationId xmlns:a16="http://schemas.microsoft.com/office/drawing/2014/main" id="{9E615DD0-B409-384A-A9BD-574B9BD8E63C}"/>
+              </a:ext>
+            </a:extLst>
+          </p:cNvPr>
+          <p:cNvSpPr/>
+          <p:nvPr/>
+        </p:nvSpPr>
+        <p:spPr>
+          <a:xfrm>
+            <a:off x="8105965" y="4116513"/>
+            <a:ext cx="123290" cy="123278"/>
+          </a:xfrm>
+          <a:prstGeom prst="ellipse">
+            <a:avLst/>
+          </a:prstGeom>
+          <a:solidFill>
+            <a:srgbClr val="FF0000"/>
+          </a:solidFill>
+          <a:ln>
+            <a:solidFill>
+              <a:schemeClr val="tx1"/>
+            </a:solidFill>
+          </a:ln>
+        </p:spPr>
+        <p:style>
+          <a:lnRef idx="2">
+            <a:schemeClr val="accent1">
+              <a:shade val="50000"/>
+            </a:schemeClr>
+          </a:lnRef>
+          <a:fillRef idx="1">
+            <a:schemeClr val="accent1"/>
+          </a:fillRef>
+          <a:effectRef idx="0">
+            <a:schemeClr val="accent1"/>
+          </a:effectRef>
+          <a:fontRef idx="minor">
+            <a:schemeClr val="lt1"/>
+          </a:fontRef>
+        </p:style>
+        <p:txBody>
+          <a:bodyPr rtlCol="0" anchor="ctr"/>
+          <a:lstStyle/>
+          <a:p>
+            <a:pPr algn="ctr"/>
+            <a:endParaRPr lang="en-US"/>
+          </a:p>
+        </p:txBody>
+      </p:sp>
+      <p:sp>
+        <p:nvSpPr>
+          <p:cNvPr id="51" name="Oval 50">
+            <a:extLst>
+              <a:ext uri="{FF2B5EF4-FFF2-40B4-BE49-F238E27FC236}">
+                <a16:creationId xmlns:a16="http://schemas.microsoft.com/office/drawing/2014/main" id="{31F130FE-965A-434A-9AA4-514C36ADA454}"/>
+              </a:ext>
+            </a:extLst>
+          </p:cNvPr>
+          <p:cNvSpPr/>
+          <p:nvPr/>
+        </p:nvSpPr>
+        <p:spPr>
+          <a:xfrm>
+            <a:off x="7039899" y="4128503"/>
+            <a:ext cx="123290" cy="123278"/>
+          </a:xfrm>
+          <a:prstGeom prst="ellipse">
+            <a:avLst/>
+          </a:prstGeom>
+          <a:solidFill>
+            <a:srgbClr val="FF0000"/>
+          </a:solidFill>
+          <a:ln>
+            <a:solidFill>
+              <a:schemeClr val="tx1"/>
+            </a:solidFill>
+          </a:ln>
+        </p:spPr>
+        <p:style>
+          <a:lnRef idx="2">
+            <a:schemeClr val="accent1">
+              <a:shade val="50000"/>
+            </a:schemeClr>
+          </a:lnRef>
+          <a:fillRef idx="1">
+            <a:schemeClr val="accent1"/>
+          </a:fillRef>
+          <a:effectRef idx="0">
+            <a:schemeClr val="accent1"/>
+          </a:effectRef>
+          <a:fontRef idx="minor">
+            <a:schemeClr val="lt1"/>
+          </a:fontRef>
+        </p:style>
+        <p:txBody>
+          <a:bodyPr rtlCol="0" anchor="ctr"/>
+          <a:lstStyle/>
+          <a:p>
+            <a:pPr algn="ctr"/>
+            <a:endParaRPr lang="en-US"/>
+          </a:p>
+        </p:txBody>
+      </p:sp>
+      <p:sp>
+        <p:nvSpPr>
+          <p:cNvPr id="52" name="Oval 51">
+            <a:extLst>
+              <a:ext uri="{FF2B5EF4-FFF2-40B4-BE49-F238E27FC236}">
+                <a16:creationId xmlns:a16="http://schemas.microsoft.com/office/drawing/2014/main" id="{6921C968-8BA1-7B44-9252-08767B6B2922}"/>
+              </a:ext>
+            </a:extLst>
+          </p:cNvPr>
+          <p:cNvSpPr/>
+          <p:nvPr/>
+        </p:nvSpPr>
+        <p:spPr>
+          <a:xfrm>
+            <a:off x="9174395" y="4128503"/>
+            <a:ext cx="123290" cy="123278"/>
+          </a:xfrm>
+          <a:prstGeom prst="ellipse">
+            <a:avLst/>
+          </a:prstGeom>
+          <a:solidFill>
+            <a:srgbClr val="FF0000"/>
+          </a:solidFill>
+          <a:ln>
+            <a:solidFill>
+              <a:schemeClr val="tx1"/>
+            </a:solidFill>
+          </a:ln>
+        </p:spPr>
+        <p:style>
+          <a:lnRef idx="2">
+            <a:schemeClr val="accent1">
+              <a:shade val="50000"/>
+            </a:schemeClr>
+          </a:lnRef>
+          <a:fillRef idx="1">
+            <a:schemeClr val="accent1"/>
+          </a:fillRef>
+          <a:effectRef idx="0">
+            <a:schemeClr val="accent1"/>
+          </a:effectRef>
+          <a:fontRef idx="minor">
+            <a:schemeClr val="lt1"/>
+          </a:fontRef>
+        </p:style>
+        <p:txBody>
+          <a:bodyPr rtlCol="0" anchor="ctr"/>
+          <a:lstStyle/>
+          <a:p>
+            <a:pPr algn="ctr"/>
+            <a:endParaRPr lang="en-US"/>
+          </a:p>
+        </p:txBody>
+      </p:sp>
+      <p:sp>
+        <p:nvSpPr>
+          <p:cNvPr id="53" name="Oval 52">
+            <a:extLst>
+              <a:ext uri="{FF2B5EF4-FFF2-40B4-BE49-F238E27FC236}">
+                <a16:creationId xmlns:a16="http://schemas.microsoft.com/office/drawing/2014/main" id="{D4204870-08A9-8141-8F49-ED5571DE346B}"/>
+              </a:ext>
+            </a:extLst>
+          </p:cNvPr>
+          <p:cNvSpPr/>
+          <p:nvPr/>
+        </p:nvSpPr>
+        <p:spPr>
+          <a:xfrm>
+            <a:off x="8579993" y="4116513"/>
+            <a:ext cx="123290" cy="123278"/>
+          </a:xfrm>
+          <a:prstGeom prst="ellipse">
+            <a:avLst/>
+          </a:prstGeom>
+          <a:solidFill>
+            <a:srgbClr val="FF0000"/>
+          </a:solidFill>
+          <a:ln>
+            <a:solidFill>
+              <a:schemeClr val="tx1"/>
+            </a:solidFill>
+          </a:ln>
+        </p:spPr>
+        <p:style>
+          <a:lnRef idx="2">
+            <a:schemeClr val="accent1">
+              <a:shade val="50000"/>
+            </a:schemeClr>
+          </a:lnRef>
+          <a:fillRef idx="1">
+            <a:schemeClr val="accent1"/>
+          </a:fillRef>
+          <a:effectRef idx="0">
+            <a:schemeClr val="accent1"/>
+          </a:effectRef>
+          <a:fontRef idx="minor">
+            <a:schemeClr val="lt1"/>
+          </a:fontRef>
+        </p:style>
+        <p:txBody>
+          <a:bodyPr rtlCol="0" anchor="ctr"/>
+          <a:lstStyle/>
+          <a:p>
+            <a:pPr algn="ctr"/>
+            <a:endParaRPr lang="en-US"/>
+          </a:p>
+        </p:txBody>
+      </p:sp>
+      <p:sp>
+        <p:nvSpPr>
+          <p:cNvPr id="54" name="Oval 53">
+            <a:extLst>
+              <a:ext uri="{FF2B5EF4-FFF2-40B4-BE49-F238E27FC236}">
+                <a16:creationId xmlns:a16="http://schemas.microsoft.com/office/drawing/2014/main" id="{9B98D5EC-E1E3-0C4F-9E24-7047C2F412C1}"/>
+              </a:ext>
+            </a:extLst>
+          </p:cNvPr>
+          <p:cNvSpPr/>
+          <p:nvPr/>
+        </p:nvSpPr>
+        <p:spPr>
+          <a:xfrm>
+            <a:off x="10386250" y="4128503"/>
+            <a:ext cx="123290" cy="123278"/>
+          </a:xfrm>
+          <a:prstGeom prst="ellipse">
+            <a:avLst/>
+          </a:prstGeom>
+          <a:solidFill>
+            <a:srgbClr val="FF0000"/>
+          </a:solidFill>
+          <a:ln>
+            <a:solidFill>
+              <a:schemeClr val="tx1"/>
+            </a:solidFill>
+          </a:ln>
+        </p:spPr>
+        <p:style>
+          <a:lnRef idx="2">
+            <a:schemeClr val="accent1">
+              <a:shade val="50000"/>
+            </a:schemeClr>
+          </a:lnRef>
+          <a:fillRef idx="1">
+            <a:schemeClr val="accent1"/>
+          </a:fillRef>
+          <a:effectRef idx="0">
+            <a:schemeClr val="accent1"/>
+          </a:effectRef>
+          <a:fontRef idx="minor">
+            <a:schemeClr val="lt1"/>
+          </a:fontRef>
+        </p:style>
+        <p:txBody>
+          <a:bodyPr rtlCol="0" anchor="ctr"/>
+          <a:lstStyle/>
+          <a:p>
+            <a:pPr algn="ctr"/>
+            <a:endParaRPr lang="en-US"/>
+          </a:p>
+        </p:txBody>
+      </p:sp>
+      <p:sp>
+        <p:nvSpPr>
+          <p:cNvPr id="57" name="Right Brace 56">
+            <a:extLst>
+              <a:ext uri="{FF2B5EF4-FFF2-40B4-BE49-F238E27FC236}">
+                <a16:creationId xmlns:a16="http://schemas.microsoft.com/office/drawing/2014/main" id="{003DB1AF-07AA-C044-B358-EEE496E86F67}"/>
+              </a:ext>
+            </a:extLst>
+          </p:cNvPr>
+          <p:cNvSpPr/>
+          <p:nvPr/>
+        </p:nvSpPr>
+        <p:spPr>
+          <a:xfrm rot="16200000">
+            <a:off x="6105442" y="-370057"/>
+            <a:ext cx="213236" cy="8594967"/>
+          </a:xfrm>
+          <a:prstGeom prst="rightBrace">
+            <a:avLst>
+              <a:gd name="adj1" fmla="val 74820"/>
+              <a:gd name="adj2" fmla="val 50000"/>
+            </a:avLst>
+          </a:prstGeom>
+          <a:ln w="38100">
+            <a:solidFill>
+              <a:srgbClr val="7030A0"/>
+            </a:solidFill>
+          </a:ln>
+        </p:spPr>
+        <p:style>
+          <a:lnRef idx="1">
+            <a:schemeClr val="accent1"/>
+          </a:lnRef>
+          <a:fillRef idx="0">
+            <a:schemeClr val="accent1"/>
+          </a:fillRef>
+          <a:effectRef idx="0">
+            <a:schemeClr val="accent1"/>
+          </a:effectRef>
+          <a:fontRef idx="minor">
+            <a:schemeClr val="tx1"/>
+          </a:fontRef>
+        </p:style>
+        <p:txBody>
+          <a:bodyPr rtlCol="0" anchor="ctr"/>
+          <a:lstStyle/>
+          <a:p>
+            <a:pPr algn="ctr"/>
+            <a:endParaRPr lang="en-US"/>
+          </a:p>
+        </p:txBody>
+      </p:sp>
+      <p:sp>
+        <p:nvSpPr>
+          <p:cNvPr id="58" name="TextBox 57">
+            <a:extLst>
+              <a:ext uri="{FF2B5EF4-FFF2-40B4-BE49-F238E27FC236}">
+                <a16:creationId xmlns:a16="http://schemas.microsoft.com/office/drawing/2014/main" id="{262104C4-F97A-A24A-BACC-AF5E293BA62A}"/>
+              </a:ext>
+            </a:extLst>
+          </p:cNvPr>
+          <p:cNvSpPr txBox="1"/>
+          <p:nvPr/>
+        </p:nvSpPr>
+        <p:spPr>
+          <a:xfrm>
+            <a:off x="4337064" y="3143676"/>
+            <a:ext cx="3643626" cy="369332"/>
+          </a:xfrm>
+          <a:prstGeom prst="rect">
+            <a:avLst/>
+          </a:prstGeom>
+          <a:noFill/>
+        </p:spPr>
+        <p:txBody>
+          <a:bodyPr wrap="none" rtlCol="0">
+            <a:spAutoFit/>
+          </a:bodyPr>
+          <a:lstStyle/>
+          <a:p>
+            <a:r>
+              <a:rPr lang="en-US" dirty="0"/>
+              <a:t>Equivalent number of key candidates</a:t>
+            </a:r>
+          </a:p>
+        </p:txBody>
+      </p:sp>
+      <p:sp>
+        <p:nvSpPr>
+          <p:cNvPr id="59" name="TextBox 58">
+            <a:extLst>
+              <a:ext uri="{FF2B5EF4-FFF2-40B4-BE49-F238E27FC236}">
+                <a16:creationId xmlns:a16="http://schemas.microsoft.com/office/drawing/2014/main" id="{53EFB47F-2789-F640-A404-AF54657EC81E}"/>
+              </a:ext>
+            </a:extLst>
+          </p:cNvPr>
+          <p:cNvSpPr txBox="1"/>
+          <p:nvPr/>
+        </p:nvSpPr>
+        <p:spPr>
+          <a:xfrm>
+            <a:off x="4569852" y="2238908"/>
+            <a:ext cx="533479" cy="369332"/>
+          </a:xfrm>
+          <a:prstGeom prst="rect">
+            <a:avLst/>
+          </a:prstGeom>
+          <a:noFill/>
+        </p:spPr>
+        <p:txBody>
+          <a:bodyPr wrap="none" rtlCol="0">
+            <a:spAutoFit/>
+          </a:bodyPr>
+          <a:lstStyle/>
+          <a:p>
+            <a:r>
+              <a:rPr lang="en-US" dirty="0"/>
+              <a:t>AES</a:t>
+            </a:r>
+          </a:p>
+        </p:txBody>
+      </p:sp>
+      <p:sp>
+        <p:nvSpPr>
+          <p:cNvPr id="60" name="TextBox 59">
+            <a:extLst>
+              <a:ext uri="{FF2B5EF4-FFF2-40B4-BE49-F238E27FC236}">
+                <a16:creationId xmlns:a16="http://schemas.microsoft.com/office/drawing/2014/main" id="{7A06AD2C-1A1C-5249-8746-7B332B0E94FC}"/>
+              </a:ext>
+            </a:extLst>
+          </p:cNvPr>
+          <p:cNvSpPr txBox="1"/>
+          <p:nvPr/>
+        </p:nvSpPr>
+        <p:spPr>
+          <a:xfrm>
+            <a:off x="1200123" y="4005476"/>
+            <a:ext cx="543867" cy="369332"/>
+          </a:xfrm>
+          <a:prstGeom prst="rect">
+            <a:avLst/>
+          </a:prstGeom>
+          <a:noFill/>
+        </p:spPr>
+        <p:txBody>
+          <a:bodyPr wrap="none" rtlCol="0">
+            <a:spAutoFit/>
+          </a:bodyPr>
+          <a:lstStyle/>
+          <a:p>
+            <a:r>
+              <a:rPr lang="en-US" dirty="0"/>
+              <a:t>RSA</a:t>
+            </a:r>
+          </a:p>
+        </p:txBody>
+      </p:sp>
+    </p:spTree>
+    <p:extLst>
+      <p:ext uri="{BB962C8B-B14F-4D97-AF65-F5344CB8AC3E}">
+        <p14:creationId xmlns:p14="http://schemas.microsoft.com/office/powerpoint/2010/main" val="3639275644"/>
       </p:ext>
     </p:extLst>
   </p:cSld>

--- a/images.pptx
+++ b/images.pptx
@@ -5,7 +5,7 @@
     <p:sldMasterId id="2147483648" r:id="rId1"/>
   </p:sldMasterIdLst>
   <p:notesMasterIdLst>
-    <p:notesMasterId r:id="rId29"/>
+    <p:notesMasterId r:id="rId32"/>
   </p:notesMasterIdLst>
   <p:sldIdLst>
     <p:sldId id="257" r:id="rId2"/>
@@ -35,6 +35,9 @@
     <p:sldId id="280" r:id="rId26"/>
     <p:sldId id="281" r:id="rId27"/>
     <p:sldId id="282" r:id="rId28"/>
+    <p:sldId id="283" r:id="rId29"/>
+    <p:sldId id="284" r:id="rId30"/>
+    <p:sldId id="285" r:id="rId31"/>
   </p:sldIdLst>
   <p:sldSz cx="12192000" cy="6858000"/>
   <p:notesSz cx="6858000" cy="9144000"/>
@@ -223,7 +226,7 @@
           <a:p>
             <a:fld id="{7CEEDDC0-DF20-AC46-B752-4D05A37D4059}" type="datetimeFigureOut">
               <a:rPr lang="en-US" smtClean="0"/>
-              <a:t>9/17/19</a:t>
+              <a:t>9/24/2019</a:t>
             </a:fld>
             <a:endParaRPr lang="en-US"/>
           </a:p>
@@ -973,7 +976,7 @@
           <a:p>
             <a:fld id="{ABB50B84-C221-BA49-B172-B6D4747B1BA4}" type="datetimeFigureOut">
               <a:rPr lang="en-US" smtClean="0"/>
-              <a:t>9/17/19</a:t>
+              <a:t>9/24/2019</a:t>
             </a:fld>
             <a:endParaRPr lang="en-US"/>
           </a:p>
@@ -1171,7 +1174,7 @@
           <a:p>
             <a:fld id="{ABB50B84-C221-BA49-B172-B6D4747B1BA4}" type="datetimeFigureOut">
               <a:rPr lang="en-US" smtClean="0"/>
-              <a:t>9/17/19</a:t>
+              <a:t>9/24/2019</a:t>
             </a:fld>
             <a:endParaRPr lang="en-US"/>
           </a:p>
@@ -1379,7 +1382,7 @@
           <a:p>
             <a:fld id="{ABB50B84-C221-BA49-B172-B6D4747B1BA4}" type="datetimeFigureOut">
               <a:rPr lang="en-US" smtClean="0"/>
-              <a:t>9/17/19</a:t>
+              <a:t>9/24/2019</a:t>
             </a:fld>
             <a:endParaRPr lang="en-US"/>
           </a:p>
@@ -1577,7 +1580,7 @@
           <a:p>
             <a:fld id="{ABB50B84-C221-BA49-B172-B6D4747B1BA4}" type="datetimeFigureOut">
               <a:rPr lang="en-US" smtClean="0"/>
-              <a:t>9/17/19</a:t>
+              <a:t>9/24/2019</a:t>
             </a:fld>
             <a:endParaRPr lang="en-US"/>
           </a:p>
@@ -1852,7 +1855,7 @@
           <a:p>
             <a:fld id="{ABB50B84-C221-BA49-B172-B6D4747B1BA4}" type="datetimeFigureOut">
               <a:rPr lang="en-US" smtClean="0"/>
-              <a:t>9/17/19</a:t>
+              <a:t>9/24/2019</a:t>
             </a:fld>
             <a:endParaRPr lang="en-US"/>
           </a:p>
@@ -2117,7 +2120,7 @@
           <a:p>
             <a:fld id="{ABB50B84-C221-BA49-B172-B6D4747B1BA4}" type="datetimeFigureOut">
               <a:rPr lang="en-US" smtClean="0"/>
-              <a:t>9/17/19</a:t>
+              <a:t>9/24/2019</a:t>
             </a:fld>
             <a:endParaRPr lang="en-US"/>
           </a:p>
@@ -2529,7 +2532,7 @@
           <a:p>
             <a:fld id="{ABB50B84-C221-BA49-B172-B6D4747B1BA4}" type="datetimeFigureOut">
               <a:rPr lang="en-US" smtClean="0"/>
-              <a:t>9/17/19</a:t>
+              <a:t>9/24/2019</a:t>
             </a:fld>
             <a:endParaRPr lang="en-US"/>
           </a:p>
@@ -2670,7 +2673,7 @@
           <a:p>
             <a:fld id="{ABB50B84-C221-BA49-B172-B6D4747B1BA4}" type="datetimeFigureOut">
               <a:rPr lang="en-US" smtClean="0"/>
-              <a:t>9/17/19</a:t>
+              <a:t>9/24/2019</a:t>
             </a:fld>
             <a:endParaRPr lang="en-US"/>
           </a:p>
@@ -2783,7 +2786,7 @@
           <a:p>
             <a:fld id="{ABB50B84-C221-BA49-B172-B6D4747B1BA4}" type="datetimeFigureOut">
               <a:rPr lang="en-US" smtClean="0"/>
-              <a:t>9/17/19</a:t>
+              <a:t>9/24/2019</a:t>
             </a:fld>
             <a:endParaRPr lang="en-US"/>
           </a:p>
@@ -3094,7 +3097,7 @@
           <a:p>
             <a:fld id="{ABB50B84-C221-BA49-B172-B6D4747B1BA4}" type="datetimeFigureOut">
               <a:rPr lang="en-US" smtClean="0"/>
-              <a:t>9/17/19</a:t>
+              <a:t>9/24/2019</a:t>
             </a:fld>
             <a:endParaRPr lang="en-US"/>
           </a:p>
@@ -3382,7 +3385,7 @@
           <a:p>
             <a:fld id="{ABB50B84-C221-BA49-B172-B6D4747B1BA4}" type="datetimeFigureOut">
               <a:rPr lang="en-US" smtClean="0"/>
-              <a:t>9/17/19</a:t>
+              <a:t>9/24/2019</a:t>
             </a:fld>
             <a:endParaRPr lang="en-US"/>
           </a:p>
@@ -3623,7 +3626,7 @@
           <a:p>
             <a:fld id="{ABB50B84-C221-BA49-B172-B6D4747B1BA4}" type="datetimeFigureOut">
               <a:rPr lang="en-US" smtClean="0"/>
-              <a:t>9/17/19</a:t>
+              <a:t>9/24/2019</a:t>
             </a:fld>
             <a:endParaRPr lang="en-US"/>
           </a:p>
@@ -23916,6 +23919,1831 @@
 </p:sld>
 </file>
 
+<file path=ppt/slides/slide28.xml><?xml version="1.0" encoding="utf-8"?>
+<p:sld xmlns:a="http://schemas.openxmlformats.org/drawingml/2006/main" xmlns:r="http://schemas.openxmlformats.org/officeDocument/2006/relationships" xmlns:p="http://schemas.openxmlformats.org/presentationml/2006/main">
+  <p:cSld>
+    <p:spTree>
+      <p:nvGrpSpPr>
+        <p:cNvPr id="1" name=""/>
+        <p:cNvGrpSpPr/>
+        <p:nvPr/>
+      </p:nvGrpSpPr>
+      <p:grpSpPr>
+        <a:xfrm>
+          <a:off x="0" y="0"/>
+          <a:ext cx="0" cy="0"/>
+          <a:chOff x="0" y="0"/>
+          <a:chExt cx="0" cy="0"/>
+        </a:xfrm>
+      </p:grpSpPr>
+      <p:cxnSp>
+        <p:nvCxnSpPr>
+          <p:cNvPr id="5" name="直線矢印コネクタ 4">
+            <a:extLst>
+              <a:ext uri="{FF2B5EF4-FFF2-40B4-BE49-F238E27FC236}">
+                <a16:creationId xmlns:a16="http://schemas.microsoft.com/office/drawing/2014/main" id="{3F4FB069-9FC1-45D9-927A-D932EB37C5F4}"/>
+              </a:ext>
+            </a:extLst>
+          </p:cNvPr>
+          <p:cNvCxnSpPr>
+            <a:cxnSpLocks/>
+          </p:cNvCxnSpPr>
+          <p:nvPr/>
+        </p:nvCxnSpPr>
+        <p:spPr>
+          <a:xfrm>
+            <a:off x="2725445" y="2760955"/>
+            <a:ext cx="1162975" cy="0"/>
+          </a:xfrm>
+          <a:prstGeom prst="straightConnector1">
+            <a:avLst/>
+          </a:prstGeom>
+          <a:ln w="38100">
+            <a:solidFill>
+              <a:schemeClr val="tx1"/>
+            </a:solidFill>
+            <a:tailEnd type="triangle"/>
+          </a:ln>
+        </p:spPr>
+        <p:style>
+          <a:lnRef idx="1">
+            <a:schemeClr val="accent1"/>
+          </a:lnRef>
+          <a:fillRef idx="0">
+            <a:schemeClr val="accent1"/>
+          </a:fillRef>
+          <a:effectRef idx="0">
+            <a:schemeClr val="accent1"/>
+          </a:effectRef>
+          <a:fontRef idx="minor">
+            <a:schemeClr val="tx1"/>
+          </a:fontRef>
+        </p:style>
+      </p:cxnSp>
+      <p:sp>
+        <p:nvSpPr>
+          <p:cNvPr id="7" name="テキスト ボックス 6">
+            <a:extLst>
+              <a:ext uri="{FF2B5EF4-FFF2-40B4-BE49-F238E27FC236}">
+                <a16:creationId xmlns:a16="http://schemas.microsoft.com/office/drawing/2014/main" id="{EDF5E538-2065-4763-BB0C-83791B22C7DA}"/>
+              </a:ext>
+            </a:extLst>
+          </p:cNvPr>
+          <p:cNvSpPr txBox="1"/>
+          <p:nvPr/>
+        </p:nvSpPr>
+        <p:spPr>
+          <a:xfrm>
+            <a:off x="2232326" y="2393677"/>
+            <a:ext cx="1656094" cy="369332"/>
+          </a:xfrm>
+          <a:prstGeom prst="rect">
+            <a:avLst/>
+          </a:prstGeom>
+          <a:noFill/>
+        </p:spPr>
+        <p:txBody>
+          <a:bodyPr wrap="none" rtlCol="0">
+            <a:spAutoFit/>
+          </a:bodyPr>
+          <a:lstStyle/>
+          <a:p>
+            <a:r>
+              <a:rPr kumimoji="1" lang="en-US" altLang="ja-JP" dirty="0"/>
+              <a:t>Original</a:t>
+            </a:r>
+            <a:r>
+              <a:rPr kumimoji="1" lang="ja-JP" altLang="en-US" dirty="0"/>
+              <a:t> </a:t>
+            </a:r>
+            <a:r>
+              <a:rPr kumimoji="1" lang="en-US" altLang="ja-JP" dirty="0"/>
+              <a:t>Data</a:t>
+            </a:r>
+            <a:r>
+              <a:rPr kumimoji="1" lang="ja-JP" altLang="en-US" dirty="0"/>
+              <a:t> </a:t>
+            </a:r>
+            <a:r>
+              <a:rPr kumimoji="1" lang="en-US" altLang="ja-JP" i="1" dirty="0"/>
+              <a:t>M</a:t>
+            </a:r>
+            <a:endParaRPr kumimoji="1" lang="ja-JP" altLang="en-US" i="1" dirty="0"/>
+          </a:p>
+        </p:txBody>
+      </p:sp>
+      <p:sp>
+        <p:nvSpPr>
+          <p:cNvPr id="8" name="Rounded Rectangle 130">
+            <a:extLst>
+              <a:ext uri="{FF2B5EF4-FFF2-40B4-BE49-F238E27FC236}">
+                <a16:creationId xmlns:a16="http://schemas.microsoft.com/office/drawing/2014/main" id="{57B7A42E-F302-4CF8-8E9E-648040DB2EFF}"/>
+              </a:ext>
+            </a:extLst>
+          </p:cNvPr>
+          <p:cNvSpPr/>
+          <p:nvPr/>
+        </p:nvSpPr>
+        <p:spPr>
+          <a:xfrm>
+            <a:off x="3888420" y="2264722"/>
+            <a:ext cx="1768603" cy="992466"/>
+          </a:xfrm>
+          <a:prstGeom prst="roundRect">
+            <a:avLst/>
+          </a:prstGeom>
+          <a:ln w="38100">
+            <a:solidFill>
+              <a:schemeClr val="tx1"/>
+            </a:solidFill>
+          </a:ln>
+        </p:spPr>
+        <p:style>
+          <a:lnRef idx="2">
+            <a:schemeClr val="accent2"/>
+          </a:lnRef>
+          <a:fillRef idx="1">
+            <a:schemeClr val="lt1"/>
+          </a:fillRef>
+          <a:effectRef idx="0">
+            <a:schemeClr val="accent2"/>
+          </a:effectRef>
+          <a:fontRef idx="minor">
+            <a:schemeClr val="dk1"/>
+          </a:fontRef>
+        </p:style>
+        <p:txBody>
+          <a:bodyPr rtlCol="0" anchor="ctr"/>
+          <a:lstStyle/>
+          <a:p>
+            <a:pPr algn="ctr"/>
+            <a:r>
+              <a:rPr lang="en-US" b="1" dirty="0">
+                <a:solidFill>
+                  <a:srgbClr val="FF0000"/>
+                </a:solidFill>
+              </a:rPr>
+              <a:t>Padding</a:t>
+            </a:r>
+          </a:p>
+        </p:txBody>
+      </p:sp>
+      <p:cxnSp>
+        <p:nvCxnSpPr>
+          <p:cNvPr id="9" name="直線矢印コネクタ 8">
+            <a:extLst>
+              <a:ext uri="{FF2B5EF4-FFF2-40B4-BE49-F238E27FC236}">
+                <a16:creationId xmlns:a16="http://schemas.microsoft.com/office/drawing/2014/main" id="{A371EB1D-C3AA-4459-9802-474887B1D807}"/>
+              </a:ext>
+            </a:extLst>
+          </p:cNvPr>
+          <p:cNvCxnSpPr>
+            <a:cxnSpLocks/>
+          </p:cNvCxnSpPr>
+          <p:nvPr/>
+        </p:nvCxnSpPr>
+        <p:spPr>
+          <a:xfrm>
+            <a:off x="5657023" y="2760955"/>
+            <a:ext cx="1162975" cy="0"/>
+          </a:xfrm>
+          <a:prstGeom prst="straightConnector1">
+            <a:avLst/>
+          </a:prstGeom>
+          <a:ln w="38100">
+            <a:solidFill>
+              <a:schemeClr val="tx1"/>
+            </a:solidFill>
+            <a:tailEnd type="triangle"/>
+          </a:ln>
+        </p:spPr>
+        <p:style>
+          <a:lnRef idx="1">
+            <a:schemeClr val="accent1"/>
+          </a:lnRef>
+          <a:fillRef idx="0">
+            <a:schemeClr val="accent1"/>
+          </a:fillRef>
+          <a:effectRef idx="0">
+            <a:schemeClr val="accent1"/>
+          </a:effectRef>
+          <a:fontRef idx="minor">
+            <a:schemeClr val="tx1"/>
+          </a:fontRef>
+        </p:style>
+      </p:cxnSp>
+      <p:sp>
+        <p:nvSpPr>
+          <p:cNvPr id="10" name="Rounded Rectangle 130">
+            <a:extLst>
+              <a:ext uri="{FF2B5EF4-FFF2-40B4-BE49-F238E27FC236}">
+                <a16:creationId xmlns:a16="http://schemas.microsoft.com/office/drawing/2014/main" id="{B607E8CE-15B1-480A-BFA6-58BC7C28F222}"/>
+              </a:ext>
+            </a:extLst>
+          </p:cNvPr>
+          <p:cNvSpPr/>
+          <p:nvPr/>
+        </p:nvSpPr>
+        <p:spPr>
+          <a:xfrm>
+            <a:off x="6846833" y="2264722"/>
+            <a:ext cx="1768603" cy="992466"/>
+          </a:xfrm>
+          <a:prstGeom prst="roundRect">
+            <a:avLst/>
+          </a:prstGeom>
+          <a:ln w="38100">
+            <a:solidFill>
+              <a:schemeClr val="tx1"/>
+            </a:solidFill>
+          </a:ln>
+        </p:spPr>
+        <p:style>
+          <a:lnRef idx="2">
+            <a:schemeClr val="accent2"/>
+          </a:lnRef>
+          <a:fillRef idx="1">
+            <a:schemeClr val="lt1"/>
+          </a:fillRef>
+          <a:effectRef idx="0">
+            <a:schemeClr val="accent2"/>
+          </a:effectRef>
+          <a:fontRef idx="minor">
+            <a:schemeClr val="dk1"/>
+          </a:fontRef>
+        </p:style>
+        <p:txBody>
+          <a:bodyPr rtlCol="0" anchor="ctr"/>
+          <a:lstStyle/>
+          <a:p>
+            <a:pPr algn="ctr"/>
+            <a:r>
+              <a:rPr lang="en-US" altLang="ja-JP" b="1" dirty="0">
+                <a:solidFill>
+                  <a:schemeClr val="tx1"/>
+                </a:solidFill>
+              </a:rPr>
+              <a:t>RSA Encryption </a:t>
+            </a:r>
+            <a:endParaRPr lang="en-US" b="1" dirty="0">
+              <a:solidFill>
+                <a:schemeClr val="tx1"/>
+              </a:solidFill>
+            </a:endParaRPr>
+          </a:p>
+        </p:txBody>
+      </p:sp>
+      <p:cxnSp>
+        <p:nvCxnSpPr>
+          <p:cNvPr id="11" name="直線矢印コネクタ 10">
+            <a:extLst>
+              <a:ext uri="{FF2B5EF4-FFF2-40B4-BE49-F238E27FC236}">
+                <a16:creationId xmlns:a16="http://schemas.microsoft.com/office/drawing/2014/main" id="{8C5E9072-A1BA-48C0-B001-6E5614F4F81D}"/>
+              </a:ext>
+            </a:extLst>
+          </p:cNvPr>
+          <p:cNvCxnSpPr>
+            <a:cxnSpLocks/>
+          </p:cNvCxnSpPr>
+          <p:nvPr/>
+        </p:nvCxnSpPr>
+        <p:spPr>
+          <a:xfrm>
+            <a:off x="8615436" y="2760955"/>
+            <a:ext cx="1162975" cy="0"/>
+          </a:xfrm>
+          <a:prstGeom prst="straightConnector1">
+            <a:avLst/>
+          </a:prstGeom>
+          <a:ln w="38100">
+            <a:solidFill>
+              <a:schemeClr val="tx1"/>
+            </a:solidFill>
+            <a:tailEnd type="triangle"/>
+          </a:ln>
+        </p:spPr>
+        <p:style>
+          <a:lnRef idx="1">
+            <a:schemeClr val="accent1"/>
+          </a:lnRef>
+          <a:fillRef idx="0">
+            <a:schemeClr val="accent1"/>
+          </a:fillRef>
+          <a:effectRef idx="0">
+            <a:schemeClr val="accent1"/>
+          </a:effectRef>
+          <a:fontRef idx="minor">
+            <a:schemeClr val="tx1"/>
+          </a:fontRef>
+        </p:style>
+      </p:cxnSp>
+      <p:sp>
+        <p:nvSpPr>
+          <p:cNvPr id="12" name="テキスト ボックス 11">
+            <a:extLst>
+              <a:ext uri="{FF2B5EF4-FFF2-40B4-BE49-F238E27FC236}">
+                <a16:creationId xmlns:a16="http://schemas.microsoft.com/office/drawing/2014/main" id="{4D766936-FEE5-45C1-8EBB-08A13AF57CB5}"/>
+              </a:ext>
+            </a:extLst>
+          </p:cNvPr>
+          <p:cNvSpPr txBox="1"/>
+          <p:nvPr/>
+        </p:nvSpPr>
+        <p:spPr>
+          <a:xfrm>
+            <a:off x="5648428" y="2391623"/>
+            <a:ext cx="1198405" cy="369332"/>
+          </a:xfrm>
+          <a:prstGeom prst="rect">
+            <a:avLst/>
+          </a:prstGeom>
+          <a:noFill/>
+        </p:spPr>
+        <p:txBody>
+          <a:bodyPr wrap="none" rtlCol="0">
+            <a:spAutoFit/>
+          </a:bodyPr>
+          <a:lstStyle/>
+          <a:p>
+            <a:r>
+              <a:rPr kumimoji="1" lang="en-US" altLang="ja-JP" dirty="0"/>
+              <a:t>Plaintext </a:t>
+            </a:r>
+            <a:r>
+              <a:rPr kumimoji="1" lang="en-US" altLang="ja-JP" i="1" dirty="0"/>
+              <a:t>D</a:t>
+            </a:r>
+            <a:endParaRPr kumimoji="1" lang="ja-JP" altLang="en-US" i="1" dirty="0"/>
+          </a:p>
+        </p:txBody>
+      </p:sp>
+      <p:cxnSp>
+        <p:nvCxnSpPr>
+          <p:cNvPr id="13" name="直線矢印コネクタ 12">
+            <a:extLst>
+              <a:ext uri="{FF2B5EF4-FFF2-40B4-BE49-F238E27FC236}">
+                <a16:creationId xmlns:a16="http://schemas.microsoft.com/office/drawing/2014/main" id="{088C60F3-F0CB-422C-AB2A-524DBF7082E8}"/>
+              </a:ext>
+            </a:extLst>
+          </p:cNvPr>
+          <p:cNvCxnSpPr>
+            <a:cxnSpLocks/>
+            <a:endCxn id="10" idx="0"/>
+          </p:cNvCxnSpPr>
+          <p:nvPr/>
+        </p:nvCxnSpPr>
+        <p:spPr>
+          <a:xfrm>
+            <a:off x="7731134" y="1800173"/>
+            <a:ext cx="1" cy="464549"/>
+          </a:xfrm>
+          <a:prstGeom prst="straightConnector1">
+            <a:avLst/>
+          </a:prstGeom>
+          <a:ln w="38100">
+            <a:solidFill>
+              <a:schemeClr val="tx1"/>
+            </a:solidFill>
+            <a:tailEnd type="triangle"/>
+          </a:ln>
+        </p:spPr>
+        <p:style>
+          <a:lnRef idx="1">
+            <a:schemeClr val="accent1"/>
+          </a:lnRef>
+          <a:fillRef idx="0">
+            <a:schemeClr val="accent1"/>
+          </a:fillRef>
+          <a:effectRef idx="0">
+            <a:schemeClr val="accent1"/>
+          </a:effectRef>
+          <a:fontRef idx="minor">
+            <a:schemeClr val="tx1"/>
+          </a:fontRef>
+        </p:style>
+      </p:cxnSp>
+      <p:sp>
+        <p:nvSpPr>
+          <p:cNvPr id="16" name="テキスト ボックス 15">
+            <a:extLst>
+              <a:ext uri="{FF2B5EF4-FFF2-40B4-BE49-F238E27FC236}">
+                <a16:creationId xmlns:a16="http://schemas.microsoft.com/office/drawing/2014/main" id="{3980E455-B5DF-42D5-A444-EE8F830614FB}"/>
+              </a:ext>
+            </a:extLst>
+          </p:cNvPr>
+          <p:cNvSpPr txBox="1"/>
+          <p:nvPr/>
+        </p:nvSpPr>
+        <p:spPr>
+          <a:xfrm>
+            <a:off x="7016452" y="1430841"/>
+            <a:ext cx="1429366" cy="369332"/>
+          </a:xfrm>
+          <a:prstGeom prst="rect">
+            <a:avLst/>
+          </a:prstGeom>
+          <a:noFill/>
+        </p:spPr>
+        <p:txBody>
+          <a:bodyPr wrap="none" rtlCol="0">
+            <a:spAutoFit/>
+          </a:bodyPr>
+          <a:lstStyle/>
+          <a:p>
+            <a:r>
+              <a:rPr kumimoji="1" lang="en-US" altLang="ja-JP" dirty="0"/>
+              <a:t>Public Key </a:t>
+            </a:r>
+            <a:r>
+              <a:rPr kumimoji="1" lang="en-US" altLang="ja-JP" i="1" dirty="0"/>
+              <a:t>PK</a:t>
+            </a:r>
+            <a:endParaRPr kumimoji="1" lang="ja-JP" altLang="en-US" i="1" dirty="0"/>
+          </a:p>
+        </p:txBody>
+      </p:sp>
+      <p:sp>
+        <p:nvSpPr>
+          <p:cNvPr id="17" name="テキスト ボックス 16">
+            <a:extLst>
+              <a:ext uri="{FF2B5EF4-FFF2-40B4-BE49-F238E27FC236}">
+                <a16:creationId xmlns:a16="http://schemas.microsoft.com/office/drawing/2014/main" id="{A31E848F-1015-4187-A679-C189B7784D5D}"/>
+              </a:ext>
+            </a:extLst>
+          </p:cNvPr>
+          <p:cNvSpPr txBox="1"/>
+          <p:nvPr/>
+        </p:nvSpPr>
+        <p:spPr>
+          <a:xfrm>
+            <a:off x="8606841" y="2393677"/>
+            <a:ext cx="1336776" cy="369332"/>
+          </a:xfrm>
+          <a:prstGeom prst="rect">
+            <a:avLst/>
+          </a:prstGeom>
+          <a:noFill/>
+        </p:spPr>
+        <p:txBody>
+          <a:bodyPr wrap="none" rtlCol="0">
+            <a:spAutoFit/>
+          </a:bodyPr>
+          <a:lstStyle/>
+          <a:p>
+            <a:r>
+              <a:rPr kumimoji="1" lang="en-US" altLang="ja-JP" dirty="0"/>
+              <a:t>Ciphertext </a:t>
+            </a:r>
+            <a:r>
+              <a:rPr kumimoji="1" lang="en-US" altLang="ja-JP" i="1" dirty="0"/>
+              <a:t>X</a:t>
+            </a:r>
+            <a:endParaRPr kumimoji="1" lang="ja-JP" altLang="en-US" i="1" dirty="0"/>
+          </a:p>
+        </p:txBody>
+      </p:sp>
+    </p:spTree>
+    <p:extLst>
+      <p:ext uri="{BB962C8B-B14F-4D97-AF65-F5344CB8AC3E}">
+        <p14:creationId xmlns:p14="http://schemas.microsoft.com/office/powerpoint/2010/main" val="2805707718"/>
+      </p:ext>
+    </p:extLst>
+  </p:cSld>
+  <p:clrMapOvr>
+    <a:masterClrMapping/>
+  </p:clrMapOvr>
+</p:sld>
+</file>
+
+<file path=ppt/slides/slide29.xml><?xml version="1.0" encoding="utf-8"?>
+<p:sld xmlns:a="http://schemas.openxmlformats.org/drawingml/2006/main" xmlns:r="http://schemas.openxmlformats.org/officeDocument/2006/relationships" xmlns:p="http://schemas.openxmlformats.org/presentationml/2006/main">
+  <p:cSld>
+    <p:spTree>
+      <p:nvGrpSpPr>
+        <p:cNvPr id="1" name=""/>
+        <p:cNvGrpSpPr/>
+        <p:nvPr/>
+      </p:nvGrpSpPr>
+      <p:grpSpPr>
+        <a:xfrm>
+          <a:off x="0" y="0"/>
+          <a:ext cx="0" cy="0"/>
+          <a:chOff x="0" y="0"/>
+          <a:chExt cx="0" cy="0"/>
+        </a:xfrm>
+      </p:grpSpPr>
+      <p:sp>
+        <p:nvSpPr>
+          <p:cNvPr id="4" name="正方形/長方形 3">
+            <a:extLst>
+              <a:ext uri="{FF2B5EF4-FFF2-40B4-BE49-F238E27FC236}">
+                <a16:creationId xmlns:a16="http://schemas.microsoft.com/office/drawing/2014/main" id="{DDBEBF20-86A8-4952-8784-7156E98E718B}"/>
+              </a:ext>
+            </a:extLst>
+          </p:cNvPr>
+          <p:cNvSpPr/>
+          <p:nvPr/>
+        </p:nvSpPr>
+        <p:spPr>
+          <a:xfrm>
+            <a:off x="6612835" y="626165"/>
+            <a:ext cx="2252870" cy="437322"/>
+          </a:xfrm>
+          <a:prstGeom prst="rect">
+            <a:avLst/>
+          </a:prstGeom>
+          <a:solidFill>
+            <a:schemeClr val="bg1"/>
+          </a:solidFill>
+          <a:ln w="38100">
+            <a:solidFill>
+              <a:schemeClr val="tx1"/>
+            </a:solidFill>
+          </a:ln>
+        </p:spPr>
+        <p:style>
+          <a:lnRef idx="2">
+            <a:schemeClr val="accent1">
+              <a:shade val="50000"/>
+            </a:schemeClr>
+          </a:lnRef>
+          <a:fillRef idx="1">
+            <a:schemeClr val="accent1"/>
+          </a:fillRef>
+          <a:effectRef idx="0">
+            <a:schemeClr val="accent1"/>
+          </a:effectRef>
+          <a:fontRef idx="minor">
+            <a:schemeClr val="lt1"/>
+          </a:fontRef>
+        </p:style>
+        <p:txBody>
+          <a:bodyPr rtlCol="0" anchor="ctr"/>
+          <a:lstStyle/>
+          <a:p>
+            <a:pPr algn="ctr"/>
+            <a:r>
+              <a:rPr kumimoji="1" lang="en-US" altLang="ja-JP" b="1" dirty="0">
+                <a:solidFill>
+                  <a:schemeClr val="tx1"/>
+                </a:solidFill>
+              </a:rPr>
+              <a:t>Original Data </a:t>
+            </a:r>
+            <a:r>
+              <a:rPr kumimoji="1" lang="en-US" altLang="ja-JP" b="1" i="1" dirty="0">
+                <a:solidFill>
+                  <a:schemeClr val="tx1"/>
+                </a:solidFill>
+              </a:rPr>
+              <a:t>M</a:t>
+            </a:r>
+            <a:endParaRPr kumimoji="1" lang="ja-JP" altLang="en-US" b="1" i="1" dirty="0">
+              <a:solidFill>
+                <a:schemeClr val="tx1"/>
+              </a:solidFill>
+            </a:endParaRPr>
+          </a:p>
+        </p:txBody>
+      </p:sp>
+      <p:sp>
+        <p:nvSpPr>
+          <p:cNvPr id="5" name="正方形/長方形 4">
+            <a:extLst>
+              <a:ext uri="{FF2B5EF4-FFF2-40B4-BE49-F238E27FC236}">
+                <a16:creationId xmlns:a16="http://schemas.microsoft.com/office/drawing/2014/main" id="{3542E751-6BBC-4687-89A5-4DF3465DCD62}"/>
+              </a:ext>
+            </a:extLst>
+          </p:cNvPr>
+          <p:cNvSpPr/>
+          <p:nvPr/>
+        </p:nvSpPr>
+        <p:spPr>
+          <a:xfrm>
+            <a:off x="5893905" y="626165"/>
+            <a:ext cx="718930" cy="437322"/>
+          </a:xfrm>
+          <a:prstGeom prst="rect">
+            <a:avLst/>
+          </a:prstGeom>
+          <a:solidFill>
+            <a:schemeClr val="bg1"/>
+          </a:solidFill>
+          <a:ln w="38100">
+            <a:solidFill>
+              <a:schemeClr val="tx1"/>
+            </a:solidFill>
+          </a:ln>
+        </p:spPr>
+        <p:style>
+          <a:lnRef idx="2">
+            <a:schemeClr val="accent1">
+              <a:shade val="50000"/>
+            </a:schemeClr>
+          </a:lnRef>
+          <a:fillRef idx="1">
+            <a:schemeClr val="accent1"/>
+          </a:fillRef>
+          <a:effectRef idx="0">
+            <a:schemeClr val="accent1"/>
+          </a:effectRef>
+          <a:fontRef idx="minor">
+            <a:schemeClr val="lt1"/>
+          </a:fontRef>
+        </p:style>
+        <p:txBody>
+          <a:bodyPr rtlCol="0" anchor="ctr"/>
+          <a:lstStyle/>
+          <a:p>
+            <a:pPr algn="ctr"/>
+            <a:r>
+              <a:rPr kumimoji="1" lang="en-US" altLang="ja-JP" b="1" dirty="0">
+                <a:solidFill>
+                  <a:schemeClr val="tx1"/>
+                </a:solidFill>
+              </a:rPr>
+              <a:t>0x00</a:t>
+            </a:r>
+            <a:endParaRPr kumimoji="1" lang="ja-JP" altLang="en-US" b="1" i="1" dirty="0">
+              <a:solidFill>
+                <a:schemeClr val="tx1"/>
+              </a:solidFill>
+            </a:endParaRPr>
+          </a:p>
+        </p:txBody>
+      </p:sp>
+      <p:sp>
+        <p:nvSpPr>
+          <p:cNvPr id="6" name="正方形/長方形 5">
+            <a:extLst>
+              <a:ext uri="{FF2B5EF4-FFF2-40B4-BE49-F238E27FC236}">
+                <a16:creationId xmlns:a16="http://schemas.microsoft.com/office/drawing/2014/main" id="{0B5B247F-E4DB-4D12-BE8F-C3B43E4B169B}"/>
+              </a:ext>
+            </a:extLst>
+          </p:cNvPr>
+          <p:cNvSpPr/>
+          <p:nvPr/>
+        </p:nvSpPr>
+        <p:spPr>
+          <a:xfrm>
+            <a:off x="4770783" y="629478"/>
+            <a:ext cx="1123122" cy="437322"/>
+          </a:xfrm>
+          <a:prstGeom prst="rect">
+            <a:avLst/>
+          </a:prstGeom>
+          <a:solidFill>
+            <a:schemeClr val="bg1"/>
+          </a:solidFill>
+          <a:ln w="38100">
+            <a:solidFill>
+              <a:schemeClr val="tx1"/>
+            </a:solidFill>
+          </a:ln>
+        </p:spPr>
+        <p:style>
+          <a:lnRef idx="2">
+            <a:schemeClr val="accent1">
+              <a:shade val="50000"/>
+            </a:schemeClr>
+          </a:lnRef>
+          <a:fillRef idx="1">
+            <a:schemeClr val="accent1"/>
+          </a:fillRef>
+          <a:effectRef idx="0">
+            <a:schemeClr val="accent1"/>
+          </a:effectRef>
+          <a:fontRef idx="minor">
+            <a:schemeClr val="lt1"/>
+          </a:fontRef>
+        </p:style>
+        <p:txBody>
+          <a:bodyPr rtlCol="0" anchor="ctr"/>
+          <a:lstStyle/>
+          <a:p>
+            <a:pPr algn="ctr"/>
+            <a:r>
+              <a:rPr kumimoji="1" lang="en-US" altLang="ja-JP" b="1" dirty="0">
+                <a:solidFill>
+                  <a:schemeClr val="tx1"/>
+                </a:solidFill>
+              </a:rPr>
+              <a:t>0x00…</a:t>
+            </a:r>
+            <a:endParaRPr kumimoji="1" lang="ja-JP" altLang="en-US" b="1" i="1" dirty="0">
+              <a:solidFill>
+                <a:schemeClr val="tx1"/>
+              </a:solidFill>
+            </a:endParaRPr>
+          </a:p>
+        </p:txBody>
+      </p:sp>
+      <p:sp>
+        <p:nvSpPr>
+          <p:cNvPr id="7" name="正方形/長方形 6">
+            <a:extLst>
+              <a:ext uri="{FF2B5EF4-FFF2-40B4-BE49-F238E27FC236}">
+                <a16:creationId xmlns:a16="http://schemas.microsoft.com/office/drawing/2014/main" id="{44F742F0-0EB0-40F4-89F4-10AA21AA34CB}"/>
+              </a:ext>
+            </a:extLst>
+          </p:cNvPr>
+          <p:cNvSpPr/>
+          <p:nvPr/>
+        </p:nvSpPr>
+        <p:spPr>
+          <a:xfrm>
+            <a:off x="3727174" y="626165"/>
+            <a:ext cx="1043609" cy="437322"/>
+          </a:xfrm>
+          <a:prstGeom prst="rect">
+            <a:avLst/>
+          </a:prstGeom>
+          <a:solidFill>
+            <a:schemeClr val="bg1"/>
+          </a:solidFill>
+          <a:ln w="38100">
+            <a:solidFill>
+              <a:schemeClr val="tx1"/>
+            </a:solidFill>
+          </a:ln>
+        </p:spPr>
+        <p:style>
+          <a:lnRef idx="2">
+            <a:schemeClr val="accent1">
+              <a:shade val="50000"/>
+            </a:schemeClr>
+          </a:lnRef>
+          <a:fillRef idx="1">
+            <a:schemeClr val="accent1"/>
+          </a:fillRef>
+          <a:effectRef idx="0">
+            <a:schemeClr val="accent1"/>
+          </a:effectRef>
+          <a:fontRef idx="minor">
+            <a:schemeClr val="lt1"/>
+          </a:fontRef>
+        </p:style>
+        <p:txBody>
+          <a:bodyPr rtlCol="0" anchor="ctr"/>
+          <a:lstStyle/>
+          <a:p>
+            <a:pPr algn="ctr"/>
+            <a:r>
+              <a:rPr kumimoji="1" lang="en-US" altLang="ja-JP" b="1" dirty="0">
+                <a:solidFill>
+                  <a:schemeClr val="tx1"/>
+                </a:solidFill>
+              </a:rPr>
+              <a:t>Header</a:t>
+            </a:r>
+            <a:endParaRPr kumimoji="1" lang="ja-JP" altLang="en-US" b="1" i="1" dirty="0">
+              <a:solidFill>
+                <a:schemeClr val="tx1"/>
+              </a:solidFill>
+            </a:endParaRPr>
+          </a:p>
+        </p:txBody>
+      </p:sp>
+      <p:sp>
+        <p:nvSpPr>
+          <p:cNvPr id="8" name="右中かっこ 7">
+            <a:extLst>
+              <a:ext uri="{FF2B5EF4-FFF2-40B4-BE49-F238E27FC236}">
+                <a16:creationId xmlns:a16="http://schemas.microsoft.com/office/drawing/2014/main" id="{711594FC-955E-4C7E-BB60-1DC596320395}"/>
+              </a:ext>
+            </a:extLst>
+          </p:cNvPr>
+          <p:cNvSpPr/>
+          <p:nvPr/>
+        </p:nvSpPr>
+        <p:spPr>
+          <a:xfrm rot="16200000">
+            <a:off x="5239547" y="-77793"/>
+            <a:ext cx="185595" cy="1123121"/>
+          </a:xfrm>
+          <a:prstGeom prst="rightBrace">
+            <a:avLst>
+              <a:gd name="adj1" fmla="val 57767"/>
+              <a:gd name="adj2" fmla="val 50000"/>
+            </a:avLst>
+          </a:prstGeom>
+          <a:ln w="19050">
+            <a:solidFill>
+              <a:schemeClr val="tx1"/>
+            </a:solidFill>
+          </a:ln>
+        </p:spPr>
+        <p:style>
+          <a:lnRef idx="1">
+            <a:schemeClr val="accent1"/>
+          </a:lnRef>
+          <a:fillRef idx="0">
+            <a:schemeClr val="accent1"/>
+          </a:fillRef>
+          <a:effectRef idx="0">
+            <a:schemeClr val="accent1"/>
+          </a:effectRef>
+          <a:fontRef idx="minor">
+            <a:schemeClr val="tx1"/>
+          </a:fontRef>
+        </p:style>
+        <p:txBody>
+          <a:bodyPr rtlCol="0" anchor="ctr"/>
+          <a:lstStyle/>
+          <a:p>
+            <a:pPr algn="ctr"/>
+            <a:endParaRPr kumimoji="1" lang="ja-JP" altLang="en-US" b="1"/>
+          </a:p>
+        </p:txBody>
+      </p:sp>
+      <p:sp>
+        <p:nvSpPr>
+          <p:cNvPr id="10" name="テキスト ボックス 9">
+            <a:extLst>
+              <a:ext uri="{FF2B5EF4-FFF2-40B4-BE49-F238E27FC236}">
+                <a16:creationId xmlns:a16="http://schemas.microsoft.com/office/drawing/2014/main" id="{9DF85A53-DF01-4E96-AABC-ED3A4D644E3E}"/>
+              </a:ext>
+            </a:extLst>
+          </p:cNvPr>
+          <p:cNvSpPr txBox="1"/>
+          <p:nvPr/>
+        </p:nvSpPr>
+        <p:spPr>
+          <a:xfrm>
+            <a:off x="4864170" y="19982"/>
+            <a:ext cx="952825" cy="369332"/>
+          </a:xfrm>
+          <a:prstGeom prst="rect">
+            <a:avLst/>
+          </a:prstGeom>
+          <a:noFill/>
+        </p:spPr>
+        <p:txBody>
+          <a:bodyPr wrap="none" rtlCol="0">
+            <a:spAutoFit/>
+          </a:bodyPr>
+          <a:lstStyle/>
+          <a:p>
+            <a:r>
+              <a:rPr kumimoji="1" lang="en-US" altLang="ja-JP" b="1" dirty="0"/>
+              <a:t>Padding</a:t>
+            </a:r>
+            <a:endParaRPr kumimoji="1" lang="ja-JP" altLang="en-US" b="1" dirty="0"/>
+          </a:p>
+        </p:txBody>
+      </p:sp>
+      <p:sp>
+        <p:nvSpPr>
+          <p:cNvPr id="11" name="正方形/長方形 10">
+            <a:extLst>
+              <a:ext uri="{FF2B5EF4-FFF2-40B4-BE49-F238E27FC236}">
+                <a16:creationId xmlns:a16="http://schemas.microsoft.com/office/drawing/2014/main" id="{17407977-8635-43C3-B9BC-E6E8067670C5}"/>
+              </a:ext>
+            </a:extLst>
+          </p:cNvPr>
+          <p:cNvSpPr/>
+          <p:nvPr/>
+        </p:nvSpPr>
+        <p:spPr>
+          <a:xfrm>
+            <a:off x="1447799" y="626165"/>
+            <a:ext cx="1043610" cy="437322"/>
+          </a:xfrm>
+          <a:prstGeom prst="rect">
+            <a:avLst/>
+          </a:prstGeom>
+          <a:solidFill>
+            <a:schemeClr val="bg1"/>
+          </a:solidFill>
+          <a:ln w="38100">
+            <a:solidFill>
+              <a:schemeClr val="tx1"/>
+            </a:solidFill>
+          </a:ln>
+        </p:spPr>
+        <p:style>
+          <a:lnRef idx="2">
+            <a:schemeClr val="accent1">
+              <a:shade val="50000"/>
+            </a:schemeClr>
+          </a:lnRef>
+          <a:fillRef idx="1">
+            <a:schemeClr val="accent1"/>
+          </a:fillRef>
+          <a:effectRef idx="0">
+            <a:schemeClr val="accent1"/>
+          </a:effectRef>
+          <a:fontRef idx="minor">
+            <a:schemeClr val="lt1"/>
+          </a:fontRef>
+        </p:style>
+        <p:txBody>
+          <a:bodyPr rtlCol="0" anchor="ctr"/>
+          <a:lstStyle/>
+          <a:p>
+            <a:pPr algn="ctr"/>
+            <a:r>
+              <a:rPr kumimoji="1" lang="en-US" altLang="ja-JP" sz="1600" b="1" dirty="0">
+                <a:solidFill>
+                  <a:schemeClr val="tx1"/>
+                </a:solidFill>
+              </a:rPr>
+              <a:t>Random</a:t>
+            </a:r>
+          </a:p>
+          <a:p>
+            <a:pPr algn="ctr"/>
+            <a:r>
+              <a:rPr kumimoji="1" lang="en-US" altLang="ja-JP" sz="1600" b="1" dirty="0">
+                <a:solidFill>
+                  <a:schemeClr val="tx1"/>
+                </a:solidFill>
+              </a:rPr>
+              <a:t>Seed</a:t>
+            </a:r>
+            <a:endParaRPr kumimoji="1" lang="ja-JP" altLang="en-US" sz="1600" b="1" i="1" dirty="0">
+              <a:solidFill>
+                <a:schemeClr val="tx1"/>
+              </a:solidFill>
+            </a:endParaRPr>
+          </a:p>
+        </p:txBody>
+      </p:sp>
+      <p:sp>
+        <p:nvSpPr>
+          <p:cNvPr id="12" name="正方形/長方形 11">
+            <a:extLst>
+              <a:ext uri="{FF2B5EF4-FFF2-40B4-BE49-F238E27FC236}">
+                <a16:creationId xmlns:a16="http://schemas.microsoft.com/office/drawing/2014/main" id="{23BAB6A9-3009-4A4B-90D2-64C8F527EBA4}"/>
+              </a:ext>
+            </a:extLst>
+          </p:cNvPr>
+          <p:cNvSpPr/>
+          <p:nvPr/>
+        </p:nvSpPr>
+        <p:spPr>
+          <a:xfrm>
+            <a:off x="378926" y="3776870"/>
+            <a:ext cx="718930" cy="437322"/>
+          </a:xfrm>
+          <a:prstGeom prst="rect">
+            <a:avLst/>
+          </a:prstGeom>
+          <a:solidFill>
+            <a:schemeClr val="bg1"/>
+          </a:solidFill>
+          <a:ln w="38100">
+            <a:solidFill>
+              <a:schemeClr val="tx1"/>
+            </a:solidFill>
+          </a:ln>
+        </p:spPr>
+        <p:style>
+          <a:lnRef idx="2">
+            <a:schemeClr val="accent1">
+              <a:shade val="50000"/>
+            </a:schemeClr>
+          </a:lnRef>
+          <a:fillRef idx="1">
+            <a:schemeClr val="accent1"/>
+          </a:fillRef>
+          <a:effectRef idx="0">
+            <a:schemeClr val="accent1"/>
+          </a:effectRef>
+          <a:fontRef idx="minor">
+            <a:schemeClr val="lt1"/>
+          </a:fontRef>
+        </p:style>
+        <p:txBody>
+          <a:bodyPr rtlCol="0" anchor="ctr"/>
+          <a:lstStyle/>
+          <a:p>
+            <a:pPr algn="ctr"/>
+            <a:r>
+              <a:rPr kumimoji="1" lang="en-US" altLang="ja-JP" b="1" dirty="0">
+                <a:solidFill>
+                  <a:schemeClr val="tx1"/>
+                </a:solidFill>
+              </a:rPr>
+              <a:t>0x00</a:t>
+            </a:r>
+            <a:endParaRPr kumimoji="1" lang="ja-JP" altLang="en-US" b="1" i="1" dirty="0">
+              <a:solidFill>
+                <a:schemeClr val="tx1"/>
+              </a:solidFill>
+            </a:endParaRPr>
+          </a:p>
+        </p:txBody>
+      </p:sp>
+      <p:cxnSp>
+        <p:nvCxnSpPr>
+          <p:cNvPr id="14" name="直線矢印コネクタ 13">
+            <a:extLst>
+              <a:ext uri="{FF2B5EF4-FFF2-40B4-BE49-F238E27FC236}">
+                <a16:creationId xmlns:a16="http://schemas.microsoft.com/office/drawing/2014/main" id="{999F62F4-096E-479F-9E47-CD060C8CBE87}"/>
+              </a:ext>
+            </a:extLst>
+          </p:cNvPr>
+          <p:cNvCxnSpPr>
+            <a:cxnSpLocks/>
+            <a:endCxn id="34" idx="0"/>
+          </p:cNvCxnSpPr>
+          <p:nvPr/>
+        </p:nvCxnSpPr>
+        <p:spPr>
+          <a:xfrm>
+            <a:off x="1978301" y="1277179"/>
+            <a:ext cx="0" cy="1320247"/>
+          </a:xfrm>
+          <a:prstGeom prst="straightConnector1">
+            <a:avLst/>
+          </a:prstGeom>
+          <a:ln w="38100">
+            <a:solidFill>
+              <a:schemeClr val="tx1"/>
+            </a:solidFill>
+            <a:tailEnd type="triangle"/>
+          </a:ln>
+        </p:spPr>
+        <p:style>
+          <a:lnRef idx="1">
+            <a:schemeClr val="accent1"/>
+          </a:lnRef>
+          <a:fillRef idx="0">
+            <a:schemeClr val="accent1"/>
+          </a:fillRef>
+          <a:effectRef idx="0">
+            <a:schemeClr val="accent1"/>
+          </a:effectRef>
+          <a:fontRef idx="minor">
+            <a:schemeClr val="tx1"/>
+          </a:fontRef>
+        </p:style>
+      </p:cxnSp>
+      <p:cxnSp>
+        <p:nvCxnSpPr>
+          <p:cNvPr id="17" name="直線矢印コネクタ 16">
+            <a:extLst>
+              <a:ext uri="{FF2B5EF4-FFF2-40B4-BE49-F238E27FC236}">
+                <a16:creationId xmlns:a16="http://schemas.microsoft.com/office/drawing/2014/main" id="{9B33D2AB-6CA7-4267-B74A-21743CB3226D}"/>
+              </a:ext>
+            </a:extLst>
+          </p:cNvPr>
+          <p:cNvCxnSpPr>
+            <a:cxnSpLocks/>
+            <a:endCxn id="22" idx="0"/>
+          </p:cNvCxnSpPr>
+          <p:nvPr/>
+        </p:nvCxnSpPr>
+        <p:spPr>
+          <a:xfrm>
+            <a:off x="6120847" y="1272208"/>
+            <a:ext cx="0" cy="387627"/>
+          </a:xfrm>
+          <a:prstGeom prst="straightConnector1">
+            <a:avLst/>
+          </a:prstGeom>
+          <a:ln w="38100">
+            <a:solidFill>
+              <a:schemeClr val="tx1"/>
+            </a:solidFill>
+            <a:tailEnd type="triangle"/>
+          </a:ln>
+        </p:spPr>
+        <p:style>
+          <a:lnRef idx="1">
+            <a:schemeClr val="accent1"/>
+          </a:lnRef>
+          <a:fillRef idx="0">
+            <a:schemeClr val="accent1"/>
+          </a:fillRef>
+          <a:effectRef idx="0">
+            <a:schemeClr val="accent1"/>
+          </a:effectRef>
+          <a:fontRef idx="minor">
+            <a:schemeClr val="tx1"/>
+          </a:fontRef>
+        </p:style>
+      </p:cxnSp>
+      <p:sp>
+        <p:nvSpPr>
+          <p:cNvPr id="21" name="四角形: 角を丸くする 20">
+            <a:extLst>
+              <a:ext uri="{FF2B5EF4-FFF2-40B4-BE49-F238E27FC236}">
+                <a16:creationId xmlns:a16="http://schemas.microsoft.com/office/drawing/2014/main" id="{962C58EE-08B8-4BF3-A3E0-6E76AC8E65E0}"/>
+              </a:ext>
+            </a:extLst>
+          </p:cNvPr>
+          <p:cNvSpPr/>
+          <p:nvPr/>
+        </p:nvSpPr>
+        <p:spPr>
+          <a:xfrm>
+            <a:off x="2870341" y="1659835"/>
+            <a:ext cx="2252865" cy="636104"/>
+          </a:xfrm>
+          <a:prstGeom prst="roundRect">
+            <a:avLst/>
+          </a:prstGeom>
+          <a:ln w="38100"/>
+        </p:spPr>
+        <p:style>
+          <a:lnRef idx="2">
+            <a:schemeClr val="accent1"/>
+          </a:lnRef>
+          <a:fillRef idx="1">
+            <a:schemeClr val="lt1"/>
+          </a:fillRef>
+          <a:effectRef idx="0">
+            <a:schemeClr val="accent1"/>
+          </a:effectRef>
+          <a:fontRef idx="minor">
+            <a:schemeClr val="dk1"/>
+          </a:fontRef>
+        </p:style>
+        <p:txBody>
+          <a:bodyPr rtlCol="0" anchor="ctr"/>
+          <a:lstStyle/>
+          <a:p>
+            <a:pPr algn="ctr"/>
+            <a:r>
+              <a:rPr kumimoji="1" lang="en-US" altLang="ja-JP" b="1" dirty="0"/>
+              <a:t>Mask Generation Function</a:t>
+            </a:r>
+            <a:endParaRPr kumimoji="1" lang="ja-JP" altLang="en-US" b="1" dirty="0"/>
+          </a:p>
+        </p:txBody>
+      </p:sp>
+      <p:sp>
+        <p:nvSpPr>
+          <p:cNvPr id="22" name="四角形: 角を丸くする 21">
+            <a:extLst>
+              <a:ext uri="{FF2B5EF4-FFF2-40B4-BE49-F238E27FC236}">
+                <a16:creationId xmlns:a16="http://schemas.microsoft.com/office/drawing/2014/main" id="{664A0F10-09ED-4BCA-BF19-02528FC0689B}"/>
+              </a:ext>
+            </a:extLst>
+          </p:cNvPr>
+          <p:cNvSpPr/>
+          <p:nvPr/>
+        </p:nvSpPr>
+        <p:spPr>
+          <a:xfrm>
+            <a:off x="5753100" y="1659835"/>
+            <a:ext cx="735494" cy="636104"/>
+          </a:xfrm>
+          <a:prstGeom prst="roundRect">
+            <a:avLst/>
+          </a:prstGeom>
+          <a:ln w="38100"/>
+        </p:spPr>
+        <p:style>
+          <a:lnRef idx="2">
+            <a:schemeClr val="accent1"/>
+          </a:lnRef>
+          <a:fillRef idx="1">
+            <a:schemeClr val="lt1"/>
+          </a:fillRef>
+          <a:effectRef idx="0">
+            <a:schemeClr val="accent1"/>
+          </a:effectRef>
+          <a:fontRef idx="minor">
+            <a:schemeClr val="dk1"/>
+          </a:fontRef>
+        </p:style>
+        <p:txBody>
+          <a:bodyPr rtlCol="0" anchor="ctr"/>
+          <a:lstStyle/>
+          <a:p>
+            <a:pPr algn="ctr"/>
+            <a:r>
+              <a:rPr kumimoji="1" lang="en-US" altLang="ja-JP" b="1" dirty="0"/>
+              <a:t>XOR</a:t>
+            </a:r>
+            <a:endParaRPr kumimoji="1" lang="ja-JP" altLang="en-US" b="1" dirty="0"/>
+          </a:p>
+        </p:txBody>
+      </p:sp>
+      <p:cxnSp>
+        <p:nvCxnSpPr>
+          <p:cNvPr id="25" name="直線矢印コネクタ 24">
+            <a:extLst>
+              <a:ext uri="{FF2B5EF4-FFF2-40B4-BE49-F238E27FC236}">
+                <a16:creationId xmlns:a16="http://schemas.microsoft.com/office/drawing/2014/main" id="{37B703A0-0E7D-4D05-82DE-585FC31D7929}"/>
+              </a:ext>
+            </a:extLst>
+          </p:cNvPr>
+          <p:cNvCxnSpPr>
+            <a:cxnSpLocks/>
+            <a:stCxn id="21" idx="3"/>
+            <a:endCxn id="22" idx="1"/>
+          </p:cNvCxnSpPr>
+          <p:nvPr/>
+        </p:nvCxnSpPr>
+        <p:spPr>
+          <a:xfrm>
+            <a:off x="5123206" y="1977887"/>
+            <a:ext cx="629894" cy="0"/>
+          </a:xfrm>
+          <a:prstGeom prst="straightConnector1">
+            <a:avLst/>
+          </a:prstGeom>
+          <a:ln w="38100">
+            <a:solidFill>
+              <a:schemeClr val="tx1"/>
+            </a:solidFill>
+            <a:tailEnd type="triangle"/>
+          </a:ln>
+        </p:spPr>
+        <p:style>
+          <a:lnRef idx="1">
+            <a:schemeClr val="accent1"/>
+          </a:lnRef>
+          <a:fillRef idx="0">
+            <a:schemeClr val="accent1"/>
+          </a:fillRef>
+          <a:effectRef idx="0">
+            <a:schemeClr val="accent1"/>
+          </a:effectRef>
+          <a:fontRef idx="minor">
+            <a:schemeClr val="tx1"/>
+          </a:fontRef>
+        </p:style>
+      </p:cxnSp>
+      <p:cxnSp>
+        <p:nvCxnSpPr>
+          <p:cNvPr id="28" name="直線矢印コネクタ 27">
+            <a:extLst>
+              <a:ext uri="{FF2B5EF4-FFF2-40B4-BE49-F238E27FC236}">
+                <a16:creationId xmlns:a16="http://schemas.microsoft.com/office/drawing/2014/main" id="{970F4C7A-7374-49B7-8CEC-183D206D5BC7}"/>
+              </a:ext>
+            </a:extLst>
+          </p:cNvPr>
+          <p:cNvCxnSpPr>
+            <a:cxnSpLocks/>
+            <a:endCxn id="21" idx="1"/>
+          </p:cNvCxnSpPr>
+          <p:nvPr/>
+        </p:nvCxnSpPr>
+        <p:spPr>
+          <a:xfrm>
+            <a:off x="1969604" y="1977887"/>
+            <a:ext cx="900737" cy="0"/>
+          </a:xfrm>
+          <a:prstGeom prst="straightConnector1">
+            <a:avLst/>
+          </a:prstGeom>
+          <a:ln w="38100">
+            <a:solidFill>
+              <a:schemeClr val="tx1"/>
+            </a:solidFill>
+            <a:tailEnd type="triangle"/>
+          </a:ln>
+        </p:spPr>
+        <p:style>
+          <a:lnRef idx="1">
+            <a:schemeClr val="accent1"/>
+          </a:lnRef>
+          <a:fillRef idx="0">
+            <a:schemeClr val="accent1"/>
+          </a:fillRef>
+          <a:effectRef idx="0">
+            <a:schemeClr val="accent1"/>
+          </a:effectRef>
+          <a:fontRef idx="minor">
+            <a:schemeClr val="tx1"/>
+          </a:fontRef>
+        </p:style>
+      </p:cxnSp>
+      <p:sp>
+        <p:nvSpPr>
+          <p:cNvPr id="34" name="四角形: 角を丸くする 33">
+            <a:extLst>
+              <a:ext uri="{FF2B5EF4-FFF2-40B4-BE49-F238E27FC236}">
+                <a16:creationId xmlns:a16="http://schemas.microsoft.com/office/drawing/2014/main" id="{D9773A9C-F496-414A-8EB1-DD772C3C3C5D}"/>
+              </a:ext>
+            </a:extLst>
+          </p:cNvPr>
+          <p:cNvSpPr/>
+          <p:nvPr/>
+        </p:nvSpPr>
+        <p:spPr>
+          <a:xfrm>
+            <a:off x="1610554" y="2597426"/>
+            <a:ext cx="735494" cy="636104"/>
+          </a:xfrm>
+          <a:prstGeom prst="roundRect">
+            <a:avLst/>
+          </a:prstGeom>
+          <a:ln w="38100"/>
+        </p:spPr>
+        <p:style>
+          <a:lnRef idx="2">
+            <a:schemeClr val="accent1"/>
+          </a:lnRef>
+          <a:fillRef idx="1">
+            <a:schemeClr val="lt1"/>
+          </a:fillRef>
+          <a:effectRef idx="0">
+            <a:schemeClr val="accent1"/>
+          </a:effectRef>
+          <a:fontRef idx="minor">
+            <a:schemeClr val="dk1"/>
+          </a:fontRef>
+        </p:style>
+        <p:txBody>
+          <a:bodyPr rtlCol="0" anchor="ctr"/>
+          <a:lstStyle/>
+          <a:p>
+            <a:pPr algn="ctr"/>
+            <a:r>
+              <a:rPr kumimoji="1" lang="en-US" altLang="ja-JP" b="1" dirty="0"/>
+              <a:t>XOR</a:t>
+            </a:r>
+            <a:endParaRPr kumimoji="1" lang="ja-JP" altLang="en-US" b="1" dirty="0"/>
+          </a:p>
+        </p:txBody>
+      </p:sp>
+      <p:sp>
+        <p:nvSpPr>
+          <p:cNvPr id="37" name="四角形: 角を丸くする 36">
+            <a:extLst>
+              <a:ext uri="{FF2B5EF4-FFF2-40B4-BE49-F238E27FC236}">
+                <a16:creationId xmlns:a16="http://schemas.microsoft.com/office/drawing/2014/main" id="{EF9C9B1C-9F70-4D42-BA4B-DB4CDCD18BC4}"/>
+              </a:ext>
+            </a:extLst>
+          </p:cNvPr>
+          <p:cNvSpPr/>
+          <p:nvPr/>
+        </p:nvSpPr>
+        <p:spPr>
+          <a:xfrm>
+            <a:off x="2870340" y="2597426"/>
+            <a:ext cx="2252865" cy="636104"/>
+          </a:xfrm>
+          <a:prstGeom prst="roundRect">
+            <a:avLst/>
+          </a:prstGeom>
+          <a:ln w="38100"/>
+        </p:spPr>
+        <p:style>
+          <a:lnRef idx="2">
+            <a:schemeClr val="accent1"/>
+          </a:lnRef>
+          <a:fillRef idx="1">
+            <a:schemeClr val="lt1"/>
+          </a:fillRef>
+          <a:effectRef idx="0">
+            <a:schemeClr val="accent1"/>
+          </a:effectRef>
+          <a:fontRef idx="minor">
+            <a:schemeClr val="dk1"/>
+          </a:fontRef>
+        </p:style>
+        <p:txBody>
+          <a:bodyPr rtlCol="0" anchor="ctr"/>
+          <a:lstStyle/>
+          <a:p>
+            <a:pPr algn="ctr"/>
+            <a:r>
+              <a:rPr kumimoji="1" lang="en-US" altLang="ja-JP" b="1" dirty="0"/>
+              <a:t>Mask Generation Function</a:t>
+            </a:r>
+            <a:endParaRPr kumimoji="1" lang="ja-JP" altLang="en-US" b="1" dirty="0"/>
+          </a:p>
+        </p:txBody>
+      </p:sp>
+      <p:cxnSp>
+        <p:nvCxnSpPr>
+          <p:cNvPr id="38" name="直線矢印コネクタ 37">
+            <a:extLst>
+              <a:ext uri="{FF2B5EF4-FFF2-40B4-BE49-F238E27FC236}">
+                <a16:creationId xmlns:a16="http://schemas.microsoft.com/office/drawing/2014/main" id="{E933A028-3DB6-4C91-8CDE-FE9B0BE9B919}"/>
+              </a:ext>
+            </a:extLst>
+          </p:cNvPr>
+          <p:cNvCxnSpPr>
+            <a:cxnSpLocks/>
+            <a:stCxn id="37" idx="1"/>
+            <a:endCxn id="34" idx="3"/>
+          </p:cNvCxnSpPr>
+          <p:nvPr/>
+        </p:nvCxnSpPr>
+        <p:spPr>
+          <a:xfrm flipH="1">
+            <a:off x="2346048" y="2915478"/>
+            <a:ext cx="524292" cy="0"/>
+          </a:xfrm>
+          <a:prstGeom prst="straightConnector1">
+            <a:avLst/>
+          </a:prstGeom>
+          <a:ln w="38100">
+            <a:solidFill>
+              <a:schemeClr val="tx1"/>
+            </a:solidFill>
+            <a:tailEnd type="triangle"/>
+          </a:ln>
+        </p:spPr>
+        <p:style>
+          <a:lnRef idx="1">
+            <a:schemeClr val="accent1"/>
+          </a:lnRef>
+          <a:fillRef idx="0">
+            <a:schemeClr val="accent1"/>
+          </a:fillRef>
+          <a:effectRef idx="0">
+            <a:schemeClr val="accent1"/>
+          </a:effectRef>
+          <a:fontRef idx="minor">
+            <a:schemeClr val="tx1"/>
+          </a:fontRef>
+        </p:style>
+      </p:cxnSp>
+      <p:cxnSp>
+        <p:nvCxnSpPr>
+          <p:cNvPr id="42" name="直線矢印コネクタ 41">
+            <a:extLst>
+              <a:ext uri="{FF2B5EF4-FFF2-40B4-BE49-F238E27FC236}">
+                <a16:creationId xmlns:a16="http://schemas.microsoft.com/office/drawing/2014/main" id="{496A7088-D506-438F-92B1-23126D61384C}"/>
+              </a:ext>
+            </a:extLst>
+          </p:cNvPr>
+          <p:cNvCxnSpPr>
+            <a:cxnSpLocks/>
+            <a:stCxn id="22" idx="2"/>
+          </p:cNvCxnSpPr>
+          <p:nvPr/>
+        </p:nvCxnSpPr>
+        <p:spPr>
+          <a:xfrm>
+            <a:off x="6120847" y="2295939"/>
+            <a:ext cx="0" cy="1480931"/>
+          </a:xfrm>
+          <a:prstGeom prst="straightConnector1">
+            <a:avLst/>
+          </a:prstGeom>
+          <a:ln w="38100">
+            <a:solidFill>
+              <a:schemeClr val="tx1"/>
+            </a:solidFill>
+            <a:tailEnd type="triangle"/>
+          </a:ln>
+        </p:spPr>
+        <p:style>
+          <a:lnRef idx="1">
+            <a:schemeClr val="accent1"/>
+          </a:lnRef>
+          <a:fillRef idx="0">
+            <a:schemeClr val="accent1"/>
+          </a:fillRef>
+          <a:effectRef idx="0">
+            <a:schemeClr val="accent1"/>
+          </a:effectRef>
+          <a:fontRef idx="minor">
+            <a:schemeClr val="tx1"/>
+          </a:fontRef>
+        </p:style>
+      </p:cxnSp>
+      <p:cxnSp>
+        <p:nvCxnSpPr>
+          <p:cNvPr id="47" name="直線矢印コネクタ 46">
+            <a:extLst>
+              <a:ext uri="{FF2B5EF4-FFF2-40B4-BE49-F238E27FC236}">
+                <a16:creationId xmlns:a16="http://schemas.microsoft.com/office/drawing/2014/main" id="{3ABF8BEC-E71E-4910-BEE7-58F28CA8EB19}"/>
+              </a:ext>
+            </a:extLst>
+          </p:cNvPr>
+          <p:cNvCxnSpPr>
+            <a:cxnSpLocks/>
+          </p:cNvCxnSpPr>
+          <p:nvPr/>
+        </p:nvCxnSpPr>
+        <p:spPr>
+          <a:xfrm flipH="1">
+            <a:off x="5123205" y="2915478"/>
+            <a:ext cx="997642" cy="0"/>
+          </a:xfrm>
+          <a:prstGeom prst="straightConnector1">
+            <a:avLst/>
+          </a:prstGeom>
+          <a:ln w="38100">
+            <a:solidFill>
+              <a:schemeClr val="tx1"/>
+            </a:solidFill>
+            <a:tailEnd type="triangle"/>
+          </a:ln>
+        </p:spPr>
+        <p:style>
+          <a:lnRef idx="1">
+            <a:schemeClr val="accent1"/>
+          </a:lnRef>
+          <a:fillRef idx="0">
+            <a:schemeClr val="accent1"/>
+          </a:fillRef>
+          <a:effectRef idx="0">
+            <a:schemeClr val="accent1"/>
+          </a:effectRef>
+          <a:fontRef idx="minor">
+            <a:schemeClr val="tx1"/>
+          </a:fontRef>
+        </p:style>
+      </p:cxnSp>
+      <p:cxnSp>
+        <p:nvCxnSpPr>
+          <p:cNvPr id="49" name="直線矢印コネクタ 48">
+            <a:extLst>
+              <a:ext uri="{FF2B5EF4-FFF2-40B4-BE49-F238E27FC236}">
+                <a16:creationId xmlns:a16="http://schemas.microsoft.com/office/drawing/2014/main" id="{6BF552FB-D65D-464B-9B8C-274493BE1F0E}"/>
+              </a:ext>
+            </a:extLst>
+          </p:cNvPr>
+          <p:cNvCxnSpPr>
+            <a:cxnSpLocks/>
+            <a:stCxn id="34" idx="2"/>
+          </p:cNvCxnSpPr>
+          <p:nvPr/>
+        </p:nvCxnSpPr>
+        <p:spPr>
+          <a:xfrm flipH="1">
+            <a:off x="1969604" y="3233530"/>
+            <a:ext cx="8697" cy="543340"/>
+          </a:xfrm>
+          <a:prstGeom prst="straightConnector1">
+            <a:avLst/>
+          </a:prstGeom>
+          <a:ln w="38100">
+            <a:solidFill>
+              <a:schemeClr val="tx1"/>
+            </a:solidFill>
+            <a:tailEnd type="triangle"/>
+          </a:ln>
+        </p:spPr>
+        <p:style>
+          <a:lnRef idx="1">
+            <a:schemeClr val="accent1"/>
+          </a:lnRef>
+          <a:fillRef idx="0">
+            <a:schemeClr val="accent1"/>
+          </a:fillRef>
+          <a:effectRef idx="0">
+            <a:schemeClr val="accent1"/>
+          </a:effectRef>
+          <a:fontRef idx="minor">
+            <a:schemeClr val="tx1"/>
+          </a:fontRef>
+        </p:style>
+      </p:cxnSp>
+      <p:sp>
+        <p:nvSpPr>
+          <p:cNvPr id="52" name="正方形/長方形 51">
+            <a:extLst>
+              <a:ext uri="{FF2B5EF4-FFF2-40B4-BE49-F238E27FC236}">
+                <a16:creationId xmlns:a16="http://schemas.microsoft.com/office/drawing/2014/main" id="{FD07EE77-DCE9-471C-B418-66899C8BB890}"/>
+              </a:ext>
+            </a:extLst>
+          </p:cNvPr>
+          <p:cNvSpPr/>
+          <p:nvPr/>
+        </p:nvSpPr>
+        <p:spPr>
+          <a:xfrm>
+            <a:off x="1447799" y="3776870"/>
+            <a:ext cx="1043610" cy="437322"/>
+          </a:xfrm>
+          <a:prstGeom prst="rect">
+            <a:avLst/>
+          </a:prstGeom>
+          <a:solidFill>
+            <a:schemeClr val="bg1"/>
+          </a:solidFill>
+          <a:ln w="38100">
+            <a:solidFill>
+              <a:schemeClr val="tx1"/>
+            </a:solidFill>
+          </a:ln>
+        </p:spPr>
+        <p:style>
+          <a:lnRef idx="2">
+            <a:schemeClr val="accent1">
+              <a:shade val="50000"/>
+            </a:schemeClr>
+          </a:lnRef>
+          <a:fillRef idx="1">
+            <a:schemeClr val="accent1"/>
+          </a:fillRef>
+          <a:effectRef idx="0">
+            <a:schemeClr val="accent1"/>
+          </a:effectRef>
+          <a:fontRef idx="minor">
+            <a:schemeClr val="lt1"/>
+          </a:fontRef>
+        </p:style>
+        <p:txBody>
+          <a:bodyPr rtlCol="0" anchor="ctr"/>
+          <a:lstStyle/>
+          <a:p>
+            <a:pPr algn="ctr"/>
+            <a:r>
+              <a:rPr kumimoji="1" lang="en-US" altLang="ja-JP" sz="1600" b="1" dirty="0">
+                <a:solidFill>
+                  <a:schemeClr val="tx1"/>
+                </a:solidFill>
+              </a:rPr>
+              <a:t>Masked</a:t>
+            </a:r>
+          </a:p>
+          <a:p>
+            <a:pPr algn="ctr"/>
+            <a:r>
+              <a:rPr kumimoji="1" lang="en-US" altLang="ja-JP" sz="1600" b="1" dirty="0">
+                <a:solidFill>
+                  <a:schemeClr val="tx1"/>
+                </a:solidFill>
+              </a:rPr>
+              <a:t>Seed</a:t>
+            </a:r>
+            <a:endParaRPr kumimoji="1" lang="ja-JP" altLang="en-US" sz="1600" b="1" i="1" dirty="0">
+              <a:solidFill>
+                <a:schemeClr val="tx1"/>
+              </a:solidFill>
+            </a:endParaRPr>
+          </a:p>
+        </p:txBody>
+      </p:sp>
+      <p:sp>
+        <p:nvSpPr>
+          <p:cNvPr id="53" name="正方形/長方形 52">
+            <a:extLst>
+              <a:ext uri="{FF2B5EF4-FFF2-40B4-BE49-F238E27FC236}">
+                <a16:creationId xmlns:a16="http://schemas.microsoft.com/office/drawing/2014/main" id="{28D0FC10-379C-4A19-8590-0EA3757B0320}"/>
+              </a:ext>
+            </a:extLst>
+          </p:cNvPr>
+          <p:cNvSpPr/>
+          <p:nvPr/>
+        </p:nvSpPr>
+        <p:spPr>
+          <a:xfrm>
+            <a:off x="3727172" y="3776870"/>
+            <a:ext cx="5138523" cy="437322"/>
+          </a:xfrm>
+          <a:prstGeom prst="rect">
+            <a:avLst/>
+          </a:prstGeom>
+          <a:solidFill>
+            <a:schemeClr val="bg1"/>
+          </a:solidFill>
+          <a:ln w="38100">
+            <a:solidFill>
+              <a:schemeClr val="tx1"/>
+            </a:solidFill>
+          </a:ln>
+        </p:spPr>
+        <p:style>
+          <a:lnRef idx="2">
+            <a:schemeClr val="accent1">
+              <a:shade val="50000"/>
+            </a:schemeClr>
+          </a:lnRef>
+          <a:fillRef idx="1">
+            <a:schemeClr val="accent1"/>
+          </a:fillRef>
+          <a:effectRef idx="0">
+            <a:schemeClr val="accent1"/>
+          </a:effectRef>
+          <a:fontRef idx="minor">
+            <a:schemeClr val="lt1"/>
+          </a:fontRef>
+        </p:style>
+        <p:txBody>
+          <a:bodyPr rtlCol="0" anchor="ctr"/>
+          <a:lstStyle/>
+          <a:p>
+            <a:pPr algn="ctr"/>
+            <a:r>
+              <a:rPr kumimoji="1" lang="en-US" altLang="ja-JP" b="1" dirty="0">
+                <a:solidFill>
+                  <a:schemeClr val="tx1"/>
+                </a:solidFill>
+              </a:rPr>
+              <a:t>Masked Data Block</a:t>
+            </a:r>
+            <a:endParaRPr kumimoji="1" lang="ja-JP" altLang="en-US" b="1" i="1" dirty="0">
+              <a:solidFill>
+                <a:schemeClr val="tx1"/>
+              </a:solidFill>
+            </a:endParaRPr>
+          </a:p>
+        </p:txBody>
+      </p:sp>
+      <p:sp>
+        <p:nvSpPr>
+          <p:cNvPr id="54" name="右中かっこ 53">
+            <a:extLst>
+              <a:ext uri="{FF2B5EF4-FFF2-40B4-BE49-F238E27FC236}">
+                <a16:creationId xmlns:a16="http://schemas.microsoft.com/office/drawing/2014/main" id="{63A9A22F-D301-4D25-A46F-D6C0BB7C2E11}"/>
+              </a:ext>
+            </a:extLst>
+          </p:cNvPr>
+          <p:cNvSpPr/>
+          <p:nvPr/>
+        </p:nvSpPr>
+        <p:spPr>
+          <a:xfrm rot="5400000">
+            <a:off x="4524550" y="227592"/>
+            <a:ext cx="195529" cy="8486779"/>
+          </a:xfrm>
+          <a:prstGeom prst="rightBrace">
+            <a:avLst>
+              <a:gd name="adj1" fmla="val 57767"/>
+              <a:gd name="adj2" fmla="val 50000"/>
+            </a:avLst>
+          </a:prstGeom>
+          <a:ln w="19050">
+            <a:solidFill>
+              <a:schemeClr val="tx1"/>
+            </a:solidFill>
+          </a:ln>
+        </p:spPr>
+        <p:style>
+          <a:lnRef idx="1">
+            <a:schemeClr val="accent1"/>
+          </a:lnRef>
+          <a:fillRef idx="0">
+            <a:schemeClr val="accent1"/>
+          </a:fillRef>
+          <a:effectRef idx="0">
+            <a:schemeClr val="accent1"/>
+          </a:effectRef>
+          <a:fontRef idx="minor">
+            <a:schemeClr val="tx1"/>
+          </a:fontRef>
+        </p:style>
+        <p:txBody>
+          <a:bodyPr rtlCol="0" anchor="ctr"/>
+          <a:lstStyle/>
+          <a:p>
+            <a:pPr algn="ctr"/>
+            <a:endParaRPr kumimoji="1" lang="ja-JP" altLang="en-US" b="1"/>
+          </a:p>
+        </p:txBody>
+      </p:sp>
+      <p:sp>
+        <p:nvSpPr>
+          <p:cNvPr id="55" name="テキスト ボックス 54">
+            <a:extLst>
+              <a:ext uri="{FF2B5EF4-FFF2-40B4-BE49-F238E27FC236}">
+                <a16:creationId xmlns:a16="http://schemas.microsoft.com/office/drawing/2014/main" id="{E966A0A1-A712-4AD7-9813-7C3AF7F8A4CF}"/>
+              </a:ext>
+            </a:extLst>
+          </p:cNvPr>
+          <p:cNvSpPr txBox="1"/>
+          <p:nvPr/>
+        </p:nvSpPr>
+        <p:spPr>
+          <a:xfrm>
+            <a:off x="3358346" y="4572866"/>
+            <a:ext cx="2527936" cy="369332"/>
+          </a:xfrm>
+          <a:prstGeom prst="rect">
+            <a:avLst/>
+          </a:prstGeom>
+          <a:noFill/>
+        </p:spPr>
+        <p:txBody>
+          <a:bodyPr wrap="none" rtlCol="0">
+            <a:spAutoFit/>
+          </a:bodyPr>
+          <a:lstStyle/>
+          <a:p>
+            <a:r>
+              <a:rPr kumimoji="1" lang="en-US" altLang="ja-JP" b="1" dirty="0"/>
+              <a:t>Data </a:t>
+            </a:r>
+            <a:r>
+              <a:rPr kumimoji="1" lang="en-US" altLang="ja-JP" b="1" i="1" dirty="0"/>
+              <a:t>D </a:t>
+            </a:r>
+            <a:r>
+              <a:rPr kumimoji="1" lang="en-US" altLang="ja-JP" b="1" dirty="0"/>
+              <a:t>(to be encrypted)</a:t>
+            </a:r>
+            <a:endParaRPr kumimoji="1" lang="ja-JP" altLang="en-US" b="1" dirty="0"/>
+          </a:p>
+        </p:txBody>
+      </p:sp>
+    </p:spTree>
+    <p:extLst>
+      <p:ext uri="{BB962C8B-B14F-4D97-AF65-F5344CB8AC3E}">
+        <p14:creationId xmlns:p14="http://schemas.microsoft.com/office/powerpoint/2010/main" val="3918927921"/>
+      </p:ext>
+    </p:extLst>
+  </p:cSld>
+  <p:clrMapOvr>
+    <a:masterClrMapping/>
+  </p:clrMapOvr>
+</p:sld>
+</file>
+
 <file path=ppt/slides/slide3.xml><?xml version="1.0" encoding="utf-8"?>
 <p:sld xmlns:a="http://schemas.openxmlformats.org/drawingml/2006/main" xmlns:r="http://schemas.openxmlformats.org/officeDocument/2006/relationships" xmlns:p="http://schemas.openxmlformats.org/presentationml/2006/main">
   <p:cSld>
@@ -25877,6 +27705,917 @@
     <p:extLst>
       <p:ext uri="{BB962C8B-B14F-4D97-AF65-F5344CB8AC3E}">
         <p14:creationId xmlns:p14="http://schemas.microsoft.com/office/powerpoint/2010/main" val="2594138893"/>
+      </p:ext>
+    </p:extLst>
+  </p:cSld>
+  <p:clrMapOvr>
+    <a:masterClrMapping/>
+  </p:clrMapOvr>
+</p:sld>
+</file>
+
+<file path=ppt/slides/slide30.xml><?xml version="1.0" encoding="utf-8"?>
+<p:sld xmlns:a="http://schemas.openxmlformats.org/drawingml/2006/main" xmlns:r="http://schemas.openxmlformats.org/officeDocument/2006/relationships" xmlns:p="http://schemas.openxmlformats.org/presentationml/2006/main">
+  <p:cSld>
+    <p:spTree>
+      <p:nvGrpSpPr>
+        <p:cNvPr id="1" name=""/>
+        <p:cNvGrpSpPr/>
+        <p:nvPr/>
+      </p:nvGrpSpPr>
+      <p:grpSpPr>
+        <a:xfrm>
+          <a:off x="0" y="0"/>
+          <a:ext cx="0" cy="0"/>
+          <a:chOff x="0" y="0"/>
+          <a:chExt cx="0" cy="0"/>
+        </a:xfrm>
+      </p:grpSpPr>
+      <p:sp>
+        <p:nvSpPr>
+          <p:cNvPr id="4" name="四角形: 角を丸くする 3">
+            <a:extLst>
+              <a:ext uri="{FF2B5EF4-FFF2-40B4-BE49-F238E27FC236}">
+                <a16:creationId xmlns:a16="http://schemas.microsoft.com/office/drawing/2014/main" id="{F3F4F8D4-D001-42A8-86DC-5C856772662B}"/>
+              </a:ext>
+            </a:extLst>
+          </p:cNvPr>
+          <p:cNvSpPr/>
+          <p:nvPr/>
+        </p:nvSpPr>
+        <p:spPr>
+          <a:xfrm>
+            <a:off x="5756992" y="1545866"/>
+            <a:ext cx="2252865" cy="636104"/>
+          </a:xfrm>
+          <a:prstGeom prst="roundRect">
+            <a:avLst/>
+          </a:prstGeom>
+          <a:ln w="38100"/>
+        </p:spPr>
+        <p:style>
+          <a:lnRef idx="2">
+            <a:schemeClr val="accent1"/>
+          </a:lnRef>
+          <a:fillRef idx="1">
+            <a:schemeClr val="lt1"/>
+          </a:fillRef>
+          <a:effectRef idx="0">
+            <a:schemeClr val="accent1"/>
+          </a:effectRef>
+          <a:fontRef idx="minor">
+            <a:schemeClr val="dk1"/>
+          </a:fontRef>
+        </p:style>
+        <p:txBody>
+          <a:bodyPr rtlCol="0" anchor="ctr"/>
+          <a:lstStyle/>
+          <a:p>
+            <a:pPr algn="ctr"/>
+            <a:r>
+              <a:rPr kumimoji="1" lang="en-US" altLang="ja-JP" b="1" dirty="0"/>
+              <a:t>Encryption</a:t>
+            </a:r>
+          </a:p>
+        </p:txBody>
+      </p:sp>
+      <p:sp>
+        <p:nvSpPr>
+          <p:cNvPr id="5" name="四角形: 角を丸くする 4">
+            <a:extLst>
+              <a:ext uri="{FF2B5EF4-FFF2-40B4-BE49-F238E27FC236}">
+                <a16:creationId xmlns:a16="http://schemas.microsoft.com/office/drawing/2014/main" id="{72405BC3-BF13-41E3-8248-356DFA379CBC}"/>
+              </a:ext>
+            </a:extLst>
+          </p:cNvPr>
+          <p:cNvSpPr/>
+          <p:nvPr/>
+        </p:nvSpPr>
+        <p:spPr>
+          <a:xfrm>
+            <a:off x="1853069" y="2894606"/>
+            <a:ext cx="2252865" cy="636104"/>
+          </a:xfrm>
+          <a:prstGeom prst="roundRect">
+            <a:avLst/>
+          </a:prstGeom>
+          <a:ln w="38100"/>
+        </p:spPr>
+        <p:style>
+          <a:lnRef idx="2">
+            <a:schemeClr val="accent1"/>
+          </a:lnRef>
+          <a:fillRef idx="1">
+            <a:schemeClr val="lt1"/>
+          </a:fillRef>
+          <a:effectRef idx="0">
+            <a:schemeClr val="accent1"/>
+          </a:effectRef>
+          <a:fontRef idx="minor">
+            <a:schemeClr val="dk1"/>
+          </a:fontRef>
+        </p:style>
+        <p:txBody>
+          <a:bodyPr rtlCol="0" anchor="ctr"/>
+          <a:lstStyle/>
+          <a:p>
+            <a:pPr algn="ctr"/>
+            <a:r>
+              <a:rPr kumimoji="1" lang="en-US" altLang="ja-JP" b="1" dirty="0"/>
+              <a:t>Key Generation</a:t>
+            </a:r>
+          </a:p>
+        </p:txBody>
+      </p:sp>
+      <p:cxnSp>
+        <p:nvCxnSpPr>
+          <p:cNvPr id="7" name="直線矢印コネクタ 6">
+            <a:extLst>
+              <a:ext uri="{FF2B5EF4-FFF2-40B4-BE49-F238E27FC236}">
+                <a16:creationId xmlns:a16="http://schemas.microsoft.com/office/drawing/2014/main" id="{B7C21F71-1D0E-4BA3-9938-15D1BB06E2BC}"/>
+              </a:ext>
+            </a:extLst>
+          </p:cNvPr>
+          <p:cNvCxnSpPr>
+            <a:stCxn id="5" idx="3"/>
+            <a:endCxn id="4" idx="1"/>
+          </p:cNvCxnSpPr>
+          <p:nvPr/>
+        </p:nvCxnSpPr>
+        <p:spPr>
+          <a:xfrm flipV="1">
+            <a:off x="4105934" y="1863918"/>
+            <a:ext cx="1651058" cy="1348740"/>
+          </a:xfrm>
+          <a:prstGeom prst="straightConnector1">
+            <a:avLst/>
+          </a:prstGeom>
+          <a:ln w="38100">
+            <a:solidFill>
+              <a:schemeClr val="tx1"/>
+            </a:solidFill>
+            <a:tailEnd type="triangle"/>
+          </a:ln>
+        </p:spPr>
+        <p:style>
+          <a:lnRef idx="1">
+            <a:schemeClr val="accent1"/>
+          </a:lnRef>
+          <a:fillRef idx="0">
+            <a:schemeClr val="accent1"/>
+          </a:fillRef>
+          <a:effectRef idx="0">
+            <a:schemeClr val="accent1"/>
+          </a:effectRef>
+          <a:fontRef idx="minor">
+            <a:schemeClr val="tx1"/>
+          </a:fontRef>
+        </p:style>
+      </p:cxnSp>
+      <p:cxnSp>
+        <p:nvCxnSpPr>
+          <p:cNvPr id="8" name="直線矢印コネクタ 7">
+            <a:extLst>
+              <a:ext uri="{FF2B5EF4-FFF2-40B4-BE49-F238E27FC236}">
+                <a16:creationId xmlns:a16="http://schemas.microsoft.com/office/drawing/2014/main" id="{79A4C848-0864-44F5-BE39-0D047D07AEDC}"/>
+              </a:ext>
+            </a:extLst>
+          </p:cNvPr>
+          <p:cNvCxnSpPr>
+            <a:cxnSpLocks/>
+            <a:stCxn id="5" idx="3"/>
+            <a:endCxn id="12" idx="1"/>
+          </p:cNvCxnSpPr>
+          <p:nvPr/>
+        </p:nvCxnSpPr>
+        <p:spPr>
+          <a:xfrm>
+            <a:off x="4105934" y="3212658"/>
+            <a:ext cx="1651058" cy="1199322"/>
+          </a:xfrm>
+          <a:prstGeom prst="straightConnector1">
+            <a:avLst/>
+          </a:prstGeom>
+          <a:ln w="38100">
+            <a:solidFill>
+              <a:schemeClr val="tx1"/>
+            </a:solidFill>
+            <a:tailEnd type="triangle"/>
+          </a:ln>
+        </p:spPr>
+        <p:style>
+          <a:lnRef idx="1">
+            <a:schemeClr val="accent1"/>
+          </a:lnRef>
+          <a:fillRef idx="0">
+            <a:schemeClr val="accent1"/>
+          </a:fillRef>
+          <a:effectRef idx="0">
+            <a:schemeClr val="accent1"/>
+          </a:effectRef>
+          <a:fontRef idx="minor">
+            <a:schemeClr val="tx1"/>
+          </a:fontRef>
+        </p:style>
+      </p:cxnSp>
+      <p:sp>
+        <p:nvSpPr>
+          <p:cNvPr id="12" name="四角形: 角を丸くする 11">
+            <a:extLst>
+              <a:ext uri="{FF2B5EF4-FFF2-40B4-BE49-F238E27FC236}">
+                <a16:creationId xmlns:a16="http://schemas.microsoft.com/office/drawing/2014/main" id="{14ED025C-D0D0-49E6-9A2D-245223DBB858}"/>
+              </a:ext>
+            </a:extLst>
+          </p:cNvPr>
+          <p:cNvSpPr/>
+          <p:nvPr/>
+        </p:nvSpPr>
+        <p:spPr>
+          <a:xfrm>
+            <a:off x="5756992" y="4093928"/>
+            <a:ext cx="2252865" cy="636104"/>
+          </a:xfrm>
+          <a:prstGeom prst="roundRect">
+            <a:avLst/>
+          </a:prstGeom>
+          <a:ln w="38100"/>
+        </p:spPr>
+        <p:style>
+          <a:lnRef idx="2">
+            <a:schemeClr val="accent1"/>
+          </a:lnRef>
+          <a:fillRef idx="1">
+            <a:schemeClr val="lt1"/>
+          </a:fillRef>
+          <a:effectRef idx="0">
+            <a:schemeClr val="accent1"/>
+          </a:effectRef>
+          <a:fontRef idx="minor">
+            <a:schemeClr val="dk1"/>
+          </a:fontRef>
+        </p:style>
+        <p:txBody>
+          <a:bodyPr rtlCol="0" anchor="ctr"/>
+          <a:lstStyle/>
+          <a:p>
+            <a:pPr algn="ctr"/>
+            <a:r>
+              <a:rPr kumimoji="1" lang="en-US" altLang="ja-JP" b="1" dirty="0"/>
+              <a:t>Decryption</a:t>
+            </a:r>
+          </a:p>
+        </p:txBody>
+      </p:sp>
+      <p:pic>
+        <p:nvPicPr>
+          <p:cNvPr id="16" name="Picture 14">
+            <a:extLst>
+              <a:ext uri="{FF2B5EF4-FFF2-40B4-BE49-F238E27FC236}">
+                <a16:creationId xmlns:a16="http://schemas.microsoft.com/office/drawing/2014/main" id="{E45DC478-3C79-459F-AC18-D4BA10846BCB}"/>
+              </a:ext>
+            </a:extLst>
+          </p:cNvPr>
+          <p:cNvPicPr>
+            <a:picLocks noChangeAspect="1"/>
+          </p:cNvPicPr>
+          <p:nvPr/>
+        </p:nvPicPr>
+        <p:blipFill>
+          <a:blip r:embed="rId2"/>
+          <a:stretch>
+            <a:fillRect/>
+          </a:stretch>
+        </p:blipFill>
+        <p:spPr>
+          <a:xfrm>
+            <a:off x="4812070" y="1605847"/>
+            <a:ext cx="219766" cy="695926"/>
+          </a:xfrm>
+          <a:prstGeom prst="rect">
+            <a:avLst/>
+          </a:prstGeom>
+        </p:spPr>
+      </p:pic>
+      <p:sp>
+        <p:nvSpPr>
+          <p:cNvPr id="17" name="TextBox 15">
+            <a:extLst>
+              <a:ext uri="{FF2B5EF4-FFF2-40B4-BE49-F238E27FC236}">
+                <a16:creationId xmlns:a16="http://schemas.microsoft.com/office/drawing/2014/main" id="{0C6238B9-FD6D-4D1F-94A5-D4CD7192EB70}"/>
+              </a:ext>
+            </a:extLst>
+          </p:cNvPr>
+          <p:cNvSpPr txBox="1"/>
+          <p:nvPr/>
+        </p:nvSpPr>
+        <p:spPr>
+          <a:xfrm>
+            <a:off x="3784334" y="1764414"/>
+            <a:ext cx="1137619" cy="369332"/>
+          </a:xfrm>
+          <a:prstGeom prst="rect">
+            <a:avLst/>
+          </a:prstGeom>
+          <a:noFill/>
+        </p:spPr>
+        <p:txBody>
+          <a:bodyPr wrap="square" rtlCol="0">
+            <a:spAutoFit/>
+          </a:bodyPr>
+          <a:lstStyle/>
+          <a:p>
+            <a:r>
+              <a:rPr lang="en-US" dirty="0">
+                <a:solidFill>
+                  <a:srgbClr val="0070C0"/>
+                </a:solidFill>
+              </a:rPr>
+              <a:t>Public Key</a:t>
+            </a:r>
+          </a:p>
+        </p:txBody>
+      </p:sp>
+      <p:pic>
+        <p:nvPicPr>
+          <p:cNvPr id="18" name="Picture 44">
+            <a:extLst>
+              <a:ext uri="{FF2B5EF4-FFF2-40B4-BE49-F238E27FC236}">
+                <a16:creationId xmlns:a16="http://schemas.microsoft.com/office/drawing/2014/main" id="{71D71B19-717B-4CE4-8EA4-59A45592BC45}"/>
+              </a:ext>
+            </a:extLst>
+          </p:cNvPr>
+          <p:cNvPicPr>
+            <a:picLocks noChangeAspect="1"/>
+          </p:cNvPicPr>
+          <p:nvPr/>
+        </p:nvPicPr>
+        <p:blipFill>
+          <a:blip r:embed="rId3"/>
+          <a:stretch>
+            <a:fillRect/>
+          </a:stretch>
+        </p:blipFill>
+        <p:spPr>
+          <a:xfrm rot="5400000">
+            <a:off x="4747971" y="4117589"/>
+            <a:ext cx="695926" cy="347963"/>
+          </a:xfrm>
+          <a:prstGeom prst="rect">
+            <a:avLst/>
+          </a:prstGeom>
+        </p:spPr>
+      </p:pic>
+      <p:sp>
+        <p:nvSpPr>
+          <p:cNvPr id="19" name="TextBox 45">
+            <a:extLst>
+              <a:ext uri="{FF2B5EF4-FFF2-40B4-BE49-F238E27FC236}">
+                <a16:creationId xmlns:a16="http://schemas.microsoft.com/office/drawing/2014/main" id="{2E4430BA-C75C-4124-A927-43031FC953A4}"/>
+              </a:ext>
+            </a:extLst>
+          </p:cNvPr>
+          <p:cNvSpPr txBox="1"/>
+          <p:nvPr/>
+        </p:nvSpPr>
+        <p:spPr>
+          <a:xfrm>
+            <a:off x="3804226" y="4106904"/>
+            <a:ext cx="1222579" cy="369332"/>
+          </a:xfrm>
+          <a:prstGeom prst="rect">
+            <a:avLst/>
+          </a:prstGeom>
+          <a:noFill/>
+        </p:spPr>
+        <p:txBody>
+          <a:bodyPr wrap="square" rtlCol="0">
+            <a:spAutoFit/>
+          </a:bodyPr>
+          <a:lstStyle/>
+          <a:p>
+            <a:r>
+              <a:rPr lang="en-US" dirty="0">
+                <a:solidFill>
+                  <a:srgbClr val="0070C0"/>
+                </a:solidFill>
+              </a:rPr>
+              <a:t>Private Key</a:t>
+            </a:r>
+          </a:p>
+        </p:txBody>
+      </p:sp>
+      <p:cxnSp>
+        <p:nvCxnSpPr>
+          <p:cNvPr id="20" name="直線矢印コネクタ 19">
+            <a:extLst>
+              <a:ext uri="{FF2B5EF4-FFF2-40B4-BE49-F238E27FC236}">
+                <a16:creationId xmlns:a16="http://schemas.microsoft.com/office/drawing/2014/main" id="{C97AA04D-3E37-4B6C-84BE-74BCC8F0DE73}"/>
+              </a:ext>
+            </a:extLst>
+          </p:cNvPr>
+          <p:cNvCxnSpPr>
+            <a:cxnSpLocks/>
+          </p:cNvCxnSpPr>
+          <p:nvPr/>
+        </p:nvCxnSpPr>
+        <p:spPr>
+          <a:xfrm>
+            <a:off x="6883424" y="710296"/>
+            <a:ext cx="0" cy="835570"/>
+          </a:xfrm>
+          <a:prstGeom prst="straightConnector1">
+            <a:avLst/>
+          </a:prstGeom>
+          <a:ln w="38100">
+            <a:solidFill>
+              <a:schemeClr val="tx1"/>
+            </a:solidFill>
+            <a:tailEnd type="triangle"/>
+          </a:ln>
+        </p:spPr>
+        <p:style>
+          <a:lnRef idx="1">
+            <a:schemeClr val="accent1"/>
+          </a:lnRef>
+          <a:fillRef idx="0">
+            <a:schemeClr val="accent1"/>
+          </a:fillRef>
+          <a:effectRef idx="0">
+            <a:schemeClr val="accent1"/>
+          </a:effectRef>
+          <a:fontRef idx="minor">
+            <a:schemeClr val="tx1"/>
+          </a:fontRef>
+        </p:style>
+      </p:cxnSp>
+      <p:cxnSp>
+        <p:nvCxnSpPr>
+          <p:cNvPr id="22" name="直線矢印コネクタ 21">
+            <a:extLst>
+              <a:ext uri="{FF2B5EF4-FFF2-40B4-BE49-F238E27FC236}">
+                <a16:creationId xmlns:a16="http://schemas.microsoft.com/office/drawing/2014/main" id="{97885FAE-8966-4751-957C-2FCD64CBA816}"/>
+              </a:ext>
+            </a:extLst>
+          </p:cNvPr>
+          <p:cNvCxnSpPr>
+            <a:cxnSpLocks/>
+            <a:stCxn id="4" idx="2"/>
+            <a:endCxn id="12" idx="0"/>
+          </p:cNvCxnSpPr>
+          <p:nvPr/>
+        </p:nvCxnSpPr>
+        <p:spPr>
+          <a:xfrm>
+            <a:off x="6883425" y="2181970"/>
+            <a:ext cx="0" cy="1911958"/>
+          </a:xfrm>
+          <a:prstGeom prst="straightConnector1">
+            <a:avLst/>
+          </a:prstGeom>
+          <a:ln w="38100">
+            <a:solidFill>
+              <a:schemeClr val="tx1"/>
+            </a:solidFill>
+            <a:tailEnd type="triangle"/>
+          </a:ln>
+        </p:spPr>
+        <p:style>
+          <a:lnRef idx="1">
+            <a:schemeClr val="accent1"/>
+          </a:lnRef>
+          <a:fillRef idx="0">
+            <a:schemeClr val="accent1"/>
+          </a:fillRef>
+          <a:effectRef idx="0">
+            <a:schemeClr val="accent1"/>
+          </a:effectRef>
+          <a:fontRef idx="minor">
+            <a:schemeClr val="tx1"/>
+          </a:fontRef>
+        </p:style>
+      </p:cxnSp>
+      <p:cxnSp>
+        <p:nvCxnSpPr>
+          <p:cNvPr id="25" name="直線矢印コネクタ 24">
+            <a:extLst>
+              <a:ext uri="{FF2B5EF4-FFF2-40B4-BE49-F238E27FC236}">
+                <a16:creationId xmlns:a16="http://schemas.microsoft.com/office/drawing/2014/main" id="{597A0C5D-7FD3-449D-ABF3-BE4B788479B6}"/>
+              </a:ext>
+            </a:extLst>
+          </p:cNvPr>
+          <p:cNvCxnSpPr>
+            <a:cxnSpLocks/>
+            <a:stCxn id="12" idx="2"/>
+          </p:cNvCxnSpPr>
+          <p:nvPr/>
+        </p:nvCxnSpPr>
+        <p:spPr>
+          <a:xfrm>
+            <a:off x="6883425" y="4730032"/>
+            <a:ext cx="0" cy="733508"/>
+          </a:xfrm>
+          <a:prstGeom prst="straightConnector1">
+            <a:avLst/>
+          </a:prstGeom>
+          <a:ln w="38100">
+            <a:solidFill>
+              <a:schemeClr val="tx1"/>
+            </a:solidFill>
+            <a:tailEnd type="triangle"/>
+          </a:ln>
+        </p:spPr>
+        <p:style>
+          <a:lnRef idx="1">
+            <a:schemeClr val="accent1"/>
+          </a:lnRef>
+          <a:fillRef idx="0">
+            <a:schemeClr val="accent1"/>
+          </a:fillRef>
+          <a:effectRef idx="0">
+            <a:schemeClr val="accent1"/>
+          </a:effectRef>
+          <a:fontRef idx="minor">
+            <a:schemeClr val="tx1"/>
+          </a:fontRef>
+        </p:style>
+      </p:cxnSp>
+      <p:pic>
+        <p:nvPicPr>
+          <p:cNvPr id="28" name="Picture 33">
+            <a:extLst>
+              <a:ext uri="{FF2B5EF4-FFF2-40B4-BE49-F238E27FC236}">
+                <a16:creationId xmlns:a16="http://schemas.microsoft.com/office/drawing/2014/main" id="{86DE05E0-BD78-457D-9877-7D4B3C2FE77E}"/>
+              </a:ext>
+            </a:extLst>
+          </p:cNvPr>
+          <p:cNvPicPr>
+            <a:picLocks noChangeAspect="1"/>
+          </p:cNvPicPr>
+          <p:nvPr/>
+        </p:nvPicPr>
+        <p:blipFill>
+          <a:blip r:embed="rId4"/>
+          <a:stretch>
+            <a:fillRect/>
+          </a:stretch>
+        </p:blipFill>
+        <p:spPr>
+          <a:xfrm>
+            <a:off x="6883425" y="414031"/>
+            <a:ext cx="811960" cy="811960"/>
+          </a:xfrm>
+          <a:prstGeom prst="rect">
+            <a:avLst/>
+          </a:prstGeom>
+        </p:spPr>
+      </p:pic>
+      <p:pic>
+        <p:nvPicPr>
+          <p:cNvPr id="29" name="Picture 60">
+            <a:extLst>
+              <a:ext uri="{FF2B5EF4-FFF2-40B4-BE49-F238E27FC236}">
+                <a16:creationId xmlns:a16="http://schemas.microsoft.com/office/drawing/2014/main" id="{E202D001-2354-4D64-96AF-EE5A1648E130}"/>
+              </a:ext>
+            </a:extLst>
+          </p:cNvPr>
+          <p:cNvPicPr>
+            <a:picLocks noChangeAspect="1"/>
+          </p:cNvPicPr>
+          <p:nvPr/>
+        </p:nvPicPr>
+        <p:blipFill>
+          <a:blip r:embed="rId5"/>
+          <a:stretch>
+            <a:fillRect/>
+          </a:stretch>
+        </p:blipFill>
+        <p:spPr>
+          <a:xfrm>
+            <a:off x="7039262" y="2704866"/>
+            <a:ext cx="814759" cy="866165"/>
+          </a:xfrm>
+          <a:prstGeom prst="rect">
+            <a:avLst/>
+          </a:prstGeom>
+        </p:spPr>
+      </p:pic>
+      <p:pic>
+        <p:nvPicPr>
+          <p:cNvPr id="30" name="Picture 33">
+            <a:extLst>
+              <a:ext uri="{FF2B5EF4-FFF2-40B4-BE49-F238E27FC236}">
+                <a16:creationId xmlns:a16="http://schemas.microsoft.com/office/drawing/2014/main" id="{27A01BA0-D2AC-42E4-B2C8-DBA859530245}"/>
+              </a:ext>
+            </a:extLst>
+          </p:cNvPr>
+          <p:cNvPicPr>
+            <a:picLocks noChangeAspect="1"/>
+          </p:cNvPicPr>
+          <p:nvPr/>
+        </p:nvPicPr>
+        <p:blipFill>
+          <a:blip r:embed="rId4"/>
+          <a:stretch>
+            <a:fillRect/>
+          </a:stretch>
+        </p:blipFill>
+        <p:spPr>
+          <a:xfrm>
+            <a:off x="7035825" y="4906154"/>
+            <a:ext cx="811960" cy="811960"/>
+          </a:xfrm>
+          <a:prstGeom prst="rect">
+            <a:avLst/>
+          </a:prstGeom>
+        </p:spPr>
+      </p:pic>
+      <p:sp>
+        <p:nvSpPr>
+          <p:cNvPr id="31" name="TextBox 45">
+            <a:extLst>
+              <a:ext uri="{FF2B5EF4-FFF2-40B4-BE49-F238E27FC236}">
+                <a16:creationId xmlns:a16="http://schemas.microsoft.com/office/drawing/2014/main" id="{C5C26643-13B4-4033-B6AF-AEC8B0DBCD90}"/>
+              </a:ext>
+            </a:extLst>
+          </p:cNvPr>
+          <p:cNvSpPr txBox="1"/>
+          <p:nvPr/>
+        </p:nvSpPr>
+        <p:spPr>
+          <a:xfrm>
+            <a:off x="6883425" y="1128081"/>
+            <a:ext cx="1222579" cy="369332"/>
+          </a:xfrm>
+          <a:prstGeom prst="rect">
+            <a:avLst/>
+          </a:prstGeom>
+          <a:noFill/>
+        </p:spPr>
+        <p:txBody>
+          <a:bodyPr wrap="square" rtlCol="0">
+            <a:spAutoFit/>
+          </a:bodyPr>
+          <a:lstStyle/>
+          <a:p>
+            <a:r>
+              <a:rPr lang="en-US" dirty="0">
+                <a:solidFill>
+                  <a:srgbClr val="0070C0"/>
+                </a:solidFill>
+              </a:rPr>
+              <a:t>Data </a:t>
+            </a:r>
+            <a:r>
+              <a:rPr lang="en-US" i="1" dirty="0">
+                <a:solidFill>
+                  <a:srgbClr val="0070C0"/>
+                </a:solidFill>
+              </a:rPr>
+              <a:t>D</a:t>
+            </a:r>
+          </a:p>
+        </p:txBody>
+      </p:sp>
+      <p:sp>
+        <p:nvSpPr>
+          <p:cNvPr id="32" name="TextBox 45">
+            <a:extLst>
+              <a:ext uri="{FF2B5EF4-FFF2-40B4-BE49-F238E27FC236}">
+                <a16:creationId xmlns:a16="http://schemas.microsoft.com/office/drawing/2014/main" id="{75379D0F-D341-426B-8680-5378B58E1B42}"/>
+              </a:ext>
+            </a:extLst>
+          </p:cNvPr>
+          <p:cNvSpPr txBox="1"/>
+          <p:nvPr/>
+        </p:nvSpPr>
+        <p:spPr>
+          <a:xfrm>
+            <a:off x="6883425" y="3426913"/>
+            <a:ext cx="2032112" cy="369332"/>
+          </a:xfrm>
+          <a:prstGeom prst="rect">
+            <a:avLst/>
+          </a:prstGeom>
+          <a:noFill/>
+        </p:spPr>
+        <p:txBody>
+          <a:bodyPr wrap="square" rtlCol="0">
+            <a:spAutoFit/>
+          </a:bodyPr>
+          <a:lstStyle/>
+          <a:p>
+            <a:r>
+              <a:rPr lang="en-US" dirty="0">
+                <a:solidFill>
+                  <a:srgbClr val="0070C0"/>
+                </a:solidFill>
+              </a:rPr>
+              <a:t>Encrypted Data </a:t>
+            </a:r>
+            <a:r>
+              <a:rPr lang="en-US" i="1" dirty="0">
+                <a:solidFill>
+                  <a:srgbClr val="0070C0"/>
+                </a:solidFill>
+              </a:rPr>
+              <a:t>X</a:t>
+            </a:r>
+          </a:p>
+        </p:txBody>
+      </p:sp>
+      <p:sp>
+        <p:nvSpPr>
+          <p:cNvPr id="33" name="TextBox 45">
+            <a:extLst>
+              <a:ext uri="{FF2B5EF4-FFF2-40B4-BE49-F238E27FC236}">
+                <a16:creationId xmlns:a16="http://schemas.microsoft.com/office/drawing/2014/main" id="{17ED37A5-BD67-4237-ACC3-14F7BC880BE2}"/>
+              </a:ext>
+            </a:extLst>
+          </p:cNvPr>
+          <p:cNvSpPr txBox="1"/>
+          <p:nvPr/>
+        </p:nvSpPr>
+        <p:spPr>
+          <a:xfrm>
+            <a:off x="7033252" y="5611302"/>
+            <a:ext cx="1222579" cy="369332"/>
+          </a:xfrm>
+          <a:prstGeom prst="rect">
+            <a:avLst/>
+          </a:prstGeom>
+          <a:noFill/>
+        </p:spPr>
+        <p:txBody>
+          <a:bodyPr wrap="square" rtlCol="0">
+            <a:spAutoFit/>
+          </a:bodyPr>
+          <a:lstStyle/>
+          <a:p>
+            <a:r>
+              <a:rPr lang="en-US" dirty="0">
+                <a:solidFill>
+                  <a:srgbClr val="0070C0"/>
+                </a:solidFill>
+              </a:rPr>
+              <a:t>Data </a:t>
+            </a:r>
+            <a:r>
+              <a:rPr lang="en-US" i="1" dirty="0">
+                <a:solidFill>
+                  <a:srgbClr val="0070C0"/>
+                </a:solidFill>
+              </a:rPr>
+              <a:t>D</a:t>
+            </a:r>
+          </a:p>
+        </p:txBody>
+      </p:sp>
+      <p:sp>
+        <p:nvSpPr>
+          <p:cNvPr id="34" name="吹き出し: 折線 (強調線付き) 33">
+            <a:extLst>
+              <a:ext uri="{FF2B5EF4-FFF2-40B4-BE49-F238E27FC236}">
+                <a16:creationId xmlns:a16="http://schemas.microsoft.com/office/drawing/2014/main" id="{841FA5C4-48D5-4CDC-A4AD-FCF7F8D3803B}"/>
+              </a:ext>
+            </a:extLst>
+          </p:cNvPr>
+          <p:cNvSpPr/>
+          <p:nvPr/>
+        </p:nvSpPr>
+        <p:spPr>
+          <a:xfrm>
+            <a:off x="8729434" y="2588282"/>
+            <a:ext cx="3237772" cy="612648"/>
+          </a:xfrm>
+          <a:prstGeom prst="accentCallout2">
+            <a:avLst>
+              <a:gd name="adj1" fmla="val 18751"/>
+              <a:gd name="adj2" fmla="val -1660"/>
+              <a:gd name="adj3" fmla="val 20616"/>
+              <a:gd name="adj4" fmla="val -11019"/>
+              <a:gd name="adj5" fmla="val 97574"/>
+              <a:gd name="adj6" fmla="val -29531"/>
+            </a:avLst>
+          </a:prstGeom>
+          <a:solidFill>
+            <a:schemeClr val="bg1"/>
+          </a:solidFill>
+        </p:spPr>
+        <p:style>
+          <a:lnRef idx="2">
+            <a:schemeClr val="accent1">
+              <a:shade val="50000"/>
+            </a:schemeClr>
+          </a:lnRef>
+          <a:fillRef idx="1">
+            <a:schemeClr val="accent1"/>
+          </a:fillRef>
+          <a:effectRef idx="0">
+            <a:schemeClr val="accent1"/>
+          </a:effectRef>
+          <a:fontRef idx="minor">
+            <a:schemeClr val="lt1"/>
+          </a:fontRef>
+        </p:style>
+        <p:txBody>
+          <a:bodyPr rtlCol="0" anchor="ctr"/>
+          <a:lstStyle/>
+          <a:p>
+            <a:r>
+              <a:rPr kumimoji="1" lang="en-US" altLang="ja-JP" b="1" dirty="0">
+                <a:solidFill>
+                  <a:schemeClr val="tx1"/>
+                </a:solidFill>
+              </a:rPr>
+              <a:t>As an example of E2E security,</a:t>
+            </a:r>
+            <a:r>
+              <a:rPr kumimoji="1" lang="ja-JP" altLang="en-US" b="1" dirty="0">
+                <a:solidFill>
+                  <a:schemeClr val="tx1"/>
+                </a:solidFill>
+              </a:rPr>
+              <a:t> </a:t>
+            </a:r>
+            <a:r>
+              <a:rPr kumimoji="1" lang="en-US" altLang="ja-JP" b="1" dirty="0">
+                <a:solidFill>
+                  <a:schemeClr val="tx1"/>
+                </a:solidFill>
+              </a:rPr>
+              <a:t>you can register</a:t>
+            </a:r>
+            <a:r>
+              <a:rPr kumimoji="1" lang="ja-JP" altLang="en-US" b="1" dirty="0">
+                <a:solidFill>
+                  <a:schemeClr val="tx1"/>
+                </a:solidFill>
+              </a:rPr>
+              <a:t> </a:t>
+            </a:r>
+            <a:r>
+              <a:rPr kumimoji="1" lang="en-US" altLang="ja-JP" b="1" dirty="0">
+                <a:solidFill>
+                  <a:schemeClr val="tx1"/>
+                </a:solidFill>
+              </a:rPr>
+              <a:t>this</a:t>
+            </a:r>
+            <a:r>
+              <a:rPr kumimoji="1" lang="ja-JP" altLang="en-US" b="1" dirty="0">
+                <a:solidFill>
+                  <a:schemeClr val="tx1"/>
+                </a:solidFill>
+              </a:rPr>
+              <a:t> </a:t>
+            </a:r>
+            <a:r>
+              <a:rPr kumimoji="1" lang="en-US" altLang="ja-JP" b="1" dirty="0">
+                <a:solidFill>
+                  <a:schemeClr val="tx1"/>
+                </a:solidFill>
+              </a:rPr>
+              <a:t>encrypted</a:t>
+            </a:r>
+            <a:r>
+              <a:rPr kumimoji="1" lang="ja-JP" altLang="en-US" b="1" dirty="0">
+                <a:solidFill>
+                  <a:schemeClr val="tx1"/>
+                </a:solidFill>
+              </a:rPr>
+              <a:t> </a:t>
+            </a:r>
+            <a:r>
+              <a:rPr kumimoji="1" lang="en-US" altLang="ja-JP" b="1" dirty="0">
+                <a:solidFill>
+                  <a:schemeClr val="tx1"/>
+                </a:solidFill>
+              </a:rPr>
+              <a:t>data</a:t>
+            </a:r>
+            <a:r>
+              <a:rPr kumimoji="1" lang="ja-JP" altLang="en-US" b="1" dirty="0">
+                <a:solidFill>
+                  <a:schemeClr val="tx1"/>
+                </a:solidFill>
+              </a:rPr>
+              <a:t> </a:t>
+            </a:r>
+            <a:r>
+              <a:rPr kumimoji="1" lang="en-US" altLang="ja-JP" b="1" dirty="0">
+                <a:solidFill>
+                  <a:schemeClr val="tx1"/>
+                </a:solidFill>
+              </a:rPr>
+              <a:t>to the remote server.</a:t>
+            </a:r>
+          </a:p>
+        </p:txBody>
+      </p:sp>
+    </p:spTree>
+    <p:extLst>
+      <p:ext uri="{BB962C8B-B14F-4D97-AF65-F5344CB8AC3E}">
+        <p14:creationId xmlns:p14="http://schemas.microsoft.com/office/powerpoint/2010/main" val="69521280"/>
       </p:ext>
     </p:extLst>
   </p:cSld>

--- a/images.pptx
+++ b/images.pptx
@@ -5,7 +5,7 @@
     <p:sldMasterId id="2147483648" r:id="rId1"/>
   </p:sldMasterIdLst>
   <p:notesMasterIdLst>
-    <p:notesMasterId r:id="rId32"/>
+    <p:notesMasterId r:id="rId33"/>
   </p:notesMasterIdLst>
   <p:sldIdLst>
     <p:sldId id="257" r:id="rId2"/>
@@ -38,6 +38,7 @@
     <p:sldId id="283" r:id="rId29"/>
     <p:sldId id="284" r:id="rId30"/>
     <p:sldId id="285" r:id="rId31"/>
+    <p:sldId id="286" r:id="rId32"/>
   </p:sldIdLst>
   <p:sldSz cx="12192000" cy="6858000"/>
   <p:notesSz cx="6858000" cy="9144000"/>
@@ -226,7 +227,7 @@
           <a:p>
             <a:fld id="{7CEEDDC0-DF20-AC46-B752-4D05A37D4059}" type="datetimeFigureOut">
               <a:rPr lang="en-US" smtClean="0"/>
-              <a:t>9/24/2019</a:t>
+              <a:t>9/25/19</a:t>
             </a:fld>
             <a:endParaRPr lang="en-US"/>
           </a:p>
@@ -976,7 +977,7 @@
           <a:p>
             <a:fld id="{ABB50B84-C221-BA49-B172-B6D4747B1BA4}" type="datetimeFigureOut">
               <a:rPr lang="en-US" smtClean="0"/>
-              <a:t>9/24/2019</a:t>
+              <a:t>9/25/19</a:t>
             </a:fld>
             <a:endParaRPr lang="en-US"/>
           </a:p>
@@ -1174,7 +1175,7 @@
           <a:p>
             <a:fld id="{ABB50B84-C221-BA49-B172-B6D4747B1BA4}" type="datetimeFigureOut">
               <a:rPr lang="en-US" smtClean="0"/>
-              <a:t>9/24/2019</a:t>
+              <a:t>9/25/19</a:t>
             </a:fld>
             <a:endParaRPr lang="en-US"/>
           </a:p>
@@ -1382,7 +1383,7 @@
           <a:p>
             <a:fld id="{ABB50B84-C221-BA49-B172-B6D4747B1BA4}" type="datetimeFigureOut">
               <a:rPr lang="en-US" smtClean="0"/>
-              <a:t>9/24/2019</a:t>
+              <a:t>9/25/19</a:t>
             </a:fld>
             <a:endParaRPr lang="en-US"/>
           </a:p>
@@ -1580,7 +1581,7 @@
           <a:p>
             <a:fld id="{ABB50B84-C221-BA49-B172-B6D4747B1BA4}" type="datetimeFigureOut">
               <a:rPr lang="en-US" smtClean="0"/>
-              <a:t>9/24/2019</a:t>
+              <a:t>9/25/19</a:t>
             </a:fld>
             <a:endParaRPr lang="en-US"/>
           </a:p>
@@ -1855,7 +1856,7 @@
           <a:p>
             <a:fld id="{ABB50B84-C221-BA49-B172-B6D4747B1BA4}" type="datetimeFigureOut">
               <a:rPr lang="en-US" smtClean="0"/>
-              <a:t>9/24/2019</a:t>
+              <a:t>9/25/19</a:t>
             </a:fld>
             <a:endParaRPr lang="en-US"/>
           </a:p>
@@ -2120,7 +2121,7 @@
           <a:p>
             <a:fld id="{ABB50B84-C221-BA49-B172-B6D4747B1BA4}" type="datetimeFigureOut">
               <a:rPr lang="en-US" smtClean="0"/>
-              <a:t>9/24/2019</a:t>
+              <a:t>9/25/19</a:t>
             </a:fld>
             <a:endParaRPr lang="en-US"/>
           </a:p>
@@ -2532,7 +2533,7 @@
           <a:p>
             <a:fld id="{ABB50B84-C221-BA49-B172-B6D4747B1BA4}" type="datetimeFigureOut">
               <a:rPr lang="en-US" smtClean="0"/>
-              <a:t>9/24/2019</a:t>
+              <a:t>9/25/19</a:t>
             </a:fld>
             <a:endParaRPr lang="en-US"/>
           </a:p>
@@ -2673,7 +2674,7 @@
           <a:p>
             <a:fld id="{ABB50B84-C221-BA49-B172-B6D4747B1BA4}" type="datetimeFigureOut">
               <a:rPr lang="en-US" smtClean="0"/>
-              <a:t>9/24/2019</a:t>
+              <a:t>9/25/19</a:t>
             </a:fld>
             <a:endParaRPr lang="en-US"/>
           </a:p>
@@ -2786,7 +2787,7 @@
           <a:p>
             <a:fld id="{ABB50B84-C221-BA49-B172-B6D4747B1BA4}" type="datetimeFigureOut">
               <a:rPr lang="en-US" smtClean="0"/>
-              <a:t>9/24/2019</a:t>
+              <a:t>9/25/19</a:t>
             </a:fld>
             <a:endParaRPr lang="en-US"/>
           </a:p>
@@ -3097,7 +3098,7 @@
           <a:p>
             <a:fld id="{ABB50B84-C221-BA49-B172-B6D4747B1BA4}" type="datetimeFigureOut">
               <a:rPr lang="en-US" smtClean="0"/>
-              <a:t>9/24/2019</a:t>
+              <a:t>9/25/19</a:t>
             </a:fld>
             <a:endParaRPr lang="en-US"/>
           </a:p>
@@ -3385,7 +3386,7 @@
           <a:p>
             <a:fld id="{ABB50B84-C221-BA49-B172-B6D4747B1BA4}" type="datetimeFigureOut">
               <a:rPr lang="en-US" smtClean="0"/>
-              <a:t>9/24/2019</a:t>
+              <a:t>9/25/19</a:t>
             </a:fld>
             <a:endParaRPr lang="en-US"/>
           </a:p>
@@ -3626,7 +3627,7 @@
           <a:p>
             <a:fld id="{ABB50B84-C221-BA49-B172-B6D4747B1BA4}" type="datetimeFigureOut">
               <a:rPr lang="en-US" smtClean="0"/>
-              <a:t>9/24/2019</a:t>
+              <a:t>9/25/19</a:t>
             </a:fld>
             <a:endParaRPr lang="en-US"/>
           </a:p>
@@ -16680,7 +16681,7 @@
                   <a:schemeClr val="tx1"/>
                 </a:solidFill>
               </a:rPr>
-              <a:t>NOTE: This involves large computational cost to increase the attack cost. This also guarantees the forward secrecy.</a:t>
+              <a:t>NOTE: This involves large computational cost to increase the attack cost.</a:t>
             </a:r>
           </a:p>
         </p:txBody>
@@ -16733,7 +16734,7 @@
                   <a:schemeClr val="tx1"/>
                 </a:solidFill>
               </a:rPr>
-              <a:t>NOTE: This assumes a relatively long-enough master secret like &gt; 80 bits. This is employed mainly to guarantee the forward secrecy.</a:t>
+              <a:t>NOTE: This assumes a relatively long-enough master secret like &gt; 80 bits. This is employed mainly to remove the bias of distribution.</a:t>
             </a:r>
           </a:p>
         </p:txBody>
@@ -28616,6 +28617,644 @@
     <p:extLst>
       <p:ext uri="{BB962C8B-B14F-4D97-AF65-F5344CB8AC3E}">
         <p14:creationId xmlns:p14="http://schemas.microsoft.com/office/powerpoint/2010/main" val="69521280"/>
+      </p:ext>
+    </p:extLst>
+  </p:cSld>
+  <p:clrMapOvr>
+    <a:masterClrMapping/>
+  </p:clrMapOvr>
+</p:sld>
+</file>
+
+<file path=ppt/slides/slide31.xml><?xml version="1.0" encoding="utf-8"?>
+<p:sld xmlns:a="http://schemas.openxmlformats.org/drawingml/2006/main" xmlns:r="http://schemas.openxmlformats.org/officeDocument/2006/relationships" xmlns:p="http://schemas.openxmlformats.org/presentationml/2006/main">
+  <p:cSld>
+    <p:spTree>
+      <p:nvGrpSpPr>
+        <p:cNvPr id="1" name=""/>
+        <p:cNvGrpSpPr/>
+        <p:nvPr/>
+      </p:nvGrpSpPr>
+      <p:grpSpPr>
+        <a:xfrm>
+          <a:off x="0" y="0"/>
+          <a:ext cx="0" cy="0"/>
+          <a:chOff x="0" y="0"/>
+          <a:chExt cx="0" cy="0"/>
+        </a:xfrm>
+      </p:grpSpPr>
+      <p:sp>
+        <p:nvSpPr>
+          <p:cNvPr id="4" name="四角形: 角を丸くする 4">
+            <a:extLst>
+              <a:ext uri="{FF2B5EF4-FFF2-40B4-BE49-F238E27FC236}">
+                <a16:creationId xmlns:a16="http://schemas.microsoft.com/office/drawing/2014/main" id="{DC594561-9A7C-5447-ADEA-B0EBC4660658}"/>
+              </a:ext>
+            </a:extLst>
+          </p:cNvPr>
+          <p:cNvSpPr/>
+          <p:nvPr/>
+        </p:nvSpPr>
+        <p:spPr>
+          <a:xfrm>
+            <a:off x="1027852" y="2365310"/>
+            <a:ext cx="2590540" cy="636104"/>
+          </a:xfrm>
+          <a:prstGeom prst="roundRect">
+            <a:avLst/>
+          </a:prstGeom>
+          <a:ln w="38100"/>
+        </p:spPr>
+        <p:style>
+          <a:lnRef idx="2">
+            <a:schemeClr val="accent1"/>
+          </a:lnRef>
+          <a:fillRef idx="1">
+            <a:schemeClr val="lt1"/>
+          </a:fillRef>
+          <a:effectRef idx="0">
+            <a:schemeClr val="accent1"/>
+          </a:effectRef>
+          <a:fontRef idx="minor">
+            <a:schemeClr val="dk1"/>
+          </a:fontRef>
+        </p:style>
+        <p:txBody>
+          <a:bodyPr rtlCol="0" anchor="ctr"/>
+          <a:lstStyle/>
+          <a:p>
+            <a:pPr algn="ctr"/>
+            <a:r>
+              <a:rPr kumimoji="1" lang="en-US" altLang="ja-JP" b="1" dirty="0"/>
+              <a:t>ECDH</a:t>
+            </a:r>
+          </a:p>
+          <a:p>
+            <a:pPr algn="ctr"/>
+            <a:r>
+              <a:rPr kumimoji="1" lang="en-US" altLang="ja-JP" b="1" dirty="0">
+                <a:solidFill>
+                  <a:srgbClr val="FF0000"/>
+                </a:solidFill>
+              </a:rPr>
+              <a:t>(Shared Bits Derivation)</a:t>
+            </a:r>
+          </a:p>
+        </p:txBody>
+      </p:sp>
+      <p:cxnSp>
+        <p:nvCxnSpPr>
+          <p:cNvPr id="5" name="直線矢印コネクタ 6">
+            <a:extLst>
+              <a:ext uri="{FF2B5EF4-FFF2-40B4-BE49-F238E27FC236}">
+                <a16:creationId xmlns:a16="http://schemas.microsoft.com/office/drawing/2014/main" id="{61455993-2EFE-6B4A-A096-4B3BE2A06637}"/>
+              </a:ext>
+            </a:extLst>
+          </p:cNvPr>
+          <p:cNvCxnSpPr>
+            <a:cxnSpLocks/>
+            <a:stCxn id="4" idx="3"/>
+          </p:cNvCxnSpPr>
+          <p:nvPr/>
+        </p:nvCxnSpPr>
+        <p:spPr>
+          <a:xfrm>
+            <a:off x="3618392" y="2683362"/>
+            <a:ext cx="1014568" cy="65"/>
+          </a:xfrm>
+          <a:prstGeom prst="straightConnector1">
+            <a:avLst/>
+          </a:prstGeom>
+          <a:ln w="38100">
+            <a:solidFill>
+              <a:schemeClr val="tx1"/>
+            </a:solidFill>
+            <a:tailEnd type="triangle"/>
+          </a:ln>
+        </p:spPr>
+        <p:style>
+          <a:lnRef idx="1">
+            <a:schemeClr val="accent1"/>
+          </a:lnRef>
+          <a:fillRef idx="0">
+            <a:schemeClr val="accent1"/>
+          </a:fillRef>
+          <a:effectRef idx="0">
+            <a:schemeClr val="accent1"/>
+          </a:effectRef>
+          <a:fontRef idx="minor">
+            <a:schemeClr val="tx1"/>
+          </a:fontRef>
+        </p:style>
+      </p:cxnSp>
+      <p:pic>
+        <p:nvPicPr>
+          <p:cNvPr id="7" name="Picture 14">
+            <a:extLst>
+              <a:ext uri="{FF2B5EF4-FFF2-40B4-BE49-F238E27FC236}">
+                <a16:creationId xmlns:a16="http://schemas.microsoft.com/office/drawing/2014/main" id="{F0E2A6DB-7545-794A-992D-A946906E2673}"/>
+              </a:ext>
+            </a:extLst>
+          </p:cNvPr>
+          <p:cNvPicPr>
+            <a:picLocks noChangeAspect="1"/>
+          </p:cNvPicPr>
+          <p:nvPr/>
+        </p:nvPicPr>
+        <p:blipFill>
+          <a:blip r:embed="rId2"/>
+          <a:stretch>
+            <a:fillRect/>
+          </a:stretch>
+        </p:blipFill>
+        <p:spPr>
+          <a:xfrm>
+            <a:off x="2028230" y="1269618"/>
+            <a:ext cx="219766" cy="695926"/>
+          </a:xfrm>
+          <a:prstGeom prst="rect">
+            <a:avLst/>
+          </a:prstGeom>
+        </p:spPr>
+      </p:pic>
+      <p:sp>
+        <p:nvSpPr>
+          <p:cNvPr id="8" name="TextBox 15">
+            <a:extLst>
+              <a:ext uri="{FF2B5EF4-FFF2-40B4-BE49-F238E27FC236}">
+                <a16:creationId xmlns:a16="http://schemas.microsoft.com/office/drawing/2014/main" id="{A5506826-81E5-324D-9BA9-0A89A0217CBD}"/>
+              </a:ext>
+            </a:extLst>
+          </p:cNvPr>
+          <p:cNvSpPr txBox="1"/>
+          <p:nvPr/>
+        </p:nvSpPr>
+        <p:spPr>
+          <a:xfrm>
+            <a:off x="2323121" y="1302729"/>
+            <a:ext cx="1386273" cy="646331"/>
+          </a:xfrm>
+          <a:prstGeom prst="rect">
+            <a:avLst/>
+          </a:prstGeom>
+          <a:noFill/>
+        </p:spPr>
+        <p:txBody>
+          <a:bodyPr wrap="square" rtlCol="0">
+            <a:spAutoFit/>
+          </a:bodyPr>
+          <a:lstStyle/>
+          <a:p>
+            <a:r>
+              <a:rPr lang="en-US" dirty="0">
+                <a:solidFill>
+                  <a:srgbClr val="0070C0"/>
+                </a:solidFill>
+              </a:rPr>
+              <a:t>Recipient’s Public Key</a:t>
+            </a:r>
+          </a:p>
+        </p:txBody>
+      </p:sp>
+      <p:cxnSp>
+        <p:nvCxnSpPr>
+          <p:cNvPr id="11" name="直線矢印コネクタ 6">
+            <a:extLst>
+              <a:ext uri="{FF2B5EF4-FFF2-40B4-BE49-F238E27FC236}">
+                <a16:creationId xmlns:a16="http://schemas.microsoft.com/office/drawing/2014/main" id="{53BD0E87-FB89-9A4A-8981-BADBA6296D44}"/>
+              </a:ext>
+            </a:extLst>
+          </p:cNvPr>
+          <p:cNvCxnSpPr>
+            <a:cxnSpLocks/>
+            <a:endCxn id="4" idx="0"/>
+          </p:cNvCxnSpPr>
+          <p:nvPr/>
+        </p:nvCxnSpPr>
+        <p:spPr>
+          <a:xfrm>
+            <a:off x="2323122" y="1625895"/>
+            <a:ext cx="0" cy="739415"/>
+          </a:xfrm>
+          <a:prstGeom prst="straightConnector1">
+            <a:avLst/>
+          </a:prstGeom>
+          <a:ln w="38100">
+            <a:solidFill>
+              <a:schemeClr val="tx1"/>
+            </a:solidFill>
+            <a:tailEnd type="triangle"/>
+          </a:ln>
+        </p:spPr>
+        <p:style>
+          <a:lnRef idx="1">
+            <a:schemeClr val="accent1"/>
+          </a:lnRef>
+          <a:fillRef idx="0">
+            <a:schemeClr val="accent1"/>
+          </a:fillRef>
+          <a:effectRef idx="0">
+            <a:schemeClr val="accent1"/>
+          </a:effectRef>
+          <a:fontRef idx="minor">
+            <a:schemeClr val="tx1"/>
+          </a:fontRef>
+        </p:style>
+      </p:cxnSp>
+      <p:pic>
+        <p:nvPicPr>
+          <p:cNvPr id="20" name="Picture 19">
+            <a:extLst>
+              <a:ext uri="{FF2B5EF4-FFF2-40B4-BE49-F238E27FC236}">
+                <a16:creationId xmlns:a16="http://schemas.microsoft.com/office/drawing/2014/main" id="{8F468EE1-E1BF-8E43-B75F-4788A0E09812}"/>
+              </a:ext>
+            </a:extLst>
+          </p:cNvPr>
+          <p:cNvPicPr>
+            <a:picLocks noChangeAspect="1"/>
+          </p:cNvPicPr>
+          <p:nvPr/>
+        </p:nvPicPr>
+        <p:blipFill>
+          <a:blip r:embed="rId3"/>
+          <a:stretch>
+            <a:fillRect/>
+          </a:stretch>
+        </p:blipFill>
+        <p:spPr>
+          <a:xfrm>
+            <a:off x="9839102" y="2225348"/>
+            <a:ext cx="861662" cy="916027"/>
+          </a:xfrm>
+          <a:prstGeom prst="rect">
+            <a:avLst/>
+          </a:prstGeom>
+        </p:spPr>
+      </p:pic>
+      <p:pic>
+        <p:nvPicPr>
+          <p:cNvPr id="24" name="Picture 23">
+            <a:extLst>
+              <a:ext uri="{FF2B5EF4-FFF2-40B4-BE49-F238E27FC236}">
+                <a16:creationId xmlns:a16="http://schemas.microsoft.com/office/drawing/2014/main" id="{31734CBD-0FDD-554A-912D-CCB8FA76E985}"/>
+              </a:ext>
+            </a:extLst>
+          </p:cNvPr>
+          <p:cNvPicPr>
+            <a:picLocks noChangeAspect="1"/>
+          </p:cNvPicPr>
+          <p:nvPr/>
+        </p:nvPicPr>
+        <p:blipFill>
+          <a:blip r:embed="rId4"/>
+          <a:stretch>
+            <a:fillRect/>
+          </a:stretch>
+        </p:blipFill>
+        <p:spPr>
+          <a:xfrm>
+            <a:off x="4749914" y="2255005"/>
+            <a:ext cx="548634" cy="804663"/>
+          </a:xfrm>
+          <a:prstGeom prst="rect">
+            <a:avLst/>
+          </a:prstGeom>
+        </p:spPr>
+      </p:pic>
+      <p:sp>
+        <p:nvSpPr>
+          <p:cNvPr id="25" name="Rectangle 24">
+            <a:extLst>
+              <a:ext uri="{FF2B5EF4-FFF2-40B4-BE49-F238E27FC236}">
+                <a16:creationId xmlns:a16="http://schemas.microsoft.com/office/drawing/2014/main" id="{A02D3FF3-70F9-7E4C-9A05-3F152439CCB6}"/>
+              </a:ext>
+            </a:extLst>
+          </p:cNvPr>
+          <p:cNvSpPr/>
+          <p:nvPr/>
+        </p:nvSpPr>
+        <p:spPr>
+          <a:xfrm>
+            <a:off x="3967371" y="3059668"/>
+            <a:ext cx="2113719" cy="369332"/>
+          </a:xfrm>
+          <a:prstGeom prst="rect">
+            <a:avLst/>
+          </a:prstGeom>
+        </p:spPr>
+        <p:txBody>
+          <a:bodyPr wrap="none">
+            <a:spAutoFit/>
+          </a:bodyPr>
+          <a:lstStyle/>
+          <a:p>
+            <a:pPr algn="ctr"/>
+            <a:r>
+              <a:rPr kumimoji="1" lang="en-US" altLang="ja-JP" b="1" dirty="0">
+                <a:solidFill>
+                  <a:srgbClr val="FF0000"/>
+                </a:solidFill>
+              </a:rPr>
+              <a:t>Shared Random Bits</a:t>
+            </a:r>
+          </a:p>
+        </p:txBody>
+      </p:sp>
+      <p:cxnSp>
+        <p:nvCxnSpPr>
+          <p:cNvPr id="33" name="直線矢印コネクタ 6">
+            <a:extLst>
+              <a:ext uri="{FF2B5EF4-FFF2-40B4-BE49-F238E27FC236}">
+                <a16:creationId xmlns:a16="http://schemas.microsoft.com/office/drawing/2014/main" id="{A6A279DA-3F4E-6C4B-9B0D-AFF73FFBD65A}"/>
+              </a:ext>
+            </a:extLst>
+          </p:cNvPr>
+          <p:cNvCxnSpPr>
+            <a:cxnSpLocks/>
+          </p:cNvCxnSpPr>
+          <p:nvPr/>
+        </p:nvCxnSpPr>
+        <p:spPr>
+          <a:xfrm>
+            <a:off x="5415503" y="2684484"/>
+            <a:ext cx="1014568" cy="65"/>
+          </a:xfrm>
+          <a:prstGeom prst="straightConnector1">
+            <a:avLst/>
+          </a:prstGeom>
+          <a:ln w="38100">
+            <a:solidFill>
+              <a:schemeClr val="tx1"/>
+            </a:solidFill>
+            <a:tailEnd type="triangle"/>
+          </a:ln>
+        </p:spPr>
+        <p:style>
+          <a:lnRef idx="1">
+            <a:schemeClr val="accent1"/>
+          </a:lnRef>
+          <a:fillRef idx="0">
+            <a:schemeClr val="accent1"/>
+          </a:fillRef>
+          <a:effectRef idx="0">
+            <a:schemeClr val="accent1"/>
+          </a:effectRef>
+          <a:fontRef idx="minor">
+            <a:schemeClr val="tx1"/>
+          </a:fontRef>
+        </p:style>
+      </p:cxnSp>
+      <p:sp>
+        <p:nvSpPr>
+          <p:cNvPr id="34" name="四角形: 角を丸くする 4">
+            <a:extLst>
+              <a:ext uri="{FF2B5EF4-FFF2-40B4-BE49-F238E27FC236}">
+                <a16:creationId xmlns:a16="http://schemas.microsoft.com/office/drawing/2014/main" id="{F370B6A9-2076-9F4E-BAEE-FF075A60A9FC}"/>
+              </a:ext>
+            </a:extLst>
+          </p:cNvPr>
+          <p:cNvSpPr/>
+          <p:nvPr/>
+        </p:nvSpPr>
+        <p:spPr>
+          <a:xfrm>
+            <a:off x="6430069" y="2378689"/>
+            <a:ext cx="2590540" cy="636104"/>
+          </a:xfrm>
+          <a:prstGeom prst="roundRect">
+            <a:avLst/>
+          </a:prstGeom>
+          <a:ln w="38100"/>
+        </p:spPr>
+        <p:style>
+          <a:lnRef idx="2">
+            <a:schemeClr val="accent1"/>
+          </a:lnRef>
+          <a:fillRef idx="1">
+            <a:schemeClr val="lt1"/>
+          </a:fillRef>
+          <a:effectRef idx="0">
+            <a:schemeClr val="accent1"/>
+          </a:effectRef>
+          <a:fontRef idx="minor">
+            <a:schemeClr val="dk1"/>
+          </a:fontRef>
+        </p:style>
+        <p:txBody>
+          <a:bodyPr rtlCol="0" anchor="ctr"/>
+          <a:lstStyle/>
+          <a:p>
+            <a:pPr algn="ctr"/>
+            <a:r>
+              <a:rPr kumimoji="1" lang="en-US" altLang="ja-JP" b="1" dirty="0"/>
+              <a:t>AES Encryption</a:t>
+            </a:r>
+            <a:endParaRPr kumimoji="1" lang="en-US" altLang="ja-JP" b="1" dirty="0">
+              <a:solidFill>
+                <a:srgbClr val="FF0000"/>
+              </a:solidFill>
+            </a:endParaRPr>
+          </a:p>
+        </p:txBody>
+      </p:sp>
+      <p:cxnSp>
+        <p:nvCxnSpPr>
+          <p:cNvPr id="35" name="直線矢印コネクタ 6">
+            <a:extLst>
+              <a:ext uri="{FF2B5EF4-FFF2-40B4-BE49-F238E27FC236}">
+                <a16:creationId xmlns:a16="http://schemas.microsoft.com/office/drawing/2014/main" id="{F9DAD40C-66B5-8C41-BF36-CB0092A9F658}"/>
+              </a:ext>
+            </a:extLst>
+          </p:cNvPr>
+          <p:cNvCxnSpPr>
+            <a:cxnSpLocks/>
+            <a:endCxn id="34" idx="0"/>
+          </p:cNvCxnSpPr>
+          <p:nvPr/>
+        </p:nvCxnSpPr>
+        <p:spPr>
+          <a:xfrm>
+            <a:off x="7725339" y="1617581"/>
+            <a:ext cx="0" cy="761108"/>
+          </a:xfrm>
+          <a:prstGeom prst="straightConnector1">
+            <a:avLst/>
+          </a:prstGeom>
+          <a:ln w="38100">
+            <a:solidFill>
+              <a:schemeClr val="tx1"/>
+            </a:solidFill>
+            <a:tailEnd type="triangle"/>
+          </a:ln>
+        </p:spPr>
+        <p:style>
+          <a:lnRef idx="1">
+            <a:schemeClr val="accent1"/>
+          </a:lnRef>
+          <a:fillRef idx="0">
+            <a:schemeClr val="accent1"/>
+          </a:fillRef>
+          <a:effectRef idx="0">
+            <a:schemeClr val="accent1"/>
+          </a:effectRef>
+          <a:fontRef idx="minor">
+            <a:schemeClr val="tx1"/>
+          </a:fontRef>
+        </p:style>
+      </p:cxnSp>
+      <p:pic>
+        <p:nvPicPr>
+          <p:cNvPr id="39" name="Picture 38">
+            <a:extLst>
+              <a:ext uri="{FF2B5EF4-FFF2-40B4-BE49-F238E27FC236}">
+                <a16:creationId xmlns:a16="http://schemas.microsoft.com/office/drawing/2014/main" id="{6BDE05ED-0532-034B-8A9A-E76D6B7597CE}"/>
+              </a:ext>
+            </a:extLst>
+          </p:cNvPr>
+          <p:cNvPicPr>
+            <a:picLocks noChangeAspect="1"/>
+          </p:cNvPicPr>
+          <p:nvPr/>
+        </p:nvPicPr>
+        <p:blipFill>
+          <a:blip r:embed="rId5"/>
+          <a:stretch>
+            <a:fillRect/>
+          </a:stretch>
+        </p:blipFill>
+        <p:spPr>
+          <a:xfrm>
+            <a:off x="7136076" y="1376280"/>
+            <a:ext cx="589263" cy="589263"/>
+          </a:xfrm>
+          <a:prstGeom prst="rect">
+            <a:avLst/>
+          </a:prstGeom>
+        </p:spPr>
+      </p:pic>
+      <p:sp>
+        <p:nvSpPr>
+          <p:cNvPr id="40" name="TextBox 15">
+            <a:extLst>
+              <a:ext uri="{FF2B5EF4-FFF2-40B4-BE49-F238E27FC236}">
+                <a16:creationId xmlns:a16="http://schemas.microsoft.com/office/drawing/2014/main" id="{49630410-B98F-7C40-BC93-C4EEB57E1CC4}"/>
+              </a:ext>
+            </a:extLst>
+          </p:cNvPr>
+          <p:cNvSpPr txBox="1"/>
+          <p:nvPr/>
+        </p:nvSpPr>
+        <p:spPr>
+          <a:xfrm>
+            <a:off x="7736888" y="1347745"/>
+            <a:ext cx="1386273" cy="646331"/>
+          </a:xfrm>
+          <a:prstGeom prst="rect">
+            <a:avLst/>
+          </a:prstGeom>
+          <a:noFill/>
+        </p:spPr>
+        <p:txBody>
+          <a:bodyPr wrap="square" rtlCol="0">
+            <a:spAutoFit/>
+          </a:bodyPr>
+          <a:lstStyle/>
+          <a:p>
+            <a:r>
+              <a:rPr lang="en-US" dirty="0">
+                <a:solidFill>
+                  <a:srgbClr val="0070C0"/>
+                </a:solidFill>
+              </a:rPr>
+              <a:t>Plaintext Data</a:t>
+            </a:r>
+          </a:p>
+        </p:txBody>
+      </p:sp>
+      <p:cxnSp>
+        <p:nvCxnSpPr>
+          <p:cNvPr id="41" name="直線矢印コネクタ 6">
+            <a:extLst>
+              <a:ext uri="{FF2B5EF4-FFF2-40B4-BE49-F238E27FC236}">
+                <a16:creationId xmlns:a16="http://schemas.microsoft.com/office/drawing/2014/main" id="{D44073B0-133F-9047-B577-DE687B735C63}"/>
+              </a:ext>
+            </a:extLst>
+          </p:cNvPr>
+          <p:cNvCxnSpPr>
+            <a:cxnSpLocks/>
+            <a:stCxn id="34" idx="3"/>
+          </p:cNvCxnSpPr>
+          <p:nvPr/>
+        </p:nvCxnSpPr>
+        <p:spPr>
+          <a:xfrm>
+            <a:off x="9020609" y="2696741"/>
+            <a:ext cx="875231" cy="0"/>
+          </a:xfrm>
+          <a:prstGeom prst="straightConnector1">
+            <a:avLst/>
+          </a:prstGeom>
+          <a:ln w="38100">
+            <a:solidFill>
+              <a:schemeClr val="tx1"/>
+            </a:solidFill>
+            <a:tailEnd type="triangle"/>
+          </a:ln>
+        </p:spPr>
+        <p:style>
+          <a:lnRef idx="1">
+            <a:schemeClr val="accent1"/>
+          </a:lnRef>
+          <a:fillRef idx="0">
+            <a:schemeClr val="accent1"/>
+          </a:fillRef>
+          <a:effectRef idx="0">
+            <a:schemeClr val="accent1"/>
+          </a:effectRef>
+          <a:fontRef idx="minor">
+            <a:schemeClr val="tx1"/>
+          </a:fontRef>
+        </p:style>
+      </p:cxnSp>
+      <p:sp>
+        <p:nvSpPr>
+          <p:cNvPr id="44" name="Rectangle 43">
+            <a:extLst>
+              <a:ext uri="{FF2B5EF4-FFF2-40B4-BE49-F238E27FC236}">
+                <a16:creationId xmlns:a16="http://schemas.microsoft.com/office/drawing/2014/main" id="{80D2FFE5-F5F5-8549-B46E-06CEECB62F2E}"/>
+              </a:ext>
+            </a:extLst>
+          </p:cNvPr>
+          <p:cNvSpPr/>
+          <p:nvPr/>
+        </p:nvSpPr>
+        <p:spPr>
+          <a:xfrm>
+            <a:off x="9445349" y="3090095"/>
+            <a:ext cx="1649169" cy="369332"/>
+          </a:xfrm>
+          <a:prstGeom prst="rect">
+            <a:avLst/>
+          </a:prstGeom>
+        </p:spPr>
+        <p:txBody>
+          <a:bodyPr wrap="none">
+            <a:spAutoFit/>
+          </a:bodyPr>
+          <a:lstStyle/>
+          <a:p>
+            <a:pPr algn="ctr"/>
+            <a:r>
+              <a:rPr kumimoji="1" lang="en-US" altLang="ja-JP" b="1" dirty="0"/>
+              <a:t>Encrypted Data</a:t>
+            </a:r>
+          </a:p>
+        </p:txBody>
+      </p:sp>
+    </p:spTree>
+    <p:extLst>
+      <p:ext uri="{BB962C8B-B14F-4D97-AF65-F5344CB8AC3E}">
+        <p14:creationId xmlns:p14="http://schemas.microsoft.com/office/powerpoint/2010/main" val="1975292231"/>
       </p:ext>
     </p:extLst>
   </p:cSld>

--- a/images.pptx
+++ b/images.pptx
@@ -5,7 +5,7 @@
     <p:sldMasterId id="2147483648" r:id="rId1"/>
   </p:sldMasterIdLst>
   <p:notesMasterIdLst>
-    <p:notesMasterId r:id="rId33"/>
+    <p:notesMasterId r:id="rId36"/>
   </p:notesMasterIdLst>
   <p:sldIdLst>
     <p:sldId id="257" r:id="rId2"/>
@@ -39,6 +39,9 @@
     <p:sldId id="284" r:id="rId30"/>
     <p:sldId id="285" r:id="rId31"/>
     <p:sldId id="286" r:id="rId32"/>
+    <p:sldId id="287" r:id="rId33"/>
+    <p:sldId id="288" r:id="rId34"/>
+    <p:sldId id="289" r:id="rId35"/>
   </p:sldIdLst>
   <p:sldSz cx="12192000" cy="6858000"/>
   <p:notesSz cx="6858000" cy="9144000"/>
@@ -227,7 +230,7 @@
           <a:p>
             <a:fld id="{7CEEDDC0-DF20-AC46-B752-4D05A37D4059}" type="datetimeFigureOut">
               <a:rPr lang="en-US" smtClean="0"/>
-              <a:t>9/25/19</a:t>
+              <a:t>9/26/19</a:t>
             </a:fld>
             <a:endParaRPr lang="en-US"/>
           </a:p>
@@ -977,7 +980,7 @@
           <a:p>
             <a:fld id="{ABB50B84-C221-BA49-B172-B6D4747B1BA4}" type="datetimeFigureOut">
               <a:rPr lang="en-US" smtClean="0"/>
-              <a:t>9/25/19</a:t>
+              <a:t>9/26/19</a:t>
             </a:fld>
             <a:endParaRPr lang="en-US"/>
           </a:p>
@@ -1175,7 +1178,7 @@
           <a:p>
             <a:fld id="{ABB50B84-C221-BA49-B172-B6D4747B1BA4}" type="datetimeFigureOut">
               <a:rPr lang="en-US" smtClean="0"/>
-              <a:t>9/25/19</a:t>
+              <a:t>9/26/19</a:t>
             </a:fld>
             <a:endParaRPr lang="en-US"/>
           </a:p>
@@ -1383,7 +1386,7 @@
           <a:p>
             <a:fld id="{ABB50B84-C221-BA49-B172-B6D4747B1BA4}" type="datetimeFigureOut">
               <a:rPr lang="en-US" smtClean="0"/>
-              <a:t>9/25/19</a:t>
+              <a:t>9/26/19</a:t>
             </a:fld>
             <a:endParaRPr lang="en-US"/>
           </a:p>
@@ -1581,7 +1584,7 @@
           <a:p>
             <a:fld id="{ABB50B84-C221-BA49-B172-B6D4747B1BA4}" type="datetimeFigureOut">
               <a:rPr lang="en-US" smtClean="0"/>
-              <a:t>9/25/19</a:t>
+              <a:t>9/26/19</a:t>
             </a:fld>
             <a:endParaRPr lang="en-US"/>
           </a:p>
@@ -1856,7 +1859,7 @@
           <a:p>
             <a:fld id="{ABB50B84-C221-BA49-B172-B6D4747B1BA4}" type="datetimeFigureOut">
               <a:rPr lang="en-US" smtClean="0"/>
-              <a:t>9/25/19</a:t>
+              <a:t>9/26/19</a:t>
             </a:fld>
             <a:endParaRPr lang="en-US"/>
           </a:p>
@@ -2121,7 +2124,7 @@
           <a:p>
             <a:fld id="{ABB50B84-C221-BA49-B172-B6D4747B1BA4}" type="datetimeFigureOut">
               <a:rPr lang="en-US" smtClean="0"/>
-              <a:t>9/25/19</a:t>
+              <a:t>9/26/19</a:t>
             </a:fld>
             <a:endParaRPr lang="en-US"/>
           </a:p>
@@ -2533,7 +2536,7 @@
           <a:p>
             <a:fld id="{ABB50B84-C221-BA49-B172-B6D4747B1BA4}" type="datetimeFigureOut">
               <a:rPr lang="en-US" smtClean="0"/>
-              <a:t>9/25/19</a:t>
+              <a:t>9/26/19</a:t>
             </a:fld>
             <a:endParaRPr lang="en-US"/>
           </a:p>
@@ -2674,7 +2677,7 @@
           <a:p>
             <a:fld id="{ABB50B84-C221-BA49-B172-B6D4747B1BA4}" type="datetimeFigureOut">
               <a:rPr lang="en-US" smtClean="0"/>
-              <a:t>9/25/19</a:t>
+              <a:t>9/26/19</a:t>
             </a:fld>
             <a:endParaRPr lang="en-US"/>
           </a:p>
@@ -2787,7 +2790,7 @@
           <a:p>
             <a:fld id="{ABB50B84-C221-BA49-B172-B6D4747B1BA4}" type="datetimeFigureOut">
               <a:rPr lang="en-US" smtClean="0"/>
-              <a:t>9/25/19</a:t>
+              <a:t>9/26/19</a:t>
             </a:fld>
             <a:endParaRPr lang="en-US"/>
           </a:p>
@@ -3098,7 +3101,7 @@
           <a:p>
             <a:fld id="{ABB50B84-C221-BA49-B172-B6D4747B1BA4}" type="datetimeFigureOut">
               <a:rPr lang="en-US" smtClean="0"/>
-              <a:t>9/25/19</a:t>
+              <a:t>9/26/19</a:t>
             </a:fld>
             <a:endParaRPr lang="en-US"/>
           </a:p>
@@ -3386,7 +3389,7 @@
           <a:p>
             <a:fld id="{ABB50B84-C221-BA49-B172-B6D4747B1BA4}" type="datetimeFigureOut">
               <a:rPr lang="en-US" smtClean="0"/>
-              <a:t>9/25/19</a:t>
+              <a:t>9/26/19</a:t>
             </a:fld>
             <a:endParaRPr lang="en-US"/>
           </a:p>
@@ -3627,7 +3630,7 @@
           <a:p>
             <a:fld id="{ABB50B84-C221-BA49-B172-B6D4747B1BA4}" type="datetimeFigureOut">
               <a:rPr lang="en-US" smtClean="0"/>
-              <a:t>9/25/19</a:t>
+              <a:t>9/26/19</a:t>
             </a:fld>
             <a:endParaRPr lang="en-US"/>
           </a:p>
@@ -29255,6 +29258,3027 @@
     <p:extLst>
       <p:ext uri="{BB962C8B-B14F-4D97-AF65-F5344CB8AC3E}">
         <p14:creationId xmlns:p14="http://schemas.microsoft.com/office/powerpoint/2010/main" val="1975292231"/>
+      </p:ext>
+    </p:extLst>
+  </p:cSld>
+  <p:clrMapOvr>
+    <a:masterClrMapping/>
+  </p:clrMapOvr>
+</p:sld>
+</file>
+
+<file path=ppt/slides/slide32.xml><?xml version="1.0" encoding="utf-8"?>
+<p:sld xmlns:a="http://schemas.openxmlformats.org/drawingml/2006/main" xmlns:r="http://schemas.openxmlformats.org/officeDocument/2006/relationships" xmlns:p="http://schemas.openxmlformats.org/presentationml/2006/main">
+  <p:cSld>
+    <p:spTree>
+      <p:nvGrpSpPr>
+        <p:cNvPr id="1" name=""/>
+        <p:cNvGrpSpPr/>
+        <p:nvPr/>
+      </p:nvGrpSpPr>
+      <p:grpSpPr>
+        <a:xfrm>
+          <a:off x="0" y="0"/>
+          <a:ext cx="0" cy="0"/>
+          <a:chOff x="0" y="0"/>
+          <a:chExt cx="0" cy="0"/>
+        </a:xfrm>
+      </p:grpSpPr>
+      <p:pic>
+        <p:nvPicPr>
+          <p:cNvPr id="5" name="Picture 4">
+            <a:extLst>
+              <a:ext uri="{FF2B5EF4-FFF2-40B4-BE49-F238E27FC236}">
+                <a16:creationId xmlns:a16="http://schemas.microsoft.com/office/drawing/2014/main" id="{F8BED812-20B0-1F4E-8FB0-8A126ED750F1}"/>
+              </a:ext>
+            </a:extLst>
+          </p:cNvPr>
+          <p:cNvPicPr>
+            <a:picLocks noChangeAspect="1"/>
+          </p:cNvPicPr>
+          <p:nvPr/>
+        </p:nvPicPr>
+        <p:blipFill>
+          <a:blip r:embed="rId2"/>
+          <a:stretch>
+            <a:fillRect/>
+          </a:stretch>
+        </p:blipFill>
+        <p:spPr>
+          <a:xfrm>
+            <a:off x="8351520" y="1541566"/>
+            <a:ext cx="1086829" cy="543415"/>
+          </a:xfrm>
+          <a:prstGeom prst="rect">
+            <a:avLst/>
+          </a:prstGeom>
+        </p:spPr>
+      </p:pic>
+      <p:pic>
+        <p:nvPicPr>
+          <p:cNvPr id="7" name="Picture 6">
+            <a:extLst>
+              <a:ext uri="{FF2B5EF4-FFF2-40B4-BE49-F238E27FC236}">
+                <a16:creationId xmlns:a16="http://schemas.microsoft.com/office/drawing/2014/main" id="{F96C7ED8-49D6-1A4B-B084-68DD140794C6}"/>
+              </a:ext>
+            </a:extLst>
+          </p:cNvPr>
+          <p:cNvPicPr>
+            <a:picLocks noChangeAspect="1"/>
+          </p:cNvPicPr>
+          <p:nvPr/>
+        </p:nvPicPr>
+        <p:blipFill>
+          <a:blip r:embed="rId3"/>
+          <a:stretch>
+            <a:fillRect/>
+          </a:stretch>
+        </p:blipFill>
+        <p:spPr>
+          <a:xfrm>
+            <a:off x="2651125" y="3371851"/>
+            <a:ext cx="996950" cy="996950"/>
+          </a:xfrm>
+          <a:prstGeom prst="rect">
+            <a:avLst/>
+          </a:prstGeom>
+        </p:spPr>
+      </p:pic>
+      <p:pic>
+        <p:nvPicPr>
+          <p:cNvPr id="9" name="Picture 8">
+            <a:extLst>
+              <a:ext uri="{FF2B5EF4-FFF2-40B4-BE49-F238E27FC236}">
+                <a16:creationId xmlns:a16="http://schemas.microsoft.com/office/drawing/2014/main" id="{6115751C-4BAD-0D4B-8018-9E872B2A9340}"/>
+              </a:ext>
+            </a:extLst>
+          </p:cNvPr>
+          <p:cNvPicPr>
+            <a:picLocks noChangeAspect="1"/>
+          </p:cNvPicPr>
+          <p:nvPr/>
+        </p:nvPicPr>
+        <p:blipFill>
+          <a:blip r:embed="rId4"/>
+          <a:stretch>
+            <a:fillRect/>
+          </a:stretch>
+        </p:blipFill>
+        <p:spPr>
+          <a:xfrm rot="2992708">
+            <a:off x="8808903" y="3459164"/>
+            <a:ext cx="262026" cy="829748"/>
+          </a:xfrm>
+          <a:prstGeom prst="rect">
+            <a:avLst/>
+          </a:prstGeom>
+        </p:spPr>
+      </p:pic>
+      <p:pic>
+        <p:nvPicPr>
+          <p:cNvPr id="11" name="Picture 10">
+            <a:extLst>
+              <a:ext uri="{FF2B5EF4-FFF2-40B4-BE49-F238E27FC236}">
+                <a16:creationId xmlns:a16="http://schemas.microsoft.com/office/drawing/2014/main" id="{A0E9C047-3856-6A44-BC73-0AE46F2932C2}"/>
+              </a:ext>
+            </a:extLst>
+          </p:cNvPr>
+          <p:cNvPicPr>
+            <a:picLocks noChangeAspect="1"/>
+          </p:cNvPicPr>
+          <p:nvPr/>
+        </p:nvPicPr>
+        <p:blipFill>
+          <a:blip r:embed="rId5"/>
+          <a:stretch>
+            <a:fillRect/>
+          </a:stretch>
+        </p:blipFill>
+        <p:spPr>
+          <a:xfrm>
+            <a:off x="2794000" y="1541566"/>
+            <a:ext cx="711200" cy="718214"/>
+          </a:xfrm>
+          <a:prstGeom prst="rect">
+            <a:avLst/>
+          </a:prstGeom>
+        </p:spPr>
+      </p:pic>
+      <p:pic>
+        <p:nvPicPr>
+          <p:cNvPr id="13" name="Picture 12">
+            <a:extLst>
+              <a:ext uri="{FF2B5EF4-FFF2-40B4-BE49-F238E27FC236}">
+                <a16:creationId xmlns:a16="http://schemas.microsoft.com/office/drawing/2014/main" id="{936D58AE-2864-3B4B-A965-0A137D9CECEC}"/>
+              </a:ext>
+            </a:extLst>
+          </p:cNvPr>
+          <p:cNvPicPr>
+            <a:picLocks noChangeAspect="1"/>
+          </p:cNvPicPr>
+          <p:nvPr/>
+        </p:nvPicPr>
+        <p:blipFill>
+          <a:blip r:embed="rId6"/>
+          <a:stretch>
+            <a:fillRect/>
+          </a:stretch>
+        </p:blipFill>
+        <p:spPr>
+          <a:xfrm>
+            <a:off x="10502869" y="3695866"/>
+            <a:ext cx="722055" cy="1059014"/>
+          </a:xfrm>
+          <a:prstGeom prst="rect">
+            <a:avLst/>
+          </a:prstGeom>
+        </p:spPr>
+      </p:pic>
+      <p:pic>
+        <p:nvPicPr>
+          <p:cNvPr id="14" name="Picture 13">
+            <a:extLst>
+              <a:ext uri="{FF2B5EF4-FFF2-40B4-BE49-F238E27FC236}">
+                <a16:creationId xmlns:a16="http://schemas.microsoft.com/office/drawing/2014/main" id="{3F16D1B1-30DE-F445-96A1-D6CEDC13E478}"/>
+              </a:ext>
+            </a:extLst>
+          </p:cNvPr>
+          <p:cNvPicPr>
+            <a:picLocks noChangeAspect="1"/>
+          </p:cNvPicPr>
+          <p:nvPr/>
+        </p:nvPicPr>
+        <p:blipFill>
+          <a:blip r:embed="rId6"/>
+          <a:stretch>
+            <a:fillRect/>
+          </a:stretch>
+        </p:blipFill>
+        <p:spPr>
+          <a:xfrm>
+            <a:off x="770941" y="3703143"/>
+            <a:ext cx="722055" cy="1059014"/>
+          </a:xfrm>
+          <a:prstGeom prst="rect">
+            <a:avLst/>
+          </a:prstGeom>
+        </p:spPr>
+      </p:pic>
+      <p:sp>
+        <p:nvSpPr>
+          <p:cNvPr id="15" name="TextBox 14">
+            <a:extLst>
+              <a:ext uri="{FF2B5EF4-FFF2-40B4-BE49-F238E27FC236}">
+                <a16:creationId xmlns:a16="http://schemas.microsoft.com/office/drawing/2014/main" id="{36556F63-665A-4F49-A5AE-AEDAB2A964DB}"/>
+              </a:ext>
+            </a:extLst>
+          </p:cNvPr>
+          <p:cNvSpPr txBox="1"/>
+          <p:nvPr/>
+        </p:nvSpPr>
+        <p:spPr>
+          <a:xfrm>
+            <a:off x="2498754" y="909567"/>
+            <a:ext cx="1161023" cy="646331"/>
+          </a:xfrm>
+          <a:prstGeom prst="rect">
+            <a:avLst/>
+          </a:prstGeom>
+          <a:noFill/>
+        </p:spPr>
+        <p:txBody>
+          <a:bodyPr wrap="none" rtlCol="0">
+            <a:spAutoFit/>
+          </a:bodyPr>
+          <a:lstStyle/>
+          <a:p>
+            <a:pPr algn="ctr"/>
+            <a:r>
+              <a:rPr lang="en-US" b="1" dirty="0"/>
+              <a:t>A’s</a:t>
+            </a:r>
+          </a:p>
+          <a:p>
+            <a:pPr algn="ctr"/>
+            <a:r>
+              <a:rPr lang="en-US" b="1" dirty="0"/>
+              <a:t>Public Key</a:t>
+            </a:r>
+          </a:p>
+        </p:txBody>
+      </p:sp>
+      <p:sp>
+        <p:nvSpPr>
+          <p:cNvPr id="16" name="TextBox 15">
+            <a:extLst>
+              <a:ext uri="{FF2B5EF4-FFF2-40B4-BE49-F238E27FC236}">
+                <a16:creationId xmlns:a16="http://schemas.microsoft.com/office/drawing/2014/main" id="{2A7CA38A-F59C-4945-967C-63697E1FBA52}"/>
+              </a:ext>
+            </a:extLst>
+          </p:cNvPr>
+          <p:cNvSpPr txBox="1"/>
+          <p:nvPr/>
+        </p:nvSpPr>
+        <p:spPr>
+          <a:xfrm>
+            <a:off x="8257865" y="999420"/>
+            <a:ext cx="1161023" cy="646331"/>
+          </a:xfrm>
+          <a:prstGeom prst="rect">
+            <a:avLst/>
+          </a:prstGeom>
+          <a:noFill/>
+        </p:spPr>
+        <p:txBody>
+          <a:bodyPr wrap="none" rtlCol="0">
+            <a:spAutoFit/>
+          </a:bodyPr>
+          <a:lstStyle/>
+          <a:p>
+            <a:pPr algn="ctr"/>
+            <a:r>
+              <a:rPr lang="en-US" b="1" dirty="0"/>
+              <a:t>B’s</a:t>
+            </a:r>
+          </a:p>
+          <a:p>
+            <a:pPr algn="ctr"/>
+            <a:r>
+              <a:rPr lang="en-US" b="1" dirty="0"/>
+              <a:t>Public Key</a:t>
+            </a:r>
+          </a:p>
+        </p:txBody>
+      </p:sp>
+      <p:sp>
+        <p:nvSpPr>
+          <p:cNvPr id="17" name="TextBox 16">
+            <a:extLst>
+              <a:ext uri="{FF2B5EF4-FFF2-40B4-BE49-F238E27FC236}">
+                <a16:creationId xmlns:a16="http://schemas.microsoft.com/office/drawing/2014/main" id="{64C981C7-19B3-7E48-A181-49D7155379F1}"/>
+              </a:ext>
+            </a:extLst>
+          </p:cNvPr>
+          <p:cNvSpPr txBox="1"/>
+          <p:nvPr/>
+        </p:nvSpPr>
+        <p:spPr>
+          <a:xfrm>
+            <a:off x="8335972" y="2943524"/>
+            <a:ext cx="1253678" cy="646331"/>
+          </a:xfrm>
+          <a:prstGeom prst="rect">
+            <a:avLst/>
+          </a:prstGeom>
+          <a:noFill/>
+        </p:spPr>
+        <p:txBody>
+          <a:bodyPr wrap="none" rtlCol="0">
+            <a:spAutoFit/>
+          </a:bodyPr>
+          <a:lstStyle/>
+          <a:p>
+            <a:pPr algn="ctr"/>
+            <a:r>
+              <a:rPr lang="en-US" b="1" dirty="0"/>
+              <a:t>B’s</a:t>
+            </a:r>
+          </a:p>
+          <a:p>
+            <a:pPr algn="ctr"/>
+            <a:r>
+              <a:rPr lang="en-US" b="1" dirty="0"/>
+              <a:t>Private Key</a:t>
+            </a:r>
+          </a:p>
+        </p:txBody>
+      </p:sp>
+      <p:sp>
+        <p:nvSpPr>
+          <p:cNvPr id="18" name="TextBox 17">
+            <a:extLst>
+              <a:ext uri="{FF2B5EF4-FFF2-40B4-BE49-F238E27FC236}">
+                <a16:creationId xmlns:a16="http://schemas.microsoft.com/office/drawing/2014/main" id="{F7224C3E-6529-624B-9E0F-44BA29FC39BC}"/>
+              </a:ext>
+            </a:extLst>
+          </p:cNvPr>
+          <p:cNvSpPr txBox="1"/>
+          <p:nvPr/>
+        </p:nvSpPr>
+        <p:spPr>
+          <a:xfrm>
+            <a:off x="2522764" y="2946916"/>
+            <a:ext cx="1253678" cy="646331"/>
+          </a:xfrm>
+          <a:prstGeom prst="rect">
+            <a:avLst/>
+          </a:prstGeom>
+          <a:noFill/>
+        </p:spPr>
+        <p:txBody>
+          <a:bodyPr wrap="none" rtlCol="0">
+            <a:spAutoFit/>
+          </a:bodyPr>
+          <a:lstStyle/>
+          <a:p>
+            <a:pPr algn="ctr"/>
+            <a:r>
+              <a:rPr lang="en-US" b="1" dirty="0"/>
+              <a:t>A’s</a:t>
+            </a:r>
+          </a:p>
+          <a:p>
+            <a:pPr algn="ctr"/>
+            <a:r>
+              <a:rPr lang="en-US" b="1" dirty="0"/>
+              <a:t>Private Key</a:t>
+            </a:r>
+          </a:p>
+        </p:txBody>
+      </p:sp>
+      <p:cxnSp>
+        <p:nvCxnSpPr>
+          <p:cNvPr id="20" name="Straight Arrow Connector 19">
+            <a:extLst>
+              <a:ext uri="{FF2B5EF4-FFF2-40B4-BE49-F238E27FC236}">
+                <a16:creationId xmlns:a16="http://schemas.microsoft.com/office/drawing/2014/main" id="{50B0A897-3E51-6946-8F85-9413ADD99A19}"/>
+              </a:ext>
+            </a:extLst>
+          </p:cNvPr>
+          <p:cNvCxnSpPr>
+            <a:cxnSpLocks/>
+            <a:stCxn id="11" idx="3"/>
+            <a:endCxn id="26" idx="1"/>
+          </p:cNvCxnSpPr>
+          <p:nvPr/>
+        </p:nvCxnSpPr>
+        <p:spPr>
+          <a:xfrm>
+            <a:off x="3505200" y="1900673"/>
+            <a:ext cx="5102010" cy="2978275"/>
+          </a:xfrm>
+          <a:prstGeom prst="straightConnector1">
+            <a:avLst/>
+          </a:prstGeom>
+          <a:ln w="38100">
+            <a:solidFill>
+              <a:schemeClr val="tx1"/>
+            </a:solidFill>
+            <a:tailEnd type="triangle"/>
+          </a:ln>
+        </p:spPr>
+        <p:style>
+          <a:lnRef idx="1">
+            <a:schemeClr val="accent1"/>
+          </a:lnRef>
+          <a:fillRef idx="0">
+            <a:schemeClr val="accent1"/>
+          </a:fillRef>
+          <a:effectRef idx="0">
+            <a:schemeClr val="accent1"/>
+          </a:effectRef>
+          <a:fontRef idx="minor">
+            <a:schemeClr val="tx1"/>
+          </a:fontRef>
+        </p:style>
+      </p:cxnSp>
+      <p:cxnSp>
+        <p:nvCxnSpPr>
+          <p:cNvPr id="21" name="Straight Arrow Connector 20">
+            <a:extLst>
+              <a:ext uri="{FF2B5EF4-FFF2-40B4-BE49-F238E27FC236}">
+                <a16:creationId xmlns:a16="http://schemas.microsoft.com/office/drawing/2014/main" id="{5DE0774A-FCE6-F349-BFAF-BCCB03B6F98A}"/>
+              </a:ext>
+            </a:extLst>
+          </p:cNvPr>
+          <p:cNvCxnSpPr>
+            <a:cxnSpLocks/>
+          </p:cNvCxnSpPr>
+          <p:nvPr/>
+        </p:nvCxnSpPr>
+        <p:spPr>
+          <a:xfrm flipH="1">
+            <a:off x="3399756" y="1827495"/>
+            <a:ext cx="4838948" cy="2927385"/>
+          </a:xfrm>
+          <a:prstGeom prst="straightConnector1">
+            <a:avLst/>
+          </a:prstGeom>
+          <a:ln w="38100">
+            <a:solidFill>
+              <a:schemeClr val="tx1"/>
+            </a:solidFill>
+            <a:tailEnd type="triangle"/>
+          </a:ln>
+        </p:spPr>
+        <p:style>
+          <a:lnRef idx="1">
+            <a:schemeClr val="accent1"/>
+          </a:lnRef>
+          <a:fillRef idx="0">
+            <a:schemeClr val="accent1"/>
+          </a:fillRef>
+          <a:effectRef idx="0">
+            <a:schemeClr val="accent1"/>
+          </a:effectRef>
+          <a:fontRef idx="minor">
+            <a:schemeClr val="tx1"/>
+          </a:fontRef>
+        </p:style>
+      </p:cxnSp>
+      <p:pic>
+        <p:nvPicPr>
+          <p:cNvPr id="24" name="Picture 23">
+            <a:extLst>
+              <a:ext uri="{FF2B5EF4-FFF2-40B4-BE49-F238E27FC236}">
+                <a16:creationId xmlns:a16="http://schemas.microsoft.com/office/drawing/2014/main" id="{E5E9F459-C979-6841-8F3F-8A3839AE3BD5}"/>
+              </a:ext>
+            </a:extLst>
+          </p:cNvPr>
+          <p:cNvPicPr>
+            <a:picLocks noChangeAspect="1"/>
+          </p:cNvPicPr>
+          <p:nvPr/>
+        </p:nvPicPr>
+        <p:blipFill>
+          <a:blip r:embed="rId2"/>
+          <a:stretch>
+            <a:fillRect/>
+          </a:stretch>
+        </p:blipFill>
+        <p:spPr>
+          <a:xfrm>
+            <a:off x="2577301" y="4666805"/>
+            <a:ext cx="1086829" cy="543415"/>
+          </a:xfrm>
+          <a:prstGeom prst="rect">
+            <a:avLst/>
+          </a:prstGeom>
+        </p:spPr>
+      </p:pic>
+      <p:pic>
+        <p:nvPicPr>
+          <p:cNvPr id="26" name="Picture 25">
+            <a:extLst>
+              <a:ext uri="{FF2B5EF4-FFF2-40B4-BE49-F238E27FC236}">
+                <a16:creationId xmlns:a16="http://schemas.microsoft.com/office/drawing/2014/main" id="{28B094DA-11A6-DD48-AAD9-3F5815B1E920}"/>
+              </a:ext>
+            </a:extLst>
+          </p:cNvPr>
+          <p:cNvPicPr>
+            <a:picLocks noChangeAspect="1"/>
+          </p:cNvPicPr>
+          <p:nvPr/>
+        </p:nvPicPr>
+        <p:blipFill>
+          <a:blip r:embed="rId5"/>
+          <a:stretch>
+            <a:fillRect/>
+          </a:stretch>
+        </p:blipFill>
+        <p:spPr>
+          <a:xfrm>
+            <a:off x="8607210" y="4519841"/>
+            <a:ext cx="711200" cy="718214"/>
+          </a:xfrm>
+          <a:prstGeom prst="rect">
+            <a:avLst/>
+          </a:prstGeom>
+        </p:spPr>
+      </p:pic>
+      <p:sp>
+        <p:nvSpPr>
+          <p:cNvPr id="27" name="Rounded Rectangle 26">
+            <a:extLst>
+              <a:ext uri="{FF2B5EF4-FFF2-40B4-BE49-F238E27FC236}">
+                <a16:creationId xmlns:a16="http://schemas.microsoft.com/office/drawing/2014/main" id="{54336F23-50A6-B44B-A046-BA0B9D8B788D}"/>
+              </a:ext>
+            </a:extLst>
+          </p:cNvPr>
+          <p:cNvSpPr/>
+          <p:nvPr/>
+        </p:nvSpPr>
+        <p:spPr>
+          <a:xfrm>
+            <a:off x="8305732" y="2833986"/>
+            <a:ext cx="1391250" cy="2601614"/>
+          </a:xfrm>
+          <a:prstGeom prst="roundRect">
+            <a:avLst/>
+          </a:prstGeom>
+          <a:noFill/>
+          <a:ln w="38100">
+            <a:solidFill>
+              <a:srgbClr val="92D050"/>
+            </a:solidFill>
+          </a:ln>
+        </p:spPr>
+        <p:style>
+          <a:lnRef idx="2">
+            <a:schemeClr val="accent1">
+              <a:shade val="50000"/>
+            </a:schemeClr>
+          </a:lnRef>
+          <a:fillRef idx="1">
+            <a:schemeClr val="accent1"/>
+          </a:fillRef>
+          <a:effectRef idx="0">
+            <a:schemeClr val="accent1"/>
+          </a:effectRef>
+          <a:fontRef idx="minor">
+            <a:schemeClr val="lt1"/>
+          </a:fontRef>
+        </p:style>
+        <p:txBody>
+          <a:bodyPr rtlCol="0" anchor="ctr"/>
+          <a:lstStyle/>
+          <a:p>
+            <a:pPr algn="ctr"/>
+            <a:endParaRPr lang="en-US" b="1"/>
+          </a:p>
+        </p:txBody>
+      </p:sp>
+      <p:sp>
+        <p:nvSpPr>
+          <p:cNvPr id="29" name="Rounded Rectangle 28">
+            <a:extLst>
+              <a:ext uri="{FF2B5EF4-FFF2-40B4-BE49-F238E27FC236}">
+                <a16:creationId xmlns:a16="http://schemas.microsoft.com/office/drawing/2014/main" id="{631CD5D2-643E-DA43-932D-B47C4E72D224}"/>
+              </a:ext>
+            </a:extLst>
+          </p:cNvPr>
+          <p:cNvSpPr/>
+          <p:nvPr/>
+        </p:nvSpPr>
+        <p:spPr>
+          <a:xfrm>
+            <a:off x="2432866" y="2828718"/>
+            <a:ext cx="1391250" cy="2601614"/>
+          </a:xfrm>
+          <a:prstGeom prst="roundRect">
+            <a:avLst/>
+          </a:prstGeom>
+          <a:noFill/>
+          <a:ln w="38100">
+            <a:solidFill>
+              <a:srgbClr val="92D050"/>
+            </a:solidFill>
+          </a:ln>
+        </p:spPr>
+        <p:style>
+          <a:lnRef idx="2">
+            <a:schemeClr val="accent1">
+              <a:shade val="50000"/>
+            </a:schemeClr>
+          </a:lnRef>
+          <a:fillRef idx="1">
+            <a:schemeClr val="accent1"/>
+          </a:fillRef>
+          <a:effectRef idx="0">
+            <a:schemeClr val="accent1"/>
+          </a:effectRef>
+          <a:fontRef idx="minor">
+            <a:schemeClr val="lt1"/>
+          </a:fontRef>
+        </p:style>
+        <p:txBody>
+          <a:bodyPr rtlCol="0" anchor="ctr"/>
+          <a:lstStyle/>
+          <a:p>
+            <a:pPr algn="ctr"/>
+            <a:endParaRPr lang="en-US" b="1"/>
+          </a:p>
+        </p:txBody>
+      </p:sp>
+      <p:sp>
+        <p:nvSpPr>
+          <p:cNvPr id="30" name="Right Arrow 29">
+            <a:extLst>
+              <a:ext uri="{FF2B5EF4-FFF2-40B4-BE49-F238E27FC236}">
+                <a16:creationId xmlns:a16="http://schemas.microsoft.com/office/drawing/2014/main" id="{6938CA3E-6E7A-7147-8763-96D0F81379E6}"/>
+              </a:ext>
+            </a:extLst>
+          </p:cNvPr>
+          <p:cNvSpPr/>
+          <p:nvPr/>
+        </p:nvSpPr>
+        <p:spPr>
+          <a:xfrm>
+            <a:off x="9794240" y="3990334"/>
+            <a:ext cx="611371" cy="484632"/>
+          </a:xfrm>
+          <a:prstGeom prst="rightArrow">
+            <a:avLst/>
+          </a:prstGeom>
+        </p:spPr>
+        <p:style>
+          <a:lnRef idx="2">
+            <a:schemeClr val="accent1">
+              <a:shade val="50000"/>
+            </a:schemeClr>
+          </a:lnRef>
+          <a:fillRef idx="1">
+            <a:schemeClr val="accent1"/>
+          </a:fillRef>
+          <a:effectRef idx="0">
+            <a:schemeClr val="accent1"/>
+          </a:effectRef>
+          <a:fontRef idx="minor">
+            <a:schemeClr val="lt1"/>
+          </a:fontRef>
+        </p:style>
+        <p:txBody>
+          <a:bodyPr rtlCol="0" anchor="ctr"/>
+          <a:lstStyle/>
+          <a:p>
+            <a:pPr algn="ctr"/>
+            <a:endParaRPr lang="en-US" b="1"/>
+          </a:p>
+        </p:txBody>
+      </p:sp>
+      <p:sp>
+        <p:nvSpPr>
+          <p:cNvPr id="31" name="Right Arrow 30">
+            <a:extLst>
+              <a:ext uri="{FF2B5EF4-FFF2-40B4-BE49-F238E27FC236}">
+                <a16:creationId xmlns:a16="http://schemas.microsoft.com/office/drawing/2014/main" id="{828CAB20-5EDB-DF45-9E67-45DB967C9B6E}"/>
+              </a:ext>
+            </a:extLst>
+          </p:cNvPr>
+          <p:cNvSpPr/>
+          <p:nvPr/>
+        </p:nvSpPr>
+        <p:spPr>
+          <a:xfrm rot="10800000">
+            <a:off x="1643736" y="3980175"/>
+            <a:ext cx="611371" cy="484632"/>
+          </a:xfrm>
+          <a:prstGeom prst="rightArrow">
+            <a:avLst/>
+          </a:prstGeom>
+        </p:spPr>
+        <p:style>
+          <a:lnRef idx="2">
+            <a:schemeClr val="accent1">
+              <a:shade val="50000"/>
+            </a:schemeClr>
+          </a:lnRef>
+          <a:fillRef idx="1">
+            <a:schemeClr val="accent1"/>
+          </a:fillRef>
+          <a:effectRef idx="0">
+            <a:schemeClr val="accent1"/>
+          </a:effectRef>
+          <a:fontRef idx="minor">
+            <a:schemeClr val="lt1"/>
+          </a:fontRef>
+        </p:style>
+        <p:txBody>
+          <a:bodyPr rtlCol="0" anchor="ctr"/>
+          <a:lstStyle/>
+          <a:p>
+            <a:pPr algn="ctr"/>
+            <a:endParaRPr lang="en-US" b="1"/>
+          </a:p>
+        </p:txBody>
+      </p:sp>
+      <p:sp>
+        <p:nvSpPr>
+          <p:cNvPr id="32" name="TextBox 31">
+            <a:extLst>
+              <a:ext uri="{FF2B5EF4-FFF2-40B4-BE49-F238E27FC236}">
+                <a16:creationId xmlns:a16="http://schemas.microsoft.com/office/drawing/2014/main" id="{5EBE8007-6F3A-EC47-B8E4-2587039F0EA5}"/>
+              </a:ext>
+            </a:extLst>
+          </p:cNvPr>
+          <p:cNvSpPr txBox="1"/>
+          <p:nvPr/>
+        </p:nvSpPr>
+        <p:spPr>
+          <a:xfrm>
+            <a:off x="770941" y="5480616"/>
+            <a:ext cx="9815084" cy="830997"/>
+          </a:xfrm>
+          <a:prstGeom prst="rect">
+            <a:avLst/>
+          </a:prstGeom>
+          <a:noFill/>
+        </p:spPr>
+        <p:txBody>
+          <a:bodyPr wrap="square" rtlCol="0">
+            <a:spAutoFit/>
+          </a:bodyPr>
+          <a:lstStyle/>
+          <a:p>
+            <a:r>
+              <a:rPr lang="en-US" sz="2400" b="1" dirty="0"/>
+              <a:t>Just by simply exchange the public key each other, one can calculate the shared random bits from the other’s public key and its own private key.</a:t>
+            </a:r>
+          </a:p>
+        </p:txBody>
+      </p:sp>
+    </p:spTree>
+    <p:extLst>
+      <p:ext uri="{BB962C8B-B14F-4D97-AF65-F5344CB8AC3E}">
+        <p14:creationId xmlns:p14="http://schemas.microsoft.com/office/powerpoint/2010/main" val="2572233123"/>
+      </p:ext>
+    </p:extLst>
+  </p:cSld>
+  <p:clrMapOvr>
+    <a:masterClrMapping/>
+  </p:clrMapOvr>
+</p:sld>
+</file>
+
+<file path=ppt/slides/slide33.xml><?xml version="1.0" encoding="utf-8"?>
+<p:sld xmlns:a="http://schemas.openxmlformats.org/drawingml/2006/main" xmlns:r="http://schemas.openxmlformats.org/officeDocument/2006/relationships" xmlns:p="http://schemas.openxmlformats.org/presentationml/2006/main">
+  <p:cSld>
+    <p:spTree>
+      <p:nvGrpSpPr>
+        <p:cNvPr id="1" name=""/>
+        <p:cNvGrpSpPr/>
+        <p:nvPr/>
+      </p:nvGrpSpPr>
+      <p:grpSpPr>
+        <a:xfrm>
+          <a:off x="0" y="0"/>
+          <a:ext cx="0" cy="0"/>
+          <a:chOff x="0" y="0"/>
+          <a:chExt cx="0" cy="0"/>
+        </a:xfrm>
+      </p:grpSpPr>
+      <p:sp>
+        <p:nvSpPr>
+          <p:cNvPr id="4" name="四角形: 角を丸くする 4">
+            <a:extLst>
+              <a:ext uri="{FF2B5EF4-FFF2-40B4-BE49-F238E27FC236}">
+                <a16:creationId xmlns:a16="http://schemas.microsoft.com/office/drawing/2014/main" id="{5025F0E8-EE4B-C14E-B161-67D214BF4F83}"/>
+              </a:ext>
+            </a:extLst>
+          </p:cNvPr>
+          <p:cNvSpPr/>
+          <p:nvPr/>
+        </p:nvSpPr>
+        <p:spPr>
+          <a:xfrm>
+            <a:off x="2074300" y="2870953"/>
+            <a:ext cx="1608300" cy="824719"/>
+          </a:xfrm>
+          <a:prstGeom prst="roundRect">
+            <a:avLst/>
+          </a:prstGeom>
+          <a:ln w="38100"/>
+        </p:spPr>
+        <p:style>
+          <a:lnRef idx="2">
+            <a:schemeClr val="accent1"/>
+          </a:lnRef>
+          <a:fillRef idx="1">
+            <a:schemeClr val="lt1"/>
+          </a:fillRef>
+          <a:effectRef idx="0">
+            <a:schemeClr val="accent1"/>
+          </a:effectRef>
+          <a:fontRef idx="minor">
+            <a:schemeClr val="dk1"/>
+          </a:fontRef>
+        </p:style>
+        <p:txBody>
+          <a:bodyPr rtlCol="0" anchor="ctr"/>
+          <a:lstStyle/>
+          <a:p>
+            <a:pPr algn="ctr"/>
+            <a:r>
+              <a:rPr kumimoji="1" lang="en-US" altLang="ja-JP" b="1" dirty="0"/>
+              <a:t>ECDH</a:t>
+            </a:r>
+          </a:p>
+          <a:p>
+            <a:pPr algn="ctr"/>
+            <a:r>
+              <a:rPr kumimoji="1" lang="en-US" altLang="ja-JP" b="1" dirty="0">
+                <a:solidFill>
+                  <a:srgbClr val="FF0000"/>
+                </a:solidFill>
+              </a:rPr>
+              <a:t>(Shared Bits Derivation)</a:t>
+            </a:r>
+          </a:p>
+        </p:txBody>
+      </p:sp>
+      <p:cxnSp>
+        <p:nvCxnSpPr>
+          <p:cNvPr id="5" name="直線矢印コネクタ 6">
+            <a:extLst>
+              <a:ext uri="{FF2B5EF4-FFF2-40B4-BE49-F238E27FC236}">
+                <a16:creationId xmlns:a16="http://schemas.microsoft.com/office/drawing/2014/main" id="{6412526C-CEE2-6042-ADF1-B5FC9928F391}"/>
+              </a:ext>
+            </a:extLst>
+          </p:cNvPr>
+          <p:cNvCxnSpPr>
+            <a:cxnSpLocks/>
+            <a:stCxn id="4" idx="3"/>
+            <a:endCxn id="35" idx="1"/>
+          </p:cNvCxnSpPr>
+          <p:nvPr/>
+        </p:nvCxnSpPr>
+        <p:spPr>
+          <a:xfrm flipV="1">
+            <a:off x="3682600" y="3267860"/>
+            <a:ext cx="1430276" cy="15453"/>
+          </a:xfrm>
+          <a:prstGeom prst="straightConnector1">
+            <a:avLst/>
+          </a:prstGeom>
+          <a:ln w="38100">
+            <a:solidFill>
+              <a:schemeClr val="tx1"/>
+            </a:solidFill>
+            <a:tailEnd type="triangle"/>
+          </a:ln>
+        </p:spPr>
+        <p:style>
+          <a:lnRef idx="1">
+            <a:schemeClr val="accent1"/>
+          </a:lnRef>
+          <a:fillRef idx="0">
+            <a:schemeClr val="accent1"/>
+          </a:fillRef>
+          <a:effectRef idx="0">
+            <a:schemeClr val="accent1"/>
+          </a:effectRef>
+          <a:fontRef idx="minor">
+            <a:schemeClr val="tx1"/>
+          </a:fontRef>
+        </p:style>
+      </p:cxnSp>
+      <p:pic>
+        <p:nvPicPr>
+          <p:cNvPr id="6" name="Picture 14">
+            <a:extLst>
+              <a:ext uri="{FF2B5EF4-FFF2-40B4-BE49-F238E27FC236}">
+                <a16:creationId xmlns:a16="http://schemas.microsoft.com/office/drawing/2014/main" id="{4A247DBD-3E28-424F-A040-26077F1228BD}"/>
+              </a:ext>
+            </a:extLst>
+          </p:cNvPr>
+          <p:cNvPicPr>
+            <a:picLocks noChangeAspect="1"/>
+          </p:cNvPicPr>
+          <p:nvPr/>
+        </p:nvPicPr>
+        <p:blipFill>
+          <a:blip r:embed="rId2"/>
+          <a:stretch>
+            <a:fillRect/>
+          </a:stretch>
+        </p:blipFill>
+        <p:spPr>
+          <a:xfrm>
+            <a:off x="2583559" y="1997485"/>
+            <a:ext cx="219766" cy="695926"/>
+          </a:xfrm>
+          <a:prstGeom prst="rect">
+            <a:avLst/>
+          </a:prstGeom>
+        </p:spPr>
+      </p:pic>
+      <p:sp>
+        <p:nvSpPr>
+          <p:cNvPr id="7" name="TextBox 15">
+            <a:extLst>
+              <a:ext uri="{FF2B5EF4-FFF2-40B4-BE49-F238E27FC236}">
+                <a16:creationId xmlns:a16="http://schemas.microsoft.com/office/drawing/2014/main" id="{E1964BA5-F793-A04A-B027-C8071F644D97}"/>
+              </a:ext>
+            </a:extLst>
+          </p:cNvPr>
+          <p:cNvSpPr txBox="1"/>
+          <p:nvPr/>
+        </p:nvSpPr>
+        <p:spPr>
+          <a:xfrm>
+            <a:off x="2878450" y="2030596"/>
+            <a:ext cx="1386273" cy="646331"/>
+          </a:xfrm>
+          <a:prstGeom prst="rect">
+            <a:avLst/>
+          </a:prstGeom>
+          <a:noFill/>
+        </p:spPr>
+        <p:txBody>
+          <a:bodyPr wrap="square" rtlCol="0">
+            <a:spAutoFit/>
+          </a:bodyPr>
+          <a:lstStyle/>
+          <a:p>
+            <a:r>
+              <a:rPr lang="en-US" dirty="0">
+                <a:solidFill>
+                  <a:srgbClr val="0070C0"/>
+                </a:solidFill>
+              </a:rPr>
+              <a:t>Recipient’s Public Key</a:t>
+            </a:r>
+          </a:p>
+        </p:txBody>
+      </p:sp>
+      <p:cxnSp>
+        <p:nvCxnSpPr>
+          <p:cNvPr id="8" name="直線矢印コネクタ 6">
+            <a:extLst>
+              <a:ext uri="{FF2B5EF4-FFF2-40B4-BE49-F238E27FC236}">
+                <a16:creationId xmlns:a16="http://schemas.microsoft.com/office/drawing/2014/main" id="{B4EA673E-9B85-FC4A-AD41-8BB6C79ADF8F}"/>
+              </a:ext>
+            </a:extLst>
+          </p:cNvPr>
+          <p:cNvCxnSpPr>
+            <a:cxnSpLocks/>
+            <a:endCxn id="4" idx="0"/>
+          </p:cNvCxnSpPr>
+          <p:nvPr/>
+        </p:nvCxnSpPr>
+        <p:spPr>
+          <a:xfrm>
+            <a:off x="2878450" y="2114439"/>
+            <a:ext cx="0" cy="756514"/>
+          </a:xfrm>
+          <a:prstGeom prst="straightConnector1">
+            <a:avLst/>
+          </a:prstGeom>
+          <a:ln w="38100">
+            <a:solidFill>
+              <a:schemeClr val="tx1"/>
+            </a:solidFill>
+            <a:tailEnd type="triangle"/>
+          </a:ln>
+        </p:spPr>
+        <p:style>
+          <a:lnRef idx="1">
+            <a:schemeClr val="accent1"/>
+          </a:lnRef>
+          <a:fillRef idx="0">
+            <a:schemeClr val="accent1"/>
+          </a:fillRef>
+          <a:effectRef idx="0">
+            <a:schemeClr val="accent1"/>
+          </a:effectRef>
+          <a:fontRef idx="minor">
+            <a:schemeClr val="tx1"/>
+          </a:fontRef>
+        </p:style>
+      </p:cxnSp>
+      <p:pic>
+        <p:nvPicPr>
+          <p:cNvPr id="9" name="Picture 8">
+            <a:extLst>
+              <a:ext uri="{FF2B5EF4-FFF2-40B4-BE49-F238E27FC236}">
+                <a16:creationId xmlns:a16="http://schemas.microsoft.com/office/drawing/2014/main" id="{78565CBD-A75F-6143-B3A1-6CEF0DB94FB9}"/>
+              </a:ext>
+            </a:extLst>
+          </p:cNvPr>
+          <p:cNvPicPr>
+            <a:picLocks noChangeAspect="1"/>
+          </p:cNvPicPr>
+          <p:nvPr/>
+        </p:nvPicPr>
+        <p:blipFill>
+          <a:blip r:embed="rId3"/>
+          <a:stretch>
+            <a:fillRect/>
+          </a:stretch>
+        </p:blipFill>
+        <p:spPr>
+          <a:xfrm>
+            <a:off x="10877829" y="2809846"/>
+            <a:ext cx="861662" cy="916027"/>
+          </a:xfrm>
+          <a:prstGeom prst="rect">
+            <a:avLst/>
+          </a:prstGeom>
+        </p:spPr>
+      </p:pic>
+      <p:pic>
+        <p:nvPicPr>
+          <p:cNvPr id="10" name="Picture 9">
+            <a:extLst>
+              <a:ext uri="{FF2B5EF4-FFF2-40B4-BE49-F238E27FC236}">
+                <a16:creationId xmlns:a16="http://schemas.microsoft.com/office/drawing/2014/main" id="{69E9B468-7FF8-4945-A10C-17F343976FB2}"/>
+              </a:ext>
+            </a:extLst>
+          </p:cNvPr>
+          <p:cNvPicPr>
+            <a:picLocks noChangeAspect="1"/>
+          </p:cNvPicPr>
+          <p:nvPr/>
+        </p:nvPicPr>
+        <p:blipFill>
+          <a:blip r:embed="rId4"/>
+          <a:stretch>
+            <a:fillRect/>
+          </a:stretch>
+        </p:blipFill>
+        <p:spPr>
+          <a:xfrm>
+            <a:off x="4170488" y="2416044"/>
+            <a:ext cx="548634" cy="804663"/>
+          </a:xfrm>
+          <a:prstGeom prst="rect">
+            <a:avLst/>
+          </a:prstGeom>
+        </p:spPr>
+      </p:pic>
+      <p:sp>
+        <p:nvSpPr>
+          <p:cNvPr id="11" name="Rectangle 10">
+            <a:extLst>
+              <a:ext uri="{FF2B5EF4-FFF2-40B4-BE49-F238E27FC236}">
+                <a16:creationId xmlns:a16="http://schemas.microsoft.com/office/drawing/2014/main" id="{656DBA57-4D7B-5042-845A-9405EB6FD7D8}"/>
+              </a:ext>
+            </a:extLst>
+          </p:cNvPr>
+          <p:cNvSpPr/>
+          <p:nvPr/>
+        </p:nvSpPr>
+        <p:spPr>
+          <a:xfrm>
+            <a:off x="3583459" y="3262897"/>
+            <a:ext cx="1649170" cy="646331"/>
+          </a:xfrm>
+          <a:prstGeom prst="rect">
+            <a:avLst/>
+          </a:prstGeom>
+        </p:spPr>
+        <p:txBody>
+          <a:bodyPr wrap="square">
+            <a:spAutoFit/>
+          </a:bodyPr>
+          <a:lstStyle/>
+          <a:p>
+            <a:pPr algn="ctr"/>
+            <a:r>
+              <a:rPr kumimoji="1" lang="en-US" altLang="ja-JP" b="1" dirty="0">
+                <a:solidFill>
+                  <a:srgbClr val="FF0000"/>
+                </a:solidFill>
+              </a:rPr>
+              <a:t>Shared Random Bits</a:t>
+            </a:r>
+          </a:p>
+        </p:txBody>
+      </p:sp>
+      <p:sp>
+        <p:nvSpPr>
+          <p:cNvPr id="13" name="四角形: 角を丸くする 4">
+            <a:extLst>
+              <a:ext uri="{FF2B5EF4-FFF2-40B4-BE49-F238E27FC236}">
+                <a16:creationId xmlns:a16="http://schemas.microsoft.com/office/drawing/2014/main" id="{924BC639-51A3-BF4B-A59C-95875221D91F}"/>
+              </a:ext>
+            </a:extLst>
+          </p:cNvPr>
+          <p:cNvSpPr/>
+          <p:nvPr/>
+        </p:nvSpPr>
+        <p:spPr>
+          <a:xfrm>
+            <a:off x="8456895" y="2855501"/>
+            <a:ext cx="1750938" cy="824718"/>
+          </a:xfrm>
+          <a:prstGeom prst="roundRect">
+            <a:avLst/>
+          </a:prstGeom>
+          <a:ln w="38100"/>
+        </p:spPr>
+        <p:style>
+          <a:lnRef idx="2">
+            <a:schemeClr val="accent1"/>
+          </a:lnRef>
+          <a:fillRef idx="1">
+            <a:schemeClr val="lt1"/>
+          </a:fillRef>
+          <a:effectRef idx="0">
+            <a:schemeClr val="accent1"/>
+          </a:effectRef>
+          <a:fontRef idx="minor">
+            <a:schemeClr val="dk1"/>
+          </a:fontRef>
+        </p:style>
+        <p:txBody>
+          <a:bodyPr rtlCol="0" anchor="ctr"/>
+          <a:lstStyle/>
+          <a:p>
+            <a:pPr algn="ctr"/>
+            <a:r>
+              <a:rPr kumimoji="1" lang="en-US" altLang="ja-JP" b="1" dirty="0"/>
+              <a:t>AES Encryption</a:t>
+            </a:r>
+          </a:p>
+          <a:p>
+            <a:pPr algn="ctr"/>
+            <a:r>
+              <a:rPr kumimoji="1" lang="en-US" altLang="ja-JP" b="1" dirty="0">
+                <a:solidFill>
+                  <a:srgbClr val="FF0000"/>
+                </a:solidFill>
+              </a:rPr>
+              <a:t>(we use AES-CBC here)</a:t>
+            </a:r>
+          </a:p>
+        </p:txBody>
+      </p:sp>
+      <p:cxnSp>
+        <p:nvCxnSpPr>
+          <p:cNvPr id="14" name="直線矢印コネクタ 6">
+            <a:extLst>
+              <a:ext uri="{FF2B5EF4-FFF2-40B4-BE49-F238E27FC236}">
+                <a16:creationId xmlns:a16="http://schemas.microsoft.com/office/drawing/2014/main" id="{3EDFCE7F-2A04-C94A-B060-361C74447C8D}"/>
+              </a:ext>
+            </a:extLst>
+          </p:cNvPr>
+          <p:cNvCxnSpPr>
+            <a:cxnSpLocks/>
+            <a:stCxn id="35" idx="3"/>
+            <a:endCxn id="13" idx="1"/>
+          </p:cNvCxnSpPr>
+          <p:nvPr/>
+        </p:nvCxnSpPr>
+        <p:spPr>
+          <a:xfrm>
+            <a:off x="7330440" y="3267860"/>
+            <a:ext cx="1126455" cy="0"/>
+          </a:xfrm>
+          <a:prstGeom prst="straightConnector1">
+            <a:avLst/>
+          </a:prstGeom>
+          <a:ln w="38100">
+            <a:solidFill>
+              <a:schemeClr val="tx1"/>
+            </a:solidFill>
+            <a:tailEnd type="triangle"/>
+          </a:ln>
+        </p:spPr>
+        <p:style>
+          <a:lnRef idx="1">
+            <a:schemeClr val="accent1"/>
+          </a:lnRef>
+          <a:fillRef idx="0">
+            <a:schemeClr val="accent1"/>
+          </a:fillRef>
+          <a:effectRef idx="0">
+            <a:schemeClr val="accent1"/>
+          </a:effectRef>
+          <a:fontRef idx="minor">
+            <a:schemeClr val="tx1"/>
+          </a:fontRef>
+        </p:style>
+      </p:cxnSp>
+      <p:pic>
+        <p:nvPicPr>
+          <p:cNvPr id="15" name="Picture 14">
+            <a:extLst>
+              <a:ext uri="{FF2B5EF4-FFF2-40B4-BE49-F238E27FC236}">
+                <a16:creationId xmlns:a16="http://schemas.microsoft.com/office/drawing/2014/main" id="{4FD877F3-318D-CC47-BDF1-1CA1A4E901DD}"/>
+              </a:ext>
+            </a:extLst>
+          </p:cNvPr>
+          <p:cNvPicPr>
+            <a:picLocks noChangeAspect="1"/>
+          </p:cNvPicPr>
+          <p:nvPr/>
+        </p:nvPicPr>
+        <p:blipFill>
+          <a:blip r:embed="rId5"/>
+          <a:stretch>
+            <a:fillRect/>
+          </a:stretch>
+        </p:blipFill>
+        <p:spPr>
+          <a:xfrm>
+            <a:off x="8741851" y="2127645"/>
+            <a:ext cx="589263" cy="589263"/>
+          </a:xfrm>
+          <a:prstGeom prst="rect">
+            <a:avLst/>
+          </a:prstGeom>
+        </p:spPr>
+      </p:pic>
+      <p:sp>
+        <p:nvSpPr>
+          <p:cNvPr id="16" name="TextBox 15">
+            <a:extLst>
+              <a:ext uri="{FF2B5EF4-FFF2-40B4-BE49-F238E27FC236}">
+                <a16:creationId xmlns:a16="http://schemas.microsoft.com/office/drawing/2014/main" id="{ACC45242-E498-604B-9DC5-03CCEEBB0AD2}"/>
+              </a:ext>
+            </a:extLst>
+          </p:cNvPr>
+          <p:cNvSpPr txBox="1"/>
+          <p:nvPr/>
+        </p:nvSpPr>
+        <p:spPr>
+          <a:xfrm>
+            <a:off x="9331114" y="2097869"/>
+            <a:ext cx="1386273" cy="646331"/>
+          </a:xfrm>
+          <a:prstGeom prst="rect">
+            <a:avLst/>
+          </a:prstGeom>
+          <a:noFill/>
+        </p:spPr>
+        <p:txBody>
+          <a:bodyPr wrap="square" rtlCol="0">
+            <a:spAutoFit/>
+          </a:bodyPr>
+          <a:lstStyle/>
+          <a:p>
+            <a:r>
+              <a:rPr lang="en-US" dirty="0">
+                <a:solidFill>
+                  <a:srgbClr val="0070C0"/>
+                </a:solidFill>
+              </a:rPr>
+              <a:t>Plaintext Data</a:t>
+            </a:r>
+          </a:p>
+        </p:txBody>
+      </p:sp>
+      <p:cxnSp>
+        <p:nvCxnSpPr>
+          <p:cNvPr id="17" name="直線矢印コネクタ 6">
+            <a:extLst>
+              <a:ext uri="{FF2B5EF4-FFF2-40B4-BE49-F238E27FC236}">
+                <a16:creationId xmlns:a16="http://schemas.microsoft.com/office/drawing/2014/main" id="{9E5BB985-EE2A-5946-B56F-B60534B6501E}"/>
+              </a:ext>
+            </a:extLst>
+          </p:cNvPr>
+          <p:cNvCxnSpPr>
+            <a:cxnSpLocks/>
+            <a:stCxn id="13" idx="3"/>
+          </p:cNvCxnSpPr>
+          <p:nvPr/>
+        </p:nvCxnSpPr>
+        <p:spPr>
+          <a:xfrm>
+            <a:off x="10207833" y="3267860"/>
+            <a:ext cx="669996" cy="0"/>
+          </a:xfrm>
+          <a:prstGeom prst="straightConnector1">
+            <a:avLst/>
+          </a:prstGeom>
+          <a:ln w="38100">
+            <a:solidFill>
+              <a:schemeClr val="tx1"/>
+            </a:solidFill>
+            <a:tailEnd type="triangle"/>
+          </a:ln>
+        </p:spPr>
+        <p:style>
+          <a:lnRef idx="1">
+            <a:schemeClr val="accent1"/>
+          </a:lnRef>
+          <a:fillRef idx="0">
+            <a:schemeClr val="accent1"/>
+          </a:fillRef>
+          <a:effectRef idx="0">
+            <a:schemeClr val="accent1"/>
+          </a:effectRef>
+          <a:fontRef idx="minor">
+            <a:schemeClr val="tx1"/>
+          </a:fontRef>
+        </p:style>
+      </p:cxnSp>
+      <p:sp>
+        <p:nvSpPr>
+          <p:cNvPr id="18" name="Rectangle 17">
+            <a:extLst>
+              <a:ext uri="{FF2B5EF4-FFF2-40B4-BE49-F238E27FC236}">
+                <a16:creationId xmlns:a16="http://schemas.microsoft.com/office/drawing/2014/main" id="{07C2842C-2C2B-7745-955D-B4FA3E94A636}"/>
+              </a:ext>
+            </a:extLst>
+          </p:cNvPr>
+          <p:cNvSpPr/>
+          <p:nvPr/>
+        </p:nvSpPr>
+        <p:spPr>
+          <a:xfrm>
+            <a:off x="10542831" y="3651934"/>
+            <a:ext cx="1649169" cy="369332"/>
+          </a:xfrm>
+          <a:prstGeom prst="rect">
+            <a:avLst/>
+          </a:prstGeom>
+        </p:spPr>
+        <p:txBody>
+          <a:bodyPr wrap="none">
+            <a:spAutoFit/>
+          </a:bodyPr>
+          <a:lstStyle/>
+          <a:p>
+            <a:pPr algn="ctr"/>
+            <a:r>
+              <a:rPr kumimoji="1" lang="en-US" altLang="ja-JP" b="1" dirty="0"/>
+              <a:t>Encrypted Data</a:t>
+            </a:r>
+          </a:p>
+        </p:txBody>
+      </p:sp>
+      <p:sp>
+        <p:nvSpPr>
+          <p:cNvPr id="20" name="TextBox 15">
+            <a:extLst>
+              <a:ext uri="{FF2B5EF4-FFF2-40B4-BE49-F238E27FC236}">
+                <a16:creationId xmlns:a16="http://schemas.microsoft.com/office/drawing/2014/main" id="{94345C80-9B4D-9A44-9D7F-558BC536E330}"/>
+              </a:ext>
+            </a:extLst>
+          </p:cNvPr>
+          <p:cNvSpPr txBox="1"/>
+          <p:nvPr/>
+        </p:nvSpPr>
+        <p:spPr>
+          <a:xfrm>
+            <a:off x="503281" y="3326340"/>
+            <a:ext cx="1592484" cy="369332"/>
+          </a:xfrm>
+          <a:prstGeom prst="rect">
+            <a:avLst/>
+          </a:prstGeom>
+          <a:noFill/>
+        </p:spPr>
+        <p:txBody>
+          <a:bodyPr wrap="square" rtlCol="0">
+            <a:spAutoFit/>
+          </a:bodyPr>
+          <a:lstStyle/>
+          <a:p>
+            <a:r>
+              <a:rPr lang="en-US" dirty="0">
+                <a:solidFill>
+                  <a:srgbClr val="0070C0"/>
+                </a:solidFill>
+              </a:rPr>
+              <a:t>My Private Key</a:t>
+            </a:r>
+          </a:p>
+        </p:txBody>
+      </p:sp>
+      <p:cxnSp>
+        <p:nvCxnSpPr>
+          <p:cNvPr id="21" name="直線矢印コネクタ 6">
+            <a:extLst>
+              <a:ext uri="{FF2B5EF4-FFF2-40B4-BE49-F238E27FC236}">
+                <a16:creationId xmlns:a16="http://schemas.microsoft.com/office/drawing/2014/main" id="{F44ECE4D-04A4-194B-A0DD-283150E684DC}"/>
+              </a:ext>
+            </a:extLst>
+          </p:cNvPr>
+          <p:cNvCxnSpPr>
+            <a:cxnSpLocks/>
+            <a:endCxn id="4" idx="1"/>
+          </p:cNvCxnSpPr>
+          <p:nvPr/>
+        </p:nvCxnSpPr>
+        <p:spPr>
+          <a:xfrm>
+            <a:off x="850660" y="3283313"/>
+            <a:ext cx="1223640" cy="0"/>
+          </a:xfrm>
+          <a:prstGeom prst="straightConnector1">
+            <a:avLst/>
+          </a:prstGeom>
+          <a:ln w="38100">
+            <a:solidFill>
+              <a:schemeClr val="tx1"/>
+            </a:solidFill>
+            <a:tailEnd type="triangle"/>
+          </a:ln>
+        </p:spPr>
+        <p:style>
+          <a:lnRef idx="1">
+            <a:schemeClr val="accent1"/>
+          </a:lnRef>
+          <a:fillRef idx="0">
+            <a:schemeClr val="accent1"/>
+          </a:fillRef>
+          <a:effectRef idx="0">
+            <a:schemeClr val="accent1"/>
+          </a:effectRef>
+          <a:fontRef idx="minor">
+            <a:schemeClr val="tx1"/>
+          </a:fontRef>
+        </p:style>
+      </p:cxnSp>
+      <p:pic>
+        <p:nvPicPr>
+          <p:cNvPr id="23" name="Picture 22">
+            <a:extLst>
+              <a:ext uri="{FF2B5EF4-FFF2-40B4-BE49-F238E27FC236}">
+                <a16:creationId xmlns:a16="http://schemas.microsoft.com/office/drawing/2014/main" id="{A58BAE67-3722-5C4F-910A-1DB62C64E4B9}"/>
+              </a:ext>
+            </a:extLst>
+          </p:cNvPr>
+          <p:cNvPicPr>
+            <a:picLocks noChangeAspect="1"/>
+          </p:cNvPicPr>
+          <p:nvPr/>
+        </p:nvPicPr>
+        <p:blipFill>
+          <a:blip r:embed="rId6"/>
+          <a:stretch>
+            <a:fillRect/>
+          </a:stretch>
+        </p:blipFill>
+        <p:spPr>
+          <a:xfrm>
+            <a:off x="870327" y="2818375"/>
+            <a:ext cx="882197" cy="441099"/>
+          </a:xfrm>
+          <a:prstGeom prst="rect">
+            <a:avLst/>
+          </a:prstGeom>
+        </p:spPr>
+      </p:pic>
+      <p:sp>
+        <p:nvSpPr>
+          <p:cNvPr id="35" name="四角形: 角を丸くする 4">
+            <a:extLst>
+              <a:ext uri="{FF2B5EF4-FFF2-40B4-BE49-F238E27FC236}">
+                <a16:creationId xmlns:a16="http://schemas.microsoft.com/office/drawing/2014/main" id="{2FA2C946-DB62-AD40-8F6C-B8A71593BA3F}"/>
+              </a:ext>
+            </a:extLst>
+          </p:cNvPr>
+          <p:cNvSpPr/>
+          <p:nvPr/>
+        </p:nvSpPr>
+        <p:spPr>
+          <a:xfrm>
+            <a:off x="5112876" y="2855501"/>
+            <a:ext cx="2217564" cy="824718"/>
+          </a:xfrm>
+          <a:prstGeom prst="roundRect">
+            <a:avLst/>
+          </a:prstGeom>
+          <a:ln w="38100"/>
+        </p:spPr>
+        <p:style>
+          <a:lnRef idx="2">
+            <a:schemeClr val="accent1"/>
+          </a:lnRef>
+          <a:fillRef idx="1">
+            <a:schemeClr val="lt1"/>
+          </a:fillRef>
+          <a:effectRef idx="0">
+            <a:schemeClr val="accent1"/>
+          </a:effectRef>
+          <a:fontRef idx="minor">
+            <a:schemeClr val="dk1"/>
+          </a:fontRef>
+        </p:style>
+        <p:txBody>
+          <a:bodyPr rtlCol="0" anchor="ctr"/>
+          <a:lstStyle/>
+          <a:p>
+            <a:pPr algn="ctr"/>
+            <a:r>
+              <a:rPr kumimoji="1" lang="en-US" altLang="ja-JP" b="1" dirty="0"/>
+              <a:t>Key Derivation Function</a:t>
+            </a:r>
+          </a:p>
+          <a:p>
+            <a:pPr algn="ctr"/>
+            <a:r>
+              <a:rPr kumimoji="1" lang="en-US" altLang="ja-JP" b="1" dirty="0">
+                <a:solidFill>
+                  <a:srgbClr val="FF0000"/>
+                </a:solidFill>
+              </a:rPr>
+              <a:t>(we use HKDF here)</a:t>
+            </a:r>
+          </a:p>
+        </p:txBody>
+      </p:sp>
+      <p:cxnSp>
+        <p:nvCxnSpPr>
+          <p:cNvPr id="44" name="直線矢印コネクタ 6">
+            <a:extLst>
+              <a:ext uri="{FF2B5EF4-FFF2-40B4-BE49-F238E27FC236}">
+                <a16:creationId xmlns:a16="http://schemas.microsoft.com/office/drawing/2014/main" id="{910529EA-0A30-0F41-8B00-70C034998703}"/>
+              </a:ext>
+            </a:extLst>
+          </p:cNvPr>
+          <p:cNvCxnSpPr>
+            <a:cxnSpLocks/>
+            <a:endCxn id="35" idx="0"/>
+          </p:cNvCxnSpPr>
+          <p:nvPr/>
+        </p:nvCxnSpPr>
+        <p:spPr>
+          <a:xfrm>
+            <a:off x="6221658" y="2219747"/>
+            <a:ext cx="0" cy="635754"/>
+          </a:xfrm>
+          <a:prstGeom prst="straightConnector1">
+            <a:avLst/>
+          </a:prstGeom>
+          <a:ln w="38100">
+            <a:solidFill>
+              <a:schemeClr val="tx1"/>
+            </a:solidFill>
+            <a:tailEnd type="triangle"/>
+          </a:ln>
+        </p:spPr>
+        <p:style>
+          <a:lnRef idx="1">
+            <a:schemeClr val="accent1"/>
+          </a:lnRef>
+          <a:fillRef idx="0">
+            <a:schemeClr val="accent1"/>
+          </a:fillRef>
+          <a:effectRef idx="0">
+            <a:schemeClr val="accent1"/>
+          </a:effectRef>
+          <a:fontRef idx="minor">
+            <a:schemeClr val="tx1"/>
+          </a:fontRef>
+        </p:style>
+      </p:cxnSp>
+      <p:pic>
+        <p:nvPicPr>
+          <p:cNvPr id="48" name="Picture 47">
+            <a:extLst>
+              <a:ext uri="{FF2B5EF4-FFF2-40B4-BE49-F238E27FC236}">
+                <a16:creationId xmlns:a16="http://schemas.microsoft.com/office/drawing/2014/main" id="{2A00D37F-826F-FE42-B5A9-070E0D3FCC63}"/>
+              </a:ext>
+            </a:extLst>
+          </p:cNvPr>
+          <p:cNvPicPr>
+            <a:picLocks noChangeAspect="1"/>
+          </p:cNvPicPr>
+          <p:nvPr/>
+        </p:nvPicPr>
+        <p:blipFill>
+          <a:blip r:embed="rId7"/>
+          <a:stretch>
+            <a:fillRect/>
+          </a:stretch>
+        </p:blipFill>
+        <p:spPr>
+          <a:xfrm>
+            <a:off x="5596598" y="2211188"/>
+            <a:ext cx="487253" cy="487253"/>
+          </a:xfrm>
+          <a:prstGeom prst="rect">
+            <a:avLst/>
+          </a:prstGeom>
+        </p:spPr>
+      </p:pic>
+      <p:sp>
+        <p:nvSpPr>
+          <p:cNvPr id="49" name="TextBox 48">
+            <a:extLst>
+              <a:ext uri="{FF2B5EF4-FFF2-40B4-BE49-F238E27FC236}">
+                <a16:creationId xmlns:a16="http://schemas.microsoft.com/office/drawing/2014/main" id="{A3CA1B7E-8BC1-6745-BA93-973FF70923C5}"/>
+              </a:ext>
+            </a:extLst>
+          </p:cNvPr>
+          <p:cNvSpPr txBox="1"/>
+          <p:nvPr/>
+        </p:nvSpPr>
+        <p:spPr>
+          <a:xfrm>
+            <a:off x="6250501" y="2286082"/>
+            <a:ext cx="1386273" cy="369332"/>
+          </a:xfrm>
+          <a:prstGeom prst="rect">
+            <a:avLst/>
+          </a:prstGeom>
+          <a:noFill/>
+        </p:spPr>
+        <p:txBody>
+          <a:bodyPr wrap="square" rtlCol="0">
+            <a:spAutoFit/>
+          </a:bodyPr>
+          <a:lstStyle/>
+          <a:p>
+            <a:r>
+              <a:rPr lang="en-US" dirty="0">
+                <a:solidFill>
+                  <a:srgbClr val="0070C0"/>
+                </a:solidFill>
+              </a:rPr>
+              <a:t>Salt</a:t>
+            </a:r>
+          </a:p>
+        </p:txBody>
+      </p:sp>
+      <p:pic>
+        <p:nvPicPr>
+          <p:cNvPr id="58" name="Picture 57">
+            <a:extLst>
+              <a:ext uri="{FF2B5EF4-FFF2-40B4-BE49-F238E27FC236}">
+                <a16:creationId xmlns:a16="http://schemas.microsoft.com/office/drawing/2014/main" id="{8D58C6C8-B086-5045-AE8E-148E0068CAA8}"/>
+              </a:ext>
+            </a:extLst>
+          </p:cNvPr>
+          <p:cNvPicPr>
+            <a:picLocks noChangeAspect="1"/>
+          </p:cNvPicPr>
+          <p:nvPr/>
+        </p:nvPicPr>
+        <p:blipFill>
+          <a:blip r:embed="rId8"/>
+          <a:stretch>
+            <a:fillRect/>
+          </a:stretch>
+        </p:blipFill>
+        <p:spPr>
+          <a:xfrm>
+            <a:off x="7569444" y="2676927"/>
+            <a:ext cx="460383" cy="464923"/>
+          </a:xfrm>
+          <a:prstGeom prst="rect">
+            <a:avLst/>
+          </a:prstGeom>
+        </p:spPr>
+      </p:pic>
+      <p:sp>
+        <p:nvSpPr>
+          <p:cNvPr id="59" name="Rectangle 58">
+            <a:extLst>
+              <a:ext uri="{FF2B5EF4-FFF2-40B4-BE49-F238E27FC236}">
+                <a16:creationId xmlns:a16="http://schemas.microsoft.com/office/drawing/2014/main" id="{19CD8C77-F67A-D542-AC48-29FB32EE1CE3}"/>
+              </a:ext>
+            </a:extLst>
+          </p:cNvPr>
+          <p:cNvSpPr/>
+          <p:nvPr/>
+        </p:nvSpPr>
+        <p:spPr>
+          <a:xfrm>
+            <a:off x="7405506" y="3305294"/>
+            <a:ext cx="940771" cy="369332"/>
+          </a:xfrm>
+          <a:prstGeom prst="rect">
+            <a:avLst/>
+          </a:prstGeom>
+        </p:spPr>
+        <p:txBody>
+          <a:bodyPr wrap="none">
+            <a:spAutoFit/>
+          </a:bodyPr>
+          <a:lstStyle/>
+          <a:p>
+            <a:pPr algn="ctr"/>
+            <a:r>
+              <a:rPr kumimoji="1" lang="en-US" altLang="ja-JP" b="1" dirty="0">
+                <a:solidFill>
+                  <a:srgbClr val="FF0000"/>
+                </a:solidFill>
+              </a:rPr>
+              <a:t>AES Key</a:t>
+            </a:r>
+          </a:p>
+        </p:txBody>
+      </p:sp>
+      <p:cxnSp>
+        <p:nvCxnSpPr>
+          <p:cNvPr id="64" name="直線矢印コネクタ 6">
+            <a:extLst>
+              <a:ext uri="{FF2B5EF4-FFF2-40B4-BE49-F238E27FC236}">
+                <a16:creationId xmlns:a16="http://schemas.microsoft.com/office/drawing/2014/main" id="{2A063931-C121-1544-99B8-AE48475003D5}"/>
+              </a:ext>
+            </a:extLst>
+          </p:cNvPr>
+          <p:cNvCxnSpPr>
+            <a:cxnSpLocks/>
+          </p:cNvCxnSpPr>
+          <p:nvPr/>
+        </p:nvCxnSpPr>
+        <p:spPr>
+          <a:xfrm>
+            <a:off x="9332364" y="2211188"/>
+            <a:ext cx="0" cy="635754"/>
+          </a:xfrm>
+          <a:prstGeom prst="straightConnector1">
+            <a:avLst/>
+          </a:prstGeom>
+          <a:ln w="38100">
+            <a:solidFill>
+              <a:schemeClr val="tx1"/>
+            </a:solidFill>
+            <a:tailEnd type="triangle"/>
+          </a:ln>
+        </p:spPr>
+        <p:style>
+          <a:lnRef idx="1">
+            <a:schemeClr val="accent1"/>
+          </a:lnRef>
+          <a:fillRef idx="0">
+            <a:schemeClr val="accent1"/>
+          </a:fillRef>
+          <a:effectRef idx="0">
+            <a:schemeClr val="accent1"/>
+          </a:effectRef>
+          <a:fontRef idx="minor">
+            <a:schemeClr val="tx1"/>
+          </a:fontRef>
+        </p:style>
+      </p:cxnSp>
+      <p:cxnSp>
+        <p:nvCxnSpPr>
+          <p:cNvPr id="65" name="直線矢印コネクタ 6">
+            <a:extLst>
+              <a:ext uri="{FF2B5EF4-FFF2-40B4-BE49-F238E27FC236}">
+                <a16:creationId xmlns:a16="http://schemas.microsoft.com/office/drawing/2014/main" id="{6E771382-CF3D-7743-9B47-CC04E8B6B82D}"/>
+              </a:ext>
+            </a:extLst>
+          </p:cNvPr>
+          <p:cNvCxnSpPr>
+            <a:cxnSpLocks/>
+            <a:endCxn id="13" idx="2"/>
+          </p:cNvCxnSpPr>
+          <p:nvPr/>
+        </p:nvCxnSpPr>
+        <p:spPr>
+          <a:xfrm flipV="1">
+            <a:off x="9331114" y="3680219"/>
+            <a:ext cx="1250" cy="668261"/>
+          </a:xfrm>
+          <a:prstGeom prst="straightConnector1">
+            <a:avLst/>
+          </a:prstGeom>
+          <a:ln w="38100">
+            <a:solidFill>
+              <a:schemeClr val="tx1"/>
+            </a:solidFill>
+            <a:tailEnd type="triangle"/>
+          </a:ln>
+        </p:spPr>
+        <p:style>
+          <a:lnRef idx="1">
+            <a:schemeClr val="accent1"/>
+          </a:lnRef>
+          <a:fillRef idx="0">
+            <a:schemeClr val="accent1"/>
+          </a:fillRef>
+          <a:effectRef idx="0">
+            <a:schemeClr val="accent1"/>
+          </a:effectRef>
+          <a:fontRef idx="minor">
+            <a:schemeClr val="tx1"/>
+          </a:fontRef>
+        </p:style>
+      </p:cxnSp>
+      <p:pic>
+        <p:nvPicPr>
+          <p:cNvPr id="68" name="Picture 67">
+            <a:extLst>
+              <a:ext uri="{FF2B5EF4-FFF2-40B4-BE49-F238E27FC236}">
+                <a16:creationId xmlns:a16="http://schemas.microsoft.com/office/drawing/2014/main" id="{719BFC19-221A-4144-94CD-6B9F6FBF4EED}"/>
+              </a:ext>
+            </a:extLst>
+          </p:cNvPr>
+          <p:cNvPicPr>
+            <a:picLocks noChangeAspect="1"/>
+          </p:cNvPicPr>
+          <p:nvPr/>
+        </p:nvPicPr>
+        <p:blipFill>
+          <a:blip r:embed="rId7"/>
+          <a:stretch>
+            <a:fillRect/>
+          </a:stretch>
+        </p:blipFill>
+        <p:spPr>
+          <a:xfrm>
+            <a:off x="8741851" y="3827811"/>
+            <a:ext cx="487253" cy="487253"/>
+          </a:xfrm>
+          <a:prstGeom prst="rect">
+            <a:avLst/>
+          </a:prstGeom>
+        </p:spPr>
+      </p:pic>
+      <p:sp>
+        <p:nvSpPr>
+          <p:cNvPr id="69" name="TextBox 68">
+            <a:extLst>
+              <a:ext uri="{FF2B5EF4-FFF2-40B4-BE49-F238E27FC236}">
+                <a16:creationId xmlns:a16="http://schemas.microsoft.com/office/drawing/2014/main" id="{F47B682C-5C37-B94C-85DF-930433E295C4}"/>
+              </a:ext>
+            </a:extLst>
+          </p:cNvPr>
+          <p:cNvSpPr txBox="1"/>
+          <p:nvPr/>
+        </p:nvSpPr>
+        <p:spPr>
+          <a:xfrm>
+            <a:off x="9336021" y="3879626"/>
+            <a:ext cx="1386273" cy="369332"/>
+          </a:xfrm>
+          <a:prstGeom prst="rect">
+            <a:avLst/>
+          </a:prstGeom>
+          <a:noFill/>
+        </p:spPr>
+        <p:txBody>
+          <a:bodyPr wrap="square" rtlCol="0">
+            <a:spAutoFit/>
+          </a:bodyPr>
+          <a:lstStyle/>
+          <a:p>
+            <a:r>
+              <a:rPr lang="en-US" dirty="0">
+                <a:solidFill>
+                  <a:srgbClr val="0070C0"/>
+                </a:solidFill>
+              </a:rPr>
+              <a:t>Initial Vector</a:t>
+            </a:r>
+          </a:p>
+        </p:txBody>
+      </p:sp>
+    </p:spTree>
+    <p:extLst>
+      <p:ext uri="{BB962C8B-B14F-4D97-AF65-F5344CB8AC3E}">
+        <p14:creationId xmlns:p14="http://schemas.microsoft.com/office/powerpoint/2010/main" val="756178985"/>
+      </p:ext>
+    </p:extLst>
+  </p:cSld>
+  <p:clrMapOvr>
+    <a:masterClrMapping/>
+  </p:clrMapOvr>
+</p:sld>
+</file>
+
+<file path=ppt/slides/slide34.xml><?xml version="1.0" encoding="utf-8"?>
+<p:sld xmlns:a="http://schemas.openxmlformats.org/drawingml/2006/main" xmlns:r="http://schemas.openxmlformats.org/officeDocument/2006/relationships" xmlns:p="http://schemas.openxmlformats.org/presentationml/2006/main">
+  <p:cSld>
+    <p:spTree>
+      <p:nvGrpSpPr>
+        <p:cNvPr id="1" name=""/>
+        <p:cNvGrpSpPr/>
+        <p:nvPr/>
+      </p:nvGrpSpPr>
+      <p:grpSpPr>
+        <a:xfrm>
+          <a:off x="0" y="0"/>
+          <a:ext cx="0" cy="0"/>
+          <a:chOff x="0" y="0"/>
+          <a:chExt cx="0" cy="0"/>
+        </a:xfrm>
+      </p:grpSpPr>
+      <p:sp>
+        <p:nvSpPr>
+          <p:cNvPr id="4" name="四角形: 角を丸くする 4">
+            <a:extLst>
+              <a:ext uri="{FF2B5EF4-FFF2-40B4-BE49-F238E27FC236}">
+                <a16:creationId xmlns:a16="http://schemas.microsoft.com/office/drawing/2014/main" id="{9B2F285A-5DA8-B44D-A287-64FE10469FC5}"/>
+              </a:ext>
+            </a:extLst>
+          </p:cNvPr>
+          <p:cNvSpPr/>
+          <p:nvPr/>
+        </p:nvSpPr>
+        <p:spPr>
+          <a:xfrm>
+            <a:off x="4588346" y="2447639"/>
+            <a:ext cx="1608300" cy="824719"/>
+          </a:xfrm>
+          <a:prstGeom prst="roundRect">
+            <a:avLst/>
+          </a:prstGeom>
+          <a:solidFill>
+            <a:schemeClr val="accent6">
+              <a:lumMod val="20000"/>
+              <a:lumOff val="80000"/>
+            </a:schemeClr>
+          </a:solidFill>
+          <a:ln w="38100"/>
+        </p:spPr>
+        <p:style>
+          <a:lnRef idx="2">
+            <a:schemeClr val="accent1"/>
+          </a:lnRef>
+          <a:fillRef idx="1">
+            <a:schemeClr val="lt1"/>
+          </a:fillRef>
+          <a:effectRef idx="0">
+            <a:schemeClr val="accent1"/>
+          </a:effectRef>
+          <a:fontRef idx="minor">
+            <a:schemeClr val="dk1"/>
+          </a:fontRef>
+        </p:style>
+        <p:txBody>
+          <a:bodyPr rtlCol="0" anchor="ctr"/>
+          <a:lstStyle/>
+          <a:p>
+            <a:pPr algn="ctr"/>
+            <a:r>
+              <a:rPr kumimoji="1" lang="en-US" altLang="ja-JP" b="1" dirty="0"/>
+              <a:t>Public Key Encryption 1</a:t>
+            </a:r>
+            <a:endParaRPr kumimoji="1" lang="en-US" altLang="ja-JP" b="1" dirty="0">
+              <a:solidFill>
+                <a:srgbClr val="FF0000"/>
+              </a:solidFill>
+            </a:endParaRPr>
+          </a:p>
+        </p:txBody>
+      </p:sp>
+      <p:pic>
+        <p:nvPicPr>
+          <p:cNvPr id="5" name="Picture 14">
+            <a:extLst>
+              <a:ext uri="{FF2B5EF4-FFF2-40B4-BE49-F238E27FC236}">
+                <a16:creationId xmlns:a16="http://schemas.microsoft.com/office/drawing/2014/main" id="{50746E6F-2AD6-CB45-803D-0B65965F57C2}"/>
+              </a:ext>
+            </a:extLst>
+          </p:cNvPr>
+          <p:cNvPicPr>
+            <a:picLocks noChangeAspect="1"/>
+          </p:cNvPicPr>
+          <p:nvPr/>
+        </p:nvPicPr>
+        <p:blipFill>
+          <a:blip r:embed="rId2"/>
+          <a:stretch>
+            <a:fillRect/>
+          </a:stretch>
+        </p:blipFill>
+        <p:spPr>
+          <a:xfrm rot="16200000">
+            <a:off x="7129849" y="2281352"/>
+            <a:ext cx="219766" cy="695926"/>
+          </a:xfrm>
+          <a:prstGeom prst="rect">
+            <a:avLst/>
+          </a:prstGeom>
+        </p:spPr>
+      </p:pic>
+      <p:sp>
+        <p:nvSpPr>
+          <p:cNvPr id="6" name="TextBox 15">
+            <a:extLst>
+              <a:ext uri="{FF2B5EF4-FFF2-40B4-BE49-F238E27FC236}">
+                <a16:creationId xmlns:a16="http://schemas.microsoft.com/office/drawing/2014/main" id="{FA13212B-0BB6-314D-8A0C-E873C194CBC8}"/>
+              </a:ext>
+            </a:extLst>
+          </p:cNvPr>
+          <p:cNvSpPr txBox="1"/>
+          <p:nvPr/>
+        </p:nvSpPr>
+        <p:spPr>
+          <a:xfrm>
+            <a:off x="3179362" y="2881513"/>
+            <a:ext cx="1386273" cy="369332"/>
+          </a:xfrm>
+          <a:prstGeom prst="rect">
+            <a:avLst/>
+          </a:prstGeom>
+          <a:noFill/>
+        </p:spPr>
+        <p:txBody>
+          <a:bodyPr wrap="square" rtlCol="0">
+            <a:spAutoFit/>
+          </a:bodyPr>
+          <a:lstStyle/>
+          <a:p>
+            <a:r>
+              <a:rPr lang="en-US" b="1" dirty="0">
+                <a:solidFill>
+                  <a:srgbClr val="7030A0"/>
+                </a:solidFill>
+              </a:rPr>
+              <a:t>Public Key 1</a:t>
+            </a:r>
+          </a:p>
+        </p:txBody>
+      </p:sp>
+      <p:cxnSp>
+        <p:nvCxnSpPr>
+          <p:cNvPr id="9" name="直線矢印コネクタ 6">
+            <a:extLst>
+              <a:ext uri="{FF2B5EF4-FFF2-40B4-BE49-F238E27FC236}">
+                <a16:creationId xmlns:a16="http://schemas.microsoft.com/office/drawing/2014/main" id="{9CBDF282-E581-AF40-A479-F6628AA9E692}"/>
+              </a:ext>
+            </a:extLst>
+          </p:cNvPr>
+          <p:cNvCxnSpPr>
+            <a:cxnSpLocks/>
+            <a:endCxn id="4" idx="1"/>
+          </p:cNvCxnSpPr>
+          <p:nvPr/>
+        </p:nvCxnSpPr>
+        <p:spPr>
+          <a:xfrm>
+            <a:off x="3364706" y="2859999"/>
+            <a:ext cx="1223640" cy="0"/>
+          </a:xfrm>
+          <a:prstGeom prst="straightConnector1">
+            <a:avLst/>
+          </a:prstGeom>
+          <a:ln w="38100">
+            <a:solidFill>
+              <a:schemeClr val="tx1"/>
+            </a:solidFill>
+            <a:tailEnd type="triangle"/>
+          </a:ln>
+        </p:spPr>
+        <p:style>
+          <a:lnRef idx="1">
+            <a:schemeClr val="accent1"/>
+          </a:lnRef>
+          <a:fillRef idx="0">
+            <a:schemeClr val="accent1"/>
+          </a:fillRef>
+          <a:effectRef idx="0">
+            <a:schemeClr val="accent1"/>
+          </a:effectRef>
+          <a:fontRef idx="minor">
+            <a:schemeClr val="tx1"/>
+          </a:fontRef>
+        </p:style>
+      </p:cxnSp>
+      <p:pic>
+        <p:nvPicPr>
+          <p:cNvPr id="10" name="Picture 9">
+            <a:extLst>
+              <a:ext uri="{FF2B5EF4-FFF2-40B4-BE49-F238E27FC236}">
+                <a16:creationId xmlns:a16="http://schemas.microsoft.com/office/drawing/2014/main" id="{C54312B1-F0F9-144E-93F3-CA804C861999}"/>
+              </a:ext>
+            </a:extLst>
+          </p:cNvPr>
+          <p:cNvPicPr>
+            <a:picLocks noChangeAspect="1"/>
+          </p:cNvPicPr>
+          <p:nvPr/>
+        </p:nvPicPr>
+        <p:blipFill>
+          <a:blip r:embed="rId3"/>
+          <a:stretch>
+            <a:fillRect/>
+          </a:stretch>
+        </p:blipFill>
+        <p:spPr>
+          <a:xfrm>
+            <a:off x="3489469" y="2405597"/>
+            <a:ext cx="882197" cy="441099"/>
+          </a:xfrm>
+          <a:prstGeom prst="rect">
+            <a:avLst/>
+          </a:prstGeom>
+        </p:spPr>
+      </p:pic>
+      <p:pic>
+        <p:nvPicPr>
+          <p:cNvPr id="16" name="Picture 15">
+            <a:extLst>
+              <a:ext uri="{FF2B5EF4-FFF2-40B4-BE49-F238E27FC236}">
+                <a16:creationId xmlns:a16="http://schemas.microsoft.com/office/drawing/2014/main" id="{78ABB6EC-29EE-C24C-899A-7B00A3409077}"/>
+              </a:ext>
+            </a:extLst>
+          </p:cNvPr>
+          <p:cNvPicPr>
+            <a:picLocks noChangeAspect="1"/>
+          </p:cNvPicPr>
+          <p:nvPr/>
+        </p:nvPicPr>
+        <p:blipFill>
+          <a:blip r:embed="rId4"/>
+          <a:stretch>
+            <a:fillRect/>
+          </a:stretch>
+        </p:blipFill>
+        <p:spPr>
+          <a:xfrm>
+            <a:off x="1485062" y="3354049"/>
+            <a:ext cx="569430" cy="605357"/>
+          </a:xfrm>
+          <a:prstGeom prst="rect">
+            <a:avLst/>
+          </a:prstGeom>
+        </p:spPr>
+      </p:pic>
+      <p:sp>
+        <p:nvSpPr>
+          <p:cNvPr id="17" name="四角形: 角を丸くする 4">
+            <a:extLst>
+              <a:ext uri="{FF2B5EF4-FFF2-40B4-BE49-F238E27FC236}">
+                <a16:creationId xmlns:a16="http://schemas.microsoft.com/office/drawing/2014/main" id="{939DA3D8-9683-A74B-96AB-603F9D630E92}"/>
+              </a:ext>
+            </a:extLst>
+          </p:cNvPr>
+          <p:cNvSpPr/>
+          <p:nvPr/>
+        </p:nvSpPr>
+        <p:spPr>
+          <a:xfrm>
+            <a:off x="1485062" y="2425484"/>
+            <a:ext cx="1386267" cy="824718"/>
+          </a:xfrm>
+          <a:prstGeom prst="roundRect">
+            <a:avLst/>
+          </a:prstGeom>
+          <a:solidFill>
+            <a:srgbClr val="FFFF00"/>
+          </a:solidFill>
+          <a:ln w="38100"/>
+        </p:spPr>
+        <p:style>
+          <a:lnRef idx="2">
+            <a:schemeClr val="accent1"/>
+          </a:lnRef>
+          <a:fillRef idx="1">
+            <a:schemeClr val="lt1"/>
+          </a:fillRef>
+          <a:effectRef idx="0">
+            <a:schemeClr val="accent1"/>
+          </a:effectRef>
+          <a:fontRef idx="minor">
+            <a:schemeClr val="dk1"/>
+          </a:fontRef>
+        </p:style>
+        <p:txBody>
+          <a:bodyPr rtlCol="0" anchor="ctr"/>
+          <a:lstStyle/>
+          <a:p>
+            <a:pPr algn="ctr"/>
+            <a:r>
+              <a:rPr kumimoji="1" lang="en-US" altLang="ja-JP" b="1" dirty="0"/>
+              <a:t>AES Encryption</a:t>
+            </a:r>
+          </a:p>
+        </p:txBody>
+      </p:sp>
+      <p:cxnSp>
+        <p:nvCxnSpPr>
+          <p:cNvPr id="18" name="直線矢印コネクタ 6">
+            <a:extLst>
+              <a:ext uri="{FF2B5EF4-FFF2-40B4-BE49-F238E27FC236}">
+                <a16:creationId xmlns:a16="http://schemas.microsoft.com/office/drawing/2014/main" id="{BE1EB4BB-750C-E244-B6FC-78CFF0690C84}"/>
+              </a:ext>
+            </a:extLst>
+          </p:cNvPr>
+          <p:cNvCxnSpPr>
+            <a:cxnSpLocks/>
+            <a:endCxn id="17" idx="1"/>
+          </p:cNvCxnSpPr>
+          <p:nvPr/>
+        </p:nvCxnSpPr>
+        <p:spPr>
+          <a:xfrm>
+            <a:off x="358607" y="2837843"/>
+            <a:ext cx="1126455" cy="0"/>
+          </a:xfrm>
+          <a:prstGeom prst="straightConnector1">
+            <a:avLst/>
+          </a:prstGeom>
+          <a:ln w="38100">
+            <a:solidFill>
+              <a:schemeClr val="tx1"/>
+            </a:solidFill>
+            <a:tailEnd type="triangle"/>
+          </a:ln>
+        </p:spPr>
+        <p:style>
+          <a:lnRef idx="1">
+            <a:schemeClr val="accent1"/>
+          </a:lnRef>
+          <a:fillRef idx="0">
+            <a:schemeClr val="accent1"/>
+          </a:fillRef>
+          <a:effectRef idx="0">
+            <a:schemeClr val="accent1"/>
+          </a:effectRef>
+          <a:fontRef idx="minor">
+            <a:schemeClr val="tx1"/>
+          </a:fontRef>
+        </p:style>
+      </p:cxnSp>
+      <p:pic>
+        <p:nvPicPr>
+          <p:cNvPr id="19" name="Picture 18">
+            <a:extLst>
+              <a:ext uri="{FF2B5EF4-FFF2-40B4-BE49-F238E27FC236}">
+                <a16:creationId xmlns:a16="http://schemas.microsoft.com/office/drawing/2014/main" id="{B5C19DB3-B849-6843-963B-0D367883CB7D}"/>
+              </a:ext>
+            </a:extLst>
+          </p:cNvPr>
+          <p:cNvPicPr>
+            <a:picLocks noChangeAspect="1"/>
+          </p:cNvPicPr>
+          <p:nvPr/>
+        </p:nvPicPr>
+        <p:blipFill>
+          <a:blip r:embed="rId5"/>
+          <a:stretch>
+            <a:fillRect/>
+          </a:stretch>
+        </p:blipFill>
+        <p:spPr>
+          <a:xfrm>
+            <a:off x="1485062" y="1653406"/>
+            <a:ext cx="589263" cy="589263"/>
+          </a:xfrm>
+          <a:prstGeom prst="rect">
+            <a:avLst/>
+          </a:prstGeom>
+        </p:spPr>
+      </p:pic>
+      <p:sp>
+        <p:nvSpPr>
+          <p:cNvPr id="20" name="TextBox 19">
+            <a:extLst>
+              <a:ext uri="{FF2B5EF4-FFF2-40B4-BE49-F238E27FC236}">
+                <a16:creationId xmlns:a16="http://schemas.microsoft.com/office/drawing/2014/main" id="{262799DC-A200-7C41-8093-43C658A45246}"/>
+              </a:ext>
+            </a:extLst>
+          </p:cNvPr>
+          <p:cNvSpPr txBox="1"/>
+          <p:nvPr/>
+        </p:nvSpPr>
+        <p:spPr>
+          <a:xfrm>
+            <a:off x="2130774" y="1716280"/>
+            <a:ext cx="1074008" cy="646331"/>
+          </a:xfrm>
+          <a:prstGeom prst="rect">
+            <a:avLst/>
+          </a:prstGeom>
+          <a:noFill/>
+        </p:spPr>
+        <p:txBody>
+          <a:bodyPr wrap="square" rtlCol="0">
+            <a:spAutoFit/>
+          </a:bodyPr>
+          <a:lstStyle/>
+          <a:p>
+            <a:pPr algn="ctr"/>
+            <a:r>
+              <a:rPr lang="en-US" b="1" dirty="0">
+                <a:solidFill>
+                  <a:srgbClr val="0070C0"/>
+                </a:solidFill>
+              </a:rPr>
+              <a:t>Plaintext Data</a:t>
+            </a:r>
+          </a:p>
+        </p:txBody>
+      </p:sp>
+      <p:cxnSp>
+        <p:nvCxnSpPr>
+          <p:cNvPr id="21" name="直線矢印コネクタ 6">
+            <a:extLst>
+              <a:ext uri="{FF2B5EF4-FFF2-40B4-BE49-F238E27FC236}">
+                <a16:creationId xmlns:a16="http://schemas.microsoft.com/office/drawing/2014/main" id="{9C40BB38-D2DE-DB4E-9BCD-18A5D40970B5}"/>
+              </a:ext>
+            </a:extLst>
+          </p:cNvPr>
+          <p:cNvCxnSpPr>
+            <a:cxnSpLocks/>
+            <a:stCxn id="17" idx="2"/>
+          </p:cNvCxnSpPr>
+          <p:nvPr/>
+        </p:nvCxnSpPr>
+        <p:spPr>
+          <a:xfrm>
+            <a:off x="2178196" y="3250202"/>
+            <a:ext cx="0" cy="682862"/>
+          </a:xfrm>
+          <a:prstGeom prst="straightConnector1">
+            <a:avLst/>
+          </a:prstGeom>
+          <a:ln w="38100">
+            <a:solidFill>
+              <a:schemeClr val="tx1"/>
+            </a:solidFill>
+            <a:tailEnd type="triangle"/>
+          </a:ln>
+        </p:spPr>
+        <p:style>
+          <a:lnRef idx="1">
+            <a:schemeClr val="accent1"/>
+          </a:lnRef>
+          <a:fillRef idx="0">
+            <a:schemeClr val="accent1"/>
+          </a:fillRef>
+          <a:effectRef idx="0">
+            <a:schemeClr val="accent1"/>
+          </a:effectRef>
+          <a:fontRef idx="minor">
+            <a:schemeClr val="tx1"/>
+          </a:fontRef>
+        </p:style>
+      </p:cxnSp>
+      <p:sp>
+        <p:nvSpPr>
+          <p:cNvPr id="22" name="Rectangle 21">
+            <a:extLst>
+              <a:ext uri="{FF2B5EF4-FFF2-40B4-BE49-F238E27FC236}">
+                <a16:creationId xmlns:a16="http://schemas.microsoft.com/office/drawing/2014/main" id="{0B4DBCF3-070F-F049-9423-2032F9B1F610}"/>
+              </a:ext>
+            </a:extLst>
+          </p:cNvPr>
+          <p:cNvSpPr/>
+          <p:nvPr/>
+        </p:nvSpPr>
+        <p:spPr>
+          <a:xfrm>
+            <a:off x="2130774" y="3313075"/>
+            <a:ext cx="1255095" cy="646331"/>
+          </a:xfrm>
+          <a:prstGeom prst="rect">
+            <a:avLst/>
+          </a:prstGeom>
+        </p:spPr>
+        <p:txBody>
+          <a:bodyPr wrap="square">
+            <a:spAutoFit/>
+          </a:bodyPr>
+          <a:lstStyle/>
+          <a:p>
+            <a:pPr algn="ctr"/>
+            <a:r>
+              <a:rPr kumimoji="1" lang="en-US" altLang="ja-JP" b="1" dirty="0"/>
+              <a:t>Encrypted Data</a:t>
+            </a:r>
+          </a:p>
+        </p:txBody>
+      </p:sp>
+      <p:pic>
+        <p:nvPicPr>
+          <p:cNvPr id="23" name="Picture 22">
+            <a:extLst>
+              <a:ext uri="{FF2B5EF4-FFF2-40B4-BE49-F238E27FC236}">
+                <a16:creationId xmlns:a16="http://schemas.microsoft.com/office/drawing/2014/main" id="{2B225999-9F0D-1949-921B-EC816FF53C4E}"/>
+              </a:ext>
+            </a:extLst>
+          </p:cNvPr>
+          <p:cNvPicPr>
+            <a:picLocks noChangeAspect="1"/>
+          </p:cNvPicPr>
+          <p:nvPr/>
+        </p:nvPicPr>
+        <p:blipFill>
+          <a:blip r:embed="rId6"/>
+          <a:stretch>
+            <a:fillRect/>
+          </a:stretch>
+        </p:blipFill>
+        <p:spPr>
+          <a:xfrm>
+            <a:off x="612776" y="2349527"/>
+            <a:ext cx="460383" cy="464923"/>
+          </a:xfrm>
+          <a:prstGeom prst="rect">
+            <a:avLst/>
+          </a:prstGeom>
+        </p:spPr>
+      </p:pic>
+      <p:sp>
+        <p:nvSpPr>
+          <p:cNvPr id="24" name="Rectangle 23">
+            <a:extLst>
+              <a:ext uri="{FF2B5EF4-FFF2-40B4-BE49-F238E27FC236}">
+                <a16:creationId xmlns:a16="http://schemas.microsoft.com/office/drawing/2014/main" id="{A7C738EE-C761-604C-914D-6DCEEFD2423C}"/>
+              </a:ext>
+            </a:extLst>
+          </p:cNvPr>
+          <p:cNvSpPr/>
+          <p:nvPr/>
+        </p:nvSpPr>
+        <p:spPr>
+          <a:xfrm>
+            <a:off x="413816" y="2859999"/>
+            <a:ext cx="940771" cy="369332"/>
+          </a:xfrm>
+          <a:prstGeom prst="rect">
+            <a:avLst/>
+          </a:prstGeom>
+        </p:spPr>
+        <p:txBody>
+          <a:bodyPr wrap="none">
+            <a:spAutoFit/>
+          </a:bodyPr>
+          <a:lstStyle/>
+          <a:p>
+            <a:pPr algn="ctr"/>
+            <a:r>
+              <a:rPr kumimoji="1" lang="en-US" altLang="ja-JP" b="1" dirty="0">
+                <a:solidFill>
+                  <a:srgbClr val="FF0000"/>
+                </a:solidFill>
+              </a:rPr>
+              <a:t>AES Key</a:t>
+            </a:r>
+          </a:p>
+        </p:txBody>
+      </p:sp>
+      <p:cxnSp>
+        <p:nvCxnSpPr>
+          <p:cNvPr id="25" name="直線矢印コネクタ 6">
+            <a:extLst>
+              <a:ext uri="{FF2B5EF4-FFF2-40B4-BE49-F238E27FC236}">
+                <a16:creationId xmlns:a16="http://schemas.microsoft.com/office/drawing/2014/main" id="{4131E552-95B6-A644-B659-39A4F670EBE6}"/>
+              </a:ext>
+            </a:extLst>
+          </p:cNvPr>
+          <p:cNvCxnSpPr>
+            <a:cxnSpLocks/>
+            <a:endCxn id="17" idx="0"/>
+          </p:cNvCxnSpPr>
+          <p:nvPr/>
+        </p:nvCxnSpPr>
+        <p:spPr>
+          <a:xfrm>
+            <a:off x="2178196" y="1653406"/>
+            <a:ext cx="0" cy="772078"/>
+          </a:xfrm>
+          <a:prstGeom prst="straightConnector1">
+            <a:avLst/>
+          </a:prstGeom>
+          <a:ln w="38100">
+            <a:solidFill>
+              <a:schemeClr val="tx1"/>
+            </a:solidFill>
+            <a:tailEnd type="triangle"/>
+          </a:ln>
+        </p:spPr>
+        <p:style>
+          <a:lnRef idx="1">
+            <a:schemeClr val="accent1"/>
+          </a:lnRef>
+          <a:fillRef idx="0">
+            <a:schemeClr val="accent1"/>
+          </a:fillRef>
+          <a:effectRef idx="0">
+            <a:schemeClr val="accent1"/>
+          </a:effectRef>
+          <a:fontRef idx="minor">
+            <a:schemeClr val="tx1"/>
+          </a:fontRef>
+        </p:style>
+      </p:cxnSp>
+      <p:cxnSp>
+        <p:nvCxnSpPr>
+          <p:cNvPr id="32" name="Elbow Connector 31">
+            <a:extLst>
+              <a:ext uri="{FF2B5EF4-FFF2-40B4-BE49-F238E27FC236}">
+                <a16:creationId xmlns:a16="http://schemas.microsoft.com/office/drawing/2014/main" id="{6F667000-D737-9C4A-84BA-5D6A64CFF1EC}"/>
+              </a:ext>
+            </a:extLst>
+          </p:cNvPr>
+          <p:cNvCxnSpPr>
+            <a:cxnSpLocks/>
+            <a:stCxn id="23" idx="0"/>
+            <a:endCxn id="4" idx="0"/>
+          </p:cNvCxnSpPr>
+          <p:nvPr/>
+        </p:nvCxnSpPr>
+        <p:spPr>
+          <a:xfrm rot="16200000" flipH="1">
+            <a:off x="3068676" y="123819"/>
+            <a:ext cx="98112" cy="4549528"/>
+          </a:xfrm>
+          <a:prstGeom prst="bentConnector3">
+            <a:avLst>
+              <a:gd name="adj1" fmla="val -1123573"/>
+            </a:avLst>
+          </a:prstGeom>
+          <a:ln w="38100">
+            <a:solidFill>
+              <a:schemeClr val="tx1"/>
+            </a:solidFill>
+            <a:tailEnd type="triangle"/>
+          </a:ln>
+        </p:spPr>
+        <p:style>
+          <a:lnRef idx="1">
+            <a:schemeClr val="accent1"/>
+          </a:lnRef>
+          <a:fillRef idx="0">
+            <a:schemeClr val="accent1"/>
+          </a:fillRef>
+          <a:effectRef idx="0">
+            <a:schemeClr val="accent1"/>
+          </a:effectRef>
+          <a:fontRef idx="minor">
+            <a:schemeClr val="tx1"/>
+          </a:fontRef>
+        </p:style>
+      </p:cxnSp>
+      <p:sp>
+        <p:nvSpPr>
+          <p:cNvPr id="35" name="四角形: 角を丸くする 4">
+            <a:extLst>
+              <a:ext uri="{FF2B5EF4-FFF2-40B4-BE49-F238E27FC236}">
+                <a16:creationId xmlns:a16="http://schemas.microsoft.com/office/drawing/2014/main" id="{594B9120-9493-5540-A4F9-38C835127514}"/>
+              </a:ext>
+            </a:extLst>
+          </p:cNvPr>
+          <p:cNvSpPr/>
+          <p:nvPr/>
+        </p:nvSpPr>
+        <p:spPr>
+          <a:xfrm>
+            <a:off x="7913663" y="2434336"/>
+            <a:ext cx="1608300" cy="824719"/>
+          </a:xfrm>
+          <a:prstGeom prst="roundRect">
+            <a:avLst/>
+          </a:prstGeom>
+          <a:solidFill>
+            <a:schemeClr val="accent6">
+              <a:lumMod val="20000"/>
+              <a:lumOff val="80000"/>
+            </a:schemeClr>
+          </a:solidFill>
+          <a:ln w="38100"/>
+        </p:spPr>
+        <p:style>
+          <a:lnRef idx="2">
+            <a:schemeClr val="accent1"/>
+          </a:lnRef>
+          <a:fillRef idx="1">
+            <a:schemeClr val="lt1"/>
+          </a:fillRef>
+          <a:effectRef idx="0">
+            <a:schemeClr val="accent1"/>
+          </a:effectRef>
+          <a:fontRef idx="minor">
+            <a:schemeClr val="dk1"/>
+          </a:fontRef>
+        </p:style>
+        <p:txBody>
+          <a:bodyPr rtlCol="0" anchor="ctr"/>
+          <a:lstStyle/>
+          <a:p>
+            <a:pPr algn="ctr"/>
+            <a:r>
+              <a:rPr kumimoji="1" lang="en-US" altLang="ja-JP" b="1" dirty="0"/>
+              <a:t>Public Key Encryption 2</a:t>
+            </a:r>
+            <a:endParaRPr kumimoji="1" lang="en-US" altLang="ja-JP" b="1" dirty="0">
+              <a:solidFill>
+                <a:srgbClr val="FF0000"/>
+              </a:solidFill>
+            </a:endParaRPr>
+          </a:p>
+        </p:txBody>
+      </p:sp>
+      <p:cxnSp>
+        <p:nvCxnSpPr>
+          <p:cNvPr id="36" name="直線矢印コネクタ 6">
+            <a:extLst>
+              <a:ext uri="{FF2B5EF4-FFF2-40B4-BE49-F238E27FC236}">
+                <a16:creationId xmlns:a16="http://schemas.microsoft.com/office/drawing/2014/main" id="{EEDDE230-2516-6E48-ADA5-C5CFB47FF5A9}"/>
+              </a:ext>
+            </a:extLst>
+          </p:cNvPr>
+          <p:cNvCxnSpPr>
+            <a:cxnSpLocks/>
+            <a:endCxn id="35" idx="1"/>
+          </p:cNvCxnSpPr>
+          <p:nvPr/>
+        </p:nvCxnSpPr>
+        <p:spPr>
+          <a:xfrm>
+            <a:off x="6690023" y="2846696"/>
+            <a:ext cx="1223640" cy="0"/>
+          </a:xfrm>
+          <a:prstGeom prst="straightConnector1">
+            <a:avLst/>
+          </a:prstGeom>
+          <a:ln w="38100">
+            <a:solidFill>
+              <a:schemeClr val="tx1"/>
+            </a:solidFill>
+            <a:tailEnd type="triangle"/>
+          </a:ln>
+        </p:spPr>
+        <p:style>
+          <a:lnRef idx="1">
+            <a:schemeClr val="accent1"/>
+          </a:lnRef>
+          <a:fillRef idx="0">
+            <a:schemeClr val="accent1"/>
+          </a:fillRef>
+          <a:effectRef idx="0">
+            <a:schemeClr val="accent1"/>
+          </a:effectRef>
+          <a:fontRef idx="minor">
+            <a:schemeClr val="tx1"/>
+          </a:fontRef>
+        </p:style>
+      </p:cxnSp>
+      <p:sp>
+        <p:nvSpPr>
+          <p:cNvPr id="44" name="TextBox 15">
+            <a:extLst>
+              <a:ext uri="{FF2B5EF4-FFF2-40B4-BE49-F238E27FC236}">
+                <a16:creationId xmlns:a16="http://schemas.microsoft.com/office/drawing/2014/main" id="{8BA3F4E7-872A-D848-92B1-7FDF0F28BC55}"/>
+              </a:ext>
+            </a:extLst>
+          </p:cNvPr>
+          <p:cNvSpPr txBox="1"/>
+          <p:nvPr/>
+        </p:nvSpPr>
+        <p:spPr>
+          <a:xfrm>
+            <a:off x="6565800" y="2923581"/>
+            <a:ext cx="1386273" cy="369332"/>
+          </a:xfrm>
+          <a:prstGeom prst="rect">
+            <a:avLst/>
+          </a:prstGeom>
+          <a:noFill/>
+        </p:spPr>
+        <p:txBody>
+          <a:bodyPr wrap="square" rtlCol="0">
+            <a:spAutoFit/>
+          </a:bodyPr>
+          <a:lstStyle/>
+          <a:p>
+            <a:r>
+              <a:rPr lang="en-US" b="1" dirty="0">
+                <a:solidFill>
+                  <a:srgbClr val="7030A0"/>
+                </a:solidFill>
+              </a:rPr>
+              <a:t>Public Key 2</a:t>
+            </a:r>
+          </a:p>
+        </p:txBody>
+      </p:sp>
+      <p:cxnSp>
+        <p:nvCxnSpPr>
+          <p:cNvPr id="45" name="直線矢印コネクタ 6">
+            <a:extLst>
+              <a:ext uri="{FF2B5EF4-FFF2-40B4-BE49-F238E27FC236}">
+                <a16:creationId xmlns:a16="http://schemas.microsoft.com/office/drawing/2014/main" id="{2406F177-959D-6A42-BBF6-CC9150C77E48}"/>
+              </a:ext>
+            </a:extLst>
+          </p:cNvPr>
+          <p:cNvCxnSpPr>
+            <a:cxnSpLocks/>
+            <a:stCxn id="4" idx="2"/>
+          </p:cNvCxnSpPr>
+          <p:nvPr/>
+        </p:nvCxnSpPr>
+        <p:spPr>
+          <a:xfrm>
+            <a:off x="5392496" y="3272358"/>
+            <a:ext cx="0" cy="660706"/>
+          </a:xfrm>
+          <a:prstGeom prst="straightConnector1">
+            <a:avLst/>
+          </a:prstGeom>
+          <a:ln w="38100">
+            <a:solidFill>
+              <a:schemeClr val="tx1"/>
+            </a:solidFill>
+            <a:tailEnd type="triangle"/>
+          </a:ln>
+        </p:spPr>
+        <p:style>
+          <a:lnRef idx="1">
+            <a:schemeClr val="accent1"/>
+          </a:lnRef>
+          <a:fillRef idx="0">
+            <a:schemeClr val="accent1"/>
+          </a:fillRef>
+          <a:effectRef idx="0">
+            <a:schemeClr val="accent1"/>
+          </a:effectRef>
+          <a:fontRef idx="minor">
+            <a:schemeClr val="tx1"/>
+          </a:fontRef>
+        </p:style>
+      </p:cxnSp>
+      <p:cxnSp>
+        <p:nvCxnSpPr>
+          <p:cNvPr id="48" name="直線矢印コネクタ 6">
+            <a:extLst>
+              <a:ext uri="{FF2B5EF4-FFF2-40B4-BE49-F238E27FC236}">
+                <a16:creationId xmlns:a16="http://schemas.microsoft.com/office/drawing/2014/main" id="{840CD499-69C3-4141-9347-4F995B2B69C1}"/>
+              </a:ext>
+            </a:extLst>
+          </p:cNvPr>
+          <p:cNvCxnSpPr>
+            <a:cxnSpLocks/>
+            <a:stCxn id="35" idx="2"/>
+          </p:cNvCxnSpPr>
+          <p:nvPr/>
+        </p:nvCxnSpPr>
+        <p:spPr>
+          <a:xfrm>
+            <a:off x="8717813" y="3259055"/>
+            <a:ext cx="0" cy="700351"/>
+          </a:xfrm>
+          <a:prstGeom prst="straightConnector1">
+            <a:avLst/>
+          </a:prstGeom>
+          <a:ln w="38100">
+            <a:solidFill>
+              <a:schemeClr val="tx1"/>
+            </a:solidFill>
+            <a:tailEnd type="triangle"/>
+          </a:ln>
+        </p:spPr>
+        <p:style>
+          <a:lnRef idx="1">
+            <a:schemeClr val="accent1"/>
+          </a:lnRef>
+          <a:fillRef idx="0">
+            <a:schemeClr val="accent1"/>
+          </a:fillRef>
+          <a:effectRef idx="0">
+            <a:schemeClr val="accent1"/>
+          </a:effectRef>
+          <a:fontRef idx="minor">
+            <a:schemeClr val="tx1"/>
+          </a:fontRef>
+        </p:style>
+      </p:cxnSp>
+      <p:cxnSp>
+        <p:nvCxnSpPr>
+          <p:cNvPr id="54" name="Elbow Connector 53">
+            <a:extLst>
+              <a:ext uri="{FF2B5EF4-FFF2-40B4-BE49-F238E27FC236}">
+                <a16:creationId xmlns:a16="http://schemas.microsoft.com/office/drawing/2014/main" id="{A84D1DB9-636B-C745-A3AC-ED75F7C49371}"/>
+              </a:ext>
+            </a:extLst>
+          </p:cNvPr>
+          <p:cNvCxnSpPr>
+            <a:cxnSpLocks/>
+            <a:stCxn id="23" idx="0"/>
+            <a:endCxn id="35" idx="0"/>
+          </p:cNvCxnSpPr>
+          <p:nvPr/>
+        </p:nvCxnSpPr>
+        <p:spPr>
+          <a:xfrm rot="16200000" flipH="1">
+            <a:off x="4737985" y="-1545491"/>
+            <a:ext cx="84809" cy="7874845"/>
+          </a:xfrm>
+          <a:prstGeom prst="bentConnector3">
+            <a:avLst>
+              <a:gd name="adj1" fmla="val -1299815"/>
+            </a:avLst>
+          </a:prstGeom>
+          <a:ln w="38100">
+            <a:solidFill>
+              <a:schemeClr val="tx1"/>
+            </a:solidFill>
+            <a:tailEnd type="triangle"/>
+          </a:ln>
+        </p:spPr>
+        <p:style>
+          <a:lnRef idx="1">
+            <a:schemeClr val="accent1"/>
+          </a:lnRef>
+          <a:fillRef idx="0">
+            <a:schemeClr val="accent1"/>
+          </a:fillRef>
+          <a:effectRef idx="0">
+            <a:schemeClr val="accent1"/>
+          </a:effectRef>
+          <a:fontRef idx="minor">
+            <a:schemeClr val="tx1"/>
+          </a:fontRef>
+        </p:style>
+      </p:cxnSp>
+      <p:sp>
+        <p:nvSpPr>
+          <p:cNvPr id="59" name="Rectangle 58">
+            <a:extLst>
+              <a:ext uri="{FF2B5EF4-FFF2-40B4-BE49-F238E27FC236}">
+                <a16:creationId xmlns:a16="http://schemas.microsoft.com/office/drawing/2014/main" id="{FFAA0C8A-E94B-DE45-A36E-ABEA5B0C0F00}"/>
+              </a:ext>
+            </a:extLst>
+          </p:cNvPr>
+          <p:cNvSpPr/>
+          <p:nvPr/>
+        </p:nvSpPr>
+        <p:spPr>
+          <a:xfrm>
+            <a:off x="5392496" y="3300703"/>
+            <a:ext cx="1255095" cy="646331"/>
+          </a:xfrm>
+          <a:prstGeom prst="rect">
+            <a:avLst/>
+          </a:prstGeom>
+        </p:spPr>
+        <p:txBody>
+          <a:bodyPr wrap="square">
+            <a:spAutoFit/>
+          </a:bodyPr>
+          <a:lstStyle/>
+          <a:p>
+            <a:pPr algn="ctr"/>
+            <a:r>
+              <a:rPr kumimoji="1" lang="en-US" altLang="ja-JP" b="1" dirty="0"/>
+              <a:t>Encrypted AES Key 1</a:t>
+            </a:r>
+          </a:p>
+        </p:txBody>
+      </p:sp>
+      <p:sp>
+        <p:nvSpPr>
+          <p:cNvPr id="62" name="Rectangle 61">
+            <a:extLst>
+              <a:ext uri="{FF2B5EF4-FFF2-40B4-BE49-F238E27FC236}">
+                <a16:creationId xmlns:a16="http://schemas.microsoft.com/office/drawing/2014/main" id="{4BBB8172-F8E8-EE4F-A844-3E03581CAC2F}"/>
+              </a:ext>
+            </a:extLst>
+          </p:cNvPr>
+          <p:cNvSpPr/>
+          <p:nvPr/>
+        </p:nvSpPr>
+        <p:spPr>
+          <a:xfrm>
+            <a:off x="8717812" y="3259055"/>
+            <a:ext cx="1255095" cy="646331"/>
+          </a:xfrm>
+          <a:prstGeom prst="rect">
+            <a:avLst/>
+          </a:prstGeom>
+        </p:spPr>
+        <p:txBody>
+          <a:bodyPr wrap="square">
+            <a:spAutoFit/>
+          </a:bodyPr>
+          <a:lstStyle/>
+          <a:p>
+            <a:pPr algn="ctr"/>
+            <a:r>
+              <a:rPr kumimoji="1" lang="en-US" altLang="ja-JP" b="1" dirty="0"/>
+              <a:t>Encrypted AES Key 2</a:t>
+            </a:r>
+          </a:p>
+        </p:txBody>
+      </p:sp>
+      <p:pic>
+        <p:nvPicPr>
+          <p:cNvPr id="67" name="Picture 66">
+            <a:extLst>
+              <a:ext uri="{FF2B5EF4-FFF2-40B4-BE49-F238E27FC236}">
+                <a16:creationId xmlns:a16="http://schemas.microsoft.com/office/drawing/2014/main" id="{F7CFA59B-EBA6-4147-B8A0-740EAC9AFD03}"/>
+              </a:ext>
+            </a:extLst>
+          </p:cNvPr>
+          <p:cNvPicPr>
+            <a:picLocks noChangeAspect="1"/>
+          </p:cNvPicPr>
+          <p:nvPr/>
+        </p:nvPicPr>
+        <p:blipFill>
+          <a:blip r:embed="rId6"/>
+          <a:stretch>
+            <a:fillRect/>
+          </a:stretch>
+        </p:blipFill>
+        <p:spPr>
+          <a:xfrm>
+            <a:off x="4737049" y="3339734"/>
+            <a:ext cx="460383" cy="464923"/>
+          </a:xfrm>
+          <a:prstGeom prst="rect">
+            <a:avLst/>
+          </a:prstGeom>
+        </p:spPr>
+      </p:pic>
+      <p:pic>
+        <p:nvPicPr>
+          <p:cNvPr id="66" name="Picture 65">
+            <a:extLst>
+              <a:ext uri="{FF2B5EF4-FFF2-40B4-BE49-F238E27FC236}">
+                <a16:creationId xmlns:a16="http://schemas.microsoft.com/office/drawing/2014/main" id="{AA93DD33-2191-D64E-BA39-D43814E5BD84}"/>
+              </a:ext>
+            </a:extLst>
+          </p:cNvPr>
+          <p:cNvPicPr>
+            <a:picLocks noChangeAspect="1"/>
+          </p:cNvPicPr>
+          <p:nvPr/>
+        </p:nvPicPr>
+        <p:blipFill>
+          <a:blip r:embed="rId7"/>
+          <a:stretch>
+            <a:fillRect/>
+          </a:stretch>
+        </p:blipFill>
+        <p:spPr>
+          <a:xfrm>
+            <a:off x="4885766" y="3577012"/>
+            <a:ext cx="337820" cy="438995"/>
+          </a:xfrm>
+          <a:prstGeom prst="rect">
+            <a:avLst/>
+          </a:prstGeom>
+        </p:spPr>
+      </p:pic>
+      <p:pic>
+        <p:nvPicPr>
+          <p:cNvPr id="68" name="Picture 67">
+            <a:extLst>
+              <a:ext uri="{FF2B5EF4-FFF2-40B4-BE49-F238E27FC236}">
+                <a16:creationId xmlns:a16="http://schemas.microsoft.com/office/drawing/2014/main" id="{5B7EBB28-B783-7F41-92D7-89018388B578}"/>
+              </a:ext>
+            </a:extLst>
+          </p:cNvPr>
+          <p:cNvPicPr>
+            <a:picLocks noChangeAspect="1"/>
+          </p:cNvPicPr>
+          <p:nvPr/>
+        </p:nvPicPr>
+        <p:blipFill>
+          <a:blip r:embed="rId6"/>
+          <a:stretch>
+            <a:fillRect/>
+          </a:stretch>
+        </p:blipFill>
+        <p:spPr>
+          <a:xfrm>
+            <a:off x="8057131" y="3391406"/>
+            <a:ext cx="460383" cy="464923"/>
+          </a:xfrm>
+          <a:prstGeom prst="rect">
+            <a:avLst/>
+          </a:prstGeom>
+        </p:spPr>
+      </p:pic>
+      <p:pic>
+        <p:nvPicPr>
+          <p:cNvPr id="64" name="Picture 63">
+            <a:extLst>
+              <a:ext uri="{FF2B5EF4-FFF2-40B4-BE49-F238E27FC236}">
+                <a16:creationId xmlns:a16="http://schemas.microsoft.com/office/drawing/2014/main" id="{F7BB5E35-9EBA-E848-9B66-B34B68714475}"/>
+              </a:ext>
+            </a:extLst>
+          </p:cNvPr>
+          <p:cNvPicPr>
+            <a:picLocks noChangeAspect="1"/>
+          </p:cNvPicPr>
+          <p:nvPr/>
+        </p:nvPicPr>
+        <p:blipFill>
+          <a:blip r:embed="rId8"/>
+          <a:stretch>
+            <a:fillRect/>
+          </a:stretch>
+        </p:blipFill>
+        <p:spPr>
+          <a:xfrm>
+            <a:off x="8137681" y="3556498"/>
+            <a:ext cx="372858" cy="544624"/>
+          </a:xfrm>
+          <a:prstGeom prst="rect">
+            <a:avLst/>
+          </a:prstGeom>
+        </p:spPr>
+      </p:pic>
+    </p:spTree>
+    <p:extLst>
+      <p:ext uri="{BB962C8B-B14F-4D97-AF65-F5344CB8AC3E}">
+        <p14:creationId xmlns:p14="http://schemas.microsoft.com/office/powerpoint/2010/main" val="1612050235"/>
       </p:ext>
     </p:extLst>
   </p:cSld>

--- a/images.pptx
+++ b/images.pptx
@@ -5,7 +5,7 @@
     <p:sldMasterId id="2147483648" r:id="rId1"/>
   </p:sldMasterIdLst>
   <p:notesMasterIdLst>
-    <p:notesMasterId r:id="rId36"/>
+    <p:notesMasterId r:id="rId37"/>
   </p:notesMasterIdLst>
   <p:sldIdLst>
     <p:sldId id="257" r:id="rId2"/>
@@ -42,6 +42,7 @@
     <p:sldId id="287" r:id="rId33"/>
     <p:sldId id="288" r:id="rId34"/>
     <p:sldId id="289" r:id="rId35"/>
+    <p:sldId id="290" r:id="rId36"/>
   </p:sldIdLst>
   <p:sldSz cx="12192000" cy="6858000"/>
   <p:notesSz cx="6858000" cy="9144000"/>
@@ -32275,10 +32276,1223 @@
           </a:prstGeom>
         </p:spPr>
       </p:pic>
+      <p:sp>
+        <p:nvSpPr>
+          <p:cNvPr id="69" name="Rectangle 68">
+            <a:extLst>
+              <a:ext uri="{FF2B5EF4-FFF2-40B4-BE49-F238E27FC236}">
+                <a16:creationId xmlns:a16="http://schemas.microsoft.com/office/drawing/2014/main" id="{322EC6D3-07F4-D64A-ABCF-432D87E3B0EB}"/>
+              </a:ext>
+            </a:extLst>
+          </p:cNvPr>
+          <p:cNvSpPr/>
+          <p:nvPr/>
+        </p:nvSpPr>
+        <p:spPr>
+          <a:xfrm>
+            <a:off x="5388452" y="1645124"/>
+            <a:ext cx="940771" cy="369332"/>
+          </a:xfrm>
+          <a:prstGeom prst="rect">
+            <a:avLst/>
+          </a:prstGeom>
+        </p:spPr>
+        <p:txBody>
+          <a:bodyPr wrap="none">
+            <a:spAutoFit/>
+          </a:bodyPr>
+          <a:lstStyle/>
+          <a:p>
+            <a:pPr algn="ctr"/>
+            <a:r>
+              <a:rPr kumimoji="1" lang="en-US" altLang="ja-JP" b="1" dirty="0">
+                <a:solidFill>
+                  <a:srgbClr val="FF0000"/>
+                </a:solidFill>
+              </a:rPr>
+              <a:t>AES Key</a:t>
+            </a:r>
+          </a:p>
+        </p:txBody>
+      </p:sp>
+      <p:sp>
+        <p:nvSpPr>
+          <p:cNvPr id="70" name="Rectangle 69">
+            <a:extLst>
+              <a:ext uri="{FF2B5EF4-FFF2-40B4-BE49-F238E27FC236}">
+                <a16:creationId xmlns:a16="http://schemas.microsoft.com/office/drawing/2014/main" id="{E7A71730-ACBF-DC44-B121-BC38D54D023D}"/>
+              </a:ext>
+            </a:extLst>
+          </p:cNvPr>
+          <p:cNvSpPr/>
+          <p:nvPr/>
+        </p:nvSpPr>
+        <p:spPr>
+          <a:xfrm>
+            <a:off x="8752922" y="1645124"/>
+            <a:ext cx="940771" cy="369332"/>
+          </a:xfrm>
+          <a:prstGeom prst="rect">
+            <a:avLst/>
+          </a:prstGeom>
+        </p:spPr>
+        <p:txBody>
+          <a:bodyPr wrap="none">
+            <a:spAutoFit/>
+          </a:bodyPr>
+          <a:lstStyle/>
+          <a:p>
+            <a:pPr algn="ctr"/>
+            <a:r>
+              <a:rPr kumimoji="1" lang="en-US" altLang="ja-JP" b="1" dirty="0">
+                <a:solidFill>
+                  <a:srgbClr val="FF0000"/>
+                </a:solidFill>
+              </a:rPr>
+              <a:t>AES Key</a:t>
+            </a:r>
+          </a:p>
+        </p:txBody>
+      </p:sp>
+      <p:sp>
+        <p:nvSpPr>
+          <p:cNvPr id="71" name="TextBox 70">
+            <a:extLst>
+              <a:ext uri="{FF2B5EF4-FFF2-40B4-BE49-F238E27FC236}">
+                <a16:creationId xmlns:a16="http://schemas.microsoft.com/office/drawing/2014/main" id="{A4FD1721-578F-6640-8393-CED2EC302EDC}"/>
+              </a:ext>
+            </a:extLst>
+          </p:cNvPr>
+          <p:cNvSpPr txBox="1"/>
+          <p:nvPr/>
+        </p:nvSpPr>
+        <p:spPr>
+          <a:xfrm>
+            <a:off x="10403840" y="1513289"/>
+            <a:ext cx="404278" cy="461665"/>
+          </a:xfrm>
+          <a:prstGeom prst="rect">
+            <a:avLst/>
+          </a:prstGeom>
+          <a:noFill/>
+        </p:spPr>
+        <p:txBody>
+          <a:bodyPr wrap="none" rtlCol="0">
+            <a:spAutoFit/>
+          </a:bodyPr>
+          <a:lstStyle/>
+          <a:p>
+            <a:r>
+              <a:rPr lang="en-US" sz="2400" b="1" dirty="0"/>
+              <a:t>…</a:t>
+            </a:r>
+          </a:p>
+        </p:txBody>
+      </p:sp>
+      <p:sp>
+        <p:nvSpPr>
+          <p:cNvPr id="72" name="TextBox 71">
+            <a:extLst>
+              <a:ext uri="{FF2B5EF4-FFF2-40B4-BE49-F238E27FC236}">
+                <a16:creationId xmlns:a16="http://schemas.microsoft.com/office/drawing/2014/main" id="{B721B6A4-C447-5649-B73C-D78A6F316440}"/>
+              </a:ext>
+            </a:extLst>
+          </p:cNvPr>
+          <p:cNvSpPr txBox="1"/>
+          <p:nvPr/>
+        </p:nvSpPr>
+        <p:spPr>
+          <a:xfrm>
+            <a:off x="10434830" y="2692748"/>
+            <a:ext cx="404278" cy="461665"/>
+          </a:xfrm>
+          <a:prstGeom prst="rect">
+            <a:avLst/>
+          </a:prstGeom>
+          <a:noFill/>
+        </p:spPr>
+        <p:txBody>
+          <a:bodyPr wrap="none" rtlCol="0">
+            <a:spAutoFit/>
+          </a:bodyPr>
+          <a:lstStyle/>
+          <a:p>
+            <a:r>
+              <a:rPr lang="en-US" sz="2400" b="1" dirty="0"/>
+              <a:t>…</a:t>
+            </a:r>
+          </a:p>
+        </p:txBody>
+      </p:sp>
     </p:spTree>
     <p:extLst>
       <p:ext uri="{BB962C8B-B14F-4D97-AF65-F5344CB8AC3E}">
         <p14:creationId xmlns:p14="http://schemas.microsoft.com/office/powerpoint/2010/main" val="1612050235"/>
+      </p:ext>
+    </p:extLst>
+  </p:cSld>
+  <p:clrMapOvr>
+    <a:masterClrMapping/>
+  </p:clrMapOvr>
+</p:sld>
+</file>
+
+<file path=ppt/slides/slide35.xml><?xml version="1.0" encoding="utf-8"?>
+<p:sld xmlns:a="http://schemas.openxmlformats.org/drawingml/2006/main" xmlns:r="http://schemas.openxmlformats.org/officeDocument/2006/relationships" xmlns:p="http://schemas.openxmlformats.org/presentationml/2006/main">
+  <p:cSld>
+    <p:spTree>
+      <p:nvGrpSpPr>
+        <p:cNvPr id="1" name=""/>
+        <p:cNvGrpSpPr/>
+        <p:nvPr/>
+      </p:nvGrpSpPr>
+      <p:grpSpPr>
+        <a:xfrm>
+          <a:off x="0" y="0"/>
+          <a:ext cx="0" cy="0"/>
+          <a:chOff x="0" y="0"/>
+          <a:chExt cx="0" cy="0"/>
+        </a:xfrm>
+      </p:grpSpPr>
+      <p:cxnSp>
+        <p:nvCxnSpPr>
+          <p:cNvPr id="40" name="Straight Arrow Connector 39">
+            <a:extLst>
+              <a:ext uri="{FF2B5EF4-FFF2-40B4-BE49-F238E27FC236}">
+                <a16:creationId xmlns:a16="http://schemas.microsoft.com/office/drawing/2014/main" id="{C8191379-00AE-E941-8DC0-ECC864ECE97D}"/>
+              </a:ext>
+            </a:extLst>
+          </p:cNvPr>
+          <p:cNvCxnSpPr>
+            <a:cxnSpLocks/>
+          </p:cNvCxnSpPr>
+          <p:nvPr/>
+        </p:nvCxnSpPr>
+        <p:spPr>
+          <a:xfrm flipH="1">
+            <a:off x="2701803" y="817314"/>
+            <a:ext cx="38145" cy="5857806"/>
+          </a:xfrm>
+          <a:prstGeom prst="straightConnector1">
+            <a:avLst/>
+          </a:prstGeom>
+          <a:ln w="38100">
+            <a:solidFill>
+              <a:schemeClr val="tx1"/>
+            </a:solidFill>
+            <a:tailEnd type="triangle"/>
+          </a:ln>
+        </p:spPr>
+        <p:style>
+          <a:lnRef idx="1">
+            <a:schemeClr val="accent1"/>
+          </a:lnRef>
+          <a:fillRef idx="0">
+            <a:schemeClr val="accent1"/>
+          </a:fillRef>
+          <a:effectRef idx="0">
+            <a:schemeClr val="accent1"/>
+          </a:effectRef>
+          <a:fontRef idx="minor">
+            <a:schemeClr val="tx1"/>
+          </a:fontRef>
+        </p:style>
+      </p:cxnSp>
+      <p:cxnSp>
+        <p:nvCxnSpPr>
+          <p:cNvPr id="42" name="Straight Arrow Connector 41">
+            <a:extLst>
+              <a:ext uri="{FF2B5EF4-FFF2-40B4-BE49-F238E27FC236}">
+                <a16:creationId xmlns:a16="http://schemas.microsoft.com/office/drawing/2014/main" id="{C8A429A9-0625-6B48-9385-97C8B8223070}"/>
+              </a:ext>
+            </a:extLst>
+          </p:cNvPr>
+          <p:cNvCxnSpPr>
+            <a:cxnSpLocks/>
+            <a:stCxn id="17" idx="2"/>
+          </p:cNvCxnSpPr>
+          <p:nvPr/>
+        </p:nvCxnSpPr>
+        <p:spPr>
+          <a:xfrm>
+            <a:off x="8729866" y="983303"/>
+            <a:ext cx="42874" cy="5691817"/>
+          </a:xfrm>
+          <a:prstGeom prst="straightConnector1">
+            <a:avLst/>
+          </a:prstGeom>
+          <a:ln w="38100">
+            <a:solidFill>
+              <a:schemeClr val="tx1"/>
+            </a:solidFill>
+            <a:tailEnd type="triangle"/>
+          </a:ln>
+        </p:spPr>
+        <p:style>
+          <a:lnRef idx="1">
+            <a:schemeClr val="accent1"/>
+          </a:lnRef>
+          <a:fillRef idx="0">
+            <a:schemeClr val="accent1"/>
+          </a:fillRef>
+          <a:effectRef idx="0">
+            <a:schemeClr val="accent1"/>
+          </a:effectRef>
+          <a:fontRef idx="minor">
+            <a:schemeClr val="tx1"/>
+          </a:fontRef>
+        </p:style>
+      </p:cxnSp>
+      <p:pic>
+        <p:nvPicPr>
+          <p:cNvPr id="4" name="Picture 3">
+            <a:extLst>
+              <a:ext uri="{FF2B5EF4-FFF2-40B4-BE49-F238E27FC236}">
+                <a16:creationId xmlns:a16="http://schemas.microsoft.com/office/drawing/2014/main" id="{0206A565-6438-5B45-8AFA-A8EA8A34D191}"/>
+              </a:ext>
+            </a:extLst>
+          </p:cNvPr>
+          <p:cNvPicPr>
+            <a:picLocks noChangeAspect="1"/>
+          </p:cNvPicPr>
+          <p:nvPr/>
+        </p:nvPicPr>
+        <p:blipFill>
+          <a:blip r:embed="rId2"/>
+          <a:stretch>
+            <a:fillRect/>
+          </a:stretch>
+        </p:blipFill>
+        <p:spPr>
+          <a:xfrm>
+            <a:off x="9093186" y="2264175"/>
+            <a:ext cx="686347" cy="343174"/>
+          </a:xfrm>
+          <a:prstGeom prst="rect">
+            <a:avLst/>
+          </a:prstGeom>
+        </p:spPr>
+      </p:pic>
+      <p:pic>
+        <p:nvPicPr>
+          <p:cNvPr id="5" name="Picture 4">
+            <a:extLst>
+              <a:ext uri="{FF2B5EF4-FFF2-40B4-BE49-F238E27FC236}">
+                <a16:creationId xmlns:a16="http://schemas.microsoft.com/office/drawing/2014/main" id="{6AB8E42A-73E2-9D47-8254-A009ACFFA6B3}"/>
+              </a:ext>
+            </a:extLst>
+          </p:cNvPr>
+          <p:cNvPicPr>
+            <a:picLocks noChangeAspect="1"/>
+          </p:cNvPicPr>
+          <p:nvPr/>
+        </p:nvPicPr>
+        <p:blipFill>
+          <a:blip r:embed="rId3"/>
+          <a:stretch>
+            <a:fillRect/>
+          </a:stretch>
+        </p:blipFill>
+        <p:spPr>
+          <a:xfrm>
+            <a:off x="1712498" y="2293729"/>
+            <a:ext cx="463927" cy="463927"/>
+          </a:xfrm>
+          <a:prstGeom prst="rect">
+            <a:avLst/>
+          </a:prstGeom>
+        </p:spPr>
+      </p:pic>
+      <p:pic>
+        <p:nvPicPr>
+          <p:cNvPr id="6" name="Picture 5">
+            <a:extLst>
+              <a:ext uri="{FF2B5EF4-FFF2-40B4-BE49-F238E27FC236}">
+                <a16:creationId xmlns:a16="http://schemas.microsoft.com/office/drawing/2014/main" id="{B509E9C8-A868-E749-AD8A-405CEEA81575}"/>
+              </a:ext>
+            </a:extLst>
+          </p:cNvPr>
+          <p:cNvPicPr>
+            <a:picLocks noChangeAspect="1"/>
+          </p:cNvPicPr>
+          <p:nvPr/>
+        </p:nvPicPr>
+        <p:blipFill>
+          <a:blip r:embed="rId4"/>
+          <a:stretch>
+            <a:fillRect/>
+          </a:stretch>
+        </p:blipFill>
+        <p:spPr>
+          <a:xfrm rot="2992708">
+            <a:off x="8059718" y="2168236"/>
+            <a:ext cx="153073" cy="484731"/>
+          </a:xfrm>
+          <a:prstGeom prst="rect">
+            <a:avLst/>
+          </a:prstGeom>
+        </p:spPr>
+      </p:pic>
+      <p:pic>
+        <p:nvPicPr>
+          <p:cNvPr id="7" name="Picture 6">
+            <a:extLst>
+              <a:ext uri="{FF2B5EF4-FFF2-40B4-BE49-F238E27FC236}">
+                <a16:creationId xmlns:a16="http://schemas.microsoft.com/office/drawing/2014/main" id="{757EFF2F-E3ED-9449-B15D-3CE74E7013E6}"/>
+              </a:ext>
+            </a:extLst>
+          </p:cNvPr>
+          <p:cNvPicPr>
+            <a:picLocks noChangeAspect="1"/>
+          </p:cNvPicPr>
+          <p:nvPr/>
+        </p:nvPicPr>
+        <p:blipFill>
+          <a:blip r:embed="rId5"/>
+          <a:stretch>
+            <a:fillRect/>
+          </a:stretch>
+        </p:blipFill>
+        <p:spPr>
+          <a:xfrm>
+            <a:off x="3273334" y="2363350"/>
+            <a:ext cx="353858" cy="357348"/>
+          </a:xfrm>
+          <a:prstGeom prst="rect">
+            <a:avLst/>
+          </a:prstGeom>
+        </p:spPr>
+      </p:pic>
+      <p:sp>
+        <p:nvSpPr>
+          <p:cNvPr id="8" name="TextBox 7">
+            <a:extLst>
+              <a:ext uri="{FF2B5EF4-FFF2-40B4-BE49-F238E27FC236}">
+                <a16:creationId xmlns:a16="http://schemas.microsoft.com/office/drawing/2014/main" id="{991523EA-A3D7-404F-8FAE-3B331ACB99BC}"/>
+              </a:ext>
+            </a:extLst>
+          </p:cNvPr>
+          <p:cNvSpPr txBox="1"/>
+          <p:nvPr/>
+        </p:nvSpPr>
+        <p:spPr>
+          <a:xfrm>
+            <a:off x="2869752" y="2011226"/>
+            <a:ext cx="1161022" cy="369332"/>
+          </a:xfrm>
+          <a:prstGeom prst="rect">
+            <a:avLst/>
+          </a:prstGeom>
+          <a:noFill/>
+        </p:spPr>
+        <p:txBody>
+          <a:bodyPr wrap="none" rtlCol="0">
+            <a:spAutoFit/>
+          </a:bodyPr>
+          <a:lstStyle/>
+          <a:p>
+            <a:pPr algn="ctr"/>
+            <a:r>
+              <a:rPr lang="en-US" b="1" dirty="0"/>
+              <a:t>Public Key</a:t>
+            </a:r>
+          </a:p>
+        </p:txBody>
+      </p:sp>
+      <p:sp>
+        <p:nvSpPr>
+          <p:cNvPr id="11" name="TextBox 10">
+            <a:extLst>
+              <a:ext uri="{FF2B5EF4-FFF2-40B4-BE49-F238E27FC236}">
+                <a16:creationId xmlns:a16="http://schemas.microsoft.com/office/drawing/2014/main" id="{535E369C-5142-1E4B-88D0-CC21F5FB603F}"/>
+              </a:ext>
+            </a:extLst>
+          </p:cNvPr>
+          <p:cNvSpPr txBox="1"/>
+          <p:nvPr/>
+        </p:nvSpPr>
+        <p:spPr>
+          <a:xfrm>
+            <a:off x="1454384" y="2017855"/>
+            <a:ext cx="1253677" cy="369332"/>
+          </a:xfrm>
+          <a:prstGeom prst="rect">
+            <a:avLst/>
+          </a:prstGeom>
+          <a:noFill/>
+        </p:spPr>
+        <p:txBody>
+          <a:bodyPr wrap="none" rtlCol="0">
+            <a:spAutoFit/>
+          </a:bodyPr>
+          <a:lstStyle/>
+          <a:p>
+            <a:pPr algn="ctr"/>
+            <a:r>
+              <a:rPr lang="en-US" b="1" dirty="0"/>
+              <a:t>Private Key</a:t>
+            </a:r>
+          </a:p>
+        </p:txBody>
+      </p:sp>
+      <p:pic>
+        <p:nvPicPr>
+          <p:cNvPr id="13" name="Picture 12">
+            <a:extLst>
+              <a:ext uri="{FF2B5EF4-FFF2-40B4-BE49-F238E27FC236}">
+                <a16:creationId xmlns:a16="http://schemas.microsoft.com/office/drawing/2014/main" id="{9A1BFCC2-5024-F746-9AFF-62B07C16BFB5}"/>
+              </a:ext>
+            </a:extLst>
+          </p:cNvPr>
+          <p:cNvPicPr>
+            <a:picLocks noChangeAspect="1"/>
+          </p:cNvPicPr>
+          <p:nvPr/>
+        </p:nvPicPr>
+        <p:blipFill>
+          <a:blip r:embed="rId6"/>
+          <a:stretch>
+            <a:fillRect/>
+          </a:stretch>
+        </p:blipFill>
+        <p:spPr>
+          <a:xfrm>
+            <a:off x="2217065" y="169129"/>
+            <a:ext cx="969476" cy="648185"/>
+          </a:xfrm>
+          <a:prstGeom prst="rect">
+            <a:avLst/>
+          </a:prstGeom>
+        </p:spPr>
+      </p:pic>
+      <p:pic>
+        <p:nvPicPr>
+          <p:cNvPr id="17" name="Picture 16">
+            <a:extLst>
+              <a:ext uri="{FF2B5EF4-FFF2-40B4-BE49-F238E27FC236}">
+                <a16:creationId xmlns:a16="http://schemas.microsoft.com/office/drawing/2014/main" id="{5080D145-A965-1844-AA0A-462315ED1FDC}"/>
+              </a:ext>
+            </a:extLst>
+          </p:cNvPr>
+          <p:cNvPicPr>
+            <a:picLocks noChangeAspect="1"/>
+          </p:cNvPicPr>
+          <p:nvPr/>
+        </p:nvPicPr>
+        <p:blipFill>
+          <a:blip r:embed="rId7"/>
+          <a:stretch>
+            <a:fillRect/>
+          </a:stretch>
+        </p:blipFill>
+        <p:spPr>
+          <a:xfrm>
+            <a:off x="8386693" y="0"/>
+            <a:ext cx="686346" cy="983303"/>
+          </a:xfrm>
+          <a:prstGeom prst="rect">
+            <a:avLst/>
+          </a:prstGeom>
+        </p:spPr>
+      </p:pic>
+      <p:sp>
+        <p:nvSpPr>
+          <p:cNvPr id="18" name="四角形: 角を丸くする 4">
+            <a:extLst>
+              <a:ext uri="{FF2B5EF4-FFF2-40B4-BE49-F238E27FC236}">
+                <a16:creationId xmlns:a16="http://schemas.microsoft.com/office/drawing/2014/main" id="{A361359D-B619-8441-ADFF-8BF7239C63C6}"/>
+              </a:ext>
+            </a:extLst>
+          </p:cNvPr>
+          <p:cNvSpPr/>
+          <p:nvPr/>
+        </p:nvSpPr>
+        <p:spPr>
+          <a:xfrm>
+            <a:off x="2029178" y="1073225"/>
+            <a:ext cx="1386267" cy="824718"/>
+          </a:xfrm>
+          <a:prstGeom prst="roundRect">
+            <a:avLst/>
+          </a:prstGeom>
+          <a:solidFill>
+            <a:schemeClr val="accent1">
+              <a:lumMod val="20000"/>
+              <a:lumOff val="80000"/>
+            </a:schemeClr>
+          </a:solidFill>
+          <a:ln w="38100"/>
+        </p:spPr>
+        <p:style>
+          <a:lnRef idx="2">
+            <a:schemeClr val="accent1"/>
+          </a:lnRef>
+          <a:fillRef idx="1">
+            <a:schemeClr val="lt1"/>
+          </a:fillRef>
+          <a:effectRef idx="0">
+            <a:schemeClr val="accent1"/>
+          </a:effectRef>
+          <a:fontRef idx="minor">
+            <a:schemeClr val="dk1"/>
+          </a:fontRef>
+        </p:style>
+        <p:txBody>
+          <a:bodyPr rtlCol="0" anchor="ctr"/>
+          <a:lstStyle/>
+          <a:p>
+            <a:pPr algn="ctr"/>
+            <a:r>
+              <a:rPr kumimoji="1" lang="en-US" altLang="ja-JP" b="1" dirty="0">
+                <a:solidFill>
+                  <a:srgbClr val="7030A0"/>
+                </a:solidFill>
+              </a:rPr>
+              <a:t>1) Generate Key Pair</a:t>
+            </a:r>
+          </a:p>
+        </p:txBody>
+      </p:sp>
+      <p:sp>
+        <p:nvSpPr>
+          <p:cNvPr id="19" name="四角形: 角を丸くする 4">
+            <a:extLst>
+              <a:ext uri="{FF2B5EF4-FFF2-40B4-BE49-F238E27FC236}">
+                <a16:creationId xmlns:a16="http://schemas.microsoft.com/office/drawing/2014/main" id="{8D1B36DE-9DF6-354A-B4E6-E58844A5D9D8}"/>
+              </a:ext>
+            </a:extLst>
+          </p:cNvPr>
+          <p:cNvSpPr/>
+          <p:nvPr/>
+        </p:nvSpPr>
+        <p:spPr>
+          <a:xfrm>
+            <a:off x="8050094" y="1070125"/>
+            <a:ext cx="1386267" cy="824718"/>
+          </a:xfrm>
+          <a:prstGeom prst="roundRect">
+            <a:avLst/>
+          </a:prstGeom>
+          <a:solidFill>
+            <a:schemeClr val="accent1">
+              <a:lumMod val="20000"/>
+              <a:lumOff val="80000"/>
+            </a:schemeClr>
+          </a:solidFill>
+          <a:ln w="38100"/>
+        </p:spPr>
+        <p:style>
+          <a:lnRef idx="2">
+            <a:schemeClr val="accent1"/>
+          </a:lnRef>
+          <a:fillRef idx="1">
+            <a:schemeClr val="lt1"/>
+          </a:fillRef>
+          <a:effectRef idx="0">
+            <a:schemeClr val="accent1"/>
+          </a:effectRef>
+          <a:fontRef idx="minor">
+            <a:schemeClr val="dk1"/>
+          </a:fontRef>
+        </p:style>
+        <p:txBody>
+          <a:bodyPr rtlCol="0" anchor="ctr"/>
+          <a:lstStyle/>
+          <a:p>
+            <a:pPr algn="ctr"/>
+            <a:r>
+              <a:rPr kumimoji="1" lang="en-US" altLang="ja-JP" b="1" dirty="0">
+                <a:solidFill>
+                  <a:srgbClr val="7030A0"/>
+                </a:solidFill>
+              </a:rPr>
+              <a:t>1) Generate Key Pair</a:t>
+            </a:r>
+          </a:p>
+        </p:txBody>
+      </p:sp>
+      <p:sp>
+        <p:nvSpPr>
+          <p:cNvPr id="20" name="TextBox 19">
+            <a:extLst>
+              <a:ext uri="{FF2B5EF4-FFF2-40B4-BE49-F238E27FC236}">
+                <a16:creationId xmlns:a16="http://schemas.microsoft.com/office/drawing/2014/main" id="{A06EB583-D702-E245-9445-A98280625850}"/>
+              </a:ext>
+            </a:extLst>
+          </p:cNvPr>
+          <p:cNvSpPr txBox="1"/>
+          <p:nvPr/>
+        </p:nvSpPr>
+        <p:spPr>
+          <a:xfrm>
+            <a:off x="7648262" y="1892409"/>
+            <a:ext cx="1161022" cy="369332"/>
+          </a:xfrm>
+          <a:prstGeom prst="rect">
+            <a:avLst/>
+          </a:prstGeom>
+          <a:noFill/>
+        </p:spPr>
+        <p:txBody>
+          <a:bodyPr wrap="none" rtlCol="0">
+            <a:spAutoFit/>
+          </a:bodyPr>
+          <a:lstStyle/>
+          <a:p>
+            <a:pPr algn="ctr"/>
+            <a:r>
+              <a:rPr lang="en-US" b="1" dirty="0"/>
+              <a:t>Public Key</a:t>
+            </a:r>
+          </a:p>
+        </p:txBody>
+      </p:sp>
+      <p:sp>
+        <p:nvSpPr>
+          <p:cNvPr id="21" name="TextBox 20">
+            <a:extLst>
+              <a:ext uri="{FF2B5EF4-FFF2-40B4-BE49-F238E27FC236}">
+                <a16:creationId xmlns:a16="http://schemas.microsoft.com/office/drawing/2014/main" id="{475CD6A0-3AF8-884F-AFCC-CE701E297903}"/>
+              </a:ext>
+            </a:extLst>
+          </p:cNvPr>
+          <p:cNvSpPr txBox="1"/>
+          <p:nvPr/>
+        </p:nvSpPr>
+        <p:spPr>
+          <a:xfrm>
+            <a:off x="8809522" y="1894843"/>
+            <a:ext cx="1253677" cy="369332"/>
+          </a:xfrm>
+          <a:prstGeom prst="rect">
+            <a:avLst/>
+          </a:prstGeom>
+          <a:noFill/>
+        </p:spPr>
+        <p:txBody>
+          <a:bodyPr wrap="none" rtlCol="0">
+            <a:spAutoFit/>
+          </a:bodyPr>
+          <a:lstStyle/>
+          <a:p>
+            <a:pPr algn="ctr"/>
+            <a:r>
+              <a:rPr lang="en-US" b="1" dirty="0"/>
+              <a:t>Private Key</a:t>
+            </a:r>
+          </a:p>
+        </p:txBody>
+      </p:sp>
+      <p:cxnSp>
+        <p:nvCxnSpPr>
+          <p:cNvPr id="23" name="Straight Arrow Connector 22">
+            <a:extLst>
+              <a:ext uri="{FF2B5EF4-FFF2-40B4-BE49-F238E27FC236}">
+                <a16:creationId xmlns:a16="http://schemas.microsoft.com/office/drawing/2014/main" id="{FA0D3C5F-8C91-7349-ACC7-D1FDC48D28D6}"/>
+              </a:ext>
+            </a:extLst>
+          </p:cNvPr>
+          <p:cNvCxnSpPr>
+            <a:cxnSpLocks/>
+          </p:cNvCxnSpPr>
+          <p:nvPr/>
+        </p:nvCxnSpPr>
+        <p:spPr>
+          <a:xfrm>
+            <a:off x="3627192" y="2753534"/>
+            <a:ext cx="4332133" cy="723762"/>
+          </a:xfrm>
+          <a:prstGeom prst="straightConnector1">
+            <a:avLst/>
+          </a:prstGeom>
+          <a:ln w="38100">
+            <a:tailEnd type="triangle"/>
+          </a:ln>
+        </p:spPr>
+        <p:style>
+          <a:lnRef idx="1">
+            <a:schemeClr val="accent1"/>
+          </a:lnRef>
+          <a:fillRef idx="0">
+            <a:schemeClr val="accent1"/>
+          </a:fillRef>
+          <a:effectRef idx="0">
+            <a:schemeClr val="accent1"/>
+          </a:effectRef>
+          <a:fontRef idx="minor">
+            <a:schemeClr val="tx1"/>
+          </a:fontRef>
+        </p:style>
+      </p:cxnSp>
+      <p:cxnSp>
+        <p:nvCxnSpPr>
+          <p:cNvPr id="24" name="Straight Arrow Connector 23">
+            <a:extLst>
+              <a:ext uri="{FF2B5EF4-FFF2-40B4-BE49-F238E27FC236}">
+                <a16:creationId xmlns:a16="http://schemas.microsoft.com/office/drawing/2014/main" id="{C68D8411-B9AF-5A46-916F-6E2E756E02C3}"/>
+              </a:ext>
+            </a:extLst>
+          </p:cNvPr>
+          <p:cNvCxnSpPr>
+            <a:cxnSpLocks/>
+          </p:cNvCxnSpPr>
+          <p:nvPr/>
+        </p:nvCxnSpPr>
+        <p:spPr>
+          <a:xfrm flipH="1">
+            <a:off x="3399249" y="2737864"/>
+            <a:ext cx="4754894" cy="807662"/>
+          </a:xfrm>
+          <a:prstGeom prst="straightConnector1">
+            <a:avLst/>
+          </a:prstGeom>
+          <a:ln w="38100">
+            <a:tailEnd type="triangle"/>
+          </a:ln>
+        </p:spPr>
+        <p:style>
+          <a:lnRef idx="1">
+            <a:schemeClr val="accent1"/>
+          </a:lnRef>
+          <a:fillRef idx="0">
+            <a:schemeClr val="accent1"/>
+          </a:fillRef>
+          <a:effectRef idx="0">
+            <a:schemeClr val="accent1"/>
+          </a:effectRef>
+          <a:fontRef idx="minor">
+            <a:schemeClr val="tx1"/>
+          </a:fontRef>
+        </p:style>
+      </p:cxnSp>
+      <p:pic>
+        <p:nvPicPr>
+          <p:cNvPr id="28" name="Picture 27">
+            <a:extLst>
+              <a:ext uri="{FF2B5EF4-FFF2-40B4-BE49-F238E27FC236}">
+                <a16:creationId xmlns:a16="http://schemas.microsoft.com/office/drawing/2014/main" id="{3D94AFA9-5431-CD4E-B6E6-6FB36771E4EB}"/>
+              </a:ext>
+            </a:extLst>
+          </p:cNvPr>
+          <p:cNvPicPr>
+            <a:picLocks noChangeAspect="1"/>
+          </p:cNvPicPr>
+          <p:nvPr/>
+        </p:nvPicPr>
+        <p:blipFill>
+          <a:blip r:embed="rId4"/>
+          <a:stretch>
+            <a:fillRect/>
+          </a:stretch>
+        </p:blipFill>
+        <p:spPr>
+          <a:xfrm rot="2992708">
+            <a:off x="3196798" y="3497446"/>
+            <a:ext cx="153073" cy="484731"/>
+          </a:xfrm>
+          <a:prstGeom prst="rect">
+            <a:avLst/>
+          </a:prstGeom>
+        </p:spPr>
+      </p:pic>
+      <p:pic>
+        <p:nvPicPr>
+          <p:cNvPr id="29" name="Picture 28">
+            <a:extLst>
+              <a:ext uri="{FF2B5EF4-FFF2-40B4-BE49-F238E27FC236}">
+                <a16:creationId xmlns:a16="http://schemas.microsoft.com/office/drawing/2014/main" id="{4E86DD68-B83B-2C46-ACE9-5CEA19441B6F}"/>
+              </a:ext>
+            </a:extLst>
+          </p:cNvPr>
+          <p:cNvPicPr>
+            <a:picLocks noChangeAspect="1"/>
+          </p:cNvPicPr>
+          <p:nvPr/>
+        </p:nvPicPr>
+        <p:blipFill>
+          <a:blip r:embed="rId5"/>
+          <a:stretch>
+            <a:fillRect/>
+          </a:stretch>
+        </p:blipFill>
+        <p:spPr>
+          <a:xfrm>
+            <a:off x="7959325" y="3477296"/>
+            <a:ext cx="353858" cy="357348"/>
+          </a:xfrm>
+          <a:prstGeom prst="rect">
+            <a:avLst/>
+          </a:prstGeom>
+        </p:spPr>
+      </p:pic>
+      <p:sp>
+        <p:nvSpPr>
+          <p:cNvPr id="31" name="四角形: 角を丸くする 4">
+            <a:extLst>
+              <a:ext uri="{FF2B5EF4-FFF2-40B4-BE49-F238E27FC236}">
+                <a16:creationId xmlns:a16="http://schemas.microsoft.com/office/drawing/2014/main" id="{22B4C297-9467-1044-BFAA-F37C240714E9}"/>
+              </a:ext>
+            </a:extLst>
+          </p:cNvPr>
+          <p:cNvSpPr/>
+          <p:nvPr/>
+        </p:nvSpPr>
+        <p:spPr>
+          <a:xfrm>
+            <a:off x="2029177" y="4079952"/>
+            <a:ext cx="1386267" cy="824718"/>
+          </a:xfrm>
+          <a:prstGeom prst="roundRect">
+            <a:avLst/>
+          </a:prstGeom>
+          <a:solidFill>
+            <a:schemeClr val="bg1"/>
+          </a:solidFill>
+          <a:ln w="38100"/>
+        </p:spPr>
+        <p:style>
+          <a:lnRef idx="2">
+            <a:schemeClr val="accent1"/>
+          </a:lnRef>
+          <a:fillRef idx="1">
+            <a:schemeClr val="lt1"/>
+          </a:fillRef>
+          <a:effectRef idx="0">
+            <a:schemeClr val="accent1"/>
+          </a:effectRef>
+          <a:fontRef idx="minor">
+            <a:schemeClr val="dk1"/>
+          </a:fontRef>
+        </p:style>
+        <p:txBody>
+          <a:bodyPr rtlCol="0" anchor="ctr"/>
+          <a:lstStyle/>
+          <a:p>
+            <a:pPr algn="ctr"/>
+            <a:r>
+              <a:rPr kumimoji="1" lang="en-US" altLang="ja-JP" b="1" dirty="0"/>
+              <a:t>3) Encrypt; Decrypt</a:t>
+            </a:r>
+          </a:p>
+          <a:p>
+            <a:pPr algn="ctr"/>
+            <a:r>
+              <a:rPr kumimoji="1" lang="en-US" altLang="ja-JP" b="1" dirty="0"/>
+              <a:t>Data</a:t>
+            </a:r>
+          </a:p>
+        </p:txBody>
+      </p:sp>
+      <p:sp>
+        <p:nvSpPr>
+          <p:cNvPr id="32" name="四角形: 角を丸くする 4">
+            <a:extLst>
+              <a:ext uri="{FF2B5EF4-FFF2-40B4-BE49-F238E27FC236}">
+                <a16:creationId xmlns:a16="http://schemas.microsoft.com/office/drawing/2014/main" id="{4C47E7AA-2362-5945-876B-0B936DD7A970}"/>
+              </a:ext>
+            </a:extLst>
+          </p:cNvPr>
+          <p:cNvSpPr/>
+          <p:nvPr/>
+        </p:nvSpPr>
+        <p:spPr>
+          <a:xfrm>
+            <a:off x="4958754" y="2729336"/>
+            <a:ext cx="1549804" cy="824718"/>
+          </a:xfrm>
+          <a:prstGeom prst="roundRect">
+            <a:avLst/>
+          </a:prstGeom>
+          <a:solidFill>
+            <a:schemeClr val="bg1"/>
+          </a:solidFill>
+          <a:ln w="38100"/>
+        </p:spPr>
+        <p:style>
+          <a:lnRef idx="2">
+            <a:schemeClr val="accent1"/>
+          </a:lnRef>
+          <a:fillRef idx="1">
+            <a:schemeClr val="lt1"/>
+          </a:fillRef>
+          <a:effectRef idx="0">
+            <a:schemeClr val="accent1"/>
+          </a:effectRef>
+          <a:fontRef idx="minor">
+            <a:schemeClr val="dk1"/>
+          </a:fontRef>
+        </p:style>
+        <p:txBody>
+          <a:bodyPr rtlCol="0" anchor="ctr"/>
+          <a:lstStyle/>
+          <a:p>
+            <a:pPr algn="ctr"/>
+            <a:r>
+              <a:rPr kumimoji="1" lang="en-US" altLang="ja-JP" b="1" dirty="0"/>
+              <a:t>2) Exchange Public Key</a:t>
+            </a:r>
+          </a:p>
+        </p:txBody>
+      </p:sp>
+      <p:sp>
+        <p:nvSpPr>
+          <p:cNvPr id="33" name="四角形: 角を丸くする 4">
+            <a:extLst>
+              <a:ext uri="{FF2B5EF4-FFF2-40B4-BE49-F238E27FC236}">
+                <a16:creationId xmlns:a16="http://schemas.microsoft.com/office/drawing/2014/main" id="{A3E2CFC5-8EB0-514D-BEAC-17D7A44C6EFF}"/>
+              </a:ext>
+            </a:extLst>
+          </p:cNvPr>
+          <p:cNvSpPr/>
+          <p:nvPr/>
+        </p:nvSpPr>
+        <p:spPr>
+          <a:xfrm>
+            <a:off x="8050092" y="4079952"/>
+            <a:ext cx="1386267" cy="824718"/>
+          </a:xfrm>
+          <a:prstGeom prst="roundRect">
+            <a:avLst/>
+          </a:prstGeom>
+          <a:solidFill>
+            <a:schemeClr val="bg1"/>
+          </a:solidFill>
+          <a:ln w="38100"/>
+        </p:spPr>
+        <p:style>
+          <a:lnRef idx="2">
+            <a:schemeClr val="accent1"/>
+          </a:lnRef>
+          <a:fillRef idx="1">
+            <a:schemeClr val="lt1"/>
+          </a:fillRef>
+          <a:effectRef idx="0">
+            <a:schemeClr val="accent1"/>
+          </a:effectRef>
+          <a:fontRef idx="minor">
+            <a:schemeClr val="dk1"/>
+          </a:fontRef>
+        </p:style>
+        <p:txBody>
+          <a:bodyPr rtlCol="0" anchor="ctr"/>
+          <a:lstStyle/>
+          <a:p>
+            <a:pPr algn="ctr"/>
+            <a:r>
+              <a:rPr kumimoji="1" lang="en-US" altLang="ja-JP" b="1" dirty="0"/>
+              <a:t>3) Encrypt; Decrypt</a:t>
+            </a:r>
+          </a:p>
+          <a:p>
+            <a:pPr algn="ctr"/>
+            <a:r>
+              <a:rPr kumimoji="1" lang="en-US" altLang="ja-JP" b="1" dirty="0"/>
+              <a:t>Data</a:t>
+            </a:r>
+          </a:p>
+        </p:txBody>
+      </p:sp>
+      <p:sp>
+        <p:nvSpPr>
+          <p:cNvPr id="37" name="四角形: 角を丸くする 4">
+            <a:extLst>
+              <a:ext uri="{FF2B5EF4-FFF2-40B4-BE49-F238E27FC236}">
+                <a16:creationId xmlns:a16="http://schemas.microsoft.com/office/drawing/2014/main" id="{5378B276-5A4B-734F-B6DE-ED17DCCED0A0}"/>
+              </a:ext>
+            </a:extLst>
+          </p:cNvPr>
+          <p:cNvSpPr/>
+          <p:nvPr/>
+        </p:nvSpPr>
+        <p:spPr>
+          <a:xfrm>
+            <a:off x="2029177" y="5518828"/>
+            <a:ext cx="1386267" cy="824718"/>
+          </a:xfrm>
+          <a:prstGeom prst="roundRect">
+            <a:avLst/>
+          </a:prstGeom>
+          <a:solidFill>
+            <a:schemeClr val="accent6">
+              <a:lumMod val="20000"/>
+              <a:lumOff val="80000"/>
+            </a:schemeClr>
+          </a:solidFill>
+          <a:ln w="38100"/>
+        </p:spPr>
+        <p:style>
+          <a:lnRef idx="2">
+            <a:schemeClr val="accent1"/>
+          </a:lnRef>
+          <a:fillRef idx="1">
+            <a:schemeClr val="lt1"/>
+          </a:fillRef>
+          <a:effectRef idx="0">
+            <a:schemeClr val="accent1"/>
+          </a:effectRef>
+          <a:fontRef idx="minor">
+            <a:schemeClr val="dk1"/>
+          </a:fontRef>
+        </p:style>
+        <p:txBody>
+          <a:bodyPr rtlCol="0" anchor="ctr"/>
+          <a:lstStyle/>
+          <a:p>
+            <a:pPr algn="ctr"/>
+            <a:r>
+              <a:rPr kumimoji="1" lang="en-US" altLang="ja-JP" b="1" dirty="0">
+                <a:solidFill>
+                  <a:srgbClr val="FF0000"/>
+                </a:solidFill>
+              </a:rPr>
+              <a:t>4) Discard Key Pair!</a:t>
+            </a:r>
+          </a:p>
+        </p:txBody>
+      </p:sp>
+      <p:sp>
+        <p:nvSpPr>
+          <p:cNvPr id="38" name="四角形: 角を丸くする 4">
+            <a:extLst>
+              <a:ext uri="{FF2B5EF4-FFF2-40B4-BE49-F238E27FC236}">
+                <a16:creationId xmlns:a16="http://schemas.microsoft.com/office/drawing/2014/main" id="{43243733-C585-D742-A1F5-1969F80017A5}"/>
+              </a:ext>
+            </a:extLst>
+          </p:cNvPr>
+          <p:cNvSpPr/>
+          <p:nvPr/>
+        </p:nvSpPr>
+        <p:spPr>
+          <a:xfrm>
+            <a:off x="8050092" y="5518828"/>
+            <a:ext cx="1386267" cy="824718"/>
+          </a:xfrm>
+          <a:prstGeom prst="roundRect">
+            <a:avLst/>
+          </a:prstGeom>
+          <a:solidFill>
+            <a:schemeClr val="accent6">
+              <a:lumMod val="20000"/>
+              <a:lumOff val="80000"/>
+            </a:schemeClr>
+          </a:solidFill>
+          <a:ln w="38100"/>
+        </p:spPr>
+        <p:style>
+          <a:lnRef idx="2">
+            <a:schemeClr val="accent1"/>
+          </a:lnRef>
+          <a:fillRef idx="1">
+            <a:schemeClr val="lt1"/>
+          </a:fillRef>
+          <a:effectRef idx="0">
+            <a:schemeClr val="accent1"/>
+          </a:effectRef>
+          <a:fontRef idx="minor">
+            <a:schemeClr val="dk1"/>
+          </a:fontRef>
+        </p:style>
+        <p:txBody>
+          <a:bodyPr rtlCol="0" anchor="ctr"/>
+          <a:lstStyle/>
+          <a:p>
+            <a:pPr algn="ctr"/>
+            <a:r>
+              <a:rPr kumimoji="1" lang="en-US" altLang="ja-JP" b="1" dirty="0">
+                <a:solidFill>
+                  <a:srgbClr val="FF0000"/>
+                </a:solidFill>
+              </a:rPr>
+              <a:t>4) Discard Key Pair</a:t>
+            </a:r>
+          </a:p>
+        </p:txBody>
+      </p:sp>
+      <p:sp>
+        <p:nvSpPr>
+          <p:cNvPr id="46" name="Line Callout 2 (Accent Bar) 45">
+            <a:extLst>
+              <a:ext uri="{FF2B5EF4-FFF2-40B4-BE49-F238E27FC236}">
+                <a16:creationId xmlns:a16="http://schemas.microsoft.com/office/drawing/2014/main" id="{CEA1A217-B839-ED41-B51D-734FC0E19FA7}"/>
+              </a:ext>
+            </a:extLst>
+          </p:cNvPr>
+          <p:cNvSpPr/>
+          <p:nvPr/>
+        </p:nvSpPr>
+        <p:spPr>
+          <a:xfrm>
+            <a:off x="4095216" y="4500839"/>
+            <a:ext cx="3378076" cy="807662"/>
+          </a:xfrm>
+          <a:prstGeom prst="accentCallout2">
+            <a:avLst>
+              <a:gd name="adj1" fmla="val 23782"/>
+              <a:gd name="adj2" fmla="val -814"/>
+              <a:gd name="adj3" fmla="val 23783"/>
+              <a:gd name="adj4" fmla="val -12701"/>
+              <a:gd name="adj5" fmla="val -7134"/>
+              <a:gd name="adj6" fmla="val -24898"/>
+            </a:avLst>
+          </a:prstGeom>
+          <a:noFill/>
+          <a:ln w="38100">
+            <a:solidFill>
+              <a:schemeClr val="tx1"/>
+            </a:solidFill>
+          </a:ln>
+        </p:spPr>
+        <p:style>
+          <a:lnRef idx="2">
+            <a:schemeClr val="accent1">
+              <a:shade val="50000"/>
+            </a:schemeClr>
+          </a:lnRef>
+          <a:fillRef idx="1">
+            <a:schemeClr val="accent1"/>
+          </a:fillRef>
+          <a:effectRef idx="0">
+            <a:schemeClr val="accent1"/>
+          </a:effectRef>
+          <a:fontRef idx="minor">
+            <a:schemeClr val="lt1"/>
+          </a:fontRef>
+        </p:style>
+        <p:txBody>
+          <a:bodyPr rtlCol="0" anchor="ctr"/>
+          <a:lstStyle/>
+          <a:p>
+            <a:r>
+              <a:rPr lang="en-US" dirty="0">
+                <a:solidFill>
+                  <a:schemeClr val="tx1"/>
+                </a:solidFill>
+              </a:rPr>
+              <a:t>If hybrid encryption is employed, the </a:t>
+            </a:r>
+            <a:r>
+              <a:rPr lang="en-US" b="1" dirty="0">
+                <a:solidFill>
+                  <a:srgbClr val="FF0000"/>
+                </a:solidFill>
+              </a:rPr>
+              <a:t>AES key is also randomly generated and discarded</a:t>
+            </a:r>
+            <a:r>
+              <a:rPr lang="en-US" dirty="0">
+                <a:solidFill>
+                  <a:schemeClr val="tx1"/>
+                </a:solidFill>
+              </a:rPr>
+              <a:t>!</a:t>
+            </a:r>
+          </a:p>
+        </p:txBody>
+      </p:sp>
+    </p:spTree>
+    <p:extLst>
+      <p:ext uri="{BB962C8B-B14F-4D97-AF65-F5344CB8AC3E}">
+        <p14:creationId xmlns:p14="http://schemas.microsoft.com/office/powerpoint/2010/main" val="2185006966"/>
       </p:ext>
     </p:extLst>
   </p:cSld>

--- a/images.pptx
+++ b/images.pptx
@@ -5,7 +5,7 @@
     <p:sldMasterId id="2147483648" r:id="rId1"/>
   </p:sldMasterIdLst>
   <p:notesMasterIdLst>
-    <p:notesMasterId r:id="rId37"/>
+    <p:notesMasterId r:id="rId39"/>
   </p:notesMasterIdLst>
   <p:sldIdLst>
     <p:sldId id="257" r:id="rId2"/>
@@ -43,6 +43,8 @@
     <p:sldId id="288" r:id="rId34"/>
     <p:sldId id="289" r:id="rId35"/>
     <p:sldId id="290" r:id="rId36"/>
+    <p:sldId id="291" r:id="rId37"/>
+    <p:sldId id="292" r:id="rId38"/>
   </p:sldIdLst>
   <p:sldSz cx="12192000" cy="6858000"/>
   <p:notesSz cx="6858000" cy="9144000"/>
@@ -231,7 +233,7 @@
           <a:p>
             <a:fld id="{7CEEDDC0-DF20-AC46-B752-4D05A37D4059}" type="datetimeFigureOut">
               <a:rPr lang="en-US" smtClean="0"/>
-              <a:t>9/26/19</a:t>
+              <a:t>10/1/19</a:t>
             </a:fld>
             <a:endParaRPr lang="en-US"/>
           </a:p>
@@ -981,7 +983,7 @@
           <a:p>
             <a:fld id="{ABB50B84-C221-BA49-B172-B6D4747B1BA4}" type="datetimeFigureOut">
               <a:rPr lang="en-US" smtClean="0"/>
-              <a:t>9/26/19</a:t>
+              <a:t>10/1/19</a:t>
             </a:fld>
             <a:endParaRPr lang="en-US"/>
           </a:p>
@@ -1179,7 +1181,7 @@
           <a:p>
             <a:fld id="{ABB50B84-C221-BA49-B172-B6D4747B1BA4}" type="datetimeFigureOut">
               <a:rPr lang="en-US" smtClean="0"/>
-              <a:t>9/26/19</a:t>
+              <a:t>10/1/19</a:t>
             </a:fld>
             <a:endParaRPr lang="en-US"/>
           </a:p>
@@ -1387,7 +1389,7 @@
           <a:p>
             <a:fld id="{ABB50B84-C221-BA49-B172-B6D4747B1BA4}" type="datetimeFigureOut">
               <a:rPr lang="en-US" smtClean="0"/>
-              <a:t>9/26/19</a:t>
+              <a:t>10/1/19</a:t>
             </a:fld>
             <a:endParaRPr lang="en-US"/>
           </a:p>
@@ -1585,7 +1587,7 @@
           <a:p>
             <a:fld id="{ABB50B84-C221-BA49-B172-B6D4747B1BA4}" type="datetimeFigureOut">
               <a:rPr lang="en-US" smtClean="0"/>
-              <a:t>9/26/19</a:t>
+              <a:t>10/1/19</a:t>
             </a:fld>
             <a:endParaRPr lang="en-US"/>
           </a:p>
@@ -1860,7 +1862,7 @@
           <a:p>
             <a:fld id="{ABB50B84-C221-BA49-B172-B6D4747B1BA4}" type="datetimeFigureOut">
               <a:rPr lang="en-US" smtClean="0"/>
-              <a:t>9/26/19</a:t>
+              <a:t>10/1/19</a:t>
             </a:fld>
             <a:endParaRPr lang="en-US"/>
           </a:p>
@@ -2125,7 +2127,7 @@
           <a:p>
             <a:fld id="{ABB50B84-C221-BA49-B172-B6D4747B1BA4}" type="datetimeFigureOut">
               <a:rPr lang="en-US" smtClean="0"/>
-              <a:t>9/26/19</a:t>
+              <a:t>10/1/19</a:t>
             </a:fld>
             <a:endParaRPr lang="en-US"/>
           </a:p>
@@ -2537,7 +2539,7 @@
           <a:p>
             <a:fld id="{ABB50B84-C221-BA49-B172-B6D4747B1BA4}" type="datetimeFigureOut">
               <a:rPr lang="en-US" smtClean="0"/>
-              <a:t>9/26/19</a:t>
+              <a:t>10/1/19</a:t>
             </a:fld>
             <a:endParaRPr lang="en-US"/>
           </a:p>
@@ -2678,7 +2680,7 @@
           <a:p>
             <a:fld id="{ABB50B84-C221-BA49-B172-B6D4747B1BA4}" type="datetimeFigureOut">
               <a:rPr lang="en-US" smtClean="0"/>
-              <a:t>9/26/19</a:t>
+              <a:t>10/1/19</a:t>
             </a:fld>
             <a:endParaRPr lang="en-US"/>
           </a:p>
@@ -2791,7 +2793,7 @@
           <a:p>
             <a:fld id="{ABB50B84-C221-BA49-B172-B6D4747B1BA4}" type="datetimeFigureOut">
               <a:rPr lang="en-US" smtClean="0"/>
-              <a:t>9/26/19</a:t>
+              <a:t>10/1/19</a:t>
             </a:fld>
             <a:endParaRPr lang="en-US"/>
           </a:p>
@@ -3102,7 +3104,7 @@
           <a:p>
             <a:fld id="{ABB50B84-C221-BA49-B172-B6D4747B1BA4}" type="datetimeFigureOut">
               <a:rPr lang="en-US" smtClean="0"/>
-              <a:t>9/26/19</a:t>
+              <a:t>10/1/19</a:t>
             </a:fld>
             <a:endParaRPr lang="en-US"/>
           </a:p>
@@ -3390,7 +3392,7 @@
           <a:p>
             <a:fld id="{ABB50B84-C221-BA49-B172-B6D4747B1BA4}" type="datetimeFigureOut">
               <a:rPr lang="en-US" smtClean="0"/>
-              <a:t>9/26/19</a:t>
+              <a:t>10/1/19</a:t>
             </a:fld>
             <a:endParaRPr lang="en-US"/>
           </a:p>
@@ -3631,7 +3633,7 @@
           <a:p>
             <a:fld id="{ABB50B84-C221-BA49-B172-B6D4747B1BA4}" type="datetimeFigureOut">
               <a:rPr lang="en-US" smtClean="0"/>
-              <a:t>9/26/19</a:t>
+              <a:t>10/1/19</a:t>
             </a:fld>
             <a:endParaRPr lang="en-US"/>
           </a:p>
@@ -33493,6 +33495,1232 @@
     <p:extLst>
       <p:ext uri="{BB962C8B-B14F-4D97-AF65-F5344CB8AC3E}">
         <p14:creationId xmlns:p14="http://schemas.microsoft.com/office/powerpoint/2010/main" val="2185006966"/>
+      </p:ext>
+    </p:extLst>
+  </p:cSld>
+  <p:clrMapOvr>
+    <a:masterClrMapping/>
+  </p:clrMapOvr>
+</p:sld>
+</file>
+
+<file path=ppt/slides/slide36.xml><?xml version="1.0" encoding="utf-8"?>
+<p:sld xmlns:a="http://schemas.openxmlformats.org/drawingml/2006/main" xmlns:r="http://schemas.openxmlformats.org/officeDocument/2006/relationships" xmlns:p="http://schemas.openxmlformats.org/presentationml/2006/main">
+  <p:cSld>
+    <p:spTree>
+      <p:nvGrpSpPr>
+        <p:cNvPr id="1" name=""/>
+        <p:cNvGrpSpPr/>
+        <p:nvPr/>
+      </p:nvGrpSpPr>
+      <p:grpSpPr>
+        <a:xfrm>
+          <a:off x="0" y="0"/>
+          <a:ext cx="0" cy="0"/>
+          <a:chOff x="0" y="0"/>
+          <a:chExt cx="0" cy="0"/>
+        </a:xfrm>
+      </p:grpSpPr>
+      <p:sp>
+        <p:nvSpPr>
+          <p:cNvPr id="4" name="四角形: 角を丸くする 3">
+            <a:extLst>
+              <a:ext uri="{FF2B5EF4-FFF2-40B4-BE49-F238E27FC236}">
+                <a16:creationId xmlns:a16="http://schemas.microsoft.com/office/drawing/2014/main" id="{90328C98-6451-9D43-B6DD-F7C6DD3ABA40}"/>
+              </a:ext>
+            </a:extLst>
+          </p:cNvPr>
+          <p:cNvSpPr/>
+          <p:nvPr/>
+        </p:nvSpPr>
+        <p:spPr>
+          <a:xfrm>
+            <a:off x="3338912" y="1535706"/>
+            <a:ext cx="2269406" cy="811960"/>
+          </a:xfrm>
+          <a:prstGeom prst="roundRect">
+            <a:avLst/>
+          </a:prstGeom>
+          <a:ln w="38100"/>
+        </p:spPr>
+        <p:style>
+          <a:lnRef idx="2">
+            <a:schemeClr val="accent1"/>
+          </a:lnRef>
+          <a:fillRef idx="1">
+            <a:schemeClr val="lt1"/>
+          </a:fillRef>
+          <a:effectRef idx="0">
+            <a:schemeClr val="accent1"/>
+          </a:effectRef>
+          <a:fontRef idx="minor">
+            <a:schemeClr val="dk1"/>
+          </a:fontRef>
+        </p:style>
+        <p:txBody>
+          <a:bodyPr rtlCol="0" anchor="ctr"/>
+          <a:lstStyle/>
+          <a:p>
+            <a:pPr algn="ctr"/>
+            <a:r>
+              <a:rPr kumimoji="1" lang="en-US" altLang="ja-JP" sz="1600" b="1" dirty="0"/>
+              <a:t>Compute Hash/MAC/Signature</a:t>
+            </a:r>
+          </a:p>
+        </p:txBody>
+      </p:sp>
+      <p:cxnSp>
+        <p:nvCxnSpPr>
+          <p:cNvPr id="5" name="直線矢印コネクタ 19">
+            <a:extLst>
+              <a:ext uri="{FF2B5EF4-FFF2-40B4-BE49-F238E27FC236}">
+                <a16:creationId xmlns:a16="http://schemas.microsoft.com/office/drawing/2014/main" id="{36801C1D-D6BA-0B45-8642-35FCEA550826}"/>
+              </a:ext>
+            </a:extLst>
+          </p:cNvPr>
+          <p:cNvCxnSpPr>
+            <a:cxnSpLocks/>
+            <a:endCxn id="4" idx="0"/>
+          </p:cNvCxnSpPr>
+          <p:nvPr/>
+        </p:nvCxnSpPr>
+        <p:spPr>
+          <a:xfrm>
+            <a:off x="4465344" y="403871"/>
+            <a:ext cx="8271" cy="1131835"/>
+          </a:xfrm>
+          <a:prstGeom prst="straightConnector1">
+            <a:avLst/>
+          </a:prstGeom>
+          <a:ln w="38100">
+            <a:solidFill>
+              <a:schemeClr val="tx1"/>
+            </a:solidFill>
+            <a:tailEnd type="triangle"/>
+          </a:ln>
+        </p:spPr>
+        <p:style>
+          <a:lnRef idx="1">
+            <a:schemeClr val="accent1"/>
+          </a:lnRef>
+          <a:fillRef idx="0">
+            <a:schemeClr val="accent1"/>
+          </a:fillRef>
+          <a:effectRef idx="0">
+            <a:schemeClr val="accent1"/>
+          </a:effectRef>
+          <a:fontRef idx="minor">
+            <a:schemeClr val="tx1"/>
+          </a:fontRef>
+        </p:style>
+      </p:cxnSp>
+      <p:cxnSp>
+        <p:nvCxnSpPr>
+          <p:cNvPr id="6" name="直線矢印コネクタ 21">
+            <a:extLst>
+              <a:ext uri="{FF2B5EF4-FFF2-40B4-BE49-F238E27FC236}">
+                <a16:creationId xmlns:a16="http://schemas.microsoft.com/office/drawing/2014/main" id="{9EFF66F0-3622-EB49-909F-BDD7F1E4EBD9}"/>
+              </a:ext>
+            </a:extLst>
+          </p:cNvPr>
+          <p:cNvCxnSpPr>
+            <a:cxnSpLocks/>
+            <a:stCxn id="4" idx="2"/>
+          </p:cNvCxnSpPr>
+          <p:nvPr/>
+        </p:nvCxnSpPr>
+        <p:spPr>
+          <a:xfrm flipH="1">
+            <a:off x="4465344" y="2347666"/>
+            <a:ext cx="8271" cy="1149299"/>
+          </a:xfrm>
+          <a:prstGeom prst="straightConnector1">
+            <a:avLst/>
+          </a:prstGeom>
+          <a:ln w="38100">
+            <a:solidFill>
+              <a:schemeClr val="tx1"/>
+            </a:solidFill>
+            <a:tailEnd type="triangle"/>
+          </a:ln>
+        </p:spPr>
+        <p:style>
+          <a:lnRef idx="1">
+            <a:schemeClr val="accent1"/>
+          </a:lnRef>
+          <a:fillRef idx="0">
+            <a:schemeClr val="accent1"/>
+          </a:fillRef>
+          <a:effectRef idx="0">
+            <a:schemeClr val="accent1"/>
+          </a:effectRef>
+          <a:fontRef idx="minor">
+            <a:schemeClr val="tx1"/>
+          </a:fontRef>
+        </p:style>
+      </p:cxnSp>
+      <p:pic>
+        <p:nvPicPr>
+          <p:cNvPr id="7" name="Picture 33">
+            <a:extLst>
+              <a:ext uri="{FF2B5EF4-FFF2-40B4-BE49-F238E27FC236}">
+                <a16:creationId xmlns:a16="http://schemas.microsoft.com/office/drawing/2014/main" id="{8EC57100-0B41-5142-9CBD-798051A16925}"/>
+              </a:ext>
+            </a:extLst>
+          </p:cNvPr>
+          <p:cNvPicPr>
+            <a:picLocks noChangeAspect="1"/>
+          </p:cNvPicPr>
+          <p:nvPr/>
+        </p:nvPicPr>
+        <p:blipFill>
+          <a:blip r:embed="rId2"/>
+          <a:stretch>
+            <a:fillRect/>
+          </a:stretch>
+        </p:blipFill>
+        <p:spPr>
+          <a:xfrm>
+            <a:off x="4465345" y="403871"/>
+            <a:ext cx="811960" cy="811960"/>
+          </a:xfrm>
+          <a:prstGeom prst="rect">
+            <a:avLst/>
+          </a:prstGeom>
+        </p:spPr>
+      </p:pic>
+      <p:sp>
+        <p:nvSpPr>
+          <p:cNvPr id="9" name="TextBox 45">
+            <a:extLst>
+              <a:ext uri="{FF2B5EF4-FFF2-40B4-BE49-F238E27FC236}">
+                <a16:creationId xmlns:a16="http://schemas.microsoft.com/office/drawing/2014/main" id="{95AE8E9A-39CE-FE48-9EFD-8572E11AD4F0}"/>
+              </a:ext>
+            </a:extLst>
+          </p:cNvPr>
+          <p:cNvSpPr txBox="1"/>
+          <p:nvPr/>
+        </p:nvSpPr>
+        <p:spPr>
+          <a:xfrm>
+            <a:off x="4465345" y="1117921"/>
+            <a:ext cx="1222579" cy="369332"/>
+          </a:xfrm>
+          <a:prstGeom prst="rect">
+            <a:avLst/>
+          </a:prstGeom>
+          <a:noFill/>
+        </p:spPr>
+        <p:txBody>
+          <a:bodyPr wrap="square" rtlCol="0">
+            <a:spAutoFit/>
+          </a:bodyPr>
+          <a:lstStyle/>
+          <a:p>
+            <a:r>
+              <a:rPr lang="en-US" dirty="0">
+                <a:solidFill>
+                  <a:srgbClr val="0070C0"/>
+                </a:solidFill>
+              </a:rPr>
+              <a:t>Data </a:t>
+            </a:r>
+            <a:r>
+              <a:rPr lang="en-US" i="1" dirty="0">
+                <a:solidFill>
+                  <a:srgbClr val="0070C0"/>
+                </a:solidFill>
+              </a:rPr>
+              <a:t>D</a:t>
+            </a:r>
+          </a:p>
+        </p:txBody>
+      </p:sp>
+      <p:sp>
+        <p:nvSpPr>
+          <p:cNvPr id="11" name="吹き出し: 折線 (強調線付き) 33">
+            <a:extLst>
+              <a:ext uri="{FF2B5EF4-FFF2-40B4-BE49-F238E27FC236}">
+                <a16:creationId xmlns:a16="http://schemas.microsoft.com/office/drawing/2014/main" id="{179A5595-8E05-0D4A-BEA0-ACBA26455ED3}"/>
+              </a:ext>
+            </a:extLst>
+          </p:cNvPr>
+          <p:cNvSpPr/>
+          <p:nvPr/>
+        </p:nvSpPr>
+        <p:spPr>
+          <a:xfrm>
+            <a:off x="6128473" y="2123572"/>
+            <a:ext cx="3712074" cy="811960"/>
+          </a:xfrm>
+          <a:prstGeom prst="accentCallout2">
+            <a:avLst>
+              <a:gd name="adj1" fmla="val 18751"/>
+              <a:gd name="adj2" fmla="val -1660"/>
+              <a:gd name="adj3" fmla="val 18113"/>
+              <a:gd name="adj4" fmla="val -9103"/>
+              <a:gd name="adj5" fmla="val 97574"/>
+              <a:gd name="adj6" fmla="val -26794"/>
+            </a:avLst>
+          </a:prstGeom>
+          <a:solidFill>
+            <a:schemeClr val="bg1"/>
+          </a:solidFill>
+        </p:spPr>
+        <p:style>
+          <a:lnRef idx="2">
+            <a:schemeClr val="accent1">
+              <a:shade val="50000"/>
+            </a:schemeClr>
+          </a:lnRef>
+          <a:fillRef idx="1">
+            <a:schemeClr val="accent1"/>
+          </a:fillRef>
+          <a:effectRef idx="0">
+            <a:schemeClr val="accent1"/>
+          </a:effectRef>
+          <a:fontRef idx="minor">
+            <a:schemeClr val="lt1"/>
+          </a:fontRef>
+        </p:style>
+        <p:txBody>
+          <a:bodyPr rtlCol="0" anchor="ctr"/>
+          <a:lstStyle/>
+          <a:p>
+            <a:r>
+              <a:rPr kumimoji="1" lang="en-US" altLang="ja-JP" b="1" dirty="0">
+                <a:solidFill>
+                  <a:schemeClr val="tx1"/>
+                </a:solidFill>
+              </a:rPr>
+              <a:t>Then, we shall verify data using hash, MAC and signature, </a:t>
+            </a:r>
+            <a:r>
+              <a:rPr kumimoji="1" lang="en-US" altLang="ja-JP" b="1" dirty="0">
+                <a:solidFill>
+                  <a:srgbClr val="FF0000"/>
+                </a:solidFill>
+              </a:rPr>
+              <a:t>and detect malicious data modification!</a:t>
+            </a:r>
+          </a:p>
+        </p:txBody>
+      </p:sp>
+      <p:pic>
+        <p:nvPicPr>
+          <p:cNvPr id="12" name="Picture 11">
+            <a:extLst>
+              <a:ext uri="{FF2B5EF4-FFF2-40B4-BE49-F238E27FC236}">
+                <a16:creationId xmlns:a16="http://schemas.microsoft.com/office/drawing/2014/main" id="{161F7393-47CE-674E-887F-1A5AFDE49E43}"/>
+              </a:ext>
+            </a:extLst>
+          </p:cNvPr>
+          <p:cNvPicPr>
+            <a:picLocks noChangeAspect="1"/>
+          </p:cNvPicPr>
+          <p:nvPr/>
+        </p:nvPicPr>
+        <p:blipFill>
+          <a:blip r:embed="rId3"/>
+          <a:stretch>
+            <a:fillRect/>
+          </a:stretch>
+        </p:blipFill>
+        <p:spPr>
+          <a:xfrm>
+            <a:off x="4624179" y="2470339"/>
+            <a:ext cx="486066" cy="712897"/>
+          </a:xfrm>
+          <a:prstGeom prst="rect">
+            <a:avLst/>
+          </a:prstGeom>
+        </p:spPr>
+      </p:pic>
+      <p:sp>
+        <p:nvSpPr>
+          <p:cNvPr id="16" name="Rectangle 15">
+            <a:extLst>
+              <a:ext uri="{FF2B5EF4-FFF2-40B4-BE49-F238E27FC236}">
+                <a16:creationId xmlns:a16="http://schemas.microsoft.com/office/drawing/2014/main" id="{4AEDFEC5-1588-5F41-A057-4F8EEC54BB12}"/>
+              </a:ext>
+            </a:extLst>
+          </p:cNvPr>
+          <p:cNvSpPr/>
+          <p:nvPr/>
+        </p:nvSpPr>
+        <p:spPr>
+          <a:xfrm>
+            <a:off x="4495353" y="3139718"/>
+            <a:ext cx="2225930" cy="369332"/>
+          </a:xfrm>
+          <a:prstGeom prst="rect">
+            <a:avLst/>
+          </a:prstGeom>
+        </p:spPr>
+        <p:txBody>
+          <a:bodyPr wrap="none">
+            <a:spAutoFit/>
+          </a:bodyPr>
+          <a:lstStyle/>
+          <a:p>
+            <a:r>
+              <a:rPr kumimoji="1" lang="en-US" altLang="ja-JP" dirty="0">
+                <a:solidFill>
+                  <a:srgbClr val="0070C0"/>
+                </a:solidFill>
+              </a:rPr>
+              <a:t>Hash/MAC/Signature</a:t>
+            </a:r>
+            <a:endParaRPr lang="en-US" dirty="0">
+              <a:solidFill>
+                <a:srgbClr val="0070C0"/>
+              </a:solidFill>
+            </a:endParaRPr>
+          </a:p>
+        </p:txBody>
+      </p:sp>
+    </p:spTree>
+    <p:extLst>
+      <p:ext uri="{BB962C8B-B14F-4D97-AF65-F5344CB8AC3E}">
+        <p14:creationId xmlns:p14="http://schemas.microsoft.com/office/powerpoint/2010/main" val="1494910014"/>
+      </p:ext>
+    </p:extLst>
+  </p:cSld>
+  <p:clrMapOvr>
+    <a:masterClrMapping/>
+  </p:clrMapOvr>
+</p:sld>
+</file>
+
+<file path=ppt/slides/slide37.xml><?xml version="1.0" encoding="utf-8"?>
+<p:sld xmlns:a="http://schemas.openxmlformats.org/drawingml/2006/main" xmlns:r="http://schemas.openxmlformats.org/officeDocument/2006/relationships" xmlns:p="http://schemas.openxmlformats.org/presentationml/2006/main">
+  <p:cSld>
+    <p:spTree>
+      <p:nvGrpSpPr>
+        <p:cNvPr id="1" name=""/>
+        <p:cNvGrpSpPr/>
+        <p:nvPr/>
+      </p:nvGrpSpPr>
+      <p:grpSpPr>
+        <a:xfrm>
+          <a:off x="0" y="0"/>
+          <a:ext cx="0" cy="0"/>
+          <a:chOff x="0" y="0"/>
+          <a:chExt cx="0" cy="0"/>
+        </a:xfrm>
+      </p:grpSpPr>
+      <p:cxnSp>
+        <p:nvCxnSpPr>
+          <p:cNvPr id="19" name="Straight Arrow Connector 18">
+            <a:extLst>
+              <a:ext uri="{FF2B5EF4-FFF2-40B4-BE49-F238E27FC236}">
+                <a16:creationId xmlns:a16="http://schemas.microsoft.com/office/drawing/2014/main" id="{7C779DB8-CB67-6540-B04B-22E821246A72}"/>
+              </a:ext>
+            </a:extLst>
+          </p:cNvPr>
+          <p:cNvCxnSpPr>
+            <a:cxnSpLocks/>
+          </p:cNvCxnSpPr>
+          <p:nvPr/>
+        </p:nvCxnSpPr>
+        <p:spPr>
+          <a:xfrm>
+            <a:off x="568960" y="2407920"/>
+            <a:ext cx="10952480" cy="0"/>
+          </a:xfrm>
+          <a:prstGeom prst="straightConnector1">
+            <a:avLst/>
+          </a:prstGeom>
+          <a:ln w="38100">
+            <a:solidFill>
+              <a:schemeClr val="tx1"/>
+            </a:solidFill>
+            <a:tailEnd type="triangle"/>
+          </a:ln>
+        </p:spPr>
+        <p:style>
+          <a:lnRef idx="1">
+            <a:schemeClr val="accent1"/>
+          </a:lnRef>
+          <a:fillRef idx="0">
+            <a:schemeClr val="accent1"/>
+          </a:fillRef>
+          <a:effectRef idx="0">
+            <a:schemeClr val="accent1"/>
+          </a:effectRef>
+          <a:fontRef idx="minor">
+            <a:schemeClr val="tx1"/>
+          </a:fontRef>
+        </p:style>
+      </p:cxnSp>
+      <p:sp>
+        <p:nvSpPr>
+          <p:cNvPr id="21" name="TextBox 20">
+            <a:extLst>
+              <a:ext uri="{FF2B5EF4-FFF2-40B4-BE49-F238E27FC236}">
+                <a16:creationId xmlns:a16="http://schemas.microsoft.com/office/drawing/2014/main" id="{14E9F4FB-E7A2-A640-AC92-B8BE5BA82B3B}"/>
+              </a:ext>
+            </a:extLst>
+          </p:cNvPr>
+          <p:cNvSpPr txBox="1"/>
+          <p:nvPr/>
+        </p:nvSpPr>
+        <p:spPr>
+          <a:xfrm>
+            <a:off x="10185397" y="2052042"/>
+            <a:ext cx="652743" cy="369332"/>
+          </a:xfrm>
+          <a:prstGeom prst="rect">
+            <a:avLst/>
+          </a:prstGeom>
+          <a:noFill/>
+        </p:spPr>
+        <p:txBody>
+          <a:bodyPr wrap="none" rtlCol="0">
+            <a:spAutoFit/>
+          </a:bodyPr>
+          <a:lstStyle/>
+          <a:p>
+            <a:r>
+              <a:rPr lang="en-US" dirty="0"/>
+              <a:t>2020</a:t>
+            </a:r>
+          </a:p>
+        </p:txBody>
+      </p:sp>
+      <p:sp>
+        <p:nvSpPr>
+          <p:cNvPr id="22" name="TextBox 21">
+            <a:extLst>
+              <a:ext uri="{FF2B5EF4-FFF2-40B4-BE49-F238E27FC236}">
+                <a16:creationId xmlns:a16="http://schemas.microsoft.com/office/drawing/2014/main" id="{BA290AD6-FABE-BA4A-8810-2349AC51F6A3}"/>
+              </a:ext>
+            </a:extLst>
+          </p:cNvPr>
+          <p:cNvSpPr txBox="1"/>
+          <p:nvPr/>
+        </p:nvSpPr>
+        <p:spPr>
+          <a:xfrm>
+            <a:off x="6979918" y="2052042"/>
+            <a:ext cx="652743" cy="369332"/>
+          </a:xfrm>
+          <a:prstGeom prst="rect">
+            <a:avLst/>
+          </a:prstGeom>
+          <a:noFill/>
+        </p:spPr>
+        <p:txBody>
+          <a:bodyPr wrap="none" rtlCol="0">
+            <a:spAutoFit/>
+          </a:bodyPr>
+          <a:lstStyle/>
+          <a:p>
+            <a:r>
+              <a:rPr lang="en-US" dirty="0"/>
+              <a:t>2010</a:t>
+            </a:r>
+          </a:p>
+        </p:txBody>
+      </p:sp>
+      <p:sp>
+        <p:nvSpPr>
+          <p:cNvPr id="23" name="TextBox 22">
+            <a:extLst>
+              <a:ext uri="{FF2B5EF4-FFF2-40B4-BE49-F238E27FC236}">
+                <a16:creationId xmlns:a16="http://schemas.microsoft.com/office/drawing/2014/main" id="{0CA5BF0A-A4B8-9C45-B234-9344E26B745D}"/>
+              </a:ext>
+            </a:extLst>
+          </p:cNvPr>
+          <p:cNvSpPr txBox="1"/>
+          <p:nvPr/>
+        </p:nvSpPr>
+        <p:spPr>
+          <a:xfrm>
+            <a:off x="3774439" y="2048470"/>
+            <a:ext cx="652743" cy="369332"/>
+          </a:xfrm>
+          <a:prstGeom prst="rect">
+            <a:avLst/>
+          </a:prstGeom>
+          <a:noFill/>
+        </p:spPr>
+        <p:txBody>
+          <a:bodyPr wrap="none" rtlCol="0">
+            <a:spAutoFit/>
+          </a:bodyPr>
+          <a:lstStyle/>
+          <a:p>
+            <a:r>
+              <a:rPr lang="en-US" dirty="0"/>
+              <a:t>2000</a:t>
+            </a:r>
+          </a:p>
+        </p:txBody>
+      </p:sp>
+      <p:sp>
+        <p:nvSpPr>
+          <p:cNvPr id="24" name="TextBox 23">
+            <a:extLst>
+              <a:ext uri="{FF2B5EF4-FFF2-40B4-BE49-F238E27FC236}">
+                <a16:creationId xmlns:a16="http://schemas.microsoft.com/office/drawing/2014/main" id="{DB3D8CC6-BC53-EC4B-9E1D-DFC06A2E7261}"/>
+              </a:ext>
+            </a:extLst>
+          </p:cNvPr>
+          <p:cNvSpPr txBox="1"/>
+          <p:nvPr/>
+        </p:nvSpPr>
+        <p:spPr>
+          <a:xfrm>
+            <a:off x="568960" y="2052042"/>
+            <a:ext cx="652743" cy="369332"/>
+          </a:xfrm>
+          <a:prstGeom prst="rect">
+            <a:avLst/>
+          </a:prstGeom>
+          <a:noFill/>
+        </p:spPr>
+        <p:txBody>
+          <a:bodyPr wrap="none" rtlCol="0">
+            <a:spAutoFit/>
+          </a:bodyPr>
+          <a:lstStyle/>
+          <a:p>
+            <a:r>
+              <a:rPr lang="en-US" dirty="0"/>
+              <a:t>1990</a:t>
+            </a:r>
+          </a:p>
+        </p:txBody>
+      </p:sp>
+      <p:sp>
+        <p:nvSpPr>
+          <p:cNvPr id="29" name="Rounded Rectangle 28">
+            <a:extLst>
+              <a:ext uri="{FF2B5EF4-FFF2-40B4-BE49-F238E27FC236}">
+                <a16:creationId xmlns:a16="http://schemas.microsoft.com/office/drawing/2014/main" id="{84D28C2D-6E36-4841-85FC-3E4ED9A7CFDE}"/>
+              </a:ext>
+            </a:extLst>
+          </p:cNvPr>
+          <p:cNvSpPr/>
+          <p:nvPr/>
+        </p:nvSpPr>
+        <p:spPr>
+          <a:xfrm>
+            <a:off x="568960" y="3012441"/>
+            <a:ext cx="1717040" cy="833118"/>
+          </a:xfrm>
+          <a:prstGeom prst="roundRect">
+            <a:avLst/>
+          </a:prstGeom>
+          <a:solidFill>
+            <a:schemeClr val="bg2">
+              <a:lumMod val="90000"/>
+            </a:schemeClr>
+          </a:solidFill>
+          <a:ln w="38100">
+            <a:solidFill>
+              <a:schemeClr val="tx1"/>
+            </a:solidFill>
+          </a:ln>
+        </p:spPr>
+        <p:style>
+          <a:lnRef idx="2">
+            <a:schemeClr val="accent1"/>
+          </a:lnRef>
+          <a:fillRef idx="1">
+            <a:schemeClr val="lt1"/>
+          </a:fillRef>
+          <a:effectRef idx="0">
+            <a:schemeClr val="accent1"/>
+          </a:effectRef>
+          <a:fontRef idx="minor">
+            <a:schemeClr val="dk1"/>
+          </a:fontRef>
+        </p:style>
+        <p:txBody>
+          <a:bodyPr rtlCol="0" anchor="ctr"/>
+          <a:lstStyle/>
+          <a:p>
+            <a:r>
+              <a:rPr lang="en-US" b="1" dirty="0"/>
+              <a:t>1992: MD5 (128bits)</a:t>
+            </a:r>
+          </a:p>
+        </p:txBody>
+      </p:sp>
+      <p:cxnSp>
+        <p:nvCxnSpPr>
+          <p:cNvPr id="31" name="Straight Connector 30">
+            <a:extLst>
+              <a:ext uri="{FF2B5EF4-FFF2-40B4-BE49-F238E27FC236}">
+                <a16:creationId xmlns:a16="http://schemas.microsoft.com/office/drawing/2014/main" id="{0F4C74E7-CC1E-9C48-9005-5157CE5D8F86}"/>
+              </a:ext>
+            </a:extLst>
+          </p:cNvPr>
+          <p:cNvCxnSpPr>
+            <a:stCxn id="29" idx="0"/>
+          </p:cNvCxnSpPr>
+          <p:nvPr/>
+        </p:nvCxnSpPr>
+        <p:spPr>
+          <a:xfrm flipV="1">
+            <a:off x="1427480" y="2417802"/>
+            <a:ext cx="3829" cy="594639"/>
+          </a:xfrm>
+          <a:prstGeom prst="line">
+            <a:avLst/>
+          </a:prstGeom>
+          <a:ln w="38100">
+            <a:solidFill>
+              <a:schemeClr val="tx1"/>
+            </a:solidFill>
+            <a:prstDash val="sysDash"/>
+          </a:ln>
+        </p:spPr>
+        <p:style>
+          <a:lnRef idx="1">
+            <a:schemeClr val="accent1"/>
+          </a:lnRef>
+          <a:fillRef idx="0">
+            <a:schemeClr val="accent1"/>
+          </a:fillRef>
+          <a:effectRef idx="0">
+            <a:schemeClr val="accent1"/>
+          </a:effectRef>
+          <a:fontRef idx="minor">
+            <a:schemeClr val="tx1"/>
+          </a:fontRef>
+        </p:style>
+      </p:cxnSp>
+      <p:sp>
+        <p:nvSpPr>
+          <p:cNvPr id="32" name="Rounded Rectangle 31">
+            <a:extLst>
+              <a:ext uri="{FF2B5EF4-FFF2-40B4-BE49-F238E27FC236}">
+                <a16:creationId xmlns:a16="http://schemas.microsoft.com/office/drawing/2014/main" id="{5386E749-0403-4D4E-9F00-A185D4AC4148}"/>
+              </a:ext>
+            </a:extLst>
+          </p:cNvPr>
+          <p:cNvSpPr/>
+          <p:nvPr/>
+        </p:nvSpPr>
+        <p:spPr>
+          <a:xfrm>
+            <a:off x="1652878" y="4185922"/>
+            <a:ext cx="1717036" cy="833118"/>
+          </a:xfrm>
+          <a:prstGeom prst="roundRect">
+            <a:avLst/>
+          </a:prstGeom>
+          <a:solidFill>
+            <a:schemeClr val="bg2">
+              <a:lumMod val="90000"/>
+            </a:schemeClr>
+          </a:solidFill>
+          <a:ln w="38100">
+            <a:solidFill>
+              <a:schemeClr val="tx1"/>
+            </a:solidFill>
+          </a:ln>
+        </p:spPr>
+        <p:style>
+          <a:lnRef idx="2">
+            <a:schemeClr val="accent1"/>
+          </a:lnRef>
+          <a:fillRef idx="1">
+            <a:schemeClr val="lt1"/>
+          </a:fillRef>
+          <a:effectRef idx="0">
+            <a:schemeClr val="accent1"/>
+          </a:effectRef>
+          <a:fontRef idx="minor">
+            <a:schemeClr val="dk1"/>
+          </a:fontRef>
+        </p:style>
+        <p:txBody>
+          <a:bodyPr rtlCol="0" anchor="ctr"/>
+          <a:lstStyle/>
+          <a:p>
+            <a:r>
+              <a:rPr lang="en-US" b="1" dirty="0"/>
+              <a:t>1992: SHA-1 (160bits)</a:t>
+            </a:r>
+          </a:p>
+        </p:txBody>
+      </p:sp>
+      <p:cxnSp>
+        <p:nvCxnSpPr>
+          <p:cNvPr id="33" name="Straight Connector 32">
+            <a:extLst>
+              <a:ext uri="{FF2B5EF4-FFF2-40B4-BE49-F238E27FC236}">
+                <a16:creationId xmlns:a16="http://schemas.microsoft.com/office/drawing/2014/main" id="{FD4D9F05-6924-E940-A42D-1A558F8B92DD}"/>
+              </a:ext>
+            </a:extLst>
+          </p:cNvPr>
+          <p:cNvCxnSpPr>
+            <a:cxnSpLocks/>
+            <a:stCxn id="32" idx="0"/>
+          </p:cNvCxnSpPr>
+          <p:nvPr/>
+        </p:nvCxnSpPr>
+        <p:spPr>
+          <a:xfrm flipH="1" flipV="1">
+            <a:off x="2505106" y="2392681"/>
+            <a:ext cx="6290" cy="1793241"/>
+          </a:xfrm>
+          <a:prstGeom prst="line">
+            <a:avLst/>
+          </a:prstGeom>
+          <a:ln w="38100">
+            <a:solidFill>
+              <a:schemeClr val="tx1"/>
+            </a:solidFill>
+            <a:prstDash val="sysDash"/>
+          </a:ln>
+        </p:spPr>
+        <p:style>
+          <a:lnRef idx="1">
+            <a:schemeClr val="accent1"/>
+          </a:lnRef>
+          <a:fillRef idx="0">
+            <a:schemeClr val="accent1"/>
+          </a:fillRef>
+          <a:effectRef idx="0">
+            <a:schemeClr val="accent1"/>
+          </a:effectRef>
+          <a:fontRef idx="minor">
+            <a:schemeClr val="tx1"/>
+          </a:fontRef>
+        </p:style>
+      </p:cxnSp>
+      <p:sp>
+        <p:nvSpPr>
+          <p:cNvPr id="38" name="Rounded Rectangle 37">
+            <a:extLst>
+              <a:ext uri="{FF2B5EF4-FFF2-40B4-BE49-F238E27FC236}">
+                <a16:creationId xmlns:a16="http://schemas.microsoft.com/office/drawing/2014/main" id="{DDEC957D-4ADB-CF41-BB3F-24D767E9E52F}"/>
+              </a:ext>
+            </a:extLst>
+          </p:cNvPr>
+          <p:cNvSpPr/>
+          <p:nvPr/>
+        </p:nvSpPr>
+        <p:spPr>
+          <a:xfrm>
+            <a:off x="3667761" y="5420362"/>
+            <a:ext cx="1717040" cy="833118"/>
+          </a:xfrm>
+          <a:prstGeom prst="roundRect">
+            <a:avLst/>
+          </a:prstGeom>
+          <a:solidFill>
+            <a:schemeClr val="accent6">
+              <a:lumMod val="20000"/>
+              <a:lumOff val="80000"/>
+            </a:schemeClr>
+          </a:solidFill>
+          <a:ln w="38100">
+            <a:solidFill>
+              <a:schemeClr val="tx1"/>
+            </a:solidFill>
+          </a:ln>
+        </p:spPr>
+        <p:style>
+          <a:lnRef idx="2">
+            <a:schemeClr val="accent1"/>
+          </a:lnRef>
+          <a:fillRef idx="1">
+            <a:schemeClr val="lt1"/>
+          </a:fillRef>
+          <a:effectRef idx="0">
+            <a:schemeClr val="accent1"/>
+          </a:effectRef>
+          <a:fontRef idx="minor">
+            <a:schemeClr val="dk1"/>
+          </a:fontRef>
+        </p:style>
+        <p:txBody>
+          <a:bodyPr rtlCol="0" anchor="ctr"/>
+          <a:lstStyle/>
+          <a:p>
+            <a:r>
+              <a:rPr lang="en-US" b="1" dirty="0"/>
+              <a:t>2001: SHA-2 (224, 256, 384, 512bits)</a:t>
+            </a:r>
+          </a:p>
+        </p:txBody>
+      </p:sp>
+      <p:cxnSp>
+        <p:nvCxnSpPr>
+          <p:cNvPr id="39" name="Straight Connector 38">
+            <a:extLst>
+              <a:ext uri="{FF2B5EF4-FFF2-40B4-BE49-F238E27FC236}">
+                <a16:creationId xmlns:a16="http://schemas.microsoft.com/office/drawing/2014/main" id="{9537E734-E6FF-7942-AE8C-4E4BB7CE133D}"/>
+              </a:ext>
+            </a:extLst>
+          </p:cNvPr>
+          <p:cNvCxnSpPr>
+            <a:cxnSpLocks/>
+            <a:stCxn id="38" idx="0"/>
+          </p:cNvCxnSpPr>
+          <p:nvPr/>
+        </p:nvCxnSpPr>
+        <p:spPr>
+          <a:xfrm flipV="1">
+            <a:off x="4526281" y="2418360"/>
+            <a:ext cx="0" cy="3002002"/>
+          </a:xfrm>
+          <a:prstGeom prst="line">
+            <a:avLst/>
+          </a:prstGeom>
+          <a:ln w="38100">
+            <a:solidFill>
+              <a:schemeClr val="tx1"/>
+            </a:solidFill>
+            <a:prstDash val="sysDash"/>
+          </a:ln>
+        </p:spPr>
+        <p:style>
+          <a:lnRef idx="1">
+            <a:schemeClr val="accent1"/>
+          </a:lnRef>
+          <a:fillRef idx="0">
+            <a:schemeClr val="accent1"/>
+          </a:fillRef>
+          <a:effectRef idx="0">
+            <a:schemeClr val="accent1"/>
+          </a:effectRef>
+          <a:fontRef idx="minor">
+            <a:schemeClr val="tx1"/>
+          </a:fontRef>
+        </p:style>
+      </p:cxnSp>
+      <p:sp>
+        <p:nvSpPr>
+          <p:cNvPr id="44" name="Rounded Rectangle 43">
+            <a:extLst>
+              <a:ext uri="{FF2B5EF4-FFF2-40B4-BE49-F238E27FC236}">
+                <a16:creationId xmlns:a16="http://schemas.microsoft.com/office/drawing/2014/main" id="{28643617-847D-A348-9867-A14348FFE963}"/>
+              </a:ext>
+            </a:extLst>
+          </p:cNvPr>
+          <p:cNvSpPr/>
+          <p:nvPr/>
+        </p:nvSpPr>
+        <p:spPr>
+          <a:xfrm>
+            <a:off x="8188961" y="5394683"/>
+            <a:ext cx="1717040" cy="833118"/>
+          </a:xfrm>
+          <a:prstGeom prst="roundRect">
+            <a:avLst/>
+          </a:prstGeom>
+          <a:solidFill>
+            <a:schemeClr val="accent6">
+              <a:lumMod val="20000"/>
+              <a:lumOff val="80000"/>
+            </a:schemeClr>
+          </a:solidFill>
+          <a:ln w="38100">
+            <a:solidFill>
+              <a:schemeClr val="tx1"/>
+            </a:solidFill>
+          </a:ln>
+        </p:spPr>
+        <p:style>
+          <a:lnRef idx="2">
+            <a:schemeClr val="accent1"/>
+          </a:lnRef>
+          <a:fillRef idx="1">
+            <a:schemeClr val="lt1"/>
+          </a:fillRef>
+          <a:effectRef idx="0">
+            <a:schemeClr val="accent1"/>
+          </a:effectRef>
+          <a:fontRef idx="minor">
+            <a:schemeClr val="dk1"/>
+          </a:fontRef>
+        </p:style>
+        <p:txBody>
+          <a:bodyPr rtlCol="0" anchor="ctr"/>
+          <a:lstStyle/>
+          <a:p>
+            <a:r>
+              <a:rPr lang="en-US" b="1" dirty="0"/>
+              <a:t>2015: SHA-3 (224, 256, 384, 512bits)</a:t>
+            </a:r>
+          </a:p>
+        </p:txBody>
+      </p:sp>
+      <p:cxnSp>
+        <p:nvCxnSpPr>
+          <p:cNvPr id="45" name="Straight Connector 44">
+            <a:extLst>
+              <a:ext uri="{FF2B5EF4-FFF2-40B4-BE49-F238E27FC236}">
+                <a16:creationId xmlns:a16="http://schemas.microsoft.com/office/drawing/2014/main" id="{07B90B82-90DF-6648-911B-CE5F17D965B2}"/>
+              </a:ext>
+            </a:extLst>
+          </p:cNvPr>
+          <p:cNvCxnSpPr>
+            <a:cxnSpLocks/>
+            <a:stCxn id="44" idx="0"/>
+          </p:cNvCxnSpPr>
+          <p:nvPr/>
+        </p:nvCxnSpPr>
+        <p:spPr>
+          <a:xfrm flipV="1">
+            <a:off x="9047481" y="2392681"/>
+            <a:ext cx="0" cy="3002002"/>
+          </a:xfrm>
+          <a:prstGeom prst="line">
+            <a:avLst/>
+          </a:prstGeom>
+          <a:ln w="38100">
+            <a:solidFill>
+              <a:schemeClr val="tx1"/>
+            </a:solidFill>
+            <a:prstDash val="sysDash"/>
+          </a:ln>
+        </p:spPr>
+        <p:style>
+          <a:lnRef idx="1">
+            <a:schemeClr val="accent1"/>
+          </a:lnRef>
+          <a:fillRef idx="0">
+            <a:schemeClr val="accent1"/>
+          </a:fillRef>
+          <a:effectRef idx="0">
+            <a:schemeClr val="accent1"/>
+          </a:effectRef>
+          <a:fontRef idx="minor">
+            <a:schemeClr val="tx1"/>
+          </a:fontRef>
+        </p:style>
+      </p:cxnSp>
+      <p:cxnSp>
+        <p:nvCxnSpPr>
+          <p:cNvPr id="47" name="Straight Arrow Connector 46">
+            <a:extLst>
+              <a:ext uri="{FF2B5EF4-FFF2-40B4-BE49-F238E27FC236}">
+                <a16:creationId xmlns:a16="http://schemas.microsoft.com/office/drawing/2014/main" id="{7BA42C59-F54F-F74C-BEBD-272BC2CC6672}"/>
+              </a:ext>
+            </a:extLst>
+          </p:cNvPr>
+          <p:cNvCxnSpPr>
+            <a:stCxn id="32" idx="3"/>
+          </p:cNvCxnSpPr>
+          <p:nvPr/>
+        </p:nvCxnSpPr>
+        <p:spPr>
+          <a:xfrm flipV="1">
+            <a:off x="3369914" y="4592320"/>
+            <a:ext cx="2329846" cy="10161"/>
+          </a:xfrm>
+          <a:prstGeom prst="straightConnector1">
+            <a:avLst/>
+          </a:prstGeom>
+          <a:ln w="38100">
+            <a:solidFill>
+              <a:srgbClr val="FF0000"/>
+            </a:solidFill>
+            <a:tailEnd type="triangle"/>
+          </a:ln>
+        </p:spPr>
+        <p:style>
+          <a:lnRef idx="1">
+            <a:schemeClr val="accent1"/>
+          </a:lnRef>
+          <a:fillRef idx="0">
+            <a:schemeClr val="accent1"/>
+          </a:fillRef>
+          <a:effectRef idx="0">
+            <a:schemeClr val="accent1"/>
+          </a:effectRef>
+          <a:fontRef idx="minor">
+            <a:schemeClr val="tx1"/>
+          </a:fontRef>
+        </p:style>
+      </p:cxnSp>
+      <p:cxnSp>
+        <p:nvCxnSpPr>
+          <p:cNvPr id="48" name="Straight Arrow Connector 47">
+            <a:extLst>
+              <a:ext uri="{FF2B5EF4-FFF2-40B4-BE49-F238E27FC236}">
+                <a16:creationId xmlns:a16="http://schemas.microsoft.com/office/drawing/2014/main" id="{314963BC-1EB1-F34E-8D58-2D2B55D594FA}"/>
+              </a:ext>
+            </a:extLst>
+          </p:cNvPr>
+          <p:cNvCxnSpPr>
+            <a:cxnSpLocks/>
+            <a:stCxn id="29" idx="3"/>
+          </p:cNvCxnSpPr>
+          <p:nvPr/>
+        </p:nvCxnSpPr>
+        <p:spPr>
+          <a:xfrm>
+            <a:off x="2286000" y="3429000"/>
+            <a:ext cx="2611120" cy="0"/>
+          </a:xfrm>
+          <a:prstGeom prst="straightConnector1">
+            <a:avLst/>
+          </a:prstGeom>
+          <a:ln w="38100">
+            <a:solidFill>
+              <a:srgbClr val="FF0000"/>
+            </a:solidFill>
+            <a:tailEnd type="triangle"/>
+          </a:ln>
+        </p:spPr>
+        <p:style>
+          <a:lnRef idx="1">
+            <a:schemeClr val="accent1"/>
+          </a:lnRef>
+          <a:fillRef idx="0">
+            <a:schemeClr val="accent1"/>
+          </a:fillRef>
+          <a:effectRef idx="0">
+            <a:schemeClr val="accent1"/>
+          </a:effectRef>
+          <a:fontRef idx="minor">
+            <a:schemeClr val="tx1"/>
+          </a:fontRef>
+        </p:style>
+      </p:cxnSp>
+      <p:pic>
+        <p:nvPicPr>
+          <p:cNvPr id="53" name="Picture 52">
+            <a:extLst>
+              <a:ext uri="{FF2B5EF4-FFF2-40B4-BE49-F238E27FC236}">
+                <a16:creationId xmlns:a16="http://schemas.microsoft.com/office/drawing/2014/main" id="{E6E0C4A8-B368-6142-BFA4-259AFF5CB546}"/>
+              </a:ext>
+            </a:extLst>
+          </p:cNvPr>
+          <p:cNvPicPr>
+            <a:picLocks noChangeAspect="1"/>
+          </p:cNvPicPr>
+          <p:nvPr/>
+        </p:nvPicPr>
+        <p:blipFill>
+          <a:blip r:embed="rId2"/>
+          <a:stretch>
+            <a:fillRect/>
+          </a:stretch>
+        </p:blipFill>
+        <p:spPr>
+          <a:xfrm>
+            <a:off x="4878717" y="2801203"/>
+            <a:ext cx="1092200" cy="1092200"/>
+          </a:xfrm>
+          <a:prstGeom prst="rect">
+            <a:avLst/>
+          </a:prstGeom>
+        </p:spPr>
+      </p:pic>
+      <p:pic>
+        <p:nvPicPr>
+          <p:cNvPr id="54" name="Picture 53">
+            <a:extLst>
+              <a:ext uri="{FF2B5EF4-FFF2-40B4-BE49-F238E27FC236}">
+                <a16:creationId xmlns:a16="http://schemas.microsoft.com/office/drawing/2014/main" id="{7987D255-0E3C-0643-BE70-6DB85E8DE67F}"/>
+              </a:ext>
+            </a:extLst>
+          </p:cNvPr>
+          <p:cNvPicPr>
+            <a:picLocks noChangeAspect="1"/>
+          </p:cNvPicPr>
+          <p:nvPr/>
+        </p:nvPicPr>
+        <p:blipFill>
+          <a:blip r:embed="rId2"/>
+          <a:stretch>
+            <a:fillRect/>
+          </a:stretch>
+        </p:blipFill>
+        <p:spPr>
+          <a:xfrm>
+            <a:off x="5682649" y="3931920"/>
+            <a:ext cx="1092200" cy="1092200"/>
+          </a:xfrm>
+          <a:prstGeom prst="rect">
+            <a:avLst/>
+          </a:prstGeom>
+        </p:spPr>
+      </p:pic>
+      <p:sp>
+        <p:nvSpPr>
+          <p:cNvPr id="55" name="TextBox 54">
+            <a:extLst>
+              <a:ext uri="{FF2B5EF4-FFF2-40B4-BE49-F238E27FC236}">
+                <a16:creationId xmlns:a16="http://schemas.microsoft.com/office/drawing/2014/main" id="{FEB56D35-A488-BD47-BEA9-BB2D1A02FDD3}"/>
+              </a:ext>
+            </a:extLst>
+          </p:cNvPr>
+          <p:cNvSpPr txBox="1"/>
+          <p:nvPr/>
+        </p:nvSpPr>
+        <p:spPr>
+          <a:xfrm>
+            <a:off x="5659697" y="3322181"/>
+            <a:ext cx="1011687" cy="369332"/>
+          </a:xfrm>
+          <a:prstGeom prst="rect">
+            <a:avLst/>
+          </a:prstGeom>
+          <a:noFill/>
+        </p:spPr>
+        <p:txBody>
+          <a:bodyPr wrap="none" rtlCol="0">
+            <a:spAutoFit/>
+          </a:bodyPr>
+          <a:lstStyle/>
+          <a:p>
+            <a:r>
+              <a:rPr lang="en-US" b="1" dirty="0"/>
+              <a:t>Cracked!</a:t>
+            </a:r>
+          </a:p>
+        </p:txBody>
+      </p:sp>
+      <p:sp>
+        <p:nvSpPr>
+          <p:cNvPr id="56" name="TextBox 55">
+            <a:extLst>
+              <a:ext uri="{FF2B5EF4-FFF2-40B4-BE49-F238E27FC236}">
+                <a16:creationId xmlns:a16="http://schemas.microsoft.com/office/drawing/2014/main" id="{947FFC61-9E81-FF4F-9D2E-C3252BA5AB27}"/>
+              </a:ext>
+            </a:extLst>
+          </p:cNvPr>
+          <p:cNvSpPr txBox="1"/>
+          <p:nvPr/>
+        </p:nvSpPr>
+        <p:spPr>
+          <a:xfrm>
+            <a:off x="6458505" y="4592320"/>
+            <a:ext cx="1011687" cy="369332"/>
+          </a:xfrm>
+          <a:prstGeom prst="rect">
+            <a:avLst/>
+          </a:prstGeom>
+          <a:noFill/>
+        </p:spPr>
+        <p:txBody>
+          <a:bodyPr wrap="none" rtlCol="0">
+            <a:spAutoFit/>
+          </a:bodyPr>
+          <a:lstStyle/>
+          <a:p>
+            <a:r>
+              <a:rPr lang="en-US" b="1" dirty="0"/>
+              <a:t>Cracked!</a:t>
+            </a:r>
+          </a:p>
+        </p:txBody>
+      </p:sp>
+    </p:spTree>
+    <p:extLst>
+      <p:ext uri="{BB962C8B-B14F-4D97-AF65-F5344CB8AC3E}">
+        <p14:creationId xmlns:p14="http://schemas.microsoft.com/office/powerpoint/2010/main" val="1642125002"/>
       </p:ext>
     </p:extLst>
   </p:cSld>

--- a/images.pptx
+++ b/images.pptx
@@ -5,7 +5,7 @@
     <p:sldMasterId id="2147483648" r:id="rId1"/>
   </p:sldMasterIdLst>
   <p:notesMasterIdLst>
-    <p:notesMasterId r:id="rId39"/>
+    <p:notesMasterId r:id="rId45"/>
   </p:notesMasterIdLst>
   <p:sldIdLst>
     <p:sldId id="257" r:id="rId2"/>
@@ -44,7 +44,13 @@
     <p:sldId id="289" r:id="rId35"/>
     <p:sldId id="290" r:id="rId36"/>
     <p:sldId id="291" r:id="rId37"/>
-    <p:sldId id="292" r:id="rId38"/>
+    <p:sldId id="293" r:id="rId38"/>
+    <p:sldId id="294" r:id="rId39"/>
+    <p:sldId id="295" r:id="rId40"/>
+    <p:sldId id="296" r:id="rId41"/>
+    <p:sldId id="292" r:id="rId42"/>
+    <p:sldId id="297" r:id="rId43"/>
+    <p:sldId id="298" r:id="rId44"/>
   </p:sldIdLst>
   <p:sldSz cx="12192000" cy="6858000"/>
   <p:notesSz cx="6858000" cy="9144000"/>
@@ -233,7 +239,7 @@
           <a:p>
             <a:fld id="{7CEEDDC0-DF20-AC46-B752-4D05A37D4059}" type="datetimeFigureOut">
               <a:rPr lang="en-US" smtClean="0"/>
-              <a:t>10/1/19</a:t>
+              <a:t>10/4/19</a:t>
             </a:fld>
             <a:endParaRPr lang="en-US"/>
           </a:p>
@@ -836,6 +842,174 @@
 </p:notes>
 </file>
 
+<file path=ppt/notesSlides/notesSlide5.xml><?xml version="1.0" encoding="utf-8"?>
+<p:notes xmlns:a="http://schemas.openxmlformats.org/drawingml/2006/main" xmlns:r="http://schemas.openxmlformats.org/officeDocument/2006/relationships" xmlns:p="http://schemas.openxmlformats.org/presentationml/2006/main">
+  <p:cSld>
+    <p:spTree>
+      <p:nvGrpSpPr>
+        <p:cNvPr id="1" name=""/>
+        <p:cNvGrpSpPr/>
+        <p:nvPr/>
+      </p:nvGrpSpPr>
+      <p:grpSpPr>
+        <a:xfrm>
+          <a:off x="0" y="0"/>
+          <a:ext cx="0" cy="0"/>
+          <a:chOff x="0" y="0"/>
+          <a:chExt cx="0" cy="0"/>
+        </a:xfrm>
+      </p:grpSpPr>
+      <p:sp>
+        <p:nvSpPr>
+          <p:cNvPr id="2" name="Slide Image Placeholder 1"/>
+          <p:cNvSpPr>
+            <a:spLocks noGrp="1" noRot="1" noChangeAspect="1"/>
+          </p:cNvSpPr>
+          <p:nvPr>
+            <p:ph type="sldImg"/>
+          </p:nvPr>
+        </p:nvSpPr>
+        <p:spPr/>
+      </p:sp>
+      <p:sp>
+        <p:nvSpPr>
+          <p:cNvPr id="3" name="Notes Placeholder 2"/>
+          <p:cNvSpPr>
+            <a:spLocks noGrp="1"/>
+          </p:cNvSpPr>
+          <p:nvPr>
+            <p:ph type="body" idx="1"/>
+          </p:nvPr>
+        </p:nvSpPr>
+        <p:spPr/>
+        <p:txBody>
+          <a:bodyPr/>
+          <a:lstStyle/>
+          <a:p>
+            <a:endParaRPr lang="en-US" dirty="0"/>
+          </a:p>
+        </p:txBody>
+      </p:sp>
+      <p:sp>
+        <p:nvSpPr>
+          <p:cNvPr id="4" name="Slide Number Placeholder 3"/>
+          <p:cNvSpPr>
+            <a:spLocks noGrp="1"/>
+          </p:cNvSpPr>
+          <p:nvPr>
+            <p:ph type="sldNum" sz="quarter" idx="5"/>
+          </p:nvPr>
+        </p:nvSpPr>
+        <p:spPr/>
+        <p:txBody>
+          <a:bodyPr/>
+          <a:lstStyle/>
+          <a:p>
+            <a:fld id="{65EEC5EA-871C-8443-843A-02E75F9C7A0B}" type="slidenum">
+              <a:rPr lang="en-US" smtClean="0"/>
+              <a:t>39</a:t>
+            </a:fld>
+            <a:endParaRPr lang="en-US"/>
+          </a:p>
+        </p:txBody>
+      </p:sp>
+    </p:spTree>
+    <p:extLst>
+      <p:ext uri="{BB962C8B-B14F-4D97-AF65-F5344CB8AC3E}">
+        <p14:creationId xmlns:p14="http://schemas.microsoft.com/office/powerpoint/2010/main" val="3848134358"/>
+      </p:ext>
+    </p:extLst>
+  </p:cSld>
+  <p:clrMapOvr>
+    <a:masterClrMapping/>
+  </p:clrMapOvr>
+</p:notes>
+</file>
+
+<file path=ppt/notesSlides/notesSlide6.xml><?xml version="1.0" encoding="utf-8"?>
+<p:notes xmlns:a="http://schemas.openxmlformats.org/drawingml/2006/main" xmlns:r="http://schemas.openxmlformats.org/officeDocument/2006/relationships" xmlns:p="http://schemas.openxmlformats.org/presentationml/2006/main">
+  <p:cSld>
+    <p:spTree>
+      <p:nvGrpSpPr>
+        <p:cNvPr id="1" name=""/>
+        <p:cNvGrpSpPr/>
+        <p:nvPr/>
+      </p:nvGrpSpPr>
+      <p:grpSpPr>
+        <a:xfrm>
+          <a:off x="0" y="0"/>
+          <a:ext cx="0" cy="0"/>
+          <a:chOff x="0" y="0"/>
+          <a:chExt cx="0" cy="0"/>
+        </a:xfrm>
+      </p:grpSpPr>
+      <p:sp>
+        <p:nvSpPr>
+          <p:cNvPr id="2" name="Slide Image Placeholder 1"/>
+          <p:cNvSpPr>
+            <a:spLocks noGrp="1" noRot="1" noChangeAspect="1"/>
+          </p:cNvSpPr>
+          <p:nvPr>
+            <p:ph type="sldImg"/>
+          </p:nvPr>
+        </p:nvSpPr>
+        <p:spPr/>
+      </p:sp>
+      <p:sp>
+        <p:nvSpPr>
+          <p:cNvPr id="3" name="Notes Placeholder 2"/>
+          <p:cNvSpPr>
+            <a:spLocks noGrp="1"/>
+          </p:cNvSpPr>
+          <p:nvPr>
+            <p:ph type="body" idx="1"/>
+          </p:nvPr>
+        </p:nvSpPr>
+        <p:spPr/>
+        <p:txBody>
+          <a:bodyPr/>
+          <a:lstStyle/>
+          <a:p>
+            <a:endParaRPr lang="en-US" dirty="0"/>
+          </a:p>
+        </p:txBody>
+      </p:sp>
+      <p:sp>
+        <p:nvSpPr>
+          <p:cNvPr id="4" name="Slide Number Placeholder 3"/>
+          <p:cNvSpPr>
+            <a:spLocks noGrp="1"/>
+          </p:cNvSpPr>
+          <p:nvPr>
+            <p:ph type="sldNum" sz="quarter" idx="5"/>
+          </p:nvPr>
+        </p:nvSpPr>
+        <p:spPr/>
+        <p:txBody>
+          <a:bodyPr/>
+          <a:lstStyle/>
+          <a:p>
+            <a:fld id="{65EEC5EA-871C-8443-843A-02E75F9C7A0B}" type="slidenum">
+              <a:rPr lang="en-US" smtClean="0"/>
+              <a:t>40</a:t>
+            </a:fld>
+            <a:endParaRPr lang="en-US"/>
+          </a:p>
+        </p:txBody>
+      </p:sp>
+    </p:spTree>
+    <p:extLst>
+      <p:ext uri="{BB962C8B-B14F-4D97-AF65-F5344CB8AC3E}">
+        <p14:creationId xmlns:p14="http://schemas.microsoft.com/office/powerpoint/2010/main" val="1324005368"/>
+      </p:ext>
+    </p:extLst>
+  </p:cSld>
+  <p:clrMapOvr>
+    <a:masterClrMapping/>
+  </p:clrMapOvr>
+</p:notes>
+</file>
+
 <file path=ppt/slideLayouts/slideLayout1.xml><?xml version="1.0" encoding="utf-8"?>
 <p:sldLayout xmlns:a="http://schemas.openxmlformats.org/drawingml/2006/main" xmlns:r="http://schemas.openxmlformats.org/officeDocument/2006/relationships" xmlns:p="http://schemas.openxmlformats.org/presentationml/2006/main" type="title" preserve="1">
   <p:cSld name="Title Slide">
@@ -983,7 +1157,7 @@
           <a:p>
             <a:fld id="{ABB50B84-C221-BA49-B172-B6D4747B1BA4}" type="datetimeFigureOut">
               <a:rPr lang="en-US" smtClean="0"/>
-              <a:t>10/1/19</a:t>
+              <a:t>10/4/19</a:t>
             </a:fld>
             <a:endParaRPr lang="en-US"/>
           </a:p>
@@ -1181,7 +1355,7 @@
           <a:p>
             <a:fld id="{ABB50B84-C221-BA49-B172-B6D4747B1BA4}" type="datetimeFigureOut">
               <a:rPr lang="en-US" smtClean="0"/>
-              <a:t>10/1/19</a:t>
+              <a:t>10/4/19</a:t>
             </a:fld>
             <a:endParaRPr lang="en-US"/>
           </a:p>
@@ -1389,7 +1563,7 @@
           <a:p>
             <a:fld id="{ABB50B84-C221-BA49-B172-B6D4747B1BA4}" type="datetimeFigureOut">
               <a:rPr lang="en-US" smtClean="0"/>
-              <a:t>10/1/19</a:t>
+              <a:t>10/4/19</a:t>
             </a:fld>
             <a:endParaRPr lang="en-US"/>
           </a:p>
@@ -1587,7 +1761,7 @@
           <a:p>
             <a:fld id="{ABB50B84-C221-BA49-B172-B6D4747B1BA4}" type="datetimeFigureOut">
               <a:rPr lang="en-US" smtClean="0"/>
-              <a:t>10/1/19</a:t>
+              <a:t>10/4/19</a:t>
             </a:fld>
             <a:endParaRPr lang="en-US"/>
           </a:p>
@@ -1862,7 +2036,7 @@
           <a:p>
             <a:fld id="{ABB50B84-C221-BA49-B172-B6D4747B1BA4}" type="datetimeFigureOut">
               <a:rPr lang="en-US" smtClean="0"/>
-              <a:t>10/1/19</a:t>
+              <a:t>10/4/19</a:t>
             </a:fld>
             <a:endParaRPr lang="en-US"/>
           </a:p>
@@ -2127,7 +2301,7 @@
           <a:p>
             <a:fld id="{ABB50B84-C221-BA49-B172-B6D4747B1BA4}" type="datetimeFigureOut">
               <a:rPr lang="en-US" smtClean="0"/>
-              <a:t>10/1/19</a:t>
+              <a:t>10/4/19</a:t>
             </a:fld>
             <a:endParaRPr lang="en-US"/>
           </a:p>
@@ -2539,7 +2713,7 @@
           <a:p>
             <a:fld id="{ABB50B84-C221-BA49-B172-B6D4747B1BA4}" type="datetimeFigureOut">
               <a:rPr lang="en-US" smtClean="0"/>
-              <a:t>10/1/19</a:t>
+              <a:t>10/4/19</a:t>
             </a:fld>
             <a:endParaRPr lang="en-US"/>
           </a:p>
@@ -2680,7 +2854,7 @@
           <a:p>
             <a:fld id="{ABB50B84-C221-BA49-B172-B6D4747B1BA4}" type="datetimeFigureOut">
               <a:rPr lang="en-US" smtClean="0"/>
-              <a:t>10/1/19</a:t>
+              <a:t>10/4/19</a:t>
             </a:fld>
             <a:endParaRPr lang="en-US"/>
           </a:p>
@@ -2793,7 +2967,7 @@
           <a:p>
             <a:fld id="{ABB50B84-C221-BA49-B172-B6D4747B1BA4}" type="datetimeFigureOut">
               <a:rPr lang="en-US" smtClean="0"/>
-              <a:t>10/1/19</a:t>
+              <a:t>10/4/19</a:t>
             </a:fld>
             <a:endParaRPr lang="en-US"/>
           </a:p>
@@ -3104,7 +3278,7 @@
           <a:p>
             <a:fld id="{ABB50B84-C221-BA49-B172-B6D4747B1BA4}" type="datetimeFigureOut">
               <a:rPr lang="en-US" smtClean="0"/>
-              <a:t>10/1/19</a:t>
+              <a:t>10/4/19</a:t>
             </a:fld>
             <a:endParaRPr lang="en-US"/>
           </a:p>
@@ -3392,7 +3566,7 @@
           <a:p>
             <a:fld id="{ABB50B84-C221-BA49-B172-B6D4747B1BA4}" type="datetimeFigureOut">
               <a:rPr lang="en-US" smtClean="0"/>
-              <a:t>10/1/19</a:t>
+              <a:t>10/4/19</a:t>
             </a:fld>
             <a:endParaRPr lang="en-US"/>
           </a:p>
@@ -3633,7 +3807,7 @@
           <a:p>
             <a:fld id="{ABB50B84-C221-BA49-B172-B6D4747B1BA4}" type="datetimeFigureOut">
               <a:rPr lang="en-US" smtClean="0"/>
-              <a:t>10/1/19</a:t>
+              <a:t>10/4/19</a:t>
             </a:fld>
             <a:endParaRPr lang="en-US"/>
           </a:p>
@@ -33909,12 +34083,60 @@
           <a:chExt cx="0" cy="0"/>
         </a:xfrm>
       </p:grpSpPr>
+      <p:sp>
+        <p:nvSpPr>
+          <p:cNvPr id="6" name="四角形: 角を丸くする 3">
+            <a:extLst>
+              <a:ext uri="{FF2B5EF4-FFF2-40B4-BE49-F238E27FC236}">
+                <a16:creationId xmlns:a16="http://schemas.microsoft.com/office/drawing/2014/main" id="{72D3A117-20C9-3D4F-963F-A4AB823CB356}"/>
+              </a:ext>
+            </a:extLst>
+          </p:cNvPr>
+          <p:cNvSpPr/>
+          <p:nvPr/>
+        </p:nvSpPr>
+        <p:spPr>
+          <a:xfrm>
+            <a:off x="3338912" y="1535706"/>
+            <a:ext cx="2269406" cy="811960"/>
+          </a:xfrm>
+          <a:prstGeom prst="roundRect">
+            <a:avLst/>
+          </a:prstGeom>
+          <a:ln w="38100"/>
+        </p:spPr>
+        <p:style>
+          <a:lnRef idx="2">
+            <a:schemeClr val="accent1"/>
+          </a:lnRef>
+          <a:fillRef idx="1">
+            <a:schemeClr val="lt1"/>
+          </a:fillRef>
+          <a:effectRef idx="0">
+            <a:schemeClr val="accent1"/>
+          </a:effectRef>
+          <a:fontRef idx="minor">
+            <a:schemeClr val="dk1"/>
+          </a:fontRef>
+        </p:style>
+        <p:txBody>
+          <a:bodyPr rtlCol="0" anchor="ctr"/>
+          <a:lstStyle/>
+          <a:p>
+            <a:pPr algn="ctr"/>
+            <a:r>
+              <a:rPr kumimoji="1" lang="en-US" altLang="ja-JP" sz="2000" b="1" dirty="0"/>
+              <a:t>Hash Function</a:t>
+            </a:r>
+          </a:p>
+        </p:txBody>
+      </p:sp>
       <p:cxnSp>
         <p:nvCxnSpPr>
-          <p:cNvPr id="19" name="Straight Arrow Connector 18">
-            <a:extLst>
-              <a:ext uri="{FF2B5EF4-FFF2-40B4-BE49-F238E27FC236}">
-                <a16:creationId xmlns:a16="http://schemas.microsoft.com/office/drawing/2014/main" id="{7C779DB8-CB67-6540-B04B-22E821246A72}"/>
+          <p:cNvPr id="7" name="直線矢印コネクタ 19">
+            <a:extLst>
+              <a:ext uri="{FF2B5EF4-FFF2-40B4-BE49-F238E27FC236}">
+                <a16:creationId xmlns:a16="http://schemas.microsoft.com/office/drawing/2014/main" id="{28F3FFF1-3941-7C45-B923-A889F0AF4E54}"/>
               </a:ext>
             </a:extLst>
           </p:cNvPr>
@@ -33925,8 +34147,8 @@
         </p:nvCxnSpPr>
         <p:spPr>
           <a:xfrm>
-            <a:off x="568960" y="2407920"/>
-            <a:ext cx="10952480" cy="0"/>
+            <a:off x="2119745" y="1941686"/>
+            <a:ext cx="1219167" cy="0"/>
           </a:xfrm>
           <a:prstGeom prst="straightConnector1">
             <a:avLst/>
@@ -33936,551 +34158,6 @@
               <a:schemeClr val="tx1"/>
             </a:solidFill>
             <a:tailEnd type="triangle"/>
-          </a:ln>
-        </p:spPr>
-        <p:style>
-          <a:lnRef idx="1">
-            <a:schemeClr val="accent1"/>
-          </a:lnRef>
-          <a:fillRef idx="0">
-            <a:schemeClr val="accent1"/>
-          </a:fillRef>
-          <a:effectRef idx="0">
-            <a:schemeClr val="accent1"/>
-          </a:effectRef>
-          <a:fontRef idx="minor">
-            <a:schemeClr val="tx1"/>
-          </a:fontRef>
-        </p:style>
-      </p:cxnSp>
-      <p:sp>
-        <p:nvSpPr>
-          <p:cNvPr id="21" name="TextBox 20">
-            <a:extLst>
-              <a:ext uri="{FF2B5EF4-FFF2-40B4-BE49-F238E27FC236}">
-                <a16:creationId xmlns:a16="http://schemas.microsoft.com/office/drawing/2014/main" id="{14E9F4FB-E7A2-A640-AC92-B8BE5BA82B3B}"/>
-              </a:ext>
-            </a:extLst>
-          </p:cNvPr>
-          <p:cNvSpPr txBox="1"/>
-          <p:nvPr/>
-        </p:nvSpPr>
-        <p:spPr>
-          <a:xfrm>
-            <a:off x="10185397" y="2052042"/>
-            <a:ext cx="652743" cy="369332"/>
-          </a:xfrm>
-          <a:prstGeom prst="rect">
-            <a:avLst/>
-          </a:prstGeom>
-          <a:noFill/>
-        </p:spPr>
-        <p:txBody>
-          <a:bodyPr wrap="none" rtlCol="0">
-            <a:spAutoFit/>
-          </a:bodyPr>
-          <a:lstStyle/>
-          <a:p>
-            <a:r>
-              <a:rPr lang="en-US" dirty="0"/>
-              <a:t>2020</a:t>
-            </a:r>
-          </a:p>
-        </p:txBody>
-      </p:sp>
-      <p:sp>
-        <p:nvSpPr>
-          <p:cNvPr id="22" name="TextBox 21">
-            <a:extLst>
-              <a:ext uri="{FF2B5EF4-FFF2-40B4-BE49-F238E27FC236}">
-                <a16:creationId xmlns:a16="http://schemas.microsoft.com/office/drawing/2014/main" id="{BA290AD6-FABE-BA4A-8810-2349AC51F6A3}"/>
-              </a:ext>
-            </a:extLst>
-          </p:cNvPr>
-          <p:cNvSpPr txBox="1"/>
-          <p:nvPr/>
-        </p:nvSpPr>
-        <p:spPr>
-          <a:xfrm>
-            <a:off x="6979918" y="2052042"/>
-            <a:ext cx="652743" cy="369332"/>
-          </a:xfrm>
-          <a:prstGeom prst="rect">
-            <a:avLst/>
-          </a:prstGeom>
-          <a:noFill/>
-        </p:spPr>
-        <p:txBody>
-          <a:bodyPr wrap="none" rtlCol="0">
-            <a:spAutoFit/>
-          </a:bodyPr>
-          <a:lstStyle/>
-          <a:p>
-            <a:r>
-              <a:rPr lang="en-US" dirty="0"/>
-              <a:t>2010</a:t>
-            </a:r>
-          </a:p>
-        </p:txBody>
-      </p:sp>
-      <p:sp>
-        <p:nvSpPr>
-          <p:cNvPr id="23" name="TextBox 22">
-            <a:extLst>
-              <a:ext uri="{FF2B5EF4-FFF2-40B4-BE49-F238E27FC236}">
-                <a16:creationId xmlns:a16="http://schemas.microsoft.com/office/drawing/2014/main" id="{0CA5BF0A-A4B8-9C45-B234-9344E26B745D}"/>
-              </a:ext>
-            </a:extLst>
-          </p:cNvPr>
-          <p:cNvSpPr txBox="1"/>
-          <p:nvPr/>
-        </p:nvSpPr>
-        <p:spPr>
-          <a:xfrm>
-            <a:off x="3774439" y="2048470"/>
-            <a:ext cx="652743" cy="369332"/>
-          </a:xfrm>
-          <a:prstGeom prst="rect">
-            <a:avLst/>
-          </a:prstGeom>
-          <a:noFill/>
-        </p:spPr>
-        <p:txBody>
-          <a:bodyPr wrap="none" rtlCol="0">
-            <a:spAutoFit/>
-          </a:bodyPr>
-          <a:lstStyle/>
-          <a:p>
-            <a:r>
-              <a:rPr lang="en-US" dirty="0"/>
-              <a:t>2000</a:t>
-            </a:r>
-          </a:p>
-        </p:txBody>
-      </p:sp>
-      <p:sp>
-        <p:nvSpPr>
-          <p:cNvPr id="24" name="TextBox 23">
-            <a:extLst>
-              <a:ext uri="{FF2B5EF4-FFF2-40B4-BE49-F238E27FC236}">
-                <a16:creationId xmlns:a16="http://schemas.microsoft.com/office/drawing/2014/main" id="{DB3D8CC6-BC53-EC4B-9E1D-DFC06A2E7261}"/>
-              </a:ext>
-            </a:extLst>
-          </p:cNvPr>
-          <p:cNvSpPr txBox="1"/>
-          <p:nvPr/>
-        </p:nvSpPr>
-        <p:spPr>
-          <a:xfrm>
-            <a:off x="568960" y="2052042"/>
-            <a:ext cx="652743" cy="369332"/>
-          </a:xfrm>
-          <a:prstGeom prst="rect">
-            <a:avLst/>
-          </a:prstGeom>
-          <a:noFill/>
-        </p:spPr>
-        <p:txBody>
-          <a:bodyPr wrap="none" rtlCol="0">
-            <a:spAutoFit/>
-          </a:bodyPr>
-          <a:lstStyle/>
-          <a:p>
-            <a:r>
-              <a:rPr lang="en-US" dirty="0"/>
-              <a:t>1990</a:t>
-            </a:r>
-          </a:p>
-        </p:txBody>
-      </p:sp>
-      <p:sp>
-        <p:nvSpPr>
-          <p:cNvPr id="29" name="Rounded Rectangle 28">
-            <a:extLst>
-              <a:ext uri="{FF2B5EF4-FFF2-40B4-BE49-F238E27FC236}">
-                <a16:creationId xmlns:a16="http://schemas.microsoft.com/office/drawing/2014/main" id="{84D28C2D-6E36-4841-85FC-3E4ED9A7CFDE}"/>
-              </a:ext>
-            </a:extLst>
-          </p:cNvPr>
-          <p:cNvSpPr/>
-          <p:nvPr/>
-        </p:nvSpPr>
-        <p:spPr>
-          <a:xfrm>
-            <a:off x="568960" y="3012441"/>
-            <a:ext cx="1717040" cy="833118"/>
-          </a:xfrm>
-          <a:prstGeom prst="roundRect">
-            <a:avLst/>
-          </a:prstGeom>
-          <a:solidFill>
-            <a:schemeClr val="bg2">
-              <a:lumMod val="90000"/>
-            </a:schemeClr>
-          </a:solidFill>
-          <a:ln w="38100">
-            <a:solidFill>
-              <a:schemeClr val="tx1"/>
-            </a:solidFill>
-          </a:ln>
-        </p:spPr>
-        <p:style>
-          <a:lnRef idx="2">
-            <a:schemeClr val="accent1"/>
-          </a:lnRef>
-          <a:fillRef idx="1">
-            <a:schemeClr val="lt1"/>
-          </a:fillRef>
-          <a:effectRef idx="0">
-            <a:schemeClr val="accent1"/>
-          </a:effectRef>
-          <a:fontRef idx="minor">
-            <a:schemeClr val="dk1"/>
-          </a:fontRef>
-        </p:style>
-        <p:txBody>
-          <a:bodyPr rtlCol="0" anchor="ctr"/>
-          <a:lstStyle/>
-          <a:p>
-            <a:r>
-              <a:rPr lang="en-US" b="1" dirty="0"/>
-              <a:t>1992: MD5 (128bits)</a:t>
-            </a:r>
-          </a:p>
-        </p:txBody>
-      </p:sp>
-      <p:cxnSp>
-        <p:nvCxnSpPr>
-          <p:cNvPr id="31" name="Straight Connector 30">
-            <a:extLst>
-              <a:ext uri="{FF2B5EF4-FFF2-40B4-BE49-F238E27FC236}">
-                <a16:creationId xmlns:a16="http://schemas.microsoft.com/office/drawing/2014/main" id="{0F4C74E7-CC1E-9C48-9005-5157CE5D8F86}"/>
-              </a:ext>
-            </a:extLst>
-          </p:cNvPr>
-          <p:cNvCxnSpPr>
-            <a:stCxn id="29" idx="0"/>
-          </p:cNvCxnSpPr>
-          <p:nvPr/>
-        </p:nvCxnSpPr>
-        <p:spPr>
-          <a:xfrm flipV="1">
-            <a:off x="1427480" y="2417802"/>
-            <a:ext cx="3829" cy="594639"/>
-          </a:xfrm>
-          <a:prstGeom prst="line">
-            <a:avLst/>
-          </a:prstGeom>
-          <a:ln w="38100">
-            <a:solidFill>
-              <a:schemeClr val="tx1"/>
-            </a:solidFill>
-            <a:prstDash val="sysDash"/>
-          </a:ln>
-        </p:spPr>
-        <p:style>
-          <a:lnRef idx="1">
-            <a:schemeClr val="accent1"/>
-          </a:lnRef>
-          <a:fillRef idx="0">
-            <a:schemeClr val="accent1"/>
-          </a:fillRef>
-          <a:effectRef idx="0">
-            <a:schemeClr val="accent1"/>
-          </a:effectRef>
-          <a:fontRef idx="minor">
-            <a:schemeClr val="tx1"/>
-          </a:fontRef>
-        </p:style>
-      </p:cxnSp>
-      <p:sp>
-        <p:nvSpPr>
-          <p:cNvPr id="32" name="Rounded Rectangle 31">
-            <a:extLst>
-              <a:ext uri="{FF2B5EF4-FFF2-40B4-BE49-F238E27FC236}">
-                <a16:creationId xmlns:a16="http://schemas.microsoft.com/office/drawing/2014/main" id="{5386E749-0403-4D4E-9F00-A185D4AC4148}"/>
-              </a:ext>
-            </a:extLst>
-          </p:cNvPr>
-          <p:cNvSpPr/>
-          <p:nvPr/>
-        </p:nvSpPr>
-        <p:spPr>
-          <a:xfrm>
-            <a:off x="1652878" y="4185922"/>
-            <a:ext cx="1717036" cy="833118"/>
-          </a:xfrm>
-          <a:prstGeom prst="roundRect">
-            <a:avLst/>
-          </a:prstGeom>
-          <a:solidFill>
-            <a:schemeClr val="bg2">
-              <a:lumMod val="90000"/>
-            </a:schemeClr>
-          </a:solidFill>
-          <a:ln w="38100">
-            <a:solidFill>
-              <a:schemeClr val="tx1"/>
-            </a:solidFill>
-          </a:ln>
-        </p:spPr>
-        <p:style>
-          <a:lnRef idx="2">
-            <a:schemeClr val="accent1"/>
-          </a:lnRef>
-          <a:fillRef idx="1">
-            <a:schemeClr val="lt1"/>
-          </a:fillRef>
-          <a:effectRef idx="0">
-            <a:schemeClr val="accent1"/>
-          </a:effectRef>
-          <a:fontRef idx="minor">
-            <a:schemeClr val="dk1"/>
-          </a:fontRef>
-        </p:style>
-        <p:txBody>
-          <a:bodyPr rtlCol="0" anchor="ctr"/>
-          <a:lstStyle/>
-          <a:p>
-            <a:r>
-              <a:rPr lang="en-US" b="1" dirty="0"/>
-              <a:t>1992: SHA-1 (160bits)</a:t>
-            </a:r>
-          </a:p>
-        </p:txBody>
-      </p:sp>
-      <p:cxnSp>
-        <p:nvCxnSpPr>
-          <p:cNvPr id="33" name="Straight Connector 32">
-            <a:extLst>
-              <a:ext uri="{FF2B5EF4-FFF2-40B4-BE49-F238E27FC236}">
-                <a16:creationId xmlns:a16="http://schemas.microsoft.com/office/drawing/2014/main" id="{FD4D9F05-6924-E940-A42D-1A558F8B92DD}"/>
-              </a:ext>
-            </a:extLst>
-          </p:cNvPr>
-          <p:cNvCxnSpPr>
-            <a:cxnSpLocks/>
-            <a:stCxn id="32" idx="0"/>
-          </p:cNvCxnSpPr>
-          <p:nvPr/>
-        </p:nvCxnSpPr>
-        <p:spPr>
-          <a:xfrm flipH="1" flipV="1">
-            <a:off x="2505106" y="2392681"/>
-            <a:ext cx="6290" cy="1793241"/>
-          </a:xfrm>
-          <a:prstGeom prst="line">
-            <a:avLst/>
-          </a:prstGeom>
-          <a:ln w="38100">
-            <a:solidFill>
-              <a:schemeClr val="tx1"/>
-            </a:solidFill>
-            <a:prstDash val="sysDash"/>
-          </a:ln>
-        </p:spPr>
-        <p:style>
-          <a:lnRef idx="1">
-            <a:schemeClr val="accent1"/>
-          </a:lnRef>
-          <a:fillRef idx="0">
-            <a:schemeClr val="accent1"/>
-          </a:fillRef>
-          <a:effectRef idx="0">
-            <a:schemeClr val="accent1"/>
-          </a:effectRef>
-          <a:fontRef idx="minor">
-            <a:schemeClr val="tx1"/>
-          </a:fontRef>
-        </p:style>
-      </p:cxnSp>
-      <p:sp>
-        <p:nvSpPr>
-          <p:cNvPr id="38" name="Rounded Rectangle 37">
-            <a:extLst>
-              <a:ext uri="{FF2B5EF4-FFF2-40B4-BE49-F238E27FC236}">
-                <a16:creationId xmlns:a16="http://schemas.microsoft.com/office/drawing/2014/main" id="{DDEC957D-4ADB-CF41-BB3F-24D767E9E52F}"/>
-              </a:ext>
-            </a:extLst>
-          </p:cNvPr>
-          <p:cNvSpPr/>
-          <p:nvPr/>
-        </p:nvSpPr>
-        <p:spPr>
-          <a:xfrm>
-            <a:off x="3667761" y="5420362"/>
-            <a:ext cx="1717040" cy="833118"/>
-          </a:xfrm>
-          <a:prstGeom prst="roundRect">
-            <a:avLst/>
-          </a:prstGeom>
-          <a:solidFill>
-            <a:schemeClr val="accent6">
-              <a:lumMod val="20000"/>
-              <a:lumOff val="80000"/>
-            </a:schemeClr>
-          </a:solidFill>
-          <a:ln w="38100">
-            <a:solidFill>
-              <a:schemeClr val="tx1"/>
-            </a:solidFill>
-          </a:ln>
-        </p:spPr>
-        <p:style>
-          <a:lnRef idx="2">
-            <a:schemeClr val="accent1"/>
-          </a:lnRef>
-          <a:fillRef idx="1">
-            <a:schemeClr val="lt1"/>
-          </a:fillRef>
-          <a:effectRef idx="0">
-            <a:schemeClr val="accent1"/>
-          </a:effectRef>
-          <a:fontRef idx="minor">
-            <a:schemeClr val="dk1"/>
-          </a:fontRef>
-        </p:style>
-        <p:txBody>
-          <a:bodyPr rtlCol="0" anchor="ctr"/>
-          <a:lstStyle/>
-          <a:p>
-            <a:r>
-              <a:rPr lang="en-US" b="1" dirty="0"/>
-              <a:t>2001: SHA-2 (224, 256, 384, 512bits)</a:t>
-            </a:r>
-          </a:p>
-        </p:txBody>
-      </p:sp>
-      <p:cxnSp>
-        <p:nvCxnSpPr>
-          <p:cNvPr id="39" name="Straight Connector 38">
-            <a:extLst>
-              <a:ext uri="{FF2B5EF4-FFF2-40B4-BE49-F238E27FC236}">
-                <a16:creationId xmlns:a16="http://schemas.microsoft.com/office/drawing/2014/main" id="{9537E734-E6FF-7942-AE8C-4E4BB7CE133D}"/>
-              </a:ext>
-            </a:extLst>
-          </p:cNvPr>
-          <p:cNvCxnSpPr>
-            <a:cxnSpLocks/>
-            <a:stCxn id="38" idx="0"/>
-          </p:cNvCxnSpPr>
-          <p:nvPr/>
-        </p:nvCxnSpPr>
-        <p:spPr>
-          <a:xfrm flipV="1">
-            <a:off x="4526281" y="2418360"/>
-            <a:ext cx="0" cy="3002002"/>
-          </a:xfrm>
-          <a:prstGeom prst="line">
-            <a:avLst/>
-          </a:prstGeom>
-          <a:ln w="38100">
-            <a:solidFill>
-              <a:schemeClr val="tx1"/>
-            </a:solidFill>
-            <a:prstDash val="sysDash"/>
-          </a:ln>
-        </p:spPr>
-        <p:style>
-          <a:lnRef idx="1">
-            <a:schemeClr val="accent1"/>
-          </a:lnRef>
-          <a:fillRef idx="0">
-            <a:schemeClr val="accent1"/>
-          </a:fillRef>
-          <a:effectRef idx="0">
-            <a:schemeClr val="accent1"/>
-          </a:effectRef>
-          <a:fontRef idx="minor">
-            <a:schemeClr val="tx1"/>
-          </a:fontRef>
-        </p:style>
-      </p:cxnSp>
-      <p:sp>
-        <p:nvSpPr>
-          <p:cNvPr id="44" name="Rounded Rectangle 43">
-            <a:extLst>
-              <a:ext uri="{FF2B5EF4-FFF2-40B4-BE49-F238E27FC236}">
-                <a16:creationId xmlns:a16="http://schemas.microsoft.com/office/drawing/2014/main" id="{28643617-847D-A348-9867-A14348FFE963}"/>
-              </a:ext>
-            </a:extLst>
-          </p:cNvPr>
-          <p:cNvSpPr/>
-          <p:nvPr/>
-        </p:nvSpPr>
-        <p:spPr>
-          <a:xfrm>
-            <a:off x="8188961" y="5394683"/>
-            <a:ext cx="1717040" cy="833118"/>
-          </a:xfrm>
-          <a:prstGeom prst="roundRect">
-            <a:avLst/>
-          </a:prstGeom>
-          <a:solidFill>
-            <a:schemeClr val="accent6">
-              <a:lumMod val="20000"/>
-              <a:lumOff val="80000"/>
-            </a:schemeClr>
-          </a:solidFill>
-          <a:ln w="38100">
-            <a:solidFill>
-              <a:schemeClr val="tx1"/>
-            </a:solidFill>
-          </a:ln>
-        </p:spPr>
-        <p:style>
-          <a:lnRef idx="2">
-            <a:schemeClr val="accent1"/>
-          </a:lnRef>
-          <a:fillRef idx="1">
-            <a:schemeClr val="lt1"/>
-          </a:fillRef>
-          <a:effectRef idx="0">
-            <a:schemeClr val="accent1"/>
-          </a:effectRef>
-          <a:fontRef idx="minor">
-            <a:schemeClr val="dk1"/>
-          </a:fontRef>
-        </p:style>
-        <p:txBody>
-          <a:bodyPr rtlCol="0" anchor="ctr"/>
-          <a:lstStyle/>
-          <a:p>
-            <a:r>
-              <a:rPr lang="en-US" b="1" dirty="0"/>
-              <a:t>2015: SHA-3 (224, 256, 384, 512bits)</a:t>
-            </a:r>
-          </a:p>
-        </p:txBody>
-      </p:sp>
-      <p:cxnSp>
-        <p:nvCxnSpPr>
-          <p:cNvPr id="45" name="Straight Connector 44">
-            <a:extLst>
-              <a:ext uri="{FF2B5EF4-FFF2-40B4-BE49-F238E27FC236}">
-                <a16:creationId xmlns:a16="http://schemas.microsoft.com/office/drawing/2014/main" id="{07B90B82-90DF-6648-911B-CE5F17D965B2}"/>
-              </a:ext>
-            </a:extLst>
-          </p:cNvPr>
-          <p:cNvCxnSpPr>
-            <a:cxnSpLocks/>
-            <a:stCxn id="44" idx="0"/>
-          </p:cNvCxnSpPr>
-          <p:nvPr/>
-        </p:nvCxnSpPr>
-        <p:spPr>
-          <a:xfrm flipV="1">
-            <a:off x="9047481" y="2392681"/>
-            <a:ext cx="0" cy="3002002"/>
-          </a:xfrm>
-          <a:prstGeom prst="line">
-            <a:avLst/>
-          </a:prstGeom>
-          <a:ln w="38100">
-            <a:solidFill>
-              <a:schemeClr val="tx1"/>
-            </a:solidFill>
-            <a:prstDash val="sysDash"/>
           </a:ln>
         </p:spPr>
         <p:style>
@@ -34500,29 +34177,511 @@
       </p:cxnSp>
       <p:cxnSp>
         <p:nvCxnSpPr>
-          <p:cNvPr id="47" name="Straight Arrow Connector 46">
-            <a:extLst>
-              <a:ext uri="{FF2B5EF4-FFF2-40B4-BE49-F238E27FC236}">
-                <a16:creationId xmlns:a16="http://schemas.microsoft.com/office/drawing/2014/main" id="{7BA42C59-F54F-F74C-BEBD-272BC2CC6672}"/>
+          <p:cNvPr id="8" name="直線矢印コネクタ 21">
+            <a:extLst>
+              <a:ext uri="{FF2B5EF4-FFF2-40B4-BE49-F238E27FC236}">
+                <a16:creationId xmlns:a16="http://schemas.microsoft.com/office/drawing/2014/main" id="{315E4823-44DB-9E41-B87F-028AD1BEA95E}"/>
               </a:ext>
             </a:extLst>
           </p:cNvPr>
           <p:cNvCxnSpPr>
-            <a:stCxn id="32" idx="3"/>
+            <a:cxnSpLocks/>
+            <a:stCxn id="6" idx="3"/>
           </p:cNvCxnSpPr>
           <p:nvPr/>
         </p:nvCxnSpPr>
         <p:spPr>
-          <a:xfrm flipV="1">
-            <a:off x="3369914" y="4592320"/>
-            <a:ext cx="2329846" cy="10161"/>
+          <a:xfrm>
+            <a:off x="5608318" y="1941686"/>
+            <a:ext cx="1219167" cy="0"/>
           </a:xfrm>
           <a:prstGeom prst="straightConnector1">
             <a:avLst/>
           </a:prstGeom>
           <a:ln w="38100">
             <a:solidFill>
+              <a:schemeClr val="tx1"/>
+            </a:solidFill>
+            <a:tailEnd type="triangle"/>
+          </a:ln>
+        </p:spPr>
+        <p:style>
+          <a:lnRef idx="1">
+            <a:schemeClr val="accent1"/>
+          </a:lnRef>
+          <a:fillRef idx="0">
+            <a:schemeClr val="accent1"/>
+          </a:fillRef>
+          <a:effectRef idx="0">
+            <a:schemeClr val="accent1"/>
+          </a:effectRef>
+          <a:fontRef idx="minor">
+            <a:schemeClr val="tx1"/>
+          </a:fontRef>
+        </p:style>
+      </p:cxnSp>
+      <p:pic>
+        <p:nvPicPr>
+          <p:cNvPr id="9" name="Picture 33">
+            <a:extLst>
+              <a:ext uri="{FF2B5EF4-FFF2-40B4-BE49-F238E27FC236}">
+                <a16:creationId xmlns:a16="http://schemas.microsoft.com/office/drawing/2014/main" id="{C26C6DBA-C5F1-0941-BF3A-8B497FE81955}"/>
+              </a:ext>
+            </a:extLst>
+          </p:cNvPr>
+          <p:cNvPicPr>
+            <a:picLocks noChangeAspect="1"/>
+          </p:cNvPicPr>
+          <p:nvPr/>
+        </p:nvPicPr>
+        <p:blipFill>
+          <a:blip r:embed="rId2"/>
+          <a:stretch>
+            <a:fillRect/>
+          </a:stretch>
+        </p:blipFill>
+        <p:spPr>
+          <a:xfrm>
+            <a:off x="2116333" y="1097269"/>
+            <a:ext cx="811960" cy="811960"/>
+          </a:xfrm>
+          <a:prstGeom prst="rect">
+            <a:avLst/>
+          </a:prstGeom>
+        </p:spPr>
+      </p:pic>
+      <p:sp>
+        <p:nvSpPr>
+          <p:cNvPr id="10" name="TextBox 45">
+            <a:extLst>
+              <a:ext uri="{FF2B5EF4-FFF2-40B4-BE49-F238E27FC236}">
+                <a16:creationId xmlns:a16="http://schemas.microsoft.com/office/drawing/2014/main" id="{63CD1F77-3F59-0A48-AED3-0173DDA493B1}"/>
+              </a:ext>
+            </a:extLst>
+          </p:cNvPr>
+          <p:cNvSpPr txBox="1"/>
+          <p:nvPr/>
+        </p:nvSpPr>
+        <p:spPr>
+          <a:xfrm>
+            <a:off x="2116333" y="1938906"/>
+            <a:ext cx="1222579" cy="369332"/>
+          </a:xfrm>
+          <a:prstGeom prst="rect">
+            <a:avLst/>
+          </a:prstGeom>
+          <a:noFill/>
+        </p:spPr>
+        <p:txBody>
+          <a:bodyPr wrap="square" rtlCol="0">
+            <a:spAutoFit/>
+          </a:bodyPr>
+          <a:lstStyle/>
+          <a:p>
+            <a:r>
+              <a:rPr lang="en-US" dirty="0">
+                <a:solidFill>
+                  <a:srgbClr val="0070C0"/>
+                </a:solidFill>
+              </a:rPr>
+              <a:t>Data </a:t>
+            </a:r>
+            <a:r>
+              <a:rPr lang="en-US" i="1" dirty="0">
+                <a:solidFill>
+                  <a:srgbClr val="0070C0"/>
+                </a:solidFill>
+              </a:rPr>
+              <a:t>D</a:t>
+            </a:r>
+          </a:p>
+        </p:txBody>
+      </p:sp>
+      <p:sp>
+        <p:nvSpPr>
+          <p:cNvPr id="11" name="吹き出し: 折線 (強調線付き) 33">
+            <a:extLst>
+              <a:ext uri="{FF2B5EF4-FFF2-40B4-BE49-F238E27FC236}">
+                <a16:creationId xmlns:a16="http://schemas.microsoft.com/office/drawing/2014/main" id="{41C8202F-5264-FF43-84CA-6913D554C4A5}"/>
+              </a:ext>
+            </a:extLst>
+          </p:cNvPr>
+          <p:cNvSpPr/>
+          <p:nvPr/>
+        </p:nvSpPr>
+        <p:spPr>
+          <a:xfrm>
+            <a:off x="7155008" y="773548"/>
+            <a:ext cx="2920659" cy="899388"/>
+          </a:xfrm>
+          <a:prstGeom prst="accentCallout2">
+            <a:avLst>
+              <a:gd name="adj1" fmla="val 18751"/>
+              <a:gd name="adj2" fmla="val -1660"/>
+              <a:gd name="adj3" fmla="val 18113"/>
+              <a:gd name="adj4" fmla="val -9103"/>
+              <a:gd name="adj5" fmla="val 89487"/>
+              <a:gd name="adj6" fmla="val -29996"/>
+            </a:avLst>
+          </a:prstGeom>
+          <a:solidFill>
+            <a:schemeClr val="bg1"/>
+          </a:solidFill>
+        </p:spPr>
+        <p:style>
+          <a:lnRef idx="2">
+            <a:schemeClr val="accent1">
+              <a:shade val="50000"/>
+            </a:schemeClr>
+          </a:lnRef>
+          <a:fillRef idx="1">
+            <a:schemeClr val="accent1"/>
+          </a:fillRef>
+          <a:effectRef idx="0">
+            <a:schemeClr val="accent1"/>
+          </a:effectRef>
+          <a:fontRef idx="minor">
+            <a:schemeClr val="lt1"/>
+          </a:fontRef>
+        </p:style>
+        <p:txBody>
+          <a:bodyPr rtlCol="0" anchor="ctr"/>
+          <a:lstStyle/>
+          <a:p>
+            <a:r>
+              <a:rPr kumimoji="1" lang="en-US" altLang="ja-JP" b="1" dirty="0">
+                <a:solidFill>
+                  <a:schemeClr val="tx1"/>
+                </a:solidFill>
+              </a:rPr>
+              <a:t>Representative bit-sequence of Data D, which is also called ‘message digest’.</a:t>
+            </a:r>
+            <a:endParaRPr kumimoji="1" lang="en-US" altLang="ja-JP" b="1" dirty="0">
+              <a:solidFill>
+                <a:srgbClr val="FF0000"/>
+              </a:solidFill>
+            </a:endParaRPr>
+          </a:p>
+        </p:txBody>
+      </p:sp>
+      <p:pic>
+        <p:nvPicPr>
+          <p:cNvPr id="12" name="Picture 11">
+            <a:extLst>
+              <a:ext uri="{FF2B5EF4-FFF2-40B4-BE49-F238E27FC236}">
+                <a16:creationId xmlns:a16="http://schemas.microsoft.com/office/drawing/2014/main" id="{3ABB83A9-39E8-BD4C-8A0D-75D0C680D604}"/>
+              </a:ext>
+            </a:extLst>
+          </p:cNvPr>
+          <p:cNvPicPr>
+            <a:picLocks noChangeAspect="1"/>
+          </p:cNvPicPr>
+          <p:nvPr/>
+        </p:nvPicPr>
+        <p:blipFill>
+          <a:blip r:embed="rId3"/>
+          <a:stretch>
+            <a:fillRect/>
+          </a:stretch>
+        </p:blipFill>
+        <p:spPr>
+          <a:xfrm>
+            <a:off x="5775904" y="1097269"/>
+            <a:ext cx="486066" cy="712897"/>
+          </a:xfrm>
+          <a:prstGeom prst="rect">
+            <a:avLst/>
+          </a:prstGeom>
+        </p:spPr>
+      </p:pic>
+      <p:sp>
+        <p:nvSpPr>
+          <p:cNvPr id="13" name="Rectangle 12">
+            <a:extLst>
+              <a:ext uri="{FF2B5EF4-FFF2-40B4-BE49-F238E27FC236}">
+                <a16:creationId xmlns:a16="http://schemas.microsoft.com/office/drawing/2014/main" id="{AB1C39CF-C24D-144B-B179-4C70748A60F2}"/>
+              </a:ext>
+            </a:extLst>
+          </p:cNvPr>
+          <p:cNvSpPr/>
+          <p:nvPr/>
+        </p:nvSpPr>
+        <p:spPr>
+          <a:xfrm>
+            <a:off x="5775904" y="1978334"/>
+            <a:ext cx="651140" cy="369332"/>
+          </a:xfrm>
+          <a:prstGeom prst="rect">
+            <a:avLst/>
+          </a:prstGeom>
+        </p:spPr>
+        <p:txBody>
+          <a:bodyPr wrap="none">
+            <a:spAutoFit/>
+          </a:bodyPr>
+          <a:lstStyle/>
+          <a:p>
+            <a:r>
+              <a:rPr kumimoji="1" lang="en-US" altLang="ja-JP" dirty="0">
+                <a:solidFill>
+                  <a:srgbClr val="0070C0"/>
+                </a:solidFill>
+              </a:rPr>
+              <a:t>Hash</a:t>
+            </a:r>
+            <a:endParaRPr lang="en-US" dirty="0">
+              <a:solidFill>
+                <a:srgbClr val="0070C0"/>
+              </a:solidFill>
+            </a:endParaRPr>
+          </a:p>
+        </p:txBody>
+      </p:sp>
+      <p:cxnSp>
+        <p:nvCxnSpPr>
+          <p:cNvPr id="19" name="Curved Connector 18">
+            <a:extLst>
+              <a:ext uri="{FF2B5EF4-FFF2-40B4-BE49-F238E27FC236}">
+                <a16:creationId xmlns:a16="http://schemas.microsoft.com/office/drawing/2014/main" id="{559C51F1-F494-E640-86D1-40FD3CAB000F}"/>
+              </a:ext>
+            </a:extLst>
+          </p:cNvPr>
+          <p:cNvCxnSpPr>
+            <a:stCxn id="13" idx="2"/>
+            <a:endCxn id="10" idx="2"/>
+          </p:cNvCxnSpPr>
+          <p:nvPr/>
+        </p:nvCxnSpPr>
+        <p:spPr>
+          <a:xfrm rot="5400000" flipH="1">
+            <a:off x="4394835" y="641027"/>
+            <a:ext cx="39428" cy="3373851"/>
+          </a:xfrm>
+          <a:prstGeom prst="curvedConnector3">
+            <a:avLst>
+              <a:gd name="adj1" fmla="val -2925314"/>
+            </a:avLst>
+          </a:prstGeom>
+          <a:ln w="38100">
+            <a:solidFill>
+              <a:schemeClr val="tx1"/>
+            </a:solidFill>
+            <a:tailEnd type="triangle"/>
+          </a:ln>
+        </p:spPr>
+        <p:style>
+          <a:lnRef idx="1">
+            <a:schemeClr val="accent1"/>
+          </a:lnRef>
+          <a:fillRef idx="0">
+            <a:schemeClr val="accent1"/>
+          </a:fillRef>
+          <a:effectRef idx="0">
+            <a:schemeClr val="accent1"/>
+          </a:effectRef>
+          <a:fontRef idx="minor">
+            <a:schemeClr val="tx1"/>
+          </a:fontRef>
+        </p:style>
+      </p:cxnSp>
+      <p:sp>
+        <p:nvSpPr>
+          <p:cNvPr id="21" name="Cross 20">
+            <a:extLst>
+              <a:ext uri="{FF2B5EF4-FFF2-40B4-BE49-F238E27FC236}">
+                <a16:creationId xmlns:a16="http://schemas.microsoft.com/office/drawing/2014/main" id="{A1747128-3750-AC4D-A0D4-9D94B48540F7}"/>
+              </a:ext>
+            </a:extLst>
+          </p:cNvPr>
+          <p:cNvSpPr/>
+          <p:nvPr/>
+        </p:nvSpPr>
+        <p:spPr>
+          <a:xfrm rot="18778543">
+            <a:off x="3957349" y="2971801"/>
+            <a:ext cx="914400" cy="914400"/>
+          </a:xfrm>
+          <a:prstGeom prst="plus">
+            <a:avLst>
+              <a:gd name="adj" fmla="val 43827"/>
+            </a:avLst>
+          </a:prstGeom>
+          <a:solidFill>
+            <a:srgbClr val="FF0000"/>
+          </a:solidFill>
+          <a:ln>
+            <a:solidFill>
               <a:srgbClr val="FF0000"/>
+            </a:solidFill>
+          </a:ln>
+        </p:spPr>
+        <p:style>
+          <a:lnRef idx="2">
+            <a:schemeClr val="accent1">
+              <a:shade val="50000"/>
+            </a:schemeClr>
+          </a:lnRef>
+          <a:fillRef idx="1">
+            <a:schemeClr val="accent1"/>
+          </a:fillRef>
+          <a:effectRef idx="0">
+            <a:schemeClr val="accent1"/>
+          </a:effectRef>
+          <a:fontRef idx="minor">
+            <a:schemeClr val="lt1"/>
+          </a:fontRef>
+        </p:style>
+        <p:txBody>
+          <a:bodyPr rtlCol="0" anchor="ctr"/>
+          <a:lstStyle/>
+          <a:p>
+            <a:pPr algn="ctr"/>
+            <a:endParaRPr lang="en-US"/>
+          </a:p>
+        </p:txBody>
+      </p:sp>
+      <p:sp>
+        <p:nvSpPr>
+          <p:cNvPr id="22" name="TextBox 21">
+            <a:extLst>
+              <a:ext uri="{FF2B5EF4-FFF2-40B4-BE49-F238E27FC236}">
+                <a16:creationId xmlns:a16="http://schemas.microsoft.com/office/drawing/2014/main" id="{60793455-7294-3246-91CE-F486531C2226}"/>
+              </a:ext>
+            </a:extLst>
+          </p:cNvPr>
+          <p:cNvSpPr txBox="1"/>
+          <p:nvPr/>
+        </p:nvSpPr>
+        <p:spPr>
+          <a:xfrm>
+            <a:off x="4802948" y="3429000"/>
+            <a:ext cx="4751237" cy="369332"/>
+          </a:xfrm>
+          <a:prstGeom prst="rect">
+            <a:avLst/>
+          </a:prstGeom>
+          <a:noFill/>
+        </p:spPr>
+        <p:txBody>
+          <a:bodyPr wrap="none" rtlCol="0">
+            <a:spAutoFit/>
+          </a:bodyPr>
+          <a:lstStyle/>
+          <a:p>
+            <a:r>
+              <a:rPr lang="en-US" b="1" dirty="0">
+                <a:solidFill>
+                  <a:srgbClr val="FF0000"/>
+                </a:solidFill>
+              </a:rPr>
+              <a:t>Unable to inversely expect data D from its hash.</a:t>
+            </a:r>
+          </a:p>
+        </p:txBody>
+      </p:sp>
+    </p:spTree>
+    <p:extLst>
+      <p:ext uri="{BB962C8B-B14F-4D97-AF65-F5344CB8AC3E}">
+        <p14:creationId xmlns:p14="http://schemas.microsoft.com/office/powerpoint/2010/main" val="2563355541"/>
+      </p:ext>
+    </p:extLst>
+  </p:cSld>
+  <p:clrMapOvr>
+    <a:masterClrMapping/>
+  </p:clrMapOvr>
+</p:sld>
+</file>
+
+<file path=ppt/slides/slide38.xml><?xml version="1.0" encoding="utf-8"?>
+<p:sld xmlns:a="http://schemas.openxmlformats.org/drawingml/2006/main" xmlns:r="http://schemas.openxmlformats.org/officeDocument/2006/relationships" xmlns:p="http://schemas.openxmlformats.org/presentationml/2006/main">
+  <p:cSld>
+    <p:spTree>
+      <p:nvGrpSpPr>
+        <p:cNvPr id="1" name=""/>
+        <p:cNvGrpSpPr/>
+        <p:nvPr/>
+      </p:nvGrpSpPr>
+      <p:grpSpPr>
+        <a:xfrm>
+          <a:off x="0" y="0"/>
+          <a:ext cx="0" cy="0"/>
+          <a:chOff x="0" y="0"/>
+          <a:chExt cx="0" cy="0"/>
+        </a:xfrm>
+      </p:grpSpPr>
+      <p:sp>
+        <p:nvSpPr>
+          <p:cNvPr id="4" name="四角形: 角を丸くする 3">
+            <a:extLst>
+              <a:ext uri="{FF2B5EF4-FFF2-40B4-BE49-F238E27FC236}">
+                <a16:creationId xmlns:a16="http://schemas.microsoft.com/office/drawing/2014/main" id="{DA40CB62-7FB9-034D-8E27-D85FE44EFC54}"/>
+              </a:ext>
+            </a:extLst>
+          </p:cNvPr>
+          <p:cNvSpPr/>
+          <p:nvPr/>
+        </p:nvSpPr>
+        <p:spPr>
+          <a:xfrm>
+            <a:off x="3442821" y="1774697"/>
+            <a:ext cx="2269406" cy="811960"/>
+          </a:xfrm>
+          <a:prstGeom prst="roundRect">
+            <a:avLst/>
+          </a:prstGeom>
+          <a:ln w="38100"/>
+        </p:spPr>
+        <p:style>
+          <a:lnRef idx="2">
+            <a:schemeClr val="accent1"/>
+          </a:lnRef>
+          <a:fillRef idx="1">
+            <a:schemeClr val="lt1"/>
+          </a:fillRef>
+          <a:effectRef idx="0">
+            <a:schemeClr val="accent1"/>
+          </a:effectRef>
+          <a:fontRef idx="minor">
+            <a:schemeClr val="dk1"/>
+          </a:fontRef>
+        </p:style>
+        <p:txBody>
+          <a:bodyPr rtlCol="0" anchor="ctr"/>
+          <a:lstStyle/>
+          <a:p>
+            <a:pPr algn="ctr"/>
+            <a:r>
+              <a:rPr kumimoji="1" lang="en-US" altLang="ja-JP" sz="2000" b="1" dirty="0"/>
+              <a:t>Hash Function</a:t>
+            </a:r>
+          </a:p>
+        </p:txBody>
+      </p:sp>
+      <p:cxnSp>
+        <p:nvCxnSpPr>
+          <p:cNvPr id="5" name="直線矢印コネクタ 19">
+            <a:extLst>
+              <a:ext uri="{FF2B5EF4-FFF2-40B4-BE49-F238E27FC236}">
+                <a16:creationId xmlns:a16="http://schemas.microsoft.com/office/drawing/2014/main" id="{92B78D32-4C40-DA45-9071-01FFA7B0724E}"/>
+              </a:ext>
+            </a:extLst>
+          </p:cNvPr>
+          <p:cNvCxnSpPr>
+            <a:cxnSpLocks/>
+          </p:cNvCxnSpPr>
+          <p:nvPr/>
+        </p:nvCxnSpPr>
+        <p:spPr>
+          <a:xfrm>
+            <a:off x="2223654" y="2180677"/>
+            <a:ext cx="1219167" cy="0"/>
+          </a:xfrm>
+          <a:prstGeom prst="straightConnector1">
+            <a:avLst/>
+          </a:prstGeom>
+          <a:ln w="38100">
+            <a:solidFill>
+              <a:schemeClr val="tx1"/>
             </a:solidFill>
             <a:tailEnd type="triangle"/>
           </a:ln>
@@ -34544,30 +34703,999 @@
       </p:cxnSp>
       <p:cxnSp>
         <p:nvCxnSpPr>
-          <p:cNvPr id="48" name="Straight Arrow Connector 47">
-            <a:extLst>
-              <a:ext uri="{FF2B5EF4-FFF2-40B4-BE49-F238E27FC236}">
-                <a16:creationId xmlns:a16="http://schemas.microsoft.com/office/drawing/2014/main" id="{314963BC-1EB1-F34E-8D58-2D2B55D594FA}"/>
+          <p:cNvPr id="6" name="直線矢印コネクタ 21">
+            <a:extLst>
+              <a:ext uri="{FF2B5EF4-FFF2-40B4-BE49-F238E27FC236}">
+                <a16:creationId xmlns:a16="http://schemas.microsoft.com/office/drawing/2014/main" id="{0A9B479F-869D-084F-BAE9-9999727FC103}"/>
               </a:ext>
             </a:extLst>
           </p:cNvPr>
           <p:cNvCxnSpPr>
             <a:cxnSpLocks/>
-            <a:stCxn id="29" idx="3"/>
+            <a:stCxn id="4" idx="3"/>
           </p:cNvCxnSpPr>
           <p:nvPr/>
         </p:nvCxnSpPr>
         <p:spPr>
           <a:xfrm>
-            <a:off x="2286000" y="3429000"/>
-            <a:ext cx="2611120" cy="0"/>
+            <a:off x="5712227" y="2180677"/>
+            <a:ext cx="1219167" cy="0"/>
           </a:xfrm>
           <a:prstGeom prst="straightConnector1">
             <a:avLst/>
           </a:prstGeom>
           <a:ln w="38100">
             <a:solidFill>
-              <a:srgbClr val="FF0000"/>
+              <a:schemeClr val="tx1"/>
+            </a:solidFill>
+            <a:tailEnd type="triangle"/>
+          </a:ln>
+        </p:spPr>
+        <p:style>
+          <a:lnRef idx="1">
+            <a:schemeClr val="accent1"/>
+          </a:lnRef>
+          <a:fillRef idx="0">
+            <a:schemeClr val="accent1"/>
+          </a:fillRef>
+          <a:effectRef idx="0">
+            <a:schemeClr val="accent1"/>
+          </a:effectRef>
+          <a:fontRef idx="minor">
+            <a:schemeClr val="tx1"/>
+          </a:fontRef>
+        </p:style>
+      </p:cxnSp>
+      <p:sp>
+        <p:nvSpPr>
+          <p:cNvPr id="8" name="TextBox 45">
+            <a:extLst>
+              <a:ext uri="{FF2B5EF4-FFF2-40B4-BE49-F238E27FC236}">
+                <a16:creationId xmlns:a16="http://schemas.microsoft.com/office/drawing/2014/main" id="{84D8E3BB-0D7E-454E-88E6-04280374287C}"/>
+              </a:ext>
+            </a:extLst>
+          </p:cNvPr>
+          <p:cNvSpPr txBox="1"/>
+          <p:nvPr/>
+        </p:nvSpPr>
+        <p:spPr>
+          <a:xfrm>
+            <a:off x="2220242" y="2177897"/>
+            <a:ext cx="1222579" cy="369332"/>
+          </a:xfrm>
+          <a:prstGeom prst="rect">
+            <a:avLst/>
+          </a:prstGeom>
+          <a:noFill/>
+        </p:spPr>
+        <p:txBody>
+          <a:bodyPr wrap="square" rtlCol="0">
+            <a:spAutoFit/>
+          </a:bodyPr>
+          <a:lstStyle/>
+          <a:p>
+            <a:r>
+              <a:rPr lang="en-US" dirty="0">
+                <a:solidFill>
+                  <a:srgbClr val="0070C0"/>
+                </a:solidFill>
+              </a:rPr>
+              <a:t>Data </a:t>
+            </a:r>
+            <a:r>
+              <a:rPr lang="en-US" i="1" dirty="0">
+                <a:solidFill>
+                  <a:srgbClr val="0070C0"/>
+                </a:solidFill>
+              </a:rPr>
+              <a:t>D</a:t>
+            </a:r>
+            <a:r>
+              <a:rPr lang="en-US" dirty="0">
+                <a:solidFill>
+                  <a:srgbClr val="0070C0"/>
+                </a:solidFill>
+              </a:rPr>
+              <a:t>1</a:t>
+            </a:r>
+          </a:p>
+        </p:txBody>
+      </p:sp>
+      <p:sp>
+        <p:nvSpPr>
+          <p:cNvPr id="10" name="Rectangle 9">
+            <a:extLst>
+              <a:ext uri="{FF2B5EF4-FFF2-40B4-BE49-F238E27FC236}">
+                <a16:creationId xmlns:a16="http://schemas.microsoft.com/office/drawing/2014/main" id="{C447931D-4BFD-DF43-B64E-2331E0A49E46}"/>
+              </a:ext>
+            </a:extLst>
+          </p:cNvPr>
+          <p:cNvSpPr/>
+          <p:nvPr/>
+        </p:nvSpPr>
+        <p:spPr>
+          <a:xfrm>
+            <a:off x="5879813" y="2217325"/>
+            <a:ext cx="1208985" cy="369332"/>
+          </a:xfrm>
+          <a:prstGeom prst="rect">
+            <a:avLst/>
+          </a:prstGeom>
+        </p:spPr>
+        <p:txBody>
+          <a:bodyPr wrap="none">
+            <a:spAutoFit/>
+          </a:bodyPr>
+          <a:lstStyle/>
+          <a:p>
+            <a:r>
+              <a:rPr kumimoji="1" lang="en-US" altLang="ja-JP" dirty="0">
+                <a:solidFill>
+                  <a:srgbClr val="0070C0"/>
+                </a:solidFill>
+              </a:rPr>
+              <a:t>Hash of </a:t>
+            </a:r>
+            <a:r>
+              <a:rPr kumimoji="1" lang="en-US" altLang="ja-JP" i="1" dirty="0">
+                <a:solidFill>
+                  <a:srgbClr val="0070C0"/>
+                </a:solidFill>
+              </a:rPr>
+              <a:t>D</a:t>
+            </a:r>
+            <a:r>
+              <a:rPr kumimoji="1" lang="en-US" altLang="ja-JP" dirty="0">
+                <a:solidFill>
+                  <a:srgbClr val="0070C0"/>
+                </a:solidFill>
+              </a:rPr>
+              <a:t>1</a:t>
+            </a:r>
+            <a:endParaRPr lang="en-US" dirty="0">
+              <a:solidFill>
+                <a:srgbClr val="0070C0"/>
+              </a:solidFill>
+            </a:endParaRPr>
+          </a:p>
+        </p:txBody>
+      </p:sp>
+      <p:sp>
+        <p:nvSpPr>
+          <p:cNvPr id="13" name="四角形: 角を丸くする 3">
+            <a:extLst>
+              <a:ext uri="{FF2B5EF4-FFF2-40B4-BE49-F238E27FC236}">
+                <a16:creationId xmlns:a16="http://schemas.microsoft.com/office/drawing/2014/main" id="{A5E29B7D-D16D-5D4B-8A66-FDF63C887675}"/>
+              </a:ext>
+            </a:extLst>
+          </p:cNvPr>
+          <p:cNvSpPr/>
+          <p:nvPr/>
+        </p:nvSpPr>
+        <p:spPr>
+          <a:xfrm>
+            <a:off x="3442821" y="4114012"/>
+            <a:ext cx="2269406" cy="811960"/>
+          </a:xfrm>
+          <a:prstGeom prst="roundRect">
+            <a:avLst/>
+          </a:prstGeom>
+          <a:ln w="38100"/>
+        </p:spPr>
+        <p:style>
+          <a:lnRef idx="2">
+            <a:schemeClr val="accent1"/>
+          </a:lnRef>
+          <a:fillRef idx="1">
+            <a:schemeClr val="lt1"/>
+          </a:fillRef>
+          <a:effectRef idx="0">
+            <a:schemeClr val="accent1"/>
+          </a:effectRef>
+          <a:fontRef idx="minor">
+            <a:schemeClr val="dk1"/>
+          </a:fontRef>
+        </p:style>
+        <p:txBody>
+          <a:bodyPr rtlCol="0" anchor="ctr"/>
+          <a:lstStyle/>
+          <a:p>
+            <a:pPr algn="ctr"/>
+            <a:r>
+              <a:rPr kumimoji="1" lang="en-US" altLang="ja-JP" sz="2000" b="1" dirty="0"/>
+              <a:t>Hash Function</a:t>
+            </a:r>
+          </a:p>
+        </p:txBody>
+      </p:sp>
+      <p:cxnSp>
+        <p:nvCxnSpPr>
+          <p:cNvPr id="14" name="直線矢印コネクタ 19">
+            <a:extLst>
+              <a:ext uri="{FF2B5EF4-FFF2-40B4-BE49-F238E27FC236}">
+                <a16:creationId xmlns:a16="http://schemas.microsoft.com/office/drawing/2014/main" id="{677B339C-5AFC-114D-8B7A-DC9E619B4309}"/>
+              </a:ext>
+            </a:extLst>
+          </p:cNvPr>
+          <p:cNvCxnSpPr>
+            <a:cxnSpLocks/>
+          </p:cNvCxnSpPr>
+          <p:nvPr/>
+        </p:nvCxnSpPr>
+        <p:spPr>
+          <a:xfrm>
+            <a:off x="2223654" y="4519992"/>
+            <a:ext cx="1219167" cy="0"/>
+          </a:xfrm>
+          <a:prstGeom prst="straightConnector1">
+            <a:avLst/>
+          </a:prstGeom>
+          <a:ln w="38100">
+            <a:solidFill>
+              <a:schemeClr val="tx1"/>
+            </a:solidFill>
+            <a:tailEnd type="triangle"/>
+          </a:ln>
+        </p:spPr>
+        <p:style>
+          <a:lnRef idx="1">
+            <a:schemeClr val="accent1"/>
+          </a:lnRef>
+          <a:fillRef idx="0">
+            <a:schemeClr val="accent1"/>
+          </a:fillRef>
+          <a:effectRef idx="0">
+            <a:schemeClr val="accent1"/>
+          </a:effectRef>
+          <a:fontRef idx="minor">
+            <a:schemeClr val="tx1"/>
+          </a:fontRef>
+        </p:style>
+      </p:cxnSp>
+      <p:cxnSp>
+        <p:nvCxnSpPr>
+          <p:cNvPr id="15" name="直線矢印コネクタ 21">
+            <a:extLst>
+              <a:ext uri="{FF2B5EF4-FFF2-40B4-BE49-F238E27FC236}">
+                <a16:creationId xmlns:a16="http://schemas.microsoft.com/office/drawing/2014/main" id="{45B60192-4AEE-BE4A-97A2-0D4F3A1828CE}"/>
+              </a:ext>
+            </a:extLst>
+          </p:cNvPr>
+          <p:cNvCxnSpPr>
+            <a:cxnSpLocks/>
+            <a:stCxn id="13" idx="3"/>
+          </p:cNvCxnSpPr>
+          <p:nvPr/>
+        </p:nvCxnSpPr>
+        <p:spPr>
+          <a:xfrm>
+            <a:off x="5712227" y="4519992"/>
+            <a:ext cx="1219167" cy="0"/>
+          </a:xfrm>
+          <a:prstGeom prst="straightConnector1">
+            <a:avLst/>
+          </a:prstGeom>
+          <a:ln w="38100">
+            <a:solidFill>
+              <a:schemeClr val="tx1"/>
+            </a:solidFill>
+            <a:tailEnd type="triangle"/>
+          </a:ln>
+        </p:spPr>
+        <p:style>
+          <a:lnRef idx="1">
+            <a:schemeClr val="accent1"/>
+          </a:lnRef>
+          <a:fillRef idx="0">
+            <a:schemeClr val="accent1"/>
+          </a:fillRef>
+          <a:effectRef idx="0">
+            <a:schemeClr val="accent1"/>
+          </a:effectRef>
+          <a:fontRef idx="minor">
+            <a:schemeClr val="tx1"/>
+          </a:fontRef>
+        </p:style>
+      </p:cxnSp>
+      <p:sp>
+        <p:nvSpPr>
+          <p:cNvPr id="16" name="TextBox 45">
+            <a:extLst>
+              <a:ext uri="{FF2B5EF4-FFF2-40B4-BE49-F238E27FC236}">
+                <a16:creationId xmlns:a16="http://schemas.microsoft.com/office/drawing/2014/main" id="{38B353AA-C3EA-A24C-A42D-D50576F1E9C9}"/>
+              </a:ext>
+            </a:extLst>
+          </p:cNvPr>
+          <p:cNvSpPr txBox="1"/>
+          <p:nvPr/>
+        </p:nvSpPr>
+        <p:spPr>
+          <a:xfrm>
+            <a:off x="2220242" y="4517212"/>
+            <a:ext cx="1222579" cy="369332"/>
+          </a:xfrm>
+          <a:prstGeom prst="rect">
+            <a:avLst/>
+          </a:prstGeom>
+          <a:noFill/>
+        </p:spPr>
+        <p:txBody>
+          <a:bodyPr wrap="square" rtlCol="0">
+            <a:spAutoFit/>
+          </a:bodyPr>
+          <a:lstStyle/>
+          <a:p>
+            <a:r>
+              <a:rPr lang="en-US" dirty="0">
+                <a:solidFill>
+                  <a:srgbClr val="0070C0"/>
+                </a:solidFill>
+              </a:rPr>
+              <a:t>Data </a:t>
+            </a:r>
+            <a:r>
+              <a:rPr lang="en-US" i="1" dirty="0">
+                <a:solidFill>
+                  <a:srgbClr val="0070C0"/>
+                </a:solidFill>
+              </a:rPr>
+              <a:t>D</a:t>
+            </a:r>
+            <a:r>
+              <a:rPr lang="en-US" dirty="0">
+                <a:solidFill>
+                  <a:srgbClr val="0070C0"/>
+                </a:solidFill>
+              </a:rPr>
+              <a:t>2</a:t>
+            </a:r>
+          </a:p>
+        </p:txBody>
+      </p:sp>
+      <p:sp>
+        <p:nvSpPr>
+          <p:cNvPr id="17" name="Rectangle 16">
+            <a:extLst>
+              <a:ext uri="{FF2B5EF4-FFF2-40B4-BE49-F238E27FC236}">
+                <a16:creationId xmlns:a16="http://schemas.microsoft.com/office/drawing/2014/main" id="{7826B67E-93CB-FA40-80F7-9D4B531E9F74}"/>
+              </a:ext>
+            </a:extLst>
+          </p:cNvPr>
+          <p:cNvSpPr/>
+          <p:nvPr/>
+        </p:nvSpPr>
+        <p:spPr>
+          <a:xfrm>
+            <a:off x="5879813" y="4556640"/>
+            <a:ext cx="1208985" cy="369332"/>
+          </a:xfrm>
+          <a:prstGeom prst="rect">
+            <a:avLst/>
+          </a:prstGeom>
+        </p:spPr>
+        <p:txBody>
+          <a:bodyPr wrap="none">
+            <a:spAutoFit/>
+          </a:bodyPr>
+          <a:lstStyle/>
+          <a:p>
+            <a:r>
+              <a:rPr kumimoji="1" lang="en-US" altLang="ja-JP" dirty="0">
+                <a:solidFill>
+                  <a:srgbClr val="0070C0"/>
+                </a:solidFill>
+              </a:rPr>
+              <a:t>Hash of </a:t>
+            </a:r>
+            <a:r>
+              <a:rPr kumimoji="1" lang="en-US" altLang="ja-JP" i="1" dirty="0">
+                <a:solidFill>
+                  <a:srgbClr val="0070C0"/>
+                </a:solidFill>
+              </a:rPr>
+              <a:t>D</a:t>
+            </a:r>
+            <a:r>
+              <a:rPr kumimoji="1" lang="en-US" altLang="ja-JP" dirty="0">
+                <a:solidFill>
+                  <a:srgbClr val="0070C0"/>
+                </a:solidFill>
+              </a:rPr>
+              <a:t>2</a:t>
+            </a:r>
+            <a:endParaRPr lang="en-US" dirty="0">
+              <a:solidFill>
+                <a:srgbClr val="0070C0"/>
+              </a:solidFill>
+            </a:endParaRPr>
+          </a:p>
+        </p:txBody>
+      </p:sp>
+      <p:sp>
+        <p:nvSpPr>
+          <p:cNvPr id="18" name="TextBox 17">
+            <a:extLst>
+              <a:ext uri="{FF2B5EF4-FFF2-40B4-BE49-F238E27FC236}">
+                <a16:creationId xmlns:a16="http://schemas.microsoft.com/office/drawing/2014/main" id="{E8A1C07B-1B06-5947-A1AF-DC10B371C36F}"/>
+              </a:ext>
+            </a:extLst>
+          </p:cNvPr>
+          <p:cNvSpPr txBox="1"/>
+          <p:nvPr/>
+        </p:nvSpPr>
+        <p:spPr>
+          <a:xfrm>
+            <a:off x="1293894" y="1774697"/>
+            <a:ext cx="2128083" cy="461665"/>
+          </a:xfrm>
+          <a:prstGeom prst="rect">
+            <a:avLst/>
+          </a:prstGeom>
+          <a:noFill/>
+        </p:spPr>
+        <p:txBody>
+          <a:bodyPr wrap="none" rtlCol="0">
+            <a:spAutoFit/>
+          </a:bodyPr>
+          <a:lstStyle/>
+          <a:p>
+            <a:r>
+              <a:rPr lang="en-US" sz="2400" b="1" dirty="0"/>
+              <a:t>0x</a:t>
+            </a:r>
+            <a:r>
+              <a:rPr lang="en-US" sz="2400" b="1" dirty="0">
+                <a:solidFill>
+                  <a:srgbClr val="0070C0"/>
+                </a:solidFill>
+              </a:rPr>
+              <a:t>A</a:t>
+            </a:r>
+            <a:r>
+              <a:rPr lang="en-US" sz="2400" b="1" dirty="0"/>
+              <a:t>BABABAB…</a:t>
+            </a:r>
+          </a:p>
+        </p:txBody>
+      </p:sp>
+      <p:sp>
+        <p:nvSpPr>
+          <p:cNvPr id="19" name="TextBox 18">
+            <a:extLst>
+              <a:ext uri="{FF2B5EF4-FFF2-40B4-BE49-F238E27FC236}">
+                <a16:creationId xmlns:a16="http://schemas.microsoft.com/office/drawing/2014/main" id="{E9DA407F-9F1E-824A-86E7-E68129A88A8D}"/>
+              </a:ext>
+            </a:extLst>
+          </p:cNvPr>
+          <p:cNvSpPr txBox="1"/>
+          <p:nvPr/>
+        </p:nvSpPr>
+        <p:spPr>
+          <a:xfrm>
+            <a:off x="1293894" y="4099192"/>
+            <a:ext cx="2115259" cy="461665"/>
+          </a:xfrm>
+          <a:prstGeom prst="rect">
+            <a:avLst/>
+          </a:prstGeom>
+          <a:noFill/>
+        </p:spPr>
+        <p:txBody>
+          <a:bodyPr wrap="none" rtlCol="0">
+            <a:spAutoFit/>
+          </a:bodyPr>
+          <a:lstStyle/>
+          <a:p>
+            <a:r>
+              <a:rPr lang="en-US" sz="2400" b="1" dirty="0"/>
+              <a:t>0x</a:t>
+            </a:r>
+            <a:r>
+              <a:rPr lang="en-US" sz="2400" b="1" dirty="0">
+                <a:solidFill>
+                  <a:srgbClr val="FF0000"/>
+                </a:solidFill>
+              </a:rPr>
+              <a:t>B</a:t>
+            </a:r>
+            <a:r>
+              <a:rPr lang="en-US" sz="2400" b="1" dirty="0"/>
+              <a:t>BABABAB…</a:t>
+            </a:r>
+          </a:p>
+        </p:txBody>
+      </p:sp>
+      <p:sp>
+        <p:nvSpPr>
+          <p:cNvPr id="21" name="TextBox 20">
+            <a:extLst>
+              <a:ext uri="{FF2B5EF4-FFF2-40B4-BE49-F238E27FC236}">
+                <a16:creationId xmlns:a16="http://schemas.microsoft.com/office/drawing/2014/main" id="{CB8CEC95-8339-544E-A19D-C9F702C0AA71}"/>
+              </a:ext>
+            </a:extLst>
+          </p:cNvPr>
+          <p:cNvSpPr txBox="1"/>
+          <p:nvPr/>
+        </p:nvSpPr>
+        <p:spPr>
+          <a:xfrm>
+            <a:off x="5705266" y="1770480"/>
+            <a:ext cx="2486578" cy="461665"/>
+          </a:xfrm>
+          <a:prstGeom prst="rect">
+            <a:avLst/>
+          </a:prstGeom>
+          <a:noFill/>
+        </p:spPr>
+        <p:txBody>
+          <a:bodyPr wrap="none" rtlCol="0">
+            <a:spAutoFit/>
+          </a:bodyPr>
+          <a:lstStyle/>
+          <a:p>
+            <a:r>
+              <a:rPr lang="en-US" sz="2400" b="1" dirty="0">
+                <a:solidFill>
+                  <a:schemeClr val="accent1"/>
+                </a:solidFill>
+              </a:rPr>
+              <a:t>0x01A90E98DF0…</a:t>
+            </a:r>
+          </a:p>
+        </p:txBody>
+      </p:sp>
+      <p:sp>
+        <p:nvSpPr>
+          <p:cNvPr id="22" name="TextBox 21">
+            <a:extLst>
+              <a:ext uri="{FF2B5EF4-FFF2-40B4-BE49-F238E27FC236}">
+                <a16:creationId xmlns:a16="http://schemas.microsoft.com/office/drawing/2014/main" id="{FAFF3AB5-268A-1E43-9389-F73BFEB46B0F}"/>
+              </a:ext>
+            </a:extLst>
+          </p:cNvPr>
+          <p:cNvSpPr txBox="1"/>
+          <p:nvPr/>
+        </p:nvSpPr>
+        <p:spPr>
+          <a:xfrm>
+            <a:off x="5705266" y="4094975"/>
+            <a:ext cx="2473947" cy="461665"/>
+          </a:xfrm>
+          <a:prstGeom prst="rect">
+            <a:avLst/>
+          </a:prstGeom>
+          <a:noFill/>
+        </p:spPr>
+        <p:txBody>
+          <a:bodyPr wrap="none" rtlCol="0">
+            <a:spAutoFit/>
+          </a:bodyPr>
+          <a:lstStyle/>
+          <a:p>
+            <a:r>
+              <a:rPr lang="en-US" sz="2400" b="1" dirty="0">
+                <a:solidFill>
+                  <a:srgbClr val="FF0000"/>
+                </a:solidFill>
+              </a:rPr>
+              <a:t>0x68A78FAED22…</a:t>
+            </a:r>
+          </a:p>
+        </p:txBody>
+      </p:sp>
+      <p:sp>
+        <p:nvSpPr>
+          <p:cNvPr id="23" name="Up-Down Arrow 22">
+            <a:extLst>
+              <a:ext uri="{FF2B5EF4-FFF2-40B4-BE49-F238E27FC236}">
+                <a16:creationId xmlns:a16="http://schemas.microsoft.com/office/drawing/2014/main" id="{BEABB32F-55B5-CE48-A309-77CBCCB9DEC2}"/>
+              </a:ext>
+            </a:extLst>
+          </p:cNvPr>
+          <p:cNvSpPr/>
+          <p:nvPr/>
+        </p:nvSpPr>
+        <p:spPr>
+          <a:xfrm>
+            <a:off x="1977926" y="2756343"/>
+            <a:ext cx="484632" cy="1216152"/>
+          </a:xfrm>
+          <a:prstGeom prst="upDownArrow">
+            <a:avLst/>
+          </a:prstGeom>
+        </p:spPr>
+        <p:style>
+          <a:lnRef idx="2">
+            <a:schemeClr val="accent1">
+              <a:shade val="50000"/>
+            </a:schemeClr>
+          </a:lnRef>
+          <a:fillRef idx="1">
+            <a:schemeClr val="accent1"/>
+          </a:fillRef>
+          <a:effectRef idx="0">
+            <a:schemeClr val="accent1"/>
+          </a:effectRef>
+          <a:fontRef idx="minor">
+            <a:schemeClr val="lt1"/>
+          </a:fontRef>
+        </p:style>
+        <p:txBody>
+          <a:bodyPr rtlCol="0" anchor="ctr"/>
+          <a:lstStyle/>
+          <a:p>
+            <a:pPr algn="ctr"/>
+            <a:endParaRPr lang="en-US"/>
+          </a:p>
+        </p:txBody>
+      </p:sp>
+      <p:sp>
+        <p:nvSpPr>
+          <p:cNvPr id="24" name="TextBox 23">
+            <a:extLst>
+              <a:ext uri="{FF2B5EF4-FFF2-40B4-BE49-F238E27FC236}">
+                <a16:creationId xmlns:a16="http://schemas.microsoft.com/office/drawing/2014/main" id="{741F8CF5-F4F5-3242-980A-4A7FF908D8B2}"/>
+              </a:ext>
+            </a:extLst>
+          </p:cNvPr>
+          <p:cNvSpPr txBox="1"/>
+          <p:nvPr/>
+        </p:nvSpPr>
+        <p:spPr>
+          <a:xfrm>
+            <a:off x="1393829" y="3179753"/>
+            <a:ext cx="1652825" cy="369332"/>
+          </a:xfrm>
+          <a:prstGeom prst="rect">
+            <a:avLst/>
+          </a:prstGeom>
+          <a:solidFill>
+            <a:schemeClr val="bg1"/>
+          </a:solidFill>
+          <a:ln>
+            <a:solidFill>
+              <a:schemeClr val="tx1"/>
+            </a:solidFill>
+          </a:ln>
+        </p:spPr>
+        <p:txBody>
+          <a:bodyPr wrap="none" rtlCol="0">
+            <a:spAutoFit/>
+          </a:bodyPr>
+          <a:lstStyle/>
+          <a:p>
+            <a:r>
+              <a:rPr lang="en-US" b="1" dirty="0">
+                <a:solidFill>
+                  <a:srgbClr val="0070C0"/>
+                </a:solidFill>
+              </a:rPr>
+              <a:t>1-bit difference</a:t>
+            </a:r>
+          </a:p>
+        </p:txBody>
+      </p:sp>
+      <p:sp>
+        <p:nvSpPr>
+          <p:cNvPr id="25" name="Up-Down Arrow 24">
+            <a:extLst>
+              <a:ext uri="{FF2B5EF4-FFF2-40B4-BE49-F238E27FC236}">
+                <a16:creationId xmlns:a16="http://schemas.microsoft.com/office/drawing/2014/main" id="{9FE01100-9BA1-1241-BE4D-DF7C334B2A43}"/>
+              </a:ext>
+            </a:extLst>
+          </p:cNvPr>
+          <p:cNvSpPr/>
+          <p:nvPr/>
+        </p:nvSpPr>
+        <p:spPr>
+          <a:xfrm>
+            <a:off x="6604166" y="2750736"/>
+            <a:ext cx="484632" cy="1216152"/>
+          </a:xfrm>
+          <a:prstGeom prst="upDownArrow">
+            <a:avLst/>
+          </a:prstGeom>
+        </p:spPr>
+        <p:style>
+          <a:lnRef idx="2">
+            <a:schemeClr val="accent1">
+              <a:shade val="50000"/>
+            </a:schemeClr>
+          </a:lnRef>
+          <a:fillRef idx="1">
+            <a:schemeClr val="accent1"/>
+          </a:fillRef>
+          <a:effectRef idx="0">
+            <a:schemeClr val="accent1"/>
+          </a:effectRef>
+          <a:fontRef idx="minor">
+            <a:schemeClr val="lt1"/>
+          </a:fontRef>
+        </p:style>
+        <p:txBody>
+          <a:bodyPr rtlCol="0" anchor="ctr"/>
+          <a:lstStyle/>
+          <a:p>
+            <a:pPr algn="ctr"/>
+            <a:endParaRPr lang="en-US"/>
+          </a:p>
+        </p:txBody>
+      </p:sp>
+      <p:sp>
+        <p:nvSpPr>
+          <p:cNvPr id="26" name="TextBox 25">
+            <a:extLst>
+              <a:ext uri="{FF2B5EF4-FFF2-40B4-BE49-F238E27FC236}">
+                <a16:creationId xmlns:a16="http://schemas.microsoft.com/office/drawing/2014/main" id="{86601D20-1598-AA41-BA41-DC3D3D7F7584}"/>
+              </a:ext>
+            </a:extLst>
+          </p:cNvPr>
+          <p:cNvSpPr txBox="1"/>
+          <p:nvPr/>
+        </p:nvSpPr>
+        <p:spPr>
+          <a:xfrm>
+            <a:off x="5412595" y="3206320"/>
+            <a:ext cx="2867773" cy="369332"/>
+          </a:xfrm>
+          <a:prstGeom prst="rect">
+            <a:avLst/>
+          </a:prstGeom>
+          <a:solidFill>
+            <a:schemeClr val="bg1"/>
+          </a:solidFill>
+          <a:ln>
+            <a:solidFill>
+              <a:schemeClr val="tx1"/>
+            </a:solidFill>
+          </a:ln>
+        </p:spPr>
+        <p:txBody>
+          <a:bodyPr wrap="none" rtlCol="0">
+            <a:spAutoFit/>
+          </a:bodyPr>
+          <a:lstStyle/>
+          <a:p>
+            <a:r>
+              <a:rPr lang="en-US" b="1" dirty="0">
+                <a:solidFill>
+                  <a:srgbClr val="FF0000"/>
+                </a:solidFill>
+              </a:rPr>
+              <a:t>Completely different hashes</a:t>
+            </a:r>
+          </a:p>
+        </p:txBody>
+      </p:sp>
+    </p:spTree>
+    <p:extLst>
+      <p:ext uri="{BB962C8B-B14F-4D97-AF65-F5344CB8AC3E}">
+        <p14:creationId xmlns:p14="http://schemas.microsoft.com/office/powerpoint/2010/main" val="2048329265"/>
+      </p:ext>
+    </p:extLst>
+  </p:cSld>
+  <p:clrMapOvr>
+    <a:masterClrMapping/>
+  </p:clrMapOvr>
+</p:sld>
+</file>
+
+<file path=ppt/slides/slide39.xml><?xml version="1.0" encoding="utf-8"?>
+<p:sld xmlns:a="http://schemas.openxmlformats.org/drawingml/2006/main" xmlns:r="http://schemas.openxmlformats.org/officeDocument/2006/relationships" xmlns:p="http://schemas.openxmlformats.org/presentationml/2006/main">
+  <p:cSld>
+    <p:spTree>
+      <p:nvGrpSpPr>
+        <p:cNvPr id="1" name=""/>
+        <p:cNvGrpSpPr/>
+        <p:nvPr/>
+      </p:nvGrpSpPr>
+      <p:grpSpPr>
+        <a:xfrm>
+          <a:off x="0" y="0"/>
+          <a:ext cx="0" cy="0"/>
+          <a:chOff x="0" y="0"/>
+          <a:chExt cx="0" cy="0"/>
+        </a:xfrm>
+      </p:grpSpPr>
+      <p:sp>
+        <p:nvSpPr>
+          <p:cNvPr id="4" name="四角形: 角を丸くする 3">
+            <a:extLst>
+              <a:ext uri="{FF2B5EF4-FFF2-40B4-BE49-F238E27FC236}">
+                <a16:creationId xmlns:a16="http://schemas.microsoft.com/office/drawing/2014/main" id="{DA40CB62-7FB9-034D-8E27-D85FE44EFC54}"/>
+              </a:ext>
+            </a:extLst>
+          </p:cNvPr>
+          <p:cNvSpPr/>
+          <p:nvPr/>
+        </p:nvSpPr>
+        <p:spPr>
+          <a:xfrm>
+            <a:off x="3442821" y="1774697"/>
+            <a:ext cx="2269406" cy="811960"/>
+          </a:xfrm>
+          <a:prstGeom prst="roundRect">
+            <a:avLst/>
+          </a:prstGeom>
+          <a:ln w="38100"/>
+        </p:spPr>
+        <p:style>
+          <a:lnRef idx="2">
+            <a:schemeClr val="accent1"/>
+          </a:lnRef>
+          <a:fillRef idx="1">
+            <a:schemeClr val="lt1"/>
+          </a:fillRef>
+          <a:effectRef idx="0">
+            <a:schemeClr val="accent1"/>
+          </a:effectRef>
+          <a:fontRef idx="minor">
+            <a:schemeClr val="dk1"/>
+          </a:fontRef>
+        </p:style>
+        <p:txBody>
+          <a:bodyPr rtlCol="0" anchor="ctr"/>
+          <a:lstStyle/>
+          <a:p>
+            <a:pPr algn="ctr"/>
+            <a:r>
+              <a:rPr kumimoji="1" lang="en-US" altLang="ja-JP" sz="2000" b="1" dirty="0"/>
+              <a:t>MAC Function</a:t>
+            </a:r>
+          </a:p>
+        </p:txBody>
+      </p:sp>
+      <p:cxnSp>
+        <p:nvCxnSpPr>
+          <p:cNvPr id="5" name="直線矢印コネクタ 19">
+            <a:extLst>
+              <a:ext uri="{FF2B5EF4-FFF2-40B4-BE49-F238E27FC236}">
+                <a16:creationId xmlns:a16="http://schemas.microsoft.com/office/drawing/2014/main" id="{92B78D32-4C40-DA45-9071-01FFA7B0724E}"/>
+              </a:ext>
+            </a:extLst>
+          </p:cNvPr>
+          <p:cNvCxnSpPr>
+            <a:cxnSpLocks/>
+            <a:stCxn id="39" idx="3"/>
+            <a:endCxn id="4" idx="1"/>
+          </p:cNvCxnSpPr>
+          <p:nvPr/>
+        </p:nvCxnSpPr>
+        <p:spPr>
+          <a:xfrm flipV="1">
+            <a:off x="1988586" y="2180677"/>
+            <a:ext cx="1454235" cy="984001"/>
+          </a:xfrm>
+          <a:prstGeom prst="straightConnector1">
+            <a:avLst/>
+          </a:prstGeom>
+          <a:ln w="38100">
+            <a:solidFill>
+              <a:schemeClr val="tx1"/>
+            </a:solidFill>
+            <a:tailEnd type="triangle"/>
+          </a:ln>
+        </p:spPr>
+        <p:style>
+          <a:lnRef idx="1">
+            <a:schemeClr val="accent1"/>
+          </a:lnRef>
+          <a:fillRef idx="0">
+            <a:schemeClr val="accent1"/>
+          </a:fillRef>
+          <a:effectRef idx="0">
+            <a:schemeClr val="accent1"/>
+          </a:effectRef>
+          <a:fontRef idx="minor">
+            <a:schemeClr val="tx1"/>
+          </a:fontRef>
+        </p:style>
+      </p:cxnSp>
+      <p:cxnSp>
+        <p:nvCxnSpPr>
+          <p:cNvPr id="6" name="直線矢印コネクタ 21">
+            <a:extLst>
+              <a:ext uri="{FF2B5EF4-FFF2-40B4-BE49-F238E27FC236}">
+                <a16:creationId xmlns:a16="http://schemas.microsoft.com/office/drawing/2014/main" id="{0A9B479F-869D-084F-BAE9-9999727FC103}"/>
+              </a:ext>
+            </a:extLst>
+          </p:cNvPr>
+          <p:cNvCxnSpPr>
+            <a:cxnSpLocks/>
+            <a:stCxn id="4" idx="3"/>
+          </p:cNvCxnSpPr>
+          <p:nvPr/>
+        </p:nvCxnSpPr>
+        <p:spPr>
+          <a:xfrm>
+            <a:off x="5712227" y="2180677"/>
+            <a:ext cx="1219167" cy="0"/>
+          </a:xfrm>
+          <a:prstGeom prst="straightConnector1">
+            <a:avLst/>
+          </a:prstGeom>
+          <a:ln w="38100">
+            <a:solidFill>
+              <a:schemeClr val="tx1"/>
+            </a:solidFill>
+            <a:tailEnd type="triangle"/>
+          </a:ln>
+        </p:spPr>
+        <p:style>
+          <a:lnRef idx="1">
+            <a:schemeClr val="accent1"/>
+          </a:lnRef>
+          <a:fillRef idx="0">
+            <a:schemeClr val="accent1"/>
+          </a:fillRef>
+          <a:effectRef idx="0">
+            <a:schemeClr val="accent1"/>
+          </a:effectRef>
+          <a:fontRef idx="minor">
+            <a:schemeClr val="tx1"/>
+          </a:fontRef>
+        </p:style>
+      </p:cxnSp>
+      <p:sp>
+        <p:nvSpPr>
+          <p:cNvPr id="10" name="Rectangle 9">
+            <a:extLst>
+              <a:ext uri="{FF2B5EF4-FFF2-40B4-BE49-F238E27FC236}">
+                <a16:creationId xmlns:a16="http://schemas.microsoft.com/office/drawing/2014/main" id="{C447931D-4BFD-DF43-B64E-2331E0A49E46}"/>
+              </a:ext>
+            </a:extLst>
+          </p:cNvPr>
+          <p:cNvSpPr/>
+          <p:nvPr/>
+        </p:nvSpPr>
+        <p:spPr>
+          <a:xfrm>
+            <a:off x="5746465" y="2224063"/>
+            <a:ext cx="645241" cy="369332"/>
+          </a:xfrm>
+          <a:prstGeom prst="rect">
+            <a:avLst/>
+          </a:prstGeom>
+        </p:spPr>
+        <p:txBody>
+          <a:bodyPr wrap="none">
+            <a:spAutoFit/>
+          </a:bodyPr>
+          <a:lstStyle/>
+          <a:p>
+            <a:r>
+              <a:rPr lang="en-US" b="1" dirty="0"/>
+              <a:t>MAC</a:t>
+            </a:r>
+          </a:p>
+        </p:txBody>
+      </p:sp>
+      <p:cxnSp>
+        <p:nvCxnSpPr>
+          <p:cNvPr id="20" name="直線矢印コネクタ 6">
+            <a:extLst>
+              <a:ext uri="{FF2B5EF4-FFF2-40B4-BE49-F238E27FC236}">
+                <a16:creationId xmlns:a16="http://schemas.microsoft.com/office/drawing/2014/main" id="{6EB97C01-F6FA-154D-BD46-5D4EECC1BDC5}"/>
+              </a:ext>
+            </a:extLst>
+          </p:cNvPr>
+          <p:cNvCxnSpPr>
+            <a:cxnSpLocks/>
+            <a:endCxn id="4" idx="0"/>
+          </p:cNvCxnSpPr>
+          <p:nvPr/>
+        </p:nvCxnSpPr>
+        <p:spPr>
+          <a:xfrm>
+            <a:off x="4577524" y="955432"/>
+            <a:ext cx="0" cy="819265"/>
+          </a:xfrm>
+          <a:prstGeom prst="straightConnector1">
+            <a:avLst/>
+          </a:prstGeom>
+          <a:ln w="38100">
+            <a:solidFill>
+              <a:schemeClr val="tx1"/>
             </a:solidFill>
             <a:tailEnd type="triangle"/>
           </a:ln>
@@ -34589,10 +35717,10 @@
       </p:cxnSp>
       <p:pic>
         <p:nvPicPr>
-          <p:cNvPr id="53" name="Picture 52">
-            <a:extLst>
-              <a:ext uri="{FF2B5EF4-FFF2-40B4-BE49-F238E27FC236}">
-                <a16:creationId xmlns:a16="http://schemas.microsoft.com/office/drawing/2014/main" id="{E6E0C4A8-B368-6142-BFA4-259AFF5CB546}"/>
+          <p:cNvPr id="27" name="Picture 14">
+            <a:extLst>
+              <a:ext uri="{FF2B5EF4-FFF2-40B4-BE49-F238E27FC236}">
+                <a16:creationId xmlns:a16="http://schemas.microsoft.com/office/drawing/2014/main" id="{856AC2D1-5E82-E444-B729-B8DE82F42E5E}"/>
               </a:ext>
             </a:extLst>
           </p:cNvPr>
@@ -34602,27 +35730,404 @@
           <p:nvPr/>
         </p:nvPicPr>
         <p:blipFill>
-          <a:blip r:embed="rId2"/>
+          <a:blip r:embed="rId3"/>
           <a:stretch>
             <a:fillRect/>
           </a:stretch>
         </p:blipFill>
         <p:spPr>
-          <a:xfrm>
-            <a:off x="4878717" y="2801203"/>
-            <a:ext cx="1092200" cy="1092200"/>
+          <a:xfrm rot="2423352">
+            <a:off x="4833953" y="943701"/>
+            <a:ext cx="219766" cy="695926"/>
           </a:xfrm>
           <a:prstGeom prst="rect">
             <a:avLst/>
           </a:prstGeom>
         </p:spPr>
       </p:pic>
+      <p:sp>
+        <p:nvSpPr>
+          <p:cNvPr id="28" name="TextBox 15">
+            <a:extLst>
+              <a:ext uri="{FF2B5EF4-FFF2-40B4-BE49-F238E27FC236}">
+                <a16:creationId xmlns:a16="http://schemas.microsoft.com/office/drawing/2014/main" id="{AC0B27B0-E295-C64D-9FA9-2B8C479C615D}"/>
+              </a:ext>
+            </a:extLst>
+          </p:cNvPr>
+          <p:cNvSpPr txBox="1"/>
+          <p:nvPr/>
+        </p:nvSpPr>
+        <p:spPr>
+          <a:xfrm>
+            <a:off x="3873474" y="1147299"/>
+            <a:ext cx="732624" cy="369332"/>
+          </a:xfrm>
+          <a:prstGeom prst="rect">
+            <a:avLst/>
+          </a:prstGeom>
+          <a:noFill/>
+        </p:spPr>
+        <p:txBody>
+          <a:bodyPr wrap="square" rtlCol="0">
+            <a:spAutoFit/>
+          </a:bodyPr>
+          <a:lstStyle/>
+          <a:p>
+            <a:pPr algn="ctr"/>
+            <a:r>
+              <a:rPr lang="en-US" b="1" dirty="0">
+                <a:solidFill>
+                  <a:srgbClr val="0070C0"/>
+                </a:solidFill>
+              </a:rPr>
+              <a:t>Key A</a:t>
+            </a:r>
+          </a:p>
+        </p:txBody>
+      </p:sp>
+      <p:sp>
+        <p:nvSpPr>
+          <p:cNvPr id="30" name="TextBox 29">
+            <a:extLst>
+              <a:ext uri="{FF2B5EF4-FFF2-40B4-BE49-F238E27FC236}">
+                <a16:creationId xmlns:a16="http://schemas.microsoft.com/office/drawing/2014/main" id="{49278B4E-8B1B-DB46-B697-DFA5E94E5C44}"/>
+              </a:ext>
+            </a:extLst>
+          </p:cNvPr>
+          <p:cNvSpPr txBox="1"/>
+          <p:nvPr/>
+        </p:nvSpPr>
+        <p:spPr>
+          <a:xfrm>
+            <a:off x="5705266" y="1770480"/>
+            <a:ext cx="2486578" cy="461665"/>
+          </a:xfrm>
+          <a:prstGeom prst="rect">
+            <a:avLst/>
+          </a:prstGeom>
+          <a:noFill/>
+        </p:spPr>
+        <p:txBody>
+          <a:bodyPr wrap="none" rtlCol="0">
+            <a:spAutoFit/>
+          </a:bodyPr>
+          <a:lstStyle/>
+          <a:p>
+            <a:r>
+              <a:rPr lang="en-US" sz="2400" b="1" dirty="0">
+                <a:solidFill>
+                  <a:schemeClr val="accent1"/>
+                </a:solidFill>
+              </a:rPr>
+              <a:t>0x01A90E98DF0…</a:t>
+            </a:r>
+          </a:p>
+        </p:txBody>
+      </p:sp>
+      <p:sp>
+        <p:nvSpPr>
+          <p:cNvPr id="31" name="四角形: 角を丸くする 3">
+            <a:extLst>
+              <a:ext uri="{FF2B5EF4-FFF2-40B4-BE49-F238E27FC236}">
+                <a16:creationId xmlns:a16="http://schemas.microsoft.com/office/drawing/2014/main" id="{7C80D45F-5BE5-044A-9D6C-CBED730F4920}"/>
+              </a:ext>
+            </a:extLst>
+          </p:cNvPr>
+          <p:cNvSpPr/>
+          <p:nvPr/>
+        </p:nvSpPr>
+        <p:spPr>
+          <a:xfrm>
+            <a:off x="3417241" y="3809121"/>
+            <a:ext cx="2269406" cy="811960"/>
+          </a:xfrm>
+          <a:prstGeom prst="roundRect">
+            <a:avLst/>
+          </a:prstGeom>
+          <a:ln w="38100"/>
+        </p:spPr>
+        <p:style>
+          <a:lnRef idx="2">
+            <a:schemeClr val="accent1"/>
+          </a:lnRef>
+          <a:fillRef idx="1">
+            <a:schemeClr val="lt1"/>
+          </a:fillRef>
+          <a:effectRef idx="0">
+            <a:schemeClr val="accent1"/>
+          </a:effectRef>
+          <a:fontRef idx="minor">
+            <a:schemeClr val="dk1"/>
+          </a:fontRef>
+        </p:style>
+        <p:txBody>
+          <a:bodyPr rtlCol="0" anchor="ctr"/>
+          <a:lstStyle/>
+          <a:p>
+            <a:pPr algn="ctr"/>
+            <a:r>
+              <a:rPr kumimoji="1" lang="en-US" altLang="ja-JP" sz="2000" b="1" dirty="0"/>
+              <a:t>HMAC Function</a:t>
+            </a:r>
+          </a:p>
+        </p:txBody>
+      </p:sp>
+      <p:cxnSp>
+        <p:nvCxnSpPr>
+          <p:cNvPr id="32" name="直線矢印コネクタ 19">
+            <a:extLst>
+              <a:ext uri="{FF2B5EF4-FFF2-40B4-BE49-F238E27FC236}">
+                <a16:creationId xmlns:a16="http://schemas.microsoft.com/office/drawing/2014/main" id="{84743DEC-C0A5-D741-A5CA-BDBA1A96C341}"/>
+              </a:ext>
+            </a:extLst>
+          </p:cNvPr>
+          <p:cNvCxnSpPr>
+            <a:cxnSpLocks/>
+            <a:stCxn id="39" idx="3"/>
+            <a:endCxn id="31" idx="1"/>
+          </p:cNvCxnSpPr>
+          <p:nvPr/>
+        </p:nvCxnSpPr>
+        <p:spPr>
+          <a:xfrm>
+            <a:off x="1988586" y="3164678"/>
+            <a:ext cx="1428655" cy="1050423"/>
+          </a:xfrm>
+          <a:prstGeom prst="straightConnector1">
+            <a:avLst/>
+          </a:prstGeom>
+          <a:ln w="38100">
+            <a:solidFill>
+              <a:schemeClr val="tx1"/>
+            </a:solidFill>
+            <a:tailEnd type="triangle"/>
+          </a:ln>
+        </p:spPr>
+        <p:style>
+          <a:lnRef idx="1">
+            <a:schemeClr val="accent1"/>
+          </a:lnRef>
+          <a:fillRef idx="0">
+            <a:schemeClr val="accent1"/>
+          </a:fillRef>
+          <a:effectRef idx="0">
+            <a:schemeClr val="accent1"/>
+          </a:effectRef>
+          <a:fontRef idx="minor">
+            <a:schemeClr val="tx1"/>
+          </a:fontRef>
+        </p:style>
+      </p:cxnSp>
+      <p:cxnSp>
+        <p:nvCxnSpPr>
+          <p:cNvPr id="33" name="直線矢印コネクタ 21">
+            <a:extLst>
+              <a:ext uri="{FF2B5EF4-FFF2-40B4-BE49-F238E27FC236}">
+                <a16:creationId xmlns:a16="http://schemas.microsoft.com/office/drawing/2014/main" id="{98797066-DBF6-9446-806E-8830E2DD7303}"/>
+              </a:ext>
+            </a:extLst>
+          </p:cNvPr>
+          <p:cNvCxnSpPr>
+            <a:cxnSpLocks/>
+            <a:stCxn id="31" idx="3"/>
+          </p:cNvCxnSpPr>
+          <p:nvPr/>
+        </p:nvCxnSpPr>
+        <p:spPr>
+          <a:xfrm>
+            <a:off x="5686647" y="4215101"/>
+            <a:ext cx="1219167" cy="0"/>
+          </a:xfrm>
+          <a:prstGeom prst="straightConnector1">
+            <a:avLst/>
+          </a:prstGeom>
+          <a:ln w="38100">
+            <a:solidFill>
+              <a:schemeClr val="tx1"/>
+            </a:solidFill>
+            <a:tailEnd type="triangle"/>
+          </a:ln>
+        </p:spPr>
+        <p:style>
+          <a:lnRef idx="1">
+            <a:schemeClr val="accent1"/>
+          </a:lnRef>
+          <a:fillRef idx="0">
+            <a:schemeClr val="accent1"/>
+          </a:fillRef>
+          <a:effectRef idx="0">
+            <a:schemeClr val="accent1"/>
+          </a:effectRef>
+          <a:fontRef idx="minor">
+            <a:schemeClr val="tx1"/>
+          </a:fontRef>
+        </p:style>
+      </p:cxnSp>
+      <p:sp>
+        <p:nvSpPr>
+          <p:cNvPr id="34" name="TextBox 45">
+            <a:extLst>
+              <a:ext uri="{FF2B5EF4-FFF2-40B4-BE49-F238E27FC236}">
+                <a16:creationId xmlns:a16="http://schemas.microsoft.com/office/drawing/2014/main" id="{EBA53AF4-3954-7340-9A0A-40D565A42FDB}"/>
+              </a:ext>
+            </a:extLst>
+          </p:cNvPr>
+          <p:cNvSpPr txBox="1"/>
+          <p:nvPr/>
+        </p:nvSpPr>
+        <p:spPr>
+          <a:xfrm>
+            <a:off x="1323143" y="3415191"/>
+            <a:ext cx="1222579" cy="369332"/>
+          </a:xfrm>
+          <a:prstGeom prst="rect">
+            <a:avLst/>
+          </a:prstGeom>
+          <a:noFill/>
+        </p:spPr>
+        <p:txBody>
+          <a:bodyPr wrap="square" rtlCol="0">
+            <a:spAutoFit/>
+          </a:bodyPr>
+          <a:lstStyle/>
+          <a:p>
+            <a:r>
+              <a:rPr lang="en-US" b="1" dirty="0"/>
+              <a:t>Data </a:t>
+            </a:r>
+            <a:r>
+              <a:rPr lang="en-US" b="1" i="1" dirty="0"/>
+              <a:t>D</a:t>
+            </a:r>
+            <a:endParaRPr lang="en-US" b="1" dirty="0"/>
+          </a:p>
+        </p:txBody>
+      </p:sp>
+      <p:sp>
+        <p:nvSpPr>
+          <p:cNvPr id="35" name="Rectangle 34">
+            <a:extLst>
+              <a:ext uri="{FF2B5EF4-FFF2-40B4-BE49-F238E27FC236}">
+                <a16:creationId xmlns:a16="http://schemas.microsoft.com/office/drawing/2014/main" id="{9D24E08B-4B5E-5644-9F3D-5FE30C2AB002}"/>
+              </a:ext>
+            </a:extLst>
+          </p:cNvPr>
+          <p:cNvSpPr/>
+          <p:nvPr/>
+        </p:nvSpPr>
+        <p:spPr>
+          <a:xfrm>
+            <a:off x="5720885" y="4258487"/>
+            <a:ext cx="1950855" cy="369332"/>
+          </a:xfrm>
+          <a:prstGeom prst="rect">
+            <a:avLst/>
+          </a:prstGeom>
+        </p:spPr>
+        <p:txBody>
+          <a:bodyPr wrap="none">
+            <a:spAutoFit/>
+          </a:bodyPr>
+          <a:lstStyle/>
+          <a:p>
+            <a:r>
+              <a:rPr lang="en-US" b="1" dirty="0"/>
+              <a:t>MAC (Keyed Hash)</a:t>
+            </a:r>
+          </a:p>
+        </p:txBody>
+      </p:sp>
+      <p:cxnSp>
+        <p:nvCxnSpPr>
+          <p:cNvPr id="36" name="直線矢印コネクタ 6">
+            <a:extLst>
+              <a:ext uri="{FF2B5EF4-FFF2-40B4-BE49-F238E27FC236}">
+                <a16:creationId xmlns:a16="http://schemas.microsoft.com/office/drawing/2014/main" id="{4A5F6F55-9D0F-2045-BEE1-DC45FB00229F}"/>
+              </a:ext>
+            </a:extLst>
+          </p:cNvPr>
+          <p:cNvCxnSpPr>
+            <a:cxnSpLocks/>
+            <a:endCxn id="31" idx="0"/>
+          </p:cNvCxnSpPr>
+          <p:nvPr/>
+        </p:nvCxnSpPr>
+        <p:spPr>
+          <a:xfrm>
+            <a:off x="4551944" y="2989856"/>
+            <a:ext cx="0" cy="819265"/>
+          </a:xfrm>
+          <a:prstGeom prst="straightConnector1">
+            <a:avLst/>
+          </a:prstGeom>
+          <a:ln w="38100">
+            <a:solidFill>
+              <a:schemeClr val="tx1"/>
+            </a:solidFill>
+            <a:tailEnd type="triangle"/>
+          </a:ln>
+        </p:spPr>
+        <p:style>
+          <a:lnRef idx="1">
+            <a:schemeClr val="accent1"/>
+          </a:lnRef>
+          <a:fillRef idx="0">
+            <a:schemeClr val="accent1"/>
+          </a:fillRef>
+          <a:effectRef idx="0">
+            <a:schemeClr val="accent1"/>
+          </a:effectRef>
+          <a:fontRef idx="minor">
+            <a:schemeClr val="tx1"/>
+          </a:fontRef>
+        </p:style>
+      </p:cxnSp>
+      <p:sp>
+        <p:nvSpPr>
+          <p:cNvPr id="38" name="TextBox 15">
+            <a:extLst>
+              <a:ext uri="{FF2B5EF4-FFF2-40B4-BE49-F238E27FC236}">
+                <a16:creationId xmlns:a16="http://schemas.microsoft.com/office/drawing/2014/main" id="{A864A4B2-0879-9F47-9962-E82E377B8503}"/>
+              </a:ext>
+            </a:extLst>
+          </p:cNvPr>
+          <p:cNvSpPr txBox="1"/>
+          <p:nvPr/>
+        </p:nvSpPr>
+        <p:spPr>
+          <a:xfrm>
+            <a:off x="3847894" y="3181723"/>
+            <a:ext cx="732624" cy="369332"/>
+          </a:xfrm>
+          <a:prstGeom prst="rect">
+            <a:avLst/>
+          </a:prstGeom>
+          <a:noFill/>
+        </p:spPr>
+        <p:txBody>
+          <a:bodyPr wrap="square" rtlCol="0">
+            <a:spAutoFit/>
+          </a:bodyPr>
+          <a:lstStyle/>
+          <a:p>
+            <a:pPr algn="ctr"/>
+            <a:r>
+              <a:rPr lang="en-US" b="1" dirty="0">
+                <a:solidFill>
+                  <a:srgbClr val="FF0000"/>
+                </a:solidFill>
+              </a:rPr>
+              <a:t>Key B</a:t>
+            </a:r>
+          </a:p>
+        </p:txBody>
+      </p:sp>
       <p:pic>
         <p:nvPicPr>
-          <p:cNvPr id="54" name="Picture 53">
-            <a:extLst>
-              <a:ext uri="{FF2B5EF4-FFF2-40B4-BE49-F238E27FC236}">
-                <a16:creationId xmlns:a16="http://schemas.microsoft.com/office/drawing/2014/main" id="{7987D255-0E3C-0643-BE70-6DB85E8DE67F}"/>
+          <p:cNvPr id="39" name="Picture 33">
+            <a:extLst>
+              <a:ext uri="{FF2B5EF4-FFF2-40B4-BE49-F238E27FC236}">
+                <a16:creationId xmlns:a16="http://schemas.microsoft.com/office/drawing/2014/main" id="{3D665FA7-3D64-6E49-9163-1C092E73C068}"/>
               </a:ext>
             </a:extLst>
           </p:cNvPr>
@@ -34632,27 +36137,57 @@
           <p:nvPr/>
         </p:nvPicPr>
         <p:blipFill>
-          <a:blip r:embed="rId2"/>
+          <a:blip r:embed="rId4"/>
           <a:stretch>
             <a:fillRect/>
           </a:stretch>
         </p:blipFill>
         <p:spPr>
           <a:xfrm>
-            <a:off x="5682649" y="3931920"/>
-            <a:ext cx="1092200" cy="1092200"/>
+            <a:off x="1330549" y="2835659"/>
+            <a:ext cx="658037" cy="658037"/>
           </a:xfrm>
           <a:prstGeom prst="rect">
             <a:avLst/>
           </a:prstGeom>
         </p:spPr>
       </p:pic>
-      <p:sp>
-        <p:nvSpPr>
-          <p:cNvPr id="55" name="TextBox 54">
-            <a:extLst>
-              <a:ext uri="{FF2B5EF4-FFF2-40B4-BE49-F238E27FC236}">
-                <a16:creationId xmlns:a16="http://schemas.microsoft.com/office/drawing/2014/main" id="{FEB56D35-A488-BD47-BEA9-BB2D1A02FDD3}"/>
+      <p:pic>
+        <p:nvPicPr>
+          <p:cNvPr id="41" name="Picture 40">
+            <a:extLst>
+              <a:ext uri="{FF2B5EF4-FFF2-40B4-BE49-F238E27FC236}">
+                <a16:creationId xmlns:a16="http://schemas.microsoft.com/office/drawing/2014/main" id="{BC2B424E-2F22-2640-A9DC-2B79C14B483E}"/>
+              </a:ext>
+            </a:extLst>
+          </p:cNvPr>
+          <p:cNvPicPr>
+            <a:picLocks noChangeAspect="1"/>
+          </p:cNvPicPr>
+          <p:nvPr/>
+        </p:nvPicPr>
+        <p:blipFill>
+          <a:blip r:embed="rId5"/>
+          <a:stretch>
+            <a:fillRect/>
+          </a:stretch>
+        </p:blipFill>
+        <p:spPr>
+          <a:xfrm>
+            <a:off x="4606098" y="3164678"/>
+            <a:ext cx="465033" cy="469619"/>
+          </a:xfrm>
+          <a:prstGeom prst="rect">
+            <a:avLst/>
+          </a:prstGeom>
+        </p:spPr>
+      </p:pic>
+      <p:sp>
+        <p:nvSpPr>
+          <p:cNvPr id="42" name="TextBox 41">
+            <a:extLst>
+              <a:ext uri="{FF2B5EF4-FFF2-40B4-BE49-F238E27FC236}">
+                <a16:creationId xmlns:a16="http://schemas.microsoft.com/office/drawing/2014/main" id="{66C1E5CD-AA41-5B4D-ABB5-50BC6EB918D9}"/>
               </a:ext>
             </a:extLst>
           </p:cNvPr>
@@ -34661,8 +36196,8 @@
         </p:nvSpPr>
         <p:spPr>
           <a:xfrm>
-            <a:off x="5659697" y="3322181"/>
-            <a:ext cx="1011687" cy="369332"/>
+            <a:off x="5746465" y="3809120"/>
+            <a:ext cx="2473947" cy="461665"/>
           </a:xfrm>
           <a:prstGeom prst="rect">
             <a:avLst/>
@@ -34676,51 +36211,119 @@
           <a:lstStyle/>
           <a:p>
             <a:r>
-              <a:rPr lang="en-US" b="1" dirty="0"/>
-              <a:t>Cracked!</a:t>
-            </a:r>
-          </a:p>
-        </p:txBody>
-      </p:sp>
-      <p:sp>
-        <p:nvSpPr>
-          <p:cNvPr id="56" name="TextBox 55">
-            <a:extLst>
-              <a:ext uri="{FF2B5EF4-FFF2-40B4-BE49-F238E27FC236}">
-                <a16:creationId xmlns:a16="http://schemas.microsoft.com/office/drawing/2014/main" id="{947FFC61-9E81-FF4F-9D2E-C3252BA5AB27}"/>
-              </a:ext>
-            </a:extLst>
-          </p:cNvPr>
-          <p:cNvSpPr txBox="1"/>
-          <p:nvPr/>
-        </p:nvSpPr>
-        <p:spPr>
-          <a:xfrm>
-            <a:off x="6458505" y="4592320"/>
-            <a:ext cx="1011687" cy="369332"/>
-          </a:xfrm>
-          <a:prstGeom prst="rect">
-            <a:avLst/>
+              <a:rPr lang="en-US" sz="2400" b="1" dirty="0">
+                <a:solidFill>
+                  <a:srgbClr val="FF0000"/>
+                </a:solidFill>
+              </a:rPr>
+              <a:t>0x68A78FAED22…</a:t>
+            </a:r>
+          </a:p>
+        </p:txBody>
+      </p:sp>
+      <p:sp>
+        <p:nvSpPr>
+          <p:cNvPr id="49" name="Line Callout 2 (Accent Bar) 48">
+            <a:extLst>
+              <a:ext uri="{FF2B5EF4-FFF2-40B4-BE49-F238E27FC236}">
+                <a16:creationId xmlns:a16="http://schemas.microsoft.com/office/drawing/2014/main" id="{FC93C64A-A751-F946-A1F8-63AFF1C95025}"/>
+              </a:ext>
+            </a:extLst>
+          </p:cNvPr>
+          <p:cNvSpPr/>
+          <p:nvPr/>
+        </p:nvSpPr>
+        <p:spPr>
+          <a:xfrm>
+            <a:off x="7802913" y="2646277"/>
+            <a:ext cx="2421081" cy="612648"/>
+          </a:xfrm>
+          <a:prstGeom prst="accentCallout2">
+            <a:avLst>
+              <a:gd name="adj1" fmla="val 40799"/>
+              <a:gd name="adj2" fmla="val 6394"/>
+              <a:gd name="adj3" fmla="val 42495"/>
+              <a:gd name="adj4" fmla="val -3362"/>
+              <a:gd name="adj5" fmla="val -26577"/>
+              <a:gd name="adj6" fmla="val -35987"/>
+            </a:avLst>
           </a:prstGeom>
           <a:noFill/>
         </p:spPr>
-        <p:txBody>
-          <a:bodyPr wrap="none" rtlCol="0">
-            <a:spAutoFit/>
-          </a:bodyPr>
-          <a:lstStyle/>
-          <a:p>
-            <a:r>
-              <a:rPr lang="en-US" b="1" dirty="0"/>
-              <a:t>Cracked!</a:t>
-            </a:r>
-          </a:p>
-        </p:txBody>
-      </p:sp>
+        <p:style>
+          <a:lnRef idx="2">
+            <a:schemeClr val="accent1">
+              <a:shade val="50000"/>
+            </a:schemeClr>
+          </a:lnRef>
+          <a:fillRef idx="1">
+            <a:schemeClr val="accent1"/>
+          </a:fillRef>
+          <a:effectRef idx="0">
+            <a:schemeClr val="accent1"/>
+          </a:effectRef>
+          <a:fontRef idx="minor">
+            <a:schemeClr val="lt1"/>
+          </a:fontRef>
+        </p:style>
+        <p:txBody>
+          <a:bodyPr rtlCol="0" anchor="ctr"/>
+          <a:lstStyle/>
+          <a:p>
+            <a:pPr algn="ctr"/>
+            <a:r>
+              <a:rPr lang="en-US" dirty="0">
+                <a:solidFill>
+                  <a:schemeClr val="tx1"/>
+                </a:solidFill>
+              </a:rPr>
+              <a:t>Different MAC from different shared key! </a:t>
+            </a:r>
+          </a:p>
+        </p:txBody>
+      </p:sp>
+      <p:cxnSp>
+        <p:nvCxnSpPr>
+          <p:cNvPr id="52" name="Straight Connector 51">
+            <a:extLst>
+              <a:ext uri="{FF2B5EF4-FFF2-40B4-BE49-F238E27FC236}">
+                <a16:creationId xmlns:a16="http://schemas.microsoft.com/office/drawing/2014/main" id="{B3735EC8-C726-6944-94A5-F8944D4ADCF4}"/>
+              </a:ext>
+            </a:extLst>
+          </p:cNvPr>
+          <p:cNvCxnSpPr>
+            <a:cxnSpLocks/>
+          </p:cNvCxnSpPr>
+          <p:nvPr/>
+        </p:nvCxnSpPr>
+        <p:spPr>
+          <a:xfrm flipH="1">
+            <a:off x="6905814" y="2899346"/>
+            <a:ext cx="797589" cy="798638"/>
+          </a:xfrm>
+          <a:prstGeom prst="line">
+            <a:avLst/>
+          </a:prstGeom>
+        </p:spPr>
+        <p:style>
+          <a:lnRef idx="1">
+            <a:schemeClr val="accent1"/>
+          </a:lnRef>
+          <a:fillRef idx="0">
+            <a:schemeClr val="accent1"/>
+          </a:fillRef>
+          <a:effectRef idx="0">
+            <a:schemeClr val="accent1"/>
+          </a:effectRef>
+          <a:fontRef idx="minor">
+            <a:schemeClr val="tx1"/>
+          </a:fontRef>
+        </p:style>
+      </p:cxnSp>
     </p:spTree>
     <p:extLst>
       <p:ext uri="{BB962C8B-B14F-4D97-AF65-F5344CB8AC3E}">
-        <p14:creationId xmlns:p14="http://schemas.microsoft.com/office/powerpoint/2010/main" val="1642125002"/>
+        <p14:creationId xmlns:p14="http://schemas.microsoft.com/office/powerpoint/2010/main" val="1884862558"/>
       </p:ext>
     </p:extLst>
   </p:cSld>
@@ -36162,6 +37765,3423 @@
     <p:extLst>
       <p:ext uri="{BB962C8B-B14F-4D97-AF65-F5344CB8AC3E}">
         <p14:creationId xmlns:p14="http://schemas.microsoft.com/office/powerpoint/2010/main" val="1340345367"/>
+      </p:ext>
+    </p:extLst>
+  </p:cSld>
+  <p:clrMapOvr>
+    <a:masterClrMapping/>
+  </p:clrMapOvr>
+</p:sld>
+</file>
+
+<file path=ppt/slides/slide40.xml><?xml version="1.0" encoding="utf-8"?>
+<p:sld xmlns:a="http://schemas.openxmlformats.org/drawingml/2006/main" xmlns:r="http://schemas.openxmlformats.org/officeDocument/2006/relationships" xmlns:p="http://schemas.openxmlformats.org/presentationml/2006/main">
+  <p:cSld>
+    <p:spTree>
+      <p:nvGrpSpPr>
+        <p:cNvPr id="1" name=""/>
+        <p:cNvGrpSpPr/>
+        <p:nvPr/>
+      </p:nvGrpSpPr>
+      <p:grpSpPr>
+        <a:xfrm>
+          <a:off x="0" y="0"/>
+          <a:ext cx="0" cy="0"/>
+          <a:chOff x="0" y="0"/>
+          <a:chExt cx="0" cy="0"/>
+        </a:xfrm>
+      </p:grpSpPr>
+      <p:sp>
+        <p:nvSpPr>
+          <p:cNvPr id="4" name="四角形: 角を丸くする 3">
+            <a:extLst>
+              <a:ext uri="{FF2B5EF4-FFF2-40B4-BE49-F238E27FC236}">
+                <a16:creationId xmlns:a16="http://schemas.microsoft.com/office/drawing/2014/main" id="{DA40CB62-7FB9-034D-8E27-D85FE44EFC54}"/>
+              </a:ext>
+            </a:extLst>
+          </p:cNvPr>
+          <p:cNvSpPr/>
+          <p:nvPr/>
+        </p:nvSpPr>
+        <p:spPr>
+          <a:xfrm>
+            <a:off x="4170185" y="1587660"/>
+            <a:ext cx="2269406" cy="811960"/>
+          </a:xfrm>
+          <a:prstGeom prst="roundRect">
+            <a:avLst/>
+          </a:prstGeom>
+          <a:ln w="38100"/>
+        </p:spPr>
+        <p:style>
+          <a:lnRef idx="2">
+            <a:schemeClr val="accent1"/>
+          </a:lnRef>
+          <a:fillRef idx="1">
+            <a:schemeClr val="lt1"/>
+          </a:fillRef>
+          <a:effectRef idx="0">
+            <a:schemeClr val="accent1"/>
+          </a:effectRef>
+          <a:fontRef idx="minor">
+            <a:schemeClr val="dk1"/>
+          </a:fontRef>
+        </p:style>
+        <p:txBody>
+          <a:bodyPr rtlCol="0" anchor="ctr"/>
+          <a:lstStyle/>
+          <a:p>
+            <a:pPr algn="ctr"/>
+            <a:r>
+              <a:rPr kumimoji="1" lang="en-US" altLang="ja-JP" sz="2000" b="1" dirty="0"/>
+              <a:t>MAC Function</a:t>
+            </a:r>
+          </a:p>
+        </p:txBody>
+      </p:sp>
+      <p:cxnSp>
+        <p:nvCxnSpPr>
+          <p:cNvPr id="5" name="直線矢印コネクタ 19">
+            <a:extLst>
+              <a:ext uri="{FF2B5EF4-FFF2-40B4-BE49-F238E27FC236}">
+                <a16:creationId xmlns:a16="http://schemas.microsoft.com/office/drawing/2014/main" id="{92B78D32-4C40-DA45-9071-01FFA7B0724E}"/>
+              </a:ext>
+            </a:extLst>
+          </p:cNvPr>
+          <p:cNvCxnSpPr>
+            <a:cxnSpLocks/>
+            <a:stCxn id="39" idx="3"/>
+            <a:endCxn id="4" idx="1"/>
+          </p:cNvCxnSpPr>
+          <p:nvPr/>
+        </p:nvCxnSpPr>
+        <p:spPr>
+          <a:xfrm>
+            <a:off x="3238753" y="1993640"/>
+            <a:ext cx="931432" cy="0"/>
+          </a:xfrm>
+          <a:prstGeom prst="straightConnector1">
+            <a:avLst/>
+          </a:prstGeom>
+          <a:ln w="38100">
+            <a:solidFill>
+              <a:schemeClr val="tx1"/>
+            </a:solidFill>
+            <a:tailEnd type="triangle"/>
+          </a:ln>
+        </p:spPr>
+        <p:style>
+          <a:lnRef idx="1">
+            <a:schemeClr val="accent1"/>
+          </a:lnRef>
+          <a:fillRef idx="0">
+            <a:schemeClr val="accent1"/>
+          </a:fillRef>
+          <a:effectRef idx="0">
+            <a:schemeClr val="accent1"/>
+          </a:effectRef>
+          <a:fontRef idx="minor">
+            <a:schemeClr val="tx1"/>
+          </a:fontRef>
+        </p:style>
+      </p:cxnSp>
+      <p:cxnSp>
+        <p:nvCxnSpPr>
+          <p:cNvPr id="6" name="直線矢印コネクタ 21">
+            <a:extLst>
+              <a:ext uri="{FF2B5EF4-FFF2-40B4-BE49-F238E27FC236}">
+                <a16:creationId xmlns:a16="http://schemas.microsoft.com/office/drawing/2014/main" id="{0A9B479F-869D-084F-BAE9-9999727FC103}"/>
+              </a:ext>
+            </a:extLst>
+          </p:cNvPr>
+          <p:cNvCxnSpPr>
+            <a:cxnSpLocks/>
+            <a:stCxn id="4" idx="3"/>
+          </p:cNvCxnSpPr>
+          <p:nvPr/>
+        </p:nvCxnSpPr>
+        <p:spPr>
+          <a:xfrm>
+            <a:off x="6439591" y="1993640"/>
+            <a:ext cx="1219167" cy="0"/>
+          </a:xfrm>
+          <a:prstGeom prst="straightConnector1">
+            <a:avLst/>
+          </a:prstGeom>
+          <a:ln w="38100">
+            <a:solidFill>
+              <a:schemeClr val="tx1"/>
+            </a:solidFill>
+            <a:tailEnd type="triangle"/>
+          </a:ln>
+        </p:spPr>
+        <p:style>
+          <a:lnRef idx="1">
+            <a:schemeClr val="accent1"/>
+          </a:lnRef>
+          <a:fillRef idx="0">
+            <a:schemeClr val="accent1"/>
+          </a:fillRef>
+          <a:effectRef idx="0">
+            <a:schemeClr val="accent1"/>
+          </a:effectRef>
+          <a:fontRef idx="minor">
+            <a:schemeClr val="tx1"/>
+          </a:fontRef>
+        </p:style>
+      </p:cxnSp>
+      <p:sp>
+        <p:nvSpPr>
+          <p:cNvPr id="10" name="Rectangle 9">
+            <a:extLst>
+              <a:ext uri="{FF2B5EF4-FFF2-40B4-BE49-F238E27FC236}">
+                <a16:creationId xmlns:a16="http://schemas.microsoft.com/office/drawing/2014/main" id="{C447931D-4BFD-DF43-B64E-2331E0A49E46}"/>
+              </a:ext>
+            </a:extLst>
+          </p:cNvPr>
+          <p:cNvSpPr/>
+          <p:nvPr/>
+        </p:nvSpPr>
+        <p:spPr>
+          <a:xfrm>
+            <a:off x="6473829" y="2037026"/>
+            <a:ext cx="645241" cy="369332"/>
+          </a:xfrm>
+          <a:prstGeom prst="rect">
+            <a:avLst/>
+          </a:prstGeom>
+        </p:spPr>
+        <p:txBody>
+          <a:bodyPr wrap="none">
+            <a:spAutoFit/>
+          </a:bodyPr>
+          <a:lstStyle/>
+          <a:p>
+            <a:r>
+              <a:rPr lang="en-US" b="1" dirty="0"/>
+              <a:t>MAC</a:t>
+            </a:r>
+          </a:p>
+        </p:txBody>
+      </p:sp>
+      <p:cxnSp>
+        <p:nvCxnSpPr>
+          <p:cNvPr id="20" name="直線矢印コネクタ 6">
+            <a:extLst>
+              <a:ext uri="{FF2B5EF4-FFF2-40B4-BE49-F238E27FC236}">
+                <a16:creationId xmlns:a16="http://schemas.microsoft.com/office/drawing/2014/main" id="{6EB97C01-F6FA-154D-BD46-5D4EECC1BDC5}"/>
+              </a:ext>
+            </a:extLst>
+          </p:cNvPr>
+          <p:cNvCxnSpPr>
+            <a:cxnSpLocks/>
+            <a:endCxn id="4" idx="0"/>
+          </p:cNvCxnSpPr>
+          <p:nvPr/>
+        </p:nvCxnSpPr>
+        <p:spPr>
+          <a:xfrm>
+            <a:off x="5304888" y="768395"/>
+            <a:ext cx="0" cy="819265"/>
+          </a:xfrm>
+          <a:prstGeom prst="straightConnector1">
+            <a:avLst/>
+          </a:prstGeom>
+          <a:ln w="38100">
+            <a:solidFill>
+              <a:schemeClr val="tx1"/>
+            </a:solidFill>
+            <a:tailEnd type="triangle"/>
+          </a:ln>
+        </p:spPr>
+        <p:style>
+          <a:lnRef idx="1">
+            <a:schemeClr val="accent1"/>
+          </a:lnRef>
+          <a:fillRef idx="0">
+            <a:schemeClr val="accent1"/>
+          </a:fillRef>
+          <a:effectRef idx="0">
+            <a:schemeClr val="accent1"/>
+          </a:effectRef>
+          <a:fontRef idx="minor">
+            <a:schemeClr val="tx1"/>
+          </a:fontRef>
+        </p:style>
+      </p:cxnSp>
+      <p:pic>
+        <p:nvPicPr>
+          <p:cNvPr id="27" name="Picture 14">
+            <a:extLst>
+              <a:ext uri="{FF2B5EF4-FFF2-40B4-BE49-F238E27FC236}">
+                <a16:creationId xmlns:a16="http://schemas.microsoft.com/office/drawing/2014/main" id="{856AC2D1-5E82-E444-B729-B8DE82F42E5E}"/>
+              </a:ext>
+            </a:extLst>
+          </p:cNvPr>
+          <p:cNvPicPr>
+            <a:picLocks noChangeAspect="1"/>
+          </p:cNvPicPr>
+          <p:nvPr/>
+        </p:nvPicPr>
+        <p:blipFill>
+          <a:blip r:embed="rId3"/>
+          <a:stretch>
+            <a:fillRect/>
+          </a:stretch>
+        </p:blipFill>
+        <p:spPr>
+          <a:xfrm rot="2423352">
+            <a:off x="5561317" y="756664"/>
+            <a:ext cx="219766" cy="695926"/>
+          </a:xfrm>
+          <a:prstGeom prst="rect">
+            <a:avLst/>
+          </a:prstGeom>
+        </p:spPr>
+      </p:pic>
+      <p:sp>
+        <p:nvSpPr>
+          <p:cNvPr id="28" name="TextBox 15">
+            <a:extLst>
+              <a:ext uri="{FF2B5EF4-FFF2-40B4-BE49-F238E27FC236}">
+                <a16:creationId xmlns:a16="http://schemas.microsoft.com/office/drawing/2014/main" id="{AC0B27B0-E295-C64D-9FA9-2B8C479C615D}"/>
+              </a:ext>
+            </a:extLst>
+          </p:cNvPr>
+          <p:cNvSpPr txBox="1"/>
+          <p:nvPr/>
+        </p:nvSpPr>
+        <p:spPr>
+          <a:xfrm>
+            <a:off x="4600838" y="960262"/>
+            <a:ext cx="732624" cy="369332"/>
+          </a:xfrm>
+          <a:prstGeom prst="rect">
+            <a:avLst/>
+          </a:prstGeom>
+          <a:noFill/>
+        </p:spPr>
+        <p:txBody>
+          <a:bodyPr wrap="square" rtlCol="0">
+            <a:spAutoFit/>
+          </a:bodyPr>
+          <a:lstStyle/>
+          <a:p>
+            <a:pPr algn="ctr"/>
+            <a:r>
+              <a:rPr lang="en-US" b="1" dirty="0"/>
+              <a:t>Key</a:t>
+            </a:r>
+          </a:p>
+        </p:txBody>
+      </p:sp>
+      <p:sp>
+        <p:nvSpPr>
+          <p:cNvPr id="34" name="TextBox 45">
+            <a:extLst>
+              <a:ext uri="{FF2B5EF4-FFF2-40B4-BE49-F238E27FC236}">
+                <a16:creationId xmlns:a16="http://schemas.microsoft.com/office/drawing/2014/main" id="{EBA53AF4-3954-7340-9A0A-40D565A42FDB}"/>
+              </a:ext>
+            </a:extLst>
+          </p:cNvPr>
+          <p:cNvSpPr txBox="1"/>
+          <p:nvPr/>
+        </p:nvSpPr>
+        <p:spPr>
+          <a:xfrm>
+            <a:off x="2298416" y="2254861"/>
+            <a:ext cx="1222579" cy="369332"/>
+          </a:xfrm>
+          <a:prstGeom prst="rect">
+            <a:avLst/>
+          </a:prstGeom>
+          <a:noFill/>
+        </p:spPr>
+        <p:txBody>
+          <a:bodyPr wrap="square" rtlCol="0">
+            <a:spAutoFit/>
+          </a:bodyPr>
+          <a:lstStyle/>
+          <a:p>
+            <a:pPr algn="ctr"/>
+            <a:r>
+              <a:rPr lang="en-US" b="1" dirty="0"/>
+              <a:t>Data </a:t>
+            </a:r>
+            <a:r>
+              <a:rPr lang="en-US" b="1" i="1" dirty="0"/>
+              <a:t>D</a:t>
+            </a:r>
+            <a:endParaRPr lang="en-US" b="1" dirty="0"/>
+          </a:p>
+        </p:txBody>
+      </p:sp>
+      <p:pic>
+        <p:nvPicPr>
+          <p:cNvPr id="39" name="Picture 33">
+            <a:extLst>
+              <a:ext uri="{FF2B5EF4-FFF2-40B4-BE49-F238E27FC236}">
+                <a16:creationId xmlns:a16="http://schemas.microsoft.com/office/drawing/2014/main" id="{3D665FA7-3D64-6E49-9163-1C092E73C068}"/>
+              </a:ext>
+            </a:extLst>
+          </p:cNvPr>
+          <p:cNvPicPr>
+            <a:picLocks noChangeAspect="1"/>
+          </p:cNvPicPr>
+          <p:nvPr/>
+        </p:nvPicPr>
+        <p:blipFill>
+          <a:blip r:embed="rId4"/>
+          <a:stretch>
+            <a:fillRect/>
+          </a:stretch>
+        </p:blipFill>
+        <p:spPr>
+          <a:xfrm>
+            <a:off x="2580716" y="1664621"/>
+            <a:ext cx="658037" cy="658037"/>
+          </a:xfrm>
+          <a:prstGeom prst="rect">
+            <a:avLst/>
+          </a:prstGeom>
+        </p:spPr>
+      </p:pic>
+      <p:sp>
+        <p:nvSpPr>
+          <p:cNvPr id="51" name="四角形: 角を丸くする 3">
+            <a:extLst>
+              <a:ext uri="{FF2B5EF4-FFF2-40B4-BE49-F238E27FC236}">
+                <a16:creationId xmlns:a16="http://schemas.microsoft.com/office/drawing/2014/main" id="{78B27557-D0BD-9548-AB8D-B1D113F2D88F}"/>
+              </a:ext>
+            </a:extLst>
+          </p:cNvPr>
+          <p:cNvSpPr/>
+          <p:nvPr/>
+        </p:nvSpPr>
+        <p:spPr>
+          <a:xfrm>
+            <a:off x="4170185" y="4000933"/>
+            <a:ext cx="2269406" cy="811960"/>
+          </a:xfrm>
+          <a:prstGeom prst="roundRect">
+            <a:avLst/>
+          </a:prstGeom>
+          <a:ln w="38100"/>
+        </p:spPr>
+        <p:style>
+          <a:lnRef idx="2">
+            <a:schemeClr val="accent1"/>
+          </a:lnRef>
+          <a:fillRef idx="1">
+            <a:schemeClr val="lt1"/>
+          </a:fillRef>
+          <a:effectRef idx="0">
+            <a:schemeClr val="accent1"/>
+          </a:effectRef>
+          <a:fontRef idx="minor">
+            <a:schemeClr val="dk1"/>
+          </a:fontRef>
+        </p:style>
+        <p:txBody>
+          <a:bodyPr rtlCol="0" anchor="ctr"/>
+          <a:lstStyle/>
+          <a:p>
+            <a:pPr algn="ctr"/>
+            <a:r>
+              <a:rPr kumimoji="1" lang="en-US" altLang="ja-JP" sz="2000" b="1" dirty="0"/>
+              <a:t>MAC Function</a:t>
+            </a:r>
+          </a:p>
+        </p:txBody>
+      </p:sp>
+      <p:cxnSp>
+        <p:nvCxnSpPr>
+          <p:cNvPr id="53" name="直線矢印コネクタ 19">
+            <a:extLst>
+              <a:ext uri="{FF2B5EF4-FFF2-40B4-BE49-F238E27FC236}">
+                <a16:creationId xmlns:a16="http://schemas.microsoft.com/office/drawing/2014/main" id="{FFF65B3A-F46E-A74B-9A2A-0B248EEFC2ED}"/>
+              </a:ext>
+            </a:extLst>
+          </p:cNvPr>
+          <p:cNvCxnSpPr>
+            <a:cxnSpLocks/>
+            <a:stCxn id="61" idx="3"/>
+            <a:endCxn id="51" idx="1"/>
+          </p:cNvCxnSpPr>
+          <p:nvPr/>
+        </p:nvCxnSpPr>
+        <p:spPr>
+          <a:xfrm>
+            <a:off x="3238753" y="4406913"/>
+            <a:ext cx="931432" cy="0"/>
+          </a:xfrm>
+          <a:prstGeom prst="straightConnector1">
+            <a:avLst/>
+          </a:prstGeom>
+          <a:ln w="38100">
+            <a:solidFill>
+              <a:schemeClr val="tx1"/>
+            </a:solidFill>
+            <a:tailEnd type="triangle"/>
+          </a:ln>
+        </p:spPr>
+        <p:style>
+          <a:lnRef idx="1">
+            <a:schemeClr val="accent1"/>
+          </a:lnRef>
+          <a:fillRef idx="0">
+            <a:schemeClr val="accent1"/>
+          </a:fillRef>
+          <a:effectRef idx="0">
+            <a:schemeClr val="accent1"/>
+          </a:effectRef>
+          <a:fontRef idx="minor">
+            <a:schemeClr val="tx1"/>
+          </a:fontRef>
+        </p:style>
+      </p:cxnSp>
+      <p:cxnSp>
+        <p:nvCxnSpPr>
+          <p:cNvPr id="54" name="直線矢印コネクタ 21">
+            <a:extLst>
+              <a:ext uri="{FF2B5EF4-FFF2-40B4-BE49-F238E27FC236}">
+                <a16:creationId xmlns:a16="http://schemas.microsoft.com/office/drawing/2014/main" id="{22B4F3E5-E954-524A-B6F9-8A0A48D62D6B}"/>
+              </a:ext>
+            </a:extLst>
+          </p:cNvPr>
+          <p:cNvCxnSpPr>
+            <a:cxnSpLocks/>
+            <a:stCxn id="51" idx="3"/>
+          </p:cNvCxnSpPr>
+          <p:nvPr/>
+        </p:nvCxnSpPr>
+        <p:spPr>
+          <a:xfrm>
+            <a:off x="6439591" y="4406913"/>
+            <a:ext cx="1219167" cy="0"/>
+          </a:xfrm>
+          <a:prstGeom prst="straightConnector1">
+            <a:avLst/>
+          </a:prstGeom>
+          <a:ln w="38100">
+            <a:solidFill>
+              <a:schemeClr val="tx1"/>
+            </a:solidFill>
+            <a:tailEnd type="triangle"/>
+          </a:ln>
+        </p:spPr>
+        <p:style>
+          <a:lnRef idx="1">
+            <a:schemeClr val="accent1"/>
+          </a:lnRef>
+          <a:fillRef idx="0">
+            <a:schemeClr val="accent1"/>
+          </a:fillRef>
+          <a:effectRef idx="0">
+            <a:schemeClr val="accent1"/>
+          </a:effectRef>
+          <a:fontRef idx="minor">
+            <a:schemeClr val="tx1"/>
+          </a:fontRef>
+        </p:style>
+      </p:cxnSp>
+      <p:sp>
+        <p:nvSpPr>
+          <p:cNvPr id="55" name="Rectangle 54">
+            <a:extLst>
+              <a:ext uri="{FF2B5EF4-FFF2-40B4-BE49-F238E27FC236}">
+                <a16:creationId xmlns:a16="http://schemas.microsoft.com/office/drawing/2014/main" id="{18F0055D-2B6A-D743-B7C5-38624AAC16EB}"/>
+              </a:ext>
+            </a:extLst>
+          </p:cNvPr>
+          <p:cNvSpPr/>
+          <p:nvPr/>
+        </p:nvSpPr>
+        <p:spPr>
+          <a:xfrm>
+            <a:off x="6473829" y="4450299"/>
+            <a:ext cx="645241" cy="369332"/>
+          </a:xfrm>
+          <a:prstGeom prst="rect">
+            <a:avLst/>
+          </a:prstGeom>
+        </p:spPr>
+        <p:txBody>
+          <a:bodyPr wrap="none">
+            <a:spAutoFit/>
+          </a:bodyPr>
+          <a:lstStyle/>
+          <a:p>
+            <a:r>
+              <a:rPr lang="en-US" b="1" dirty="0"/>
+              <a:t>MAC</a:t>
+            </a:r>
+          </a:p>
+        </p:txBody>
+      </p:sp>
+      <p:cxnSp>
+        <p:nvCxnSpPr>
+          <p:cNvPr id="56" name="直線矢印コネクタ 6">
+            <a:extLst>
+              <a:ext uri="{FF2B5EF4-FFF2-40B4-BE49-F238E27FC236}">
+                <a16:creationId xmlns:a16="http://schemas.microsoft.com/office/drawing/2014/main" id="{9BF13BC3-189A-7540-AE08-FA2F2F74AA26}"/>
+              </a:ext>
+            </a:extLst>
+          </p:cNvPr>
+          <p:cNvCxnSpPr>
+            <a:cxnSpLocks/>
+            <a:endCxn id="51" idx="0"/>
+          </p:cNvCxnSpPr>
+          <p:nvPr/>
+        </p:nvCxnSpPr>
+        <p:spPr>
+          <a:xfrm>
+            <a:off x="5304888" y="3181668"/>
+            <a:ext cx="0" cy="819265"/>
+          </a:xfrm>
+          <a:prstGeom prst="straightConnector1">
+            <a:avLst/>
+          </a:prstGeom>
+          <a:ln w="38100">
+            <a:solidFill>
+              <a:schemeClr val="tx1"/>
+            </a:solidFill>
+            <a:tailEnd type="triangle"/>
+          </a:ln>
+        </p:spPr>
+        <p:style>
+          <a:lnRef idx="1">
+            <a:schemeClr val="accent1"/>
+          </a:lnRef>
+          <a:fillRef idx="0">
+            <a:schemeClr val="accent1"/>
+          </a:fillRef>
+          <a:effectRef idx="0">
+            <a:schemeClr val="accent1"/>
+          </a:effectRef>
+          <a:fontRef idx="minor">
+            <a:schemeClr val="tx1"/>
+          </a:fontRef>
+        </p:style>
+      </p:cxnSp>
+      <p:pic>
+        <p:nvPicPr>
+          <p:cNvPr id="57" name="Picture 14">
+            <a:extLst>
+              <a:ext uri="{FF2B5EF4-FFF2-40B4-BE49-F238E27FC236}">
+                <a16:creationId xmlns:a16="http://schemas.microsoft.com/office/drawing/2014/main" id="{48EF16A1-A071-E142-A5CD-DFC462FA649D}"/>
+              </a:ext>
+            </a:extLst>
+          </p:cNvPr>
+          <p:cNvPicPr>
+            <a:picLocks noChangeAspect="1"/>
+          </p:cNvPicPr>
+          <p:nvPr/>
+        </p:nvPicPr>
+        <p:blipFill>
+          <a:blip r:embed="rId3"/>
+          <a:stretch>
+            <a:fillRect/>
+          </a:stretch>
+        </p:blipFill>
+        <p:spPr>
+          <a:xfrm rot="2423352">
+            <a:off x="5561317" y="3169937"/>
+            <a:ext cx="219766" cy="695926"/>
+          </a:xfrm>
+          <a:prstGeom prst="rect">
+            <a:avLst/>
+          </a:prstGeom>
+        </p:spPr>
+      </p:pic>
+      <p:sp>
+        <p:nvSpPr>
+          <p:cNvPr id="58" name="TextBox 15">
+            <a:extLst>
+              <a:ext uri="{FF2B5EF4-FFF2-40B4-BE49-F238E27FC236}">
+                <a16:creationId xmlns:a16="http://schemas.microsoft.com/office/drawing/2014/main" id="{E5E1BEC8-34DC-E548-9AAE-C084AC855916}"/>
+              </a:ext>
+            </a:extLst>
+          </p:cNvPr>
+          <p:cNvSpPr txBox="1"/>
+          <p:nvPr/>
+        </p:nvSpPr>
+        <p:spPr>
+          <a:xfrm>
+            <a:off x="4600838" y="3373535"/>
+            <a:ext cx="732624" cy="369332"/>
+          </a:xfrm>
+          <a:prstGeom prst="rect">
+            <a:avLst/>
+          </a:prstGeom>
+          <a:noFill/>
+        </p:spPr>
+        <p:txBody>
+          <a:bodyPr wrap="square" rtlCol="0">
+            <a:spAutoFit/>
+          </a:bodyPr>
+          <a:lstStyle/>
+          <a:p>
+            <a:pPr algn="ctr"/>
+            <a:r>
+              <a:rPr lang="en-US" b="1" dirty="0"/>
+              <a:t>Key</a:t>
+            </a:r>
+          </a:p>
+        </p:txBody>
+      </p:sp>
+      <p:sp>
+        <p:nvSpPr>
+          <p:cNvPr id="60" name="TextBox 45">
+            <a:extLst>
+              <a:ext uri="{FF2B5EF4-FFF2-40B4-BE49-F238E27FC236}">
+                <a16:creationId xmlns:a16="http://schemas.microsoft.com/office/drawing/2014/main" id="{F830B35A-4A04-1847-BE10-783779903BA1}"/>
+              </a:ext>
+            </a:extLst>
+          </p:cNvPr>
+          <p:cNvSpPr txBox="1"/>
+          <p:nvPr/>
+        </p:nvSpPr>
+        <p:spPr>
+          <a:xfrm>
+            <a:off x="2298416" y="4668134"/>
+            <a:ext cx="1222579" cy="369332"/>
+          </a:xfrm>
+          <a:prstGeom prst="rect">
+            <a:avLst/>
+          </a:prstGeom>
+          <a:noFill/>
+        </p:spPr>
+        <p:txBody>
+          <a:bodyPr wrap="square" rtlCol="0">
+            <a:spAutoFit/>
+          </a:bodyPr>
+          <a:lstStyle/>
+          <a:p>
+            <a:pPr algn="ctr"/>
+            <a:r>
+              <a:rPr lang="en-US" b="1" dirty="0"/>
+              <a:t>Data </a:t>
+            </a:r>
+            <a:r>
+              <a:rPr lang="en-US" b="1" i="1" dirty="0"/>
+              <a:t>D</a:t>
+            </a:r>
+            <a:endParaRPr lang="en-US" b="1" dirty="0"/>
+          </a:p>
+        </p:txBody>
+      </p:sp>
+      <p:pic>
+        <p:nvPicPr>
+          <p:cNvPr id="61" name="Picture 33">
+            <a:extLst>
+              <a:ext uri="{FF2B5EF4-FFF2-40B4-BE49-F238E27FC236}">
+                <a16:creationId xmlns:a16="http://schemas.microsoft.com/office/drawing/2014/main" id="{BEE80C1C-CF74-E549-97ED-A6C4B10AC63F}"/>
+              </a:ext>
+            </a:extLst>
+          </p:cNvPr>
+          <p:cNvPicPr>
+            <a:picLocks noChangeAspect="1"/>
+          </p:cNvPicPr>
+          <p:nvPr/>
+        </p:nvPicPr>
+        <p:blipFill>
+          <a:blip r:embed="rId4"/>
+          <a:stretch>
+            <a:fillRect/>
+          </a:stretch>
+        </p:blipFill>
+        <p:spPr>
+          <a:xfrm>
+            <a:off x="2580716" y="4077894"/>
+            <a:ext cx="658037" cy="658037"/>
+          </a:xfrm>
+          <a:prstGeom prst="rect">
+            <a:avLst/>
+          </a:prstGeom>
+        </p:spPr>
+      </p:pic>
+      <p:pic>
+        <p:nvPicPr>
+          <p:cNvPr id="62" name="Picture 61">
+            <a:extLst>
+              <a:ext uri="{FF2B5EF4-FFF2-40B4-BE49-F238E27FC236}">
+                <a16:creationId xmlns:a16="http://schemas.microsoft.com/office/drawing/2014/main" id="{D55C1296-446E-FF43-9A61-EAF3247410BA}"/>
+              </a:ext>
+            </a:extLst>
+          </p:cNvPr>
+          <p:cNvPicPr>
+            <a:picLocks noChangeAspect="1"/>
+          </p:cNvPicPr>
+          <p:nvPr/>
+        </p:nvPicPr>
+        <p:blipFill>
+          <a:blip r:embed="rId5"/>
+          <a:stretch>
+            <a:fillRect/>
+          </a:stretch>
+        </p:blipFill>
+        <p:spPr>
+          <a:xfrm>
+            <a:off x="7710314" y="1637190"/>
+            <a:ext cx="486066" cy="712897"/>
+          </a:xfrm>
+          <a:prstGeom prst="rect">
+            <a:avLst/>
+          </a:prstGeom>
+        </p:spPr>
+      </p:pic>
+      <p:pic>
+        <p:nvPicPr>
+          <p:cNvPr id="63" name="Picture 62">
+            <a:extLst>
+              <a:ext uri="{FF2B5EF4-FFF2-40B4-BE49-F238E27FC236}">
+                <a16:creationId xmlns:a16="http://schemas.microsoft.com/office/drawing/2014/main" id="{838C3F2B-BB2E-3141-8D27-EB7E3E9DB6F8}"/>
+              </a:ext>
+            </a:extLst>
+          </p:cNvPr>
+          <p:cNvPicPr>
+            <a:picLocks noChangeAspect="1"/>
+          </p:cNvPicPr>
+          <p:nvPr/>
+        </p:nvPicPr>
+        <p:blipFill>
+          <a:blip r:embed="rId5"/>
+          <a:stretch>
+            <a:fillRect/>
+          </a:stretch>
+        </p:blipFill>
+        <p:spPr>
+          <a:xfrm>
+            <a:off x="7692996" y="4050463"/>
+            <a:ext cx="486066" cy="712897"/>
+          </a:xfrm>
+          <a:prstGeom prst="rect">
+            <a:avLst/>
+          </a:prstGeom>
+        </p:spPr>
+      </p:pic>
+      <p:sp>
+        <p:nvSpPr>
+          <p:cNvPr id="8" name="Up-Down Arrow 7">
+            <a:extLst>
+              <a:ext uri="{FF2B5EF4-FFF2-40B4-BE49-F238E27FC236}">
+                <a16:creationId xmlns:a16="http://schemas.microsoft.com/office/drawing/2014/main" id="{92ED12BF-8148-C140-B1CF-D0ABA7930284}"/>
+              </a:ext>
+            </a:extLst>
+          </p:cNvPr>
+          <p:cNvSpPr/>
+          <p:nvPr/>
+        </p:nvSpPr>
+        <p:spPr>
+          <a:xfrm>
+            <a:off x="7710314" y="2624193"/>
+            <a:ext cx="484632" cy="1216152"/>
+          </a:xfrm>
+          <a:prstGeom prst="upDownArrow">
+            <a:avLst/>
+          </a:prstGeom>
+        </p:spPr>
+        <p:style>
+          <a:lnRef idx="2">
+            <a:schemeClr val="accent1">
+              <a:shade val="50000"/>
+            </a:schemeClr>
+          </a:lnRef>
+          <a:fillRef idx="1">
+            <a:schemeClr val="accent1"/>
+          </a:fillRef>
+          <a:effectRef idx="0">
+            <a:schemeClr val="accent1"/>
+          </a:effectRef>
+          <a:fontRef idx="minor">
+            <a:schemeClr val="lt1"/>
+          </a:fontRef>
+        </p:style>
+        <p:txBody>
+          <a:bodyPr rtlCol="0" anchor="ctr"/>
+          <a:lstStyle/>
+          <a:p>
+            <a:pPr algn="ctr"/>
+            <a:endParaRPr lang="en-US"/>
+          </a:p>
+        </p:txBody>
+      </p:sp>
+      <p:sp>
+        <p:nvSpPr>
+          <p:cNvPr id="64" name="TextBox 63">
+            <a:extLst>
+              <a:ext uri="{FF2B5EF4-FFF2-40B4-BE49-F238E27FC236}">
+                <a16:creationId xmlns:a16="http://schemas.microsoft.com/office/drawing/2014/main" id="{A6F9667D-0B4C-AE47-873D-1009F1659DA1}"/>
+              </a:ext>
+            </a:extLst>
+          </p:cNvPr>
+          <p:cNvSpPr txBox="1"/>
+          <p:nvPr/>
+        </p:nvSpPr>
+        <p:spPr>
+          <a:xfrm>
+            <a:off x="7260068" y="3033935"/>
+            <a:ext cx="1385123" cy="369332"/>
+          </a:xfrm>
+          <a:prstGeom prst="rect">
+            <a:avLst/>
+          </a:prstGeom>
+          <a:solidFill>
+            <a:schemeClr val="bg1"/>
+          </a:solidFill>
+          <a:ln>
+            <a:solidFill>
+              <a:schemeClr val="tx1"/>
+            </a:solidFill>
+          </a:ln>
+        </p:spPr>
+        <p:txBody>
+          <a:bodyPr wrap="none" rtlCol="0">
+            <a:spAutoFit/>
+          </a:bodyPr>
+          <a:lstStyle/>
+          <a:p>
+            <a:r>
+              <a:rPr lang="en-US" b="1" dirty="0">
+                <a:solidFill>
+                  <a:srgbClr val="FF0000"/>
+                </a:solidFill>
+              </a:rPr>
+              <a:t>Same value?</a:t>
+            </a:r>
+          </a:p>
+        </p:txBody>
+      </p:sp>
+      <p:sp>
+        <p:nvSpPr>
+          <p:cNvPr id="9" name="TextBox 8">
+            <a:extLst>
+              <a:ext uri="{FF2B5EF4-FFF2-40B4-BE49-F238E27FC236}">
+                <a16:creationId xmlns:a16="http://schemas.microsoft.com/office/drawing/2014/main" id="{FFF7502A-0FA7-6848-AAD8-8D78E6F3D872}"/>
+              </a:ext>
+            </a:extLst>
+          </p:cNvPr>
+          <p:cNvSpPr txBox="1"/>
+          <p:nvPr/>
+        </p:nvSpPr>
+        <p:spPr>
+          <a:xfrm>
+            <a:off x="1487848" y="1808972"/>
+            <a:ext cx="917239" cy="369332"/>
+          </a:xfrm>
+          <a:prstGeom prst="rect">
+            <a:avLst/>
+          </a:prstGeom>
+          <a:noFill/>
+        </p:spPr>
+        <p:txBody>
+          <a:bodyPr wrap="none" rtlCol="0">
+            <a:spAutoFit/>
+          </a:bodyPr>
+          <a:lstStyle/>
+          <a:p>
+            <a:r>
+              <a:rPr lang="en-US" b="1" u="sng" dirty="0"/>
+              <a:t>Sender:</a:t>
+            </a:r>
+          </a:p>
+        </p:txBody>
+      </p:sp>
+      <p:sp>
+        <p:nvSpPr>
+          <p:cNvPr id="65" name="TextBox 64">
+            <a:extLst>
+              <a:ext uri="{FF2B5EF4-FFF2-40B4-BE49-F238E27FC236}">
+                <a16:creationId xmlns:a16="http://schemas.microsoft.com/office/drawing/2014/main" id="{026C0388-1780-7E4B-A30D-F85759DF4F73}"/>
+              </a:ext>
+            </a:extLst>
+          </p:cNvPr>
+          <p:cNvSpPr txBox="1"/>
+          <p:nvPr/>
+        </p:nvSpPr>
+        <p:spPr>
+          <a:xfrm>
+            <a:off x="1483185" y="4222245"/>
+            <a:ext cx="1062407" cy="369332"/>
+          </a:xfrm>
+          <a:prstGeom prst="rect">
+            <a:avLst/>
+          </a:prstGeom>
+          <a:noFill/>
+        </p:spPr>
+        <p:txBody>
+          <a:bodyPr wrap="none" rtlCol="0">
+            <a:spAutoFit/>
+          </a:bodyPr>
+          <a:lstStyle/>
+          <a:p>
+            <a:r>
+              <a:rPr lang="en-US" b="1" u="sng" dirty="0"/>
+              <a:t>Receiver:</a:t>
+            </a:r>
+          </a:p>
+        </p:txBody>
+      </p:sp>
+    </p:spTree>
+    <p:extLst>
+      <p:ext uri="{BB962C8B-B14F-4D97-AF65-F5344CB8AC3E}">
+        <p14:creationId xmlns:p14="http://schemas.microsoft.com/office/powerpoint/2010/main" val="2972242387"/>
+      </p:ext>
+    </p:extLst>
+  </p:cSld>
+  <p:clrMapOvr>
+    <a:masterClrMapping/>
+  </p:clrMapOvr>
+</p:sld>
+</file>
+
+<file path=ppt/slides/slide41.xml><?xml version="1.0" encoding="utf-8"?>
+<p:sld xmlns:a="http://schemas.openxmlformats.org/drawingml/2006/main" xmlns:r="http://schemas.openxmlformats.org/officeDocument/2006/relationships" xmlns:p="http://schemas.openxmlformats.org/presentationml/2006/main">
+  <p:cSld>
+    <p:spTree>
+      <p:nvGrpSpPr>
+        <p:cNvPr id="1" name=""/>
+        <p:cNvGrpSpPr/>
+        <p:nvPr/>
+      </p:nvGrpSpPr>
+      <p:grpSpPr>
+        <a:xfrm>
+          <a:off x="0" y="0"/>
+          <a:ext cx="0" cy="0"/>
+          <a:chOff x="0" y="0"/>
+          <a:chExt cx="0" cy="0"/>
+        </a:xfrm>
+      </p:grpSpPr>
+      <p:cxnSp>
+        <p:nvCxnSpPr>
+          <p:cNvPr id="19" name="Straight Arrow Connector 18">
+            <a:extLst>
+              <a:ext uri="{FF2B5EF4-FFF2-40B4-BE49-F238E27FC236}">
+                <a16:creationId xmlns:a16="http://schemas.microsoft.com/office/drawing/2014/main" id="{7C779DB8-CB67-6540-B04B-22E821246A72}"/>
+              </a:ext>
+            </a:extLst>
+          </p:cNvPr>
+          <p:cNvCxnSpPr>
+            <a:cxnSpLocks/>
+          </p:cNvCxnSpPr>
+          <p:nvPr/>
+        </p:nvCxnSpPr>
+        <p:spPr>
+          <a:xfrm>
+            <a:off x="568960" y="2407920"/>
+            <a:ext cx="10952480" cy="0"/>
+          </a:xfrm>
+          <a:prstGeom prst="straightConnector1">
+            <a:avLst/>
+          </a:prstGeom>
+          <a:ln w="38100">
+            <a:solidFill>
+              <a:schemeClr val="tx1"/>
+            </a:solidFill>
+            <a:tailEnd type="triangle"/>
+          </a:ln>
+        </p:spPr>
+        <p:style>
+          <a:lnRef idx="1">
+            <a:schemeClr val="accent1"/>
+          </a:lnRef>
+          <a:fillRef idx="0">
+            <a:schemeClr val="accent1"/>
+          </a:fillRef>
+          <a:effectRef idx="0">
+            <a:schemeClr val="accent1"/>
+          </a:effectRef>
+          <a:fontRef idx="minor">
+            <a:schemeClr val="tx1"/>
+          </a:fontRef>
+        </p:style>
+      </p:cxnSp>
+      <p:sp>
+        <p:nvSpPr>
+          <p:cNvPr id="21" name="TextBox 20">
+            <a:extLst>
+              <a:ext uri="{FF2B5EF4-FFF2-40B4-BE49-F238E27FC236}">
+                <a16:creationId xmlns:a16="http://schemas.microsoft.com/office/drawing/2014/main" id="{14E9F4FB-E7A2-A640-AC92-B8BE5BA82B3B}"/>
+              </a:ext>
+            </a:extLst>
+          </p:cNvPr>
+          <p:cNvSpPr txBox="1"/>
+          <p:nvPr/>
+        </p:nvSpPr>
+        <p:spPr>
+          <a:xfrm>
+            <a:off x="10185397" y="2052042"/>
+            <a:ext cx="652743" cy="369332"/>
+          </a:xfrm>
+          <a:prstGeom prst="rect">
+            <a:avLst/>
+          </a:prstGeom>
+          <a:noFill/>
+        </p:spPr>
+        <p:txBody>
+          <a:bodyPr wrap="none" rtlCol="0">
+            <a:spAutoFit/>
+          </a:bodyPr>
+          <a:lstStyle/>
+          <a:p>
+            <a:r>
+              <a:rPr lang="en-US" dirty="0"/>
+              <a:t>2020</a:t>
+            </a:r>
+          </a:p>
+        </p:txBody>
+      </p:sp>
+      <p:sp>
+        <p:nvSpPr>
+          <p:cNvPr id="22" name="TextBox 21">
+            <a:extLst>
+              <a:ext uri="{FF2B5EF4-FFF2-40B4-BE49-F238E27FC236}">
+                <a16:creationId xmlns:a16="http://schemas.microsoft.com/office/drawing/2014/main" id="{BA290AD6-FABE-BA4A-8810-2349AC51F6A3}"/>
+              </a:ext>
+            </a:extLst>
+          </p:cNvPr>
+          <p:cNvSpPr txBox="1"/>
+          <p:nvPr/>
+        </p:nvSpPr>
+        <p:spPr>
+          <a:xfrm>
+            <a:off x="6979918" y="2052042"/>
+            <a:ext cx="652743" cy="369332"/>
+          </a:xfrm>
+          <a:prstGeom prst="rect">
+            <a:avLst/>
+          </a:prstGeom>
+          <a:noFill/>
+        </p:spPr>
+        <p:txBody>
+          <a:bodyPr wrap="none" rtlCol="0">
+            <a:spAutoFit/>
+          </a:bodyPr>
+          <a:lstStyle/>
+          <a:p>
+            <a:r>
+              <a:rPr lang="en-US" dirty="0"/>
+              <a:t>2010</a:t>
+            </a:r>
+          </a:p>
+        </p:txBody>
+      </p:sp>
+      <p:sp>
+        <p:nvSpPr>
+          <p:cNvPr id="23" name="TextBox 22">
+            <a:extLst>
+              <a:ext uri="{FF2B5EF4-FFF2-40B4-BE49-F238E27FC236}">
+                <a16:creationId xmlns:a16="http://schemas.microsoft.com/office/drawing/2014/main" id="{0CA5BF0A-A4B8-9C45-B234-9344E26B745D}"/>
+              </a:ext>
+            </a:extLst>
+          </p:cNvPr>
+          <p:cNvSpPr txBox="1"/>
+          <p:nvPr/>
+        </p:nvSpPr>
+        <p:spPr>
+          <a:xfrm>
+            <a:off x="3774439" y="2048470"/>
+            <a:ext cx="652743" cy="369332"/>
+          </a:xfrm>
+          <a:prstGeom prst="rect">
+            <a:avLst/>
+          </a:prstGeom>
+          <a:noFill/>
+        </p:spPr>
+        <p:txBody>
+          <a:bodyPr wrap="none" rtlCol="0">
+            <a:spAutoFit/>
+          </a:bodyPr>
+          <a:lstStyle/>
+          <a:p>
+            <a:r>
+              <a:rPr lang="en-US" dirty="0"/>
+              <a:t>2000</a:t>
+            </a:r>
+          </a:p>
+        </p:txBody>
+      </p:sp>
+      <p:sp>
+        <p:nvSpPr>
+          <p:cNvPr id="24" name="TextBox 23">
+            <a:extLst>
+              <a:ext uri="{FF2B5EF4-FFF2-40B4-BE49-F238E27FC236}">
+                <a16:creationId xmlns:a16="http://schemas.microsoft.com/office/drawing/2014/main" id="{DB3D8CC6-BC53-EC4B-9E1D-DFC06A2E7261}"/>
+              </a:ext>
+            </a:extLst>
+          </p:cNvPr>
+          <p:cNvSpPr txBox="1"/>
+          <p:nvPr/>
+        </p:nvSpPr>
+        <p:spPr>
+          <a:xfrm>
+            <a:off x="568960" y="2052042"/>
+            <a:ext cx="652743" cy="369332"/>
+          </a:xfrm>
+          <a:prstGeom prst="rect">
+            <a:avLst/>
+          </a:prstGeom>
+          <a:noFill/>
+        </p:spPr>
+        <p:txBody>
+          <a:bodyPr wrap="none" rtlCol="0">
+            <a:spAutoFit/>
+          </a:bodyPr>
+          <a:lstStyle/>
+          <a:p>
+            <a:r>
+              <a:rPr lang="en-US" dirty="0"/>
+              <a:t>1990</a:t>
+            </a:r>
+          </a:p>
+        </p:txBody>
+      </p:sp>
+      <p:sp>
+        <p:nvSpPr>
+          <p:cNvPr id="29" name="Rounded Rectangle 28">
+            <a:extLst>
+              <a:ext uri="{FF2B5EF4-FFF2-40B4-BE49-F238E27FC236}">
+                <a16:creationId xmlns:a16="http://schemas.microsoft.com/office/drawing/2014/main" id="{84D28C2D-6E36-4841-85FC-3E4ED9A7CFDE}"/>
+              </a:ext>
+            </a:extLst>
+          </p:cNvPr>
+          <p:cNvSpPr/>
+          <p:nvPr/>
+        </p:nvSpPr>
+        <p:spPr>
+          <a:xfrm>
+            <a:off x="568960" y="3012441"/>
+            <a:ext cx="1717040" cy="833118"/>
+          </a:xfrm>
+          <a:prstGeom prst="roundRect">
+            <a:avLst/>
+          </a:prstGeom>
+          <a:solidFill>
+            <a:schemeClr val="bg2">
+              <a:lumMod val="90000"/>
+            </a:schemeClr>
+          </a:solidFill>
+          <a:ln w="38100">
+            <a:solidFill>
+              <a:schemeClr val="tx1"/>
+            </a:solidFill>
+          </a:ln>
+        </p:spPr>
+        <p:style>
+          <a:lnRef idx="2">
+            <a:schemeClr val="accent1"/>
+          </a:lnRef>
+          <a:fillRef idx="1">
+            <a:schemeClr val="lt1"/>
+          </a:fillRef>
+          <a:effectRef idx="0">
+            <a:schemeClr val="accent1"/>
+          </a:effectRef>
+          <a:fontRef idx="minor">
+            <a:schemeClr val="dk1"/>
+          </a:fontRef>
+        </p:style>
+        <p:txBody>
+          <a:bodyPr rtlCol="0" anchor="ctr"/>
+          <a:lstStyle/>
+          <a:p>
+            <a:r>
+              <a:rPr lang="en-US" b="1" dirty="0"/>
+              <a:t>1992: MD5 (128bits)</a:t>
+            </a:r>
+          </a:p>
+        </p:txBody>
+      </p:sp>
+      <p:cxnSp>
+        <p:nvCxnSpPr>
+          <p:cNvPr id="31" name="Straight Connector 30">
+            <a:extLst>
+              <a:ext uri="{FF2B5EF4-FFF2-40B4-BE49-F238E27FC236}">
+                <a16:creationId xmlns:a16="http://schemas.microsoft.com/office/drawing/2014/main" id="{0F4C74E7-CC1E-9C48-9005-5157CE5D8F86}"/>
+              </a:ext>
+            </a:extLst>
+          </p:cNvPr>
+          <p:cNvCxnSpPr>
+            <a:stCxn id="29" idx="0"/>
+          </p:cNvCxnSpPr>
+          <p:nvPr/>
+        </p:nvCxnSpPr>
+        <p:spPr>
+          <a:xfrm flipV="1">
+            <a:off x="1427480" y="2417802"/>
+            <a:ext cx="3829" cy="594639"/>
+          </a:xfrm>
+          <a:prstGeom prst="line">
+            <a:avLst/>
+          </a:prstGeom>
+          <a:ln w="38100">
+            <a:solidFill>
+              <a:schemeClr val="tx1"/>
+            </a:solidFill>
+            <a:prstDash val="sysDash"/>
+          </a:ln>
+        </p:spPr>
+        <p:style>
+          <a:lnRef idx="1">
+            <a:schemeClr val="accent1"/>
+          </a:lnRef>
+          <a:fillRef idx="0">
+            <a:schemeClr val="accent1"/>
+          </a:fillRef>
+          <a:effectRef idx="0">
+            <a:schemeClr val="accent1"/>
+          </a:effectRef>
+          <a:fontRef idx="minor">
+            <a:schemeClr val="tx1"/>
+          </a:fontRef>
+        </p:style>
+      </p:cxnSp>
+      <p:sp>
+        <p:nvSpPr>
+          <p:cNvPr id="32" name="Rounded Rectangle 31">
+            <a:extLst>
+              <a:ext uri="{FF2B5EF4-FFF2-40B4-BE49-F238E27FC236}">
+                <a16:creationId xmlns:a16="http://schemas.microsoft.com/office/drawing/2014/main" id="{5386E749-0403-4D4E-9F00-A185D4AC4148}"/>
+              </a:ext>
+            </a:extLst>
+          </p:cNvPr>
+          <p:cNvSpPr/>
+          <p:nvPr/>
+        </p:nvSpPr>
+        <p:spPr>
+          <a:xfrm>
+            <a:off x="1652878" y="4185922"/>
+            <a:ext cx="1717036" cy="833118"/>
+          </a:xfrm>
+          <a:prstGeom prst="roundRect">
+            <a:avLst/>
+          </a:prstGeom>
+          <a:solidFill>
+            <a:schemeClr val="bg2">
+              <a:lumMod val="90000"/>
+            </a:schemeClr>
+          </a:solidFill>
+          <a:ln w="38100">
+            <a:solidFill>
+              <a:schemeClr val="tx1"/>
+            </a:solidFill>
+          </a:ln>
+        </p:spPr>
+        <p:style>
+          <a:lnRef idx="2">
+            <a:schemeClr val="accent1"/>
+          </a:lnRef>
+          <a:fillRef idx="1">
+            <a:schemeClr val="lt1"/>
+          </a:fillRef>
+          <a:effectRef idx="0">
+            <a:schemeClr val="accent1"/>
+          </a:effectRef>
+          <a:fontRef idx="minor">
+            <a:schemeClr val="dk1"/>
+          </a:fontRef>
+        </p:style>
+        <p:txBody>
+          <a:bodyPr rtlCol="0" anchor="ctr"/>
+          <a:lstStyle/>
+          <a:p>
+            <a:r>
+              <a:rPr lang="en-US" b="1" dirty="0"/>
+              <a:t>1992: SHA-1 (160bits)</a:t>
+            </a:r>
+          </a:p>
+        </p:txBody>
+      </p:sp>
+      <p:cxnSp>
+        <p:nvCxnSpPr>
+          <p:cNvPr id="33" name="Straight Connector 32">
+            <a:extLst>
+              <a:ext uri="{FF2B5EF4-FFF2-40B4-BE49-F238E27FC236}">
+                <a16:creationId xmlns:a16="http://schemas.microsoft.com/office/drawing/2014/main" id="{FD4D9F05-6924-E940-A42D-1A558F8B92DD}"/>
+              </a:ext>
+            </a:extLst>
+          </p:cNvPr>
+          <p:cNvCxnSpPr>
+            <a:cxnSpLocks/>
+            <a:stCxn id="32" idx="0"/>
+          </p:cNvCxnSpPr>
+          <p:nvPr/>
+        </p:nvCxnSpPr>
+        <p:spPr>
+          <a:xfrm flipH="1" flipV="1">
+            <a:off x="2505106" y="2392681"/>
+            <a:ext cx="6290" cy="1793241"/>
+          </a:xfrm>
+          <a:prstGeom prst="line">
+            <a:avLst/>
+          </a:prstGeom>
+          <a:ln w="38100">
+            <a:solidFill>
+              <a:schemeClr val="tx1"/>
+            </a:solidFill>
+            <a:prstDash val="sysDash"/>
+          </a:ln>
+        </p:spPr>
+        <p:style>
+          <a:lnRef idx="1">
+            <a:schemeClr val="accent1"/>
+          </a:lnRef>
+          <a:fillRef idx="0">
+            <a:schemeClr val="accent1"/>
+          </a:fillRef>
+          <a:effectRef idx="0">
+            <a:schemeClr val="accent1"/>
+          </a:effectRef>
+          <a:fontRef idx="minor">
+            <a:schemeClr val="tx1"/>
+          </a:fontRef>
+        </p:style>
+      </p:cxnSp>
+      <p:sp>
+        <p:nvSpPr>
+          <p:cNvPr id="38" name="Rounded Rectangle 37">
+            <a:extLst>
+              <a:ext uri="{FF2B5EF4-FFF2-40B4-BE49-F238E27FC236}">
+                <a16:creationId xmlns:a16="http://schemas.microsoft.com/office/drawing/2014/main" id="{DDEC957D-4ADB-CF41-BB3F-24D767E9E52F}"/>
+              </a:ext>
+            </a:extLst>
+          </p:cNvPr>
+          <p:cNvSpPr/>
+          <p:nvPr/>
+        </p:nvSpPr>
+        <p:spPr>
+          <a:xfrm>
+            <a:off x="3667761" y="5420362"/>
+            <a:ext cx="1717040" cy="833118"/>
+          </a:xfrm>
+          <a:prstGeom prst="roundRect">
+            <a:avLst/>
+          </a:prstGeom>
+          <a:solidFill>
+            <a:schemeClr val="accent6">
+              <a:lumMod val="20000"/>
+              <a:lumOff val="80000"/>
+            </a:schemeClr>
+          </a:solidFill>
+          <a:ln w="38100">
+            <a:solidFill>
+              <a:schemeClr val="tx1"/>
+            </a:solidFill>
+          </a:ln>
+        </p:spPr>
+        <p:style>
+          <a:lnRef idx="2">
+            <a:schemeClr val="accent1"/>
+          </a:lnRef>
+          <a:fillRef idx="1">
+            <a:schemeClr val="lt1"/>
+          </a:fillRef>
+          <a:effectRef idx="0">
+            <a:schemeClr val="accent1"/>
+          </a:effectRef>
+          <a:fontRef idx="minor">
+            <a:schemeClr val="dk1"/>
+          </a:fontRef>
+        </p:style>
+        <p:txBody>
+          <a:bodyPr rtlCol="0" anchor="ctr"/>
+          <a:lstStyle/>
+          <a:p>
+            <a:r>
+              <a:rPr lang="en-US" b="1" dirty="0"/>
+              <a:t>2001: SHA-2 (224, 256, 384, 512bits)</a:t>
+            </a:r>
+          </a:p>
+        </p:txBody>
+      </p:sp>
+      <p:cxnSp>
+        <p:nvCxnSpPr>
+          <p:cNvPr id="39" name="Straight Connector 38">
+            <a:extLst>
+              <a:ext uri="{FF2B5EF4-FFF2-40B4-BE49-F238E27FC236}">
+                <a16:creationId xmlns:a16="http://schemas.microsoft.com/office/drawing/2014/main" id="{9537E734-E6FF-7942-AE8C-4E4BB7CE133D}"/>
+              </a:ext>
+            </a:extLst>
+          </p:cNvPr>
+          <p:cNvCxnSpPr>
+            <a:cxnSpLocks/>
+            <a:stCxn id="38" idx="0"/>
+          </p:cNvCxnSpPr>
+          <p:nvPr/>
+        </p:nvCxnSpPr>
+        <p:spPr>
+          <a:xfrm flipV="1">
+            <a:off x="4526281" y="2418360"/>
+            <a:ext cx="0" cy="3002002"/>
+          </a:xfrm>
+          <a:prstGeom prst="line">
+            <a:avLst/>
+          </a:prstGeom>
+          <a:ln w="38100">
+            <a:solidFill>
+              <a:schemeClr val="tx1"/>
+            </a:solidFill>
+            <a:prstDash val="sysDash"/>
+          </a:ln>
+        </p:spPr>
+        <p:style>
+          <a:lnRef idx="1">
+            <a:schemeClr val="accent1"/>
+          </a:lnRef>
+          <a:fillRef idx="0">
+            <a:schemeClr val="accent1"/>
+          </a:fillRef>
+          <a:effectRef idx="0">
+            <a:schemeClr val="accent1"/>
+          </a:effectRef>
+          <a:fontRef idx="minor">
+            <a:schemeClr val="tx1"/>
+          </a:fontRef>
+        </p:style>
+      </p:cxnSp>
+      <p:sp>
+        <p:nvSpPr>
+          <p:cNvPr id="44" name="Rounded Rectangle 43">
+            <a:extLst>
+              <a:ext uri="{FF2B5EF4-FFF2-40B4-BE49-F238E27FC236}">
+                <a16:creationId xmlns:a16="http://schemas.microsoft.com/office/drawing/2014/main" id="{28643617-847D-A348-9867-A14348FFE963}"/>
+              </a:ext>
+            </a:extLst>
+          </p:cNvPr>
+          <p:cNvSpPr/>
+          <p:nvPr/>
+        </p:nvSpPr>
+        <p:spPr>
+          <a:xfrm>
+            <a:off x="8188961" y="5394683"/>
+            <a:ext cx="1717040" cy="833118"/>
+          </a:xfrm>
+          <a:prstGeom prst="roundRect">
+            <a:avLst/>
+          </a:prstGeom>
+          <a:solidFill>
+            <a:schemeClr val="accent6">
+              <a:lumMod val="20000"/>
+              <a:lumOff val="80000"/>
+            </a:schemeClr>
+          </a:solidFill>
+          <a:ln w="38100">
+            <a:solidFill>
+              <a:schemeClr val="tx1"/>
+            </a:solidFill>
+          </a:ln>
+        </p:spPr>
+        <p:style>
+          <a:lnRef idx="2">
+            <a:schemeClr val="accent1"/>
+          </a:lnRef>
+          <a:fillRef idx="1">
+            <a:schemeClr val="lt1"/>
+          </a:fillRef>
+          <a:effectRef idx="0">
+            <a:schemeClr val="accent1"/>
+          </a:effectRef>
+          <a:fontRef idx="minor">
+            <a:schemeClr val="dk1"/>
+          </a:fontRef>
+        </p:style>
+        <p:txBody>
+          <a:bodyPr rtlCol="0" anchor="ctr"/>
+          <a:lstStyle/>
+          <a:p>
+            <a:r>
+              <a:rPr lang="en-US" b="1" dirty="0"/>
+              <a:t>2015: SHA-3 (224, 256, 384, 512bits)</a:t>
+            </a:r>
+          </a:p>
+        </p:txBody>
+      </p:sp>
+      <p:cxnSp>
+        <p:nvCxnSpPr>
+          <p:cNvPr id="45" name="Straight Connector 44">
+            <a:extLst>
+              <a:ext uri="{FF2B5EF4-FFF2-40B4-BE49-F238E27FC236}">
+                <a16:creationId xmlns:a16="http://schemas.microsoft.com/office/drawing/2014/main" id="{07B90B82-90DF-6648-911B-CE5F17D965B2}"/>
+              </a:ext>
+            </a:extLst>
+          </p:cNvPr>
+          <p:cNvCxnSpPr>
+            <a:cxnSpLocks/>
+            <a:stCxn id="44" idx="0"/>
+          </p:cNvCxnSpPr>
+          <p:nvPr/>
+        </p:nvCxnSpPr>
+        <p:spPr>
+          <a:xfrm flipV="1">
+            <a:off x="9047481" y="2392681"/>
+            <a:ext cx="0" cy="3002002"/>
+          </a:xfrm>
+          <a:prstGeom prst="line">
+            <a:avLst/>
+          </a:prstGeom>
+          <a:ln w="38100">
+            <a:solidFill>
+              <a:schemeClr val="tx1"/>
+            </a:solidFill>
+            <a:prstDash val="sysDash"/>
+          </a:ln>
+        </p:spPr>
+        <p:style>
+          <a:lnRef idx="1">
+            <a:schemeClr val="accent1"/>
+          </a:lnRef>
+          <a:fillRef idx="0">
+            <a:schemeClr val="accent1"/>
+          </a:fillRef>
+          <a:effectRef idx="0">
+            <a:schemeClr val="accent1"/>
+          </a:effectRef>
+          <a:fontRef idx="minor">
+            <a:schemeClr val="tx1"/>
+          </a:fontRef>
+        </p:style>
+      </p:cxnSp>
+      <p:cxnSp>
+        <p:nvCxnSpPr>
+          <p:cNvPr id="47" name="Straight Arrow Connector 46">
+            <a:extLst>
+              <a:ext uri="{FF2B5EF4-FFF2-40B4-BE49-F238E27FC236}">
+                <a16:creationId xmlns:a16="http://schemas.microsoft.com/office/drawing/2014/main" id="{7BA42C59-F54F-F74C-BEBD-272BC2CC6672}"/>
+              </a:ext>
+            </a:extLst>
+          </p:cNvPr>
+          <p:cNvCxnSpPr>
+            <a:stCxn id="32" idx="3"/>
+          </p:cNvCxnSpPr>
+          <p:nvPr/>
+        </p:nvCxnSpPr>
+        <p:spPr>
+          <a:xfrm flipV="1">
+            <a:off x="3369914" y="4592320"/>
+            <a:ext cx="2329846" cy="10161"/>
+          </a:xfrm>
+          <a:prstGeom prst="straightConnector1">
+            <a:avLst/>
+          </a:prstGeom>
+          <a:ln w="38100">
+            <a:solidFill>
+              <a:srgbClr val="FF0000"/>
+            </a:solidFill>
+            <a:tailEnd type="triangle"/>
+          </a:ln>
+        </p:spPr>
+        <p:style>
+          <a:lnRef idx="1">
+            <a:schemeClr val="accent1"/>
+          </a:lnRef>
+          <a:fillRef idx="0">
+            <a:schemeClr val="accent1"/>
+          </a:fillRef>
+          <a:effectRef idx="0">
+            <a:schemeClr val="accent1"/>
+          </a:effectRef>
+          <a:fontRef idx="minor">
+            <a:schemeClr val="tx1"/>
+          </a:fontRef>
+        </p:style>
+      </p:cxnSp>
+      <p:cxnSp>
+        <p:nvCxnSpPr>
+          <p:cNvPr id="48" name="Straight Arrow Connector 47">
+            <a:extLst>
+              <a:ext uri="{FF2B5EF4-FFF2-40B4-BE49-F238E27FC236}">
+                <a16:creationId xmlns:a16="http://schemas.microsoft.com/office/drawing/2014/main" id="{314963BC-1EB1-F34E-8D58-2D2B55D594FA}"/>
+              </a:ext>
+            </a:extLst>
+          </p:cNvPr>
+          <p:cNvCxnSpPr>
+            <a:cxnSpLocks/>
+            <a:stCxn id="29" idx="3"/>
+          </p:cNvCxnSpPr>
+          <p:nvPr/>
+        </p:nvCxnSpPr>
+        <p:spPr>
+          <a:xfrm>
+            <a:off x="2286000" y="3429000"/>
+            <a:ext cx="2611120" cy="0"/>
+          </a:xfrm>
+          <a:prstGeom prst="straightConnector1">
+            <a:avLst/>
+          </a:prstGeom>
+          <a:ln w="38100">
+            <a:solidFill>
+              <a:srgbClr val="FF0000"/>
+            </a:solidFill>
+            <a:tailEnd type="triangle"/>
+          </a:ln>
+        </p:spPr>
+        <p:style>
+          <a:lnRef idx="1">
+            <a:schemeClr val="accent1"/>
+          </a:lnRef>
+          <a:fillRef idx="0">
+            <a:schemeClr val="accent1"/>
+          </a:fillRef>
+          <a:effectRef idx="0">
+            <a:schemeClr val="accent1"/>
+          </a:effectRef>
+          <a:fontRef idx="minor">
+            <a:schemeClr val="tx1"/>
+          </a:fontRef>
+        </p:style>
+      </p:cxnSp>
+      <p:pic>
+        <p:nvPicPr>
+          <p:cNvPr id="53" name="Picture 52">
+            <a:extLst>
+              <a:ext uri="{FF2B5EF4-FFF2-40B4-BE49-F238E27FC236}">
+                <a16:creationId xmlns:a16="http://schemas.microsoft.com/office/drawing/2014/main" id="{E6E0C4A8-B368-6142-BFA4-259AFF5CB546}"/>
+              </a:ext>
+            </a:extLst>
+          </p:cNvPr>
+          <p:cNvPicPr>
+            <a:picLocks noChangeAspect="1"/>
+          </p:cNvPicPr>
+          <p:nvPr/>
+        </p:nvPicPr>
+        <p:blipFill>
+          <a:blip r:embed="rId2"/>
+          <a:stretch>
+            <a:fillRect/>
+          </a:stretch>
+        </p:blipFill>
+        <p:spPr>
+          <a:xfrm>
+            <a:off x="4878717" y="2801203"/>
+            <a:ext cx="1092200" cy="1092200"/>
+          </a:xfrm>
+          <a:prstGeom prst="rect">
+            <a:avLst/>
+          </a:prstGeom>
+        </p:spPr>
+      </p:pic>
+      <p:pic>
+        <p:nvPicPr>
+          <p:cNvPr id="54" name="Picture 53">
+            <a:extLst>
+              <a:ext uri="{FF2B5EF4-FFF2-40B4-BE49-F238E27FC236}">
+                <a16:creationId xmlns:a16="http://schemas.microsoft.com/office/drawing/2014/main" id="{7987D255-0E3C-0643-BE70-6DB85E8DE67F}"/>
+              </a:ext>
+            </a:extLst>
+          </p:cNvPr>
+          <p:cNvPicPr>
+            <a:picLocks noChangeAspect="1"/>
+          </p:cNvPicPr>
+          <p:nvPr/>
+        </p:nvPicPr>
+        <p:blipFill>
+          <a:blip r:embed="rId2"/>
+          <a:stretch>
+            <a:fillRect/>
+          </a:stretch>
+        </p:blipFill>
+        <p:spPr>
+          <a:xfrm>
+            <a:off x="5682649" y="3931920"/>
+            <a:ext cx="1092200" cy="1092200"/>
+          </a:xfrm>
+          <a:prstGeom prst="rect">
+            <a:avLst/>
+          </a:prstGeom>
+        </p:spPr>
+      </p:pic>
+      <p:sp>
+        <p:nvSpPr>
+          <p:cNvPr id="55" name="TextBox 54">
+            <a:extLst>
+              <a:ext uri="{FF2B5EF4-FFF2-40B4-BE49-F238E27FC236}">
+                <a16:creationId xmlns:a16="http://schemas.microsoft.com/office/drawing/2014/main" id="{FEB56D35-A488-BD47-BEA9-BB2D1A02FDD3}"/>
+              </a:ext>
+            </a:extLst>
+          </p:cNvPr>
+          <p:cNvSpPr txBox="1"/>
+          <p:nvPr/>
+        </p:nvSpPr>
+        <p:spPr>
+          <a:xfrm>
+            <a:off x="5659697" y="3322181"/>
+            <a:ext cx="1011687" cy="369332"/>
+          </a:xfrm>
+          <a:prstGeom prst="rect">
+            <a:avLst/>
+          </a:prstGeom>
+          <a:noFill/>
+        </p:spPr>
+        <p:txBody>
+          <a:bodyPr wrap="none" rtlCol="0">
+            <a:spAutoFit/>
+          </a:bodyPr>
+          <a:lstStyle/>
+          <a:p>
+            <a:r>
+              <a:rPr lang="en-US" b="1" dirty="0"/>
+              <a:t>Cracked!</a:t>
+            </a:r>
+          </a:p>
+        </p:txBody>
+      </p:sp>
+      <p:sp>
+        <p:nvSpPr>
+          <p:cNvPr id="56" name="TextBox 55">
+            <a:extLst>
+              <a:ext uri="{FF2B5EF4-FFF2-40B4-BE49-F238E27FC236}">
+                <a16:creationId xmlns:a16="http://schemas.microsoft.com/office/drawing/2014/main" id="{947FFC61-9E81-FF4F-9D2E-C3252BA5AB27}"/>
+              </a:ext>
+            </a:extLst>
+          </p:cNvPr>
+          <p:cNvSpPr txBox="1"/>
+          <p:nvPr/>
+        </p:nvSpPr>
+        <p:spPr>
+          <a:xfrm>
+            <a:off x="6458505" y="4592320"/>
+            <a:ext cx="1011687" cy="369332"/>
+          </a:xfrm>
+          <a:prstGeom prst="rect">
+            <a:avLst/>
+          </a:prstGeom>
+          <a:noFill/>
+        </p:spPr>
+        <p:txBody>
+          <a:bodyPr wrap="none" rtlCol="0">
+            <a:spAutoFit/>
+          </a:bodyPr>
+          <a:lstStyle/>
+          <a:p>
+            <a:r>
+              <a:rPr lang="en-US" b="1" dirty="0"/>
+              <a:t>Cracked!</a:t>
+            </a:r>
+          </a:p>
+        </p:txBody>
+      </p:sp>
+    </p:spTree>
+    <p:extLst>
+      <p:ext uri="{BB962C8B-B14F-4D97-AF65-F5344CB8AC3E}">
+        <p14:creationId xmlns:p14="http://schemas.microsoft.com/office/powerpoint/2010/main" val="1642125002"/>
+      </p:ext>
+    </p:extLst>
+  </p:cSld>
+  <p:clrMapOvr>
+    <a:masterClrMapping/>
+  </p:clrMapOvr>
+</p:sld>
+</file>
+
+<file path=ppt/slides/slide42.xml><?xml version="1.0" encoding="utf-8"?>
+<p:sld xmlns:a="http://schemas.openxmlformats.org/drawingml/2006/main" xmlns:r="http://schemas.openxmlformats.org/officeDocument/2006/relationships" xmlns:p="http://schemas.openxmlformats.org/presentationml/2006/main">
+  <p:cSld>
+    <p:spTree>
+      <p:nvGrpSpPr>
+        <p:cNvPr id="1" name=""/>
+        <p:cNvGrpSpPr/>
+        <p:nvPr/>
+      </p:nvGrpSpPr>
+      <p:grpSpPr>
+        <a:xfrm>
+          <a:off x="0" y="0"/>
+          <a:ext cx="0" cy="0"/>
+          <a:chOff x="0" y="0"/>
+          <a:chExt cx="0" cy="0"/>
+        </a:xfrm>
+      </p:grpSpPr>
+      <p:sp>
+        <p:nvSpPr>
+          <p:cNvPr id="4" name="四角形: 角を丸くする 3">
+            <a:extLst>
+              <a:ext uri="{FF2B5EF4-FFF2-40B4-BE49-F238E27FC236}">
+                <a16:creationId xmlns:a16="http://schemas.microsoft.com/office/drawing/2014/main" id="{3219DF5D-5A8D-5446-930B-97DC36D7BE7A}"/>
+              </a:ext>
+            </a:extLst>
+          </p:cNvPr>
+          <p:cNvSpPr/>
+          <p:nvPr/>
+        </p:nvSpPr>
+        <p:spPr>
+          <a:xfrm>
+            <a:off x="4034787" y="1520347"/>
+            <a:ext cx="2252865" cy="636104"/>
+          </a:xfrm>
+          <a:prstGeom prst="roundRect">
+            <a:avLst/>
+          </a:prstGeom>
+          <a:ln w="38100"/>
+        </p:spPr>
+        <p:style>
+          <a:lnRef idx="2">
+            <a:schemeClr val="accent1"/>
+          </a:lnRef>
+          <a:fillRef idx="1">
+            <a:schemeClr val="lt1"/>
+          </a:fillRef>
+          <a:effectRef idx="0">
+            <a:schemeClr val="accent1"/>
+          </a:effectRef>
+          <a:fontRef idx="minor">
+            <a:schemeClr val="dk1"/>
+          </a:fontRef>
+        </p:style>
+        <p:txBody>
+          <a:bodyPr rtlCol="0" anchor="ctr"/>
+          <a:lstStyle/>
+          <a:p>
+            <a:pPr algn="ctr"/>
+            <a:r>
+              <a:rPr kumimoji="1" lang="en-US" altLang="ja-JP" b="1" dirty="0"/>
+              <a:t>Sign</a:t>
+            </a:r>
+          </a:p>
+        </p:txBody>
+      </p:sp>
+      <p:cxnSp>
+        <p:nvCxnSpPr>
+          <p:cNvPr id="6" name="直線矢印コネクタ 6">
+            <a:extLst>
+              <a:ext uri="{FF2B5EF4-FFF2-40B4-BE49-F238E27FC236}">
+                <a16:creationId xmlns:a16="http://schemas.microsoft.com/office/drawing/2014/main" id="{8D7F410F-EE76-3F46-95F3-0EE1B0290BAF}"/>
+              </a:ext>
+            </a:extLst>
+          </p:cNvPr>
+          <p:cNvCxnSpPr>
+            <a:cxnSpLocks/>
+            <a:endCxn id="4" idx="0"/>
+          </p:cNvCxnSpPr>
+          <p:nvPr/>
+        </p:nvCxnSpPr>
+        <p:spPr>
+          <a:xfrm>
+            <a:off x="5161219" y="829181"/>
+            <a:ext cx="1" cy="691166"/>
+          </a:xfrm>
+          <a:prstGeom prst="straightConnector1">
+            <a:avLst/>
+          </a:prstGeom>
+          <a:ln w="38100">
+            <a:solidFill>
+              <a:schemeClr val="tx1"/>
+            </a:solidFill>
+            <a:tailEnd type="triangle"/>
+          </a:ln>
+        </p:spPr>
+        <p:style>
+          <a:lnRef idx="1">
+            <a:schemeClr val="accent1"/>
+          </a:lnRef>
+          <a:fillRef idx="0">
+            <a:schemeClr val="accent1"/>
+          </a:fillRef>
+          <a:effectRef idx="0">
+            <a:schemeClr val="accent1"/>
+          </a:effectRef>
+          <a:fontRef idx="minor">
+            <a:schemeClr val="tx1"/>
+          </a:fontRef>
+        </p:style>
+      </p:cxnSp>
+      <p:cxnSp>
+        <p:nvCxnSpPr>
+          <p:cNvPr id="7" name="直線矢印コネクタ 7">
+            <a:extLst>
+              <a:ext uri="{FF2B5EF4-FFF2-40B4-BE49-F238E27FC236}">
+                <a16:creationId xmlns:a16="http://schemas.microsoft.com/office/drawing/2014/main" id="{DA8F8F78-A7E3-1C4D-B3E3-79582F3D0988}"/>
+              </a:ext>
+            </a:extLst>
+          </p:cNvPr>
+          <p:cNvCxnSpPr>
+            <a:cxnSpLocks/>
+            <a:stCxn id="4" idx="3"/>
+          </p:cNvCxnSpPr>
+          <p:nvPr/>
+        </p:nvCxnSpPr>
+        <p:spPr>
+          <a:xfrm>
+            <a:off x="6287652" y="1838399"/>
+            <a:ext cx="947106" cy="0"/>
+          </a:xfrm>
+          <a:prstGeom prst="straightConnector1">
+            <a:avLst/>
+          </a:prstGeom>
+          <a:ln w="38100">
+            <a:solidFill>
+              <a:schemeClr val="tx1"/>
+            </a:solidFill>
+            <a:tailEnd type="triangle"/>
+          </a:ln>
+        </p:spPr>
+        <p:style>
+          <a:lnRef idx="1">
+            <a:schemeClr val="accent1"/>
+          </a:lnRef>
+          <a:fillRef idx="0">
+            <a:schemeClr val="accent1"/>
+          </a:fillRef>
+          <a:effectRef idx="0">
+            <a:schemeClr val="accent1"/>
+          </a:effectRef>
+          <a:fontRef idx="minor">
+            <a:schemeClr val="tx1"/>
+          </a:fontRef>
+        </p:style>
+      </p:cxnSp>
+      <p:sp>
+        <p:nvSpPr>
+          <p:cNvPr id="8" name="四角形: 角を丸くする 11">
+            <a:extLst>
+              <a:ext uri="{FF2B5EF4-FFF2-40B4-BE49-F238E27FC236}">
+                <a16:creationId xmlns:a16="http://schemas.microsoft.com/office/drawing/2014/main" id="{BB46FE6A-B3D0-9041-9A56-161FFF4F6A4D}"/>
+              </a:ext>
+            </a:extLst>
+          </p:cNvPr>
+          <p:cNvSpPr/>
+          <p:nvPr/>
+        </p:nvSpPr>
+        <p:spPr>
+          <a:xfrm>
+            <a:off x="4062496" y="3751119"/>
+            <a:ext cx="2252865" cy="636104"/>
+          </a:xfrm>
+          <a:prstGeom prst="roundRect">
+            <a:avLst/>
+          </a:prstGeom>
+          <a:ln w="38100"/>
+        </p:spPr>
+        <p:style>
+          <a:lnRef idx="2">
+            <a:schemeClr val="accent1"/>
+          </a:lnRef>
+          <a:fillRef idx="1">
+            <a:schemeClr val="lt1"/>
+          </a:fillRef>
+          <a:effectRef idx="0">
+            <a:schemeClr val="accent1"/>
+          </a:effectRef>
+          <a:fontRef idx="minor">
+            <a:schemeClr val="dk1"/>
+          </a:fontRef>
+        </p:style>
+        <p:txBody>
+          <a:bodyPr rtlCol="0" anchor="ctr"/>
+          <a:lstStyle/>
+          <a:p>
+            <a:pPr algn="ctr"/>
+            <a:r>
+              <a:rPr kumimoji="1" lang="en-US" altLang="ja-JP" b="1" dirty="0"/>
+              <a:t>Verification</a:t>
+            </a:r>
+          </a:p>
+        </p:txBody>
+      </p:sp>
+      <p:pic>
+        <p:nvPicPr>
+          <p:cNvPr id="9" name="Picture 14">
+            <a:extLst>
+              <a:ext uri="{FF2B5EF4-FFF2-40B4-BE49-F238E27FC236}">
+                <a16:creationId xmlns:a16="http://schemas.microsoft.com/office/drawing/2014/main" id="{2D8A951C-31B7-A645-986E-71B8264264CB}"/>
+              </a:ext>
+            </a:extLst>
+          </p:cNvPr>
+          <p:cNvPicPr>
+            <a:picLocks noChangeAspect="1"/>
+          </p:cNvPicPr>
+          <p:nvPr/>
+        </p:nvPicPr>
+        <p:blipFill>
+          <a:blip r:embed="rId2"/>
+          <a:stretch>
+            <a:fillRect/>
+          </a:stretch>
+        </p:blipFill>
+        <p:spPr>
+          <a:xfrm rot="2482566">
+            <a:off x="5363796" y="730031"/>
+            <a:ext cx="219766" cy="695926"/>
+          </a:xfrm>
+          <a:prstGeom prst="rect">
+            <a:avLst/>
+          </a:prstGeom>
+        </p:spPr>
+      </p:pic>
+      <p:sp>
+        <p:nvSpPr>
+          <p:cNvPr id="10" name="TextBox 15">
+            <a:extLst>
+              <a:ext uri="{FF2B5EF4-FFF2-40B4-BE49-F238E27FC236}">
+                <a16:creationId xmlns:a16="http://schemas.microsoft.com/office/drawing/2014/main" id="{5BCCAAA5-E764-DE49-BFE2-A82A275EB5A3}"/>
+              </a:ext>
+            </a:extLst>
+          </p:cNvPr>
+          <p:cNvSpPr txBox="1"/>
+          <p:nvPr/>
+        </p:nvSpPr>
+        <p:spPr>
+          <a:xfrm>
+            <a:off x="3342271" y="3187222"/>
+            <a:ext cx="1469192" cy="369332"/>
+          </a:xfrm>
+          <a:prstGeom prst="rect">
+            <a:avLst/>
+          </a:prstGeom>
+          <a:noFill/>
+        </p:spPr>
+        <p:txBody>
+          <a:bodyPr wrap="square" rtlCol="0">
+            <a:spAutoFit/>
+          </a:bodyPr>
+          <a:lstStyle/>
+          <a:p>
+            <a:r>
+              <a:rPr lang="en-US" b="1" dirty="0">
+                <a:solidFill>
+                  <a:srgbClr val="0070C0"/>
+                </a:solidFill>
+              </a:rPr>
+              <a:t>Public Key</a:t>
+            </a:r>
+          </a:p>
+        </p:txBody>
+      </p:sp>
+      <p:pic>
+        <p:nvPicPr>
+          <p:cNvPr id="11" name="Picture 44">
+            <a:extLst>
+              <a:ext uri="{FF2B5EF4-FFF2-40B4-BE49-F238E27FC236}">
+                <a16:creationId xmlns:a16="http://schemas.microsoft.com/office/drawing/2014/main" id="{73432D9D-CD8C-CC46-8D92-6127AAEA6681}"/>
+              </a:ext>
+            </a:extLst>
+          </p:cNvPr>
+          <p:cNvPicPr>
+            <a:picLocks noChangeAspect="1"/>
+          </p:cNvPicPr>
+          <p:nvPr/>
+        </p:nvPicPr>
+        <p:blipFill>
+          <a:blip r:embed="rId3"/>
+          <a:stretch>
+            <a:fillRect/>
+          </a:stretch>
+        </p:blipFill>
+        <p:spPr>
+          <a:xfrm rot="2294599">
+            <a:off x="4529264" y="3260291"/>
+            <a:ext cx="572052" cy="296108"/>
+          </a:xfrm>
+          <a:prstGeom prst="rect">
+            <a:avLst/>
+          </a:prstGeom>
+        </p:spPr>
+      </p:pic>
+      <p:sp>
+        <p:nvSpPr>
+          <p:cNvPr id="12" name="TextBox 45">
+            <a:extLst>
+              <a:ext uri="{FF2B5EF4-FFF2-40B4-BE49-F238E27FC236}">
+                <a16:creationId xmlns:a16="http://schemas.microsoft.com/office/drawing/2014/main" id="{8B208B6A-9628-3443-A1BD-F444D7525E70}"/>
+              </a:ext>
+            </a:extLst>
+          </p:cNvPr>
+          <p:cNvSpPr txBox="1"/>
+          <p:nvPr/>
+        </p:nvSpPr>
+        <p:spPr>
+          <a:xfrm>
+            <a:off x="3938640" y="933789"/>
+            <a:ext cx="1394582" cy="369332"/>
+          </a:xfrm>
+          <a:prstGeom prst="rect">
+            <a:avLst/>
+          </a:prstGeom>
+          <a:noFill/>
+        </p:spPr>
+        <p:txBody>
+          <a:bodyPr wrap="square" rtlCol="0">
+            <a:spAutoFit/>
+          </a:bodyPr>
+          <a:lstStyle/>
+          <a:p>
+            <a:r>
+              <a:rPr lang="en-US" b="1" dirty="0">
+                <a:solidFill>
+                  <a:srgbClr val="FF0000"/>
+                </a:solidFill>
+              </a:rPr>
+              <a:t>Private Key</a:t>
+            </a:r>
+          </a:p>
+        </p:txBody>
+      </p:sp>
+      <p:cxnSp>
+        <p:nvCxnSpPr>
+          <p:cNvPr id="13" name="直線矢印コネクタ 19">
+            <a:extLst>
+              <a:ext uri="{FF2B5EF4-FFF2-40B4-BE49-F238E27FC236}">
+                <a16:creationId xmlns:a16="http://schemas.microsoft.com/office/drawing/2014/main" id="{E90E4ADF-E4F5-4645-A3DB-361F7C4E02DD}"/>
+              </a:ext>
+            </a:extLst>
+          </p:cNvPr>
+          <p:cNvCxnSpPr>
+            <a:cxnSpLocks/>
+            <a:endCxn id="4" idx="1"/>
+          </p:cNvCxnSpPr>
+          <p:nvPr/>
+        </p:nvCxnSpPr>
+        <p:spPr>
+          <a:xfrm>
+            <a:off x="3192695" y="1838399"/>
+            <a:ext cx="842092" cy="0"/>
+          </a:xfrm>
+          <a:prstGeom prst="straightConnector1">
+            <a:avLst/>
+          </a:prstGeom>
+          <a:ln w="38100">
+            <a:solidFill>
+              <a:schemeClr val="tx1"/>
+            </a:solidFill>
+            <a:tailEnd type="triangle"/>
+          </a:ln>
+        </p:spPr>
+        <p:style>
+          <a:lnRef idx="1">
+            <a:schemeClr val="accent1"/>
+          </a:lnRef>
+          <a:fillRef idx="0">
+            <a:schemeClr val="accent1"/>
+          </a:fillRef>
+          <a:effectRef idx="0">
+            <a:schemeClr val="accent1"/>
+          </a:effectRef>
+          <a:fontRef idx="minor">
+            <a:schemeClr val="tx1"/>
+          </a:fontRef>
+        </p:style>
+      </p:cxnSp>
+      <p:cxnSp>
+        <p:nvCxnSpPr>
+          <p:cNvPr id="14" name="直線矢印コネクタ 21">
+            <a:extLst>
+              <a:ext uri="{FF2B5EF4-FFF2-40B4-BE49-F238E27FC236}">
+                <a16:creationId xmlns:a16="http://schemas.microsoft.com/office/drawing/2014/main" id="{790E83E6-A55D-9547-8242-ACAF16FAD155}"/>
+              </a:ext>
+            </a:extLst>
+          </p:cNvPr>
+          <p:cNvCxnSpPr>
+            <a:cxnSpLocks/>
+            <a:stCxn id="8" idx="3"/>
+          </p:cNvCxnSpPr>
+          <p:nvPr/>
+        </p:nvCxnSpPr>
+        <p:spPr>
+          <a:xfrm>
+            <a:off x="6315361" y="4069171"/>
+            <a:ext cx="919397" cy="0"/>
+          </a:xfrm>
+          <a:prstGeom prst="straightConnector1">
+            <a:avLst/>
+          </a:prstGeom>
+          <a:ln w="38100">
+            <a:solidFill>
+              <a:schemeClr val="tx1"/>
+            </a:solidFill>
+            <a:tailEnd type="triangle"/>
+          </a:ln>
+        </p:spPr>
+        <p:style>
+          <a:lnRef idx="1">
+            <a:schemeClr val="accent1"/>
+          </a:lnRef>
+          <a:fillRef idx="0">
+            <a:schemeClr val="accent1"/>
+          </a:fillRef>
+          <a:effectRef idx="0">
+            <a:schemeClr val="accent1"/>
+          </a:effectRef>
+          <a:fontRef idx="minor">
+            <a:schemeClr val="tx1"/>
+          </a:fontRef>
+        </p:style>
+      </p:cxnSp>
+      <p:cxnSp>
+        <p:nvCxnSpPr>
+          <p:cNvPr id="15" name="直線矢印コネクタ 24">
+            <a:extLst>
+              <a:ext uri="{FF2B5EF4-FFF2-40B4-BE49-F238E27FC236}">
+                <a16:creationId xmlns:a16="http://schemas.microsoft.com/office/drawing/2014/main" id="{09EFF42E-DC0D-5F4B-99CE-DEC4DC594CF9}"/>
+              </a:ext>
+            </a:extLst>
+          </p:cNvPr>
+          <p:cNvCxnSpPr>
+            <a:cxnSpLocks/>
+          </p:cNvCxnSpPr>
+          <p:nvPr/>
+        </p:nvCxnSpPr>
+        <p:spPr>
+          <a:xfrm>
+            <a:off x="4499002" y="3078265"/>
+            <a:ext cx="1" cy="644236"/>
+          </a:xfrm>
+          <a:prstGeom prst="straightConnector1">
+            <a:avLst/>
+          </a:prstGeom>
+          <a:ln w="38100">
+            <a:solidFill>
+              <a:schemeClr val="tx1"/>
+            </a:solidFill>
+            <a:tailEnd type="triangle"/>
+          </a:ln>
+        </p:spPr>
+        <p:style>
+          <a:lnRef idx="1">
+            <a:schemeClr val="accent1"/>
+          </a:lnRef>
+          <a:fillRef idx="0">
+            <a:schemeClr val="accent1"/>
+          </a:fillRef>
+          <a:effectRef idx="0">
+            <a:schemeClr val="accent1"/>
+          </a:effectRef>
+          <a:fontRef idx="minor">
+            <a:schemeClr val="tx1"/>
+          </a:fontRef>
+        </p:style>
+      </p:cxnSp>
+      <p:pic>
+        <p:nvPicPr>
+          <p:cNvPr id="16" name="Picture 33">
+            <a:extLst>
+              <a:ext uri="{FF2B5EF4-FFF2-40B4-BE49-F238E27FC236}">
+                <a16:creationId xmlns:a16="http://schemas.microsoft.com/office/drawing/2014/main" id="{99E238BB-BDDC-1749-9D40-EAAC7B3C41EC}"/>
+              </a:ext>
+            </a:extLst>
+          </p:cNvPr>
+          <p:cNvPicPr>
+            <a:picLocks noChangeAspect="1"/>
+          </p:cNvPicPr>
+          <p:nvPr/>
+        </p:nvPicPr>
+        <p:blipFill>
+          <a:blip r:embed="rId4"/>
+          <a:stretch>
+            <a:fillRect/>
+          </a:stretch>
+        </p:blipFill>
+        <p:spPr>
+          <a:xfrm>
+            <a:off x="2553459" y="1517004"/>
+            <a:ext cx="620968" cy="620968"/>
+          </a:xfrm>
+          <a:prstGeom prst="rect">
+            <a:avLst/>
+          </a:prstGeom>
+        </p:spPr>
+      </p:pic>
+      <p:pic>
+        <p:nvPicPr>
+          <p:cNvPr id="17" name="Picture 60">
+            <a:extLst>
+              <a:ext uri="{FF2B5EF4-FFF2-40B4-BE49-F238E27FC236}">
+                <a16:creationId xmlns:a16="http://schemas.microsoft.com/office/drawing/2014/main" id="{B88A5123-4924-884E-8AB0-6DCF47CDD5BB}"/>
+              </a:ext>
+            </a:extLst>
+          </p:cNvPr>
+          <p:cNvPicPr>
+            <a:picLocks noChangeAspect="1"/>
+          </p:cNvPicPr>
+          <p:nvPr/>
+        </p:nvPicPr>
+        <p:blipFill>
+          <a:blip r:embed="rId5"/>
+          <a:stretch>
+            <a:fillRect/>
+          </a:stretch>
+        </p:blipFill>
+        <p:spPr>
+          <a:xfrm>
+            <a:off x="7234758" y="1525611"/>
+            <a:ext cx="598353" cy="636105"/>
+          </a:xfrm>
+          <a:prstGeom prst="rect">
+            <a:avLst/>
+          </a:prstGeom>
+        </p:spPr>
+      </p:pic>
+      <p:sp>
+        <p:nvSpPr>
+          <p:cNvPr id="19" name="TextBox 45">
+            <a:extLst>
+              <a:ext uri="{FF2B5EF4-FFF2-40B4-BE49-F238E27FC236}">
+                <a16:creationId xmlns:a16="http://schemas.microsoft.com/office/drawing/2014/main" id="{F3B06E01-A7CE-1947-89FD-EEC01D6F5B6A}"/>
+              </a:ext>
+            </a:extLst>
+          </p:cNvPr>
+          <p:cNvSpPr txBox="1"/>
+          <p:nvPr/>
+        </p:nvSpPr>
+        <p:spPr>
+          <a:xfrm>
+            <a:off x="2385616" y="2109125"/>
+            <a:ext cx="956654" cy="369332"/>
+          </a:xfrm>
+          <a:prstGeom prst="rect">
+            <a:avLst/>
+          </a:prstGeom>
+          <a:noFill/>
+        </p:spPr>
+        <p:txBody>
+          <a:bodyPr wrap="square" rtlCol="0">
+            <a:spAutoFit/>
+          </a:bodyPr>
+          <a:lstStyle/>
+          <a:p>
+            <a:pPr algn="ctr"/>
+            <a:r>
+              <a:rPr lang="en-US" b="1" dirty="0"/>
+              <a:t>Data </a:t>
+            </a:r>
+            <a:r>
+              <a:rPr lang="en-US" b="1" i="1" dirty="0"/>
+              <a:t>D</a:t>
+            </a:r>
+          </a:p>
+        </p:txBody>
+      </p:sp>
+      <p:sp>
+        <p:nvSpPr>
+          <p:cNvPr id="20" name="TextBox 45">
+            <a:extLst>
+              <a:ext uri="{FF2B5EF4-FFF2-40B4-BE49-F238E27FC236}">
+                <a16:creationId xmlns:a16="http://schemas.microsoft.com/office/drawing/2014/main" id="{8F96BDCD-17CC-E240-89C6-DCEAC8F8E356}"/>
+              </a:ext>
+            </a:extLst>
+          </p:cNvPr>
+          <p:cNvSpPr txBox="1"/>
+          <p:nvPr/>
+        </p:nvSpPr>
+        <p:spPr>
+          <a:xfrm>
+            <a:off x="7381703" y="1653733"/>
+            <a:ext cx="1988190" cy="369332"/>
+          </a:xfrm>
+          <a:prstGeom prst="rect">
+            <a:avLst/>
+          </a:prstGeom>
+          <a:noFill/>
+        </p:spPr>
+        <p:txBody>
+          <a:bodyPr wrap="square" rtlCol="0">
+            <a:spAutoFit/>
+          </a:bodyPr>
+          <a:lstStyle/>
+          <a:p>
+            <a:pPr algn="ctr"/>
+            <a:r>
+              <a:rPr lang="en-US" b="1" dirty="0"/>
+              <a:t>Signature</a:t>
+            </a:r>
+            <a:endParaRPr lang="en-US" b="1" i="1" dirty="0"/>
+          </a:p>
+        </p:txBody>
+      </p:sp>
+      <p:cxnSp>
+        <p:nvCxnSpPr>
+          <p:cNvPr id="42" name="Elbow Connector 41">
+            <a:extLst>
+              <a:ext uri="{FF2B5EF4-FFF2-40B4-BE49-F238E27FC236}">
+                <a16:creationId xmlns:a16="http://schemas.microsoft.com/office/drawing/2014/main" id="{9B88DFA3-BAC6-B14A-BD3A-5D77C148A88B}"/>
+              </a:ext>
+            </a:extLst>
+          </p:cNvPr>
+          <p:cNvCxnSpPr>
+            <a:cxnSpLocks/>
+            <a:stCxn id="17" idx="2"/>
+          </p:cNvCxnSpPr>
+          <p:nvPr/>
+        </p:nvCxnSpPr>
+        <p:spPr>
+          <a:xfrm rot="5400000">
+            <a:off x="5956363" y="2173548"/>
+            <a:ext cx="1589405" cy="1565741"/>
+          </a:xfrm>
+          <a:prstGeom prst="bentConnector3">
+            <a:avLst>
+              <a:gd name="adj1" fmla="val 50000"/>
+            </a:avLst>
+          </a:prstGeom>
+          <a:ln w="38100">
+            <a:solidFill>
+              <a:schemeClr val="tx1"/>
+            </a:solidFill>
+            <a:tailEnd type="triangle"/>
+          </a:ln>
+        </p:spPr>
+        <p:style>
+          <a:lnRef idx="1">
+            <a:schemeClr val="accent1"/>
+          </a:lnRef>
+          <a:fillRef idx="0">
+            <a:schemeClr val="accent1"/>
+          </a:fillRef>
+          <a:effectRef idx="0">
+            <a:schemeClr val="accent1"/>
+          </a:effectRef>
+          <a:fontRef idx="minor">
+            <a:schemeClr val="tx1"/>
+          </a:fontRef>
+        </p:style>
+      </p:cxnSp>
+      <p:sp>
+        <p:nvSpPr>
+          <p:cNvPr id="43" name="TextBox 42">
+            <a:extLst>
+              <a:ext uri="{FF2B5EF4-FFF2-40B4-BE49-F238E27FC236}">
+                <a16:creationId xmlns:a16="http://schemas.microsoft.com/office/drawing/2014/main" id="{43FFD143-CEFF-AF4A-B7C2-720850AF2FF3}"/>
+              </a:ext>
+            </a:extLst>
+          </p:cNvPr>
+          <p:cNvSpPr txBox="1"/>
+          <p:nvPr/>
+        </p:nvSpPr>
+        <p:spPr>
+          <a:xfrm>
+            <a:off x="1493948" y="1653733"/>
+            <a:ext cx="917239" cy="369332"/>
+          </a:xfrm>
+          <a:prstGeom prst="rect">
+            <a:avLst/>
+          </a:prstGeom>
+          <a:noFill/>
+        </p:spPr>
+        <p:txBody>
+          <a:bodyPr wrap="none" rtlCol="0">
+            <a:spAutoFit/>
+          </a:bodyPr>
+          <a:lstStyle/>
+          <a:p>
+            <a:r>
+              <a:rPr lang="en-US" b="1" u="sng" dirty="0"/>
+              <a:t>Sender:</a:t>
+            </a:r>
+          </a:p>
+        </p:txBody>
+      </p:sp>
+      <p:sp>
+        <p:nvSpPr>
+          <p:cNvPr id="44" name="TextBox 43">
+            <a:extLst>
+              <a:ext uri="{FF2B5EF4-FFF2-40B4-BE49-F238E27FC236}">
+                <a16:creationId xmlns:a16="http://schemas.microsoft.com/office/drawing/2014/main" id="{5019A0EE-8C7D-FE49-A231-443B63B9784C}"/>
+              </a:ext>
+            </a:extLst>
+          </p:cNvPr>
+          <p:cNvSpPr txBox="1"/>
+          <p:nvPr/>
+        </p:nvSpPr>
+        <p:spPr>
+          <a:xfrm>
+            <a:off x="1416449" y="3846772"/>
+            <a:ext cx="1062407" cy="369332"/>
+          </a:xfrm>
+          <a:prstGeom prst="rect">
+            <a:avLst/>
+          </a:prstGeom>
+          <a:noFill/>
+        </p:spPr>
+        <p:txBody>
+          <a:bodyPr wrap="none" rtlCol="0">
+            <a:spAutoFit/>
+          </a:bodyPr>
+          <a:lstStyle/>
+          <a:p>
+            <a:r>
+              <a:rPr lang="en-US" b="1" u="sng" dirty="0"/>
+              <a:t>Receiver:</a:t>
+            </a:r>
+          </a:p>
+        </p:txBody>
+      </p:sp>
+      <p:cxnSp>
+        <p:nvCxnSpPr>
+          <p:cNvPr id="59" name="直線矢印コネクタ 21">
+            <a:extLst>
+              <a:ext uri="{FF2B5EF4-FFF2-40B4-BE49-F238E27FC236}">
+                <a16:creationId xmlns:a16="http://schemas.microsoft.com/office/drawing/2014/main" id="{1195FB24-4F67-5E4E-8B54-98D3B4CDC451}"/>
+              </a:ext>
+            </a:extLst>
+          </p:cNvPr>
+          <p:cNvCxnSpPr>
+            <a:cxnSpLocks/>
+          </p:cNvCxnSpPr>
+          <p:nvPr/>
+        </p:nvCxnSpPr>
+        <p:spPr>
+          <a:xfrm>
+            <a:off x="3174427" y="4092815"/>
+            <a:ext cx="860360" cy="0"/>
+          </a:xfrm>
+          <a:prstGeom prst="straightConnector1">
+            <a:avLst/>
+          </a:prstGeom>
+          <a:ln w="38100">
+            <a:solidFill>
+              <a:schemeClr val="tx1"/>
+            </a:solidFill>
+            <a:tailEnd type="triangle"/>
+          </a:ln>
+        </p:spPr>
+        <p:style>
+          <a:lnRef idx="1">
+            <a:schemeClr val="accent1"/>
+          </a:lnRef>
+          <a:fillRef idx="0">
+            <a:schemeClr val="accent1"/>
+          </a:fillRef>
+          <a:effectRef idx="0">
+            <a:schemeClr val="accent1"/>
+          </a:effectRef>
+          <a:fontRef idx="minor">
+            <a:schemeClr val="tx1"/>
+          </a:fontRef>
+        </p:style>
+      </p:cxnSp>
+      <p:pic>
+        <p:nvPicPr>
+          <p:cNvPr id="61" name="Picture 33">
+            <a:extLst>
+              <a:ext uri="{FF2B5EF4-FFF2-40B4-BE49-F238E27FC236}">
+                <a16:creationId xmlns:a16="http://schemas.microsoft.com/office/drawing/2014/main" id="{8D1CE3B8-6974-A842-8F51-0B0C101DC2CC}"/>
+              </a:ext>
+            </a:extLst>
+          </p:cNvPr>
+          <p:cNvPicPr>
+            <a:picLocks noChangeAspect="1"/>
+          </p:cNvPicPr>
+          <p:nvPr/>
+        </p:nvPicPr>
+        <p:blipFill>
+          <a:blip r:embed="rId4"/>
+          <a:stretch>
+            <a:fillRect/>
+          </a:stretch>
+        </p:blipFill>
+        <p:spPr>
+          <a:xfrm>
+            <a:off x="2579030" y="3787423"/>
+            <a:ext cx="620968" cy="620968"/>
+          </a:xfrm>
+          <a:prstGeom prst="rect">
+            <a:avLst/>
+          </a:prstGeom>
+        </p:spPr>
+      </p:pic>
+      <p:sp>
+        <p:nvSpPr>
+          <p:cNvPr id="62" name="TextBox 45">
+            <a:extLst>
+              <a:ext uri="{FF2B5EF4-FFF2-40B4-BE49-F238E27FC236}">
+                <a16:creationId xmlns:a16="http://schemas.microsoft.com/office/drawing/2014/main" id="{5077EC4D-C7C2-3C43-8707-95C7F9158202}"/>
+              </a:ext>
+            </a:extLst>
+          </p:cNvPr>
+          <p:cNvSpPr txBox="1"/>
+          <p:nvPr/>
+        </p:nvSpPr>
+        <p:spPr>
+          <a:xfrm>
+            <a:off x="2411187" y="4379544"/>
+            <a:ext cx="956654" cy="369332"/>
+          </a:xfrm>
+          <a:prstGeom prst="rect">
+            <a:avLst/>
+          </a:prstGeom>
+          <a:noFill/>
+        </p:spPr>
+        <p:txBody>
+          <a:bodyPr wrap="square" rtlCol="0">
+            <a:spAutoFit/>
+          </a:bodyPr>
+          <a:lstStyle/>
+          <a:p>
+            <a:pPr algn="ctr"/>
+            <a:r>
+              <a:rPr lang="en-US" b="1" dirty="0"/>
+              <a:t>Data </a:t>
+            </a:r>
+            <a:r>
+              <a:rPr lang="en-US" b="1" i="1" dirty="0"/>
+              <a:t>D</a:t>
+            </a:r>
+          </a:p>
+        </p:txBody>
+      </p:sp>
+      <p:sp>
+        <p:nvSpPr>
+          <p:cNvPr id="64" name="TextBox 45">
+            <a:extLst>
+              <a:ext uri="{FF2B5EF4-FFF2-40B4-BE49-F238E27FC236}">
+                <a16:creationId xmlns:a16="http://schemas.microsoft.com/office/drawing/2014/main" id="{557B2664-3815-7547-97AF-DA77C2ABD109}"/>
+              </a:ext>
+            </a:extLst>
+          </p:cNvPr>
+          <p:cNvSpPr txBox="1"/>
+          <p:nvPr/>
+        </p:nvSpPr>
+        <p:spPr>
+          <a:xfrm>
+            <a:off x="7157803" y="3769649"/>
+            <a:ext cx="1988190" cy="646331"/>
+          </a:xfrm>
+          <a:prstGeom prst="rect">
+            <a:avLst/>
+          </a:prstGeom>
+          <a:noFill/>
+        </p:spPr>
+        <p:txBody>
+          <a:bodyPr wrap="square" rtlCol="0">
+            <a:spAutoFit/>
+          </a:bodyPr>
+          <a:lstStyle/>
+          <a:p>
+            <a:pPr algn="ctr"/>
+            <a:r>
+              <a:rPr lang="en-US" b="1" dirty="0"/>
+              <a:t>Verification result</a:t>
+            </a:r>
+          </a:p>
+          <a:p>
+            <a:pPr algn="ctr"/>
+            <a:r>
+              <a:rPr lang="en-US" b="1" dirty="0">
+                <a:solidFill>
+                  <a:srgbClr val="FF0000"/>
+                </a:solidFill>
+              </a:rPr>
+              <a:t>(True?)</a:t>
+            </a:r>
+          </a:p>
+        </p:txBody>
+      </p:sp>
+    </p:spTree>
+    <p:extLst>
+      <p:ext uri="{BB962C8B-B14F-4D97-AF65-F5344CB8AC3E}">
+        <p14:creationId xmlns:p14="http://schemas.microsoft.com/office/powerpoint/2010/main" val="2619397210"/>
+      </p:ext>
+    </p:extLst>
+  </p:cSld>
+  <p:clrMapOvr>
+    <a:masterClrMapping/>
+  </p:clrMapOvr>
+</p:sld>
+</file>
+
+<file path=ppt/slides/slide43.xml><?xml version="1.0" encoding="utf-8"?>
+<p:sld xmlns:a="http://schemas.openxmlformats.org/drawingml/2006/main" xmlns:r="http://schemas.openxmlformats.org/officeDocument/2006/relationships" xmlns:p="http://schemas.openxmlformats.org/presentationml/2006/main">
+  <p:cSld>
+    <p:spTree>
+      <p:nvGrpSpPr>
+        <p:cNvPr id="1" name=""/>
+        <p:cNvGrpSpPr/>
+        <p:nvPr/>
+      </p:nvGrpSpPr>
+      <p:grpSpPr>
+        <a:xfrm>
+          <a:off x="0" y="0"/>
+          <a:ext cx="0" cy="0"/>
+          <a:chOff x="0" y="0"/>
+          <a:chExt cx="0" cy="0"/>
+        </a:xfrm>
+      </p:grpSpPr>
+      <p:sp>
+        <p:nvSpPr>
+          <p:cNvPr id="4" name="四角形: 角を丸くする 3">
+            <a:extLst>
+              <a:ext uri="{FF2B5EF4-FFF2-40B4-BE49-F238E27FC236}">
+                <a16:creationId xmlns:a16="http://schemas.microsoft.com/office/drawing/2014/main" id="{3219DF5D-5A8D-5446-930B-97DC36D7BE7A}"/>
+              </a:ext>
+            </a:extLst>
+          </p:cNvPr>
+          <p:cNvSpPr/>
+          <p:nvPr/>
+        </p:nvSpPr>
+        <p:spPr>
+          <a:xfrm>
+            <a:off x="4034787" y="1520347"/>
+            <a:ext cx="2252865" cy="636104"/>
+          </a:xfrm>
+          <a:prstGeom prst="roundRect">
+            <a:avLst/>
+          </a:prstGeom>
+          <a:ln w="38100"/>
+        </p:spPr>
+        <p:style>
+          <a:lnRef idx="2">
+            <a:schemeClr val="accent1"/>
+          </a:lnRef>
+          <a:fillRef idx="1">
+            <a:schemeClr val="lt1"/>
+          </a:fillRef>
+          <a:effectRef idx="0">
+            <a:schemeClr val="accent1"/>
+          </a:effectRef>
+          <a:fontRef idx="minor">
+            <a:schemeClr val="dk1"/>
+          </a:fontRef>
+        </p:style>
+        <p:txBody>
+          <a:bodyPr rtlCol="0" anchor="ctr"/>
+          <a:lstStyle/>
+          <a:p>
+            <a:pPr algn="ctr"/>
+            <a:r>
+              <a:rPr kumimoji="1" lang="en-US" altLang="ja-JP" b="1" dirty="0"/>
+              <a:t>Generate Verification Info</a:t>
+            </a:r>
+          </a:p>
+        </p:txBody>
+      </p:sp>
+      <p:cxnSp>
+        <p:nvCxnSpPr>
+          <p:cNvPr id="7" name="直線矢印コネクタ 7">
+            <a:extLst>
+              <a:ext uri="{FF2B5EF4-FFF2-40B4-BE49-F238E27FC236}">
+                <a16:creationId xmlns:a16="http://schemas.microsoft.com/office/drawing/2014/main" id="{DA8F8F78-A7E3-1C4D-B3E3-79582F3D0988}"/>
+              </a:ext>
+            </a:extLst>
+          </p:cNvPr>
+          <p:cNvCxnSpPr>
+            <a:cxnSpLocks/>
+            <a:stCxn id="4" idx="3"/>
+          </p:cNvCxnSpPr>
+          <p:nvPr/>
+        </p:nvCxnSpPr>
+        <p:spPr>
+          <a:xfrm>
+            <a:off x="6287652" y="1838399"/>
+            <a:ext cx="947106" cy="0"/>
+          </a:xfrm>
+          <a:prstGeom prst="straightConnector1">
+            <a:avLst/>
+          </a:prstGeom>
+          <a:ln w="38100">
+            <a:solidFill>
+              <a:schemeClr val="tx1"/>
+            </a:solidFill>
+            <a:tailEnd type="triangle"/>
+          </a:ln>
+        </p:spPr>
+        <p:style>
+          <a:lnRef idx="1">
+            <a:schemeClr val="accent1"/>
+          </a:lnRef>
+          <a:fillRef idx="0">
+            <a:schemeClr val="accent1"/>
+          </a:fillRef>
+          <a:effectRef idx="0">
+            <a:schemeClr val="accent1"/>
+          </a:effectRef>
+          <a:fontRef idx="minor">
+            <a:schemeClr val="tx1"/>
+          </a:fontRef>
+        </p:style>
+      </p:cxnSp>
+      <p:sp>
+        <p:nvSpPr>
+          <p:cNvPr id="8" name="四角形: 角を丸くする 11">
+            <a:extLst>
+              <a:ext uri="{FF2B5EF4-FFF2-40B4-BE49-F238E27FC236}">
+                <a16:creationId xmlns:a16="http://schemas.microsoft.com/office/drawing/2014/main" id="{BB46FE6A-B3D0-9041-9A56-161FFF4F6A4D}"/>
+              </a:ext>
+            </a:extLst>
+          </p:cNvPr>
+          <p:cNvSpPr/>
+          <p:nvPr/>
+        </p:nvSpPr>
+        <p:spPr>
+          <a:xfrm>
+            <a:off x="4185152" y="4584648"/>
+            <a:ext cx="2252865" cy="869905"/>
+          </a:xfrm>
+          <a:prstGeom prst="roundRect">
+            <a:avLst/>
+          </a:prstGeom>
+          <a:ln w="38100"/>
+        </p:spPr>
+        <p:style>
+          <a:lnRef idx="2">
+            <a:schemeClr val="accent1"/>
+          </a:lnRef>
+          <a:fillRef idx="1">
+            <a:schemeClr val="lt1"/>
+          </a:fillRef>
+          <a:effectRef idx="0">
+            <a:schemeClr val="accent1"/>
+          </a:effectRef>
+          <a:fontRef idx="minor">
+            <a:schemeClr val="dk1"/>
+          </a:fontRef>
+        </p:style>
+        <p:txBody>
+          <a:bodyPr rtlCol="0" anchor="ctr"/>
+          <a:lstStyle/>
+          <a:p>
+            <a:pPr algn="ctr"/>
+            <a:r>
+              <a:rPr kumimoji="1" lang="en-US" altLang="ja-JP" b="1" dirty="0"/>
+              <a:t>Verification</a:t>
+            </a:r>
+          </a:p>
+          <a:p>
+            <a:pPr algn="ctr"/>
+            <a:r>
+              <a:rPr kumimoji="1" lang="en-US" altLang="ja-JP" sz="1600" b="1" dirty="0"/>
+              <a:t>(Was </a:t>
+            </a:r>
+            <a:r>
+              <a:rPr kumimoji="1" lang="en-US" altLang="ja-JP" sz="1600" b="1" i="1" dirty="0"/>
+              <a:t>D</a:t>
+            </a:r>
+            <a:r>
+              <a:rPr kumimoji="1" lang="en-US" altLang="ja-JP" sz="1600" b="1" dirty="0"/>
+              <a:t> correctly sent from the sender?)</a:t>
+            </a:r>
+          </a:p>
+        </p:txBody>
+      </p:sp>
+      <p:cxnSp>
+        <p:nvCxnSpPr>
+          <p:cNvPr id="13" name="直線矢印コネクタ 19">
+            <a:extLst>
+              <a:ext uri="{FF2B5EF4-FFF2-40B4-BE49-F238E27FC236}">
+                <a16:creationId xmlns:a16="http://schemas.microsoft.com/office/drawing/2014/main" id="{E90E4ADF-E4F5-4645-A3DB-361F7C4E02DD}"/>
+              </a:ext>
+            </a:extLst>
+          </p:cNvPr>
+          <p:cNvCxnSpPr>
+            <a:cxnSpLocks/>
+            <a:endCxn id="4" idx="1"/>
+          </p:cNvCxnSpPr>
+          <p:nvPr/>
+        </p:nvCxnSpPr>
+        <p:spPr>
+          <a:xfrm>
+            <a:off x="3192695" y="1838399"/>
+            <a:ext cx="842092" cy="0"/>
+          </a:xfrm>
+          <a:prstGeom prst="straightConnector1">
+            <a:avLst/>
+          </a:prstGeom>
+          <a:ln w="38100">
+            <a:solidFill>
+              <a:schemeClr val="tx1"/>
+            </a:solidFill>
+            <a:tailEnd type="triangle"/>
+          </a:ln>
+        </p:spPr>
+        <p:style>
+          <a:lnRef idx="1">
+            <a:schemeClr val="accent1"/>
+          </a:lnRef>
+          <a:fillRef idx="0">
+            <a:schemeClr val="accent1"/>
+          </a:fillRef>
+          <a:effectRef idx="0">
+            <a:schemeClr val="accent1"/>
+          </a:effectRef>
+          <a:fontRef idx="minor">
+            <a:schemeClr val="tx1"/>
+          </a:fontRef>
+        </p:style>
+      </p:cxnSp>
+      <p:cxnSp>
+        <p:nvCxnSpPr>
+          <p:cNvPr id="14" name="直線矢印コネクタ 21">
+            <a:extLst>
+              <a:ext uri="{FF2B5EF4-FFF2-40B4-BE49-F238E27FC236}">
+                <a16:creationId xmlns:a16="http://schemas.microsoft.com/office/drawing/2014/main" id="{790E83E6-A55D-9547-8242-ACAF16FAD155}"/>
+              </a:ext>
+            </a:extLst>
+          </p:cNvPr>
+          <p:cNvCxnSpPr>
+            <a:cxnSpLocks/>
+            <a:stCxn id="8" idx="3"/>
+            <a:endCxn id="18" idx="1"/>
+          </p:cNvCxnSpPr>
+          <p:nvPr/>
+        </p:nvCxnSpPr>
+        <p:spPr>
+          <a:xfrm>
+            <a:off x="6438017" y="5019601"/>
+            <a:ext cx="1014730" cy="477"/>
+          </a:xfrm>
+          <a:prstGeom prst="straightConnector1">
+            <a:avLst/>
+          </a:prstGeom>
+          <a:ln w="38100">
+            <a:solidFill>
+              <a:schemeClr val="tx1"/>
+            </a:solidFill>
+            <a:tailEnd type="triangle"/>
+          </a:ln>
+        </p:spPr>
+        <p:style>
+          <a:lnRef idx="1">
+            <a:schemeClr val="accent1"/>
+          </a:lnRef>
+          <a:fillRef idx="0">
+            <a:schemeClr val="accent1"/>
+          </a:fillRef>
+          <a:effectRef idx="0">
+            <a:schemeClr val="accent1"/>
+          </a:effectRef>
+          <a:fontRef idx="minor">
+            <a:schemeClr val="tx1"/>
+          </a:fontRef>
+        </p:style>
+      </p:cxnSp>
+      <p:pic>
+        <p:nvPicPr>
+          <p:cNvPr id="16" name="Picture 33">
+            <a:extLst>
+              <a:ext uri="{FF2B5EF4-FFF2-40B4-BE49-F238E27FC236}">
+                <a16:creationId xmlns:a16="http://schemas.microsoft.com/office/drawing/2014/main" id="{99E238BB-BDDC-1749-9D40-EAAC7B3C41EC}"/>
+              </a:ext>
+            </a:extLst>
+          </p:cNvPr>
+          <p:cNvPicPr>
+            <a:picLocks noChangeAspect="1"/>
+          </p:cNvPicPr>
+          <p:nvPr/>
+        </p:nvPicPr>
+        <p:blipFill>
+          <a:blip r:embed="rId2"/>
+          <a:stretch>
+            <a:fillRect/>
+          </a:stretch>
+        </p:blipFill>
+        <p:spPr>
+          <a:xfrm>
+            <a:off x="2553459" y="1517004"/>
+            <a:ext cx="620968" cy="620968"/>
+          </a:xfrm>
+          <a:prstGeom prst="rect">
+            <a:avLst/>
+          </a:prstGeom>
+        </p:spPr>
+      </p:pic>
+      <p:sp>
+        <p:nvSpPr>
+          <p:cNvPr id="19" name="TextBox 45">
+            <a:extLst>
+              <a:ext uri="{FF2B5EF4-FFF2-40B4-BE49-F238E27FC236}">
+                <a16:creationId xmlns:a16="http://schemas.microsoft.com/office/drawing/2014/main" id="{F3B06E01-A7CE-1947-89FD-EEC01D6F5B6A}"/>
+              </a:ext>
+            </a:extLst>
+          </p:cNvPr>
+          <p:cNvSpPr txBox="1"/>
+          <p:nvPr/>
+        </p:nvSpPr>
+        <p:spPr>
+          <a:xfrm>
+            <a:off x="2385616" y="2109125"/>
+            <a:ext cx="956654" cy="369332"/>
+          </a:xfrm>
+          <a:prstGeom prst="rect">
+            <a:avLst/>
+          </a:prstGeom>
+          <a:noFill/>
+        </p:spPr>
+        <p:txBody>
+          <a:bodyPr wrap="square" rtlCol="0">
+            <a:spAutoFit/>
+          </a:bodyPr>
+          <a:lstStyle/>
+          <a:p>
+            <a:pPr algn="ctr"/>
+            <a:r>
+              <a:rPr lang="en-US" b="1" dirty="0"/>
+              <a:t>Data </a:t>
+            </a:r>
+            <a:r>
+              <a:rPr lang="en-US" b="1" i="1" dirty="0"/>
+              <a:t>D</a:t>
+            </a:r>
+          </a:p>
+        </p:txBody>
+      </p:sp>
+      <p:sp>
+        <p:nvSpPr>
+          <p:cNvPr id="20" name="TextBox 45">
+            <a:extLst>
+              <a:ext uri="{FF2B5EF4-FFF2-40B4-BE49-F238E27FC236}">
+                <a16:creationId xmlns:a16="http://schemas.microsoft.com/office/drawing/2014/main" id="{8F96BDCD-17CC-E240-89C6-DCEAC8F8E356}"/>
+              </a:ext>
+            </a:extLst>
+          </p:cNvPr>
+          <p:cNvSpPr txBox="1"/>
+          <p:nvPr/>
+        </p:nvSpPr>
+        <p:spPr>
+          <a:xfrm>
+            <a:off x="6647381" y="2109125"/>
+            <a:ext cx="1988190" cy="646331"/>
+          </a:xfrm>
+          <a:prstGeom prst="rect">
+            <a:avLst/>
+          </a:prstGeom>
+          <a:noFill/>
+        </p:spPr>
+        <p:txBody>
+          <a:bodyPr wrap="square" rtlCol="0">
+            <a:spAutoFit/>
+          </a:bodyPr>
+          <a:lstStyle/>
+          <a:p>
+            <a:pPr algn="ctr"/>
+            <a:r>
+              <a:rPr lang="en-US" b="1" dirty="0"/>
+              <a:t>Verification Info</a:t>
+            </a:r>
+          </a:p>
+          <a:p>
+            <a:pPr algn="ctr"/>
+            <a:r>
+              <a:rPr lang="en-US" b="1" dirty="0"/>
+              <a:t>(MAC/Signature)</a:t>
+            </a:r>
+            <a:endParaRPr lang="en-US" b="1" i="1" dirty="0"/>
+          </a:p>
+        </p:txBody>
+      </p:sp>
+      <p:pic>
+        <p:nvPicPr>
+          <p:cNvPr id="39" name="Picture 33">
+            <a:extLst>
+              <a:ext uri="{FF2B5EF4-FFF2-40B4-BE49-F238E27FC236}">
+                <a16:creationId xmlns:a16="http://schemas.microsoft.com/office/drawing/2014/main" id="{1E31E75F-9D94-3F41-89E1-5BB2A26467CC}"/>
+              </a:ext>
+            </a:extLst>
+          </p:cNvPr>
+          <p:cNvPicPr>
+            <a:picLocks noChangeAspect="1"/>
+          </p:cNvPicPr>
+          <p:nvPr/>
+        </p:nvPicPr>
+        <p:blipFill>
+          <a:blip r:embed="rId2"/>
+          <a:stretch>
+            <a:fillRect/>
+          </a:stretch>
+        </p:blipFill>
+        <p:spPr>
+          <a:xfrm>
+            <a:off x="2589241" y="3645235"/>
+            <a:ext cx="620968" cy="620968"/>
+          </a:xfrm>
+          <a:prstGeom prst="rect">
+            <a:avLst/>
+          </a:prstGeom>
+        </p:spPr>
+      </p:pic>
+      <p:sp>
+        <p:nvSpPr>
+          <p:cNvPr id="40" name="TextBox 45">
+            <a:extLst>
+              <a:ext uri="{FF2B5EF4-FFF2-40B4-BE49-F238E27FC236}">
+                <a16:creationId xmlns:a16="http://schemas.microsoft.com/office/drawing/2014/main" id="{44AB43F1-CC39-B64C-9E23-8518AA89C76D}"/>
+              </a:ext>
+            </a:extLst>
+          </p:cNvPr>
+          <p:cNvSpPr txBox="1"/>
+          <p:nvPr/>
+        </p:nvSpPr>
+        <p:spPr>
+          <a:xfrm>
+            <a:off x="2424367" y="4215325"/>
+            <a:ext cx="956654" cy="369332"/>
+          </a:xfrm>
+          <a:prstGeom prst="rect">
+            <a:avLst/>
+          </a:prstGeom>
+          <a:noFill/>
+        </p:spPr>
+        <p:txBody>
+          <a:bodyPr wrap="square" rtlCol="0">
+            <a:spAutoFit/>
+          </a:bodyPr>
+          <a:lstStyle/>
+          <a:p>
+            <a:pPr algn="ctr"/>
+            <a:r>
+              <a:rPr lang="en-US" b="1" dirty="0"/>
+              <a:t>Data </a:t>
+            </a:r>
+            <a:r>
+              <a:rPr lang="en-US" b="1" i="1" dirty="0"/>
+              <a:t>D</a:t>
+            </a:r>
+          </a:p>
+        </p:txBody>
+      </p:sp>
+      <p:sp>
+        <p:nvSpPr>
+          <p:cNvPr id="43" name="TextBox 42">
+            <a:extLst>
+              <a:ext uri="{FF2B5EF4-FFF2-40B4-BE49-F238E27FC236}">
+                <a16:creationId xmlns:a16="http://schemas.microsoft.com/office/drawing/2014/main" id="{43FFD143-CEFF-AF4A-B7C2-720850AF2FF3}"/>
+              </a:ext>
+            </a:extLst>
+          </p:cNvPr>
+          <p:cNvSpPr txBox="1"/>
+          <p:nvPr/>
+        </p:nvSpPr>
+        <p:spPr>
+          <a:xfrm>
+            <a:off x="1493948" y="1653733"/>
+            <a:ext cx="917239" cy="369332"/>
+          </a:xfrm>
+          <a:prstGeom prst="rect">
+            <a:avLst/>
+          </a:prstGeom>
+          <a:noFill/>
+        </p:spPr>
+        <p:txBody>
+          <a:bodyPr wrap="none" rtlCol="0">
+            <a:spAutoFit/>
+          </a:bodyPr>
+          <a:lstStyle/>
+          <a:p>
+            <a:r>
+              <a:rPr lang="en-US" b="1" u="sng" dirty="0"/>
+              <a:t>Sender:</a:t>
+            </a:r>
+          </a:p>
+        </p:txBody>
+      </p:sp>
+      <p:sp>
+        <p:nvSpPr>
+          <p:cNvPr id="44" name="TextBox 43">
+            <a:extLst>
+              <a:ext uri="{FF2B5EF4-FFF2-40B4-BE49-F238E27FC236}">
+                <a16:creationId xmlns:a16="http://schemas.microsoft.com/office/drawing/2014/main" id="{5019A0EE-8C7D-FE49-A231-443B63B9784C}"/>
+              </a:ext>
+            </a:extLst>
+          </p:cNvPr>
+          <p:cNvSpPr txBox="1"/>
+          <p:nvPr/>
+        </p:nvSpPr>
+        <p:spPr>
+          <a:xfrm>
+            <a:off x="1310688" y="4426054"/>
+            <a:ext cx="1062407" cy="369332"/>
+          </a:xfrm>
+          <a:prstGeom prst="rect">
+            <a:avLst/>
+          </a:prstGeom>
+          <a:noFill/>
+        </p:spPr>
+        <p:txBody>
+          <a:bodyPr wrap="none" rtlCol="0">
+            <a:spAutoFit/>
+          </a:bodyPr>
+          <a:lstStyle/>
+          <a:p>
+            <a:r>
+              <a:rPr lang="en-US" b="1" u="sng" dirty="0"/>
+              <a:t>Receiver:</a:t>
+            </a:r>
+          </a:p>
+        </p:txBody>
+      </p:sp>
+      <p:pic>
+        <p:nvPicPr>
+          <p:cNvPr id="24" name="Picture 23">
+            <a:extLst>
+              <a:ext uri="{FF2B5EF4-FFF2-40B4-BE49-F238E27FC236}">
+                <a16:creationId xmlns:a16="http://schemas.microsoft.com/office/drawing/2014/main" id="{1707E48D-85A6-D542-B432-41D2A39FF623}"/>
+              </a:ext>
+            </a:extLst>
+          </p:cNvPr>
+          <p:cNvPicPr>
+            <a:picLocks noChangeAspect="1"/>
+          </p:cNvPicPr>
+          <p:nvPr/>
+        </p:nvPicPr>
+        <p:blipFill>
+          <a:blip r:embed="rId3"/>
+          <a:stretch>
+            <a:fillRect/>
+          </a:stretch>
+        </p:blipFill>
+        <p:spPr>
+          <a:xfrm>
+            <a:off x="7234758" y="1471039"/>
+            <a:ext cx="486066" cy="712897"/>
+          </a:xfrm>
+          <a:prstGeom prst="rect">
+            <a:avLst/>
+          </a:prstGeom>
+        </p:spPr>
+      </p:pic>
+      <p:pic>
+        <p:nvPicPr>
+          <p:cNvPr id="26" name="Picture 25">
+            <a:extLst>
+              <a:ext uri="{FF2B5EF4-FFF2-40B4-BE49-F238E27FC236}">
+                <a16:creationId xmlns:a16="http://schemas.microsoft.com/office/drawing/2014/main" id="{729EB456-DA99-A34C-9531-244FD82EC526}"/>
+              </a:ext>
+            </a:extLst>
+          </p:cNvPr>
+          <p:cNvPicPr>
+            <a:picLocks noChangeAspect="1"/>
+          </p:cNvPicPr>
+          <p:nvPr/>
+        </p:nvPicPr>
+        <p:blipFill>
+          <a:blip r:embed="rId3"/>
+          <a:stretch>
+            <a:fillRect/>
+          </a:stretch>
+        </p:blipFill>
+        <p:spPr>
+          <a:xfrm>
+            <a:off x="2636772" y="4757391"/>
+            <a:ext cx="486066" cy="712897"/>
+          </a:xfrm>
+          <a:prstGeom prst="rect">
+            <a:avLst/>
+          </a:prstGeom>
+        </p:spPr>
+      </p:pic>
+      <p:sp>
+        <p:nvSpPr>
+          <p:cNvPr id="27" name="TextBox 45">
+            <a:extLst>
+              <a:ext uri="{FF2B5EF4-FFF2-40B4-BE49-F238E27FC236}">
+                <a16:creationId xmlns:a16="http://schemas.microsoft.com/office/drawing/2014/main" id="{B028E170-8E5A-9E4F-980E-D6D223746933}"/>
+              </a:ext>
+            </a:extLst>
+          </p:cNvPr>
+          <p:cNvSpPr txBox="1"/>
+          <p:nvPr/>
+        </p:nvSpPr>
+        <p:spPr>
+          <a:xfrm>
+            <a:off x="2141955" y="5470288"/>
+            <a:ext cx="1469453" cy="646331"/>
+          </a:xfrm>
+          <a:prstGeom prst="rect">
+            <a:avLst/>
+          </a:prstGeom>
+          <a:noFill/>
+        </p:spPr>
+        <p:txBody>
+          <a:bodyPr wrap="square" rtlCol="0">
+            <a:spAutoFit/>
+          </a:bodyPr>
+          <a:lstStyle/>
+          <a:p>
+            <a:pPr algn="ctr"/>
+            <a:r>
+              <a:rPr lang="en-US" b="1" dirty="0"/>
+              <a:t>Verification</a:t>
+            </a:r>
+          </a:p>
+          <a:p>
+            <a:pPr algn="ctr"/>
+            <a:r>
+              <a:rPr lang="en-US" b="1" dirty="0"/>
+              <a:t>Info</a:t>
+            </a:r>
+            <a:endParaRPr lang="en-US" b="1" i="1" dirty="0"/>
+          </a:p>
+        </p:txBody>
+      </p:sp>
+      <p:cxnSp>
+        <p:nvCxnSpPr>
+          <p:cNvPr id="28" name="直線矢印コネクタ 19">
+            <a:extLst>
+              <a:ext uri="{FF2B5EF4-FFF2-40B4-BE49-F238E27FC236}">
+                <a16:creationId xmlns:a16="http://schemas.microsoft.com/office/drawing/2014/main" id="{2F7F92F0-1F16-3C47-A13F-341F9E97C1DD}"/>
+              </a:ext>
+            </a:extLst>
+          </p:cNvPr>
+          <p:cNvCxnSpPr>
+            <a:cxnSpLocks/>
+          </p:cNvCxnSpPr>
+          <p:nvPr/>
+        </p:nvCxnSpPr>
+        <p:spPr>
+          <a:xfrm>
+            <a:off x="3343060" y="5000294"/>
+            <a:ext cx="842092" cy="0"/>
+          </a:xfrm>
+          <a:prstGeom prst="straightConnector1">
+            <a:avLst/>
+          </a:prstGeom>
+          <a:ln w="38100">
+            <a:solidFill>
+              <a:schemeClr val="tx1"/>
+            </a:solidFill>
+            <a:tailEnd type="triangle"/>
+          </a:ln>
+        </p:spPr>
+        <p:style>
+          <a:lnRef idx="1">
+            <a:schemeClr val="accent1"/>
+          </a:lnRef>
+          <a:fillRef idx="0">
+            <a:schemeClr val="accent1"/>
+          </a:fillRef>
+          <a:effectRef idx="0">
+            <a:schemeClr val="accent1"/>
+          </a:effectRef>
+          <a:fontRef idx="minor">
+            <a:schemeClr val="tx1"/>
+          </a:fontRef>
+        </p:style>
+      </p:cxnSp>
+      <p:sp>
+        <p:nvSpPr>
+          <p:cNvPr id="18" name="TextBox 17">
+            <a:extLst>
+              <a:ext uri="{FF2B5EF4-FFF2-40B4-BE49-F238E27FC236}">
+                <a16:creationId xmlns:a16="http://schemas.microsoft.com/office/drawing/2014/main" id="{4E986DB4-031C-A247-9D98-09AC7B945959}"/>
+              </a:ext>
+            </a:extLst>
+          </p:cNvPr>
+          <p:cNvSpPr txBox="1"/>
+          <p:nvPr/>
+        </p:nvSpPr>
+        <p:spPr>
+          <a:xfrm>
+            <a:off x="7452747" y="4835412"/>
+            <a:ext cx="1182824" cy="369332"/>
+          </a:xfrm>
+          <a:prstGeom prst="rect">
+            <a:avLst/>
+          </a:prstGeom>
+          <a:noFill/>
+        </p:spPr>
+        <p:txBody>
+          <a:bodyPr wrap="none" rtlCol="0">
+            <a:spAutoFit/>
+          </a:bodyPr>
+          <a:lstStyle/>
+          <a:p>
+            <a:r>
+              <a:rPr lang="en-US" b="1" dirty="0"/>
+              <a:t>True/False</a:t>
+            </a:r>
+          </a:p>
+        </p:txBody>
+      </p:sp>
+    </p:spTree>
+    <p:extLst>
+      <p:ext uri="{BB962C8B-B14F-4D97-AF65-F5344CB8AC3E}">
+        <p14:creationId xmlns:p14="http://schemas.microsoft.com/office/powerpoint/2010/main" val="3749426606"/>
       </p:ext>
     </p:extLst>
   </p:cSld>

--- a/images.pptx
+++ b/images.pptx
@@ -239,7 +239,7 @@
           <a:p>
             <a:fld id="{7CEEDDC0-DF20-AC46-B752-4D05A37D4059}" type="datetimeFigureOut">
               <a:rPr lang="en-US" smtClean="0"/>
-              <a:t>10/4/19</a:t>
+              <a:t>10/9/19</a:t>
             </a:fld>
             <a:endParaRPr lang="en-US"/>
           </a:p>
@@ -1157,7 +1157,7 @@
           <a:p>
             <a:fld id="{ABB50B84-C221-BA49-B172-B6D4747B1BA4}" type="datetimeFigureOut">
               <a:rPr lang="en-US" smtClean="0"/>
-              <a:t>10/4/19</a:t>
+              <a:t>10/9/19</a:t>
             </a:fld>
             <a:endParaRPr lang="en-US"/>
           </a:p>
@@ -1355,7 +1355,7 @@
           <a:p>
             <a:fld id="{ABB50B84-C221-BA49-B172-B6D4747B1BA4}" type="datetimeFigureOut">
               <a:rPr lang="en-US" smtClean="0"/>
-              <a:t>10/4/19</a:t>
+              <a:t>10/9/19</a:t>
             </a:fld>
             <a:endParaRPr lang="en-US"/>
           </a:p>
@@ -1563,7 +1563,7 @@
           <a:p>
             <a:fld id="{ABB50B84-C221-BA49-B172-B6D4747B1BA4}" type="datetimeFigureOut">
               <a:rPr lang="en-US" smtClean="0"/>
-              <a:t>10/4/19</a:t>
+              <a:t>10/9/19</a:t>
             </a:fld>
             <a:endParaRPr lang="en-US"/>
           </a:p>
@@ -1761,7 +1761,7 @@
           <a:p>
             <a:fld id="{ABB50B84-C221-BA49-B172-B6D4747B1BA4}" type="datetimeFigureOut">
               <a:rPr lang="en-US" smtClean="0"/>
-              <a:t>10/4/19</a:t>
+              <a:t>10/9/19</a:t>
             </a:fld>
             <a:endParaRPr lang="en-US"/>
           </a:p>
@@ -2036,7 +2036,7 @@
           <a:p>
             <a:fld id="{ABB50B84-C221-BA49-B172-B6D4747B1BA4}" type="datetimeFigureOut">
               <a:rPr lang="en-US" smtClean="0"/>
-              <a:t>10/4/19</a:t>
+              <a:t>10/9/19</a:t>
             </a:fld>
             <a:endParaRPr lang="en-US"/>
           </a:p>
@@ -2301,7 +2301,7 @@
           <a:p>
             <a:fld id="{ABB50B84-C221-BA49-B172-B6D4747B1BA4}" type="datetimeFigureOut">
               <a:rPr lang="en-US" smtClean="0"/>
-              <a:t>10/4/19</a:t>
+              <a:t>10/9/19</a:t>
             </a:fld>
             <a:endParaRPr lang="en-US"/>
           </a:p>
@@ -2713,7 +2713,7 @@
           <a:p>
             <a:fld id="{ABB50B84-C221-BA49-B172-B6D4747B1BA4}" type="datetimeFigureOut">
               <a:rPr lang="en-US" smtClean="0"/>
-              <a:t>10/4/19</a:t>
+              <a:t>10/9/19</a:t>
             </a:fld>
             <a:endParaRPr lang="en-US"/>
           </a:p>
@@ -2854,7 +2854,7 @@
           <a:p>
             <a:fld id="{ABB50B84-C221-BA49-B172-B6D4747B1BA4}" type="datetimeFigureOut">
               <a:rPr lang="en-US" smtClean="0"/>
-              <a:t>10/4/19</a:t>
+              <a:t>10/9/19</a:t>
             </a:fld>
             <a:endParaRPr lang="en-US"/>
           </a:p>
@@ -2967,7 +2967,7 @@
           <a:p>
             <a:fld id="{ABB50B84-C221-BA49-B172-B6D4747B1BA4}" type="datetimeFigureOut">
               <a:rPr lang="en-US" smtClean="0"/>
-              <a:t>10/4/19</a:t>
+              <a:t>10/9/19</a:t>
             </a:fld>
             <a:endParaRPr lang="en-US"/>
           </a:p>
@@ -3278,7 +3278,7 @@
           <a:p>
             <a:fld id="{ABB50B84-C221-BA49-B172-B6D4747B1BA4}" type="datetimeFigureOut">
               <a:rPr lang="en-US" smtClean="0"/>
-              <a:t>10/4/19</a:t>
+              <a:t>10/9/19</a:t>
             </a:fld>
             <a:endParaRPr lang="en-US"/>
           </a:p>
@@ -3566,7 +3566,7 @@
           <a:p>
             <a:fld id="{ABB50B84-C221-BA49-B172-B6D4747B1BA4}" type="datetimeFigureOut">
               <a:rPr lang="en-US" smtClean="0"/>
-              <a:t>10/4/19</a:t>
+              <a:t>10/9/19</a:t>
             </a:fld>
             <a:endParaRPr lang="en-US"/>
           </a:p>
@@ -3807,7 +3807,7 @@
           <a:p>
             <a:fld id="{ABB50B84-C221-BA49-B172-B6D4747B1BA4}" type="datetimeFigureOut">
               <a:rPr lang="en-US" smtClean="0"/>
-              <a:t>10/4/19</a:t>
+              <a:t>10/9/19</a:t>
             </a:fld>
             <a:endParaRPr lang="en-US"/>
           </a:p>
@@ -39772,7 +39772,7 @@
             <a:pPr algn="ctr"/>
             <a:r>
               <a:rPr kumimoji="1" lang="en-US" altLang="ja-JP" b="1" dirty="0"/>
-              <a:t>Verification</a:t>
+              <a:t>Verify</a:t>
             </a:r>
           </a:p>
         </p:txBody>
@@ -40202,9 +40202,9 @@
           <p:nvPr/>
         </p:nvCxnSpPr>
         <p:spPr>
-          <a:xfrm rot="5400000">
-            <a:off x="5956363" y="2173548"/>
-            <a:ext cx="1589405" cy="1565741"/>
+          <a:xfrm rot="16200000" flipH="1">
+            <a:off x="7128893" y="2566757"/>
+            <a:ext cx="810084" cy="1"/>
           </a:xfrm>
           <a:prstGeom prst="bentConnector3">
             <a:avLst>

--- a/images.pptx
+++ b/images.pptx
@@ -239,7 +239,7 @@
           <a:p>
             <a:fld id="{7CEEDDC0-DF20-AC46-B752-4D05A37D4059}" type="datetimeFigureOut">
               <a:rPr lang="en-US" smtClean="0"/>
-              <a:t>10/9/19</a:t>
+              <a:t>10/15/19</a:t>
             </a:fld>
             <a:endParaRPr lang="en-US"/>
           </a:p>
@@ -1157,7 +1157,7 @@
           <a:p>
             <a:fld id="{ABB50B84-C221-BA49-B172-B6D4747B1BA4}" type="datetimeFigureOut">
               <a:rPr lang="en-US" smtClean="0"/>
-              <a:t>10/9/19</a:t>
+              <a:t>10/15/19</a:t>
             </a:fld>
             <a:endParaRPr lang="en-US"/>
           </a:p>
@@ -1355,7 +1355,7 @@
           <a:p>
             <a:fld id="{ABB50B84-C221-BA49-B172-B6D4747B1BA4}" type="datetimeFigureOut">
               <a:rPr lang="en-US" smtClean="0"/>
-              <a:t>10/9/19</a:t>
+              <a:t>10/15/19</a:t>
             </a:fld>
             <a:endParaRPr lang="en-US"/>
           </a:p>
@@ -1563,7 +1563,7 @@
           <a:p>
             <a:fld id="{ABB50B84-C221-BA49-B172-B6D4747B1BA4}" type="datetimeFigureOut">
               <a:rPr lang="en-US" smtClean="0"/>
-              <a:t>10/9/19</a:t>
+              <a:t>10/15/19</a:t>
             </a:fld>
             <a:endParaRPr lang="en-US"/>
           </a:p>
@@ -1761,7 +1761,7 @@
           <a:p>
             <a:fld id="{ABB50B84-C221-BA49-B172-B6D4747B1BA4}" type="datetimeFigureOut">
               <a:rPr lang="en-US" smtClean="0"/>
-              <a:t>10/9/19</a:t>
+              <a:t>10/15/19</a:t>
             </a:fld>
             <a:endParaRPr lang="en-US"/>
           </a:p>
@@ -2036,7 +2036,7 @@
           <a:p>
             <a:fld id="{ABB50B84-C221-BA49-B172-B6D4747B1BA4}" type="datetimeFigureOut">
               <a:rPr lang="en-US" smtClean="0"/>
-              <a:t>10/9/19</a:t>
+              <a:t>10/15/19</a:t>
             </a:fld>
             <a:endParaRPr lang="en-US"/>
           </a:p>
@@ -2301,7 +2301,7 @@
           <a:p>
             <a:fld id="{ABB50B84-C221-BA49-B172-B6D4747B1BA4}" type="datetimeFigureOut">
               <a:rPr lang="en-US" smtClean="0"/>
-              <a:t>10/9/19</a:t>
+              <a:t>10/15/19</a:t>
             </a:fld>
             <a:endParaRPr lang="en-US"/>
           </a:p>
@@ -2713,7 +2713,7 @@
           <a:p>
             <a:fld id="{ABB50B84-C221-BA49-B172-B6D4747B1BA4}" type="datetimeFigureOut">
               <a:rPr lang="en-US" smtClean="0"/>
-              <a:t>10/9/19</a:t>
+              <a:t>10/15/19</a:t>
             </a:fld>
             <a:endParaRPr lang="en-US"/>
           </a:p>
@@ -2854,7 +2854,7 @@
           <a:p>
             <a:fld id="{ABB50B84-C221-BA49-B172-B6D4747B1BA4}" type="datetimeFigureOut">
               <a:rPr lang="en-US" smtClean="0"/>
-              <a:t>10/9/19</a:t>
+              <a:t>10/15/19</a:t>
             </a:fld>
             <a:endParaRPr lang="en-US"/>
           </a:p>
@@ -2967,7 +2967,7 @@
           <a:p>
             <a:fld id="{ABB50B84-C221-BA49-B172-B6D4747B1BA4}" type="datetimeFigureOut">
               <a:rPr lang="en-US" smtClean="0"/>
-              <a:t>10/9/19</a:t>
+              <a:t>10/15/19</a:t>
             </a:fld>
             <a:endParaRPr lang="en-US"/>
           </a:p>
@@ -3278,7 +3278,7 @@
           <a:p>
             <a:fld id="{ABB50B84-C221-BA49-B172-B6D4747B1BA4}" type="datetimeFigureOut">
               <a:rPr lang="en-US" smtClean="0"/>
-              <a:t>10/9/19</a:t>
+              <a:t>10/15/19</a:t>
             </a:fld>
             <a:endParaRPr lang="en-US"/>
           </a:p>
@@ -3566,7 +3566,7 @@
           <a:p>
             <a:fld id="{ABB50B84-C221-BA49-B172-B6D4747B1BA4}" type="datetimeFigureOut">
               <a:rPr lang="en-US" smtClean="0"/>
-              <a:t>10/9/19</a:t>
+              <a:t>10/15/19</a:t>
             </a:fld>
             <a:endParaRPr lang="en-US"/>
           </a:p>
@@ -3807,7 +3807,7 @@
           <a:p>
             <a:fld id="{ABB50B84-C221-BA49-B172-B6D4747B1BA4}" type="datetimeFigureOut">
               <a:rPr lang="en-US" smtClean="0"/>
-              <a:t>10/9/19</a:t>
+              <a:t>10/15/19</a:t>
             </a:fld>
             <a:endParaRPr lang="en-US"/>
           </a:p>
@@ -39743,7 +39743,7 @@
         </p:nvSpPr>
         <p:spPr>
           <a:xfrm>
-            <a:off x="4062496" y="3751119"/>
+            <a:off x="4028270" y="4082621"/>
             <a:ext cx="2252865" cy="636104"/>
           </a:xfrm>
           <a:prstGeom prst="roundRect">
@@ -39821,8 +39821,8 @@
         </p:nvSpPr>
         <p:spPr>
           <a:xfrm>
-            <a:off x="3342271" y="3187222"/>
-            <a:ext cx="1469192" cy="369332"/>
+            <a:off x="4028270" y="3392251"/>
+            <a:ext cx="1469192" cy="646331"/>
           </a:xfrm>
           <a:prstGeom prst="rect">
             <a:avLst/>
@@ -39835,6 +39835,21 @@
           </a:bodyPr>
           <a:lstStyle/>
           <a:p>
+            <a:r>
+              <a:rPr lang="en-US" b="1" dirty="0">
+                <a:solidFill>
+                  <a:srgbClr val="0070C0"/>
+                </a:solidFill>
+              </a:rPr>
+              <a:t>Sender’s</a:t>
+            </a:r>
+            <a:br>
+              <a:rPr lang="en-US" b="1" dirty="0">
+                <a:solidFill>
+                  <a:srgbClr val="0070C0"/>
+                </a:solidFill>
+              </a:rPr>
+            </a:br>
             <a:r>
               <a:rPr lang="en-US" b="1" dirty="0">
                 <a:solidFill>
@@ -39868,7 +39883,7 @@
         </p:blipFill>
         <p:spPr>
           <a:xfrm rot="2294599">
-            <a:off x="4529264" y="3260291"/>
+            <a:off x="5215263" y="3611026"/>
             <a:ext cx="572052" cy="296108"/>
           </a:xfrm>
           <a:prstGeom prst="rect">
@@ -39890,8 +39905,8 @@
         </p:nvSpPr>
         <p:spPr>
           <a:xfrm>
-            <a:off x="3938640" y="933789"/>
-            <a:ext cx="1394582" cy="369332"/>
+            <a:off x="3990949" y="744254"/>
+            <a:ext cx="1394582" cy="646331"/>
           </a:xfrm>
           <a:prstGeom prst="rect">
             <a:avLst/>
@@ -39903,6 +39918,16 @@
             <a:spAutoFit/>
           </a:bodyPr>
           <a:lstStyle/>
+          <a:p>
+            <a:r>
+              <a:rPr lang="en-US" b="1" dirty="0">
+                <a:solidFill>
+                  <a:srgbClr val="FF0000"/>
+                </a:solidFill>
+              </a:rPr>
+              <a:t>Sender’s</a:t>
+            </a:r>
+          </a:p>
           <a:p>
             <a:r>
               <a:rPr lang="en-US" b="1" dirty="0">
@@ -39977,7 +40002,7 @@
         </p:nvCxnSpPr>
         <p:spPr>
           <a:xfrm>
-            <a:off x="6315361" y="4069171"/>
+            <a:off x="6281135" y="4400673"/>
             <a:ext cx="919397" cy="0"/>
           </a:xfrm>
           <a:prstGeom prst="straightConnector1">
@@ -40021,7 +40046,7 @@
         </p:nvCxnSpPr>
         <p:spPr>
           <a:xfrm>
-            <a:off x="4499002" y="3078265"/>
+            <a:off x="5185001" y="3429000"/>
             <a:ext cx="1" cy="644236"/>
           </a:xfrm>
           <a:prstGeom prst="straightConnector1">
@@ -40202,31 +40227,28 @@
           <p:nvPr/>
         </p:nvCxnSpPr>
         <p:spPr>
-          <a:xfrm rot="16200000" flipH="1">
-            <a:off x="7128893" y="2566757"/>
-            <a:ext cx="810084" cy="1"/>
-          </a:xfrm>
-          <a:prstGeom prst="bentConnector3">
-            <a:avLst>
-              <a:gd name="adj1" fmla="val 50000"/>
-            </a:avLst>
+          <a:xfrm rot="5400000">
+            <a:off x="4896884" y="144813"/>
+            <a:ext cx="620149" cy="4653955"/>
+          </a:xfrm>
+          <a:prstGeom prst="bentConnector2">
+            <a:avLst/>
           </a:prstGeom>
           <a:ln w="38100">
-            <a:solidFill>
-              <a:schemeClr val="tx1"/>
-            </a:solidFill>
-            <a:tailEnd type="triangle"/>
+            <a:prstDash val="sysDot"/>
+            <a:headEnd type="none" w="med" len="med"/>
+            <a:tailEnd type="none" w="med" len="med"/>
           </a:ln>
         </p:spPr>
         <p:style>
           <a:lnRef idx="1">
-            <a:schemeClr val="accent1"/>
+            <a:schemeClr val="accent2"/>
           </a:lnRef>
           <a:fillRef idx="0">
-            <a:schemeClr val="accent1"/>
+            <a:schemeClr val="accent2"/>
           </a:fillRef>
           <a:effectRef idx="0">
-            <a:schemeClr val="accent1"/>
+            <a:schemeClr val="accent2"/>
           </a:effectRef>
           <a:fontRef idx="minor">
             <a:schemeClr val="tx1"/>
@@ -40282,7 +40304,7 @@
         </p:nvSpPr>
         <p:spPr>
           <a:xfrm>
-            <a:off x="1416449" y="3846772"/>
+            <a:off x="1382223" y="4178274"/>
             <a:ext cx="1062407" cy="369332"/>
           </a:xfrm>
           <a:prstGeom prst="rect">
@@ -40319,7 +40341,7 @@
         </p:nvCxnSpPr>
         <p:spPr>
           <a:xfrm>
-            <a:off x="3174427" y="4092815"/>
+            <a:off x="3140201" y="4424317"/>
             <a:ext cx="860360" cy="0"/>
           </a:xfrm>
           <a:prstGeom prst="straightConnector1">
@@ -40369,7 +40391,7 @@
         </p:blipFill>
         <p:spPr>
           <a:xfrm>
-            <a:off x="2579030" y="3787423"/>
+            <a:off x="2564860" y="4459520"/>
             <a:ext cx="620968" cy="620968"/>
           </a:xfrm>
           <a:prstGeom prst="rect">
@@ -40391,7 +40413,7 @@
         </p:nvSpPr>
         <p:spPr>
           <a:xfrm>
-            <a:off x="2411187" y="4379544"/>
+            <a:off x="2397017" y="5051641"/>
             <a:ext cx="956654" cy="369332"/>
           </a:xfrm>
           <a:prstGeom prst="rect">
@@ -40431,7 +40453,7 @@
         </p:nvSpPr>
         <p:spPr>
           <a:xfrm>
-            <a:off x="7157803" y="3769649"/>
+            <a:off x="7123577" y="4101151"/>
             <a:ext cx="1988190" cy="646331"/>
           </a:xfrm>
           <a:prstGeom prst="rect">
@@ -40461,6 +40483,115 @@
               </a:rPr>
               <a:t>(True?)</a:t>
             </a:r>
+          </a:p>
+        </p:txBody>
+      </p:sp>
+      <p:cxnSp>
+        <p:nvCxnSpPr>
+          <p:cNvPr id="48" name="直線矢印コネクタ 19">
+            <a:extLst>
+              <a:ext uri="{FF2B5EF4-FFF2-40B4-BE49-F238E27FC236}">
+                <a16:creationId xmlns:a16="http://schemas.microsoft.com/office/drawing/2014/main" id="{04720809-D595-F446-A75F-9395B31352D0}"/>
+              </a:ext>
+            </a:extLst>
+          </p:cNvPr>
+          <p:cNvCxnSpPr>
+            <a:cxnSpLocks/>
+          </p:cNvCxnSpPr>
+          <p:nvPr/>
+        </p:nvCxnSpPr>
+        <p:spPr>
+          <a:xfrm>
+            <a:off x="2879980" y="2566757"/>
+            <a:ext cx="0" cy="862243"/>
+          </a:xfrm>
+          <a:prstGeom prst="straightConnector1">
+            <a:avLst/>
+          </a:prstGeom>
+          <a:ln w="38100">
+            <a:prstDash val="sysDot"/>
+            <a:tailEnd type="triangle"/>
+          </a:ln>
+        </p:spPr>
+        <p:style>
+          <a:lnRef idx="1">
+            <a:schemeClr val="accent2"/>
+          </a:lnRef>
+          <a:fillRef idx="0">
+            <a:schemeClr val="accent2"/>
+          </a:fillRef>
+          <a:effectRef idx="0">
+            <a:schemeClr val="accent2"/>
+          </a:effectRef>
+          <a:fontRef idx="minor">
+            <a:schemeClr val="tx1"/>
+          </a:fontRef>
+        </p:style>
+      </p:cxnSp>
+      <p:pic>
+        <p:nvPicPr>
+          <p:cNvPr id="52" name="Picture 60">
+            <a:extLst>
+              <a:ext uri="{FF2B5EF4-FFF2-40B4-BE49-F238E27FC236}">
+                <a16:creationId xmlns:a16="http://schemas.microsoft.com/office/drawing/2014/main" id="{8A29C834-0077-2D4A-8202-3FFE6DE79F41}"/>
+              </a:ext>
+            </a:extLst>
+          </p:cNvPr>
+          <p:cNvPicPr>
+            <a:picLocks noChangeAspect="1"/>
+          </p:cNvPicPr>
+          <p:nvPr/>
+        </p:nvPicPr>
+        <p:blipFill>
+          <a:blip r:embed="rId5"/>
+          <a:stretch>
+            <a:fillRect/>
+          </a:stretch>
+        </p:blipFill>
+        <p:spPr>
+          <a:xfrm>
+            <a:off x="2594342" y="3536381"/>
+            <a:ext cx="598353" cy="636105"/>
+          </a:xfrm>
+          <a:prstGeom prst="rect">
+            <a:avLst/>
+          </a:prstGeom>
+        </p:spPr>
+      </p:pic>
+      <p:sp>
+        <p:nvSpPr>
+          <p:cNvPr id="53" name="TextBox 45">
+            <a:extLst>
+              <a:ext uri="{FF2B5EF4-FFF2-40B4-BE49-F238E27FC236}">
+                <a16:creationId xmlns:a16="http://schemas.microsoft.com/office/drawing/2014/main" id="{60E09B62-17E9-0A4B-9C6D-ED7CC701DF01}"/>
+              </a:ext>
+            </a:extLst>
+          </p:cNvPr>
+          <p:cNvSpPr txBox="1"/>
+          <p:nvPr/>
+        </p:nvSpPr>
+        <p:spPr>
+          <a:xfrm>
+            <a:off x="1891811" y="4046510"/>
+            <a:ext cx="1988190" cy="369332"/>
+          </a:xfrm>
+          <a:prstGeom prst="rect">
+            <a:avLst/>
+          </a:prstGeom>
+          <a:noFill/>
+        </p:spPr>
+        <p:txBody>
+          <a:bodyPr wrap="square" rtlCol="0">
+            <a:spAutoFit/>
+          </a:bodyPr>
+          <a:lstStyle/>
+          <a:p>
+            <a:pPr algn="ctr"/>
+            <a:r>
+              <a:rPr lang="en-US" b="1" dirty="0"/>
+              <a:t>Signature</a:t>
+            </a:r>
+            <a:endParaRPr lang="en-US" b="1" i="1" dirty="0"/>
           </a:p>
         </p:txBody>
       </p:sp>

--- a/images.pptx
+++ b/images.pptx
@@ -5,7 +5,7 @@
     <p:sldMasterId id="2147483648" r:id="rId1"/>
   </p:sldMasterIdLst>
   <p:notesMasterIdLst>
-    <p:notesMasterId r:id="rId45"/>
+    <p:notesMasterId r:id="rId47"/>
   </p:notesMasterIdLst>
   <p:sldIdLst>
     <p:sldId id="257" r:id="rId2"/>
@@ -48,9 +48,11 @@
     <p:sldId id="294" r:id="rId39"/>
     <p:sldId id="295" r:id="rId40"/>
     <p:sldId id="296" r:id="rId41"/>
-    <p:sldId id="292" r:id="rId42"/>
-    <p:sldId id="297" r:id="rId43"/>
-    <p:sldId id="298" r:id="rId44"/>
+    <p:sldId id="299" r:id="rId42"/>
+    <p:sldId id="292" r:id="rId43"/>
+    <p:sldId id="297" r:id="rId44"/>
+    <p:sldId id="300" r:id="rId45"/>
+    <p:sldId id="298" r:id="rId46"/>
   </p:sldIdLst>
   <p:sldSz cx="12192000" cy="6858000"/>
   <p:notesSz cx="6858000" cy="9144000"/>
@@ -239,7 +241,7 @@
           <a:p>
             <a:fld id="{7CEEDDC0-DF20-AC46-B752-4D05A37D4059}" type="datetimeFigureOut">
               <a:rPr lang="en-US" smtClean="0"/>
-              <a:t>10/15/19</a:t>
+              <a:t>10/16/19</a:t>
             </a:fld>
             <a:endParaRPr lang="en-US"/>
           </a:p>
@@ -1010,6 +1012,90 @@
 </p:notes>
 </file>
 
+<file path=ppt/notesSlides/notesSlide7.xml><?xml version="1.0" encoding="utf-8"?>
+<p:notes xmlns:a="http://schemas.openxmlformats.org/drawingml/2006/main" xmlns:r="http://schemas.openxmlformats.org/officeDocument/2006/relationships" xmlns:p="http://schemas.openxmlformats.org/presentationml/2006/main">
+  <p:cSld>
+    <p:spTree>
+      <p:nvGrpSpPr>
+        <p:cNvPr id="1" name=""/>
+        <p:cNvGrpSpPr/>
+        <p:nvPr/>
+      </p:nvGrpSpPr>
+      <p:grpSpPr>
+        <a:xfrm>
+          <a:off x="0" y="0"/>
+          <a:ext cx="0" cy="0"/>
+          <a:chOff x="0" y="0"/>
+          <a:chExt cx="0" cy="0"/>
+        </a:xfrm>
+      </p:grpSpPr>
+      <p:sp>
+        <p:nvSpPr>
+          <p:cNvPr id="2" name="Slide Image Placeholder 1"/>
+          <p:cNvSpPr>
+            <a:spLocks noGrp="1" noRot="1" noChangeAspect="1"/>
+          </p:cNvSpPr>
+          <p:nvPr>
+            <p:ph type="sldImg"/>
+          </p:nvPr>
+        </p:nvSpPr>
+        <p:spPr/>
+      </p:sp>
+      <p:sp>
+        <p:nvSpPr>
+          <p:cNvPr id="3" name="Notes Placeholder 2"/>
+          <p:cNvSpPr>
+            <a:spLocks noGrp="1"/>
+          </p:cNvSpPr>
+          <p:nvPr>
+            <p:ph type="body" idx="1"/>
+          </p:nvPr>
+        </p:nvSpPr>
+        <p:spPr/>
+        <p:txBody>
+          <a:bodyPr/>
+          <a:lstStyle/>
+          <a:p>
+            <a:endParaRPr lang="en-US" dirty="0"/>
+          </a:p>
+        </p:txBody>
+      </p:sp>
+      <p:sp>
+        <p:nvSpPr>
+          <p:cNvPr id="4" name="Slide Number Placeholder 3"/>
+          <p:cNvSpPr>
+            <a:spLocks noGrp="1"/>
+          </p:cNvSpPr>
+          <p:nvPr>
+            <p:ph type="sldNum" sz="quarter" idx="5"/>
+          </p:nvPr>
+        </p:nvSpPr>
+        <p:spPr/>
+        <p:txBody>
+          <a:bodyPr/>
+          <a:lstStyle/>
+          <a:p>
+            <a:fld id="{65EEC5EA-871C-8443-843A-02E75F9C7A0B}" type="slidenum">
+              <a:rPr lang="en-US" smtClean="0"/>
+              <a:t>41</a:t>
+            </a:fld>
+            <a:endParaRPr lang="en-US"/>
+          </a:p>
+        </p:txBody>
+      </p:sp>
+    </p:spTree>
+    <p:extLst>
+      <p:ext uri="{BB962C8B-B14F-4D97-AF65-F5344CB8AC3E}">
+        <p14:creationId xmlns:p14="http://schemas.microsoft.com/office/powerpoint/2010/main" val="1302434970"/>
+      </p:ext>
+    </p:extLst>
+  </p:cSld>
+  <p:clrMapOvr>
+    <a:masterClrMapping/>
+  </p:clrMapOvr>
+</p:notes>
+</file>
+
 <file path=ppt/slideLayouts/slideLayout1.xml><?xml version="1.0" encoding="utf-8"?>
 <p:sldLayout xmlns:a="http://schemas.openxmlformats.org/drawingml/2006/main" xmlns:r="http://schemas.openxmlformats.org/officeDocument/2006/relationships" xmlns:p="http://schemas.openxmlformats.org/presentationml/2006/main" type="title" preserve="1">
   <p:cSld name="Title Slide">
@@ -1157,7 +1243,7 @@
           <a:p>
             <a:fld id="{ABB50B84-C221-BA49-B172-B6D4747B1BA4}" type="datetimeFigureOut">
               <a:rPr lang="en-US" smtClean="0"/>
-              <a:t>10/15/19</a:t>
+              <a:t>10/16/19</a:t>
             </a:fld>
             <a:endParaRPr lang="en-US"/>
           </a:p>
@@ -1355,7 +1441,7 @@
           <a:p>
             <a:fld id="{ABB50B84-C221-BA49-B172-B6D4747B1BA4}" type="datetimeFigureOut">
               <a:rPr lang="en-US" smtClean="0"/>
-              <a:t>10/15/19</a:t>
+              <a:t>10/16/19</a:t>
             </a:fld>
             <a:endParaRPr lang="en-US"/>
           </a:p>
@@ -1563,7 +1649,7 @@
           <a:p>
             <a:fld id="{ABB50B84-C221-BA49-B172-B6D4747B1BA4}" type="datetimeFigureOut">
               <a:rPr lang="en-US" smtClean="0"/>
-              <a:t>10/15/19</a:t>
+              <a:t>10/16/19</a:t>
             </a:fld>
             <a:endParaRPr lang="en-US"/>
           </a:p>
@@ -1761,7 +1847,7 @@
           <a:p>
             <a:fld id="{ABB50B84-C221-BA49-B172-B6D4747B1BA4}" type="datetimeFigureOut">
               <a:rPr lang="en-US" smtClean="0"/>
-              <a:t>10/15/19</a:t>
+              <a:t>10/16/19</a:t>
             </a:fld>
             <a:endParaRPr lang="en-US"/>
           </a:p>
@@ -2036,7 +2122,7 @@
           <a:p>
             <a:fld id="{ABB50B84-C221-BA49-B172-B6D4747B1BA4}" type="datetimeFigureOut">
               <a:rPr lang="en-US" smtClean="0"/>
-              <a:t>10/15/19</a:t>
+              <a:t>10/16/19</a:t>
             </a:fld>
             <a:endParaRPr lang="en-US"/>
           </a:p>
@@ -2301,7 +2387,7 @@
           <a:p>
             <a:fld id="{ABB50B84-C221-BA49-B172-B6D4747B1BA4}" type="datetimeFigureOut">
               <a:rPr lang="en-US" smtClean="0"/>
-              <a:t>10/15/19</a:t>
+              <a:t>10/16/19</a:t>
             </a:fld>
             <a:endParaRPr lang="en-US"/>
           </a:p>
@@ -2713,7 +2799,7 @@
           <a:p>
             <a:fld id="{ABB50B84-C221-BA49-B172-B6D4747B1BA4}" type="datetimeFigureOut">
               <a:rPr lang="en-US" smtClean="0"/>
-              <a:t>10/15/19</a:t>
+              <a:t>10/16/19</a:t>
             </a:fld>
             <a:endParaRPr lang="en-US"/>
           </a:p>
@@ -2854,7 +2940,7 @@
           <a:p>
             <a:fld id="{ABB50B84-C221-BA49-B172-B6D4747B1BA4}" type="datetimeFigureOut">
               <a:rPr lang="en-US" smtClean="0"/>
-              <a:t>10/15/19</a:t>
+              <a:t>10/16/19</a:t>
             </a:fld>
             <a:endParaRPr lang="en-US"/>
           </a:p>
@@ -2967,7 +3053,7 @@
           <a:p>
             <a:fld id="{ABB50B84-C221-BA49-B172-B6D4747B1BA4}" type="datetimeFigureOut">
               <a:rPr lang="en-US" smtClean="0"/>
-              <a:t>10/15/19</a:t>
+              <a:t>10/16/19</a:t>
             </a:fld>
             <a:endParaRPr lang="en-US"/>
           </a:p>
@@ -3278,7 +3364,7 @@
           <a:p>
             <a:fld id="{ABB50B84-C221-BA49-B172-B6D4747B1BA4}" type="datetimeFigureOut">
               <a:rPr lang="en-US" smtClean="0"/>
-              <a:t>10/15/19</a:t>
+              <a:t>10/16/19</a:t>
             </a:fld>
             <a:endParaRPr lang="en-US"/>
           </a:p>
@@ -3566,7 +3652,7 @@
           <a:p>
             <a:fld id="{ABB50B84-C221-BA49-B172-B6D4747B1BA4}" type="datetimeFigureOut">
               <a:rPr lang="en-US" smtClean="0"/>
-              <a:t>10/15/19</a:t>
+              <a:t>10/16/19</a:t>
             </a:fld>
             <a:endParaRPr lang="en-US"/>
           </a:p>
@@ -3807,7 +3893,7 @@
           <a:p>
             <a:fld id="{ABB50B84-C221-BA49-B172-B6D4747B1BA4}" type="datetimeFigureOut">
               <a:rPr lang="en-US" smtClean="0"/>
-              <a:t>10/15/19</a:t>
+              <a:t>10/16/19</a:t>
             </a:fld>
             <a:endParaRPr lang="en-US"/>
           </a:p>
@@ -38753,24 +38839,81 @@
           <a:chExt cx="0" cy="0"/>
         </a:xfrm>
       </p:grpSpPr>
+      <p:sp>
+        <p:nvSpPr>
+          <p:cNvPr id="4" name="四角形: 角を丸くする 3">
+            <a:extLst>
+              <a:ext uri="{FF2B5EF4-FFF2-40B4-BE49-F238E27FC236}">
+                <a16:creationId xmlns:a16="http://schemas.microsoft.com/office/drawing/2014/main" id="{DA40CB62-7FB9-034D-8E27-D85FE44EFC54}"/>
+              </a:ext>
+            </a:extLst>
+          </p:cNvPr>
+          <p:cNvSpPr/>
+          <p:nvPr/>
+        </p:nvSpPr>
+        <p:spPr>
+          <a:xfrm>
+            <a:off x="1658151" y="1577269"/>
+            <a:ext cx="1375994" cy="811960"/>
+          </a:xfrm>
+          <a:prstGeom prst="roundRect">
+            <a:avLst/>
+          </a:prstGeom>
+          <a:ln w="38100"/>
+        </p:spPr>
+        <p:style>
+          <a:lnRef idx="2">
+            <a:schemeClr val="accent1"/>
+          </a:lnRef>
+          <a:fillRef idx="1">
+            <a:schemeClr val="lt1"/>
+          </a:fillRef>
+          <a:effectRef idx="0">
+            <a:schemeClr val="accent1"/>
+          </a:effectRef>
+          <a:fontRef idx="minor">
+            <a:schemeClr val="dk1"/>
+          </a:fontRef>
+        </p:style>
+        <p:txBody>
+          <a:bodyPr rtlCol="0" anchor="ctr"/>
+          <a:lstStyle/>
+          <a:p>
+            <a:pPr algn="ctr"/>
+            <a:r>
+              <a:rPr kumimoji="1" lang="en-US" altLang="ja-JP" sz="2000" b="1" dirty="0"/>
+              <a:t>MAC</a:t>
+            </a:r>
+          </a:p>
+          <a:p>
+            <a:pPr algn="ctr"/>
+            <a:r>
+              <a:rPr kumimoji="1" lang="en-US" altLang="ja-JP" sz="2000" b="1" dirty="0"/>
+              <a:t>Function</a:t>
+            </a:r>
+          </a:p>
+        </p:txBody>
+      </p:sp>
       <p:cxnSp>
         <p:nvCxnSpPr>
-          <p:cNvPr id="19" name="Straight Arrow Connector 18">
-            <a:extLst>
-              <a:ext uri="{FF2B5EF4-FFF2-40B4-BE49-F238E27FC236}">
-                <a16:creationId xmlns:a16="http://schemas.microsoft.com/office/drawing/2014/main" id="{7C779DB8-CB67-6540-B04B-22E821246A72}"/>
+          <p:cNvPr id="5" name="直線矢印コネクタ 19">
+            <a:extLst>
+              <a:ext uri="{FF2B5EF4-FFF2-40B4-BE49-F238E27FC236}">
+                <a16:creationId xmlns:a16="http://schemas.microsoft.com/office/drawing/2014/main" id="{92B78D32-4C40-DA45-9071-01FFA7B0724E}"/>
               </a:ext>
             </a:extLst>
           </p:cNvPr>
           <p:cNvCxnSpPr>
             <a:cxnSpLocks/>
+            <a:stCxn id="39" idx="3"/>
+            <a:endCxn id="4" idx="1"/>
           </p:cNvCxnSpPr>
           <p:nvPr/>
         </p:nvCxnSpPr>
         <p:spPr>
           <a:xfrm>
-            <a:off x="568960" y="2407920"/>
-            <a:ext cx="10952480" cy="0"/>
+            <a:off x="1040451" y="1983246"/>
+            <a:ext cx="617700" cy="3"/>
           </a:xfrm>
           <a:prstGeom prst="straightConnector1">
             <a:avLst/>
@@ -38780,551 +38923,6 @@
               <a:schemeClr val="tx1"/>
             </a:solidFill>
             <a:tailEnd type="triangle"/>
-          </a:ln>
-        </p:spPr>
-        <p:style>
-          <a:lnRef idx="1">
-            <a:schemeClr val="accent1"/>
-          </a:lnRef>
-          <a:fillRef idx="0">
-            <a:schemeClr val="accent1"/>
-          </a:fillRef>
-          <a:effectRef idx="0">
-            <a:schemeClr val="accent1"/>
-          </a:effectRef>
-          <a:fontRef idx="minor">
-            <a:schemeClr val="tx1"/>
-          </a:fontRef>
-        </p:style>
-      </p:cxnSp>
-      <p:sp>
-        <p:nvSpPr>
-          <p:cNvPr id="21" name="TextBox 20">
-            <a:extLst>
-              <a:ext uri="{FF2B5EF4-FFF2-40B4-BE49-F238E27FC236}">
-                <a16:creationId xmlns:a16="http://schemas.microsoft.com/office/drawing/2014/main" id="{14E9F4FB-E7A2-A640-AC92-B8BE5BA82B3B}"/>
-              </a:ext>
-            </a:extLst>
-          </p:cNvPr>
-          <p:cNvSpPr txBox="1"/>
-          <p:nvPr/>
-        </p:nvSpPr>
-        <p:spPr>
-          <a:xfrm>
-            <a:off x="10185397" y="2052042"/>
-            <a:ext cx="652743" cy="369332"/>
-          </a:xfrm>
-          <a:prstGeom prst="rect">
-            <a:avLst/>
-          </a:prstGeom>
-          <a:noFill/>
-        </p:spPr>
-        <p:txBody>
-          <a:bodyPr wrap="none" rtlCol="0">
-            <a:spAutoFit/>
-          </a:bodyPr>
-          <a:lstStyle/>
-          <a:p>
-            <a:r>
-              <a:rPr lang="en-US" dirty="0"/>
-              <a:t>2020</a:t>
-            </a:r>
-          </a:p>
-        </p:txBody>
-      </p:sp>
-      <p:sp>
-        <p:nvSpPr>
-          <p:cNvPr id="22" name="TextBox 21">
-            <a:extLst>
-              <a:ext uri="{FF2B5EF4-FFF2-40B4-BE49-F238E27FC236}">
-                <a16:creationId xmlns:a16="http://schemas.microsoft.com/office/drawing/2014/main" id="{BA290AD6-FABE-BA4A-8810-2349AC51F6A3}"/>
-              </a:ext>
-            </a:extLst>
-          </p:cNvPr>
-          <p:cNvSpPr txBox="1"/>
-          <p:nvPr/>
-        </p:nvSpPr>
-        <p:spPr>
-          <a:xfrm>
-            <a:off x="6979918" y="2052042"/>
-            <a:ext cx="652743" cy="369332"/>
-          </a:xfrm>
-          <a:prstGeom prst="rect">
-            <a:avLst/>
-          </a:prstGeom>
-          <a:noFill/>
-        </p:spPr>
-        <p:txBody>
-          <a:bodyPr wrap="none" rtlCol="0">
-            <a:spAutoFit/>
-          </a:bodyPr>
-          <a:lstStyle/>
-          <a:p>
-            <a:r>
-              <a:rPr lang="en-US" dirty="0"/>
-              <a:t>2010</a:t>
-            </a:r>
-          </a:p>
-        </p:txBody>
-      </p:sp>
-      <p:sp>
-        <p:nvSpPr>
-          <p:cNvPr id="23" name="TextBox 22">
-            <a:extLst>
-              <a:ext uri="{FF2B5EF4-FFF2-40B4-BE49-F238E27FC236}">
-                <a16:creationId xmlns:a16="http://schemas.microsoft.com/office/drawing/2014/main" id="{0CA5BF0A-A4B8-9C45-B234-9344E26B745D}"/>
-              </a:ext>
-            </a:extLst>
-          </p:cNvPr>
-          <p:cNvSpPr txBox="1"/>
-          <p:nvPr/>
-        </p:nvSpPr>
-        <p:spPr>
-          <a:xfrm>
-            <a:off x="3774439" y="2048470"/>
-            <a:ext cx="652743" cy="369332"/>
-          </a:xfrm>
-          <a:prstGeom prst="rect">
-            <a:avLst/>
-          </a:prstGeom>
-          <a:noFill/>
-        </p:spPr>
-        <p:txBody>
-          <a:bodyPr wrap="none" rtlCol="0">
-            <a:spAutoFit/>
-          </a:bodyPr>
-          <a:lstStyle/>
-          <a:p>
-            <a:r>
-              <a:rPr lang="en-US" dirty="0"/>
-              <a:t>2000</a:t>
-            </a:r>
-          </a:p>
-        </p:txBody>
-      </p:sp>
-      <p:sp>
-        <p:nvSpPr>
-          <p:cNvPr id="24" name="TextBox 23">
-            <a:extLst>
-              <a:ext uri="{FF2B5EF4-FFF2-40B4-BE49-F238E27FC236}">
-                <a16:creationId xmlns:a16="http://schemas.microsoft.com/office/drawing/2014/main" id="{DB3D8CC6-BC53-EC4B-9E1D-DFC06A2E7261}"/>
-              </a:ext>
-            </a:extLst>
-          </p:cNvPr>
-          <p:cNvSpPr txBox="1"/>
-          <p:nvPr/>
-        </p:nvSpPr>
-        <p:spPr>
-          <a:xfrm>
-            <a:off x="568960" y="2052042"/>
-            <a:ext cx="652743" cy="369332"/>
-          </a:xfrm>
-          <a:prstGeom prst="rect">
-            <a:avLst/>
-          </a:prstGeom>
-          <a:noFill/>
-        </p:spPr>
-        <p:txBody>
-          <a:bodyPr wrap="none" rtlCol="0">
-            <a:spAutoFit/>
-          </a:bodyPr>
-          <a:lstStyle/>
-          <a:p>
-            <a:r>
-              <a:rPr lang="en-US" dirty="0"/>
-              <a:t>1990</a:t>
-            </a:r>
-          </a:p>
-        </p:txBody>
-      </p:sp>
-      <p:sp>
-        <p:nvSpPr>
-          <p:cNvPr id="29" name="Rounded Rectangle 28">
-            <a:extLst>
-              <a:ext uri="{FF2B5EF4-FFF2-40B4-BE49-F238E27FC236}">
-                <a16:creationId xmlns:a16="http://schemas.microsoft.com/office/drawing/2014/main" id="{84D28C2D-6E36-4841-85FC-3E4ED9A7CFDE}"/>
-              </a:ext>
-            </a:extLst>
-          </p:cNvPr>
-          <p:cNvSpPr/>
-          <p:nvPr/>
-        </p:nvSpPr>
-        <p:spPr>
-          <a:xfrm>
-            <a:off x="568960" y="3012441"/>
-            <a:ext cx="1717040" cy="833118"/>
-          </a:xfrm>
-          <a:prstGeom prst="roundRect">
-            <a:avLst/>
-          </a:prstGeom>
-          <a:solidFill>
-            <a:schemeClr val="bg2">
-              <a:lumMod val="90000"/>
-            </a:schemeClr>
-          </a:solidFill>
-          <a:ln w="38100">
-            <a:solidFill>
-              <a:schemeClr val="tx1"/>
-            </a:solidFill>
-          </a:ln>
-        </p:spPr>
-        <p:style>
-          <a:lnRef idx="2">
-            <a:schemeClr val="accent1"/>
-          </a:lnRef>
-          <a:fillRef idx="1">
-            <a:schemeClr val="lt1"/>
-          </a:fillRef>
-          <a:effectRef idx="0">
-            <a:schemeClr val="accent1"/>
-          </a:effectRef>
-          <a:fontRef idx="minor">
-            <a:schemeClr val="dk1"/>
-          </a:fontRef>
-        </p:style>
-        <p:txBody>
-          <a:bodyPr rtlCol="0" anchor="ctr"/>
-          <a:lstStyle/>
-          <a:p>
-            <a:r>
-              <a:rPr lang="en-US" b="1" dirty="0"/>
-              <a:t>1992: MD5 (128bits)</a:t>
-            </a:r>
-          </a:p>
-        </p:txBody>
-      </p:sp>
-      <p:cxnSp>
-        <p:nvCxnSpPr>
-          <p:cNvPr id="31" name="Straight Connector 30">
-            <a:extLst>
-              <a:ext uri="{FF2B5EF4-FFF2-40B4-BE49-F238E27FC236}">
-                <a16:creationId xmlns:a16="http://schemas.microsoft.com/office/drawing/2014/main" id="{0F4C74E7-CC1E-9C48-9005-5157CE5D8F86}"/>
-              </a:ext>
-            </a:extLst>
-          </p:cNvPr>
-          <p:cNvCxnSpPr>
-            <a:stCxn id="29" idx="0"/>
-          </p:cNvCxnSpPr>
-          <p:nvPr/>
-        </p:nvCxnSpPr>
-        <p:spPr>
-          <a:xfrm flipV="1">
-            <a:off x="1427480" y="2417802"/>
-            <a:ext cx="3829" cy="594639"/>
-          </a:xfrm>
-          <a:prstGeom prst="line">
-            <a:avLst/>
-          </a:prstGeom>
-          <a:ln w="38100">
-            <a:solidFill>
-              <a:schemeClr val="tx1"/>
-            </a:solidFill>
-            <a:prstDash val="sysDash"/>
-          </a:ln>
-        </p:spPr>
-        <p:style>
-          <a:lnRef idx="1">
-            <a:schemeClr val="accent1"/>
-          </a:lnRef>
-          <a:fillRef idx="0">
-            <a:schemeClr val="accent1"/>
-          </a:fillRef>
-          <a:effectRef idx="0">
-            <a:schemeClr val="accent1"/>
-          </a:effectRef>
-          <a:fontRef idx="minor">
-            <a:schemeClr val="tx1"/>
-          </a:fontRef>
-        </p:style>
-      </p:cxnSp>
-      <p:sp>
-        <p:nvSpPr>
-          <p:cNvPr id="32" name="Rounded Rectangle 31">
-            <a:extLst>
-              <a:ext uri="{FF2B5EF4-FFF2-40B4-BE49-F238E27FC236}">
-                <a16:creationId xmlns:a16="http://schemas.microsoft.com/office/drawing/2014/main" id="{5386E749-0403-4D4E-9F00-A185D4AC4148}"/>
-              </a:ext>
-            </a:extLst>
-          </p:cNvPr>
-          <p:cNvSpPr/>
-          <p:nvPr/>
-        </p:nvSpPr>
-        <p:spPr>
-          <a:xfrm>
-            <a:off x="1652878" y="4185922"/>
-            <a:ext cx="1717036" cy="833118"/>
-          </a:xfrm>
-          <a:prstGeom prst="roundRect">
-            <a:avLst/>
-          </a:prstGeom>
-          <a:solidFill>
-            <a:schemeClr val="bg2">
-              <a:lumMod val="90000"/>
-            </a:schemeClr>
-          </a:solidFill>
-          <a:ln w="38100">
-            <a:solidFill>
-              <a:schemeClr val="tx1"/>
-            </a:solidFill>
-          </a:ln>
-        </p:spPr>
-        <p:style>
-          <a:lnRef idx="2">
-            <a:schemeClr val="accent1"/>
-          </a:lnRef>
-          <a:fillRef idx="1">
-            <a:schemeClr val="lt1"/>
-          </a:fillRef>
-          <a:effectRef idx="0">
-            <a:schemeClr val="accent1"/>
-          </a:effectRef>
-          <a:fontRef idx="minor">
-            <a:schemeClr val="dk1"/>
-          </a:fontRef>
-        </p:style>
-        <p:txBody>
-          <a:bodyPr rtlCol="0" anchor="ctr"/>
-          <a:lstStyle/>
-          <a:p>
-            <a:r>
-              <a:rPr lang="en-US" b="1" dirty="0"/>
-              <a:t>1992: SHA-1 (160bits)</a:t>
-            </a:r>
-          </a:p>
-        </p:txBody>
-      </p:sp>
-      <p:cxnSp>
-        <p:nvCxnSpPr>
-          <p:cNvPr id="33" name="Straight Connector 32">
-            <a:extLst>
-              <a:ext uri="{FF2B5EF4-FFF2-40B4-BE49-F238E27FC236}">
-                <a16:creationId xmlns:a16="http://schemas.microsoft.com/office/drawing/2014/main" id="{FD4D9F05-6924-E940-A42D-1A558F8B92DD}"/>
-              </a:ext>
-            </a:extLst>
-          </p:cNvPr>
-          <p:cNvCxnSpPr>
-            <a:cxnSpLocks/>
-            <a:stCxn id="32" idx="0"/>
-          </p:cNvCxnSpPr>
-          <p:nvPr/>
-        </p:nvCxnSpPr>
-        <p:spPr>
-          <a:xfrm flipH="1" flipV="1">
-            <a:off x="2505106" y="2392681"/>
-            <a:ext cx="6290" cy="1793241"/>
-          </a:xfrm>
-          <a:prstGeom prst="line">
-            <a:avLst/>
-          </a:prstGeom>
-          <a:ln w="38100">
-            <a:solidFill>
-              <a:schemeClr val="tx1"/>
-            </a:solidFill>
-            <a:prstDash val="sysDash"/>
-          </a:ln>
-        </p:spPr>
-        <p:style>
-          <a:lnRef idx="1">
-            <a:schemeClr val="accent1"/>
-          </a:lnRef>
-          <a:fillRef idx="0">
-            <a:schemeClr val="accent1"/>
-          </a:fillRef>
-          <a:effectRef idx="0">
-            <a:schemeClr val="accent1"/>
-          </a:effectRef>
-          <a:fontRef idx="minor">
-            <a:schemeClr val="tx1"/>
-          </a:fontRef>
-        </p:style>
-      </p:cxnSp>
-      <p:sp>
-        <p:nvSpPr>
-          <p:cNvPr id="38" name="Rounded Rectangle 37">
-            <a:extLst>
-              <a:ext uri="{FF2B5EF4-FFF2-40B4-BE49-F238E27FC236}">
-                <a16:creationId xmlns:a16="http://schemas.microsoft.com/office/drawing/2014/main" id="{DDEC957D-4ADB-CF41-BB3F-24D767E9E52F}"/>
-              </a:ext>
-            </a:extLst>
-          </p:cNvPr>
-          <p:cNvSpPr/>
-          <p:nvPr/>
-        </p:nvSpPr>
-        <p:spPr>
-          <a:xfrm>
-            <a:off x="3667761" y="5420362"/>
-            <a:ext cx="1717040" cy="833118"/>
-          </a:xfrm>
-          <a:prstGeom prst="roundRect">
-            <a:avLst/>
-          </a:prstGeom>
-          <a:solidFill>
-            <a:schemeClr val="accent6">
-              <a:lumMod val="20000"/>
-              <a:lumOff val="80000"/>
-            </a:schemeClr>
-          </a:solidFill>
-          <a:ln w="38100">
-            <a:solidFill>
-              <a:schemeClr val="tx1"/>
-            </a:solidFill>
-          </a:ln>
-        </p:spPr>
-        <p:style>
-          <a:lnRef idx="2">
-            <a:schemeClr val="accent1"/>
-          </a:lnRef>
-          <a:fillRef idx="1">
-            <a:schemeClr val="lt1"/>
-          </a:fillRef>
-          <a:effectRef idx="0">
-            <a:schemeClr val="accent1"/>
-          </a:effectRef>
-          <a:fontRef idx="minor">
-            <a:schemeClr val="dk1"/>
-          </a:fontRef>
-        </p:style>
-        <p:txBody>
-          <a:bodyPr rtlCol="0" anchor="ctr"/>
-          <a:lstStyle/>
-          <a:p>
-            <a:r>
-              <a:rPr lang="en-US" b="1" dirty="0"/>
-              <a:t>2001: SHA-2 (224, 256, 384, 512bits)</a:t>
-            </a:r>
-          </a:p>
-        </p:txBody>
-      </p:sp>
-      <p:cxnSp>
-        <p:nvCxnSpPr>
-          <p:cNvPr id="39" name="Straight Connector 38">
-            <a:extLst>
-              <a:ext uri="{FF2B5EF4-FFF2-40B4-BE49-F238E27FC236}">
-                <a16:creationId xmlns:a16="http://schemas.microsoft.com/office/drawing/2014/main" id="{9537E734-E6FF-7942-AE8C-4E4BB7CE133D}"/>
-              </a:ext>
-            </a:extLst>
-          </p:cNvPr>
-          <p:cNvCxnSpPr>
-            <a:cxnSpLocks/>
-            <a:stCxn id="38" idx="0"/>
-          </p:cNvCxnSpPr>
-          <p:nvPr/>
-        </p:nvCxnSpPr>
-        <p:spPr>
-          <a:xfrm flipV="1">
-            <a:off x="4526281" y="2418360"/>
-            <a:ext cx="0" cy="3002002"/>
-          </a:xfrm>
-          <a:prstGeom prst="line">
-            <a:avLst/>
-          </a:prstGeom>
-          <a:ln w="38100">
-            <a:solidFill>
-              <a:schemeClr val="tx1"/>
-            </a:solidFill>
-            <a:prstDash val="sysDash"/>
-          </a:ln>
-        </p:spPr>
-        <p:style>
-          <a:lnRef idx="1">
-            <a:schemeClr val="accent1"/>
-          </a:lnRef>
-          <a:fillRef idx="0">
-            <a:schemeClr val="accent1"/>
-          </a:fillRef>
-          <a:effectRef idx="0">
-            <a:schemeClr val="accent1"/>
-          </a:effectRef>
-          <a:fontRef idx="minor">
-            <a:schemeClr val="tx1"/>
-          </a:fontRef>
-        </p:style>
-      </p:cxnSp>
-      <p:sp>
-        <p:nvSpPr>
-          <p:cNvPr id="44" name="Rounded Rectangle 43">
-            <a:extLst>
-              <a:ext uri="{FF2B5EF4-FFF2-40B4-BE49-F238E27FC236}">
-                <a16:creationId xmlns:a16="http://schemas.microsoft.com/office/drawing/2014/main" id="{28643617-847D-A348-9867-A14348FFE963}"/>
-              </a:ext>
-            </a:extLst>
-          </p:cNvPr>
-          <p:cNvSpPr/>
-          <p:nvPr/>
-        </p:nvSpPr>
-        <p:spPr>
-          <a:xfrm>
-            <a:off x="8188961" y="5394683"/>
-            <a:ext cx="1717040" cy="833118"/>
-          </a:xfrm>
-          <a:prstGeom prst="roundRect">
-            <a:avLst/>
-          </a:prstGeom>
-          <a:solidFill>
-            <a:schemeClr val="accent6">
-              <a:lumMod val="20000"/>
-              <a:lumOff val="80000"/>
-            </a:schemeClr>
-          </a:solidFill>
-          <a:ln w="38100">
-            <a:solidFill>
-              <a:schemeClr val="tx1"/>
-            </a:solidFill>
-          </a:ln>
-        </p:spPr>
-        <p:style>
-          <a:lnRef idx="2">
-            <a:schemeClr val="accent1"/>
-          </a:lnRef>
-          <a:fillRef idx="1">
-            <a:schemeClr val="lt1"/>
-          </a:fillRef>
-          <a:effectRef idx="0">
-            <a:schemeClr val="accent1"/>
-          </a:effectRef>
-          <a:fontRef idx="minor">
-            <a:schemeClr val="dk1"/>
-          </a:fontRef>
-        </p:style>
-        <p:txBody>
-          <a:bodyPr rtlCol="0" anchor="ctr"/>
-          <a:lstStyle/>
-          <a:p>
-            <a:r>
-              <a:rPr lang="en-US" b="1" dirty="0"/>
-              <a:t>2015: SHA-3 (224, 256, 384, 512bits)</a:t>
-            </a:r>
-          </a:p>
-        </p:txBody>
-      </p:sp>
-      <p:cxnSp>
-        <p:nvCxnSpPr>
-          <p:cNvPr id="45" name="Straight Connector 44">
-            <a:extLst>
-              <a:ext uri="{FF2B5EF4-FFF2-40B4-BE49-F238E27FC236}">
-                <a16:creationId xmlns:a16="http://schemas.microsoft.com/office/drawing/2014/main" id="{07B90B82-90DF-6648-911B-CE5F17D965B2}"/>
-              </a:ext>
-            </a:extLst>
-          </p:cNvPr>
-          <p:cNvCxnSpPr>
-            <a:cxnSpLocks/>
-            <a:stCxn id="44" idx="0"/>
-          </p:cNvCxnSpPr>
-          <p:nvPr/>
-        </p:nvCxnSpPr>
-        <p:spPr>
-          <a:xfrm flipV="1">
-            <a:off x="9047481" y="2392681"/>
-            <a:ext cx="0" cy="3002002"/>
-          </a:xfrm>
-          <a:prstGeom prst="line">
-            <a:avLst/>
-          </a:prstGeom>
-          <a:ln w="38100">
-            <a:solidFill>
-              <a:schemeClr val="tx1"/>
-            </a:solidFill>
-            <a:prstDash val="sysDash"/>
           </a:ln>
         </p:spPr>
         <p:style>
@@ -39344,29 +38942,30 @@
       </p:cxnSp>
       <p:cxnSp>
         <p:nvCxnSpPr>
-          <p:cNvPr id="47" name="Straight Arrow Connector 46">
-            <a:extLst>
-              <a:ext uri="{FF2B5EF4-FFF2-40B4-BE49-F238E27FC236}">
-                <a16:creationId xmlns:a16="http://schemas.microsoft.com/office/drawing/2014/main" id="{7BA42C59-F54F-F74C-BEBD-272BC2CC6672}"/>
+          <p:cNvPr id="6" name="直線矢印コネクタ 21">
+            <a:extLst>
+              <a:ext uri="{FF2B5EF4-FFF2-40B4-BE49-F238E27FC236}">
+                <a16:creationId xmlns:a16="http://schemas.microsoft.com/office/drawing/2014/main" id="{0A9B479F-869D-084F-BAE9-9999727FC103}"/>
               </a:ext>
             </a:extLst>
           </p:cNvPr>
           <p:cNvCxnSpPr>
-            <a:stCxn id="32" idx="3"/>
+            <a:cxnSpLocks/>
+            <a:stCxn id="4" idx="3"/>
           </p:cNvCxnSpPr>
           <p:nvPr/>
         </p:nvCxnSpPr>
         <p:spPr>
-          <a:xfrm flipV="1">
-            <a:off x="3369914" y="4592320"/>
-            <a:ext cx="2329846" cy="10161"/>
+          <a:xfrm>
+            <a:off x="3034145" y="1983249"/>
+            <a:ext cx="617700" cy="0"/>
           </a:xfrm>
           <a:prstGeom prst="straightConnector1">
             <a:avLst/>
           </a:prstGeom>
           <a:ln w="38100">
             <a:solidFill>
-              <a:srgbClr val="FF0000"/>
+              <a:schemeClr val="tx1"/>
             </a:solidFill>
             <a:tailEnd type="triangle"/>
           </a:ln>
@@ -39380,6 +38979,366 @@
           </a:fillRef>
           <a:effectRef idx="0">
             <a:schemeClr val="accent1"/>
+          </a:effectRef>
+          <a:fontRef idx="minor">
+            <a:schemeClr val="tx1"/>
+          </a:fontRef>
+        </p:style>
+      </p:cxnSp>
+      <p:sp>
+        <p:nvSpPr>
+          <p:cNvPr id="10" name="Rectangle 9">
+            <a:extLst>
+              <a:ext uri="{FF2B5EF4-FFF2-40B4-BE49-F238E27FC236}">
+                <a16:creationId xmlns:a16="http://schemas.microsoft.com/office/drawing/2014/main" id="{C447931D-4BFD-DF43-B64E-2331E0A49E46}"/>
+              </a:ext>
+            </a:extLst>
+          </p:cNvPr>
+          <p:cNvSpPr/>
+          <p:nvPr/>
+        </p:nvSpPr>
+        <p:spPr>
+          <a:xfrm>
+            <a:off x="3572257" y="2312264"/>
+            <a:ext cx="645241" cy="369332"/>
+          </a:xfrm>
+          <a:prstGeom prst="rect">
+            <a:avLst/>
+          </a:prstGeom>
+        </p:spPr>
+        <p:txBody>
+          <a:bodyPr wrap="none">
+            <a:spAutoFit/>
+          </a:bodyPr>
+          <a:lstStyle/>
+          <a:p>
+            <a:r>
+              <a:rPr lang="en-US" b="1" dirty="0"/>
+              <a:t>MAC</a:t>
+            </a:r>
+          </a:p>
+        </p:txBody>
+      </p:sp>
+      <p:cxnSp>
+        <p:nvCxnSpPr>
+          <p:cNvPr id="20" name="直線矢印コネクタ 6">
+            <a:extLst>
+              <a:ext uri="{FF2B5EF4-FFF2-40B4-BE49-F238E27FC236}">
+                <a16:creationId xmlns:a16="http://schemas.microsoft.com/office/drawing/2014/main" id="{6EB97C01-F6FA-154D-BD46-5D4EECC1BDC5}"/>
+              </a:ext>
+            </a:extLst>
+          </p:cNvPr>
+          <p:cNvCxnSpPr>
+            <a:cxnSpLocks/>
+            <a:endCxn id="4" idx="0"/>
+          </p:cNvCxnSpPr>
+          <p:nvPr/>
+        </p:nvCxnSpPr>
+        <p:spPr>
+          <a:xfrm>
+            <a:off x="2346148" y="1103901"/>
+            <a:ext cx="0" cy="473368"/>
+          </a:xfrm>
+          <a:prstGeom prst="straightConnector1">
+            <a:avLst/>
+          </a:prstGeom>
+          <a:ln w="38100">
+            <a:solidFill>
+              <a:schemeClr val="tx1"/>
+            </a:solidFill>
+            <a:tailEnd type="triangle"/>
+          </a:ln>
+        </p:spPr>
+        <p:style>
+          <a:lnRef idx="1">
+            <a:schemeClr val="accent1"/>
+          </a:lnRef>
+          <a:fillRef idx="0">
+            <a:schemeClr val="accent1"/>
+          </a:fillRef>
+          <a:effectRef idx="0">
+            <a:schemeClr val="accent1"/>
+          </a:effectRef>
+          <a:fontRef idx="minor">
+            <a:schemeClr val="tx1"/>
+          </a:fontRef>
+        </p:style>
+      </p:cxnSp>
+      <p:pic>
+        <p:nvPicPr>
+          <p:cNvPr id="27" name="Picture 14">
+            <a:extLst>
+              <a:ext uri="{FF2B5EF4-FFF2-40B4-BE49-F238E27FC236}">
+                <a16:creationId xmlns:a16="http://schemas.microsoft.com/office/drawing/2014/main" id="{856AC2D1-5E82-E444-B729-B8DE82F42E5E}"/>
+              </a:ext>
+            </a:extLst>
+          </p:cNvPr>
+          <p:cNvPicPr>
+            <a:picLocks noChangeAspect="1"/>
+          </p:cNvPicPr>
+          <p:nvPr/>
+        </p:nvPicPr>
+        <p:blipFill>
+          <a:blip r:embed="rId3"/>
+          <a:stretch>
+            <a:fillRect/>
+          </a:stretch>
+        </p:blipFill>
+        <p:spPr>
+          <a:xfrm rot="2423352">
+            <a:off x="2545242" y="1068947"/>
+            <a:ext cx="129858" cy="411217"/>
+          </a:xfrm>
+          <a:prstGeom prst="rect">
+            <a:avLst/>
+          </a:prstGeom>
+        </p:spPr>
+      </p:pic>
+      <p:sp>
+        <p:nvSpPr>
+          <p:cNvPr id="28" name="TextBox 15">
+            <a:extLst>
+              <a:ext uri="{FF2B5EF4-FFF2-40B4-BE49-F238E27FC236}">
+                <a16:creationId xmlns:a16="http://schemas.microsoft.com/office/drawing/2014/main" id="{AC0B27B0-E295-C64D-9FA9-2B8C479C615D}"/>
+              </a:ext>
+            </a:extLst>
+          </p:cNvPr>
+          <p:cNvSpPr txBox="1"/>
+          <p:nvPr/>
+        </p:nvSpPr>
+        <p:spPr>
+          <a:xfrm>
+            <a:off x="1556379" y="1103901"/>
+            <a:ext cx="732624" cy="369332"/>
+          </a:xfrm>
+          <a:prstGeom prst="rect">
+            <a:avLst/>
+          </a:prstGeom>
+          <a:noFill/>
+        </p:spPr>
+        <p:txBody>
+          <a:bodyPr wrap="square" rtlCol="0">
+            <a:spAutoFit/>
+          </a:bodyPr>
+          <a:lstStyle/>
+          <a:p>
+            <a:pPr algn="ctr"/>
+            <a:r>
+              <a:rPr lang="en-US" b="1" dirty="0"/>
+              <a:t>Key</a:t>
+            </a:r>
+          </a:p>
+        </p:txBody>
+      </p:sp>
+      <p:sp>
+        <p:nvSpPr>
+          <p:cNvPr id="34" name="TextBox 45">
+            <a:extLst>
+              <a:ext uri="{FF2B5EF4-FFF2-40B4-BE49-F238E27FC236}">
+                <a16:creationId xmlns:a16="http://schemas.microsoft.com/office/drawing/2014/main" id="{EBA53AF4-3954-7340-9A0A-40D565A42FDB}"/>
+              </a:ext>
+            </a:extLst>
+          </p:cNvPr>
+          <p:cNvSpPr txBox="1"/>
+          <p:nvPr/>
+        </p:nvSpPr>
+        <p:spPr>
+          <a:xfrm>
+            <a:off x="100142" y="2271951"/>
+            <a:ext cx="1222579" cy="369332"/>
+          </a:xfrm>
+          <a:prstGeom prst="rect">
+            <a:avLst/>
+          </a:prstGeom>
+          <a:noFill/>
+        </p:spPr>
+        <p:txBody>
+          <a:bodyPr wrap="square" rtlCol="0">
+            <a:spAutoFit/>
+          </a:bodyPr>
+          <a:lstStyle/>
+          <a:p>
+            <a:pPr algn="ctr"/>
+            <a:r>
+              <a:rPr lang="en-US" b="1" dirty="0"/>
+              <a:t>Data </a:t>
+            </a:r>
+            <a:r>
+              <a:rPr lang="en-US" b="1" i="1" dirty="0"/>
+              <a:t>D</a:t>
+            </a:r>
+            <a:endParaRPr lang="en-US" b="1" dirty="0"/>
+          </a:p>
+        </p:txBody>
+      </p:sp>
+      <p:pic>
+        <p:nvPicPr>
+          <p:cNvPr id="39" name="Picture 33">
+            <a:extLst>
+              <a:ext uri="{FF2B5EF4-FFF2-40B4-BE49-F238E27FC236}">
+                <a16:creationId xmlns:a16="http://schemas.microsoft.com/office/drawing/2014/main" id="{3D665FA7-3D64-6E49-9163-1C092E73C068}"/>
+              </a:ext>
+            </a:extLst>
+          </p:cNvPr>
+          <p:cNvPicPr>
+            <a:picLocks noChangeAspect="1"/>
+          </p:cNvPicPr>
+          <p:nvPr/>
+        </p:nvPicPr>
+        <p:blipFill>
+          <a:blip r:embed="rId4"/>
+          <a:stretch>
+            <a:fillRect/>
+          </a:stretch>
+        </p:blipFill>
+        <p:spPr>
+          <a:xfrm>
+            <a:off x="382414" y="1654227"/>
+            <a:ext cx="658037" cy="658037"/>
+          </a:xfrm>
+          <a:prstGeom prst="rect">
+            <a:avLst/>
+          </a:prstGeom>
+        </p:spPr>
+      </p:pic>
+      <p:pic>
+        <p:nvPicPr>
+          <p:cNvPr id="62" name="Picture 61">
+            <a:extLst>
+              <a:ext uri="{FF2B5EF4-FFF2-40B4-BE49-F238E27FC236}">
+                <a16:creationId xmlns:a16="http://schemas.microsoft.com/office/drawing/2014/main" id="{D55C1296-446E-FF43-9A61-EAF3247410BA}"/>
+              </a:ext>
+            </a:extLst>
+          </p:cNvPr>
+          <p:cNvPicPr>
+            <a:picLocks noChangeAspect="1"/>
+          </p:cNvPicPr>
+          <p:nvPr/>
+        </p:nvPicPr>
+        <p:blipFill>
+          <a:blip r:embed="rId5"/>
+          <a:stretch>
+            <a:fillRect/>
+          </a:stretch>
+        </p:blipFill>
+        <p:spPr>
+          <a:xfrm>
+            <a:off x="3651845" y="1633263"/>
+            <a:ext cx="462955" cy="679001"/>
+          </a:xfrm>
+          <a:prstGeom prst="rect">
+            <a:avLst/>
+          </a:prstGeom>
+        </p:spPr>
+      </p:pic>
+      <p:sp>
+        <p:nvSpPr>
+          <p:cNvPr id="9" name="TextBox 8">
+            <a:extLst>
+              <a:ext uri="{FF2B5EF4-FFF2-40B4-BE49-F238E27FC236}">
+                <a16:creationId xmlns:a16="http://schemas.microsoft.com/office/drawing/2014/main" id="{FFF7502A-0FA7-6848-AAD8-8D78E6F3D872}"/>
+              </a:ext>
+            </a:extLst>
+          </p:cNvPr>
+          <p:cNvSpPr txBox="1"/>
+          <p:nvPr/>
+        </p:nvSpPr>
+        <p:spPr>
+          <a:xfrm>
+            <a:off x="1922691" y="4504099"/>
+            <a:ext cx="917239" cy="369332"/>
+          </a:xfrm>
+          <a:prstGeom prst="rect">
+            <a:avLst/>
+          </a:prstGeom>
+          <a:noFill/>
+        </p:spPr>
+        <p:txBody>
+          <a:bodyPr wrap="none" rtlCol="0">
+            <a:spAutoFit/>
+          </a:bodyPr>
+          <a:lstStyle/>
+          <a:p>
+            <a:r>
+              <a:rPr lang="en-US" b="1" u="sng" dirty="0"/>
+              <a:t>Sender:</a:t>
+            </a:r>
+          </a:p>
+        </p:txBody>
+      </p:sp>
+      <p:sp>
+        <p:nvSpPr>
+          <p:cNvPr id="65" name="TextBox 64">
+            <a:extLst>
+              <a:ext uri="{FF2B5EF4-FFF2-40B4-BE49-F238E27FC236}">
+                <a16:creationId xmlns:a16="http://schemas.microsoft.com/office/drawing/2014/main" id="{026C0388-1780-7E4B-A30D-F85759DF4F73}"/>
+              </a:ext>
+            </a:extLst>
+          </p:cNvPr>
+          <p:cNvSpPr txBox="1"/>
+          <p:nvPr/>
+        </p:nvSpPr>
+        <p:spPr>
+          <a:xfrm>
+            <a:off x="6790291" y="4504099"/>
+            <a:ext cx="1062407" cy="369332"/>
+          </a:xfrm>
+          <a:prstGeom prst="rect">
+            <a:avLst/>
+          </a:prstGeom>
+          <a:noFill/>
+        </p:spPr>
+        <p:txBody>
+          <a:bodyPr wrap="none" rtlCol="0">
+            <a:spAutoFit/>
+          </a:bodyPr>
+          <a:lstStyle/>
+          <a:p>
+            <a:r>
+              <a:rPr lang="en-US" b="1" u="sng" dirty="0"/>
+              <a:t>Receiver:</a:t>
+            </a:r>
+          </a:p>
+        </p:txBody>
+      </p:sp>
+      <p:cxnSp>
+        <p:nvCxnSpPr>
+          <p:cNvPr id="38" name="Elbow Connector 37">
+            <a:extLst>
+              <a:ext uri="{FF2B5EF4-FFF2-40B4-BE49-F238E27FC236}">
+                <a16:creationId xmlns:a16="http://schemas.microsoft.com/office/drawing/2014/main" id="{AECC6236-EF4C-684B-9C1F-E082304343FE}"/>
+              </a:ext>
+            </a:extLst>
+          </p:cNvPr>
+          <p:cNvCxnSpPr>
+            <a:cxnSpLocks/>
+            <a:stCxn id="34" idx="2"/>
+          </p:cNvCxnSpPr>
+          <p:nvPr/>
+        </p:nvCxnSpPr>
+        <p:spPr>
+          <a:xfrm rot="16200000" flipH="1">
+            <a:off x="2458473" y="894242"/>
+            <a:ext cx="959792" cy="4453874"/>
+          </a:xfrm>
+          <a:prstGeom prst="bentConnector2">
+            <a:avLst/>
+          </a:prstGeom>
+          <a:ln w="38100">
+            <a:prstDash val="sysDot"/>
+            <a:headEnd type="none" w="med" len="med"/>
+            <a:tailEnd type="triangle" w="med" len="med"/>
+          </a:ln>
+        </p:spPr>
+        <p:style>
+          <a:lnRef idx="1">
+            <a:schemeClr val="accent2"/>
+          </a:lnRef>
+          <a:fillRef idx="0">
+            <a:schemeClr val="accent2"/>
+          </a:fillRef>
+          <a:effectRef idx="0">
+            <a:schemeClr val="accent2"/>
           </a:effectRef>
           <a:fontRef idx="minor">
             <a:schemeClr val="tx1"/>
@@ -39388,43 +39347,40 @@
       </p:cxnSp>
       <p:cxnSp>
         <p:nvCxnSpPr>
-          <p:cNvPr id="48" name="Straight Arrow Connector 47">
-            <a:extLst>
-              <a:ext uri="{FF2B5EF4-FFF2-40B4-BE49-F238E27FC236}">
-                <a16:creationId xmlns:a16="http://schemas.microsoft.com/office/drawing/2014/main" id="{314963BC-1EB1-F34E-8D58-2D2B55D594FA}"/>
+          <p:cNvPr id="40" name="直線矢印コネクタ 19">
+            <a:extLst>
+              <a:ext uri="{FF2B5EF4-FFF2-40B4-BE49-F238E27FC236}">
+                <a16:creationId xmlns:a16="http://schemas.microsoft.com/office/drawing/2014/main" id="{833B61E0-3200-6E4B-85AF-3F82AF5236B7}"/>
               </a:ext>
             </a:extLst>
           </p:cNvPr>
           <p:cNvCxnSpPr>
             <a:cxnSpLocks/>
-            <a:stCxn id="29" idx="3"/>
           </p:cNvCxnSpPr>
           <p:nvPr/>
         </p:nvCxnSpPr>
         <p:spPr>
           <a:xfrm>
-            <a:off x="2286000" y="3429000"/>
-            <a:ext cx="2611120" cy="0"/>
+            <a:off x="4336226" y="1983245"/>
+            <a:ext cx="829080" cy="0"/>
           </a:xfrm>
           <a:prstGeom prst="straightConnector1">
             <a:avLst/>
           </a:prstGeom>
           <a:ln w="38100">
-            <a:solidFill>
-              <a:srgbClr val="FF0000"/>
-            </a:solidFill>
+            <a:prstDash val="sysDot"/>
             <a:tailEnd type="triangle"/>
           </a:ln>
         </p:spPr>
         <p:style>
           <a:lnRef idx="1">
-            <a:schemeClr val="accent1"/>
+            <a:schemeClr val="accent2"/>
           </a:lnRef>
           <a:fillRef idx="0">
-            <a:schemeClr val="accent1"/>
+            <a:schemeClr val="accent2"/>
           </a:fillRef>
           <a:effectRef idx="0">
-            <a:schemeClr val="accent1"/>
+            <a:schemeClr val="accent2"/>
           </a:effectRef>
           <a:fontRef idx="minor">
             <a:schemeClr val="tx1"/>
@@ -39433,10 +39389,10 @@
       </p:cxnSp>
       <p:pic>
         <p:nvPicPr>
-          <p:cNvPr id="53" name="Picture 52">
-            <a:extLst>
-              <a:ext uri="{FF2B5EF4-FFF2-40B4-BE49-F238E27FC236}">
-                <a16:creationId xmlns:a16="http://schemas.microsoft.com/office/drawing/2014/main" id="{E6E0C4A8-B368-6142-BFA4-259AFF5CB546}"/>
+          <p:cNvPr id="49" name="Picture 48">
+            <a:extLst>
+              <a:ext uri="{FF2B5EF4-FFF2-40B4-BE49-F238E27FC236}">
+                <a16:creationId xmlns:a16="http://schemas.microsoft.com/office/drawing/2014/main" id="{97673472-2780-4C43-B1C0-BF42A7582210}"/>
               </a:ext>
             </a:extLst>
           </p:cNvPr>
@@ -39446,27 +39402,217 @@
           <p:nvPr/>
         </p:nvPicPr>
         <p:blipFill>
-          <a:blip r:embed="rId2"/>
+          <a:blip r:embed="rId5"/>
           <a:stretch>
             <a:fillRect/>
           </a:stretch>
         </p:blipFill>
         <p:spPr>
           <a:xfrm>
-            <a:off x="4878717" y="2801203"/>
-            <a:ext cx="1092200" cy="1092200"/>
+            <a:off x="8720179" y="3274703"/>
+            <a:ext cx="462955" cy="679001"/>
           </a:xfrm>
           <a:prstGeom prst="rect">
             <a:avLst/>
           </a:prstGeom>
         </p:spPr>
       </p:pic>
+      <p:sp>
+        <p:nvSpPr>
+          <p:cNvPr id="50" name="四角形: 角を丸くする 3">
+            <a:extLst>
+              <a:ext uri="{FF2B5EF4-FFF2-40B4-BE49-F238E27FC236}">
+                <a16:creationId xmlns:a16="http://schemas.microsoft.com/office/drawing/2014/main" id="{15561A77-0F68-CC41-AB50-9DBD848E8D2E}"/>
+              </a:ext>
+            </a:extLst>
+          </p:cNvPr>
+          <p:cNvSpPr/>
+          <p:nvPr/>
+        </p:nvSpPr>
+        <p:spPr>
+          <a:xfrm>
+            <a:off x="6633498" y="3183308"/>
+            <a:ext cx="1375994" cy="811960"/>
+          </a:xfrm>
+          <a:prstGeom prst="roundRect">
+            <a:avLst/>
+          </a:prstGeom>
+          <a:ln w="38100"/>
+        </p:spPr>
+        <p:style>
+          <a:lnRef idx="2">
+            <a:schemeClr val="accent1"/>
+          </a:lnRef>
+          <a:fillRef idx="1">
+            <a:schemeClr val="lt1"/>
+          </a:fillRef>
+          <a:effectRef idx="0">
+            <a:schemeClr val="accent1"/>
+          </a:effectRef>
+          <a:fontRef idx="minor">
+            <a:schemeClr val="dk1"/>
+          </a:fontRef>
+        </p:style>
+        <p:txBody>
+          <a:bodyPr rtlCol="0" anchor="ctr"/>
+          <a:lstStyle/>
+          <a:p>
+            <a:pPr algn="ctr"/>
+            <a:r>
+              <a:rPr kumimoji="1" lang="en-US" altLang="ja-JP" sz="2000" b="1" dirty="0"/>
+              <a:t>MAC</a:t>
+            </a:r>
+          </a:p>
+          <a:p>
+            <a:pPr algn="ctr"/>
+            <a:r>
+              <a:rPr kumimoji="1" lang="en-US" altLang="ja-JP" sz="2000" b="1" dirty="0"/>
+              <a:t>Function</a:t>
+            </a:r>
+          </a:p>
+        </p:txBody>
+      </p:sp>
+      <p:cxnSp>
+        <p:nvCxnSpPr>
+          <p:cNvPr id="52" name="直線矢印コネクタ 19">
+            <a:extLst>
+              <a:ext uri="{FF2B5EF4-FFF2-40B4-BE49-F238E27FC236}">
+                <a16:creationId xmlns:a16="http://schemas.microsoft.com/office/drawing/2014/main" id="{FC2BA7DC-2B19-704C-AE16-9B269142098B}"/>
+              </a:ext>
+            </a:extLst>
+          </p:cNvPr>
+          <p:cNvCxnSpPr>
+            <a:cxnSpLocks/>
+            <a:endCxn id="50" idx="1"/>
+          </p:cNvCxnSpPr>
+          <p:nvPr/>
+        </p:nvCxnSpPr>
+        <p:spPr>
+          <a:xfrm>
+            <a:off x="6015798" y="3589285"/>
+            <a:ext cx="617700" cy="3"/>
+          </a:xfrm>
+          <a:prstGeom prst="straightConnector1">
+            <a:avLst/>
+          </a:prstGeom>
+          <a:ln w="38100">
+            <a:solidFill>
+              <a:schemeClr val="tx1"/>
+            </a:solidFill>
+            <a:tailEnd type="triangle"/>
+          </a:ln>
+        </p:spPr>
+        <p:style>
+          <a:lnRef idx="1">
+            <a:schemeClr val="accent1"/>
+          </a:lnRef>
+          <a:fillRef idx="0">
+            <a:schemeClr val="accent1"/>
+          </a:fillRef>
+          <a:effectRef idx="0">
+            <a:schemeClr val="accent1"/>
+          </a:effectRef>
+          <a:fontRef idx="minor">
+            <a:schemeClr val="tx1"/>
+          </a:fontRef>
+        </p:style>
+      </p:cxnSp>
+      <p:cxnSp>
+        <p:nvCxnSpPr>
+          <p:cNvPr id="59" name="直線矢印コネクタ 21">
+            <a:extLst>
+              <a:ext uri="{FF2B5EF4-FFF2-40B4-BE49-F238E27FC236}">
+                <a16:creationId xmlns:a16="http://schemas.microsoft.com/office/drawing/2014/main" id="{417B1CB7-4919-914F-AB1A-474F050883CE}"/>
+              </a:ext>
+            </a:extLst>
+          </p:cNvPr>
+          <p:cNvCxnSpPr>
+            <a:cxnSpLocks/>
+            <a:stCxn id="50" idx="3"/>
+          </p:cNvCxnSpPr>
+          <p:nvPr/>
+        </p:nvCxnSpPr>
+        <p:spPr>
+          <a:xfrm>
+            <a:off x="8009492" y="3589288"/>
+            <a:ext cx="617700" cy="0"/>
+          </a:xfrm>
+          <a:prstGeom prst="straightConnector1">
+            <a:avLst/>
+          </a:prstGeom>
+          <a:ln w="38100">
+            <a:solidFill>
+              <a:schemeClr val="tx1"/>
+            </a:solidFill>
+            <a:tailEnd type="triangle"/>
+          </a:ln>
+        </p:spPr>
+        <p:style>
+          <a:lnRef idx="1">
+            <a:schemeClr val="accent1"/>
+          </a:lnRef>
+          <a:fillRef idx="0">
+            <a:schemeClr val="accent1"/>
+          </a:fillRef>
+          <a:effectRef idx="0">
+            <a:schemeClr val="accent1"/>
+          </a:effectRef>
+          <a:fontRef idx="minor">
+            <a:schemeClr val="tx1"/>
+          </a:fontRef>
+        </p:style>
+      </p:cxnSp>
+      <p:cxnSp>
+        <p:nvCxnSpPr>
+          <p:cNvPr id="66" name="直線矢印コネクタ 6">
+            <a:extLst>
+              <a:ext uri="{FF2B5EF4-FFF2-40B4-BE49-F238E27FC236}">
+                <a16:creationId xmlns:a16="http://schemas.microsoft.com/office/drawing/2014/main" id="{2BE723D0-CD87-9747-B53B-84257DD23EB0}"/>
+              </a:ext>
+            </a:extLst>
+          </p:cNvPr>
+          <p:cNvCxnSpPr>
+            <a:cxnSpLocks/>
+            <a:endCxn id="50" idx="0"/>
+          </p:cNvCxnSpPr>
+          <p:nvPr/>
+        </p:nvCxnSpPr>
+        <p:spPr>
+          <a:xfrm>
+            <a:off x="7321495" y="2709940"/>
+            <a:ext cx="0" cy="473368"/>
+          </a:xfrm>
+          <a:prstGeom prst="straightConnector1">
+            <a:avLst/>
+          </a:prstGeom>
+          <a:ln w="38100">
+            <a:solidFill>
+              <a:schemeClr val="tx1"/>
+            </a:solidFill>
+            <a:tailEnd type="triangle"/>
+          </a:ln>
+        </p:spPr>
+        <p:style>
+          <a:lnRef idx="1">
+            <a:schemeClr val="accent1"/>
+          </a:lnRef>
+          <a:fillRef idx="0">
+            <a:schemeClr val="accent1"/>
+          </a:fillRef>
+          <a:effectRef idx="0">
+            <a:schemeClr val="accent1"/>
+          </a:effectRef>
+          <a:fontRef idx="minor">
+            <a:schemeClr val="tx1"/>
+          </a:fontRef>
+        </p:style>
+      </p:cxnSp>
       <p:pic>
         <p:nvPicPr>
-          <p:cNvPr id="54" name="Picture 53">
-            <a:extLst>
-              <a:ext uri="{FF2B5EF4-FFF2-40B4-BE49-F238E27FC236}">
-                <a16:creationId xmlns:a16="http://schemas.microsoft.com/office/drawing/2014/main" id="{7987D255-0E3C-0643-BE70-6DB85E8DE67F}"/>
+          <p:cNvPr id="67" name="Picture 14">
+            <a:extLst>
+              <a:ext uri="{FF2B5EF4-FFF2-40B4-BE49-F238E27FC236}">
+                <a16:creationId xmlns:a16="http://schemas.microsoft.com/office/drawing/2014/main" id="{95910B27-4D4B-E543-A3C0-6AD90793CCC2}"/>
               </a:ext>
             </a:extLst>
           </p:cNvPr>
@@ -39476,15 +39622,15 @@
           <p:nvPr/>
         </p:nvPicPr>
         <p:blipFill>
-          <a:blip r:embed="rId2"/>
+          <a:blip r:embed="rId3"/>
           <a:stretch>
             <a:fillRect/>
           </a:stretch>
         </p:blipFill>
         <p:spPr>
-          <a:xfrm>
-            <a:off x="5682649" y="3931920"/>
-            <a:ext cx="1092200" cy="1092200"/>
+          <a:xfrm rot="2423352">
+            <a:off x="7520589" y="2674986"/>
+            <a:ext cx="129858" cy="411217"/>
           </a:xfrm>
           <a:prstGeom prst="rect">
             <a:avLst/>
@@ -39493,10 +39639,10 @@
       </p:pic>
       <p:sp>
         <p:nvSpPr>
-          <p:cNvPr id="55" name="TextBox 54">
-            <a:extLst>
-              <a:ext uri="{FF2B5EF4-FFF2-40B4-BE49-F238E27FC236}">
-                <a16:creationId xmlns:a16="http://schemas.microsoft.com/office/drawing/2014/main" id="{FEB56D35-A488-BD47-BEA9-BB2D1A02FDD3}"/>
+          <p:cNvPr id="68" name="TextBox 15">
+            <a:extLst>
+              <a:ext uri="{FF2B5EF4-FFF2-40B4-BE49-F238E27FC236}">
+                <a16:creationId xmlns:a16="http://schemas.microsoft.com/office/drawing/2014/main" id="{407F6F69-FD85-9141-BF7E-ED6C07F7CBE5}"/>
               </a:ext>
             </a:extLst>
           </p:cNvPr>
@@ -39505,13 +39651,275 @@
         </p:nvSpPr>
         <p:spPr>
           <a:xfrm>
-            <a:off x="5659697" y="3322181"/>
-            <a:ext cx="1011687" cy="369332"/>
+            <a:off x="6531726" y="2709940"/>
+            <a:ext cx="732624" cy="369332"/>
           </a:xfrm>
           <a:prstGeom prst="rect">
             <a:avLst/>
           </a:prstGeom>
           <a:noFill/>
+        </p:spPr>
+        <p:txBody>
+          <a:bodyPr wrap="square" rtlCol="0">
+            <a:spAutoFit/>
+          </a:bodyPr>
+          <a:lstStyle/>
+          <a:p>
+            <a:pPr algn="ctr"/>
+            <a:r>
+              <a:rPr lang="en-US" b="1" dirty="0"/>
+              <a:t>Key</a:t>
+            </a:r>
+          </a:p>
+        </p:txBody>
+      </p:sp>
+      <p:sp>
+        <p:nvSpPr>
+          <p:cNvPr id="69" name="TextBox 45">
+            <a:extLst>
+              <a:ext uri="{FF2B5EF4-FFF2-40B4-BE49-F238E27FC236}">
+                <a16:creationId xmlns:a16="http://schemas.microsoft.com/office/drawing/2014/main" id="{C569DA3E-0AE1-CA4F-9B31-E125BEC89841}"/>
+              </a:ext>
+            </a:extLst>
+          </p:cNvPr>
+          <p:cNvSpPr txBox="1"/>
+          <p:nvPr/>
+        </p:nvSpPr>
+        <p:spPr>
+          <a:xfrm>
+            <a:off x="4982474" y="3857743"/>
+            <a:ext cx="1222579" cy="369332"/>
+          </a:xfrm>
+          <a:prstGeom prst="rect">
+            <a:avLst/>
+          </a:prstGeom>
+          <a:noFill/>
+        </p:spPr>
+        <p:txBody>
+          <a:bodyPr wrap="square" rtlCol="0">
+            <a:spAutoFit/>
+          </a:bodyPr>
+          <a:lstStyle/>
+          <a:p>
+            <a:pPr algn="ctr"/>
+            <a:r>
+              <a:rPr lang="en-US" b="1" dirty="0"/>
+              <a:t>Data </a:t>
+            </a:r>
+            <a:r>
+              <a:rPr lang="en-US" b="1" i="1" dirty="0"/>
+              <a:t>D</a:t>
+            </a:r>
+            <a:endParaRPr lang="en-US" b="1" dirty="0"/>
+          </a:p>
+        </p:txBody>
+      </p:sp>
+      <p:pic>
+        <p:nvPicPr>
+          <p:cNvPr id="70" name="Picture 33">
+            <a:extLst>
+              <a:ext uri="{FF2B5EF4-FFF2-40B4-BE49-F238E27FC236}">
+                <a16:creationId xmlns:a16="http://schemas.microsoft.com/office/drawing/2014/main" id="{979D42F2-CF26-BE43-A863-9AEF6FEAB2A1}"/>
+              </a:ext>
+            </a:extLst>
+          </p:cNvPr>
+          <p:cNvPicPr>
+            <a:picLocks noChangeAspect="1"/>
+          </p:cNvPicPr>
+          <p:nvPr/>
+        </p:nvPicPr>
+        <p:blipFill>
+          <a:blip r:embed="rId4"/>
+          <a:stretch>
+            <a:fillRect/>
+          </a:stretch>
+        </p:blipFill>
+        <p:spPr>
+          <a:xfrm>
+            <a:off x="5264774" y="3267503"/>
+            <a:ext cx="658037" cy="658037"/>
+          </a:xfrm>
+          <a:prstGeom prst="rect">
+            <a:avLst/>
+          </a:prstGeom>
+        </p:spPr>
+      </p:pic>
+      <p:sp>
+        <p:nvSpPr>
+          <p:cNvPr id="71" name="Rectangle 70">
+            <a:extLst>
+              <a:ext uri="{FF2B5EF4-FFF2-40B4-BE49-F238E27FC236}">
+                <a16:creationId xmlns:a16="http://schemas.microsoft.com/office/drawing/2014/main" id="{90143F33-29D8-AD4A-A4E9-7F80BECFD946}"/>
+              </a:ext>
+            </a:extLst>
+          </p:cNvPr>
+          <p:cNvSpPr/>
+          <p:nvPr/>
+        </p:nvSpPr>
+        <p:spPr>
+          <a:xfrm>
+            <a:off x="8629035" y="3920715"/>
+            <a:ext cx="645241" cy="369332"/>
+          </a:xfrm>
+          <a:prstGeom prst="rect">
+            <a:avLst/>
+          </a:prstGeom>
+        </p:spPr>
+        <p:txBody>
+          <a:bodyPr wrap="none">
+            <a:spAutoFit/>
+          </a:bodyPr>
+          <a:lstStyle/>
+          <a:p>
+            <a:r>
+              <a:rPr lang="en-US" b="1" dirty="0"/>
+              <a:t>MAC</a:t>
+            </a:r>
+          </a:p>
+        </p:txBody>
+      </p:sp>
+      <p:sp>
+        <p:nvSpPr>
+          <p:cNvPr id="72" name="Rectangle 71">
+            <a:extLst>
+              <a:ext uri="{FF2B5EF4-FFF2-40B4-BE49-F238E27FC236}">
+                <a16:creationId xmlns:a16="http://schemas.microsoft.com/office/drawing/2014/main" id="{8AA5E07A-4D72-C14E-93DE-07C84D71145B}"/>
+              </a:ext>
+            </a:extLst>
+          </p:cNvPr>
+          <p:cNvSpPr/>
+          <p:nvPr/>
+        </p:nvSpPr>
+        <p:spPr>
+          <a:xfrm>
+            <a:off x="5254309" y="2321771"/>
+            <a:ext cx="645241" cy="369332"/>
+          </a:xfrm>
+          <a:prstGeom prst="rect">
+            <a:avLst/>
+          </a:prstGeom>
+        </p:spPr>
+        <p:txBody>
+          <a:bodyPr wrap="none">
+            <a:spAutoFit/>
+          </a:bodyPr>
+          <a:lstStyle/>
+          <a:p>
+            <a:r>
+              <a:rPr lang="en-US" b="1" dirty="0"/>
+              <a:t>MAC</a:t>
+            </a:r>
+          </a:p>
+        </p:txBody>
+      </p:sp>
+      <p:pic>
+        <p:nvPicPr>
+          <p:cNvPr id="73" name="Picture 72">
+            <a:extLst>
+              <a:ext uri="{FF2B5EF4-FFF2-40B4-BE49-F238E27FC236}">
+                <a16:creationId xmlns:a16="http://schemas.microsoft.com/office/drawing/2014/main" id="{707CD107-C9F9-914B-A4B2-13CCF4536C8F}"/>
+              </a:ext>
+            </a:extLst>
+          </p:cNvPr>
+          <p:cNvPicPr>
+            <a:picLocks noChangeAspect="1"/>
+          </p:cNvPicPr>
+          <p:nvPr/>
+        </p:nvPicPr>
+        <p:blipFill>
+          <a:blip r:embed="rId5"/>
+          <a:stretch>
+            <a:fillRect/>
+          </a:stretch>
+        </p:blipFill>
+        <p:spPr>
+          <a:xfrm>
+            <a:off x="5333897" y="1642770"/>
+            <a:ext cx="462955" cy="679001"/>
+          </a:xfrm>
+          <a:prstGeom prst="rect">
+            <a:avLst/>
+          </a:prstGeom>
+        </p:spPr>
+      </p:pic>
+      <p:sp>
+        <p:nvSpPr>
+          <p:cNvPr id="37" name="Left-Up Arrow 36">
+            <a:extLst>
+              <a:ext uri="{FF2B5EF4-FFF2-40B4-BE49-F238E27FC236}">
+                <a16:creationId xmlns:a16="http://schemas.microsoft.com/office/drawing/2014/main" id="{EBE78E0B-E7F6-EE42-B978-40F945DE3991}"/>
+              </a:ext>
+            </a:extLst>
+          </p:cNvPr>
+          <p:cNvSpPr/>
+          <p:nvPr/>
+        </p:nvSpPr>
+        <p:spPr>
+          <a:xfrm rot="16200000">
+            <a:off x="6940649" y="862061"/>
+            <a:ext cx="1301221" cy="3133186"/>
+          </a:xfrm>
+          <a:prstGeom prst="leftUpArrow">
+            <a:avLst>
+              <a:gd name="adj1" fmla="val 15417"/>
+              <a:gd name="adj2" fmla="val 25000"/>
+              <a:gd name="adj3" fmla="val 23403"/>
+            </a:avLst>
+          </a:prstGeom>
+        </p:spPr>
+        <p:style>
+          <a:lnRef idx="2">
+            <a:schemeClr val="accent1">
+              <a:shade val="50000"/>
+            </a:schemeClr>
+          </a:lnRef>
+          <a:fillRef idx="1">
+            <a:schemeClr val="accent1"/>
+          </a:fillRef>
+          <a:effectRef idx="0">
+            <a:schemeClr val="accent1"/>
+          </a:effectRef>
+          <a:fontRef idx="minor">
+            <a:schemeClr val="lt1"/>
+          </a:fontRef>
+        </p:style>
+        <p:txBody>
+          <a:bodyPr rtlCol="0" anchor="ctr"/>
+          <a:lstStyle/>
+          <a:p>
+            <a:pPr algn="ctr"/>
+            <a:endParaRPr lang="en-US"/>
+          </a:p>
+        </p:txBody>
+      </p:sp>
+      <p:sp>
+        <p:nvSpPr>
+          <p:cNvPr id="64" name="TextBox 63">
+            <a:extLst>
+              <a:ext uri="{FF2B5EF4-FFF2-40B4-BE49-F238E27FC236}">
+                <a16:creationId xmlns:a16="http://schemas.microsoft.com/office/drawing/2014/main" id="{A6F9667D-0B4C-AE47-873D-1009F1659DA1}"/>
+              </a:ext>
+            </a:extLst>
+          </p:cNvPr>
+          <p:cNvSpPr txBox="1"/>
+          <p:nvPr/>
+        </p:nvSpPr>
+        <p:spPr>
+          <a:xfrm>
+            <a:off x="7723791" y="1915721"/>
+            <a:ext cx="1385123" cy="369332"/>
+          </a:xfrm>
+          <a:prstGeom prst="rect">
+            <a:avLst/>
+          </a:prstGeom>
+          <a:solidFill>
+            <a:schemeClr val="bg1"/>
+          </a:solidFill>
+          <a:ln>
+            <a:solidFill>
+              <a:schemeClr val="tx1"/>
+            </a:solidFill>
+          </a:ln>
         </p:spPr>
         <p:txBody>
           <a:bodyPr wrap="none" rtlCol="0">
@@ -39520,51 +39928,124 @@
           <a:lstStyle/>
           <a:p>
             <a:r>
-              <a:rPr lang="en-US" b="1" dirty="0"/>
-              <a:t>Cracked!</a:t>
-            </a:r>
-          </a:p>
-        </p:txBody>
-      </p:sp>
-      <p:sp>
-        <p:nvSpPr>
-          <p:cNvPr id="56" name="TextBox 55">
-            <a:extLst>
-              <a:ext uri="{FF2B5EF4-FFF2-40B4-BE49-F238E27FC236}">
-                <a16:creationId xmlns:a16="http://schemas.microsoft.com/office/drawing/2014/main" id="{947FFC61-9E81-FF4F-9D2E-C3252BA5AB27}"/>
-              </a:ext>
-            </a:extLst>
-          </p:cNvPr>
-          <p:cNvSpPr txBox="1"/>
-          <p:nvPr/>
-        </p:nvSpPr>
-        <p:spPr>
-          <a:xfrm>
-            <a:off x="6458505" y="4592320"/>
-            <a:ext cx="1011687" cy="369332"/>
-          </a:xfrm>
-          <a:prstGeom prst="rect">
-            <a:avLst/>
-          </a:prstGeom>
-          <a:noFill/>
-        </p:spPr>
-        <p:txBody>
-          <a:bodyPr wrap="none" rtlCol="0">
-            <a:spAutoFit/>
-          </a:bodyPr>
-          <a:lstStyle/>
-          <a:p>
-            <a:r>
-              <a:rPr lang="en-US" b="1" dirty="0"/>
-              <a:t>Cracked!</a:t>
-            </a:r>
+              <a:rPr lang="en-US" b="1" dirty="0">
+                <a:solidFill>
+                  <a:srgbClr val="FF0000"/>
+                </a:solidFill>
+              </a:rPr>
+              <a:t>Same value?</a:t>
+            </a:r>
+          </a:p>
+        </p:txBody>
+      </p:sp>
+      <p:sp>
+        <p:nvSpPr>
+          <p:cNvPr id="41" name="Left Brace 40">
+            <a:extLst>
+              <a:ext uri="{FF2B5EF4-FFF2-40B4-BE49-F238E27FC236}">
+                <a16:creationId xmlns:a16="http://schemas.microsoft.com/office/drawing/2014/main" id="{3E901C39-F648-F64E-9A3E-4F62CA99CD1E}"/>
+              </a:ext>
+            </a:extLst>
+          </p:cNvPr>
+          <p:cNvSpPr/>
+          <p:nvPr/>
+        </p:nvSpPr>
+        <p:spPr>
+          <a:xfrm rot="16200000">
+            <a:off x="2252295" y="2420168"/>
+            <a:ext cx="214052" cy="3953810"/>
+          </a:xfrm>
+          <a:prstGeom prst="leftBrace">
+            <a:avLst>
+              <a:gd name="adj1" fmla="val 41415"/>
+              <a:gd name="adj2" fmla="val 50000"/>
+            </a:avLst>
+          </a:prstGeom>
+          <a:ln w="19050">
+            <a:solidFill>
+              <a:schemeClr val="tx1"/>
+            </a:solidFill>
+          </a:ln>
+        </p:spPr>
+        <p:style>
+          <a:lnRef idx="1">
+            <a:schemeClr val="accent1"/>
+          </a:lnRef>
+          <a:fillRef idx="0">
+            <a:schemeClr val="accent1"/>
+          </a:fillRef>
+          <a:effectRef idx="0">
+            <a:schemeClr val="accent1"/>
+          </a:effectRef>
+          <a:fontRef idx="minor">
+            <a:schemeClr val="tx1"/>
+          </a:fontRef>
+        </p:style>
+        <p:txBody>
+          <a:bodyPr rtlCol="0" anchor="ctr"/>
+          <a:lstStyle/>
+          <a:p>
+            <a:pPr algn="ctr"/>
+            <a:endParaRPr lang="en-US"/>
+          </a:p>
+        </p:txBody>
+      </p:sp>
+      <p:sp>
+        <p:nvSpPr>
+          <p:cNvPr id="74" name="Left Brace 73">
+            <a:extLst>
+              <a:ext uri="{FF2B5EF4-FFF2-40B4-BE49-F238E27FC236}">
+                <a16:creationId xmlns:a16="http://schemas.microsoft.com/office/drawing/2014/main" id="{F83CB9DE-BACB-8B45-8DC0-438BFF64C0D3}"/>
+              </a:ext>
+            </a:extLst>
+          </p:cNvPr>
+          <p:cNvSpPr/>
+          <p:nvPr/>
+        </p:nvSpPr>
+        <p:spPr>
+          <a:xfrm rot="16200000">
+            <a:off x="7190345" y="2418009"/>
+            <a:ext cx="214052" cy="3953810"/>
+          </a:xfrm>
+          <a:prstGeom prst="leftBrace">
+            <a:avLst>
+              <a:gd name="adj1" fmla="val 41415"/>
+              <a:gd name="adj2" fmla="val 50000"/>
+            </a:avLst>
+          </a:prstGeom>
+          <a:ln w="19050">
+            <a:solidFill>
+              <a:schemeClr val="tx1"/>
+            </a:solidFill>
+          </a:ln>
+        </p:spPr>
+        <p:style>
+          <a:lnRef idx="1">
+            <a:schemeClr val="accent1"/>
+          </a:lnRef>
+          <a:fillRef idx="0">
+            <a:schemeClr val="accent1"/>
+          </a:fillRef>
+          <a:effectRef idx="0">
+            <a:schemeClr val="accent1"/>
+          </a:effectRef>
+          <a:fontRef idx="minor">
+            <a:schemeClr val="tx1"/>
+          </a:fontRef>
+        </p:style>
+        <p:txBody>
+          <a:bodyPr rtlCol="0" anchor="ctr"/>
+          <a:lstStyle/>
+          <a:p>
+            <a:pPr algn="ctr"/>
+            <a:endParaRPr lang="en-US"/>
           </a:p>
         </p:txBody>
       </p:sp>
     </p:spTree>
     <p:extLst>
       <p:ext uri="{BB962C8B-B14F-4D97-AF65-F5344CB8AC3E}">
-        <p14:creationId xmlns:p14="http://schemas.microsoft.com/office/powerpoint/2010/main" val="1642125002"/>
+        <p14:creationId xmlns:p14="http://schemas.microsoft.com/office/powerpoint/2010/main" val="3724766153"/>
       </p:ext>
     </p:extLst>
   </p:cSld>
@@ -39591,6 +40072,844 @@
           <a:chExt cx="0" cy="0"/>
         </a:xfrm>
       </p:grpSpPr>
+      <p:cxnSp>
+        <p:nvCxnSpPr>
+          <p:cNvPr id="19" name="Straight Arrow Connector 18">
+            <a:extLst>
+              <a:ext uri="{FF2B5EF4-FFF2-40B4-BE49-F238E27FC236}">
+                <a16:creationId xmlns:a16="http://schemas.microsoft.com/office/drawing/2014/main" id="{7C779DB8-CB67-6540-B04B-22E821246A72}"/>
+              </a:ext>
+            </a:extLst>
+          </p:cNvPr>
+          <p:cNvCxnSpPr>
+            <a:cxnSpLocks/>
+          </p:cNvCxnSpPr>
+          <p:nvPr/>
+        </p:nvCxnSpPr>
+        <p:spPr>
+          <a:xfrm>
+            <a:off x="568960" y="2407920"/>
+            <a:ext cx="10952480" cy="0"/>
+          </a:xfrm>
+          <a:prstGeom prst="straightConnector1">
+            <a:avLst/>
+          </a:prstGeom>
+          <a:ln w="38100">
+            <a:solidFill>
+              <a:schemeClr val="tx1"/>
+            </a:solidFill>
+            <a:tailEnd type="triangle"/>
+          </a:ln>
+        </p:spPr>
+        <p:style>
+          <a:lnRef idx="1">
+            <a:schemeClr val="accent1"/>
+          </a:lnRef>
+          <a:fillRef idx="0">
+            <a:schemeClr val="accent1"/>
+          </a:fillRef>
+          <a:effectRef idx="0">
+            <a:schemeClr val="accent1"/>
+          </a:effectRef>
+          <a:fontRef idx="minor">
+            <a:schemeClr val="tx1"/>
+          </a:fontRef>
+        </p:style>
+      </p:cxnSp>
+      <p:sp>
+        <p:nvSpPr>
+          <p:cNvPr id="21" name="TextBox 20">
+            <a:extLst>
+              <a:ext uri="{FF2B5EF4-FFF2-40B4-BE49-F238E27FC236}">
+                <a16:creationId xmlns:a16="http://schemas.microsoft.com/office/drawing/2014/main" id="{14E9F4FB-E7A2-A640-AC92-B8BE5BA82B3B}"/>
+              </a:ext>
+            </a:extLst>
+          </p:cNvPr>
+          <p:cNvSpPr txBox="1"/>
+          <p:nvPr/>
+        </p:nvSpPr>
+        <p:spPr>
+          <a:xfrm>
+            <a:off x="10185397" y="2052042"/>
+            <a:ext cx="652743" cy="369332"/>
+          </a:xfrm>
+          <a:prstGeom prst="rect">
+            <a:avLst/>
+          </a:prstGeom>
+          <a:noFill/>
+        </p:spPr>
+        <p:txBody>
+          <a:bodyPr wrap="none" rtlCol="0">
+            <a:spAutoFit/>
+          </a:bodyPr>
+          <a:lstStyle/>
+          <a:p>
+            <a:r>
+              <a:rPr lang="en-US" dirty="0"/>
+              <a:t>2020</a:t>
+            </a:r>
+          </a:p>
+        </p:txBody>
+      </p:sp>
+      <p:sp>
+        <p:nvSpPr>
+          <p:cNvPr id="22" name="TextBox 21">
+            <a:extLst>
+              <a:ext uri="{FF2B5EF4-FFF2-40B4-BE49-F238E27FC236}">
+                <a16:creationId xmlns:a16="http://schemas.microsoft.com/office/drawing/2014/main" id="{BA290AD6-FABE-BA4A-8810-2349AC51F6A3}"/>
+              </a:ext>
+            </a:extLst>
+          </p:cNvPr>
+          <p:cNvSpPr txBox="1"/>
+          <p:nvPr/>
+        </p:nvSpPr>
+        <p:spPr>
+          <a:xfrm>
+            <a:off x="6979918" y="2052042"/>
+            <a:ext cx="652743" cy="369332"/>
+          </a:xfrm>
+          <a:prstGeom prst="rect">
+            <a:avLst/>
+          </a:prstGeom>
+          <a:noFill/>
+        </p:spPr>
+        <p:txBody>
+          <a:bodyPr wrap="none" rtlCol="0">
+            <a:spAutoFit/>
+          </a:bodyPr>
+          <a:lstStyle/>
+          <a:p>
+            <a:r>
+              <a:rPr lang="en-US" dirty="0"/>
+              <a:t>2010</a:t>
+            </a:r>
+          </a:p>
+        </p:txBody>
+      </p:sp>
+      <p:sp>
+        <p:nvSpPr>
+          <p:cNvPr id="23" name="TextBox 22">
+            <a:extLst>
+              <a:ext uri="{FF2B5EF4-FFF2-40B4-BE49-F238E27FC236}">
+                <a16:creationId xmlns:a16="http://schemas.microsoft.com/office/drawing/2014/main" id="{0CA5BF0A-A4B8-9C45-B234-9344E26B745D}"/>
+              </a:ext>
+            </a:extLst>
+          </p:cNvPr>
+          <p:cNvSpPr txBox="1"/>
+          <p:nvPr/>
+        </p:nvSpPr>
+        <p:spPr>
+          <a:xfrm>
+            <a:off x="3774439" y="2048470"/>
+            <a:ext cx="652743" cy="369332"/>
+          </a:xfrm>
+          <a:prstGeom prst="rect">
+            <a:avLst/>
+          </a:prstGeom>
+          <a:noFill/>
+        </p:spPr>
+        <p:txBody>
+          <a:bodyPr wrap="none" rtlCol="0">
+            <a:spAutoFit/>
+          </a:bodyPr>
+          <a:lstStyle/>
+          <a:p>
+            <a:r>
+              <a:rPr lang="en-US" dirty="0"/>
+              <a:t>2000</a:t>
+            </a:r>
+          </a:p>
+        </p:txBody>
+      </p:sp>
+      <p:sp>
+        <p:nvSpPr>
+          <p:cNvPr id="24" name="TextBox 23">
+            <a:extLst>
+              <a:ext uri="{FF2B5EF4-FFF2-40B4-BE49-F238E27FC236}">
+                <a16:creationId xmlns:a16="http://schemas.microsoft.com/office/drawing/2014/main" id="{DB3D8CC6-BC53-EC4B-9E1D-DFC06A2E7261}"/>
+              </a:ext>
+            </a:extLst>
+          </p:cNvPr>
+          <p:cNvSpPr txBox="1"/>
+          <p:nvPr/>
+        </p:nvSpPr>
+        <p:spPr>
+          <a:xfrm>
+            <a:off x="568960" y="2052042"/>
+            <a:ext cx="652743" cy="369332"/>
+          </a:xfrm>
+          <a:prstGeom prst="rect">
+            <a:avLst/>
+          </a:prstGeom>
+          <a:noFill/>
+        </p:spPr>
+        <p:txBody>
+          <a:bodyPr wrap="none" rtlCol="0">
+            <a:spAutoFit/>
+          </a:bodyPr>
+          <a:lstStyle/>
+          <a:p>
+            <a:r>
+              <a:rPr lang="en-US" dirty="0"/>
+              <a:t>1990</a:t>
+            </a:r>
+          </a:p>
+        </p:txBody>
+      </p:sp>
+      <p:sp>
+        <p:nvSpPr>
+          <p:cNvPr id="29" name="Rounded Rectangle 28">
+            <a:extLst>
+              <a:ext uri="{FF2B5EF4-FFF2-40B4-BE49-F238E27FC236}">
+                <a16:creationId xmlns:a16="http://schemas.microsoft.com/office/drawing/2014/main" id="{84D28C2D-6E36-4841-85FC-3E4ED9A7CFDE}"/>
+              </a:ext>
+            </a:extLst>
+          </p:cNvPr>
+          <p:cNvSpPr/>
+          <p:nvPr/>
+        </p:nvSpPr>
+        <p:spPr>
+          <a:xfrm>
+            <a:off x="568960" y="3012441"/>
+            <a:ext cx="1717040" cy="833118"/>
+          </a:xfrm>
+          <a:prstGeom prst="roundRect">
+            <a:avLst/>
+          </a:prstGeom>
+          <a:solidFill>
+            <a:schemeClr val="bg2">
+              <a:lumMod val="90000"/>
+            </a:schemeClr>
+          </a:solidFill>
+          <a:ln w="38100">
+            <a:solidFill>
+              <a:schemeClr val="tx1"/>
+            </a:solidFill>
+          </a:ln>
+        </p:spPr>
+        <p:style>
+          <a:lnRef idx="2">
+            <a:schemeClr val="accent1"/>
+          </a:lnRef>
+          <a:fillRef idx="1">
+            <a:schemeClr val="lt1"/>
+          </a:fillRef>
+          <a:effectRef idx="0">
+            <a:schemeClr val="accent1"/>
+          </a:effectRef>
+          <a:fontRef idx="minor">
+            <a:schemeClr val="dk1"/>
+          </a:fontRef>
+        </p:style>
+        <p:txBody>
+          <a:bodyPr rtlCol="0" anchor="ctr"/>
+          <a:lstStyle/>
+          <a:p>
+            <a:r>
+              <a:rPr lang="en-US" b="1" dirty="0"/>
+              <a:t>1992: MD5 (128bits)</a:t>
+            </a:r>
+          </a:p>
+        </p:txBody>
+      </p:sp>
+      <p:cxnSp>
+        <p:nvCxnSpPr>
+          <p:cNvPr id="31" name="Straight Connector 30">
+            <a:extLst>
+              <a:ext uri="{FF2B5EF4-FFF2-40B4-BE49-F238E27FC236}">
+                <a16:creationId xmlns:a16="http://schemas.microsoft.com/office/drawing/2014/main" id="{0F4C74E7-CC1E-9C48-9005-5157CE5D8F86}"/>
+              </a:ext>
+            </a:extLst>
+          </p:cNvPr>
+          <p:cNvCxnSpPr>
+            <a:stCxn id="29" idx="0"/>
+          </p:cNvCxnSpPr>
+          <p:nvPr/>
+        </p:nvCxnSpPr>
+        <p:spPr>
+          <a:xfrm flipV="1">
+            <a:off x="1427480" y="2417802"/>
+            <a:ext cx="3829" cy="594639"/>
+          </a:xfrm>
+          <a:prstGeom prst="line">
+            <a:avLst/>
+          </a:prstGeom>
+          <a:ln w="38100">
+            <a:solidFill>
+              <a:schemeClr val="tx1"/>
+            </a:solidFill>
+            <a:prstDash val="sysDash"/>
+          </a:ln>
+        </p:spPr>
+        <p:style>
+          <a:lnRef idx="1">
+            <a:schemeClr val="accent1"/>
+          </a:lnRef>
+          <a:fillRef idx="0">
+            <a:schemeClr val="accent1"/>
+          </a:fillRef>
+          <a:effectRef idx="0">
+            <a:schemeClr val="accent1"/>
+          </a:effectRef>
+          <a:fontRef idx="minor">
+            <a:schemeClr val="tx1"/>
+          </a:fontRef>
+        </p:style>
+      </p:cxnSp>
+      <p:sp>
+        <p:nvSpPr>
+          <p:cNvPr id="32" name="Rounded Rectangle 31">
+            <a:extLst>
+              <a:ext uri="{FF2B5EF4-FFF2-40B4-BE49-F238E27FC236}">
+                <a16:creationId xmlns:a16="http://schemas.microsoft.com/office/drawing/2014/main" id="{5386E749-0403-4D4E-9F00-A185D4AC4148}"/>
+              </a:ext>
+            </a:extLst>
+          </p:cNvPr>
+          <p:cNvSpPr/>
+          <p:nvPr/>
+        </p:nvSpPr>
+        <p:spPr>
+          <a:xfrm>
+            <a:off x="1652878" y="4185922"/>
+            <a:ext cx="1717036" cy="833118"/>
+          </a:xfrm>
+          <a:prstGeom prst="roundRect">
+            <a:avLst/>
+          </a:prstGeom>
+          <a:solidFill>
+            <a:schemeClr val="bg2">
+              <a:lumMod val="90000"/>
+            </a:schemeClr>
+          </a:solidFill>
+          <a:ln w="38100">
+            <a:solidFill>
+              <a:schemeClr val="tx1"/>
+            </a:solidFill>
+          </a:ln>
+        </p:spPr>
+        <p:style>
+          <a:lnRef idx="2">
+            <a:schemeClr val="accent1"/>
+          </a:lnRef>
+          <a:fillRef idx="1">
+            <a:schemeClr val="lt1"/>
+          </a:fillRef>
+          <a:effectRef idx="0">
+            <a:schemeClr val="accent1"/>
+          </a:effectRef>
+          <a:fontRef idx="minor">
+            <a:schemeClr val="dk1"/>
+          </a:fontRef>
+        </p:style>
+        <p:txBody>
+          <a:bodyPr rtlCol="0" anchor="ctr"/>
+          <a:lstStyle/>
+          <a:p>
+            <a:r>
+              <a:rPr lang="en-US" b="1" dirty="0"/>
+              <a:t>1992: SHA-1 (160bits)</a:t>
+            </a:r>
+          </a:p>
+        </p:txBody>
+      </p:sp>
+      <p:cxnSp>
+        <p:nvCxnSpPr>
+          <p:cNvPr id="33" name="Straight Connector 32">
+            <a:extLst>
+              <a:ext uri="{FF2B5EF4-FFF2-40B4-BE49-F238E27FC236}">
+                <a16:creationId xmlns:a16="http://schemas.microsoft.com/office/drawing/2014/main" id="{FD4D9F05-6924-E940-A42D-1A558F8B92DD}"/>
+              </a:ext>
+            </a:extLst>
+          </p:cNvPr>
+          <p:cNvCxnSpPr>
+            <a:cxnSpLocks/>
+            <a:stCxn id="32" idx="0"/>
+          </p:cNvCxnSpPr>
+          <p:nvPr/>
+        </p:nvCxnSpPr>
+        <p:spPr>
+          <a:xfrm flipH="1" flipV="1">
+            <a:off x="2505106" y="2392681"/>
+            <a:ext cx="6290" cy="1793241"/>
+          </a:xfrm>
+          <a:prstGeom prst="line">
+            <a:avLst/>
+          </a:prstGeom>
+          <a:ln w="38100">
+            <a:solidFill>
+              <a:schemeClr val="tx1"/>
+            </a:solidFill>
+            <a:prstDash val="sysDash"/>
+          </a:ln>
+        </p:spPr>
+        <p:style>
+          <a:lnRef idx="1">
+            <a:schemeClr val="accent1"/>
+          </a:lnRef>
+          <a:fillRef idx="0">
+            <a:schemeClr val="accent1"/>
+          </a:fillRef>
+          <a:effectRef idx="0">
+            <a:schemeClr val="accent1"/>
+          </a:effectRef>
+          <a:fontRef idx="minor">
+            <a:schemeClr val="tx1"/>
+          </a:fontRef>
+        </p:style>
+      </p:cxnSp>
+      <p:sp>
+        <p:nvSpPr>
+          <p:cNvPr id="38" name="Rounded Rectangle 37">
+            <a:extLst>
+              <a:ext uri="{FF2B5EF4-FFF2-40B4-BE49-F238E27FC236}">
+                <a16:creationId xmlns:a16="http://schemas.microsoft.com/office/drawing/2014/main" id="{DDEC957D-4ADB-CF41-BB3F-24D767E9E52F}"/>
+              </a:ext>
+            </a:extLst>
+          </p:cNvPr>
+          <p:cNvSpPr/>
+          <p:nvPr/>
+        </p:nvSpPr>
+        <p:spPr>
+          <a:xfrm>
+            <a:off x="3667761" y="5420362"/>
+            <a:ext cx="1717040" cy="833118"/>
+          </a:xfrm>
+          <a:prstGeom prst="roundRect">
+            <a:avLst/>
+          </a:prstGeom>
+          <a:solidFill>
+            <a:schemeClr val="accent6">
+              <a:lumMod val="20000"/>
+              <a:lumOff val="80000"/>
+            </a:schemeClr>
+          </a:solidFill>
+          <a:ln w="38100">
+            <a:solidFill>
+              <a:schemeClr val="tx1"/>
+            </a:solidFill>
+          </a:ln>
+        </p:spPr>
+        <p:style>
+          <a:lnRef idx="2">
+            <a:schemeClr val="accent1"/>
+          </a:lnRef>
+          <a:fillRef idx="1">
+            <a:schemeClr val="lt1"/>
+          </a:fillRef>
+          <a:effectRef idx="0">
+            <a:schemeClr val="accent1"/>
+          </a:effectRef>
+          <a:fontRef idx="minor">
+            <a:schemeClr val="dk1"/>
+          </a:fontRef>
+        </p:style>
+        <p:txBody>
+          <a:bodyPr rtlCol="0" anchor="ctr"/>
+          <a:lstStyle/>
+          <a:p>
+            <a:r>
+              <a:rPr lang="en-US" b="1" dirty="0"/>
+              <a:t>2001: SHA-2 (224, 256, 384, 512bits)</a:t>
+            </a:r>
+          </a:p>
+        </p:txBody>
+      </p:sp>
+      <p:cxnSp>
+        <p:nvCxnSpPr>
+          <p:cNvPr id="39" name="Straight Connector 38">
+            <a:extLst>
+              <a:ext uri="{FF2B5EF4-FFF2-40B4-BE49-F238E27FC236}">
+                <a16:creationId xmlns:a16="http://schemas.microsoft.com/office/drawing/2014/main" id="{9537E734-E6FF-7942-AE8C-4E4BB7CE133D}"/>
+              </a:ext>
+            </a:extLst>
+          </p:cNvPr>
+          <p:cNvCxnSpPr>
+            <a:cxnSpLocks/>
+            <a:stCxn id="38" idx="0"/>
+          </p:cNvCxnSpPr>
+          <p:nvPr/>
+        </p:nvCxnSpPr>
+        <p:spPr>
+          <a:xfrm flipV="1">
+            <a:off x="4526281" y="2418360"/>
+            <a:ext cx="0" cy="3002002"/>
+          </a:xfrm>
+          <a:prstGeom prst="line">
+            <a:avLst/>
+          </a:prstGeom>
+          <a:ln w="38100">
+            <a:solidFill>
+              <a:schemeClr val="tx1"/>
+            </a:solidFill>
+            <a:prstDash val="sysDash"/>
+          </a:ln>
+        </p:spPr>
+        <p:style>
+          <a:lnRef idx="1">
+            <a:schemeClr val="accent1"/>
+          </a:lnRef>
+          <a:fillRef idx="0">
+            <a:schemeClr val="accent1"/>
+          </a:fillRef>
+          <a:effectRef idx="0">
+            <a:schemeClr val="accent1"/>
+          </a:effectRef>
+          <a:fontRef idx="minor">
+            <a:schemeClr val="tx1"/>
+          </a:fontRef>
+        </p:style>
+      </p:cxnSp>
+      <p:sp>
+        <p:nvSpPr>
+          <p:cNvPr id="44" name="Rounded Rectangle 43">
+            <a:extLst>
+              <a:ext uri="{FF2B5EF4-FFF2-40B4-BE49-F238E27FC236}">
+                <a16:creationId xmlns:a16="http://schemas.microsoft.com/office/drawing/2014/main" id="{28643617-847D-A348-9867-A14348FFE963}"/>
+              </a:ext>
+            </a:extLst>
+          </p:cNvPr>
+          <p:cNvSpPr/>
+          <p:nvPr/>
+        </p:nvSpPr>
+        <p:spPr>
+          <a:xfrm>
+            <a:off x="8188961" y="5394683"/>
+            <a:ext cx="1717040" cy="833118"/>
+          </a:xfrm>
+          <a:prstGeom prst="roundRect">
+            <a:avLst/>
+          </a:prstGeom>
+          <a:solidFill>
+            <a:schemeClr val="accent6">
+              <a:lumMod val="20000"/>
+              <a:lumOff val="80000"/>
+            </a:schemeClr>
+          </a:solidFill>
+          <a:ln w="38100">
+            <a:solidFill>
+              <a:schemeClr val="tx1"/>
+            </a:solidFill>
+          </a:ln>
+        </p:spPr>
+        <p:style>
+          <a:lnRef idx="2">
+            <a:schemeClr val="accent1"/>
+          </a:lnRef>
+          <a:fillRef idx="1">
+            <a:schemeClr val="lt1"/>
+          </a:fillRef>
+          <a:effectRef idx="0">
+            <a:schemeClr val="accent1"/>
+          </a:effectRef>
+          <a:fontRef idx="minor">
+            <a:schemeClr val="dk1"/>
+          </a:fontRef>
+        </p:style>
+        <p:txBody>
+          <a:bodyPr rtlCol="0" anchor="ctr"/>
+          <a:lstStyle/>
+          <a:p>
+            <a:r>
+              <a:rPr lang="en-US" b="1" dirty="0"/>
+              <a:t>2015: SHA-3 (224, 256, 384, 512bits)</a:t>
+            </a:r>
+          </a:p>
+        </p:txBody>
+      </p:sp>
+      <p:cxnSp>
+        <p:nvCxnSpPr>
+          <p:cNvPr id="45" name="Straight Connector 44">
+            <a:extLst>
+              <a:ext uri="{FF2B5EF4-FFF2-40B4-BE49-F238E27FC236}">
+                <a16:creationId xmlns:a16="http://schemas.microsoft.com/office/drawing/2014/main" id="{07B90B82-90DF-6648-911B-CE5F17D965B2}"/>
+              </a:ext>
+            </a:extLst>
+          </p:cNvPr>
+          <p:cNvCxnSpPr>
+            <a:cxnSpLocks/>
+            <a:stCxn id="44" idx="0"/>
+          </p:cNvCxnSpPr>
+          <p:nvPr/>
+        </p:nvCxnSpPr>
+        <p:spPr>
+          <a:xfrm flipV="1">
+            <a:off x="9047481" y="2392681"/>
+            <a:ext cx="0" cy="3002002"/>
+          </a:xfrm>
+          <a:prstGeom prst="line">
+            <a:avLst/>
+          </a:prstGeom>
+          <a:ln w="38100">
+            <a:solidFill>
+              <a:schemeClr val="tx1"/>
+            </a:solidFill>
+            <a:prstDash val="sysDash"/>
+          </a:ln>
+        </p:spPr>
+        <p:style>
+          <a:lnRef idx="1">
+            <a:schemeClr val="accent1"/>
+          </a:lnRef>
+          <a:fillRef idx="0">
+            <a:schemeClr val="accent1"/>
+          </a:fillRef>
+          <a:effectRef idx="0">
+            <a:schemeClr val="accent1"/>
+          </a:effectRef>
+          <a:fontRef idx="minor">
+            <a:schemeClr val="tx1"/>
+          </a:fontRef>
+        </p:style>
+      </p:cxnSp>
+      <p:cxnSp>
+        <p:nvCxnSpPr>
+          <p:cNvPr id="47" name="Straight Arrow Connector 46">
+            <a:extLst>
+              <a:ext uri="{FF2B5EF4-FFF2-40B4-BE49-F238E27FC236}">
+                <a16:creationId xmlns:a16="http://schemas.microsoft.com/office/drawing/2014/main" id="{7BA42C59-F54F-F74C-BEBD-272BC2CC6672}"/>
+              </a:ext>
+            </a:extLst>
+          </p:cNvPr>
+          <p:cNvCxnSpPr>
+            <a:stCxn id="32" idx="3"/>
+          </p:cNvCxnSpPr>
+          <p:nvPr/>
+        </p:nvCxnSpPr>
+        <p:spPr>
+          <a:xfrm flipV="1">
+            <a:off x="3369914" y="4592320"/>
+            <a:ext cx="2329846" cy="10161"/>
+          </a:xfrm>
+          <a:prstGeom prst="straightConnector1">
+            <a:avLst/>
+          </a:prstGeom>
+          <a:ln w="38100">
+            <a:solidFill>
+              <a:srgbClr val="FF0000"/>
+            </a:solidFill>
+            <a:tailEnd type="triangle"/>
+          </a:ln>
+        </p:spPr>
+        <p:style>
+          <a:lnRef idx="1">
+            <a:schemeClr val="accent1"/>
+          </a:lnRef>
+          <a:fillRef idx="0">
+            <a:schemeClr val="accent1"/>
+          </a:fillRef>
+          <a:effectRef idx="0">
+            <a:schemeClr val="accent1"/>
+          </a:effectRef>
+          <a:fontRef idx="minor">
+            <a:schemeClr val="tx1"/>
+          </a:fontRef>
+        </p:style>
+      </p:cxnSp>
+      <p:cxnSp>
+        <p:nvCxnSpPr>
+          <p:cNvPr id="48" name="Straight Arrow Connector 47">
+            <a:extLst>
+              <a:ext uri="{FF2B5EF4-FFF2-40B4-BE49-F238E27FC236}">
+                <a16:creationId xmlns:a16="http://schemas.microsoft.com/office/drawing/2014/main" id="{314963BC-1EB1-F34E-8D58-2D2B55D594FA}"/>
+              </a:ext>
+            </a:extLst>
+          </p:cNvPr>
+          <p:cNvCxnSpPr>
+            <a:cxnSpLocks/>
+            <a:stCxn id="29" idx="3"/>
+          </p:cNvCxnSpPr>
+          <p:nvPr/>
+        </p:nvCxnSpPr>
+        <p:spPr>
+          <a:xfrm>
+            <a:off x="2286000" y="3429000"/>
+            <a:ext cx="2611120" cy="0"/>
+          </a:xfrm>
+          <a:prstGeom prst="straightConnector1">
+            <a:avLst/>
+          </a:prstGeom>
+          <a:ln w="38100">
+            <a:solidFill>
+              <a:srgbClr val="FF0000"/>
+            </a:solidFill>
+            <a:tailEnd type="triangle"/>
+          </a:ln>
+        </p:spPr>
+        <p:style>
+          <a:lnRef idx="1">
+            <a:schemeClr val="accent1"/>
+          </a:lnRef>
+          <a:fillRef idx="0">
+            <a:schemeClr val="accent1"/>
+          </a:fillRef>
+          <a:effectRef idx="0">
+            <a:schemeClr val="accent1"/>
+          </a:effectRef>
+          <a:fontRef idx="minor">
+            <a:schemeClr val="tx1"/>
+          </a:fontRef>
+        </p:style>
+      </p:cxnSp>
+      <p:pic>
+        <p:nvPicPr>
+          <p:cNvPr id="53" name="Picture 52">
+            <a:extLst>
+              <a:ext uri="{FF2B5EF4-FFF2-40B4-BE49-F238E27FC236}">
+                <a16:creationId xmlns:a16="http://schemas.microsoft.com/office/drawing/2014/main" id="{E6E0C4A8-B368-6142-BFA4-259AFF5CB546}"/>
+              </a:ext>
+            </a:extLst>
+          </p:cNvPr>
+          <p:cNvPicPr>
+            <a:picLocks noChangeAspect="1"/>
+          </p:cNvPicPr>
+          <p:nvPr/>
+        </p:nvPicPr>
+        <p:blipFill>
+          <a:blip r:embed="rId2"/>
+          <a:stretch>
+            <a:fillRect/>
+          </a:stretch>
+        </p:blipFill>
+        <p:spPr>
+          <a:xfrm>
+            <a:off x="4878717" y="2801203"/>
+            <a:ext cx="1092200" cy="1092200"/>
+          </a:xfrm>
+          <a:prstGeom prst="rect">
+            <a:avLst/>
+          </a:prstGeom>
+        </p:spPr>
+      </p:pic>
+      <p:pic>
+        <p:nvPicPr>
+          <p:cNvPr id="54" name="Picture 53">
+            <a:extLst>
+              <a:ext uri="{FF2B5EF4-FFF2-40B4-BE49-F238E27FC236}">
+                <a16:creationId xmlns:a16="http://schemas.microsoft.com/office/drawing/2014/main" id="{7987D255-0E3C-0643-BE70-6DB85E8DE67F}"/>
+              </a:ext>
+            </a:extLst>
+          </p:cNvPr>
+          <p:cNvPicPr>
+            <a:picLocks noChangeAspect="1"/>
+          </p:cNvPicPr>
+          <p:nvPr/>
+        </p:nvPicPr>
+        <p:blipFill>
+          <a:blip r:embed="rId2"/>
+          <a:stretch>
+            <a:fillRect/>
+          </a:stretch>
+        </p:blipFill>
+        <p:spPr>
+          <a:xfrm>
+            <a:off x="5682649" y="3931920"/>
+            <a:ext cx="1092200" cy="1092200"/>
+          </a:xfrm>
+          <a:prstGeom prst="rect">
+            <a:avLst/>
+          </a:prstGeom>
+        </p:spPr>
+      </p:pic>
+      <p:sp>
+        <p:nvSpPr>
+          <p:cNvPr id="55" name="TextBox 54">
+            <a:extLst>
+              <a:ext uri="{FF2B5EF4-FFF2-40B4-BE49-F238E27FC236}">
+                <a16:creationId xmlns:a16="http://schemas.microsoft.com/office/drawing/2014/main" id="{FEB56D35-A488-BD47-BEA9-BB2D1A02FDD3}"/>
+              </a:ext>
+            </a:extLst>
+          </p:cNvPr>
+          <p:cNvSpPr txBox="1"/>
+          <p:nvPr/>
+        </p:nvSpPr>
+        <p:spPr>
+          <a:xfrm>
+            <a:off x="5659697" y="3322181"/>
+            <a:ext cx="1011687" cy="369332"/>
+          </a:xfrm>
+          <a:prstGeom prst="rect">
+            <a:avLst/>
+          </a:prstGeom>
+          <a:noFill/>
+        </p:spPr>
+        <p:txBody>
+          <a:bodyPr wrap="none" rtlCol="0">
+            <a:spAutoFit/>
+          </a:bodyPr>
+          <a:lstStyle/>
+          <a:p>
+            <a:r>
+              <a:rPr lang="en-US" b="1" dirty="0"/>
+              <a:t>Cracked!</a:t>
+            </a:r>
+          </a:p>
+        </p:txBody>
+      </p:sp>
+      <p:sp>
+        <p:nvSpPr>
+          <p:cNvPr id="56" name="TextBox 55">
+            <a:extLst>
+              <a:ext uri="{FF2B5EF4-FFF2-40B4-BE49-F238E27FC236}">
+                <a16:creationId xmlns:a16="http://schemas.microsoft.com/office/drawing/2014/main" id="{947FFC61-9E81-FF4F-9D2E-C3252BA5AB27}"/>
+              </a:ext>
+            </a:extLst>
+          </p:cNvPr>
+          <p:cNvSpPr txBox="1"/>
+          <p:nvPr/>
+        </p:nvSpPr>
+        <p:spPr>
+          <a:xfrm>
+            <a:off x="6458505" y="4592320"/>
+            <a:ext cx="1011687" cy="369332"/>
+          </a:xfrm>
+          <a:prstGeom prst="rect">
+            <a:avLst/>
+          </a:prstGeom>
+          <a:noFill/>
+        </p:spPr>
+        <p:txBody>
+          <a:bodyPr wrap="none" rtlCol="0">
+            <a:spAutoFit/>
+          </a:bodyPr>
+          <a:lstStyle/>
+          <a:p>
+            <a:r>
+              <a:rPr lang="en-US" b="1" dirty="0"/>
+              <a:t>Cracked!</a:t>
+            </a:r>
+          </a:p>
+        </p:txBody>
+      </p:sp>
+    </p:spTree>
+    <p:extLst>
+      <p:ext uri="{BB962C8B-B14F-4D97-AF65-F5344CB8AC3E}">
+        <p14:creationId xmlns:p14="http://schemas.microsoft.com/office/powerpoint/2010/main" val="1642125002"/>
+      </p:ext>
+    </p:extLst>
+  </p:cSld>
+  <p:clrMapOvr>
+    <a:masterClrMapping/>
+  </p:clrMapOvr>
+</p:sld>
+</file>
+
+<file path=ppt/slides/slide43.xml><?xml version="1.0" encoding="utf-8"?>
+<p:sld xmlns:a="http://schemas.openxmlformats.org/drawingml/2006/main" xmlns:r="http://schemas.openxmlformats.org/officeDocument/2006/relationships" xmlns:p="http://schemas.openxmlformats.org/presentationml/2006/main">
+  <p:cSld>
+    <p:spTree>
+      <p:nvGrpSpPr>
+        <p:cNvPr id="1" name=""/>
+        <p:cNvGrpSpPr/>
+        <p:nvPr/>
+      </p:nvGrpSpPr>
+      <p:grpSpPr>
+        <a:xfrm>
+          <a:off x="0" y="0"/>
+          <a:ext cx="0" cy="0"/>
+          <a:chOff x="0" y="0"/>
+          <a:chExt cx="0" cy="0"/>
+        </a:xfrm>
+      </p:grpSpPr>
       <p:sp>
         <p:nvSpPr>
           <p:cNvPr id="4" name="四角形: 角を丸くする 3">
@@ -40608,7 +41927,1476 @@
 </p:sld>
 </file>
 
-<file path=ppt/slides/slide43.xml><?xml version="1.0" encoding="utf-8"?>
+<file path=ppt/slides/slide44.xml><?xml version="1.0" encoding="utf-8"?>
+<p:sld xmlns:a="http://schemas.openxmlformats.org/drawingml/2006/main" xmlns:r="http://schemas.openxmlformats.org/officeDocument/2006/relationships" xmlns:p="http://schemas.openxmlformats.org/presentationml/2006/main">
+  <p:cSld>
+    <p:spTree>
+      <p:nvGrpSpPr>
+        <p:cNvPr id="1" name=""/>
+        <p:cNvGrpSpPr/>
+        <p:nvPr/>
+      </p:nvGrpSpPr>
+      <p:grpSpPr>
+        <a:xfrm>
+          <a:off x="0" y="0"/>
+          <a:ext cx="0" cy="0"/>
+          <a:chOff x="0" y="0"/>
+          <a:chExt cx="0" cy="0"/>
+        </a:xfrm>
+      </p:grpSpPr>
+      <p:sp>
+        <p:nvSpPr>
+          <p:cNvPr id="4" name="四角形: 角を丸くする 3">
+            <a:extLst>
+              <a:ext uri="{FF2B5EF4-FFF2-40B4-BE49-F238E27FC236}">
+                <a16:creationId xmlns:a16="http://schemas.microsoft.com/office/drawing/2014/main" id="{3219DF5D-5A8D-5446-930B-97DC36D7BE7A}"/>
+              </a:ext>
+            </a:extLst>
+          </p:cNvPr>
+          <p:cNvSpPr/>
+          <p:nvPr/>
+        </p:nvSpPr>
+        <p:spPr>
+          <a:xfrm>
+            <a:off x="2923712" y="1226378"/>
+            <a:ext cx="1155170" cy="636104"/>
+          </a:xfrm>
+          <a:prstGeom prst="roundRect">
+            <a:avLst/>
+          </a:prstGeom>
+          <a:solidFill>
+            <a:schemeClr val="accent4">
+              <a:lumMod val="20000"/>
+              <a:lumOff val="80000"/>
+            </a:schemeClr>
+          </a:solidFill>
+          <a:ln w="38100"/>
+        </p:spPr>
+        <p:style>
+          <a:lnRef idx="2">
+            <a:schemeClr val="accent1"/>
+          </a:lnRef>
+          <a:fillRef idx="1">
+            <a:schemeClr val="lt1"/>
+          </a:fillRef>
+          <a:effectRef idx="0">
+            <a:schemeClr val="accent1"/>
+          </a:effectRef>
+          <a:fontRef idx="minor">
+            <a:schemeClr val="dk1"/>
+          </a:fontRef>
+        </p:style>
+        <p:txBody>
+          <a:bodyPr rtlCol="0" anchor="ctr"/>
+          <a:lstStyle/>
+          <a:p>
+            <a:pPr algn="ctr"/>
+            <a:r>
+              <a:rPr kumimoji="1" lang="en-US" altLang="ja-JP" b="1" dirty="0"/>
+              <a:t>Sign</a:t>
+            </a:r>
+          </a:p>
+        </p:txBody>
+      </p:sp>
+      <p:cxnSp>
+        <p:nvCxnSpPr>
+          <p:cNvPr id="6" name="直線矢印コネクタ 6">
+            <a:extLst>
+              <a:ext uri="{FF2B5EF4-FFF2-40B4-BE49-F238E27FC236}">
+                <a16:creationId xmlns:a16="http://schemas.microsoft.com/office/drawing/2014/main" id="{8D7F410F-EE76-3F46-95F3-0EE1B0290BAF}"/>
+              </a:ext>
+            </a:extLst>
+          </p:cNvPr>
+          <p:cNvCxnSpPr>
+            <a:cxnSpLocks/>
+            <a:endCxn id="4" idx="0"/>
+          </p:cNvCxnSpPr>
+          <p:nvPr/>
+        </p:nvCxnSpPr>
+        <p:spPr>
+          <a:xfrm>
+            <a:off x="3501297" y="543937"/>
+            <a:ext cx="0" cy="682441"/>
+          </a:xfrm>
+          <a:prstGeom prst="straightConnector1">
+            <a:avLst/>
+          </a:prstGeom>
+          <a:ln w="38100">
+            <a:solidFill>
+              <a:schemeClr val="tx1"/>
+            </a:solidFill>
+            <a:tailEnd type="triangle"/>
+          </a:ln>
+        </p:spPr>
+        <p:style>
+          <a:lnRef idx="1">
+            <a:schemeClr val="accent1"/>
+          </a:lnRef>
+          <a:fillRef idx="0">
+            <a:schemeClr val="accent1"/>
+          </a:fillRef>
+          <a:effectRef idx="0">
+            <a:schemeClr val="accent1"/>
+          </a:effectRef>
+          <a:fontRef idx="minor">
+            <a:schemeClr val="tx1"/>
+          </a:fontRef>
+        </p:style>
+      </p:cxnSp>
+      <p:cxnSp>
+        <p:nvCxnSpPr>
+          <p:cNvPr id="7" name="直線矢印コネクタ 7">
+            <a:extLst>
+              <a:ext uri="{FF2B5EF4-FFF2-40B4-BE49-F238E27FC236}">
+                <a16:creationId xmlns:a16="http://schemas.microsoft.com/office/drawing/2014/main" id="{DA8F8F78-A7E3-1C4D-B3E3-79582F3D0988}"/>
+              </a:ext>
+            </a:extLst>
+          </p:cNvPr>
+          <p:cNvCxnSpPr>
+            <a:cxnSpLocks/>
+            <a:stCxn id="4" idx="3"/>
+          </p:cNvCxnSpPr>
+          <p:nvPr/>
+        </p:nvCxnSpPr>
+        <p:spPr>
+          <a:xfrm>
+            <a:off x="4078882" y="1544430"/>
+            <a:ext cx="558963" cy="0"/>
+          </a:xfrm>
+          <a:prstGeom prst="straightConnector1">
+            <a:avLst/>
+          </a:prstGeom>
+          <a:ln w="38100">
+            <a:solidFill>
+              <a:schemeClr val="tx1"/>
+            </a:solidFill>
+            <a:tailEnd type="triangle"/>
+          </a:ln>
+        </p:spPr>
+        <p:style>
+          <a:lnRef idx="1">
+            <a:schemeClr val="accent1"/>
+          </a:lnRef>
+          <a:fillRef idx="0">
+            <a:schemeClr val="accent1"/>
+          </a:fillRef>
+          <a:effectRef idx="0">
+            <a:schemeClr val="accent1"/>
+          </a:effectRef>
+          <a:fontRef idx="minor">
+            <a:schemeClr val="tx1"/>
+          </a:fontRef>
+        </p:style>
+      </p:cxnSp>
+      <p:sp>
+        <p:nvSpPr>
+          <p:cNvPr id="8" name="四角形: 角を丸くする 11">
+            <a:extLst>
+              <a:ext uri="{FF2B5EF4-FFF2-40B4-BE49-F238E27FC236}">
+                <a16:creationId xmlns:a16="http://schemas.microsoft.com/office/drawing/2014/main" id="{BB46FE6A-B3D0-9041-9A56-161FFF4F6A4D}"/>
+              </a:ext>
+            </a:extLst>
+          </p:cNvPr>
+          <p:cNvSpPr/>
+          <p:nvPr/>
+        </p:nvSpPr>
+        <p:spPr>
+          <a:xfrm>
+            <a:off x="9054562" y="2486450"/>
+            <a:ext cx="1155171" cy="636104"/>
+          </a:xfrm>
+          <a:prstGeom prst="roundRect">
+            <a:avLst/>
+          </a:prstGeom>
+          <a:solidFill>
+            <a:schemeClr val="accent5">
+              <a:lumMod val="20000"/>
+              <a:lumOff val="80000"/>
+            </a:schemeClr>
+          </a:solidFill>
+          <a:ln w="38100"/>
+        </p:spPr>
+        <p:style>
+          <a:lnRef idx="2">
+            <a:schemeClr val="accent1"/>
+          </a:lnRef>
+          <a:fillRef idx="1">
+            <a:schemeClr val="lt1"/>
+          </a:fillRef>
+          <a:effectRef idx="0">
+            <a:schemeClr val="accent1"/>
+          </a:effectRef>
+          <a:fontRef idx="minor">
+            <a:schemeClr val="dk1"/>
+          </a:fontRef>
+        </p:style>
+        <p:txBody>
+          <a:bodyPr rtlCol="0" anchor="ctr"/>
+          <a:lstStyle/>
+          <a:p>
+            <a:pPr algn="ctr"/>
+            <a:r>
+              <a:rPr kumimoji="1" lang="en-US" altLang="ja-JP" b="1" dirty="0"/>
+              <a:t>Verify</a:t>
+            </a:r>
+          </a:p>
+        </p:txBody>
+      </p:sp>
+      <p:pic>
+        <p:nvPicPr>
+          <p:cNvPr id="9" name="Picture 14">
+            <a:extLst>
+              <a:ext uri="{FF2B5EF4-FFF2-40B4-BE49-F238E27FC236}">
+                <a16:creationId xmlns:a16="http://schemas.microsoft.com/office/drawing/2014/main" id="{2D8A951C-31B7-A645-986E-71B8264264CB}"/>
+              </a:ext>
+            </a:extLst>
+          </p:cNvPr>
+          <p:cNvPicPr>
+            <a:picLocks noChangeAspect="1"/>
+          </p:cNvPicPr>
+          <p:nvPr/>
+        </p:nvPicPr>
+        <p:blipFill>
+          <a:blip r:embed="rId2"/>
+          <a:stretch>
+            <a:fillRect/>
+          </a:stretch>
+        </p:blipFill>
+        <p:spPr>
+          <a:xfrm rot="2482566">
+            <a:off x="3732300" y="579999"/>
+            <a:ext cx="163450" cy="517592"/>
+          </a:xfrm>
+          <a:prstGeom prst="rect">
+            <a:avLst/>
+          </a:prstGeom>
+        </p:spPr>
+      </p:pic>
+      <p:sp>
+        <p:nvSpPr>
+          <p:cNvPr id="10" name="TextBox 15">
+            <a:extLst>
+              <a:ext uri="{FF2B5EF4-FFF2-40B4-BE49-F238E27FC236}">
+                <a16:creationId xmlns:a16="http://schemas.microsoft.com/office/drawing/2014/main" id="{5BCCAAA5-E764-DE49-BFE2-A82A275EB5A3}"/>
+              </a:ext>
+            </a:extLst>
+          </p:cNvPr>
+          <p:cNvSpPr txBox="1"/>
+          <p:nvPr/>
+        </p:nvSpPr>
+        <p:spPr>
+          <a:xfrm>
+            <a:off x="9371633" y="911751"/>
+            <a:ext cx="1469192" cy="646331"/>
+          </a:xfrm>
+          <a:prstGeom prst="rect">
+            <a:avLst/>
+          </a:prstGeom>
+          <a:noFill/>
+        </p:spPr>
+        <p:txBody>
+          <a:bodyPr wrap="square" rtlCol="0">
+            <a:spAutoFit/>
+          </a:bodyPr>
+          <a:lstStyle/>
+          <a:p>
+            <a:r>
+              <a:rPr lang="en-US" b="1" dirty="0">
+                <a:solidFill>
+                  <a:srgbClr val="0070C0"/>
+                </a:solidFill>
+              </a:rPr>
+              <a:t>Sender’s</a:t>
+            </a:r>
+            <a:br>
+              <a:rPr lang="en-US" b="1" dirty="0">
+                <a:solidFill>
+                  <a:srgbClr val="0070C0"/>
+                </a:solidFill>
+              </a:rPr>
+            </a:br>
+            <a:r>
+              <a:rPr lang="en-US" b="1" dirty="0">
+                <a:solidFill>
+                  <a:srgbClr val="0070C0"/>
+                </a:solidFill>
+              </a:rPr>
+              <a:t>Public Key</a:t>
+            </a:r>
+          </a:p>
+        </p:txBody>
+      </p:sp>
+      <p:pic>
+        <p:nvPicPr>
+          <p:cNvPr id="11" name="Picture 44">
+            <a:extLst>
+              <a:ext uri="{FF2B5EF4-FFF2-40B4-BE49-F238E27FC236}">
+                <a16:creationId xmlns:a16="http://schemas.microsoft.com/office/drawing/2014/main" id="{73432D9D-CD8C-CC46-8D92-6127AAEA6681}"/>
+              </a:ext>
+            </a:extLst>
+          </p:cNvPr>
+          <p:cNvPicPr>
+            <a:picLocks noChangeAspect="1"/>
+          </p:cNvPicPr>
+          <p:nvPr/>
+        </p:nvPicPr>
+        <p:blipFill>
+          <a:blip r:embed="rId3"/>
+          <a:stretch>
+            <a:fillRect/>
+          </a:stretch>
+        </p:blipFill>
+        <p:spPr>
+          <a:xfrm rot="2294599">
+            <a:off x="9621063" y="1566243"/>
+            <a:ext cx="572052" cy="296108"/>
+          </a:xfrm>
+          <a:prstGeom prst="rect">
+            <a:avLst/>
+          </a:prstGeom>
+        </p:spPr>
+      </p:pic>
+      <p:sp>
+        <p:nvSpPr>
+          <p:cNvPr id="12" name="TextBox 45">
+            <a:extLst>
+              <a:ext uri="{FF2B5EF4-FFF2-40B4-BE49-F238E27FC236}">
+                <a16:creationId xmlns:a16="http://schemas.microsoft.com/office/drawing/2014/main" id="{8B208B6A-9628-3443-A1BD-F444D7525E70}"/>
+              </a:ext>
+            </a:extLst>
+          </p:cNvPr>
+          <p:cNvSpPr txBox="1"/>
+          <p:nvPr/>
+        </p:nvSpPr>
+        <p:spPr>
+          <a:xfrm>
+            <a:off x="2226421" y="451779"/>
+            <a:ext cx="1394582" cy="646331"/>
+          </a:xfrm>
+          <a:prstGeom prst="rect">
+            <a:avLst/>
+          </a:prstGeom>
+          <a:noFill/>
+        </p:spPr>
+        <p:txBody>
+          <a:bodyPr wrap="square" rtlCol="0">
+            <a:spAutoFit/>
+          </a:bodyPr>
+          <a:lstStyle/>
+          <a:p>
+            <a:r>
+              <a:rPr lang="en-US" b="1" dirty="0">
+                <a:solidFill>
+                  <a:srgbClr val="FF0000"/>
+                </a:solidFill>
+              </a:rPr>
+              <a:t>Sender’s</a:t>
+            </a:r>
+          </a:p>
+          <a:p>
+            <a:r>
+              <a:rPr lang="en-US" b="1" dirty="0">
+                <a:solidFill>
+                  <a:srgbClr val="FF0000"/>
+                </a:solidFill>
+              </a:rPr>
+              <a:t>Private Key</a:t>
+            </a:r>
+          </a:p>
+        </p:txBody>
+      </p:sp>
+      <p:cxnSp>
+        <p:nvCxnSpPr>
+          <p:cNvPr id="13" name="直線矢印コネクタ 19">
+            <a:extLst>
+              <a:ext uri="{FF2B5EF4-FFF2-40B4-BE49-F238E27FC236}">
+                <a16:creationId xmlns:a16="http://schemas.microsoft.com/office/drawing/2014/main" id="{E90E4ADF-E4F5-4645-A3DB-361F7C4E02DD}"/>
+              </a:ext>
+            </a:extLst>
+          </p:cNvPr>
+          <p:cNvCxnSpPr>
+            <a:cxnSpLocks/>
+            <a:endCxn id="4" idx="1"/>
+          </p:cNvCxnSpPr>
+          <p:nvPr/>
+        </p:nvCxnSpPr>
+        <p:spPr>
+          <a:xfrm>
+            <a:off x="2450158" y="1544430"/>
+            <a:ext cx="473554" cy="0"/>
+          </a:xfrm>
+          <a:prstGeom prst="straightConnector1">
+            <a:avLst/>
+          </a:prstGeom>
+          <a:ln w="38100">
+            <a:solidFill>
+              <a:schemeClr val="tx1"/>
+            </a:solidFill>
+            <a:tailEnd type="triangle"/>
+          </a:ln>
+        </p:spPr>
+        <p:style>
+          <a:lnRef idx="1">
+            <a:schemeClr val="accent1"/>
+          </a:lnRef>
+          <a:fillRef idx="0">
+            <a:schemeClr val="accent1"/>
+          </a:fillRef>
+          <a:effectRef idx="0">
+            <a:schemeClr val="accent1"/>
+          </a:effectRef>
+          <a:fontRef idx="minor">
+            <a:schemeClr val="tx1"/>
+          </a:fontRef>
+        </p:style>
+      </p:cxnSp>
+      <p:cxnSp>
+        <p:nvCxnSpPr>
+          <p:cNvPr id="14" name="直線矢印コネクタ 21">
+            <a:extLst>
+              <a:ext uri="{FF2B5EF4-FFF2-40B4-BE49-F238E27FC236}">
+                <a16:creationId xmlns:a16="http://schemas.microsoft.com/office/drawing/2014/main" id="{790E83E6-A55D-9547-8242-ACAF16FAD155}"/>
+              </a:ext>
+            </a:extLst>
+          </p:cNvPr>
+          <p:cNvCxnSpPr>
+            <a:cxnSpLocks/>
+            <a:stCxn id="8" idx="3"/>
+          </p:cNvCxnSpPr>
+          <p:nvPr/>
+        </p:nvCxnSpPr>
+        <p:spPr>
+          <a:xfrm>
+            <a:off x="10209733" y="2804502"/>
+            <a:ext cx="586636" cy="0"/>
+          </a:xfrm>
+          <a:prstGeom prst="straightConnector1">
+            <a:avLst/>
+          </a:prstGeom>
+          <a:ln w="38100">
+            <a:solidFill>
+              <a:schemeClr val="tx1"/>
+            </a:solidFill>
+            <a:tailEnd type="triangle"/>
+          </a:ln>
+        </p:spPr>
+        <p:style>
+          <a:lnRef idx="1">
+            <a:schemeClr val="accent1"/>
+          </a:lnRef>
+          <a:fillRef idx="0">
+            <a:schemeClr val="accent1"/>
+          </a:fillRef>
+          <a:effectRef idx="0">
+            <a:schemeClr val="accent1"/>
+          </a:effectRef>
+          <a:fontRef idx="minor">
+            <a:schemeClr val="tx1"/>
+          </a:fontRef>
+        </p:style>
+      </p:cxnSp>
+      <p:cxnSp>
+        <p:nvCxnSpPr>
+          <p:cNvPr id="15" name="直線矢印コネクタ 24">
+            <a:extLst>
+              <a:ext uri="{FF2B5EF4-FFF2-40B4-BE49-F238E27FC236}">
+                <a16:creationId xmlns:a16="http://schemas.microsoft.com/office/drawing/2014/main" id="{09EFF42E-DC0D-5F4B-99CE-DEC4DC594CF9}"/>
+              </a:ext>
+            </a:extLst>
+          </p:cNvPr>
+          <p:cNvCxnSpPr>
+            <a:cxnSpLocks/>
+          </p:cNvCxnSpPr>
+          <p:nvPr/>
+        </p:nvCxnSpPr>
+        <p:spPr>
+          <a:xfrm>
+            <a:off x="9931986" y="1859557"/>
+            <a:ext cx="0" cy="638914"/>
+          </a:xfrm>
+          <a:prstGeom prst="straightConnector1">
+            <a:avLst/>
+          </a:prstGeom>
+          <a:ln w="38100">
+            <a:solidFill>
+              <a:schemeClr val="tx1"/>
+            </a:solidFill>
+            <a:tailEnd type="triangle"/>
+          </a:ln>
+        </p:spPr>
+        <p:style>
+          <a:lnRef idx="1">
+            <a:schemeClr val="accent1"/>
+          </a:lnRef>
+          <a:fillRef idx="0">
+            <a:schemeClr val="accent1"/>
+          </a:fillRef>
+          <a:effectRef idx="0">
+            <a:schemeClr val="accent1"/>
+          </a:effectRef>
+          <a:fontRef idx="minor">
+            <a:schemeClr val="tx1"/>
+          </a:fontRef>
+        </p:style>
+      </p:cxnSp>
+      <p:pic>
+        <p:nvPicPr>
+          <p:cNvPr id="16" name="Picture 33">
+            <a:extLst>
+              <a:ext uri="{FF2B5EF4-FFF2-40B4-BE49-F238E27FC236}">
+                <a16:creationId xmlns:a16="http://schemas.microsoft.com/office/drawing/2014/main" id="{99E238BB-BDDC-1749-9D40-EAAC7B3C41EC}"/>
+              </a:ext>
+            </a:extLst>
+          </p:cNvPr>
+          <p:cNvPicPr>
+            <a:picLocks noChangeAspect="1"/>
+          </p:cNvPicPr>
+          <p:nvPr/>
+        </p:nvPicPr>
+        <p:blipFill>
+          <a:blip r:embed="rId4"/>
+          <a:stretch>
+            <a:fillRect/>
+          </a:stretch>
+        </p:blipFill>
+        <p:spPr>
+          <a:xfrm>
+            <a:off x="174361" y="1226378"/>
+            <a:ext cx="620968" cy="620968"/>
+          </a:xfrm>
+          <a:prstGeom prst="rect">
+            <a:avLst/>
+          </a:prstGeom>
+        </p:spPr>
+      </p:pic>
+      <p:pic>
+        <p:nvPicPr>
+          <p:cNvPr id="17" name="Picture 60">
+            <a:extLst>
+              <a:ext uri="{FF2B5EF4-FFF2-40B4-BE49-F238E27FC236}">
+                <a16:creationId xmlns:a16="http://schemas.microsoft.com/office/drawing/2014/main" id="{B88A5123-4924-884E-8AB0-6DCF47CDD5BB}"/>
+              </a:ext>
+            </a:extLst>
+          </p:cNvPr>
+          <p:cNvPicPr>
+            <a:picLocks noChangeAspect="1"/>
+          </p:cNvPicPr>
+          <p:nvPr/>
+        </p:nvPicPr>
+        <p:blipFill>
+          <a:blip r:embed="rId5"/>
+          <a:stretch>
+            <a:fillRect/>
+          </a:stretch>
+        </p:blipFill>
+        <p:spPr>
+          <a:xfrm>
+            <a:off x="4635699" y="1267897"/>
+            <a:ext cx="598353" cy="636105"/>
+          </a:xfrm>
+          <a:prstGeom prst="rect">
+            <a:avLst/>
+          </a:prstGeom>
+        </p:spPr>
+      </p:pic>
+      <p:sp>
+        <p:nvSpPr>
+          <p:cNvPr id="19" name="TextBox 45">
+            <a:extLst>
+              <a:ext uri="{FF2B5EF4-FFF2-40B4-BE49-F238E27FC236}">
+                <a16:creationId xmlns:a16="http://schemas.microsoft.com/office/drawing/2014/main" id="{F3B06E01-A7CE-1947-89FD-EEC01D6F5B6A}"/>
+              </a:ext>
+            </a:extLst>
+          </p:cNvPr>
+          <p:cNvSpPr txBox="1"/>
+          <p:nvPr/>
+        </p:nvSpPr>
+        <p:spPr>
+          <a:xfrm>
+            <a:off x="6518" y="1805512"/>
+            <a:ext cx="956654" cy="369332"/>
+          </a:xfrm>
+          <a:prstGeom prst="rect">
+            <a:avLst/>
+          </a:prstGeom>
+          <a:noFill/>
+        </p:spPr>
+        <p:txBody>
+          <a:bodyPr wrap="square" rtlCol="0">
+            <a:spAutoFit/>
+          </a:bodyPr>
+          <a:lstStyle/>
+          <a:p>
+            <a:pPr algn="ctr"/>
+            <a:r>
+              <a:rPr lang="en-US" b="1" dirty="0"/>
+              <a:t>Data </a:t>
+            </a:r>
+            <a:r>
+              <a:rPr lang="en-US" b="1" i="1" dirty="0"/>
+              <a:t>D</a:t>
+            </a:r>
+          </a:p>
+        </p:txBody>
+      </p:sp>
+      <p:sp>
+        <p:nvSpPr>
+          <p:cNvPr id="20" name="TextBox 45">
+            <a:extLst>
+              <a:ext uri="{FF2B5EF4-FFF2-40B4-BE49-F238E27FC236}">
+                <a16:creationId xmlns:a16="http://schemas.microsoft.com/office/drawing/2014/main" id="{8F96BDCD-17CC-E240-89C6-DCEAC8F8E356}"/>
+              </a:ext>
+            </a:extLst>
+          </p:cNvPr>
+          <p:cNvSpPr txBox="1"/>
+          <p:nvPr/>
+        </p:nvSpPr>
+        <p:spPr>
+          <a:xfrm>
+            <a:off x="4078882" y="1854914"/>
+            <a:ext cx="1466978" cy="369332"/>
+          </a:xfrm>
+          <a:prstGeom prst="rect">
+            <a:avLst/>
+          </a:prstGeom>
+          <a:noFill/>
+        </p:spPr>
+        <p:txBody>
+          <a:bodyPr wrap="square" rtlCol="0">
+            <a:spAutoFit/>
+          </a:bodyPr>
+          <a:lstStyle/>
+          <a:p>
+            <a:pPr algn="ctr"/>
+            <a:r>
+              <a:rPr lang="en-US" b="1" dirty="0"/>
+              <a:t>Signature</a:t>
+            </a:r>
+            <a:r>
+              <a:rPr lang="ja-JP" altLang="en-US" b="1"/>
+              <a:t> </a:t>
+            </a:r>
+            <a:r>
+              <a:rPr lang="en-US" altLang="ja-JP" b="1" i="1" dirty="0"/>
+              <a:t>s</a:t>
+            </a:r>
+            <a:endParaRPr lang="en-US" b="1" i="1" dirty="0"/>
+          </a:p>
+        </p:txBody>
+      </p:sp>
+      <p:cxnSp>
+        <p:nvCxnSpPr>
+          <p:cNvPr id="42" name="Elbow Connector 41">
+            <a:extLst>
+              <a:ext uri="{FF2B5EF4-FFF2-40B4-BE49-F238E27FC236}">
+                <a16:creationId xmlns:a16="http://schemas.microsoft.com/office/drawing/2014/main" id="{9B88DFA3-BAC6-B14A-BD3A-5D77C148A88B}"/>
+              </a:ext>
+            </a:extLst>
+          </p:cNvPr>
+          <p:cNvCxnSpPr>
+            <a:cxnSpLocks/>
+            <a:stCxn id="19" idx="2"/>
+          </p:cNvCxnSpPr>
+          <p:nvPr/>
+        </p:nvCxnSpPr>
+        <p:spPr>
+          <a:xfrm rot="16200000" flipH="1">
+            <a:off x="2983634" y="-323946"/>
+            <a:ext cx="634110" cy="5631689"/>
+          </a:xfrm>
+          <a:prstGeom prst="bentConnector2">
+            <a:avLst/>
+          </a:prstGeom>
+          <a:ln w="38100">
+            <a:prstDash val="sysDot"/>
+            <a:headEnd type="none" w="med" len="med"/>
+            <a:tailEnd type="triangle" w="med" len="med"/>
+          </a:ln>
+        </p:spPr>
+        <p:style>
+          <a:lnRef idx="1">
+            <a:schemeClr val="accent2"/>
+          </a:lnRef>
+          <a:fillRef idx="0">
+            <a:schemeClr val="accent2"/>
+          </a:fillRef>
+          <a:effectRef idx="0">
+            <a:schemeClr val="accent2"/>
+          </a:effectRef>
+          <a:fontRef idx="minor">
+            <a:schemeClr val="tx1"/>
+          </a:fontRef>
+        </p:style>
+      </p:cxnSp>
+      <p:sp>
+        <p:nvSpPr>
+          <p:cNvPr id="43" name="TextBox 42">
+            <a:extLst>
+              <a:ext uri="{FF2B5EF4-FFF2-40B4-BE49-F238E27FC236}">
+                <a16:creationId xmlns:a16="http://schemas.microsoft.com/office/drawing/2014/main" id="{43FFD143-CEFF-AF4A-B7C2-720850AF2FF3}"/>
+              </a:ext>
+            </a:extLst>
+          </p:cNvPr>
+          <p:cNvSpPr txBox="1"/>
+          <p:nvPr/>
+        </p:nvSpPr>
+        <p:spPr>
+          <a:xfrm>
+            <a:off x="2317316" y="3598205"/>
+            <a:ext cx="917239" cy="369332"/>
+          </a:xfrm>
+          <a:prstGeom prst="rect">
+            <a:avLst/>
+          </a:prstGeom>
+          <a:noFill/>
+        </p:spPr>
+        <p:txBody>
+          <a:bodyPr wrap="none" rtlCol="0">
+            <a:spAutoFit/>
+          </a:bodyPr>
+          <a:lstStyle/>
+          <a:p>
+            <a:r>
+              <a:rPr lang="en-US" b="1" u="sng" dirty="0"/>
+              <a:t>Sender:</a:t>
+            </a:r>
+          </a:p>
+        </p:txBody>
+      </p:sp>
+      <p:sp>
+        <p:nvSpPr>
+          <p:cNvPr id="44" name="TextBox 43">
+            <a:extLst>
+              <a:ext uri="{FF2B5EF4-FFF2-40B4-BE49-F238E27FC236}">
+                <a16:creationId xmlns:a16="http://schemas.microsoft.com/office/drawing/2014/main" id="{5019A0EE-8C7D-FE49-A231-443B63B9784C}"/>
+              </a:ext>
+            </a:extLst>
+          </p:cNvPr>
+          <p:cNvSpPr txBox="1"/>
+          <p:nvPr/>
+        </p:nvSpPr>
+        <p:spPr>
+          <a:xfrm>
+            <a:off x="8215287" y="3611947"/>
+            <a:ext cx="1062407" cy="369332"/>
+          </a:xfrm>
+          <a:prstGeom prst="rect">
+            <a:avLst/>
+          </a:prstGeom>
+          <a:noFill/>
+        </p:spPr>
+        <p:txBody>
+          <a:bodyPr wrap="none" rtlCol="0">
+            <a:spAutoFit/>
+          </a:bodyPr>
+          <a:lstStyle/>
+          <a:p>
+            <a:r>
+              <a:rPr lang="en-US" b="1" u="sng" dirty="0"/>
+              <a:t>Receiver:</a:t>
+            </a:r>
+          </a:p>
+        </p:txBody>
+      </p:sp>
+      <p:pic>
+        <p:nvPicPr>
+          <p:cNvPr id="61" name="Picture 33">
+            <a:extLst>
+              <a:ext uri="{FF2B5EF4-FFF2-40B4-BE49-F238E27FC236}">
+                <a16:creationId xmlns:a16="http://schemas.microsoft.com/office/drawing/2014/main" id="{8D1CE3B8-6974-A842-8F51-0B0C101DC2CC}"/>
+              </a:ext>
+            </a:extLst>
+          </p:cNvPr>
+          <p:cNvPicPr>
+            <a:picLocks noChangeAspect="1"/>
+          </p:cNvPicPr>
+          <p:nvPr/>
+        </p:nvPicPr>
+        <p:blipFill>
+          <a:blip r:embed="rId4"/>
+          <a:stretch>
+            <a:fillRect/>
+          </a:stretch>
+        </p:blipFill>
+        <p:spPr>
+          <a:xfrm>
+            <a:off x="6096000" y="2486450"/>
+            <a:ext cx="620968" cy="620968"/>
+          </a:xfrm>
+          <a:prstGeom prst="rect">
+            <a:avLst/>
+          </a:prstGeom>
+        </p:spPr>
+      </p:pic>
+      <p:sp>
+        <p:nvSpPr>
+          <p:cNvPr id="62" name="TextBox 45">
+            <a:extLst>
+              <a:ext uri="{FF2B5EF4-FFF2-40B4-BE49-F238E27FC236}">
+                <a16:creationId xmlns:a16="http://schemas.microsoft.com/office/drawing/2014/main" id="{5077EC4D-C7C2-3C43-8707-95C7F9158202}"/>
+              </a:ext>
+            </a:extLst>
+          </p:cNvPr>
+          <p:cNvSpPr txBox="1"/>
+          <p:nvPr/>
+        </p:nvSpPr>
+        <p:spPr>
+          <a:xfrm>
+            <a:off x="5928157" y="3078571"/>
+            <a:ext cx="956654" cy="369332"/>
+          </a:xfrm>
+          <a:prstGeom prst="rect">
+            <a:avLst/>
+          </a:prstGeom>
+          <a:noFill/>
+        </p:spPr>
+        <p:txBody>
+          <a:bodyPr wrap="square" rtlCol="0">
+            <a:spAutoFit/>
+          </a:bodyPr>
+          <a:lstStyle/>
+          <a:p>
+            <a:pPr algn="ctr"/>
+            <a:r>
+              <a:rPr lang="en-US" b="1" i="1" dirty="0"/>
+              <a:t>D’</a:t>
+            </a:r>
+          </a:p>
+        </p:txBody>
+      </p:sp>
+      <p:sp>
+        <p:nvSpPr>
+          <p:cNvPr id="64" name="TextBox 45">
+            <a:extLst>
+              <a:ext uri="{FF2B5EF4-FFF2-40B4-BE49-F238E27FC236}">
+                <a16:creationId xmlns:a16="http://schemas.microsoft.com/office/drawing/2014/main" id="{557B2664-3815-7547-97AF-DA77C2ABD109}"/>
+              </a:ext>
+            </a:extLst>
+          </p:cNvPr>
+          <p:cNvSpPr txBox="1"/>
+          <p:nvPr/>
+        </p:nvSpPr>
+        <p:spPr>
+          <a:xfrm>
+            <a:off x="10700263" y="2364035"/>
+            <a:ext cx="723926" cy="923330"/>
+          </a:xfrm>
+          <a:prstGeom prst="rect">
+            <a:avLst/>
+          </a:prstGeom>
+          <a:noFill/>
+        </p:spPr>
+        <p:txBody>
+          <a:bodyPr wrap="square" rtlCol="0">
+            <a:spAutoFit/>
+          </a:bodyPr>
+          <a:lstStyle/>
+          <a:p>
+            <a:pPr algn="ctr"/>
+            <a:r>
+              <a:rPr lang="en-US" b="1" dirty="0"/>
+              <a:t>True or False</a:t>
+            </a:r>
+            <a:endParaRPr lang="en-US" b="1" dirty="0">
+              <a:solidFill>
+                <a:srgbClr val="FF0000"/>
+              </a:solidFill>
+            </a:endParaRPr>
+          </a:p>
+        </p:txBody>
+      </p:sp>
+      <p:cxnSp>
+        <p:nvCxnSpPr>
+          <p:cNvPr id="48" name="直線矢印コネクタ 19">
+            <a:extLst>
+              <a:ext uri="{FF2B5EF4-FFF2-40B4-BE49-F238E27FC236}">
+                <a16:creationId xmlns:a16="http://schemas.microsoft.com/office/drawing/2014/main" id="{04720809-D595-F446-A75F-9395B31352D0}"/>
+              </a:ext>
+            </a:extLst>
+          </p:cNvPr>
+          <p:cNvCxnSpPr>
+            <a:cxnSpLocks/>
+            <a:stCxn id="17" idx="3"/>
+          </p:cNvCxnSpPr>
+          <p:nvPr/>
+        </p:nvCxnSpPr>
+        <p:spPr>
+          <a:xfrm>
+            <a:off x="5234052" y="1585950"/>
+            <a:ext cx="882482" cy="0"/>
+          </a:xfrm>
+          <a:prstGeom prst="straightConnector1">
+            <a:avLst/>
+          </a:prstGeom>
+          <a:ln w="38100">
+            <a:prstDash val="sysDot"/>
+            <a:tailEnd type="triangle"/>
+          </a:ln>
+        </p:spPr>
+        <p:style>
+          <a:lnRef idx="1">
+            <a:schemeClr val="accent2"/>
+          </a:lnRef>
+          <a:fillRef idx="0">
+            <a:schemeClr val="accent2"/>
+          </a:fillRef>
+          <a:effectRef idx="0">
+            <a:schemeClr val="accent2"/>
+          </a:effectRef>
+          <a:fontRef idx="minor">
+            <a:schemeClr val="tx1"/>
+          </a:fontRef>
+        </p:style>
+      </p:cxnSp>
+      <p:pic>
+        <p:nvPicPr>
+          <p:cNvPr id="52" name="Picture 60">
+            <a:extLst>
+              <a:ext uri="{FF2B5EF4-FFF2-40B4-BE49-F238E27FC236}">
+                <a16:creationId xmlns:a16="http://schemas.microsoft.com/office/drawing/2014/main" id="{8A29C834-0077-2D4A-8202-3FFE6DE79F41}"/>
+              </a:ext>
+            </a:extLst>
+          </p:cNvPr>
+          <p:cNvPicPr>
+            <a:picLocks noChangeAspect="1"/>
+          </p:cNvPicPr>
+          <p:nvPr/>
+        </p:nvPicPr>
+        <p:blipFill>
+          <a:blip r:embed="rId5"/>
+          <a:stretch>
+            <a:fillRect/>
+          </a:stretch>
+        </p:blipFill>
+        <p:spPr>
+          <a:xfrm>
+            <a:off x="6094235" y="1314575"/>
+            <a:ext cx="598353" cy="636105"/>
+          </a:xfrm>
+          <a:prstGeom prst="rect">
+            <a:avLst/>
+          </a:prstGeom>
+        </p:spPr>
+      </p:pic>
+      <p:sp>
+        <p:nvSpPr>
+          <p:cNvPr id="53" name="TextBox 45">
+            <a:extLst>
+              <a:ext uri="{FF2B5EF4-FFF2-40B4-BE49-F238E27FC236}">
+                <a16:creationId xmlns:a16="http://schemas.microsoft.com/office/drawing/2014/main" id="{60E09B62-17E9-0A4B-9C6D-ED7CC701DF01}"/>
+              </a:ext>
+            </a:extLst>
+          </p:cNvPr>
+          <p:cNvSpPr txBox="1"/>
+          <p:nvPr/>
+        </p:nvSpPr>
+        <p:spPr>
+          <a:xfrm>
+            <a:off x="5391704" y="1824704"/>
+            <a:ext cx="1988190" cy="369332"/>
+          </a:xfrm>
+          <a:prstGeom prst="rect">
+            <a:avLst/>
+          </a:prstGeom>
+          <a:noFill/>
+        </p:spPr>
+        <p:txBody>
+          <a:bodyPr wrap="square" rtlCol="0">
+            <a:spAutoFit/>
+          </a:bodyPr>
+          <a:lstStyle/>
+          <a:p>
+            <a:pPr algn="ctr"/>
+            <a:r>
+              <a:rPr lang="en-US" b="1" i="1" dirty="0"/>
+              <a:t>s’</a:t>
+            </a:r>
+          </a:p>
+        </p:txBody>
+      </p:sp>
+      <p:sp>
+        <p:nvSpPr>
+          <p:cNvPr id="33" name="四角形: 角を丸くする 3">
+            <a:extLst>
+              <a:ext uri="{FF2B5EF4-FFF2-40B4-BE49-F238E27FC236}">
+                <a16:creationId xmlns:a16="http://schemas.microsoft.com/office/drawing/2014/main" id="{17C08BEF-DBA0-6540-89D5-91F18D92502C}"/>
+              </a:ext>
+            </a:extLst>
+          </p:cNvPr>
+          <p:cNvSpPr/>
+          <p:nvPr/>
+        </p:nvSpPr>
+        <p:spPr>
+          <a:xfrm>
+            <a:off x="1288124" y="1223808"/>
+            <a:ext cx="1155170" cy="636104"/>
+          </a:xfrm>
+          <a:prstGeom prst="roundRect">
+            <a:avLst/>
+          </a:prstGeom>
+          <a:solidFill>
+            <a:schemeClr val="accent6">
+              <a:lumMod val="20000"/>
+              <a:lumOff val="80000"/>
+            </a:schemeClr>
+          </a:solidFill>
+          <a:ln w="38100"/>
+        </p:spPr>
+        <p:style>
+          <a:lnRef idx="2">
+            <a:schemeClr val="accent1"/>
+          </a:lnRef>
+          <a:fillRef idx="1">
+            <a:schemeClr val="lt1"/>
+          </a:fillRef>
+          <a:effectRef idx="0">
+            <a:schemeClr val="accent1"/>
+          </a:effectRef>
+          <a:fontRef idx="minor">
+            <a:schemeClr val="dk1"/>
+          </a:fontRef>
+        </p:style>
+        <p:txBody>
+          <a:bodyPr rtlCol="0" anchor="ctr"/>
+          <a:lstStyle/>
+          <a:p>
+            <a:pPr algn="ctr"/>
+            <a:r>
+              <a:rPr kumimoji="1" lang="en-US" altLang="ja-JP" b="1" dirty="0"/>
+              <a:t>Hash</a:t>
+            </a:r>
+          </a:p>
+        </p:txBody>
+      </p:sp>
+      <p:cxnSp>
+        <p:nvCxnSpPr>
+          <p:cNvPr id="34" name="直線矢印コネクタ 19">
+            <a:extLst>
+              <a:ext uri="{FF2B5EF4-FFF2-40B4-BE49-F238E27FC236}">
+                <a16:creationId xmlns:a16="http://schemas.microsoft.com/office/drawing/2014/main" id="{05B66022-7990-E848-AADD-4BBB6B1821C7}"/>
+              </a:ext>
+            </a:extLst>
+          </p:cNvPr>
+          <p:cNvCxnSpPr>
+            <a:cxnSpLocks/>
+          </p:cNvCxnSpPr>
+          <p:nvPr/>
+        </p:nvCxnSpPr>
+        <p:spPr>
+          <a:xfrm>
+            <a:off x="814570" y="1522400"/>
+            <a:ext cx="473554" cy="0"/>
+          </a:xfrm>
+          <a:prstGeom prst="straightConnector1">
+            <a:avLst/>
+          </a:prstGeom>
+          <a:ln w="38100">
+            <a:solidFill>
+              <a:schemeClr val="tx1"/>
+            </a:solidFill>
+            <a:tailEnd type="triangle"/>
+          </a:ln>
+        </p:spPr>
+        <p:style>
+          <a:lnRef idx="1">
+            <a:schemeClr val="accent1"/>
+          </a:lnRef>
+          <a:fillRef idx="0">
+            <a:schemeClr val="accent1"/>
+          </a:fillRef>
+          <a:effectRef idx="0">
+            <a:schemeClr val="accent1"/>
+          </a:effectRef>
+          <a:fontRef idx="minor">
+            <a:schemeClr val="tx1"/>
+          </a:fontRef>
+        </p:style>
+      </p:cxnSp>
+      <p:sp>
+        <p:nvSpPr>
+          <p:cNvPr id="35" name="四角形: 角を丸くする 3">
+            <a:extLst>
+              <a:ext uri="{FF2B5EF4-FFF2-40B4-BE49-F238E27FC236}">
+                <a16:creationId xmlns:a16="http://schemas.microsoft.com/office/drawing/2014/main" id="{1C6C7577-48B6-6047-A1A0-BD63FE8D13F2}"/>
+              </a:ext>
+            </a:extLst>
+          </p:cNvPr>
+          <p:cNvSpPr/>
+          <p:nvPr/>
+        </p:nvSpPr>
+        <p:spPr>
+          <a:xfrm>
+            <a:off x="7312756" y="2486450"/>
+            <a:ext cx="1155170" cy="636104"/>
+          </a:xfrm>
+          <a:prstGeom prst="roundRect">
+            <a:avLst/>
+          </a:prstGeom>
+          <a:solidFill>
+            <a:schemeClr val="accent6">
+              <a:lumMod val="20000"/>
+              <a:lumOff val="80000"/>
+            </a:schemeClr>
+          </a:solidFill>
+          <a:ln w="38100"/>
+        </p:spPr>
+        <p:style>
+          <a:lnRef idx="2">
+            <a:schemeClr val="accent1"/>
+          </a:lnRef>
+          <a:fillRef idx="1">
+            <a:schemeClr val="lt1"/>
+          </a:fillRef>
+          <a:effectRef idx="0">
+            <a:schemeClr val="accent1"/>
+          </a:effectRef>
+          <a:fontRef idx="minor">
+            <a:schemeClr val="dk1"/>
+          </a:fontRef>
+        </p:style>
+        <p:txBody>
+          <a:bodyPr rtlCol="0" anchor="ctr"/>
+          <a:lstStyle/>
+          <a:p>
+            <a:pPr algn="ctr"/>
+            <a:r>
+              <a:rPr kumimoji="1" lang="en-US" altLang="ja-JP" b="1" dirty="0"/>
+              <a:t>Hash</a:t>
+            </a:r>
+          </a:p>
+        </p:txBody>
+      </p:sp>
+      <p:sp>
+        <p:nvSpPr>
+          <p:cNvPr id="41" name="TextBox 45">
+            <a:extLst>
+              <a:ext uri="{FF2B5EF4-FFF2-40B4-BE49-F238E27FC236}">
+                <a16:creationId xmlns:a16="http://schemas.microsoft.com/office/drawing/2014/main" id="{44F810D1-6A8A-954D-B68C-2521AF41FD63}"/>
+              </a:ext>
+            </a:extLst>
+          </p:cNvPr>
+          <p:cNvSpPr txBox="1"/>
+          <p:nvPr/>
+        </p:nvSpPr>
+        <p:spPr>
+          <a:xfrm>
+            <a:off x="2159394" y="1840719"/>
+            <a:ext cx="1005173" cy="369332"/>
+          </a:xfrm>
+          <a:prstGeom prst="rect">
+            <a:avLst/>
+          </a:prstGeom>
+          <a:noFill/>
+        </p:spPr>
+        <p:txBody>
+          <a:bodyPr wrap="square" rtlCol="0">
+            <a:spAutoFit/>
+          </a:bodyPr>
+          <a:lstStyle/>
+          <a:p>
+            <a:pPr algn="ctr"/>
+            <a:r>
+              <a:rPr lang="en-US" b="1" dirty="0"/>
+              <a:t>Hash</a:t>
+            </a:r>
+            <a:r>
+              <a:rPr lang="ja-JP" altLang="en-US" b="1"/>
+              <a:t> </a:t>
+            </a:r>
+            <a:r>
+              <a:rPr lang="en-US" altLang="ja-JP" b="1" i="1" dirty="0"/>
+              <a:t>h</a:t>
+            </a:r>
+            <a:endParaRPr lang="en-US" b="1" i="1" dirty="0"/>
+          </a:p>
+        </p:txBody>
+      </p:sp>
+      <p:cxnSp>
+        <p:nvCxnSpPr>
+          <p:cNvPr id="47" name="直線矢印コネクタ 21">
+            <a:extLst>
+              <a:ext uri="{FF2B5EF4-FFF2-40B4-BE49-F238E27FC236}">
+                <a16:creationId xmlns:a16="http://schemas.microsoft.com/office/drawing/2014/main" id="{A2C24ADD-8F2E-EF46-AB85-EFDA3BDA8D0D}"/>
+              </a:ext>
+            </a:extLst>
+          </p:cNvPr>
+          <p:cNvCxnSpPr>
+            <a:cxnSpLocks/>
+          </p:cNvCxnSpPr>
+          <p:nvPr/>
+        </p:nvCxnSpPr>
+        <p:spPr>
+          <a:xfrm>
+            <a:off x="8467926" y="2804502"/>
+            <a:ext cx="586636" cy="0"/>
+          </a:xfrm>
+          <a:prstGeom prst="straightConnector1">
+            <a:avLst/>
+          </a:prstGeom>
+          <a:ln w="38100">
+            <a:solidFill>
+              <a:schemeClr val="tx1"/>
+            </a:solidFill>
+            <a:tailEnd type="triangle"/>
+          </a:ln>
+        </p:spPr>
+        <p:style>
+          <a:lnRef idx="1">
+            <a:schemeClr val="accent1"/>
+          </a:lnRef>
+          <a:fillRef idx="0">
+            <a:schemeClr val="accent1"/>
+          </a:fillRef>
+          <a:effectRef idx="0">
+            <a:schemeClr val="accent1"/>
+          </a:effectRef>
+          <a:fontRef idx="minor">
+            <a:schemeClr val="tx1"/>
+          </a:fontRef>
+        </p:style>
+      </p:cxnSp>
+      <p:cxnSp>
+        <p:nvCxnSpPr>
+          <p:cNvPr id="49" name="直線矢印コネクタ 21">
+            <a:extLst>
+              <a:ext uri="{FF2B5EF4-FFF2-40B4-BE49-F238E27FC236}">
+                <a16:creationId xmlns:a16="http://schemas.microsoft.com/office/drawing/2014/main" id="{4E29479F-9B1D-6047-8E9B-612CE64E047E}"/>
+              </a:ext>
+            </a:extLst>
+          </p:cNvPr>
+          <p:cNvCxnSpPr>
+            <a:cxnSpLocks/>
+          </p:cNvCxnSpPr>
+          <p:nvPr/>
+        </p:nvCxnSpPr>
+        <p:spPr>
+          <a:xfrm>
+            <a:off x="6726120" y="2814941"/>
+            <a:ext cx="586636" cy="0"/>
+          </a:xfrm>
+          <a:prstGeom prst="straightConnector1">
+            <a:avLst/>
+          </a:prstGeom>
+          <a:ln w="38100">
+            <a:solidFill>
+              <a:schemeClr val="tx1"/>
+            </a:solidFill>
+            <a:tailEnd type="triangle"/>
+          </a:ln>
+        </p:spPr>
+        <p:style>
+          <a:lnRef idx="1">
+            <a:schemeClr val="accent1"/>
+          </a:lnRef>
+          <a:fillRef idx="0">
+            <a:schemeClr val="accent1"/>
+          </a:fillRef>
+          <a:effectRef idx="0">
+            <a:schemeClr val="accent1"/>
+          </a:effectRef>
+          <a:fontRef idx="minor">
+            <a:schemeClr val="tx1"/>
+          </a:fontRef>
+        </p:style>
+      </p:cxnSp>
+      <p:cxnSp>
+        <p:nvCxnSpPr>
+          <p:cNvPr id="37" name="Elbow Connector 36">
+            <a:extLst>
+              <a:ext uri="{FF2B5EF4-FFF2-40B4-BE49-F238E27FC236}">
+                <a16:creationId xmlns:a16="http://schemas.microsoft.com/office/drawing/2014/main" id="{ACAAB825-8D40-F344-885A-5FDB83AD980D}"/>
+              </a:ext>
+            </a:extLst>
+          </p:cNvPr>
+          <p:cNvCxnSpPr>
+            <a:cxnSpLocks/>
+          </p:cNvCxnSpPr>
+          <p:nvPr/>
+        </p:nvCxnSpPr>
+        <p:spPr>
+          <a:xfrm>
+            <a:off x="6664909" y="1585949"/>
+            <a:ext cx="2655431" cy="891095"/>
+          </a:xfrm>
+          <a:prstGeom prst="bentConnector2">
+            <a:avLst/>
+          </a:prstGeom>
+          <a:ln w="38100">
+            <a:solidFill>
+              <a:schemeClr val="tx1"/>
+            </a:solidFill>
+            <a:tailEnd type="triangle"/>
+          </a:ln>
+        </p:spPr>
+        <p:style>
+          <a:lnRef idx="1">
+            <a:schemeClr val="accent1"/>
+          </a:lnRef>
+          <a:fillRef idx="0">
+            <a:schemeClr val="accent1"/>
+          </a:fillRef>
+          <a:effectRef idx="0">
+            <a:schemeClr val="accent1"/>
+          </a:effectRef>
+          <a:fontRef idx="minor">
+            <a:schemeClr val="tx1"/>
+          </a:fontRef>
+        </p:style>
+      </p:cxnSp>
+      <p:sp>
+        <p:nvSpPr>
+          <p:cNvPr id="54" name="TextBox 45">
+            <a:extLst>
+              <a:ext uri="{FF2B5EF4-FFF2-40B4-BE49-F238E27FC236}">
+                <a16:creationId xmlns:a16="http://schemas.microsoft.com/office/drawing/2014/main" id="{2F63AE6E-8040-8F41-92CD-282B08888E94}"/>
+              </a:ext>
+            </a:extLst>
+          </p:cNvPr>
+          <p:cNvSpPr txBox="1"/>
+          <p:nvPr/>
+        </p:nvSpPr>
+        <p:spPr>
+          <a:xfrm>
+            <a:off x="8268164" y="3059668"/>
+            <a:ext cx="956654" cy="369332"/>
+          </a:xfrm>
+          <a:prstGeom prst="rect">
+            <a:avLst/>
+          </a:prstGeom>
+          <a:noFill/>
+        </p:spPr>
+        <p:txBody>
+          <a:bodyPr wrap="square" rtlCol="0">
+            <a:spAutoFit/>
+          </a:bodyPr>
+          <a:lstStyle/>
+          <a:p>
+            <a:pPr algn="ctr"/>
+            <a:r>
+              <a:rPr lang="en-US" b="1" i="1" dirty="0"/>
+              <a:t>h’</a:t>
+            </a:r>
+          </a:p>
+        </p:txBody>
+      </p:sp>
+      <p:sp>
+        <p:nvSpPr>
+          <p:cNvPr id="55" name="Left Brace 54">
+            <a:extLst>
+              <a:ext uri="{FF2B5EF4-FFF2-40B4-BE49-F238E27FC236}">
+                <a16:creationId xmlns:a16="http://schemas.microsoft.com/office/drawing/2014/main" id="{970EC22F-4BE5-6B45-AD4E-2D43B1103B9C}"/>
+              </a:ext>
+            </a:extLst>
+          </p:cNvPr>
+          <p:cNvSpPr/>
+          <p:nvPr/>
+        </p:nvSpPr>
+        <p:spPr>
+          <a:xfrm rot="16200000">
+            <a:off x="2669990" y="1034144"/>
+            <a:ext cx="211893" cy="4916230"/>
+          </a:xfrm>
+          <a:prstGeom prst="leftBrace">
+            <a:avLst>
+              <a:gd name="adj1" fmla="val 41415"/>
+              <a:gd name="adj2" fmla="val 50000"/>
+            </a:avLst>
+          </a:prstGeom>
+          <a:ln w="19050">
+            <a:solidFill>
+              <a:schemeClr val="tx1"/>
+            </a:solidFill>
+          </a:ln>
+        </p:spPr>
+        <p:style>
+          <a:lnRef idx="1">
+            <a:schemeClr val="accent1"/>
+          </a:lnRef>
+          <a:fillRef idx="0">
+            <a:schemeClr val="accent1"/>
+          </a:fillRef>
+          <a:effectRef idx="0">
+            <a:schemeClr val="accent1"/>
+          </a:effectRef>
+          <a:fontRef idx="minor">
+            <a:schemeClr val="tx1"/>
+          </a:fontRef>
+        </p:style>
+        <p:txBody>
+          <a:bodyPr rtlCol="0" anchor="ctr"/>
+          <a:lstStyle/>
+          <a:p>
+            <a:pPr algn="ctr"/>
+            <a:endParaRPr lang="en-US"/>
+          </a:p>
+        </p:txBody>
+      </p:sp>
+      <p:sp>
+        <p:nvSpPr>
+          <p:cNvPr id="56" name="Left Brace 55">
+            <a:extLst>
+              <a:ext uri="{FF2B5EF4-FFF2-40B4-BE49-F238E27FC236}">
+                <a16:creationId xmlns:a16="http://schemas.microsoft.com/office/drawing/2014/main" id="{6B0F78BB-2F64-6B4E-911C-D70857273253}"/>
+              </a:ext>
+            </a:extLst>
+          </p:cNvPr>
+          <p:cNvSpPr/>
+          <p:nvPr/>
+        </p:nvSpPr>
+        <p:spPr>
+          <a:xfrm rot="16200000">
+            <a:off x="8661149" y="819398"/>
+            <a:ext cx="196125" cy="5329954"/>
+          </a:xfrm>
+          <a:prstGeom prst="leftBrace">
+            <a:avLst>
+              <a:gd name="adj1" fmla="val 41415"/>
+              <a:gd name="adj2" fmla="val 50000"/>
+            </a:avLst>
+          </a:prstGeom>
+          <a:ln w="19050">
+            <a:solidFill>
+              <a:schemeClr val="tx1"/>
+            </a:solidFill>
+          </a:ln>
+        </p:spPr>
+        <p:style>
+          <a:lnRef idx="1">
+            <a:schemeClr val="accent1"/>
+          </a:lnRef>
+          <a:fillRef idx="0">
+            <a:schemeClr val="accent1"/>
+          </a:fillRef>
+          <a:effectRef idx="0">
+            <a:schemeClr val="accent1"/>
+          </a:effectRef>
+          <a:fontRef idx="minor">
+            <a:schemeClr val="tx1"/>
+          </a:fontRef>
+        </p:style>
+        <p:txBody>
+          <a:bodyPr rtlCol="0" anchor="ctr"/>
+          <a:lstStyle/>
+          <a:p>
+            <a:pPr algn="ctr"/>
+            <a:endParaRPr lang="en-US"/>
+          </a:p>
+        </p:txBody>
+      </p:sp>
+    </p:spTree>
+    <p:extLst>
+      <p:ext uri="{BB962C8B-B14F-4D97-AF65-F5344CB8AC3E}">
+        <p14:creationId xmlns:p14="http://schemas.microsoft.com/office/powerpoint/2010/main" val="162142883"/>
+      </p:ext>
+    </p:extLst>
+  </p:cSld>
+  <p:clrMapOvr>
+    <a:masterClrMapping/>
+  </p:clrMapOvr>
+</p:sld>
+</file>
+
+<file path=ppt/slides/slide45.xml><?xml version="1.0" encoding="utf-8"?>
 <p:sld xmlns:a="http://schemas.openxmlformats.org/drawingml/2006/main" xmlns:r="http://schemas.openxmlformats.org/officeDocument/2006/relationships" xmlns:p="http://schemas.openxmlformats.org/presentationml/2006/main">
   <p:cSld>
     <p:spTree>

--- a/images.pptx
+++ b/images.pptx
@@ -5,7 +5,7 @@
     <p:sldMasterId id="2147483648" r:id="rId1"/>
   </p:sldMasterIdLst>
   <p:notesMasterIdLst>
-    <p:notesMasterId r:id="rId47"/>
+    <p:notesMasterId r:id="rId50"/>
   </p:notesMasterIdLst>
   <p:sldIdLst>
     <p:sldId id="257" r:id="rId2"/>
@@ -53,6 +53,9 @@
     <p:sldId id="297" r:id="rId44"/>
     <p:sldId id="300" r:id="rId45"/>
     <p:sldId id="298" r:id="rId46"/>
+    <p:sldId id="301" r:id="rId47"/>
+    <p:sldId id="302" r:id="rId48"/>
+    <p:sldId id="303" r:id="rId49"/>
   </p:sldIdLst>
   <p:sldSz cx="12192000" cy="6858000"/>
   <p:notesSz cx="6858000" cy="9144000"/>
@@ -241,7 +244,7 @@
           <a:p>
             <a:fld id="{7CEEDDC0-DF20-AC46-B752-4D05A37D4059}" type="datetimeFigureOut">
               <a:rPr lang="en-US" smtClean="0"/>
-              <a:t>10/16/19</a:t>
+              <a:t>10/20/19</a:t>
             </a:fld>
             <a:endParaRPr lang="en-US"/>
           </a:p>
@@ -1243,7 +1246,7 @@
           <a:p>
             <a:fld id="{ABB50B84-C221-BA49-B172-B6D4747B1BA4}" type="datetimeFigureOut">
               <a:rPr lang="en-US" smtClean="0"/>
-              <a:t>10/16/19</a:t>
+              <a:t>10/20/19</a:t>
             </a:fld>
             <a:endParaRPr lang="en-US"/>
           </a:p>
@@ -1441,7 +1444,7 @@
           <a:p>
             <a:fld id="{ABB50B84-C221-BA49-B172-B6D4747B1BA4}" type="datetimeFigureOut">
               <a:rPr lang="en-US" smtClean="0"/>
-              <a:t>10/16/19</a:t>
+              <a:t>10/20/19</a:t>
             </a:fld>
             <a:endParaRPr lang="en-US"/>
           </a:p>
@@ -1649,7 +1652,7 @@
           <a:p>
             <a:fld id="{ABB50B84-C221-BA49-B172-B6D4747B1BA4}" type="datetimeFigureOut">
               <a:rPr lang="en-US" smtClean="0"/>
-              <a:t>10/16/19</a:t>
+              <a:t>10/20/19</a:t>
             </a:fld>
             <a:endParaRPr lang="en-US"/>
           </a:p>
@@ -1847,7 +1850,7 @@
           <a:p>
             <a:fld id="{ABB50B84-C221-BA49-B172-B6D4747B1BA4}" type="datetimeFigureOut">
               <a:rPr lang="en-US" smtClean="0"/>
-              <a:t>10/16/19</a:t>
+              <a:t>10/20/19</a:t>
             </a:fld>
             <a:endParaRPr lang="en-US"/>
           </a:p>
@@ -2122,7 +2125,7 @@
           <a:p>
             <a:fld id="{ABB50B84-C221-BA49-B172-B6D4747B1BA4}" type="datetimeFigureOut">
               <a:rPr lang="en-US" smtClean="0"/>
-              <a:t>10/16/19</a:t>
+              <a:t>10/20/19</a:t>
             </a:fld>
             <a:endParaRPr lang="en-US"/>
           </a:p>
@@ -2387,7 +2390,7 @@
           <a:p>
             <a:fld id="{ABB50B84-C221-BA49-B172-B6D4747B1BA4}" type="datetimeFigureOut">
               <a:rPr lang="en-US" smtClean="0"/>
-              <a:t>10/16/19</a:t>
+              <a:t>10/20/19</a:t>
             </a:fld>
             <a:endParaRPr lang="en-US"/>
           </a:p>
@@ -2799,7 +2802,7 @@
           <a:p>
             <a:fld id="{ABB50B84-C221-BA49-B172-B6D4747B1BA4}" type="datetimeFigureOut">
               <a:rPr lang="en-US" smtClean="0"/>
-              <a:t>10/16/19</a:t>
+              <a:t>10/20/19</a:t>
             </a:fld>
             <a:endParaRPr lang="en-US"/>
           </a:p>
@@ -2940,7 +2943,7 @@
           <a:p>
             <a:fld id="{ABB50B84-C221-BA49-B172-B6D4747B1BA4}" type="datetimeFigureOut">
               <a:rPr lang="en-US" smtClean="0"/>
-              <a:t>10/16/19</a:t>
+              <a:t>10/20/19</a:t>
             </a:fld>
             <a:endParaRPr lang="en-US"/>
           </a:p>
@@ -3053,7 +3056,7 @@
           <a:p>
             <a:fld id="{ABB50B84-C221-BA49-B172-B6D4747B1BA4}" type="datetimeFigureOut">
               <a:rPr lang="en-US" smtClean="0"/>
-              <a:t>10/16/19</a:t>
+              <a:t>10/20/19</a:t>
             </a:fld>
             <a:endParaRPr lang="en-US"/>
           </a:p>
@@ -3364,7 +3367,7 @@
           <a:p>
             <a:fld id="{ABB50B84-C221-BA49-B172-B6D4747B1BA4}" type="datetimeFigureOut">
               <a:rPr lang="en-US" smtClean="0"/>
-              <a:t>10/16/19</a:t>
+              <a:t>10/20/19</a:t>
             </a:fld>
             <a:endParaRPr lang="en-US"/>
           </a:p>
@@ -3652,7 +3655,7 @@
           <a:p>
             <a:fld id="{ABB50B84-C221-BA49-B172-B6D4747B1BA4}" type="datetimeFigureOut">
               <a:rPr lang="en-US" smtClean="0"/>
-              <a:t>10/16/19</a:t>
+              <a:t>10/20/19</a:t>
             </a:fld>
             <a:endParaRPr lang="en-US"/>
           </a:p>
@@ -3893,7 +3896,7 @@
           <a:p>
             <a:fld id="{ABB50B84-C221-BA49-B172-B6D4747B1BA4}" type="datetimeFigureOut">
               <a:rPr lang="en-US" smtClean="0"/>
-              <a:t>10/16/19</a:t>
+              <a:t>10/20/19</a:t>
             </a:fld>
             <a:endParaRPr lang="en-US"/>
           </a:p>
@@ -44101,6 +44104,3890 @@
     <p:extLst>
       <p:ext uri="{BB962C8B-B14F-4D97-AF65-F5344CB8AC3E}">
         <p14:creationId xmlns:p14="http://schemas.microsoft.com/office/powerpoint/2010/main" val="3749426606"/>
+      </p:ext>
+    </p:extLst>
+  </p:cSld>
+  <p:clrMapOvr>
+    <a:masterClrMapping/>
+  </p:clrMapOvr>
+</p:sld>
+</file>
+
+<file path=ppt/slides/slide46.xml><?xml version="1.0" encoding="utf-8"?>
+<p:sld xmlns:a="http://schemas.openxmlformats.org/drawingml/2006/main" xmlns:r="http://schemas.openxmlformats.org/officeDocument/2006/relationships" xmlns:p="http://schemas.openxmlformats.org/presentationml/2006/main">
+  <p:cSld>
+    <p:spTree>
+      <p:nvGrpSpPr>
+        <p:cNvPr id="1" name=""/>
+        <p:cNvGrpSpPr/>
+        <p:nvPr/>
+      </p:nvGrpSpPr>
+      <p:grpSpPr>
+        <a:xfrm>
+          <a:off x="0" y="0"/>
+          <a:ext cx="0" cy="0"/>
+          <a:chOff x="0" y="0"/>
+          <a:chExt cx="0" cy="0"/>
+        </a:xfrm>
+      </p:grpSpPr>
+      <p:sp>
+        <p:nvSpPr>
+          <p:cNvPr id="14" name="四角形: 角を丸くする 3">
+            <a:extLst>
+              <a:ext uri="{FF2B5EF4-FFF2-40B4-BE49-F238E27FC236}">
+                <a16:creationId xmlns:a16="http://schemas.microsoft.com/office/drawing/2014/main" id="{A3BE7524-7058-6E43-98FB-35E13C767133}"/>
+              </a:ext>
+            </a:extLst>
+          </p:cNvPr>
+          <p:cNvSpPr/>
+          <p:nvPr/>
+        </p:nvSpPr>
+        <p:spPr>
+          <a:xfrm>
+            <a:off x="5518415" y="1604750"/>
+            <a:ext cx="1155170" cy="636104"/>
+          </a:xfrm>
+          <a:prstGeom prst="roundRect">
+            <a:avLst/>
+          </a:prstGeom>
+          <a:solidFill>
+            <a:schemeClr val="accent4">
+              <a:lumMod val="20000"/>
+              <a:lumOff val="80000"/>
+            </a:schemeClr>
+          </a:solidFill>
+          <a:ln w="38100"/>
+        </p:spPr>
+        <p:style>
+          <a:lnRef idx="2">
+            <a:schemeClr val="accent1"/>
+          </a:lnRef>
+          <a:fillRef idx="1">
+            <a:schemeClr val="lt1"/>
+          </a:fillRef>
+          <a:effectRef idx="0">
+            <a:schemeClr val="accent1"/>
+          </a:effectRef>
+          <a:fontRef idx="minor">
+            <a:schemeClr val="dk1"/>
+          </a:fontRef>
+        </p:style>
+        <p:txBody>
+          <a:bodyPr rtlCol="0" anchor="ctr"/>
+          <a:lstStyle/>
+          <a:p>
+            <a:pPr algn="ctr"/>
+            <a:r>
+              <a:rPr kumimoji="1" lang="en-US" altLang="ja-JP" sz="1600" b="1" dirty="0"/>
+              <a:t>RSA Naïve Signing</a:t>
+            </a:r>
+          </a:p>
+        </p:txBody>
+      </p:sp>
+      <p:cxnSp>
+        <p:nvCxnSpPr>
+          <p:cNvPr id="15" name="直線矢印コネクタ 6">
+            <a:extLst>
+              <a:ext uri="{FF2B5EF4-FFF2-40B4-BE49-F238E27FC236}">
+                <a16:creationId xmlns:a16="http://schemas.microsoft.com/office/drawing/2014/main" id="{E9930A9C-F763-FB4D-81D1-66D462B60FE5}"/>
+              </a:ext>
+            </a:extLst>
+          </p:cNvPr>
+          <p:cNvCxnSpPr>
+            <a:cxnSpLocks/>
+            <a:endCxn id="14" idx="0"/>
+          </p:cNvCxnSpPr>
+          <p:nvPr/>
+        </p:nvCxnSpPr>
+        <p:spPr>
+          <a:xfrm>
+            <a:off x="6096000" y="922309"/>
+            <a:ext cx="0" cy="682441"/>
+          </a:xfrm>
+          <a:prstGeom prst="straightConnector1">
+            <a:avLst/>
+          </a:prstGeom>
+          <a:ln w="38100">
+            <a:solidFill>
+              <a:schemeClr val="tx1"/>
+            </a:solidFill>
+            <a:tailEnd type="triangle"/>
+          </a:ln>
+        </p:spPr>
+        <p:style>
+          <a:lnRef idx="1">
+            <a:schemeClr val="accent1"/>
+          </a:lnRef>
+          <a:fillRef idx="0">
+            <a:schemeClr val="accent1"/>
+          </a:fillRef>
+          <a:effectRef idx="0">
+            <a:schemeClr val="accent1"/>
+          </a:effectRef>
+          <a:fontRef idx="minor">
+            <a:schemeClr val="tx1"/>
+          </a:fontRef>
+        </p:style>
+      </p:cxnSp>
+      <p:cxnSp>
+        <p:nvCxnSpPr>
+          <p:cNvPr id="16" name="直線矢印コネクタ 7">
+            <a:extLst>
+              <a:ext uri="{FF2B5EF4-FFF2-40B4-BE49-F238E27FC236}">
+                <a16:creationId xmlns:a16="http://schemas.microsoft.com/office/drawing/2014/main" id="{A1BB8BE1-FBFC-6843-BEE8-E9512EEC6BD4}"/>
+              </a:ext>
+            </a:extLst>
+          </p:cNvPr>
+          <p:cNvCxnSpPr>
+            <a:cxnSpLocks/>
+            <a:stCxn id="14" idx="3"/>
+          </p:cNvCxnSpPr>
+          <p:nvPr/>
+        </p:nvCxnSpPr>
+        <p:spPr>
+          <a:xfrm>
+            <a:off x="6673585" y="1922802"/>
+            <a:ext cx="558963" cy="0"/>
+          </a:xfrm>
+          <a:prstGeom prst="straightConnector1">
+            <a:avLst/>
+          </a:prstGeom>
+          <a:ln w="38100">
+            <a:solidFill>
+              <a:schemeClr val="tx1"/>
+            </a:solidFill>
+            <a:tailEnd type="triangle"/>
+          </a:ln>
+        </p:spPr>
+        <p:style>
+          <a:lnRef idx="1">
+            <a:schemeClr val="accent1"/>
+          </a:lnRef>
+          <a:fillRef idx="0">
+            <a:schemeClr val="accent1"/>
+          </a:fillRef>
+          <a:effectRef idx="0">
+            <a:schemeClr val="accent1"/>
+          </a:effectRef>
+          <a:fontRef idx="minor">
+            <a:schemeClr val="tx1"/>
+          </a:fontRef>
+        </p:style>
+      </p:cxnSp>
+      <p:pic>
+        <p:nvPicPr>
+          <p:cNvPr id="18" name="Picture 14">
+            <a:extLst>
+              <a:ext uri="{FF2B5EF4-FFF2-40B4-BE49-F238E27FC236}">
+                <a16:creationId xmlns:a16="http://schemas.microsoft.com/office/drawing/2014/main" id="{8AE18525-62CC-764E-85F8-0D09E6D0994F}"/>
+              </a:ext>
+            </a:extLst>
+          </p:cNvPr>
+          <p:cNvPicPr>
+            <a:picLocks noChangeAspect="1"/>
+          </p:cNvPicPr>
+          <p:nvPr/>
+        </p:nvPicPr>
+        <p:blipFill>
+          <a:blip r:embed="rId2"/>
+          <a:stretch>
+            <a:fillRect/>
+          </a:stretch>
+        </p:blipFill>
+        <p:spPr>
+          <a:xfrm rot="2482566">
+            <a:off x="6327003" y="958371"/>
+            <a:ext cx="163450" cy="517592"/>
+          </a:xfrm>
+          <a:prstGeom prst="rect">
+            <a:avLst/>
+          </a:prstGeom>
+        </p:spPr>
+      </p:pic>
+      <p:sp>
+        <p:nvSpPr>
+          <p:cNvPr id="21" name="TextBox 45">
+            <a:extLst>
+              <a:ext uri="{FF2B5EF4-FFF2-40B4-BE49-F238E27FC236}">
+                <a16:creationId xmlns:a16="http://schemas.microsoft.com/office/drawing/2014/main" id="{7B18DA88-3840-AE44-94E8-351D89ABA3BB}"/>
+              </a:ext>
+            </a:extLst>
+          </p:cNvPr>
+          <p:cNvSpPr txBox="1"/>
+          <p:nvPr/>
+        </p:nvSpPr>
+        <p:spPr>
+          <a:xfrm>
+            <a:off x="4821124" y="830151"/>
+            <a:ext cx="1394582" cy="646331"/>
+          </a:xfrm>
+          <a:prstGeom prst="rect">
+            <a:avLst/>
+          </a:prstGeom>
+          <a:noFill/>
+        </p:spPr>
+        <p:txBody>
+          <a:bodyPr wrap="square" rtlCol="0">
+            <a:spAutoFit/>
+          </a:bodyPr>
+          <a:lstStyle/>
+          <a:p>
+            <a:r>
+              <a:rPr lang="en-US" b="1" dirty="0"/>
+              <a:t>Sender’s</a:t>
+            </a:r>
+          </a:p>
+          <a:p>
+            <a:r>
+              <a:rPr lang="en-US" b="1" dirty="0"/>
+              <a:t>Private Key</a:t>
+            </a:r>
+          </a:p>
+        </p:txBody>
+      </p:sp>
+      <p:cxnSp>
+        <p:nvCxnSpPr>
+          <p:cNvPr id="22" name="直線矢印コネクタ 19">
+            <a:extLst>
+              <a:ext uri="{FF2B5EF4-FFF2-40B4-BE49-F238E27FC236}">
+                <a16:creationId xmlns:a16="http://schemas.microsoft.com/office/drawing/2014/main" id="{8384FB24-220A-5C4A-9799-3C1F6D0AA327}"/>
+              </a:ext>
+            </a:extLst>
+          </p:cNvPr>
+          <p:cNvCxnSpPr>
+            <a:cxnSpLocks/>
+            <a:endCxn id="14" idx="1"/>
+          </p:cNvCxnSpPr>
+          <p:nvPr/>
+        </p:nvCxnSpPr>
+        <p:spPr>
+          <a:xfrm>
+            <a:off x="5044861" y="1922802"/>
+            <a:ext cx="473554" cy="0"/>
+          </a:xfrm>
+          <a:prstGeom prst="straightConnector1">
+            <a:avLst/>
+          </a:prstGeom>
+          <a:ln w="38100">
+            <a:solidFill>
+              <a:schemeClr val="tx1"/>
+            </a:solidFill>
+            <a:tailEnd type="triangle"/>
+          </a:ln>
+        </p:spPr>
+        <p:style>
+          <a:lnRef idx="1">
+            <a:schemeClr val="accent1"/>
+          </a:lnRef>
+          <a:fillRef idx="0">
+            <a:schemeClr val="accent1"/>
+          </a:fillRef>
+          <a:effectRef idx="0">
+            <a:schemeClr val="accent1"/>
+          </a:effectRef>
+          <a:fontRef idx="minor">
+            <a:schemeClr val="tx1"/>
+          </a:fontRef>
+        </p:style>
+      </p:cxnSp>
+      <p:pic>
+        <p:nvPicPr>
+          <p:cNvPr id="25" name="Picture 33">
+            <a:extLst>
+              <a:ext uri="{FF2B5EF4-FFF2-40B4-BE49-F238E27FC236}">
+                <a16:creationId xmlns:a16="http://schemas.microsoft.com/office/drawing/2014/main" id="{B37407BB-0C97-6748-9316-6AC4BD6D3826}"/>
+              </a:ext>
+            </a:extLst>
+          </p:cNvPr>
+          <p:cNvPicPr>
+            <a:picLocks noChangeAspect="1"/>
+          </p:cNvPicPr>
+          <p:nvPr/>
+        </p:nvPicPr>
+        <p:blipFill>
+          <a:blip r:embed="rId3"/>
+          <a:stretch>
+            <a:fillRect/>
+          </a:stretch>
+        </p:blipFill>
+        <p:spPr>
+          <a:xfrm>
+            <a:off x="2769064" y="1604750"/>
+            <a:ext cx="620968" cy="620968"/>
+          </a:xfrm>
+          <a:prstGeom prst="rect">
+            <a:avLst/>
+          </a:prstGeom>
+        </p:spPr>
+      </p:pic>
+      <p:pic>
+        <p:nvPicPr>
+          <p:cNvPr id="26" name="Picture 60">
+            <a:extLst>
+              <a:ext uri="{FF2B5EF4-FFF2-40B4-BE49-F238E27FC236}">
+                <a16:creationId xmlns:a16="http://schemas.microsoft.com/office/drawing/2014/main" id="{209B1155-54AB-1648-B415-47DC5F98414D}"/>
+              </a:ext>
+            </a:extLst>
+          </p:cNvPr>
+          <p:cNvPicPr>
+            <a:picLocks noChangeAspect="1"/>
+          </p:cNvPicPr>
+          <p:nvPr/>
+        </p:nvPicPr>
+        <p:blipFill>
+          <a:blip r:embed="rId4"/>
+          <a:stretch>
+            <a:fillRect/>
+          </a:stretch>
+        </p:blipFill>
+        <p:spPr>
+          <a:xfrm>
+            <a:off x="7230402" y="1646269"/>
+            <a:ext cx="598353" cy="636105"/>
+          </a:xfrm>
+          <a:prstGeom prst="rect">
+            <a:avLst/>
+          </a:prstGeom>
+        </p:spPr>
+      </p:pic>
+      <p:sp>
+        <p:nvSpPr>
+          <p:cNvPr id="27" name="TextBox 45">
+            <a:extLst>
+              <a:ext uri="{FF2B5EF4-FFF2-40B4-BE49-F238E27FC236}">
+                <a16:creationId xmlns:a16="http://schemas.microsoft.com/office/drawing/2014/main" id="{1D28C33F-5C20-054C-82C5-F00A53E1F723}"/>
+              </a:ext>
+            </a:extLst>
+          </p:cNvPr>
+          <p:cNvSpPr txBox="1"/>
+          <p:nvPr/>
+        </p:nvSpPr>
+        <p:spPr>
+          <a:xfrm>
+            <a:off x="2601221" y="2183884"/>
+            <a:ext cx="956654" cy="646331"/>
+          </a:xfrm>
+          <a:prstGeom prst="rect">
+            <a:avLst/>
+          </a:prstGeom>
+          <a:noFill/>
+        </p:spPr>
+        <p:txBody>
+          <a:bodyPr wrap="square" rtlCol="0">
+            <a:spAutoFit/>
+          </a:bodyPr>
+          <a:lstStyle/>
+          <a:p>
+            <a:pPr algn="ctr"/>
+            <a:r>
+              <a:rPr lang="en-US" b="1" dirty="0"/>
+              <a:t>Hashed Data </a:t>
+            </a:r>
+            <a:r>
+              <a:rPr lang="en-US" b="1" i="1" dirty="0"/>
+              <a:t>h</a:t>
+            </a:r>
+          </a:p>
+        </p:txBody>
+      </p:sp>
+      <p:sp>
+        <p:nvSpPr>
+          <p:cNvPr id="28" name="TextBox 45">
+            <a:extLst>
+              <a:ext uri="{FF2B5EF4-FFF2-40B4-BE49-F238E27FC236}">
+                <a16:creationId xmlns:a16="http://schemas.microsoft.com/office/drawing/2014/main" id="{7C26FCDA-56BB-C64D-A0D3-4AEE77FB8EC7}"/>
+              </a:ext>
+            </a:extLst>
+          </p:cNvPr>
+          <p:cNvSpPr txBox="1"/>
+          <p:nvPr/>
+        </p:nvSpPr>
+        <p:spPr>
+          <a:xfrm>
+            <a:off x="6673585" y="2233286"/>
+            <a:ext cx="1466978" cy="369332"/>
+          </a:xfrm>
+          <a:prstGeom prst="rect">
+            <a:avLst/>
+          </a:prstGeom>
+          <a:noFill/>
+        </p:spPr>
+        <p:txBody>
+          <a:bodyPr wrap="square" rtlCol="0">
+            <a:spAutoFit/>
+          </a:bodyPr>
+          <a:lstStyle/>
+          <a:p>
+            <a:pPr algn="ctr"/>
+            <a:r>
+              <a:rPr lang="en-US" b="1" dirty="0"/>
+              <a:t>Signature</a:t>
+            </a:r>
+            <a:r>
+              <a:rPr lang="ja-JP" altLang="en-US" b="1"/>
+              <a:t> </a:t>
+            </a:r>
+            <a:r>
+              <a:rPr lang="en-US" altLang="ja-JP" b="1" i="1" dirty="0"/>
+              <a:t>s</a:t>
+            </a:r>
+            <a:endParaRPr lang="en-US" b="1" i="1" dirty="0"/>
+          </a:p>
+        </p:txBody>
+      </p:sp>
+      <p:sp>
+        <p:nvSpPr>
+          <p:cNvPr id="38" name="四角形: 角を丸くする 3">
+            <a:extLst>
+              <a:ext uri="{FF2B5EF4-FFF2-40B4-BE49-F238E27FC236}">
+                <a16:creationId xmlns:a16="http://schemas.microsoft.com/office/drawing/2014/main" id="{9EA2EF5F-1B1E-0C4E-A7B9-BAA4EA135202}"/>
+              </a:ext>
+            </a:extLst>
+          </p:cNvPr>
+          <p:cNvSpPr/>
+          <p:nvPr/>
+        </p:nvSpPr>
+        <p:spPr>
+          <a:xfrm>
+            <a:off x="3882827" y="1602180"/>
+            <a:ext cx="1155170" cy="636104"/>
+          </a:xfrm>
+          <a:prstGeom prst="roundRect">
+            <a:avLst/>
+          </a:prstGeom>
+          <a:solidFill>
+            <a:schemeClr val="accent6">
+              <a:lumMod val="20000"/>
+              <a:lumOff val="80000"/>
+            </a:schemeClr>
+          </a:solidFill>
+          <a:ln w="38100"/>
+        </p:spPr>
+        <p:style>
+          <a:lnRef idx="2">
+            <a:schemeClr val="accent1"/>
+          </a:lnRef>
+          <a:fillRef idx="1">
+            <a:schemeClr val="lt1"/>
+          </a:fillRef>
+          <a:effectRef idx="0">
+            <a:schemeClr val="accent1"/>
+          </a:effectRef>
+          <a:fontRef idx="minor">
+            <a:schemeClr val="dk1"/>
+          </a:fontRef>
+        </p:style>
+        <p:txBody>
+          <a:bodyPr rtlCol="0" anchor="ctr"/>
+          <a:lstStyle/>
+          <a:p>
+            <a:pPr algn="ctr"/>
+            <a:r>
+              <a:rPr kumimoji="1" lang="en-US" altLang="ja-JP" b="1" dirty="0"/>
+              <a:t>Padding</a:t>
+            </a:r>
+          </a:p>
+        </p:txBody>
+      </p:sp>
+      <p:cxnSp>
+        <p:nvCxnSpPr>
+          <p:cNvPr id="39" name="直線矢印コネクタ 19">
+            <a:extLst>
+              <a:ext uri="{FF2B5EF4-FFF2-40B4-BE49-F238E27FC236}">
+                <a16:creationId xmlns:a16="http://schemas.microsoft.com/office/drawing/2014/main" id="{BF6A660A-15A1-9B40-8069-B7460ABD1E52}"/>
+              </a:ext>
+            </a:extLst>
+          </p:cNvPr>
+          <p:cNvCxnSpPr>
+            <a:cxnSpLocks/>
+          </p:cNvCxnSpPr>
+          <p:nvPr/>
+        </p:nvCxnSpPr>
+        <p:spPr>
+          <a:xfrm>
+            <a:off x="3409273" y="1900772"/>
+            <a:ext cx="473554" cy="0"/>
+          </a:xfrm>
+          <a:prstGeom prst="straightConnector1">
+            <a:avLst/>
+          </a:prstGeom>
+          <a:ln w="38100">
+            <a:solidFill>
+              <a:schemeClr val="tx1"/>
+            </a:solidFill>
+            <a:tailEnd type="triangle"/>
+          </a:ln>
+        </p:spPr>
+        <p:style>
+          <a:lnRef idx="1">
+            <a:schemeClr val="accent1"/>
+          </a:lnRef>
+          <a:fillRef idx="0">
+            <a:schemeClr val="accent1"/>
+          </a:fillRef>
+          <a:effectRef idx="0">
+            <a:schemeClr val="accent1"/>
+          </a:effectRef>
+          <a:fontRef idx="minor">
+            <a:schemeClr val="tx1"/>
+          </a:fontRef>
+        </p:style>
+      </p:cxnSp>
+      <p:sp>
+        <p:nvSpPr>
+          <p:cNvPr id="41" name="TextBox 45">
+            <a:extLst>
+              <a:ext uri="{FF2B5EF4-FFF2-40B4-BE49-F238E27FC236}">
+                <a16:creationId xmlns:a16="http://schemas.microsoft.com/office/drawing/2014/main" id="{7236847A-B49F-DB41-833A-423F69C11C5D}"/>
+              </a:ext>
+            </a:extLst>
+          </p:cNvPr>
+          <p:cNvSpPr txBox="1"/>
+          <p:nvPr/>
+        </p:nvSpPr>
+        <p:spPr>
+          <a:xfrm>
+            <a:off x="4754097" y="2219091"/>
+            <a:ext cx="1005173" cy="646331"/>
+          </a:xfrm>
+          <a:prstGeom prst="rect">
+            <a:avLst/>
+          </a:prstGeom>
+          <a:noFill/>
+        </p:spPr>
+        <p:txBody>
+          <a:bodyPr wrap="square" rtlCol="0">
+            <a:spAutoFit/>
+          </a:bodyPr>
+          <a:lstStyle/>
+          <a:p>
+            <a:pPr algn="ctr"/>
+            <a:r>
+              <a:rPr lang="en-US" b="1" dirty="0"/>
+              <a:t>Padded data</a:t>
+            </a:r>
+            <a:r>
+              <a:rPr lang="ja-JP" altLang="en-US" b="1"/>
+              <a:t> </a:t>
+            </a:r>
+            <a:r>
+              <a:rPr lang="en-US" altLang="ja-JP" b="1" i="1" dirty="0"/>
+              <a:t>m</a:t>
+            </a:r>
+            <a:endParaRPr lang="en-US" b="1" i="1" dirty="0"/>
+          </a:p>
+        </p:txBody>
+      </p:sp>
+      <p:sp>
+        <p:nvSpPr>
+          <p:cNvPr id="52" name="Line Callout 2 (Accent Bar) 51">
+            <a:extLst>
+              <a:ext uri="{FF2B5EF4-FFF2-40B4-BE49-F238E27FC236}">
+                <a16:creationId xmlns:a16="http://schemas.microsoft.com/office/drawing/2014/main" id="{07041962-5E07-9D40-A53B-A29BC6612F14}"/>
+              </a:ext>
+            </a:extLst>
+          </p:cNvPr>
+          <p:cNvSpPr/>
+          <p:nvPr/>
+        </p:nvSpPr>
+        <p:spPr>
+          <a:xfrm>
+            <a:off x="4869813" y="3175905"/>
+            <a:ext cx="2983928" cy="369332"/>
+          </a:xfrm>
+          <a:prstGeom prst="accentCallout2">
+            <a:avLst>
+              <a:gd name="adj1" fmla="val 17034"/>
+              <a:gd name="adj2" fmla="val -2990"/>
+              <a:gd name="adj3" fmla="val 17034"/>
+              <a:gd name="adj4" fmla="val -10679"/>
+              <a:gd name="adj5" fmla="val -276082"/>
+              <a:gd name="adj6" fmla="val -26261"/>
+            </a:avLst>
+          </a:prstGeom>
+          <a:noFill/>
+        </p:spPr>
+        <p:style>
+          <a:lnRef idx="2">
+            <a:schemeClr val="accent1">
+              <a:shade val="50000"/>
+            </a:schemeClr>
+          </a:lnRef>
+          <a:fillRef idx="1">
+            <a:schemeClr val="accent1"/>
+          </a:fillRef>
+          <a:effectRef idx="0">
+            <a:schemeClr val="accent1"/>
+          </a:effectRef>
+          <a:fontRef idx="minor">
+            <a:schemeClr val="lt1"/>
+          </a:fontRef>
+        </p:style>
+        <p:txBody>
+          <a:bodyPr rtlCol="0" anchor="ctr"/>
+          <a:lstStyle/>
+          <a:p>
+            <a:r>
+              <a:rPr lang="en-US" b="1" dirty="0">
+                <a:solidFill>
+                  <a:srgbClr val="FF0000"/>
+                </a:solidFill>
+              </a:rPr>
+              <a:t>PKCS#</a:t>
+            </a:r>
+            <a:r>
+              <a:rPr lang="en-US" b="1">
+                <a:solidFill>
+                  <a:srgbClr val="FF0000"/>
+                </a:solidFill>
+              </a:rPr>
+              <a:t>1-v1.5 padding or </a:t>
+            </a:r>
+            <a:r>
+              <a:rPr lang="en-US" b="1" dirty="0">
+                <a:solidFill>
+                  <a:srgbClr val="FF0000"/>
+                </a:solidFill>
+              </a:rPr>
+              <a:t>PSS</a:t>
+            </a:r>
+          </a:p>
+        </p:txBody>
+      </p:sp>
+    </p:spTree>
+    <p:extLst>
+      <p:ext uri="{BB962C8B-B14F-4D97-AF65-F5344CB8AC3E}">
+        <p14:creationId xmlns:p14="http://schemas.microsoft.com/office/powerpoint/2010/main" val="2243848639"/>
+      </p:ext>
+    </p:extLst>
+  </p:cSld>
+  <p:clrMapOvr>
+    <a:masterClrMapping/>
+  </p:clrMapOvr>
+</p:sld>
+</file>
+
+<file path=ppt/slides/slide47.xml><?xml version="1.0" encoding="utf-8"?>
+<p:sld xmlns:a="http://schemas.openxmlformats.org/drawingml/2006/main" xmlns:r="http://schemas.openxmlformats.org/officeDocument/2006/relationships" xmlns:p="http://schemas.openxmlformats.org/presentationml/2006/main">
+  <p:cSld>
+    <p:spTree>
+      <p:nvGrpSpPr>
+        <p:cNvPr id="1" name=""/>
+        <p:cNvGrpSpPr/>
+        <p:nvPr/>
+      </p:nvGrpSpPr>
+      <p:grpSpPr>
+        <a:xfrm>
+          <a:off x="0" y="0"/>
+          <a:ext cx="0" cy="0"/>
+          <a:chOff x="0" y="0"/>
+          <a:chExt cx="0" cy="0"/>
+        </a:xfrm>
+      </p:grpSpPr>
+      <p:sp>
+        <p:nvSpPr>
+          <p:cNvPr id="4" name="正方形/長方形 3">
+            <a:extLst>
+              <a:ext uri="{FF2B5EF4-FFF2-40B4-BE49-F238E27FC236}">
+                <a16:creationId xmlns:a16="http://schemas.microsoft.com/office/drawing/2014/main" id="{DDBEBF20-86A8-4952-8784-7156E98E718B}"/>
+              </a:ext>
+            </a:extLst>
+          </p:cNvPr>
+          <p:cNvSpPr/>
+          <p:nvPr/>
+        </p:nvSpPr>
+        <p:spPr>
+          <a:xfrm>
+            <a:off x="6406475" y="62392"/>
+            <a:ext cx="2252870" cy="437322"/>
+          </a:xfrm>
+          <a:prstGeom prst="rect">
+            <a:avLst/>
+          </a:prstGeom>
+          <a:solidFill>
+            <a:schemeClr val="bg1"/>
+          </a:solidFill>
+          <a:ln w="38100">
+            <a:solidFill>
+              <a:schemeClr val="tx1"/>
+            </a:solidFill>
+          </a:ln>
+        </p:spPr>
+        <p:style>
+          <a:lnRef idx="2">
+            <a:schemeClr val="accent1">
+              <a:shade val="50000"/>
+            </a:schemeClr>
+          </a:lnRef>
+          <a:fillRef idx="1">
+            <a:schemeClr val="accent1"/>
+          </a:fillRef>
+          <a:effectRef idx="0">
+            <a:schemeClr val="accent1"/>
+          </a:effectRef>
+          <a:fontRef idx="minor">
+            <a:schemeClr val="lt1"/>
+          </a:fontRef>
+        </p:style>
+        <p:txBody>
+          <a:bodyPr rtlCol="0" anchor="ctr"/>
+          <a:lstStyle/>
+          <a:p>
+            <a:pPr algn="ctr"/>
+            <a:r>
+              <a:rPr kumimoji="1" lang="en-US" altLang="ja-JP" b="1" dirty="0">
+                <a:solidFill>
+                  <a:schemeClr val="tx1"/>
+                </a:solidFill>
+              </a:rPr>
+              <a:t>Original Data </a:t>
+            </a:r>
+            <a:r>
+              <a:rPr kumimoji="1" lang="en-US" altLang="ja-JP" b="1" i="1" dirty="0">
+                <a:solidFill>
+                  <a:schemeClr val="tx1"/>
+                </a:solidFill>
+              </a:rPr>
+              <a:t>D</a:t>
+            </a:r>
+            <a:endParaRPr kumimoji="1" lang="ja-JP" altLang="en-US" b="1" i="1" dirty="0">
+              <a:solidFill>
+                <a:schemeClr val="tx1"/>
+              </a:solidFill>
+            </a:endParaRPr>
+          </a:p>
+        </p:txBody>
+      </p:sp>
+      <p:sp>
+        <p:nvSpPr>
+          <p:cNvPr id="7" name="正方形/長方形 6">
+            <a:extLst>
+              <a:ext uri="{FF2B5EF4-FFF2-40B4-BE49-F238E27FC236}">
+                <a16:creationId xmlns:a16="http://schemas.microsoft.com/office/drawing/2014/main" id="{44F742F0-0EB0-40F4-89F4-10AA21AA34CB}"/>
+              </a:ext>
+            </a:extLst>
+          </p:cNvPr>
+          <p:cNvSpPr/>
+          <p:nvPr/>
+        </p:nvSpPr>
+        <p:spPr>
+          <a:xfrm>
+            <a:off x="5440799" y="1853009"/>
+            <a:ext cx="1049167" cy="437322"/>
+          </a:xfrm>
+          <a:prstGeom prst="rect">
+            <a:avLst/>
+          </a:prstGeom>
+          <a:solidFill>
+            <a:schemeClr val="bg1"/>
+          </a:solidFill>
+          <a:ln w="38100">
+            <a:solidFill>
+              <a:schemeClr val="tx1"/>
+            </a:solidFill>
+          </a:ln>
+        </p:spPr>
+        <p:style>
+          <a:lnRef idx="2">
+            <a:schemeClr val="accent1">
+              <a:shade val="50000"/>
+            </a:schemeClr>
+          </a:lnRef>
+          <a:fillRef idx="1">
+            <a:schemeClr val="accent1"/>
+          </a:fillRef>
+          <a:effectRef idx="0">
+            <a:schemeClr val="accent1"/>
+          </a:effectRef>
+          <a:fontRef idx="minor">
+            <a:schemeClr val="lt1"/>
+          </a:fontRef>
+        </p:style>
+        <p:txBody>
+          <a:bodyPr rtlCol="0" anchor="ctr"/>
+          <a:lstStyle/>
+          <a:p>
+            <a:pPr algn="ctr"/>
+            <a:r>
+              <a:rPr kumimoji="1" lang="en-US" altLang="ja-JP" b="1" dirty="0">
+                <a:solidFill>
+                  <a:schemeClr val="tx1"/>
+                </a:solidFill>
+              </a:rPr>
+              <a:t>0x00…</a:t>
+            </a:r>
+            <a:endParaRPr kumimoji="1" lang="ja-JP" altLang="en-US" b="1" dirty="0">
+              <a:solidFill>
+                <a:schemeClr val="tx1"/>
+              </a:solidFill>
+            </a:endParaRPr>
+          </a:p>
+        </p:txBody>
+      </p:sp>
+      <p:cxnSp>
+        <p:nvCxnSpPr>
+          <p:cNvPr id="14" name="直線矢印コネクタ 13">
+            <a:extLst>
+              <a:ext uri="{FF2B5EF4-FFF2-40B4-BE49-F238E27FC236}">
+                <a16:creationId xmlns:a16="http://schemas.microsoft.com/office/drawing/2014/main" id="{999F62F4-096E-479F-9E47-CD060C8CBE87}"/>
+              </a:ext>
+            </a:extLst>
+          </p:cNvPr>
+          <p:cNvCxnSpPr>
+            <a:cxnSpLocks/>
+            <a:stCxn id="46" idx="1"/>
+            <a:endCxn id="34" idx="0"/>
+          </p:cNvCxnSpPr>
+          <p:nvPr/>
+        </p:nvCxnSpPr>
+        <p:spPr>
+          <a:xfrm>
+            <a:off x="3280757" y="2701129"/>
+            <a:ext cx="1" cy="834386"/>
+          </a:xfrm>
+          <a:prstGeom prst="straightConnector1">
+            <a:avLst/>
+          </a:prstGeom>
+          <a:ln w="38100">
+            <a:solidFill>
+              <a:schemeClr val="tx1"/>
+            </a:solidFill>
+            <a:tailEnd type="triangle"/>
+          </a:ln>
+        </p:spPr>
+        <p:style>
+          <a:lnRef idx="1">
+            <a:schemeClr val="accent1"/>
+          </a:lnRef>
+          <a:fillRef idx="0">
+            <a:schemeClr val="accent1"/>
+          </a:fillRef>
+          <a:effectRef idx="0">
+            <a:schemeClr val="accent1"/>
+          </a:effectRef>
+          <a:fontRef idx="minor">
+            <a:schemeClr val="tx1"/>
+          </a:fontRef>
+        </p:style>
+      </p:cxnSp>
+      <p:cxnSp>
+        <p:nvCxnSpPr>
+          <p:cNvPr id="17" name="直線矢印コネクタ 16">
+            <a:extLst>
+              <a:ext uri="{FF2B5EF4-FFF2-40B4-BE49-F238E27FC236}">
+                <a16:creationId xmlns:a16="http://schemas.microsoft.com/office/drawing/2014/main" id="{9B33D2AB-6CA7-4267-B74A-21743CB3226D}"/>
+              </a:ext>
+            </a:extLst>
+          </p:cNvPr>
+          <p:cNvCxnSpPr>
+            <a:cxnSpLocks/>
+            <a:stCxn id="35" idx="1"/>
+            <a:endCxn id="40" idx="0"/>
+          </p:cNvCxnSpPr>
+          <p:nvPr/>
+        </p:nvCxnSpPr>
+        <p:spPr>
+          <a:xfrm flipH="1">
+            <a:off x="7636241" y="2701128"/>
+            <a:ext cx="1010" cy="327162"/>
+          </a:xfrm>
+          <a:prstGeom prst="straightConnector1">
+            <a:avLst/>
+          </a:prstGeom>
+          <a:ln w="38100">
+            <a:solidFill>
+              <a:schemeClr val="tx1"/>
+            </a:solidFill>
+            <a:tailEnd type="triangle"/>
+          </a:ln>
+        </p:spPr>
+        <p:style>
+          <a:lnRef idx="1">
+            <a:schemeClr val="accent1"/>
+          </a:lnRef>
+          <a:fillRef idx="0">
+            <a:schemeClr val="accent1"/>
+          </a:fillRef>
+          <a:effectRef idx="0">
+            <a:schemeClr val="accent1"/>
+          </a:effectRef>
+          <a:fontRef idx="minor">
+            <a:schemeClr val="tx1"/>
+          </a:fontRef>
+        </p:style>
+      </p:cxnSp>
+      <p:sp>
+        <p:nvSpPr>
+          <p:cNvPr id="34" name="四角形: 角を丸くする 33">
+            <a:extLst>
+              <a:ext uri="{FF2B5EF4-FFF2-40B4-BE49-F238E27FC236}">
+                <a16:creationId xmlns:a16="http://schemas.microsoft.com/office/drawing/2014/main" id="{D9773A9C-F496-414A-8EB1-DD772C3C3C5D}"/>
+              </a:ext>
+            </a:extLst>
+          </p:cNvPr>
+          <p:cNvSpPr/>
+          <p:nvPr/>
+        </p:nvSpPr>
+        <p:spPr>
+          <a:xfrm>
+            <a:off x="2913011" y="3535515"/>
+            <a:ext cx="735494" cy="636104"/>
+          </a:xfrm>
+          <a:prstGeom prst="roundRect">
+            <a:avLst/>
+          </a:prstGeom>
+          <a:ln w="38100"/>
+        </p:spPr>
+        <p:style>
+          <a:lnRef idx="2">
+            <a:schemeClr val="accent1"/>
+          </a:lnRef>
+          <a:fillRef idx="1">
+            <a:schemeClr val="lt1"/>
+          </a:fillRef>
+          <a:effectRef idx="0">
+            <a:schemeClr val="accent1"/>
+          </a:effectRef>
+          <a:fontRef idx="minor">
+            <a:schemeClr val="dk1"/>
+          </a:fontRef>
+        </p:style>
+        <p:txBody>
+          <a:bodyPr rtlCol="0" anchor="ctr"/>
+          <a:lstStyle/>
+          <a:p>
+            <a:pPr algn="ctr"/>
+            <a:r>
+              <a:rPr kumimoji="1" lang="en-US" altLang="ja-JP" b="1" dirty="0"/>
+              <a:t>XOR</a:t>
+            </a:r>
+            <a:endParaRPr kumimoji="1" lang="ja-JP" altLang="en-US" b="1" dirty="0"/>
+          </a:p>
+        </p:txBody>
+      </p:sp>
+      <p:sp>
+        <p:nvSpPr>
+          <p:cNvPr id="37" name="四角形: 角を丸くする 36">
+            <a:extLst>
+              <a:ext uri="{FF2B5EF4-FFF2-40B4-BE49-F238E27FC236}">
+                <a16:creationId xmlns:a16="http://schemas.microsoft.com/office/drawing/2014/main" id="{EF9C9B1C-9F70-4D42-BA4B-DB4CDCD18BC4}"/>
+              </a:ext>
+            </a:extLst>
+          </p:cNvPr>
+          <p:cNvSpPr/>
+          <p:nvPr/>
+        </p:nvSpPr>
+        <p:spPr>
+          <a:xfrm>
+            <a:off x="4364611" y="3543854"/>
+            <a:ext cx="2252865" cy="636104"/>
+          </a:xfrm>
+          <a:prstGeom prst="roundRect">
+            <a:avLst/>
+          </a:prstGeom>
+          <a:ln w="38100"/>
+        </p:spPr>
+        <p:style>
+          <a:lnRef idx="2">
+            <a:schemeClr val="accent1"/>
+          </a:lnRef>
+          <a:fillRef idx="1">
+            <a:schemeClr val="lt1"/>
+          </a:fillRef>
+          <a:effectRef idx="0">
+            <a:schemeClr val="accent1"/>
+          </a:effectRef>
+          <a:fontRef idx="minor">
+            <a:schemeClr val="dk1"/>
+          </a:fontRef>
+        </p:style>
+        <p:txBody>
+          <a:bodyPr rtlCol="0" anchor="ctr"/>
+          <a:lstStyle/>
+          <a:p>
+            <a:pPr algn="ctr"/>
+            <a:r>
+              <a:rPr kumimoji="1" lang="en-US" altLang="ja-JP" b="1" dirty="0"/>
+              <a:t>Mask Generation Function</a:t>
+            </a:r>
+            <a:endParaRPr kumimoji="1" lang="ja-JP" altLang="en-US" b="1" dirty="0"/>
+          </a:p>
+        </p:txBody>
+      </p:sp>
+      <p:cxnSp>
+        <p:nvCxnSpPr>
+          <p:cNvPr id="38" name="直線矢印コネクタ 37">
+            <a:extLst>
+              <a:ext uri="{FF2B5EF4-FFF2-40B4-BE49-F238E27FC236}">
+                <a16:creationId xmlns:a16="http://schemas.microsoft.com/office/drawing/2014/main" id="{E933A028-3DB6-4C91-8CDE-FE9B0BE9B919}"/>
+              </a:ext>
+            </a:extLst>
+          </p:cNvPr>
+          <p:cNvCxnSpPr>
+            <a:cxnSpLocks/>
+            <a:stCxn id="37" idx="1"/>
+            <a:endCxn id="34" idx="3"/>
+          </p:cNvCxnSpPr>
+          <p:nvPr/>
+        </p:nvCxnSpPr>
+        <p:spPr>
+          <a:xfrm flipH="1" flipV="1">
+            <a:off x="3648505" y="3853567"/>
+            <a:ext cx="716106" cy="8339"/>
+          </a:xfrm>
+          <a:prstGeom prst="straightConnector1">
+            <a:avLst/>
+          </a:prstGeom>
+          <a:ln w="38100">
+            <a:solidFill>
+              <a:schemeClr val="tx1"/>
+            </a:solidFill>
+            <a:tailEnd type="triangle"/>
+          </a:ln>
+        </p:spPr>
+        <p:style>
+          <a:lnRef idx="1">
+            <a:schemeClr val="accent1"/>
+          </a:lnRef>
+          <a:fillRef idx="0">
+            <a:schemeClr val="accent1"/>
+          </a:fillRef>
+          <a:effectRef idx="0">
+            <a:schemeClr val="accent1"/>
+          </a:effectRef>
+          <a:fontRef idx="minor">
+            <a:schemeClr val="tx1"/>
+          </a:fontRef>
+        </p:style>
+      </p:cxnSp>
+      <p:cxnSp>
+        <p:nvCxnSpPr>
+          <p:cNvPr id="42" name="直線矢印コネクタ 41">
+            <a:extLst>
+              <a:ext uri="{FF2B5EF4-FFF2-40B4-BE49-F238E27FC236}">
+                <a16:creationId xmlns:a16="http://schemas.microsoft.com/office/drawing/2014/main" id="{496A7088-D506-438F-92B1-23126D61384C}"/>
+              </a:ext>
+            </a:extLst>
+          </p:cNvPr>
+          <p:cNvCxnSpPr>
+            <a:cxnSpLocks/>
+            <a:stCxn id="40" idx="2"/>
+            <a:endCxn id="57" idx="0"/>
+          </p:cNvCxnSpPr>
+          <p:nvPr/>
+        </p:nvCxnSpPr>
+        <p:spPr>
+          <a:xfrm>
+            <a:off x="7636241" y="3664394"/>
+            <a:ext cx="0" cy="852576"/>
+          </a:xfrm>
+          <a:prstGeom prst="straightConnector1">
+            <a:avLst/>
+          </a:prstGeom>
+          <a:ln w="38100">
+            <a:solidFill>
+              <a:schemeClr val="tx1"/>
+            </a:solidFill>
+            <a:tailEnd type="triangle"/>
+          </a:ln>
+        </p:spPr>
+        <p:style>
+          <a:lnRef idx="1">
+            <a:schemeClr val="accent1"/>
+          </a:lnRef>
+          <a:fillRef idx="0">
+            <a:schemeClr val="accent1"/>
+          </a:fillRef>
+          <a:effectRef idx="0">
+            <a:schemeClr val="accent1"/>
+          </a:effectRef>
+          <a:fontRef idx="minor">
+            <a:schemeClr val="tx1"/>
+          </a:fontRef>
+        </p:style>
+      </p:cxnSp>
+      <p:cxnSp>
+        <p:nvCxnSpPr>
+          <p:cNvPr id="47" name="直線矢印コネクタ 46">
+            <a:extLst>
+              <a:ext uri="{FF2B5EF4-FFF2-40B4-BE49-F238E27FC236}">
+                <a16:creationId xmlns:a16="http://schemas.microsoft.com/office/drawing/2014/main" id="{3ABF8BEC-E71E-4910-BEE7-58F28CA8EB19}"/>
+              </a:ext>
+            </a:extLst>
+          </p:cNvPr>
+          <p:cNvCxnSpPr>
+            <a:cxnSpLocks/>
+            <a:endCxn id="37" idx="3"/>
+          </p:cNvCxnSpPr>
+          <p:nvPr/>
+        </p:nvCxnSpPr>
+        <p:spPr>
+          <a:xfrm flipH="1">
+            <a:off x="6617476" y="3861906"/>
+            <a:ext cx="1018765" cy="0"/>
+          </a:xfrm>
+          <a:prstGeom prst="straightConnector1">
+            <a:avLst/>
+          </a:prstGeom>
+          <a:ln w="38100">
+            <a:solidFill>
+              <a:schemeClr val="tx1"/>
+            </a:solidFill>
+            <a:tailEnd type="triangle"/>
+          </a:ln>
+        </p:spPr>
+        <p:style>
+          <a:lnRef idx="1">
+            <a:schemeClr val="accent1"/>
+          </a:lnRef>
+          <a:fillRef idx="0">
+            <a:schemeClr val="accent1"/>
+          </a:fillRef>
+          <a:effectRef idx="0">
+            <a:schemeClr val="accent1"/>
+          </a:effectRef>
+          <a:fontRef idx="minor">
+            <a:schemeClr val="tx1"/>
+          </a:fontRef>
+        </p:style>
+      </p:cxnSp>
+      <p:cxnSp>
+        <p:nvCxnSpPr>
+          <p:cNvPr id="49" name="直線矢印コネクタ 48">
+            <a:extLst>
+              <a:ext uri="{FF2B5EF4-FFF2-40B4-BE49-F238E27FC236}">
+                <a16:creationId xmlns:a16="http://schemas.microsoft.com/office/drawing/2014/main" id="{6BF552FB-D65D-464B-9B8C-274493BE1F0E}"/>
+              </a:ext>
+            </a:extLst>
+          </p:cNvPr>
+          <p:cNvCxnSpPr>
+            <a:cxnSpLocks/>
+            <a:stCxn id="34" idx="2"/>
+            <a:endCxn id="52" idx="0"/>
+          </p:cNvCxnSpPr>
+          <p:nvPr/>
+        </p:nvCxnSpPr>
+        <p:spPr>
+          <a:xfrm>
+            <a:off x="3280758" y="4171619"/>
+            <a:ext cx="0" cy="345351"/>
+          </a:xfrm>
+          <a:prstGeom prst="straightConnector1">
+            <a:avLst/>
+          </a:prstGeom>
+          <a:ln w="38100">
+            <a:solidFill>
+              <a:schemeClr val="tx1"/>
+            </a:solidFill>
+            <a:tailEnd type="triangle"/>
+          </a:ln>
+        </p:spPr>
+        <p:style>
+          <a:lnRef idx="1">
+            <a:schemeClr val="accent1"/>
+          </a:lnRef>
+          <a:fillRef idx="0">
+            <a:schemeClr val="accent1"/>
+          </a:fillRef>
+          <a:effectRef idx="0">
+            <a:schemeClr val="accent1"/>
+          </a:effectRef>
+          <a:fontRef idx="minor">
+            <a:schemeClr val="tx1"/>
+          </a:fontRef>
+        </p:style>
+      </p:cxnSp>
+      <p:sp>
+        <p:nvSpPr>
+          <p:cNvPr id="52" name="正方形/長方形 51">
+            <a:extLst>
+              <a:ext uri="{FF2B5EF4-FFF2-40B4-BE49-F238E27FC236}">
+                <a16:creationId xmlns:a16="http://schemas.microsoft.com/office/drawing/2014/main" id="{FD07EE77-DCE9-471C-B418-66899C8BB890}"/>
+              </a:ext>
+            </a:extLst>
+          </p:cNvPr>
+          <p:cNvSpPr/>
+          <p:nvPr/>
+        </p:nvSpPr>
+        <p:spPr>
+          <a:xfrm>
+            <a:off x="2267590" y="4516970"/>
+            <a:ext cx="2026335" cy="437322"/>
+          </a:xfrm>
+          <a:prstGeom prst="rect">
+            <a:avLst/>
+          </a:prstGeom>
+          <a:solidFill>
+            <a:schemeClr val="bg1"/>
+          </a:solidFill>
+          <a:ln w="38100">
+            <a:solidFill>
+              <a:schemeClr val="tx1"/>
+            </a:solidFill>
+          </a:ln>
+        </p:spPr>
+        <p:style>
+          <a:lnRef idx="2">
+            <a:schemeClr val="accent1">
+              <a:shade val="50000"/>
+            </a:schemeClr>
+          </a:lnRef>
+          <a:fillRef idx="1">
+            <a:schemeClr val="accent1"/>
+          </a:fillRef>
+          <a:effectRef idx="0">
+            <a:schemeClr val="accent1"/>
+          </a:effectRef>
+          <a:fontRef idx="minor">
+            <a:schemeClr val="lt1"/>
+          </a:fontRef>
+        </p:style>
+        <p:txBody>
+          <a:bodyPr rtlCol="0" anchor="ctr"/>
+          <a:lstStyle/>
+          <a:p>
+            <a:pPr algn="ctr"/>
+            <a:r>
+              <a:rPr kumimoji="1" lang="en-US" altLang="ja-JP" sz="1600" b="1" dirty="0">
+                <a:solidFill>
+                  <a:schemeClr val="tx1"/>
+                </a:solidFill>
+              </a:rPr>
+              <a:t>Masked Data Block</a:t>
+            </a:r>
+          </a:p>
+        </p:txBody>
+      </p:sp>
+      <p:sp>
+        <p:nvSpPr>
+          <p:cNvPr id="53" name="正方形/長方形 52">
+            <a:extLst>
+              <a:ext uri="{FF2B5EF4-FFF2-40B4-BE49-F238E27FC236}">
+                <a16:creationId xmlns:a16="http://schemas.microsoft.com/office/drawing/2014/main" id="{28D0FC10-379C-4A19-8590-0EA3757B0320}"/>
+              </a:ext>
+            </a:extLst>
+          </p:cNvPr>
+          <p:cNvSpPr/>
+          <p:nvPr/>
+        </p:nvSpPr>
+        <p:spPr>
+          <a:xfrm>
+            <a:off x="6621354" y="1851478"/>
+            <a:ext cx="1814624" cy="437322"/>
+          </a:xfrm>
+          <a:prstGeom prst="rect">
+            <a:avLst/>
+          </a:prstGeom>
+          <a:solidFill>
+            <a:schemeClr val="bg1"/>
+          </a:solidFill>
+          <a:ln w="38100">
+            <a:solidFill>
+              <a:schemeClr val="tx1"/>
+            </a:solidFill>
+          </a:ln>
+        </p:spPr>
+        <p:style>
+          <a:lnRef idx="2">
+            <a:schemeClr val="accent1">
+              <a:shade val="50000"/>
+            </a:schemeClr>
+          </a:lnRef>
+          <a:fillRef idx="1">
+            <a:schemeClr val="accent1"/>
+          </a:fillRef>
+          <a:effectRef idx="0">
+            <a:schemeClr val="accent1"/>
+          </a:effectRef>
+          <a:fontRef idx="minor">
+            <a:schemeClr val="lt1"/>
+          </a:fontRef>
+        </p:style>
+        <p:txBody>
+          <a:bodyPr rtlCol="0" anchor="ctr"/>
+          <a:lstStyle/>
+          <a:p>
+            <a:pPr algn="ctr"/>
+            <a:r>
+              <a:rPr kumimoji="1" lang="en-US" altLang="ja-JP" b="1" dirty="0">
+                <a:solidFill>
+                  <a:schemeClr val="tx1"/>
+                </a:solidFill>
+              </a:rPr>
+              <a:t>Hash</a:t>
+            </a:r>
+            <a:endParaRPr kumimoji="1" lang="ja-JP" altLang="en-US" b="1" dirty="0">
+              <a:solidFill>
+                <a:schemeClr val="tx1"/>
+              </a:solidFill>
+            </a:endParaRPr>
+          </a:p>
+        </p:txBody>
+      </p:sp>
+      <p:sp>
+        <p:nvSpPr>
+          <p:cNvPr id="54" name="右中かっこ 53">
+            <a:extLst>
+              <a:ext uri="{FF2B5EF4-FFF2-40B4-BE49-F238E27FC236}">
+                <a16:creationId xmlns:a16="http://schemas.microsoft.com/office/drawing/2014/main" id="{63A9A22F-D301-4D25-A46F-D6C0BB7C2E11}"/>
+              </a:ext>
+            </a:extLst>
+          </p:cNvPr>
+          <p:cNvSpPr/>
+          <p:nvPr/>
+        </p:nvSpPr>
+        <p:spPr>
+          <a:xfrm rot="5400000">
+            <a:off x="5873005" y="1458077"/>
+            <a:ext cx="205766" cy="7416598"/>
+          </a:xfrm>
+          <a:prstGeom prst="rightBrace">
+            <a:avLst>
+              <a:gd name="adj1" fmla="val 57767"/>
+              <a:gd name="adj2" fmla="val 50000"/>
+            </a:avLst>
+          </a:prstGeom>
+          <a:ln w="19050">
+            <a:solidFill>
+              <a:schemeClr val="tx1"/>
+            </a:solidFill>
+          </a:ln>
+        </p:spPr>
+        <p:style>
+          <a:lnRef idx="1">
+            <a:schemeClr val="accent1"/>
+          </a:lnRef>
+          <a:fillRef idx="0">
+            <a:schemeClr val="accent1"/>
+          </a:fillRef>
+          <a:effectRef idx="0">
+            <a:schemeClr val="accent1"/>
+          </a:effectRef>
+          <a:fontRef idx="minor">
+            <a:schemeClr val="tx1"/>
+          </a:fontRef>
+        </p:style>
+        <p:txBody>
+          <a:bodyPr rtlCol="0" anchor="ctr"/>
+          <a:lstStyle/>
+          <a:p>
+            <a:pPr algn="ctr"/>
+            <a:endParaRPr kumimoji="1" lang="ja-JP" altLang="en-US" b="1"/>
+          </a:p>
+        </p:txBody>
+      </p:sp>
+      <p:sp>
+        <p:nvSpPr>
+          <p:cNvPr id="55" name="テキスト ボックス 54">
+            <a:extLst>
+              <a:ext uri="{FF2B5EF4-FFF2-40B4-BE49-F238E27FC236}">
+                <a16:creationId xmlns:a16="http://schemas.microsoft.com/office/drawing/2014/main" id="{E966A0A1-A712-4AD7-9813-7C3AF7F8A4CF}"/>
+              </a:ext>
+            </a:extLst>
+          </p:cNvPr>
+          <p:cNvSpPr txBox="1"/>
+          <p:nvPr/>
+        </p:nvSpPr>
+        <p:spPr>
+          <a:xfrm>
+            <a:off x="4457619" y="5236930"/>
+            <a:ext cx="3036537" cy="369332"/>
+          </a:xfrm>
+          <a:prstGeom prst="rect">
+            <a:avLst/>
+          </a:prstGeom>
+          <a:noFill/>
+        </p:spPr>
+        <p:txBody>
+          <a:bodyPr wrap="none" rtlCol="0">
+            <a:spAutoFit/>
+          </a:bodyPr>
+          <a:lstStyle/>
+          <a:p>
+            <a:r>
+              <a:rPr kumimoji="1" lang="en-US" altLang="ja-JP" b="1" dirty="0"/>
+              <a:t>Padded data </a:t>
+            </a:r>
+            <a:r>
+              <a:rPr kumimoji="1" lang="en-US" altLang="ja-JP" b="1" i="1" dirty="0"/>
+              <a:t>m</a:t>
+            </a:r>
+            <a:r>
+              <a:rPr kumimoji="1" lang="en-US" altLang="ja-JP" b="1" dirty="0"/>
+              <a:t> </a:t>
+            </a:r>
+            <a:r>
+              <a:rPr kumimoji="1" lang="en-US" altLang="ja-JP" b="1" i="1" dirty="0"/>
+              <a:t> </a:t>
+            </a:r>
+            <a:r>
+              <a:rPr kumimoji="1" lang="en-US" altLang="ja-JP" b="1" dirty="0"/>
+              <a:t>(to be signed)</a:t>
+            </a:r>
+            <a:endParaRPr kumimoji="1" lang="ja-JP" altLang="en-US" b="1" dirty="0"/>
+          </a:p>
+        </p:txBody>
+      </p:sp>
+      <p:sp>
+        <p:nvSpPr>
+          <p:cNvPr id="27" name="四角形: 角を丸くする 21">
+            <a:extLst>
+              <a:ext uri="{FF2B5EF4-FFF2-40B4-BE49-F238E27FC236}">
+                <a16:creationId xmlns:a16="http://schemas.microsoft.com/office/drawing/2014/main" id="{CD6E697C-E64F-3A4D-85BA-7E089F34218D}"/>
+              </a:ext>
+            </a:extLst>
+          </p:cNvPr>
+          <p:cNvSpPr/>
+          <p:nvPr/>
+        </p:nvSpPr>
+        <p:spPr>
+          <a:xfrm>
+            <a:off x="7160919" y="923827"/>
+            <a:ext cx="735494" cy="636104"/>
+          </a:xfrm>
+          <a:prstGeom prst="roundRect">
+            <a:avLst/>
+          </a:prstGeom>
+          <a:ln w="38100"/>
+        </p:spPr>
+        <p:style>
+          <a:lnRef idx="2">
+            <a:schemeClr val="accent1"/>
+          </a:lnRef>
+          <a:fillRef idx="1">
+            <a:schemeClr val="lt1"/>
+          </a:fillRef>
+          <a:effectRef idx="0">
+            <a:schemeClr val="accent1"/>
+          </a:effectRef>
+          <a:fontRef idx="minor">
+            <a:schemeClr val="dk1"/>
+          </a:fontRef>
+        </p:style>
+        <p:txBody>
+          <a:bodyPr rtlCol="0" anchor="ctr"/>
+          <a:lstStyle/>
+          <a:p>
+            <a:pPr algn="ctr"/>
+            <a:r>
+              <a:rPr kumimoji="1" lang="en-US" altLang="ja-JP" b="1" dirty="0"/>
+              <a:t>Hash</a:t>
+            </a:r>
+          </a:p>
+          <a:p>
+            <a:pPr algn="ctr"/>
+            <a:r>
+              <a:rPr kumimoji="1" lang="en-US" altLang="ja-JP" b="1" dirty="0" err="1"/>
+              <a:t>Func</a:t>
+            </a:r>
+            <a:endParaRPr kumimoji="1" lang="ja-JP" altLang="en-US" b="1" dirty="0"/>
+          </a:p>
+        </p:txBody>
+      </p:sp>
+      <p:cxnSp>
+        <p:nvCxnSpPr>
+          <p:cNvPr id="29" name="直線矢印コネクタ 16">
+            <a:extLst>
+              <a:ext uri="{FF2B5EF4-FFF2-40B4-BE49-F238E27FC236}">
+                <a16:creationId xmlns:a16="http://schemas.microsoft.com/office/drawing/2014/main" id="{A4ADE102-FC40-954C-8DD1-CEB660719C1B}"/>
+              </a:ext>
+            </a:extLst>
+          </p:cNvPr>
+          <p:cNvCxnSpPr>
+            <a:cxnSpLocks/>
+            <a:endCxn id="27" idx="0"/>
+          </p:cNvCxnSpPr>
+          <p:nvPr/>
+        </p:nvCxnSpPr>
+        <p:spPr>
+          <a:xfrm>
+            <a:off x="7528666" y="567960"/>
+            <a:ext cx="0" cy="355867"/>
+          </a:xfrm>
+          <a:prstGeom prst="straightConnector1">
+            <a:avLst/>
+          </a:prstGeom>
+          <a:ln w="38100">
+            <a:solidFill>
+              <a:schemeClr val="tx1"/>
+            </a:solidFill>
+            <a:tailEnd type="triangle"/>
+          </a:ln>
+        </p:spPr>
+        <p:style>
+          <a:lnRef idx="1">
+            <a:schemeClr val="accent1"/>
+          </a:lnRef>
+          <a:fillRef idx="0">
+            <a:schemeClr val="accent1"/>
+          </a:fillRef>
+          <a:effectRef idx="0">
+            <a:schemeClr val="accent1"/>
+          </a:effectRef>
+          <a:fontRef idx="minor">
+            <a:schemeClr val="tx1"/>
+          </a:fontRef>
+        </p:style>
+      </p:cxnSp>
+      <p:cxnSp>
+        <p:nvCxnSpPr>
+          <p:cNvPr id="30" name="直線矢印コネクタ 16">
+            <a:extLst>
+              <a:ext uri="{FF2B5EF4-FFF2-40B4-BE49-F238E27FC236}">
+                <a16:creationId xmlns:a16="http://schemas.microsoft.com/office/drawing/2014/main" id="{B4A4A702-6AA2-D944-90FB-083515799D46}"/>
+              </a:ext>
+            </a:extLst>
+          </p:cNvPr>
+          <p:cNvCxnSpPr>
+            <a:cxnSpLocks/>
+            <a:stCxn id="27" idx="2"/>
+            <a:endCxn id="53" idx="0"/>
+          </p:cNvCxnSpPr>
+          <p:nvPr/>
+        </p:nvCxnSpPr>
+        <p:spPr>
+          <a:xfrm>
+            <a:off x="7528666" y="1559931"/>
+            <a:ext cx="0" cy="291547"/>
+          </a:xfrm>
+          <a:prstGeom prst="straightConnector1">
+            <a:avLst/>
+          </a:prstGeom>
+          <a:ln w="38100">
+            <a:solidFill>
+              <a:schemeClr val="tx1"/>
+            </a:solidFill>
+            <a:tailEnd type="triangle"/>
+          </a:ln>
+        </p:spPr>
+        <p:style>
+          <a:lnRef idx="1">
+            <a:schemeClr val="accent1"/>
+          </a:lnRef>
+          <a:fillRef idx="0">
+            <a:schemeClr val="accent1"/>
+          </a:fillRef>
+          <a:effectRef idx="0">
+            <a:schemeClr val="accent1"/>
+          </a:effectRef>
+          <a:fontRef idx="minor">
+            <a:schemeClr val="tx1"/>
+          </a:fontRef>
+        </p:style>
+      </p:cxnSp>
+      <p:sp>
+        <p:nvSpPr>
+          <p:cNvPr id="35" name="右中かっこ 53">
+            <a:extLst>
+              <a:ext uri="{FF2B5EF4-FFF2-40B4-BE49-F238E27FC236}">
+                <a16:creationId xmlns:a16="http://schemas.microsoft.com/office/drawing/2014/main" id="{CAFBD647-23F8-9648-81FA-0B402446A2A3}"/>
+              </a:ext>
+            </a:extLst>
+          </p:cNvPr>
+          <p:cNvSpPr/>
+          <p:nvPr/>
+        </p:nvSpPr>
+        <p:spPr>
+          <a:xfrm rot="5400000">
+            <a:off x="7481625" y="349050"/>
+            <a:ext cx="311252" cy="4392903"/>
+          </a:xfrm>
+          <a:prstGeom prst="rightBrace">
+            <a:avLst>
+              <a:gd name="adj1" fmla="val 57767"/>
+              <a:gd name="adj2" fmla="val 50000"/>
+            </a:avLst>
+          </a:prstGeom>
+          <a:ln w="19050">
+            <a:solidFill>
+              <a:schemeClr val="tx1"/>
+            </a:solidFill>
+          </a:ln>
+        </p:spPr>
+        <p:style>
+          <a:lnRef idx="1">
+            <a:schemeClr val="accent1"/>
+          </a:lnRef>
+          <a:fillRef idx="0">
+            <a:schemeClr val="accent1"/>
+          </a:fillRef>
+          <a:effectRef idx="0">
+            <a:schemeClr val="accent1"/>
+          </a:effectRef>
+          <a:fontRef idx="minor">
+            <a:schemeClr val="tx1"/>
+          </a:fontRef>
+        </p:style>
+        <p:txBody>
+          <a:bodyPr rtlCol="0" anchor="ctr"/>
+          <a:lstStyle/>
+          <a:p>
+            <a:pPr algn="ctr"/>
+            <a:endParaRPr kumimoji="1" lang="ja-JP" altLang="en-US" b="1"/>
+          </a:p>
+        </p:txBody>
+      </p:sp>
+      <p:sp>
+        <p:nvSpPr>
+          <p:cNvPr id="40" name="四角形: 角を丸くする 21">
+            <a:extLst>
+              <a:ext uri="{FF2B5EF4-FFF2-40B4-BE49-F238E27FC236}">
+                <a16:creationId xmlns:a16="http://schemas.microsoft.com/office/drawing/2014/main" id="{9D50EB6D-EA63-2543-A0B4-ADA4B2F9EBE2}"/>
+              </a:ext>
+            </a:extLst>
+          </p:cNvPr>
+          <p:cNvSpPr/>
+          <p:nvPr/>
+        </p:nvSpPr>
+        <p:spPr>
+          <a:xfrm>
+            <a:off x="7268494" y="3028290"/>
+            <a:ext cx="735494" cy="636104"/>
+          </a:xfrm>
+          <a:prstGeom prst="roundRect">
+            <a:avLst/>
+          </a:prstGeom>
+          <a:ln w="38100"/>
+        </p:spPr>
+        <p:style>
+          <a:lnRef idx="2">
+            <a:schemeClr val="accent1"/>
+          </a:lnRef>
+          <a:fillRef idx="1">
+            <a:schemeClr val="lt1"/>
+          </a:fillRef>
+          <a:effectRef idx="0">
+            <a:schemeClr val="accent1"/>
+          </a:effectRef>
+          <a:fontRef idx="minor">
+            <a:schemeClr val="dk1"/>
+          </a:fontRef>
+        </p:style>
+        <p:txBody>
+          <a:bodyPr rtlCol="0" anchor="ctr"/>
+          <a:lstStyle/>
+          <a:p>
+            <a:pPr algn="ctr"/>
+            <a:r>
+              <a:rPr kumimoji="1" lang="en-US" altLang="ja-JP" b="1" dirty="0"/>
+              <a:t>Hash</a:t>
+            </a:r>
+          </a:p>
+          <a:p>
+            <a:pPr algn="ctr"/>
+            <a:r>
+              <a:rPr kumimoji="1" lang="en-US" altLang="ja-JP" b="1" dirty="0" err="1"/>
+              <a:t>Func</a:t>
+            </a:r>
+            <a:endParaRPr kumimoji="1" lang="ja-JP" altLang="en-US" b="1" dirty="0"/>
+          </a:p>
+        </p:txBody>
+      </p:sp>
+      <p:sp>
+        <p:nvSpPr>
+          <p:cNvPr id="46" name="右中かっこ 53">
+            <a:extLst>
+              <a:ext uri="{FF2B5EF4-FFF2-40B4-BE49-F238E27FC236}">
+                <a16:creationId xmlns:a16="http://schemas.microsoft.com/office/drawing/2014/main" id="{70A23217-F7C5-2448-B5AD-0689DFE2D362}"/>
+              </a:ext>
+            </a:extLst>
+          </p:cNvPr>
+          <p:cNvSpPr/>
+          <p:nvPr/>
+        </p:nvSpPr>
+        <p:spPr>
+          <a:xfrm rot="5400000">
+            <a:off x="3125131" y="931877"/>
+            <a:ext cx="311252" cy="3227251"/>
+          </a:xfrm>
+          <a:prstGeom prst="rightBrace">
+            <a:avLst>
+              <a:gd name="adj1" fmla="val 57767"/>
+              <a:gd name="adj2" fmla="val 50000"/>
+            </a:avLst>
+          </a:prstGeom>
+          <a:ln w="19050">
+            <a:solidFill>
+              <a:schemeClr val="tx1"/>
+            </a:solidFill>
+          </a:ln>
+        </p:spPr>
+        <p:style>
+          <a:lnRef idx="1">
+            <a:schemeClr val="accent1"/>
+          </a:lnRef>
+          <a:fillRef idx="0">
+            <a:schemeClr val="accent1"/>
+          </a:fillRef>
+          <a:effectRef idx="0">
+            <a:schemeClr val="accent1"/>
+          </a:effectRef>
+          <a:fontRef idx="minor">
+            <a:schemeClr val="tx1"/>
+          </a:fontRef>
+        </p:style>
+        <p:txBody>
+          <a:bodyPr rtlCol="0" anchor="ctr"/>
+          <a:lstStyle/>
+          <a:p>
+            <a:pPr algn="ctr"/>
+            <a:endParaRPr kumimoji="1" lang="ja-JP" altLang="en-US" b="1"/>
+          </a:p>
+        </p:txBody>
+      </p:sp>
+      <p:sp>
+        <p:nvSpPr>
+          <p:cNvPr id="48" name="正方形/長方形 10">
+            <a:extLst>
+              <a:ext uri="{FF2B5EF4-FFF2-40B4-BE49-F238E27FC236}">
+                <a16:creationId xmlns:a16="http://schemas.microsoft.com/office/drawing/2014/main" id="{0AD61696-9150-FA4E-AC0A-B3658EE0D46B}"/>
+              </a:ext>
+            </a:extLst>
+          </p:cNvPr>
+          <p:cNvSpPr/>
+          <p:nvPr/>
+        </p:nvSpPr>
+        <p:spPr>
+          <a:xfrm>
+            <a:off x="8572922" y="1854147"/>
+            <a:ext cx="1260781" cy="437322"/>
+          </a:xfrm>
+          <a:prstGeom prst="rect">
+            <a:avLst/>
+          </a:prstGeom>
+          <a:solidFill>
+            <a:schemeClr val="bg1"/>
+          </a:solidFill>
+          <a:ln w="38100">
+            <a:solidFill>
+              <a:schemeClr val="tx1"/>
+            </a:solidFill>
+          </a:ln>
+        </p:spPr>
+        <p:style>
+          <a:lnRef idx="2">
+            <a:schemeClr val="accent1">
+              <a:shade val="50000"/>
+            </a:schemeClr>
+          </a:lnRef>
+          <a:fillRef idx="1">
+            <a:schemeClr val="accent1"/>
+          </a:fillRef>
+          <a:effectRef idx="0">
+            <a:schemeClr val="accent1"/>
+          </a:effectRef>
+          <a:fontRef idx="minor">
+            <a:schemeClr val="lt1"/>
+          </a:fontRef>
+        </p:style>
+        <p:txBody>
+          <a:bodyPr rtlCol="0" anchor="ctr"/>
+          <a:lstStyle/>
+          <a:p>
+            <a:pPr algn="ctr"/>
+            <a:r>
+              <a:rPr kumimoji="1" lang="en-US" altLang="ja-JP" sz="1600" b="1" dirty="0">
+                <a:solidFill>
+                  <a:schemeClr val="tx1"/>
+                </a:solidFill>
+              </a:rPr>
+              <a:t>Random</a:t>
+            </a:r>
+          </a:p>
+          <a:p>
+            <a:pPr algn="ctr"/>
+            <a:r>
+              <a:rPr kumimoji="1" lang="en-US" altLang="ja-JP" sz="1600" b="1" dirty="0">
+                <a:solidFill>
+                  <a:schemeClr val="tx1"/>
+                </a:solidFill>
+              </a:rPr>
+              <a:t>Octet (Salt)</a:t>
+            </a:r>
+            <a:endParaRPr kumimoji="1" lang="ja-JP" altLang="en-US" sz="1600" b="1" dirty="0">
+              <a:solidFill>
+                <a:schemeClr val="tx1"/>
+              </a:solidFill>
+            </a:endParaRPr>
+          </a:p>
+        </p:txBody>
+      </p:sp>
+      <p:sp>
+        <p:nvSpPr>
+          <p:cNvPr id="57" name="正方形/長方形 52">
+            <a:extLst>
+              <a:ext uri="{FF2B5EF4-FFF2-40B4-BE49-F238E27FC236}">
+                <a16:creationId xmlns:a16="http://schemas.microsoft.com/office/drawing/2014/main" id="{04D34A3D-5C67-3644-91C5-DA068A00F5AB}"/>
+              </a:ext>
+            </a:extLst>
+          </p:cNvPr>
+          <p:cNvSpPr/>
+          <p:nvPr/>
+        </p:nvSpPr>
+        <p:spPr>
+          <a:xfrm>
+            <a:off x="6728929" y="4516970"/>
+            <a:ext cx="1814624" cy="437322"/>
+          </a:xfrm>
+          <a:prstGeom prst="rect">
+            <a:avLst/>
+          </a:prstGeom>
+          <a:solidFill>
+            <a:schemeClr val="bg1"/>
+          </a:solidFill>
+          <a:ln w="38100">
+            <a:solidFill>
+              <a:schemeClr val="tx1"/>
+            </a:solidFill>
+          </a:ln>
+        </p:spPr>
+        <p:style>
+          <a:lnRef idx="2">
+            <a:schemeClr val="accent1">
+              <a:shade val="50000"/>
+            </a:schemeClr>
+          </a:lnRef>
+          <a:fillRef idx="1">
+            <a:schemeClr val="accent1"/>
+          </a:fillRef>
+          <a:effectRef idx="0">
+            <a:schemeClr val="accent1"/>
+          </a:effectRef>
+          <a:fontRef idx="minor">
+            <a:schemeClr val="lt1"/>
+          </a:fontRef>
+        </p:style>
+        <p:txBody>
+          <a:bodyPr rtlCol="0" anchor="ctr"/>
+          <a:lstStyle/>
+          <a:p>
+            <a:pPr algn="ctr"/>
+            <a:r>
+              <a:rPr kumimoji="1" lang="en-US" altLang="ja-JP" b="1" dirty="0">
+                <a:solidFill>
+                  <a:schemeClr val="tx1"/>
+                </a:solidFill>
+              </a:rPr>
+              <a:t>Hash</a:t>
+            </a:r>
+            <a:endParaRPr kumimoji="1" lang="ja-JP" altLang="en-US" b="1" dirty="0">
+              <a:solidFill>
+                <a:schemeClr val="tx1"/>
+              </a:solidFill>
+            </a:endParaRPr>
+          </a:p>
+        </p:txBody>
+      </p:sp>
+      <p:sp>
+        <p:nvSpPr>
+          <p:cNvPr id="65" name="正方形/長方形 6">
+            <a:extLst>
+              <a:ext uri="{FF2B5EF4-FFF2-40B4-BE49-F238E27FC236}">
+                <a16:creationId xmlns:a16="http://schemas.microsoft.com/office/drawing/2014/main" id="{6C12C218-4725-8F45-BBBA-796C10A6D89F}"/>
+              </a:ext>
+            </a:extLst>
+          </p:cNvPr>
+          <p:cNvSpPr/>
+          <p:nvPr/>
+        </p:nvSpPr>
+        <p:spPr>
+          <a:xfrm>
+            <a:off x="1648089" y="1849919"/>
+            <a:ext cx="1043609" cy="437322"/>
+          </a:xfrm>
+          <a:prstGeom prst="rect">
+            <a:avLst/>
+          </a:prstGeom>
+          <a:solidFill>
+            <a:schemeClr val="bg1"/>
+          </a:solidFill>
+          <a:ln w="38100">
+            <a:solidFill>
+              <a:schemeClr val="tx1"/>
+            </a:solidFill>
+          </a:ln>
+        </p:spPr>
+        <p:style>
+          <a:lnRef idx="2">
+            <a:schemeClr val="accent1">
+              <a:shade val="50000"/>
+            </a:schemeClr>
+          </a:lnRef>
+          <a:fillRef idx="1">
+            <a:schemeClr val="accent1"/>
+          </a:fillRef>
+          <a:effectRef idx="0">
+            <a:schemeClr val="accent1"/>
+          </a:effectRef>
+          <a:fontRef idx="minor">
+            <a:schemeClr val="lt1"/>
+          </a:fontRef>
+        </p:style>
+        <p:txBody>
+          <a:bodyPr rtlCol="0" anchor="ctr"/>
+          <a:lstStyle/>
+          <a:p>
+            <a:pPr algn="ctr"/>
+            <a:r>
+              <a:rPr kumimoji="1" lang="en-US" altLang="ja-JP" b="1" dirty="0">
+                <a:solidFill>
+                  <a:schemeClr val="tx1"/>
+                </a:solidFill>
+              </a:rPr>
+              <a:t>0x00…</a:t>
+            </a:r>
+            <a:endParaRPr kumimoji="1" lang="ja-JP" altLang="en-US" b="1" i="1" dirty="0">
+              <a:solidFill>
+                <a:schemeClr val="tx1"/>
+              </a:solidFill>
+            </a:endParaRPr>
+          </a:p>
+        </p:txBody>
+      </p:sp>
+      <p:sp>
+        <p:nvSpPr>
+          <p:cNvPr id="71" name="Line Callout 2 (Accent Bar) 70">
+            <a:extLst>
+              <a:ext uri="{FF2B5EF4-FFF2-40B4-BE49-F238E27FC236}">
+                <a16:creationId xmlns:a16="http://schemas.microsoft.com/office/drawing/2014/main" id="{26DDBB7F-85A8-1044-A47C-284D8ED79D3D}"/>
+              </a:ext>
+            </a:extLst>
+          </p:cNvPr>
+          <p:cNvSpPr/>
+          <p:nvPr/>
+        </p:nvSpPr>
+        <p:spPr>
+          <a:xfrm>
+            <a:off x="4767051" y="1299686"/>
+            <a:ext cx="1049147" cy="437322"/>
+          </a:xfrm>
+          <a:prstGeom prst="accentCallout2">
+            <a:avLst>
+              <a:gd name="adj1" fmla="val 18750"/>
+              <a:gd name="adj2" fmla="val 94205"/>
+              <a:gd name="adj3" fmla="val 18750"/>
+              <a:gd name="adj4" fmla="val 103302"/>
+              <a:gd name="adj5" fmla="val 156779"/>
+              <a:gd name="adj6" fmla="val 144053"/>
+            </a:avLst>
+          </a:prstGeom>
+          <a:noFill/>
+        </p:spPr>
+        <p:style>
+          <a:lnRef idx="2">
+            <a:schemeClr val="accent1">
+              <a:shade val="50000"/>
+            </a:schemeClr>
+          </a:lnRef>
+          <a:fillRef idx="1">
+            <a:schemeClr val="accent1"/>
+          </a:fillRef>
+          <a:effectRef idx="0">
+            <a:schemeClr val="accent1"/>
+          </a:effectRef>
+          <a:fontRef idx="minor">
+            <a:schemeClr val="lt1"/>
+          </a:fontRef>
+        </p:style>
+        <p:txBody>
+          <a:bodyPr rtlCol="0" anchor="ctr"/>
+          <a:lstStyle/>
+          <a:p>
+            <a:pPr algn="ctr"/>
+            <a:r>
+              <a:rPr lang="en-US" dirty="0">
+                <a:solidFill>
+                  <a:schemeClr val="tx1"/>
+                </a:solidFill>
+              </a:rPr>
+              <a:t>8 bytes</a:t>
+            </a:r>
+          </a:p>
+        </p:txBody>
+      </p:sp>
+      <p:sp>
+        <p:nvSpPr>
+          <p:cNvPr id="74" name="正方形/長方形 6">
+            <a:extLst>
+              <a:ext uri="{FF2B5EF4-FFF2-40B4-BE49-F238E27FC236}">
+                <a16:creationId xmlns:a16="http://schemas.microsoft.com/office/drawing/2014/main" id="{DB58B4C7-554F-2144-B4AE-E2ABDCC61F0B}"/>
+              </a:ext>
+            </a:extLst>
+          </p:cNvPr>
+          <p:cNvSpPr/>
+          <p:nvPr/>
+        </p:nvSpPr>
+        <p:spPr>
+          <a:xfrm>
+            <a:off x="2850700" y="1849919"/>
+            <a:ext cx="646197" cy="437322"/>
+          </a:xfrm>
+          <a:prstGeom prst="rect">
+            <a:avLst/>
+          </a:prstGeom>
+          <a:solidFill>
+            <a:schemeClr val="bg1"/>
+          </a:solidFill>
+          <a:ln w="38100">
+            <a:solidFill>
+              <a:schemeClr val="tx1"/>
+            </a:solidFill>
+          </a:ln>
+        </p:spPr>
+        <p:style>
+          <a:lnRef idx="2">
+            <a:schemeClr val="accent1">
+              <a:shade val="50000"/>
+            </a:schemeClr>
+          </a:lnRef>
+          <a:fillRef idx="1">
+            <a:schemeClr val="accent1"/>
+          </a:fillRef>
+          <a:effectRef idx="0">
+            <a:schemeClr val="accent1"/>
+          </a:effectRef>
+          <a:fontRef idx="minor">
+            <a:schemeClr val="lt1"/>
+          </a:fontRef>
+        </p:style>
+        <p:txBody>
+          <a:bodyPr rtlCol="0" anchor="ctr"/>
+          <a:lstStyle/>
+          <a:p>
+            <a:pPr algn="ctr"/>
+            <a:r>
+              <a:rPr kumimoji="1" lang="en-US" altLang="ja-JP" b="1" dirty="0">
+                <a:solidFill>
+                  <a:schemeClr val="tx1"/>
+                </a:solidFill>
+              </a:rPr>
+              <a:t>0x01</a:t>
+            </a:r>
+            <a:endParaRPr kumimoji="1" lang="ja-JP" altLang="en-US" b="1" dirty="0">
+              <a:solidFill>
+                <a:schemeClr val="tx1"/>
+              </a:solidFill>
+            </a:endParaRPr>
+          </a:p>
+        </p:txBody>
+      </p:sp>
+      <p:sp>
+        <p:nvSpPr>
+          <p:cNvPr id="75" name="正方形/長方形 52">
+            <a:extLst>
+              <a:ext uri="{FF2B5EF4-FFF2-40B4-BE49-F238E27FC236}">
+                <a16:creationId xmlns:a16="http://schemas.microsoft.com/office/drawing/2014/main" id="{68FF0E52-90B0-4242-A7A0-9DA498A36E42}"/>
+              </a:ext>
+            </a:extLst>
+          </p:cNvPr>
+          <p:cNvSpPr/>
+          <p:nvPr/>
+        </p:nvSpPr>
+        <p:spPr>
+          <a:xfrm>
+            <a:off x="8774675" y="4516970"/>
+            <a:ext cx="907207" cy="437322"/>
+          </a:xfrm>
+          <a:prstGeom prst="rect">
+            <a:avLst/>
+          </a:prstGeom>
+          <a:solidFill>
+            <a:schemeClr val="bg1"/>
+          </a:solidFill>
+          <a:ln w="38100">
+            <a:solidFill>
+              <a:schemeClr val="tx1"/>
+            </a:solidFill>
+          </a:ln>
+        </p:spPr>
+        <p:style>
+          <a:lnRef idx="2">
+            <a:schemeClr val="accent1">
+              <a:shade val="50000"/>
+            </a:schemeClr>
+          </a:lnRef>
+          <a:fillRef idx="1">
+            <a:schemeClr val="accent1"/>
+          </a:fillRef>
+          <a:effectRef idx="0">
+            <a:schemeClr val="accent1"/>
+          </a:effectRef>
+          <a:fontRef idx="minor">
+            <a:schemeClr val="lt1"/>
+          </a:fontRef>
+        </p:style>
+        <p:txBody>
+          <a:bodyPr rtlCol="0" anchor="ctr"/>
+          <a:lstStyle/>
+          <a:p>
+            <a:pPr algn="ctr"/>
+            <a:r>
+              <a:rPr kumimoji="1" lang="en-US" altLang="ja-JP" b="1" dirty="0">
+                <a:solidFill>
+                  <a:schemeClr val="tx1"/>
+                </a:solidFill>
+              </a:rPr>
+              <a:t>0xBC</a:t>
+            </a:r>
+            <a:endParaRPr kumimoji="1" lang="ja-JP" altLang="en-US" b="1" dirty="0">
+              <a:solidFill>
+                <a:schemeClr val="tx1"/>
+              </a:solidFill>
+            </a:endParaRPr>
+          </a:p>
+        </p:txBody>
+      </p:sp>
+      <p:sp>
+        <p:nvSpPr>
+          <p:cNvPr id="76" name="正方形/長方形 10">
+            <a:extLst>
+              <a:ext uri="{FF2B5EF4-FFF2-40B4-BE49-F238E27FC236}">
+                <a16:creationId xmlns:a16="http://schemas.microsoft.com/office/drawing/2014/main" id="{D375F7B7-03B3-EF48-8F26-69AFE171F85A}"/>
+              </a:ext>
+            </a:extLst>
+          </p:cNvPr>
+          <p:cNvSpPr/>
+          <p:nvPr/>
+        </p:nvSpPr>
+        <p:spPr>
+          <a:xfrm>
+            <a:off x="3633602" y="1849919"/>
+            <a:ext cx="1260781" cy="437322"/>
+          </a:xfrm>
+          <a:prstGeom prst="rect">
+            <a:avLst/>
+          </a:prstGeom>
+          <a:solidFill>
+            <a:schemeClr val="bg1"/>
+          </a:solidFill>
+          <a:ln w="38100">
+            <a:solidFill>
+              <a:schemeClr val="tx1"/>
+            </a:solidFill>
+          </a:ln>
+        </p:spPr>
+        <p:style>
+          <a:lnRef idx="2">
+            <a:schemeClr val="accent1">
+              <a:shade val="50000"/>
+            </a:schemeClr>
+          </a:lnRef>
+          <a:fillRef idx="1">
+            <a:schemeClr val="accent1"/>
+          </a:fillRef>
+          <a:effectRef idx="0">
+            <a:schemeClr val="accent1"/>
+          </a:effectRef>
+          <a:fontRef idx="minor">
+            <a:schemeClr val="lt1"/>
+          </a:fontRef>
+        </p:style>
+        <p:txBody>
+          <a:bodyPr rtlCol="0" anchor="ctr"/>
+          <a:lstStyle/>
+          <a:p>
+            <a:pPr algn="ctr"/>
+            <a:r>
+              <a:rPr kumimoji="1" lang="en-US" altLang="ja-JP" sz="1600" b="1" dirty="0">
+                <a:solidFill>
+                  <a:schemeClr val="tx1"/>
+                </a:solidFill>
+              </a:rPr>
+              <a:t>Random</a:t>
+            </a:r>
+          </a:p>
+          <a:p>
+            <a:pPr algn="ctr"/>
+            <a:r>
+              <a:rPr kumimoji="1" lang="en-US" altLang="ja-JP" sz="1600" b="1" dirty="0">
+                <a:solidFill>
+                  <a:schemeClr val="tx1"/>
+                </a:solidFill>
+              </a:rPr>
+              <a:t>Octet (Salt)</a:t>
+            </a:r>
+            <a:endParaRPr kumimoji="1" lang="ja-JP" altLang="en-US" sz="1600" b="1" dirty="0">
+              <a:solidFill>
+                <a:schemeClr val="tx1"/>
+              </a:solidFill>
+            </a:endParaRPr>
+          </a:p>
+        </p:txBody>
+      </p:sp>
+      <p:sp>
+        <p:nvSpPr>
+          <p:cNvPr id="81" name="右中かっこ 7">
+            <a:extLst>
+              <a:ext uri="{FF2B5EF4-FFF2-40B4-BE49-F238E27FC236}">
+                <a16:creationId xmlns:a16="http://schemas.microsoft.com/office/drawing/2014/main" id="{7705487C-35A0-FF4E-8704-9986A39965F7}"/>
+              </a:ext>
+            </a:extLst>
+          </p:cNvPr>
+          <p:cNvSpPr/>
+          <p:nvPr/>
+        </p:nvSpPr>
+        <p:spPr>
+          <a:xfrm rot="16200000">
+            <a:off x="2090701" y="1146286"/>
+            <a:ext cx="152848" cy="1049147"/>
+          </a:xfrm>
+          <a:prstGeom prst="rightBrace">
+            <a:avLst>
+              <a:gd name="adj1" fmla="val 57767"/>
+              <a:gd name="adj2" fmla="val 50000"/>
+            </a:avLst>
+          </a:prstGeom>
+          <a:ln w="19050">
+            <a:solidFill>
+              <a:schemeClr val="tx1"/>
+            </a:solidFill>
+          </a:ln>
+        </p:spPr>
+        <p:style>
+          <a:lnRef idx="1">
+            <a:schemeClr val="accent1"/>
+          </a:lnRef>
+          <a:fillRef idx="0">
+            <a:schemeClr val="accent1"/>
+          </a:fillRef>
+          <a:effectRef idx="0">
+            <a:schemeClr val="accent1"/>
+          </a:effectRef>
+          <a:fontRef idx="minor">
+            <a:schemeClr val="tx1"/>
+          </a:fontRef>
+        </p:style>
+        <p:txBody>
+          <a:bodyPr rtlCol="0" anchor="ctr"/>
+          <a:lstStyle/>
+          <a:p>
+            <a:pPr algn="ctr"/>
+            <a:endParaRPr kumimoji="1" lang="ja-JP" altLang="en-US" b="1"/>
+          </a:p>
+        </p:txBody>
+      </p:sp>
+      <p:sp>
+        <p:nvSpPr>
+          <p:cNvPr id="82" name="テキスト ボックス 9">
+            <a:extLst>
+              <a:ext uri="{FF2B5EF4-FFF2-40B4-BE49-F238E27FC236}">
+                <a16:creationId xmlns:a16="http://schemas.microsoft.com/office/drawing/2014/main" id="{93342270-DBE2-154C-88DF-A7B07AA4B0FE}"/>
+              </a:ext>
+            </a:extLst>
+          </p:cNvPr>
+          <p:cNvSpPr txBox="1"/>
+          <p:nvPr/>
+        </p:nvSpPr>
+        <p:spPr>
+          <a:xfrm>
+            <a:off x="1693568" y="1240902"/>
+            <a:ext cx="952825" cy="369332"/>
+          </a:xfrm>
+          <a:prstGeom prst="rect">
+            <a:avLst/>
+          </a:prstGeom>
+          <a:noFill/>
+        </p:spPr>
+        <p:txBody>
+          <a:bodyPr wrap="none" rtlCol="0">
+            <a:spAutoFit/>
+          </a:bodyPr>
+          <a:lstStyle/>
+          <a:p>
+            <a:r>
+              <a:rPr kumimoji="1" lang="en-US" altLang="ja-JP" b="1" dirty="0"/>
+              <a:t>Padding</a:t>
+            </a:r>
+            <a:endParaRPr kumimoji="1" lang="ja-JP" altLang="en-US" b="1" dirty="0"/>
+          </a:p>
+        </p:txBody>
+      </p:sp>
+      <p:cxnSp>
+        <p:nvCxnSpPr>
+          <p:cNvPr id="84" name="Straight Connector 83">
+            <a:extLst>
+              <a:ext uri="{FF2B5EF4-FFF2-40B4-BE49-F238E27FC236}">
+                <a16:creationId xmlns:a16="http://schemas.microsoft.com/office/drawing/2014/main" id="{FC52ECF9-50F6-5E41-9932-74A4330468C7}"/>
+              </a:ext>
+            </a:extLst>
+          </p:cNvPr>
+          <p:cNvCxnSpPr>
+            <a:cxnSpLocks/>
+          </p:cNvCxnSpPr>
+          <p:nvPr/>
+        </p:nvCxnSpPr>
+        <p:spPr>
+          <a:xfrm>
+            <a:off x="4128457" y="387275"/>
+            <a:ext cx="646197" cy="1597623"/>
+          </a:xfrm>
+          <a:prstGeom prst="line">
+            <a:avLst/>
+          </a:prstGeom>
+        </p:spPr>
+        <p:style>
+          <a:lnRef idx="1">
+            <a:schemeClr val="accent1"/>
+          </a:lnRef>
+          <a:fillRef idx="0">
+            <a:schemeClr val="accent1"/>
+          </a:fillRef>
+          <a:effectRef idx="0">
+            <a:schemeClr val="accent1"/>
+          </a:effectRef>
+          <a:fontRef idx="minor">
+            <a:schemeClr val="tx1"/>
+          </a:fontRef>
+        </p:style>
+      </p:cxnSp>
+      <p:sp>
+        <p:nvSpPr>
+          <p:cNvPr id="86" name="Line Callout 2 (Accent Bar) 85">
+            <a:extLst>
+              <a:ext uri="{FF2B5EF4-FFF2-40B4-BE49-F238E27FC236}">
+                <a16:creationId xmlns:a16="http://schemas.microsoft.com/office/drawing/2014/main" id="{AE9A9C40-97F7-6B47-BD39-644EE4B2F168}"/>
+              </a:ext>
+            </a:extLst>
+          </p:cNvPr>
+          <p:cNvSpPr/>
+          <p:nvPr/>
+        </p:nvSpPr>
+        <p:spPr>
+          <a:xfrm>
+            <a:off x="2850701" y="305205"/>
+            <a:ext cx="1354048" cy="437322"/>
+          </a:xfrm>
+          <a:prstGeom prst="accentCallout2">
+            <a:avLst>
+              <a:gd name="adj1" fmla="val 18750"/>
+              <a:gd name="adj2" fmla="val 94205"/>
+              <a:gd name="adj3" fmla="val 18750"/>
+              <a:gd name="adj4" fmla="val 103302"/>
+              <a:gd name="adj5" fmla="val 402768"/>
+              <a:gd name="adj6" fmla="val 433331"/>
+            </a:avLst>
+          </a:prstGeom>
+          <a:noFill/>
+        </p:spPr>
+        <p:style>
+          <a:lnRef idx="2">
+            <a:schemeClr val="accent1">
+              <a:shade val="50000"/>
+            </a:schemeClr>
+          </a:lnRef>
+          <a:fillRef idx="1">
+            <a:schemeClr val="accent1"/>
+          </a:fillRef>
+          <a:effectRef idx="0">
+            <a:schemeClr val="accent1"/>
+          </a:effectRef>
+          <a:fontRef idx="minor">
+            <a:schemeClr val="lt1"/>
+          </a:fontRef>
+        </p:style>
+        <p:txBody>
+          <a:bodyPr rtlCol="0" anchor="ctr"/>
+          <a:lstStyle/>
+          <a:p>
+            <a:pPr algn="ctr"/>
+            <a:r>
+              <a:rPr lang="en-US" dirty="0">
+                <a:solidFill>
+                  <a:schemeClr val="tx1"/>
+                </a:solidFill>
+              </a:rPr>
+              <a:t>Same Value</a:t>
+            </a:r>
+          </a:p>
+        </p:txBody>
+      </p:sp>
+    </p:spTree>
+    <p:extLst>
+      <p:ext uri="{BB962C8B-B14F-4D97-AF65-F5344CB8AC3E}">
+        <p14:creationId xmlns:p14="http://schemas.microsoft.com/office/powerpoint/2010/main" val="635363483"/>
+      </p:ext>
+    </p:extLst>
+  </p:cSld>
+  <p:clrMapOvr>
+    <a:masterClrMapping/>
+  </p:clrMapOvr>
+</p:sld>
+</file>
+
+<file path=ppt/slides/slide48.xml><?xml version="1.0" encoding="utf-8"?>
+<p:sld xmlns:a="http://schemas.openxmlformats.org/drawingml/2006/main" xmlns:r="http://schemas.openxmlformats.org/officeDocument/2006/relationships" xmlns:p="http://schemas.openxmlformats.org/presentationml/2006/main">
+  <p:cSld>
+    <p:spTree>
+      <p:nvGrpSpPr>
+        <p:cNvPr id="1" name=""/>
+        <p:cNvGrpSpPr/>
+        <p:nvPr/>
+      </p:nvGrpSpPr>
+      <p:grpSpPr>
+        <a:xfrm>
+          <a:off x="0" y="0"/>
+          <a:ext cx="0" cy="0"/>
+          <a:chOff x="0" y="0"/>
+          <a:chExt cx="0" cy="0"/>
+        </a:xfrm>
+      </p:grpSpPr>
+      <p:cxnSp>
+        <p:nvCxnSpPr>
+          <p:cNvPr id="4" name="Straight Arrow Connector 3">
+            <a:extLst>
+              <a:ext uri="{FF2B5EF4-FFF2-40B4-BE49-F238E27FC236}">
+                <a16:creationId xmlns:a16="http://schemas.microsoft.com/office/drawing/2014/main" id="{E4CC6717-3235-C747-8D27-142D5F6EEA9C}"/>
+              </a:ext>
+            </a:extLst>
+          </p:cNvPr>
+          <p:cNvCxnSpPr>
+            <a:cxnSpLocks/>
+          </p:cNvCxnSpPr>
+          <p:nvPr/>
+        </p:nvCxnSpPr>
+        <p:spPr>
+          <a:xfrm flipH="1">
+            <a:off x="2701803" y="817314"/>
+            <a:ext cx="38145" cy="5857806"/>
+          </a:xfrm>
+          <a:prstGeom prst="straightConnector1">
+            <a:avLst/>
+          </a:prstGeom>
+          <a:ln w="38100">
+            <a:solidFill>
+              <a:schemeClr val="tx1"/>
+            </a:solidFill>
+            <a:tailEnd type="triangle"/>
+          </a:ln>
+        </p:spPr>
+        <p:style>
+          <a:lnRef idx="1">
+            <a:schemeClr val="accent1"/>
+          </a:lnRef>
+          <a:fillRef idx="0">
+            <a:schemeClr val="accent1"/>
+          </a:fillRef>
+          <a:effectRef idx="0">
+            <a:schemeClr val="accent1"/>
+          </a:effectRef>
+          <a:fontRef idx="minor">
+            <a:schemeClr val="tx1"/>
+          </a:fontRef>
+        </p:style>
+      </p:cxnSp>
+      <p:cxnSp>
+        <p:nvCxnSpPr>
+          <p:cNvPr id="5" name="Straight Arrow Connector 4">
+            <a:extLst>
+              <a:ext uri="{FF2B5EF4-FFF2-40B4-BE49-F238E27FC236}">
+                <a16:creationId xmlns:a16="http://schemas.microsoft.com/office/drawing/2014/main" id="{CDCFDAEE-37B0-2045-A774-72D7B97D64CF}"/>
+              </a:ext>
+            </a:extLst>
+          </p:cNvPr>
+          <p:cNvCxnSpPr>
+            <a:cxnSpLocks/>
+            <a:stCxn id="13" idx="2"/>
+          </p:cNvCxnSpPr>
+          <p:nvPr/>
+        </p:nvCxnSpPr>
+        <p:spPr>
+          <a:xfrm>
+            <a:off x="8729866" y="983303"/>
+            <a:ext cx="42874" cy="5691817"/>
+          </a:xfrm>
+          <a:prstGeom prst="straightConnector1">
+            <a:avLst/>
+          </a:prstGeom>
+          <a:ln w="38100">
+            <a:solidFill>
+              <a:schemeClr val="tx1"/>
+            </a:solidFill>
+            <a:tailEnd type="triangle"/>
+          </a:ln>
+        </p:spPr>
+        <p:style>
+          <a:lnRef idx="1">
+            <a:schemeClr val="accent1"/>
+          </a:lnRef>
+          <a:fillRef idx="0">
+            <a:schemeClr val="accent1"/>
+          </a:fillRef>
+          <a:effectRef idx="0">
+            <a:schemeClr val="accent1"/>
+          </a:effectRef>
+          <a:fontRef idx="minor">
+            <a:schemeClr val="tx1"/>
+          </a:fontRef>
+        </p:style>
+      </p:cxnSp>
+      <p:pic>
+        <p:nvPicPr>
+          <p:cNvPr id="6" name="Picture 5">
+            <a:extLst>
+              <a:ext uri="{FF2B5EF4-FFF2-40B4-BE49-F238E27FC236}">
+                <a16:creationId xmlns:a16="http://schemas.microsoft.com/office/drawing/2014/main" id="{1EE5BCE4-8D0B-7648-84B9-837D0DA9DCB9}"/>
+              </a:ext>
+            </a:extLst>
+          </p:cNvPr>
+          <p:cNvPicPr>
+            <a:picLocks noChangeAspect="1"/>
+          </p:cNvPicPr>
+          <p:nvPr/>
+        </p:nvPicPr>
+        <p:blipFill>
+          <a:blip r:embed="rId2"/>
+          <a:stretch>
+            <a:fillRect/>
+          </a:stretch>
+        </p:blipFill>
+        <p:spPr>
+          <a:xfrm rot="13873712">
+            <a:off x="1322426" y="4632344"/>
+            <a:ext cx="545009" cy="272505"/>
+          </a:xfrm>
+          <a:prstGeom prst="rect">
+            <a:avLst/>
+          </a:prstGeom>
+        </p:spPr>
+      </p:pic>
+      <p:pic>
+        <p:nvPicPr>
+          <p:cNvPr id="7" name="Picture 6">
+            <a:extLst>
+              <a:ext uri="{FF2B5EF4-FFF2-40B4-BE49-F238E27FC236}">
+                <a16:creationId xmlns:a16="http://schemas.microsoft.com/office/drawing/2014/main" id="{2EB34C95-4BF0-8741-AAD0-1644DC2C8B2F}"/>
+              </a:ext>
+            </a:extLst>
+          </p:cNvPr>
+          <p:cNvPicPr>
+            <a:picLocks noChangeAspect="1"/>
+          </p:cNvPicPr>
+          <p:nvPr/>
+        </p:nvPicPr>
+        <p:blipFill>
+          <a:blip r:embed="rId3"/>
+          <a:stretch>
+            <a:fillRect/>
+          </a:stretch>
+        </p:blipFill>
+        <p:spPr>
+          <a:xfrm rot="19153627">
+            <a:off x="932047" y="4621389"/>
+            <a:ext cx="463927" cy="463927"/>
+          </a:xfrm>
+          <a:prstGeom prst="rect">
+            <a:avLst/>
+          </a:prstGeom>
+        </p:spPr>
+      </p:pic>
+      <p:pic>
+        <p:nvPicPr>
+          <p:cNvPr id="8" name="Picture 7">
+            <a:extLst>
+              <a:ext uri="{FF2B5EF4-FFF2-40B4-BE49-F238E27FC236}">
+                <a16:creationId xmlns:a16="http://schemas.microsoft.com/office/drawing/2014/main" id="{5D7E1DB8-DC1E-BA4D-9B6B-0D6D8F93D2B8}"/>
+              </a:ext>
+            </a:extLst>
+          </p:cNvPr>
+          <p:cNvPicPr>
+            <a:picLocks noChangeAspect="1"/>
+          </p:cNvPicPr>
+          <p:nvPr/>
+        </p:nvPicPr>
+        <p:blipFill>
+          <a:blip r:embed="rId4"/>
+          <a:stretch>
+            <a:fillRect/>
+          </a:stretch>
+        </p:blipFill>
+        <p:spPr>
+          <a:xfrm rot="2992708">
+            <a:off x="8059718" y="2168236"/>
+            <a:ext cx="153073" cy="484731"/>
+          </a:xfrm>
+          <a:prstGeom prst="rect">
+            <a:avLst/>
+          </a:prstGeom>
+        </p:spPr>
+      </p:pic>
+      <p:pic>
+        <p:nvPicPr>
+          <p:cNvPr id="9" name="Picture 8">
+            <a:extLst>
+              <a:ext uri="{FF2B5EF4-FFF2-40B4-BE49-F238E27FC236}">
+                <a16:creationId xmlns:a16="http://schemas.microsoft.com/office/drawing/2014/main" id="{72451EC5-3325-5C4F-889D-41ED49F98B7F}"/>
+              </a:ext>
+            </a:extLst>
+          </p:cNvPr>
+          <p:cNvPicPr>
+            <a:picLocks noChangeAspect="1"/>
+          </p:cNvPicPr>
+          <p:nvPr/>
+        </p:nvPicPr>
+        <p:blipFill>
+          <a:blip r:embed="rId5"/>
+          <a:stretch>
+            <a:fillRect/>
+          </a:stretch>
+        </p:blipFill>
+        <p:spPr>
+          <a:xfrm>
+            <a:off x="3273334" y="2363350"/>
+            <a:ext cx="353858" cy="357348"/>
+          </a:xfrm>
+          <a:prstGeom prst="rect">
+            <a:avLst/>
+          </a:prstGeom>
+        </p:spPr>
+      </p:pic>
+      <p:sp>
+        <p:nvSpPr>
+          <p:cNvPr id="10" name="TextBox 9">
+            <a:extLst>
+              <a:ext uri="{FF2B5EF4-FFF2-40B4-BE49-F238E27FC236}">
+                <a16:creationId xmlns:a16="http://schemas.microsoft.com/office/drawing/2014/main" id="{467D7215-B6D7-E141-8B6B-2718F44F8392}"/>
+              </a:ext>
+            </a:extLst>
+          </p:cNvPr>
+          <p:cNvSpPr txBox="1"/>
+          <p:nvPr/>
+        </p:nvSpPr>
+        <p:spPr>
+          <a:xfrm>
+            <a:off x="2869752" y="2011226"/>
+            <a:ext cx="1161022" cy="369332"/>
+          </a:xfrm>
+          <a:prstGeom prst="rect">
+            <a:avLst/>
+          </a:prstGeom>
+          <a:noFill/>
+        </p:spPr>
+        <p:txBody>
+          <a:bodyPr wrap="none" rtlCol="0">
+            <a:spAutoFit/>
+          </a:bodyPr>
+          <a:lstStyle/>
+          <a:p>
+            <a:pPr algn="ctr"/>
+            <a:r>
+              <a:rPr lang="en-US" b="1" dirty="0"/>
+              <a:t>Public Key</a:t>
+            </a:r>
+          </a:p>
+        </p:txBody>
+      </p:sp>
+      <p:pic>
+        <p:nvPicPr>
+          <p:cNvPr id="12" name="Picture 11">
+            <a:extLst>
+              <a:ext uri="{FF2B5EF4-FFF2-40B4-BE49-F238E27FC236}">
+                <a16:creationId xmlns:a16="http://schemas.microsoft.com/office/drawing/2014/main" id="{05322E09-A3D8-404A-897E-28A5DC08C10E}"/>
+              </a:ext>
+            </a:extLst>
+          </p:cNvPr>
+          <p:cNvPicPr>
+            <a:picLocks noChangeAspect="1"/>
+          </p:cNvPicPr>
+          <p:nvPr/>
+        </p:nvPicPr>
+        <p:blipFill>
+          <a:blip r:embed="rId6"/>
+          <a:stretch>
+            <a:fillRect/>
+          </a:stretch>
+        </p:blipFill>
+        <p:spPr>
+          <a:xfrm>
+            <a:off x="2217065" y="169129"/>
+            <a:ext cx="969476" cy="648185"/>
+          </a:xfrm>
+          <a:prstGeom prst="rect">
+            <a:avLst/>
+          </a:prstGeom>
+        </p:spPr>
+      </p:pic>
+      <p:pic>
+        <p:nvPicPr>
+          <p:cNvPr id="13" name="Picture 12">
+            <a:extLst>
+              <a:ext uri="{FF2B5EF4-FFF2-40B4-BE49-F238E27FC236}">
+                <a16:creationId xmlns:a16="http://schemas.microsoft.com/office/drawing/2014/main" id="{BC4DADED-93AD-A14F-B251-64787C02F9E9}"/>
+              </a:ext>
+            </a:extLst>
+          </p:cNvPr>
+          <p:cNvPicPr>
+            <a:picLocks noChangeAspect="1"/>
+          </p:cNvPicPr>
+          <p:nvPr/>
+        </p:nvPicPr>
+        <p:blipFill>
+          <a:blip r:embed="rId7"/>
+          <a:stretch>
+            <a:fillRect/>
+          </a:stretch>
+        </p:blipFill>
+        <p:spPr>
+          <a:xfrm>
+            <a:off x="8386693" y="0"/>
+            <a:ext cx="686346" cy="983303"/>
+          </a:xfrm>
+          <a:prstGeom prst="rect">
+            <a:avLst/>
+          </a:prstGeom>
+        </p:spPr>
+      </p:pic>
+      <p:sp>
+        <p:nvSpPr>
+          <p:cNvPr id="15" name="四角形: 角を丸くする 4">
+            <a:extLst>
+              <a:ext uri="{FF2B5EF4-FFF2-40B4-BE49-F238E27FC236}">
+                <a16:creationId xmlns:a16="http://schemas.microsoft.com/office/drawing/2014/main" id="{813441B2-ED5C-D744-BF10-E3E688173C8B}"/>
+              </a:ext>
+            </a:extLst>
+          </p:cNvPr>
+          <p:cNvSpPr/>
+          <p:nvPr/>
+        </p:nvSpPr>
+        <p:spPr>
+          <a:xfrm>
+            <a:off x="7673502" y="1045643"/>
+            <a:ext cx="2112728" cy="824718"/>
+          </a:xfrm>
+          <a:prstGeom prst="roundRect">
+            <a:avLst/>
+          </a:prstGeom>
+          <a:solidFill>
+            <a:schemeClr val="bg1"/>
+          </a:solidFill>
+          <a:ln w="38100"/>
+        </p:spPr>
+        <p:style>
+          <a:lnRef idx="2">
+            <a:schemeClr val="accent1"/>
+          </a:lnRef>
+          <a:fillRef idx="1">
+            <a:schemeClr val="lt1"/>
+          </a:fillRef>
+          <a:effectRef idx="0">
+            <a:schemeClr val="accent1"/>
+          </a:effectRef>
+          <a:fontRef idx="minor">
+            <a:schemeClr val="dk1"/>
+          </a:fontRef>
+        </p:style>
+        <p:txBody>
+          <a:bodyPr rtlCol="0" anchor="ctr"/>
+          <a:lstStyle/>
+          <a:p>
+            <a:pPr algn="ctr"/>
+            <a:r>
+              <a:rPr kumimoji="1" lang="en-US" altLang="ja-JP" b="1" dirty="0">
+                <a:solidFill>
+                  <a:srgbClr val="7030A0"/>
+                </a:solidFill>
+              </a:rPr>
+              <a:t>1) Generate Key Pair for Encryption</a:t>
+            </a:r>
+          </a:p>
+        </p:txBody>
+      </p:sp>
+      <p:sp>
+        <p:nvSpPr>
+          <p:cNvPr id="16" name="TextBox 15">
+            <a:extLst>
+              <a:ext uri="{FF2B5EF4-FFF2-40B4-BE49-F238E27FC236}">
+                <a16:creationId xmlns:a16="http://schemas.microsoft.com/office/drawing/2014/main" id="{DCD56E07-E580-5044-8CB1-D71679D9F995}"/>
+              </a:ext>
+            </a:extLst>
+          </p:cNvPr>
+          <p:cNvSpPr txBox="1"/>
+          <p:nvPr/>
+        </p:nvSpPr>
+        <p:spPr>
+          <a:xfrm>
+            <a:off x="7648262" y="1892409"/>
+            <a:ext cx="1161022" cy="369332"/>
+          </a:xfrm>
+          <a:prstGeom prst="rect">
+            <a:avLst/>
+          </a:prstGeom>
+          <a:noFill/>
+        </p:spPr>
+        <p:txBody>
+          <a:bodyPr wrap="none" rtlCol="0">
+            <a:spAutoFit/>
+          </a:bodyPr>
+          <a:lstStyle/>
+          <a:p>
+            <a:pPr algn="ctr"/>
+            <a:r>
+              <a:rPr lang="en-US" b="1" dirty="0"/>
+              <a:t>Public Key</a:t>
+            </a:r>
+          </a:p>
+        </p:txBody>
+      </p:sp>
+      <p:cxnSp>
+        <p:nvCxnSpPr>
+          <p:cNvPr id="18" name="Straight Arrow Connector 17">
+            <a:extLst>
+              <a:ext uri="{FF2B5EF4-FFF2-40B4-BE49-F238E27FC236}">
+                <a16:creationId xmlns:a16="http://schemas.microsoft.com/office/drawing/2014/main" id="{6AE161CE-712D-824C-BBE3-9F14F987B5A0}"/>
+              </a:ext>
+            </a:extLst>
+          </p:cNvPr>
+          <p:cNvCxnSpPr>
+            <a:cxnSpLocks/>
+            <a:stCxn id="9" idx="3"/>
+          </p:cNvCxnSpPr>
+          <p:nvPr/>
+        </p:nvCxnSpPr>
+        <p:spPr>
+          <a:xfrm>
+            <a:off x="3627192" y="2542024"/>
+            <a:ext cx="4374517" cy="535307"/>
+          </a:xfrm>
+          <a:prstGeom prst="straightConnector1">
+            <a:avLst/>
+          </a:prstGeom>
+          <a:ln w="38100">
+            <a:tailEnd type="triangle"/>
+          </a:ln>
+        </p:spPr>
+        <p:style>
+          <a:lnRef idx="1">
+            <a:schemeClr val="accent1"/>
+          </a:lnRef>
+          <a:fillRef idx="0">
+            <a:schemeClr val="accent1"/>
+          </a:fillRef>
+          <a:effectRef idx="0">
+            <a:schemeClr val="accent1"/>
+          </a:effectRef>
+          <a:fontRef idx="minor">
+            <a:schemeClr val="tx1"/>
+          </a:fontRef>
+        </p:style>
+      </p:cxnSp>
+      <p:cxnSp>
+        <p:nvCxnSpPr>
+          <p:cNvPr id="19" name="Straight Arrow Connector 18">
+            <a:extLst>
+              <a:ext uri="{FF2B5EF4-FFF2-40B4-BE49-F238E27FC236}">
+                <a16:creationId xmlns:a16="http://schemas.microsoft.com/office/drawing/2014/main" id="{54FEF7CF-C67D-4A42-89C9-55B43A51C941}"/>
+              </a:ext>
+            </a:extLst>
+          </p:cNvPr>
+          <p:cNvCxnSpPr>
+            <a:cxnSpLocks/>
+          </p:cNvCxnSpPr>
+          <p:nvPr/>
+        </p:nvCxnSpPr>
+        <p:spPr>
+          <a:xfrm flipH="1">
+            <a:off x="3507988" y="2435762"/>
+            <a:ext cx="4393613" cy="678658"/>
+          </a:xfrm>
+          <a:prstGeom prst="straightConnector1">
+            <a:avLst/>
+          </a:prstGeom>
+          <a:ln w="38100">
+            <a:tailEnd type="triangle"/>
+          </a:ln>
+        </p:spPr>
+        <p:style>
+          <a:lnRef idx="1">
+            <a:schemeClr val="accent1"/>
+          </a:lnRef>
+          <a:fillRef idx="0">
+            <a:schemeClr val="accent1"/>
+          </a:fillRef>
+          <a:effectRef idx="0">
+            <a:schemeClr val="accent1"/>
+          </a:effectRef>
+          <a:fontRef idx="minor">
+            <a:schemeClr val="tx1"/>
+          </a:fontRef>
+        </p:style>
+      </p:cxnSp>
+      <p:pic>
+        <p:nvPicPr>
+          <p:cNvPr id="20" name="Picture 19">
+            <a:extLst>
+              <a:ext uri="{FF2B5EF4-FFF2-40B4-BE49-F238E27FC236}">
+                <a16:creationId xmlns:a16="http://schemas.microsoft.com/office/drawing/2014/main" id="{AFE1790D-3DC1-8A45-9220-20470F67BE2F}"/>
+              </a:ext>
+            </a:extLst>
+          </p:cNvPr>
+          <p:cNvPicPr>
+            <a:picLocks noChangeAspect="1"/>
+          </p:cNvPicPr>
+          <p:nvPr/>
+        </p:nvPicPr>
+        <p:blipFill>
+          <a:blip r:embed="rId4"/>
+          <a:stretch>
+            <a:fillRect/>
+          </a:stretch>
+        </p:blipFill>
+        <p:spPr>
+          <a:xfrm rot="2992708">
+            <a:off x="3296554" y="2896465"/>
+            <a:ext cx="153073" cy="484731"/>
+          </a:xfrm>
+          <a:prstGeom prst="rect">
+            <a:avLst/>
+          </a:prstGeom>
+        </p:spPr>
+      </p:pic>
+      <p:pic>
+        <p:nvPicPr>
+          <p:cNvPr id="21" name="Picture 20">
+            <a:extLst>
+              <a:ext uri="{FF2B5EF4-FFF2-40B4-BE49-F238E27FC236}">
+                <a16:creationId xmlns:a16="http://schemas.microsoft.com/office/drawing/2014/main" id="{9E3A6481-D962-C848-BFDA-1E4D57C9BBA3}"/>
+              </a:ext>
+            </a:extLst>
+          </p:cNvPr>
+          <p:cNvPicPr>
+            <a:picLocks noChangeAspect="1"/>
+          </p:cNvPicPr>
+          <p:nvPr/>
+        </p:nvPicPr>
+        <p:blipFill>
+          <a:blip r:embed="rId5"/>
+          <a:stretch>
+            <a:fillRect/>
+          </a:stretch>
+        </p:blipFill>
+        <p:spPr>
+          <a:xfrm>
+            <a:off x="8001709" y="3077331"/>
+            <a:ext cx="353858" cy="357348"/>
+          </a:xfrm>
+          <a:prstGeom prst="rect">
+            <a:avLst/>
+          </a:prstGeom>
+        </p:spPr>
+      </p:pic>
+      <p:sp>
+        <p:nvSpPr>
+          <p:cNvPr id="23" name="四角形: 角を丸くする 4">
+            <a:extLst>
+              <a:ext uri="{FF2B5EF4-FFF2-40B4-BE49-F238E27FC236}">
+                <a16:creationId xmlns:a16="http://schemas.microsoft.com/office/drawing/2014/main" id="{BF69FFF3-DF52-6445-9EE2-183AF29B10DF}"/>
+              </a:ext>
+            </a:extLst>
+          </p:cNvPr>
+          <p:cNvSpPr/>
+          <p:nvPr/>
+        </p:nvSpPr>
+        <p:spPr>
+          <a:xfrm>
+            <a:off x="4652367" y="2363350"/>
+            <a:ext cx="2228572" cy="824718"/>
+          </a:xfrm>
+          <a:prstGeom prst="roundRect">
+            <a:avLst/>
+          </a:prstGeom>
+          <a:solidFill>
+            <a:schemeClr val="bg1"/>
+          </a:solidFill>
+          <a:ln w="38100"/>
+        </p:spPr>
+        <p:style>
+          <a:lnRef idx="2">
+            <a:schemeClr val="accent1"/>
+          </a:lnRef>
+          <a:fillRef idx="1">
+            <a:schemeClr val="lt1"/>
+          </a:fillRef>
+          <a:effectRef idx="0">
+            <a:schemeClr val="accent1"/>
+          </a:effectRef>
+          <a:fontRef idx="minor">
+            <a:schemeClr val="dk1"/>
+          </a:fontRef>
+        </p:style>
+        <p:txBody>
+          <a:bodyPr rtlCol="0" anchor="ctr"/>
+          <a:lstStyle/>
+          <a:p>
+            <a:pPr algn="ctr"/>
+            <a:r>
+              <a:rPr kumimoji="1" lang="en-US" altLang="ja-JP" b="1" dirty="0"/>
+              <a:t>2) Exchange </a:t>
+            </a:r>
+            <a:r>
+              <a:rPr kumimoji="1" lang="en-US" altLang="ja-JP" b="1" dirty="0">
+                <a:solidFill>
+                  <a:srgbClr val="0070C0"/>
+                </a:solidFill>
+              </a:rPr>
+              <a:t>Public Key with Signature</a:t>
+            </a:r>
+          </a:p>
+        </p:txBody>
+      </p:sp>
+      <p:sp>
+        <p:nvSpPr>
+          <p:cNvPr id="28" name="四角形: 角を丸くする 4">
+            <a:extLst>
+              <a:ext uri="{FF2B5EF4-FFF2-40B4-BE49-F238E27FC236}">
+                <a16:creationId xmlns:a16="http://schemas.microsoft.com/office/drawing/2014/main" id="{31114E97-3E7A-E74E-8152-B986A3DD78F3}"/>
+              </a:ext>
+            </a:extLst>
+          </p:cNvPr>
+          <p:cNvSpPr/>
+          <p:nvPr/>
+        </p:nvSpPr>
+        <p:spPr>
+          <a:xfrm>
+            <a:off x="8070009" y="3457758"/>
+            <a:ext cx="2375666" cy="824718"/>
+          </a:xfrm>
+          <a:prstGeom prst="roundRect">
+            <a:avLst/>
+          </a:prstGeom>
+          <a:solidFill>
+            <a:schemeClr val="accent6">
+              <a:lumMod val="20000"/>
+              <a:lumOff val="80000"/>
+            </a:schemeClr>
+          </a:solidFill>
+          <a:ln w="38100"/>
+        </p:spPr>
+        <p:style>
+          <a:lnRef idx="2">
+            <a:schemeClr val="accent1"/>
+          </a:lnRef>
+          <a:fillRef idx="1">
+            <a:schemeClr val="lt1"/>
+          </a:fillRef>
+          <a:effectRef idx="0">
+            <a:schemeClr val="accent1"/>
+          </a:effectRef>
+          <a:fontRef idx="minor">
+            <a:schemeClr val="dk1"/>
+          </a:fontRef>
+        </p:style>
+        <p:txBody>
+          <a:bodyPr rtlCol="0" anchor="ctr"/>
+          <a:lstStyle/>
+          <a:p>
+            <a:pPr algn="ctr"/>
+            <a:r>
+              <a:rPr kumimoji="1" lang="en-US" altLang="ja-JP" b="1" dirty="0">
+                <a:solidFill>
+                  <a:schemeClr val="tx1"/>
+                </a:solidFill>
+              </a:rPr>
+              <a:t>2) </a:t>
+            </a:r>
+            <a:r>
+              <a:rPr kumimoji="1" lang="en-US" altLang="ja-JP" b="1" dirty="0">
+                <a:solidFill>
+                  <a:srgbClr val="0070C0"/>
+                </a:solidFill>
+              </a:rPr>
+              <a:t>Verify Signature </a:t>
+            </a:r>
+            <a:r>
+              <a:rPr kumimoji="1" lang="en-US" altLang="ja-JP" b="1" dirty="0">
+                <a:solidFill>
+                  <a:schemeClr val="tx1"/>
+                </a:solidFill>
+              </a:rPr>
+              <a:t>of the Public key!</a:t>
+            </a:r>
+          </a:p>
+        </p:txBody>
+      </p:sp>
+      <p:sp>
+        <p:nvSpPr>
+          <p:cNvPr id="30" name="四角形: 角を丸くする 4">
+            <a:extLst>
+              <a:ext uri="{FF2B5EF4-FFF2-40B4-BE49-F238E27FC236}">
+                <a16:creationId xmlns:a16="http://schemas.microsoft.com/office/drawing/2014/main" id="{A38D926C-3891-9844-A74B-1AC9C012E300}"/>
+              </a:ext>
+            </a:extLst>
+          </p:cNvPr>
+          <p:cNvSpPr/>
+          <p:nvPr/>
+        </p:nvSpPr>
+        <p:spPr>
+          <a:xfrm>
+            <a:off x="1949301" y="4518302"/>
+            <a:ext cx="7533170" cy="463927"/>
+          </a:xfrm>
+          <a:prstGeom prst="roundRect">
+            <a:avLst/>
+          </a:prstGeom>
+          <a:solidFill>
+            <a:schemeClr val="accent4">
+              <a:lumMod val="20000"/>
+              <a:lumOff val="80000"/>
+            </a:schemeClr>
+          </a:solidFill>
+          <a:ln w="38100"/>
+        </p:spPr>
+        <p:style>
+          <a:lnRef idx="2">
+            <a:schemeClr val="accent1"/>
+          </a:lnRef>
+          <a:fillRef idx="1">
+            <a:schemeClr val="lt1"/>
+          </a:fillRef>
+          <a:effectRef idx="0">
+            <a:schemeClr val="accent1"/>
+          </a:effectRef>
+          <a:fontRef idx="minor">
+            <a:schemeClr val="dk1"/>
+          </a:fontRef>
+        </p:style>
+        <p:txBody>
+          <a:bodyPr rtlCol="0" anchor="ctr"/>
+          <a:lstStyle/>
+          <a:p>
+            <a:pPr algn="ctr"/>
+            <a:r>
+              <a:rPr kumimoji="1" lang="en-US" altLang="ja-JP" b="1" dirty="0">
+                <a:solidFill>
+                  <a:schemeClr val="tx1"/>
+                </a:solidFill>
+              </a:rPr>
+              <a:t>3) </a:t>
+            </a:r>
+            <a:r>
+              <a:rPr kumimoji="1" lang="en-US" altLang="ja-JP" b="1" dirty="0">
+                <a:solidFill>
+                  <a:srgbClr val="FF0000"/>
+                </a:solidFill>
+              </a:rPr>
+              <a:t>Sharing AES/HMAC Key </a:t>
+            </a:r>
+            <a:r>
+              <a:rPr kumimoji="1" lang="en-US" altLang="ja-JP" b="1" dirty="0">
+                <a:solidFill>
+                  <a:schemeClr val="tx1"/>
+                </a:solidFill>
+              </a:rPr>
+              <a:t>using Public Key Encryption (e.g., ECDH+AES)</a:t>
+            </a:r>
+          </a:p>
+        </p:txBody>
+      </p:sp>
+      <p:cxnSp>
+        <p:nvCxnSpPr>
+          <p:cNvPr id="37" name="Straight Arrow Connector 36">
+            <a:extLst>
+              <a:ext uri="{FF2B5EF4-FFF2-40B4-BE49-F238E27FC236}">
+                <a16:creationId xmlns:a16="http://schemas.microsoft.com/office/drawing/2014/main" id="{2E7EB157-666F-3F44-8898-788807B78213}"/>
+              </a:ext>
+            </a:extLst>
+          </p:cNvPr>
+          <p:cNvCxnSpPr>
+            <a:cxnSpLocks/>
+          </p:cNvCxnSpPr>
+          <p:nvPr/>
+        </p:nvCxnSpPr>
+        <p:spPr>
+          <a:xfrm>
+            <a:off x="2720875" y="5965532"/>
+            <a:ext cx="6051865" cy="0"/>
+          </a:xfrm>
+          <a:prstGeom prst="straightConnector1">
+            <a:avLst/>
+          </a:prstGeom>
+          <a:ln w="38100">
+            <a:headEnd type="triangle" w="med" len="med"/>
+            <a:tailEnd type="triangle" w="med" len="med"/>
+          </a:ln>
+        </p:spPr>
+        <p:style>
+          <a:lnRef idx="1">
+            <a:schemeClr val="accent1"/>
+          </a:lnRef>
+          <a:fillRef idx="0">
+            <a:schemeClr val="accent1"/>
+          </a:fillRef>
+          <a:effectRef idx="0">
+            <a:schemeClr val="accent1"/>
+          </a:effectRef>
+          <a:fontRef idx="minor">
+            <a:schemeClr val="tx1"/>
+          </a:fontRef>
+        </p:style>
+      </p:cxnSp>
+      <p:sp>
+        <p:nvSpPr>
+          <p:cNvPr id="36" name="四角形: 角を丸くする 4">
+            <a:extLst>
+              <a:ext uri="{FF2B5EF4-FFF2-40B4-BE49-F238E27FC236}">
+                <a16:creationId xmlns:a16="http://schemas.microsoft.com/office/drawing/2014/main" id="{64F121F6-EE46-8D4C-A510-F9CA3D742180}"/>
+              </a:ext>
+            </a:extLst>
+          </p:cNvPr>
+          <p:cNvSpPr/>
+          <p:nvPr/>
+        </p:nvSpPr>
+        <p:spPr>
+          <a:xfrm>
+            <a:off x="3913515" y="5561393"/>
+            <a:ext cx="3499675" cy="824718"/>
+          </a:xfrm>
+          <a:prstGeom prst="roundRect">
+            <a:avLst/>
+          </a:prstGeom>
+          <a:solidFill>
+            <a:schemeClr val="accent2">
+              <a:lumMod val="20000"/>
+              <a:lumOff val="80000"/>
+            </a:schemeClr>
+          </a:solidFill>
+          <a:ln w="38100"/>
+        </p:spPr>
+        <p:style>
+          <a:lnRef idx="2">
+            <a:schemeClr val="accent1"/>
+          </a:lnRef>
+          <a:fillRef idx="1">
+            <a:schemeClr val="lt1"/>
+          </a:fillRef>
+          <a:effectRef idx="0">
+            <a:schemeClr val="accent1"/>
+          </a:effectRef>
+          <a:fontRef idx="minor">
+            <a:schemeClr val="dk1"/>
+          </a:fontRef>
+        </p:style>
+        <p:txBody>
+          <a:bodyPr rtlCol="0" anchor="ctr"/>
+          <a:lstStyle/>
+          <a:p>
+            <a:pPr algn="ctr"/>
+            <a:r>
+              <a:rPr kumimoji="1" lang="en-US" altLang="ja-JP" b="1" dirty="0"/>
+              <a:t>4) Send AES-Encrypted Data with </a:t>
+            </a:r>
+            <a:r>
+              <a:rPr kumimoji="1" lang="en-US" altLang="ja-JP" b="1" dirty="0">
+                <a:solidFill>
+                  <a:srgbClr val="FF0000"/>
+                </a:solidFill>
+              </a:rPr>
+              <a:t>HMAC </a:t>
+            </a:r>
+          </a:p>
+        </p:txBody>
+      </p:sp>
+      <p:sp>
+        <p:nvSpPr>
+          <p:cNvPr id="42" name="四角形: 角を丸くする 4">
+            <a:extLst>
+              <a:ext uri="{FF2B5EF4-FFF2-40B4-BE49-F238E27FC236}">
+                <a16:creationId xmlns:a16="http://schemas.microsoft.com/office/drawing/2014/main" id="{54F66F1B-F123-4E4A-A19B-8DD0EBBECB97}"/>
+              </a:ext>
+            </a:extLst>
+          </p:cNvPr>
+          <p:cNvSpPr/>
+          <p:nvPr/>
+        </p:nvSpPr>
+        <p:spPr>
+          <a:xfrm>
+            <a:off x="8943171" y="5568740"/>
+            <a:ext cx="2072816" cy="824718"/>
+          </a:xfrm>
+          <a:prstGeom prst="roundRect">
+            <a:avLst/>
+          </a:prstGeom>
+          <a:solidFill>
+            <a:schemeClr val="accent2">
+              <a:lumMod val="20000"/>
+              <a:lumOff val="80000"/>
+            </a:schemeClr>
+          </a:solidFill>
+          <a:ln w="38100"/>
+        </p:spPr>
+        <p:style>
+          <a:lnRef idx="2">
+            <a:schemeClr val="accent1"/>
+          </a:lnRef>
+          <a:fillRef idx="1">
+            <a:schemeClr val="lt1"/>
+          </a:fillRef>
+          <a:effectRef idx="0">
+            <a:schemeClr val="accent1"/>
+          </a:effectRef>
+          <a:fontRef idx="minor">
+            <a:schemeClr val="dk1"/>
+          </a:fontRef>
+        </p:style>
+        <p:txBody>
+          <a:bodyPr rtlCol="0" anchor="ctr"/>
+          <a:lstStyle/>
+          <a:p>
+            <a:pPr algn="ctr"/>
+            <a:r>
+              <a:rPr kumimoji="1" lang="en-US" altLang="ja-JP" b="1" dirty="0">
+                <a:solidFill>
+                  <a:schemeClr val="tx1"/>
+                </a:solidFill>
+              </a:rPr>
+              <a:t>5) AES-Decrypt and Check </a:t>
+            </a:r>
+            <a:r>
+              <a:rPr kumimoji="1" lang="en-US" altLang="ja-JP" b="1" dirty="0">
+                <a:solidFill>
+                  <a:srgbClr val="FF0000"/>
+                </a:solidFill>
+              </a:rPr>
+              <a:t>HMAC</a:t>
+            </a:r>
+            <a:r>
+              <a:rPr kumimoji="1" lang="en-US" altLang="ja-JP" b="1" dirty="0">
+                <a:solidFill>
+                  <a:schemeClr val="tx1"/>
+                </a:solidFill>
+              </a:rPr>
+              <a:t>!</a:t>
+            </a:r>
+          </a:p>
+        </p:txBody>
+      </p:sp>
+      <p:pic>
+        <p:nvPicPr>
+          <p:cNvPr id="43" name="Picture 60">
+            <a:extLst>
+              <a:ext uri="{FF2B5EF4-FFF2-40B4-BE49-F238E27FC236}">
+                <a16:creationId xmlns:a16="http://schemas.microsoft.com/office/drawing/2014/main" id="{F24EFFE5-3760-904C-B05D-D27666621FFB}"/>
+              </a:ext>
+            </a:extLst>
+          </p:cNvPr>
+          <p:cNvPicPr>
+            <a:picLocks noChangeAspect="1"/>
+          </p:cNvPicPr>
+          <p:nvPr/>
+        </p:nvPicPr>
+        <p:blipFill>
+          <a:blip r:embed="rId8"/>
+          <a:stretch>
+            <a:fillRect/>
+          </a:stretch>
+        </p:blipFill>
+        <p:spPr>
+          <a:xfrm>
+            <a:off x="7988404" y="5277721"/>
+            <a:ext cx="598353" cy="636105"/>
+          </a:xfrm>
+          <a:prstGeom prst="rect">
+            <a:avLst/>
+          </a:prstGeom>
+        </p:spPr>
+      </p:pic>
+      <p:pic>
+        <p:nvPicPr>
+          <p:cNvPr id="46" name="Picture 45">
+            <a:extLst>
+              <a:ext uri="{FF2B5EF4-FFF2-40B4-BE49-F238E27FC236}">
+                <a16:creationId xmlns:a16="http://schemas.microsoft.com/office/drawing/2014/main" id="{8AA2356F-E40E-714F-A1F2-AF1013ED7AB4}"/>
+              </a:ext>
+            </a:extLst>
+          </p:cNvPr>
+          <p:cNvPicPr>
+            <a:picLocks noChangeAspect="1"/>
+          </p:cNvPicPr>
+          <p:nvPr/>
+        </p:nvPicPr>
+        <p:blipFill>
+          <a:blip r:embed="rId2"/>
+          <a:stretch>
+            <a:fillRect/>
+          </a:stretch>
+        </p:blipFill>
+        <p:spPr>
+          <a:xfrm rot="13873712">
+            <a:off x="10050256" y="4548195"/>
+            <a:ext cx="545009" cy="272505"/>
+          </a:xfrm>
+          <a:prstGeom prst="rect">
+            <a:avLst/>
+          </a:prstGeom>
+        </p:spPr>
+      </p:pic>
+      <p:pic>
+        <p:nvPicPr>
+          <p:cNvPr id="47" name="Picture 46">
+            <a:extLst>
+              <a:ext uri="{FF2B5EF4-FFF2-40B4-BE49-F238E27FC236}">
+                <a16:creationId xmlns:a16="http://schemas.microsoft.com/office/drawing/2014/main" id="{B38D378B-3DC2-A340-A567-7600AB34A387}"/>
+              </a:ext>
+            </a:extLst>
+          </p:cNvPr>
+          <p:cNvPicPr>
+            <a:picLocks noChangeAspect="1"/>
+          </p:cNvPicPr>
+          <p:nvPr/>
+        </p:nvPicPr>
+        <p:blipFill>
+          <a:blip r:embed="rId3"/>
+          <a:stretch>
+            <a:fillRect/>
+          </a:stretch>
+        </p:blipFill>
+        <p:spPr>
+          <a:xfrm rot="19153627">
+            <a:off x="9659877" y="4537240"/>
+            <a:ext cx="463927" cy="463927"/>
+          </a:xfrm>
+          <a:prstGeom prst="rect">
+            <a:avLst/>
+          </a:prstGeom>
+        </p:spPr>
+      </p:pic>
+      <p:sp>
+        <p:nvSpPr>
+          <p:cNvPr id="48" name="四角形: 角を丸くする 4">
+            <a:extLst>
+              <a:ext uri="{FF2B5EF4-FFF2-40B4-BE49-F238E27FC236}">
+                <a16:creationId xmlns:a16="http://schemas.microsoft.com/office/drawing/2014/main" id="{1B234B58-D120-5947-8975-AD1EBF596D12}"/>
+              </a:ext>
+            </a:extLst>
+          </p:cNvPr>
+          <p:cNvSpPr/>
+          <p:nvPr/>
+        </p:nvSpPr>
+        <p:spPr>
+          <a:xfrm>
+            <a:off x="1552115" y="3491515"/>
+            <a:ext cx="2375666" cy="824718"/>
+          </a:xfrm>
+          <a:prstGeom prst="roundRect">
+            <a:avLst/>
+          </a:prstGeom>
+          <a:solidFill>
+            <a:schemeClr val="accent6">
+              <a:lumMod val="20000"/>
+              <a:lumOff val="80000"/>
+            </a:schemeClr>
+          </a:solidFill>
+          <a:ln w="38100"/>
+        </p:spPr>
+        <p:style>
+          <a:lnRef idx="2">
+            <a:schemeClr val="accent1"/>
+          </a:lnRef>
+          <a:fillRef idx="1">
+            <a:schemeClr val="lt1"/>
+          </a:fillRef>
+          <a:effectRef idx="0">
+            <a:schemeClr val="accent1"/>
+          </a:effectRef>
+          <a:fontRef idx="minor">
+            <a:schemeClr val="dk1"/>
+          </a:fontRef>
+        </p:style>
+        <p:txBody>
+          <a:bodyPr rtlCol="0" anchor="ctr"/>
+          <a:lstStyle/>
+          <a:p>
+            <a:pPr algn="ctr"/>
+            <a:r>
+              <a:rPr kumimoji="1" lang="en-US" altLang="ja-JP" b="1" dirty="0">
+                <a:solidFill>
+                  <a:schemeClr val="tx1"/>
+                </a:solidFill>
+              </a:rPr>
+              <a:t>2) </a:t>
+            </a:r>
+            <a:r>
+              <a:rPr kumimoji="1" lang="en-US" altLang="ja-JP" b="1" dirty="0">
+                <a:solidFill>
+                  <a:srgbClr val="0070C0"/>
+                </a:solidFill>
+              </a:rPr>
+              <a:t>Verify Signature </a:t>
+            </a:r>
+            <a:r>
+              <a:rPr kumimoji="1" lang="en-US" altLang="ja-JP" b="1" dirty="0">
+                <a:solidFill>
+                  <a:schemeClr val="tx1"/>
+                </a:solidFill>
+              </a:rPr>
+              <a:t>of the Public key!</a:t>
+            </a:r>
+          </a:p>
+        </p:txBody>
+      </p:sp>
+      <p:sp>
+        <p:nvSpPr>
+          <p:cNvPr id="49" name="四角形: 角を丸くする 4">
+            <a:extLst>
+              <a:ext uri="{FF2B5EF4-FFF2-40B4-BE49-F238E27FC236}">
+                <a16:creationId xmlns:a16="http://schemas.microsoft.com/office/drawing/2014/main" id="{8BB928BF-619E-4646-B07E-2BA747CE1CC3}"/>
+              </a:ext>
+            </a:extLst>
+          </p:cNvPr>
+          <p:cNvSpPr/>
+          <p:nvPr/>
+        </p:nvSpPr>
+        <p:spPr>
+          <a:xfrm>
+            <a:off x="1645439" y="1046996"/>
+            <a:ext cx="2112728" cy="824718"/>
+          </a:xfrm>
+          <a:prstGeom prst="roundRect">
+            <a:avLst/>
+          </a:prstGeom>
+          <a:solidFill>
+            <a:schemeClr val="bg1"/>
+          </a:solidFill>
+          <a:ln w="38100"/>
+        </p:spPr>
+        <p:style>
+          <a:lnRef idx="2">
+            <a:schemeClr val="accent1"/>
+          </a:lnRef>
+          <a:fillRef idx="1">
+            <a:schemeClr val="lt1"/>
+          </a:fillRef>
+          <a:effectRef idx="0">
+            <a:schemeClr val="accent1"/>
+          </a:effectRef>
+          <a:fontRef idx="minor">
+            <a:schemeClr val="dk1"/>
+          </a:fontRef>
+        </p:style>
+        <p:txBody>
+          <a:bodyPr rtlCol="0" anchor="ctr"/>
+          <a:lstStyle/>
+          <a:p>
+            <a:pPr algn="ctr"/>
+            <a:r>
+              <a:rPr kumimoji="1" lang="en-US" altLang="ja-JP" b="1" dirty="0">
+                <a:solidFill>
+                  <a:srgbClr val="7030A0"/>
+                </a:solidFill>
+              </a:rPr>
+              <a:t>1) Generate Key Pair for Encryption</a:t>
+            </a:r>
+          </a:p>
+        </p:txBody>
+      </p:sp>
+      <p:sp>
+        <p:nvSpPr>
+          <p:cNvPr id="50" name="四角形: 角を丸くする 4">
+            <a:extLst>
+              <a:ext uri="{FF2B5EF4-FFF2-40B4-BE49-F238E27FC236}">
+                <a16:creationId xmlns:a16="http://schemas.microsoft.com/office/drawing/2014/main" id="{E238C371-8D6C-2740-85A1-FBF3E7812E4B}"/>
+              </a:ext>
+            </a:extLst>
+          </p:cNvPr>
+          <p:cNvSpPr/>
+          <p:nvPr/>
+        </p:nvSpPr>
+        <p:spPr>
+          <a:xfrm>
+            <a:off x="449508" y="5569119"/>
+            <a:ext cx="2072816" cy="824718"/>
+          </a:xfrm>
+          <a:prstGeom prst="roundRect">
+            <a:avLst/>
+          </a:prstGeom>
+          <a:solidFill>
+            <a:schemeClr val="accent2">
+              <a:lumMod val="20000"/>
+              <a:lumOff val="80000"/>
+            </a:schemeClr>
+          </a:solidFill>
+          <a:ln w="38100"/>
+        </p:spPr>
+        <p:style>
+          <a:lnRef idx="2">
+            <a:schemeClr val="accent1"/>
+          </a:lnRef>
+          <a:fillRef idx="1">
+            <a:schemeClr val="lt1"/>
+          </a:fillRef>
+          <a:effectRef idx="0">
+            <a:schemeClr val="accent1"/>
+          </a:effectRef>
+          <a:fontRef idx="minor">
+            <a:schemeClr val="dk1"/>
+          </a:fontRef>
+        </p:style>
+        <p:txBody>
+          <a:bodyPr rtlCol="0" anchor="ctr"/>
+          <a:lstStyle/>
+          <a:p>
+            <a:pPr algn="ctr"/>
+            <a:r>
+              <a:rPr kumimoji="1" lang="en-US" altLang="ja-JP" b="1" dirty="0">
+                <a:solidFill>
+                  <a:schemeClr val="tx1"/>
+                </a:solidFill>
+              </a:rPr>
+              <a:t>5) AES-Decrypt and Check </a:t>
+            </a:r>
+            <a:r>
+              <a:rPr kumimoji="1" lang="en-US" altLang="ja-JP" b="1" dirty="0">
+                <a:solidFill>
+                  <a:srgbClr val="FF0000"/>
+                </a:solidFill>
+              </a:rPr>
+              <a:t>HMAC</a:t>
+            </a:r>
+            <a:r>
+              <a:rPr kumimoji="1" lang="en-US" altLang="ja-JP" b="1" dirty="0">
+                <a:solidFill>
+                  <a:schemeClr val="tx1"/>
+                </a:solidFill>
+              </a:rPr>
+              <a:t>!</a:t>
+            </a:r>
+          </a:p>
+        </p:txBody>
+      </p:sp>
+      <p:sp>
+        <p:nvSpPr>
+          <p:cNvPr id="52" name="Horizontal Scroll 51">
+            <a:extLst>
+              <a:ext uri="{FF2B5EF4-FFF2-40B4-BE49-F238E27FC236}">
+                <a16:creationId xmlns:a16="http://schemas.microsoft.com/office/drawing/2014/main" id="{B935B77D-EDA7-C949-AE08-27B38EB5D434}"/>
+              </a:ext>
+            </a:extLst>
+          </p:cNvPr>
+          <p:cNvSpPr/>
+          <p:nvPr/>
+        </p:nvSpPr>
+        <p:spPr>
+          <a:xfrm>
+            <a:off x="8080631" y="2376813"/>
+            <a:ext cx="580935" cy="409972"/>
+          </a:xfrm>
+          <a:prstGeom prst="horizontalScroll">
+            <a:avLst/>
+          </a:prstGeom>
+          <a:solidFill>
+            <a:schemeClr val="accent4">
+              <a:lumMod val="20000"/>
+              <a:lumOff val="80000"/>
+            </a:schemeClr>
+          </a:solidFill>
+        </p:spPr>
+        <p:style>
+          <a:lnRef idx="2">
+            <a:schemeClr val="accent1">
+              <a:shade val="50000"/>
+            </a:schemeClr>
+          </a:lnRef>
+          <a:fillRef idx="1">
+            <a:schemeClr val="accent1"/>
+          </a:fillRef>
+          <a:effectRef idx="0">
+            <a:schemeClr val="accent1"/>
+          </a:effectRef>
+          <a:fontRef idx="minor">
+            <a:schemeClr val="lt1"/>
+          </a:fontRef>
+        </p:style>
+        <p:txBody>
+          <a:bodyPr rtlCol="0" anchor="ctr"/>
+          <a:lstStyle/>
+          <a:p>
+            <a:pPr algn="ctr"/>
+            <a:r>
+              <a:rPr lang="en-US" sz="1400" b="1" dirty="0">
+                <a:solidFill>
+                  <a:schemeClr val="tx1"/>
+                </a:solidFill>
+              </a:rPr>
+              <a:t>Sig</a:t>
+            </a:r>
+          </a:p>
+        </p:txBody>
+      </p:sp>
+      <p:sp>
+        <p:nvSpPr>
+          <p:cNvPr id="53" name="Horizontal Scroll 52">
+            <a:extLst>
+              <a:ext uri="{FF2B5EF4-FFF2-40B4-BE49-F238E27FC236}">
+                <a16:creationId xmlns:a16="http://schemas.microsoft.com/office/drawing/2014/main" id="{FB35BF63-EFB1-344A-9354-CD0B4F04D6FC}"/>
+              </a:ext>
+            </a:extLst>
+          </p:cNvPr>
+          <p:cNvSpPr/>
+          <p:nvPr/>
+        </p:nvSpPr>
+        <p:spPr>
+          <a:xfrm>
+            <a:off x="2735460" y="2445045"/>
+            <a:ext cx="580935" cy="409972"/>
+          </a:xfrm>
+          <a:prstGeom prst="horizontalScroll">
+            <a:avLst/>
+          </a:prstGeom>
+          <a:solidFill>
+            <a:schemeClr val="accent2">
+              <a:lumMod val="20000"/>
+              <a:lumOff val="80000"/>
+            </a:schemeClr>
+          </a:solidFill>
+        </p:spPr>
+        <p:style>
+          <a:lnRef idx="2">
+            <a:schemeClr val="accent1">
+              <a:shade val="50000"/>
+            </a:schemeClr>
+          </a:lnRef>
+          <a:fillRef idx="1">
+            <a:schemeClr val="accent1"/>
+          </a:fillRef>
+          <a:effectRef idx="0">
+            <a:schemeClr val="accent1"/>
+          </a:effectRef>
+          <a:fontRef idx="minor">
+            <a:schemeClr val="lt1"/>
+          </a:fontRef>
+        </p:style>
+        <p:txBody>
+          <a:bodyPr rtlCol="0" anchor="ctr"/>
+          <a:lstStyle/>
+          <a:p>
+            <a:pPr algn="ctr"/>
+            <a:r>
+              <a:rPr lang="en-US" sz="1400" b="1" dirty="0">
+                <a:solidFill>
+                  <a:schemeClr val="tx1"/>
+                </a:solidFill>
+              </a:rPr>
+              <a:t>Sig</a:t>
+            </a:r>
+          </a:p>
+        </p:txBody>
+      </p:sp>
+      <p:sp>
+        <p:nvSpPr>
+          <p:cNvPr id="54" name="Horizontal Scroll 53">
+            <a:extLst>
+              <a:ext uri="{FF2B5EF4-FFF2-40B4-BE49-F238E27FC236}">
+                <a16:creationId xmlns:a16="http://schemas.microsoft.com/office/drawing/2014/main" id="{E8112F8E-483B-DF44-A462-CB47ECB90965}"/>
+              </a:ext>
+            </a:extLst>
+          </p:cNvPr>
+          <p:cNvSpPr/>
+          <p:nvPr/>
+        </p:nvSpPr>
+        <p:spPr>
+          <a:xfrm>
+            <a:off x="7531763" y="3263499"/>
+            <a:ext cx="580935" cy="409972"/>
+          </a:xfrm>
+          <a:prstGeom prst="horizontalScroll">
+            <a:avLst/>
+          </a:prstGeom>
+          <a:solidFill>
+            <a:schemeClr val="accent2">
+              <a:lumMod val="20000"/>
+              <a:lumOff val="80000"/>
+            </a:schemeClr>
+          </a:solidFill>
+        </p:spPr>
+        <p:style>
+          <a:lnRef idx="2">
+            <a:schemeClr val="accent1">
+              <a:shade val="50000"/>
+            </a:schemeClr>
+          </a:lnRef>
+          <a:fillRef idx="1">
+            <a:schemeClr val="accent1"/>
+          </a:fillRef>
+          <a:effectRef idx="0">
+            <a:schemeClr val="accent1"/>
+          </a:effectRef>
+          <a:fontRef idx="minor">
+            <a:schemeClr val="lt1"/>
+          </a:fontRef>
+        </p:style>
+        <p:txBody>
+          <a:bodyPr rtlCol="0" anchor="ctr"/>
+          <a:lstStyle/>
+          <a:p>
+            <a:pPr algn="ctr"/>
+            <a:r>
+              <a:rPr lang="en-US" sz="1400" b="1" dirty="0">
+                <a:solidFill>
+                  <a:schemeClr val="tx1"/>
+                </a:solidFill>
+              </a:rPr>
+              <a:t>Sig</a:t>
+            </a:r>
+          </a:p>
+        </p:txBody>
+      </p:sp>
+      <p:sp>
+        <p:nvSpPr>
+          <p:cNvPr id="55" name="Horizontal Scroll 54">
+            <a:extLst>
+              <a:ext uri="{FF2B5EF4-FFF2-40B4-BE49-F238E27FC236}">
+                <a16:creationId xmlns:a16="http://schemas.microsoft.com/office/drawing/2014/main" id="{16B19253-591B-7545-BB83-BB83A172D71C}"/>
+              </a:ext>
+            </a:extLst>
+          </p:cNvPr>
+          <p:cNvSpPr/>
+          <p:nvPr/>
+        </p:nvSpPr>
+        <p:spPr>
+          <a:xfrm>
+            <a:off x="3296726" y="3176666"/>
+            <a:ext cx="580935" cy="409972"/>
+          </a:xfrm>
+          <a:prstGeom prst="horizontalScroll">
+            <a:avLst/>
+          </a:prstGeom>
+          <a:solidFill>
+            <a:schemeClr val="accent4">
+              <a:lumMod val="20000"/>
+              <a:lumOff val="80000"/>
+            </a:schemeClr>
+          </a:solidFill>
+        </p:spPr>
+        <p:style>
+          <a:lnRef idx="2">
+            <a:schemeClr val="accent1">
+              <a:shade val="50000"/>
+            </a:schemeClr>
+          </a:lnRef>
+          <a:fillRef idx="1">
+            <a:schemeClr val="accent1"/>
+          </a:fillRef>
+          <a:effectRef idx="0">
+            <a:schemeClr val="accent1"/>
+          </a:effectRef>
+          <a:fontRef idx="minor">
+            <a:schemeClr val="lt1"/>
+          </a:fontRef>
+        </p:style>
+        <p:txBody>
+          <a:bodyPr rtlCol="0" anchor="ctr"/>
+          <a:lstStyle/>
+          <a:p>
+            <a:pPr algn="ctr"/>
+            <a:r>
+              <a:rPr lang="en-US" sz="1400" b="1" dirty="0">
+                <a:solidFill>
+                  <a:schemeClr val="tx1"/>
+                </a:solidFill>
+              </a:rPr>
+              <a:t>Sig</a:t>
+            </a:r>
+          </a:p>
+        </p:txBody>
+      </p:sp>
+    </p:spTree>
+    <p:extLst>
+      <p:ext uri="{BB962C8B-B14F-4D97-AF65-F5344CB8AC3E}">
+        <p14:creationId xmlns:p14="http://schemas.microsoft.com/office/powerpoint/2010/main" val="2071803598"/>
       </p:ext>
     </p:extLst>
   </p:cSld>
